--- a/pres-source/03-cloud-computing-background.pptx
+++ b/pres-source/03-cloud-computing-background.pptx
@@ -238,7 +238,7 @@
             <a:fld id="{7307762F-A706-E543-A832-3C298AA3103F}" type="datetimeFigureOut">
               <a:rPr lang="en-US" smtClean="0"/>
               <a:pPr/>
-              <a:t>13/11/15</a:t>
+              <a:t>27/11/15</a:t>
             </a:fld>
             <a:endParaRPr lang="en-US" dirty="0"/>
           </a:p>
@@ -1039,7 +1039,7 @@
           <a:p>
             <a:fld id="{875CF0EB-321F-0749-B37A-89BBA859503C}" type="datetimeFigureOut">
               <a:rPr lang="en-US" smtClean="0"/>
-              <a:t>13/11/15</a:t>
+              <a:t>27/11/15</a:t>
             </a:fld>
             <a:endParaRPr lang="en-US"/>
           </a:p>
@@ -1243,7 +1243,7 @@
           <a:p>
             <a:fld id="{875CF0EB-321F-0749-B37A-89BBA859503C}" type="datetimeFigureOut">
               <a:rPr lang="en-US" smtClean="0"/>
-              <a:t>13/11/15</a:t>
+              <a:t>27/11/15</a:t>
             </a:fld>
             <a:endParaRPr lang="en-US"/>
           </a:p>
@@ -1437,7 +1437,7 @@
           <a:p>
             <a:fld id="{875CF0EB-321F-0749-B37A-89BBA859503C}" type="datetimeFigureOut">
               <a:rPr lang="en-US" smtClean="0"/>
-              <a:t>13/11/15</a:t>
+              <a:t>27/11/15</a:t>
             </a:fld>
             <a:endParaRPr lang="en-US"/>
           </a:p>
@@ -1707,7 +1707,7 @@
           <a:p>
             <a:fld id="{875CF0EB-321F-0749-B37A-89BBA859503C}" type="datetimeFigureOut">
               <a:rPr lang="en-US" smtClean="0"/>
-              <a:t>13/11/15</a:t>
+              <a:t>27/11/15</a:t>
             </a:fld>
             <a:endParaRPr lang="en-US"/>
           </a:p>
@@ -2019,7 +2019,7 @@
           <a:p>
             <a:fld id="{875CF0EB-321F-0749-B37A-89BBA859503C}" type="datetimeFigureOut">
               <a:rPr lang="en-US" smtClean="0"/>
-              <a:t>13/11/15</a:t>
+              <a:t>27/11/15</a:t>
             </a:fld>
             <a:endParaRPr lang="en-US"/>
           </a:p>
@@ -2465,7 +2465,7 @@
           <a:p>
             <a:fld id="{875CF0EB-321F-0749-B37A-89BBA859503C}" type="datetimeFigureOut">
               <a:rPr lang="en-US" smtClean="0"/>
-              <a:t>13/11/15</a:t>
+              <a:t>27/11/15</a:t>
             </a:fld>
             <a:endParaRPr lang="en-US"/>
           </a:p>
@@ -2607,7 +2607,7 @@
           <a:p>
             <a:fld id="{875CF0EB-321F-0749-B37A-89BBA859503C}" type="datetimeFigureOut">
               <a:rPr lang="en-US" smtClean="0"/>
-              <a:t>13/11/15</a:t>
+              <a:t>27/11/15</a:t>
             </a:fld>
             <a:endParaRPr lang="en-US"/>
           </a:p>
@@ -2726,7 +2726,7 @@
           <a:p>
             <a:fld id="{875CF0EB-321F-0749-B37A-89BBA859503C}" type="datetimeFigureOut">
               <a:rPr lang="en-US" smtClean="0"/>
-              <a:t>13/11/15</a:t>
+              <a:t>27/11/15</a:t>
             </a:fld>
             <a:endParaRPr lang="en-US"/>
           </a:p>
@@ -3027,7 +3027,7 @@
           <a:p>
             <a:fld id="{875CF0EB-321F-0749-B37A-89BBA859503C}" type="datetimeFigureOut">
               <a:rPr lang="en-US" smtClean="0"/>
-              <a:t>13/11/15</a:t>
+              <a:t>27/11/15</a:t>
             </a:fld>
             <a:endParaRPr lang="en-US"/>
           </a:p>
@@ -3304,7 +3304,7 @@
           <a:p>
             <a:fld id="{875CF0EB-321F-0749-B37A-89BBA859503C}" type="datetimeFigureOut">
               <a:rPr lang="en-US" smtClean="0"/>
-              <a:t>13/11/15</a:t>
+              <a:t>27/11/15</a:t>
             </a:fld>
             <a:endParaRPr lang="en-US"/>
           </a:p>

--- a/pres-source/03-cloud-computing-background.pptx
+++ b/pres-source/03-cloud-computing-background.pptx
@@ -238,7 +238,7 @@
             <a:fld id="{7307762F-A706-E543-A832-3C298AA3103F}" type="datetimeFigureOut">
               <a:rPr lang="en-US" smtClean="0"/>
               <a:pPr/>
-              <a:t>27/11/15</a:t>
+              <a:t>30/11/15</a:t>
             </a:fld>
             <a:endParaRPr lang="en-US" dirty="0"/>
           </a:p>
@@ -1039,7 +1039,7 @@
           <a:p>
             <a:fld id="{875CF0EB-321F-0749-B37A-89BBA859503C}" type="datetimeFigureOut">
               <a:rPr lang="en-US" smtClean="0"/>
-              <a:t>27/11/15</a:t>
+              <a:t>30/11/15</a:t>
             </a:fld>
             <a:endParaRPr lang="en-US"/>
           </a:p>
@@ -1243,7 +1243,7 @@
           <a:p>
             <a:fld id="{875CF0EB-321F-0749-B37A-89BBA859503C}" type="datetimeFigureOut">
               <a:rPr lang="en-US" smtClean="0"/>
-              <a:t>27/11/15</a:t>
+              <a:t>30/11/15</a:t>
             </a:fld>
             <a:endParaRPr lang="en-US"/>
           </a:p>
@@ -1437,7 +1437,7 @@
           <a:p>
             <a:fld id="{875CF0EB-321F-0749-B37A-89BBA859503C}" type="datetimeFigureOut">
               <a:rPr lang="en-US" smtClean="0"/>
-              <a:t>27/11/15</a:t>
+              <a:t>30/11/15</a:t>
             </a:fld>
             <a:endParaRPr lang="en-US"/>
           </a:p>
@@ -1707,7 +1707,7 @@
           <a:p>
             <a:fld id="{875CF0EB-321F-0749-B37A-89BBA859503C}" type="datetimeFigureOut">
               <a:rPr lang="en-US" smtClean="0"/>
-              <a:t>27/11/15</a:t>
+              <a:t>30/11/15</a:t>
             </a:fld>
             <a:endParaRPr lang="en-US"/>
           </a:p>
@@ -2019,7 +2019,7 @@
           <a:p>
             <a:fld id="{875CF0EB-321F-0749-B37A-89BBA859503C}" type="datetimeFigureOut">
               <a:rPr lang="en-US" smtClean="0"/>
-              <a:t>27/11/15</a:t>
+              <a:t>30/11/15</a:t>
             </a:fld>
             <a:endParaRPr lang="en-US"/>
           </a:p>
@@ -2465,7 +2465,7 @@
           <a:p>
             <a:fld id="{875CF0EB-321F-0749-B37A-89BBA859503C}" type="datetimeFigureOut">
               <a:rPr lang="en-US" smtClean="0"/>
-              <a:t>27/11/15</a:t>
+              <a:t>30/11/15</a:t>
             </a:fld>
             <a:endParaRPr lang="en-US"/>
           </a:p>
@@ -2607,7 +2607,7 @@
           <a:p>
             <a:fld id="{875CF0EB-321F-0749-B37A-89BBA859503C}" type="datetimeFigureOut">
               <a:rPr lang="en-US" smtClean="0"/>
-              <a:t>27/11/15</a:t>
+              <a:t>30/11/15</a:t>
             </a:fld>
             <a:endParaRPr lang="en-US"/>
           </a:p>
@@ -2726,7 +2726,7 @@
           <a:p>
             <a:fld id="{875CF0EB-321F-0749-B37A-89BBA859503C}" type="datetimeFigureOut">
               <a:rPr lang="en-US" smtClean="0"/>
-              <a:t>27/11/15</a:t>
+              <a:t>30/11/15</a:t>
             </a:fld>
             <a:endParaRPr lang="en-US"/>
           </a:p>
@@ -3027,7 +3027,7 @@
           <a:p>
             <a:fld id="{875CF0EB-321F-0749-B37A-89BBA859503C}" type="datetimeFigureOut">
               <a:rPr lang="en-US" smtClean="0"/>
-              <a:t>27/11/15</a:t>
+              <a:t>30/11/15</a:t>
             </a:fld>
             <a:endParaRPr lang="en-US"/>
           </a:p>
@@ -3304,7 +3304,7 @@
           <a:p>
             <a:fld id="{875CF0EB-321F-0749-B37A-89BBA859503C}" type="datetimeFigureOut">
               <a:rPr lang="en-US" smtClean="0"/>
-              <a:t>27/11/15</a:t>
+              <a:t>30/11/15</a:t>
             </a:fld>
             <a:endParaRPr lang="en-US"/>
           </a:p>
@@ -3500,7 +3500,7 @@
       </p:sp>
       <p:sp>
         <p:nvSpPr>
-          <p:cNvPr id="21" name="TextBox 20"/>
+          <p:cNvPr id="8" name="TextBox 7"/>
           <p:cNvSpPr txBox="1">
             <a:spLocks noChangeArrowheads="1"/>
           </p:cNvSpPr>
@@ -3508,8 +3508,8 @@
         </p:nvSpPr>
         <p:spPr bwMode="auto">
           <a:xfrm>
-            <a:off x="1046163" y="6092834"/>
-            <a:ext cx="6853158" cy="553998"/>
+            <a:off x="1168930" y="6408634"/>
+            <a:ext cx="3429144" cy="415498"/>
           </a:xfrm>
           <a:prstGeom prst="rect">
             <a:avLst/>
@@ -3681,22 +3681,22 @@
               <a:defRPr/>
             </a:pPr>
             <a:r>
-              <a:rPr lang="en-US" sz="1000" dirty="0" smtClean="0">
+              <a:rPr lang="en-US" sz="700" dirty="0" smtClean="0">
                 <a:latin typeface="Montserrat"/>
               </a:rPr>
-              <a:t>© Paul Fremantle 2015.  Licensed under the Creative Commons 4.0 BY-SA (Attribution-</a:t>
-            </a:r>
-            <a:r>
-              <a:rPr lang="en-US" sz="1000" dirty="0" err="1" smtClean="0">
+              <a:t>© Paul Fremantle 2015.  </a:t>
+            </a:r>
+            <a:r>
+              <a:rPr lang="en-US" sz="700" dirty="0" smtClean="0">
                 <a:latin typeface="Montserrat"/>
               </a:rPr>
-              <a:t>Sharealike</a:t>
-            </a:r>
-            <a:r>
-              <a:rPr lang="en-US" sz="1000" dirty="0" smtClean="0">
+              <a:t>This </a:t>
+            </a:r>
+            <a:r>
+              <a:rPr lang="en-US" sz="700" dirty="0" smtClean="0">
                 <a:latin typeface="Montserrat"/>
               </a:rPr>
-              <a:t>) license.</a:t>
+              <a:t>work is licensed under a Creative Commons</a:t>
             </a:r>
           </a:p>
           <a:p>
@@ -3704,87 +3704,84 @@
               <a:defRPr/>
             </a:pPr>
             <a:r>
-              <a:rPr lang="en-US" sz="1000" dirty="0" smtClean="0">
+              <a:rPr lang="en-US" sz="700" dirty="0" smtClean="0">
                 <a:latin typeface="Montserrat"/>
               </a:rPr>
-              <a:t>See </a:t>
-            </a:r>
-            <a:r>
-              <a:rPr lang="en-US" sz="1000" dirty="0" smtClean="0">
+              <a:t> Attribution-</a:t>
+            </a:r>
+            <a:r>
+              <a:rPr lang="en-US" sz="700" dirty="0" err="1" smtClean="0">
+                <a:latin typeface="Montserrat"/>
+              </a:rPr>
+              <a:t>NonCommercial</a:t>
+            </a:r>
+            <a:r>
+              <a:rPr lang="en-US" sz="700" dirty="0" smtClean="0">
+                <a:latin typeface="Montserrat"/>
+              </a:rPr>
+              <a:t>-</a:t>
+            </a:r>
+            <a:r>
+              <a:rPr lang="en-US" sz="700" dirty="0" err="1" smtClean="0">
+                <a:latin typeface="Montserrat"/>
+              </a:rPr>
+              <a:t>ShareAlike</a:t>
+            </a:r>
+            <a:r>
+              <a:rPr lang="en-US" sz="700" dirty="0" smtClean="0">
+                <a:latin typeface="Montserrat"/>
+              </a:rPr>
+              <a:t> 4.0 International License</a:t>
+            </a:r>
+            <a:br>
+              <a:rPr lang="en-US" sz="700" dirty="0" smtClean="0">
+                <a:latin typeface="Montserrat"/>
+              </a:rPr>
+            </a:br>
+            <a:r>
+              <a:rPr lang="en-US" sz="700" dirty="0" smtClean="0">
+                <a:latin typeface="Montserrat"/>
+              </a:rPr>
+              <a:t>See  </a:t>
+            </a:r>
+            <a:r>
+              <a:rPr lang="en-US" sz="700" dirty="0" smtClean="0">
                 <a:latin typeface="Montserrat"/>
                 <a:hlinkClick r:id="rId13"/>
               </a:rPr>
-              <a:t>http://creativecommons.org/licenses/by-sa/4.0/</a:t>
-            </a:r>
-            <a:r>
-              <a:rPr lang="en-US" sz="1000" dirty="0" smtClean="0">
+              <a:t>http://creativecommons.org/licenses/by-nc-sa/4.0/</a:t>
+            </a:r>
+            <a:r>
+              <a:rPr lang="en-US" sz="700" dirty="0" smtClean="0">
                 <a:latin typeface="Montserrat"/>
               </a:rPr>
               <a:t> </a:t>
             </a:r>
           </a:p>
-          <a:p>
-            <a:pPr algn="l" eaLnBrk="1" hangingPunct="1">
-              <a:defRPr/>
-            </a:pPr>
-            <a:endParaRPr lang="en-US" sz="1000" dirty="0" smtClean="0">
-              <a:latin typeface="Montserrat"/>
-            </a:endParaRPr>
-          </a:p>
         </p:txBody>
       </p:sp>
       <p:pic>
         <p:nvPicPr>
-          <p:cNvPr id="24" name="Picture 23"/>
+          <p:cNvPr id="9" name="Picture 8"/>
           <p:cNvPicPr>
-            <a:picLocks noChangeAspect="1" noChangeArrowheads="1"/>
+            <a:picLocks noChangeAspect="1"/>
           </p:cNvPicPr>
           <p:nvPr userDrawn="1"/>
         </p:nvPicPr>
         <p:blipFill>
-          <a:blip r:embed="rId14">
-            <a:extLst>
-              <a:ext uri="{28A0092B-C50C-407E-A947-70E740481C1C}">
-                <a14:useLocalDpi xmlns:a14="http://schemas.microsoft.com/office/drawing/2010/main" val="0"/>
-              </a:ext>
-            </a:extLst>
-          </a:blip>
-          <a:srcRect/>
+          <a:blip r:embed="rId14"/>
           <a:stretch>
             <a:fillRect/>
           </a:stretch>
         </p:blipFill>
-        <p:spPr bwMode="auto">
-          <a:xfrm>
-            <a:off x="320764" y="6254746"/>
-            <a:ext cx="725399" cy="258097"/>
+        <p:spPr>
+          <a:xfrm>
+            <a:off x="375635" y="6492098"/>
+            <a:ext cx="792765" cy="279269"/>
           </a:xfrm>
           <a:prstGeom prst="rect">
             <a:avLst/>
           </a:prstGeom>
-          <a:noFill/>
-          <a:ln>
-            <a:noFill/>
-          </a:ln>
-          <a:extLst>
-            <a:ext uri="{909E8E84-426E-40dd-AFC4-6F175D3DCCD1}">
-              <a14:hiddenFill xmlns:a14="http://schemas.microsoft.com/office/drawing/2010/main">
-                <a:solidFill>
-                  <a:srgbClr val="FFFFFF"/>
-                </a:solidFill>
-              </a14:hiddenFill>
-            </a:ext>
-            <a:ext uri="{91240B29-F687-4f45-9708-019B960494DF}">
-              <a14:hiddenLine xmlns:a14="http://schemas.microsoft.com/office/drawing/2010/main" w="9525">
-                <a:solidFill>
-                  <a:srgbClr val="000000"/>
-                </a:solidFill>
-                <a:miter lim="800000"/>
-                <a:headEnd/>
-                <a:tailEnd/>
-              </a14:hiddenLine>
-            </a:ext>
-          </a:extLst>
         </p:spPr>
       </p:pic>
     </p:spTree>

--- a/pres-source/03-cloud-computing-background.pptx
+++ b/pres-source/03-cloud-computing-background.pptx
@@ -238,7 +238,7 @@
             <a:fld id="{7307762F-A706-E543-A832-3C298AA3103F}" type="datetimeFigureOut">
               <a:rPr lang="en-US" smtClean="0"/>
               <a:pPr/>
-              <a:t>30/11/15</a:t>
+              <a:t>09/09/16</a:t>
             </a:fld>
             <a:endParaRPr lang="en-US" dirty="0"/>
           </a:p>
@@ -1039,7 +1039,7 @@
           <a:p>
             <a:fld id="{875CF0EB-321F-0749-B37A-89BBA859503C}" type="datetimeFigureOut">
               <a:rPr lang="en-US" smtClean="0"/>
-              <a:t>30/11/15</a:t>
+              <a:t>09/09/16</a:t>
             </a:fld>
             <a:endParaRPr lang="en-US"/>
           </a:p>
@@ -1243,7 +1243,7 @@
           <a:p>
             <a:fld id="{875CF0EB-321F-0749-B37A-89BBA859503C}" type="datetimeFigureOut">
               <a:rPr lang="en-US" smtClean="0"/>
-              <a:t>30/11/15</a:t>
+              <a:t>09/09/16</a:t>
             </a:fld>
             <a:endParaRPr lang="en-US"/>
           </a:p>
@@ -1437,7 +1437,7 @@
           <a:p>
             <a:fld id="{875CF0EB-321F-0749-B37A-89BBA859503C}" type="datetimeFigureOut">
               <a:rPr lang="en-US" smtClean="0"/>
-              <a:t>30/11/15</a:t>
+              <a:t>09/09/16</a:t>
             </a:fld>
             <a:endParaRPr lang="en-US"/>
           </a:p>
@@ -1707,7 +1707,7 @@
           <a:p>
             <a:fld id="{875CF0EB-321F-0749-B37A-89BBA859503C}" type="datetimeFigureOut">
               <a:rPr lang="en-US" smtClean="0"/>
-              <a:t>30/11/15</a:t>
+              <a:t>09/09/16</a:t>
             </a:fld>
             <a:endParaRPr lang="en-US"/>
           </a:p>
@@ -2019,7 +2019,7 @@
           <a:p>
             <a:fld id="{875CF0EB-321F-0749-B37A-89BBA859503C}" type="datetimeFigureOut">
               <a:rPr lang="en-US" smtClean="0"/>
-              <a:t>30/11/15</a:t>
+              <a:t>09/09/16</a:t>
             </a:fld>
             <a:endParaRPr lang="en-US"/>
           </a:p>
@@ -2465,7 +2465,7 @@
           <a:p>
             <a:fld id="{875CF0EB-321F-0749-B37A-89BBA859503C}" type="datetimeFigureOut">
               <a:rPr lang="en-US" smtClean="0"/>
-              <a:t>30/11/15</a:t>
+              <a:t>09/09/16</a:t>
             </a:fld>
             <a:endParaRPr lang="en-US"/>
           </a:p>
@@ -2607,7 +2607,7 @@
           <a:p>
             <a:fld id="{875CF0EB-321F-0749-B37A-89BBA859503C}" type="datetimeFigureOut">
               <a:rPr lang="en-US" smtClean="0"/>
-              <a:t>30/11/15</a:t>
+              <a:t>09/09/16</a:t>
             </a:fld>
             <a:endParaRPr lang="en-US"/>
           </a:p>
@@ -2726,7 +2726,7 @@
           <a:p>
             <a:fld id="{875CF0EB-321F-0749-B37A-89BBA859503C}" type="datetimeFigureOut">
               <a:rPr lang="en-US" smtClean="0"/>
-              <a:t>30/11/15</a:t>
+              <a:t>09/09/16</a:t>
             </a:fld>
             <a:endParaRPr lang="en-US"/>
           </a:p>
@@ -3027,7 +3027,7 @@
           <a:p>
             <a:fld id="{875CF0EB-321F-0749-B37A-89BBA859503C}" type="datetimeFigureOut">
               <a:rPr lang="en-US" smtClean="0"/>
-              <a:t>30/11/15</a:t>
+              <a:t>09/09/16</a:t>
             </a:fld>
             <a:endParaRPr lang="en-US"/>
           </a:p>
@@ -3304,7 +3304,7 @@
           <a:p>
             <a:fld id="{875CF0EB-321F-0749-B37A-89BBA859503C}" type="datetimeFigureOut">
               <a:rPr lang="en-US" smtClean="0"/>
-              <a:t>30/11/15</a:t>
+              <a:t>09/09/16</a:t>
             </a:fld>
             <a:endParaRPr lang="en-US"/>
           </a:p>
@@ -3684,19 +3684,7 @@
               <a:rPr lang="en-US" sz="700" dirty="0" smtClean="0">
                 <a:latin typeface="Montserrat"/>
               </a:rPr>
-              <a:t>© Paul Fremantle 2015.  </a:t>
-            </a:r>
-            <a:r>
-              <a:rPr lang="en-US" sz="700" dirty="0" smtClean="0">
-                <a:latin typeface="Montserrat"/>
-              </a:rPr>
-              <a:t>This </a:t>
-            </a:r>
-            <a:r>
-              <a:rPr lang="en-US" sz="700" dirty="0" smtClean="0">
-                <a:latin typeface="Montserrat"/>
-              </a:rPr>
-              <a:t>work is licensed under a Creative Commons</a:t>
+              <a:t>© Paul Fremantle 2015.  This work is licensed under a Creative Commons</a:t>
             </a:r>
           </a:p>
           <a:p>
@@ -4245,11 +4233,11 @@
           <a:p>
             <a:pPr eaLnBrk="1" hangingPunct="1"/>
             <a:r>
-              <a:rPr lang="en-US" dirty="0" smtClean="0">
+              <a:rPr lang="en-US" smtClean="0">
                 <a:ea typeface="ヒラギノ角ゴ ProN W3" charset="0"/>
                 <a:cs typeface="ヒラギノ角ゴ ProN W3" charset="0"/>
               </a:rPr>
-              <a:t>Nov 2015</a:t>
+              <a:t>Sep 2016</a:t>
             </a:r>
             <a:endParaRPr lang="en-US" dirty="0">
               <a:ea typeface="ヒラギノ角ゴ ProN W3" charset="0"/>

--- a/pres-source/03-cloud-computing-background.pptx
+++ b/pres-source/03-cloud-computing-background.pptx
@@ -238,7 +238,7 @@
             <a:fld id="{7307762F-A706-E543-A832-3C298AA3103F}" type="datetimeFigureOut">
               <a:rPr lang="en-US" smtClean="0"/>
               <a:pPr/>
-              <a:t>09/09/16</a:t>
+              <a:t>07/07/17</a:t>
             </a:fld>
             <a:endParaRPr lang="en-US" dirty="0"/>
           </a:p>
@@ -1039,7 +1039,7 @@
           <a:p>
             <a:fld id="{875CF0EB-321F-0749-B37A-89BBA859503C}" type="datetimeFigureOut">
               <a:rPr lang="en-US" smtClean="0"/>
-              <a:t>09/09/16</a:t>
+              <a:t>07/07/17</a:t>
             </a:fld>
             <a:endParaRPr lang="en-US"/>
           </a:p>
@@ -1243,7 +1243,7 @@
           <a:p>
             <a:fld id="{875CF0EB-321F-0749-B37A-89BBA859503C}" type="datetimeFigureOut">
               <a:rPr lang="en-US" smtClean="0"/>
-              <a:t>09/09/16</a:t>
+              <a:t>07/07/17</a:t>
             </a:fld>
             <a:endParaRPr lang="en-US"/>
           </a:p>
@@ -1437,7 +1437,7 @@
           <a:p>
             <a:fld id="{875CF0EB-321F-0749-B37A-89BBA859503C}" type="datetimeFigureOut">
               <a:rPr lang="en-US" smtClean="0"/>
-              <a:t>09/09/16</a:t>
+              <a:t>07/07/17</a:t>
             </a:fld>
             <a:endParaRPr lang="en-US"/>
           </a:p>
@@ -1707,7 +1707,7 @@
           <a:p>
             <a:fld id="{875CF0EB-321F-0749-B37A-89BBA859503C}" type="datetimeFigureOut">
               <a:rPr lang="en-US" smtClean="0"/>
-              <a:t>09/09/16</a:t>
+              <a:t>07/07/17</a:t>
             </a:fld>
             <a:endParaRPr lang="en-US"/>
           </a:p>
@@ -2019,7 +2019,7 @@
           <a:p>
             <a:fld id="{875CF0EB-321F-0749-B37A-89BBA859503C}" type="datetimeFigureOut">
               <a:rPr lang="en-US" smtClean="0"/>
-              <a:t>09/09/16</a:t>
+              <a:t>07/07/17</a:t>
             </a:fld>
             <a:endParaRPr lang="en-US"/>
           </a:p>
@@ -2465,7 +2465,7 @@
           <a:p>
             <a:fld id="{875CF0EB-321F-0749-B37A-89BBA859503C}" type="datetimeFigureOut">
               <a:rPr lang="en-US" smtClean="0"/>
-              <a:t>09/09/16</a:t>
+              <a:t>07/07/17</a:t>
             </a:fld>
             <a:endParaRPr lang="en-US"/>
           </a:p>
@@ -2607,7 +2607,7 @@
           <a:p>
             <a:fld id="{875CF0EB-321F-0749-B37A-89BBA859503C}" type="datetimeFigureOut">
               <a:rPr lang="en-US" smtClean="0"/>
-              <a:t>09/09/16</a:t>
+              <a:t>07/07/17</a:t>
             </a:fld>
             <a:endParaRPr lang="en-US"/>
           </a:p>
@@ -2726,7 +2726,7 @@
           <a:p>
             <a:fld id="{875CF0EB-321F-0749-B37A-89BBA859503C}" type="datetimeFigureOut">
               <a:rPr lang="en-US" smtClean="0"/>
-              <a:t>09/09/16</a:t>
+              <a:t>07/07/17</a:t>
             </a:fld>
             <a:endParaRPr lang="en-US"/>
           </a:p>
@@ -3027,7 +3027,7 @@
           <a:p>
             <a:fld id="{875CF0EB-321F-0749-B37A-89BBA859503C}" type="datetimeFigureOut">
               <a:rPr lang="en-US" smtClean="0"/>
-              <a:t>09/09/16</a:t>
+              <a:t>07/07/17</a:t>
             </a:fld>
             <a:endParaRPr lang="en-US"/>
           </a:p>
@@ -3304,7 +3304,7 @@
           <a:p>
             <a:fld id="{875CF0EB-321F-0749-B37A-89BBA859503C}" type="datetimeFigureOut">
               <a:rPr lang="en-US" smtClean="0"/>
-              <a:t>09/09/16</a:t>
+              <a:t>07/07/17</a:t>
             </a:fld>
             <a:endParaRPr lang="en-US"/>
           </a:p>

--- a/pres-source/03-cloud-computing-background.pptx
+++ b/pres-source/03-cloud-computing-background.pptx
@@ -238,7 +238,7 @@
             <a:fld id="{7307762F-A706-E543-A832-3C298AA3103F}" type="datetimeFigureOut">
               <a:rPr lang="en-US" smtClean="0"/>
               <a:pPr/>
-              <a:t>07/07/17</a:t>
+              <a:t>09/07/17</a:t>
             </a:fld>
             <a:endParaRPr lang="en-US" dirty="0"/>
           </a:p>
@@ -1039,7 +1039,7 @@
           <a:p>
             <a:fld id="{875CF0EB-321F-0749-B37A-89BBA859503C}" type="datetimeFigureOut">
               <a:rPr lang="en-US" smtClean="0"/>
-              <a:t>07/07/17</a:t>
+              <a:t>09/07/17</a:t>
             </a:fld>
             <a:endParaRPr lang="en-US"/>
           </a:p>
@@ -1243,7 +1243,7 @@
           <a:p>
             <a:fld id="{875CF0EB-321F-0749-B37A-89BBA859503C}" type="datetimeFigureOut">
               <a:rPr lang="en-US" smtClean="0"/>
-              <a:t>07/07/17</a:t>
+              <a:t>09/07/17</a:t>
             </a:fld>
             <a:endParaRPr lang="en-US"/>
           </a:p>
@@ -1437,7 +1437,7 @@
           <a:p>
             <a:fld id="{875CF0EB-321F-0749-B37A-89BBA859503C}" type="datetimeFigureOut">
               <a:rPr lang="en-US" smtClean="0"/>
-              <a:t>07/07/17</a:t>
+              <a:t>09/07/17</a:t>
             </a:fld>
             <a:endParaRPr lang="en-US"/>
           </a:p>
@@ -1707,7 +1707,7 @@
           <a:p>
             <a:fld id="{875CF0EB-321F-0749-B37A-89BBA859503C}" type="datetimeFigureOut">
               <a:rPr lang="en-US" smtClean="0"/>
-              <a:t>07/07/17</a:t>
+              <a:t>09/07/17</a:t>
             </a:fld>
             <a:endParaRPr lang="en-US"/>
           </a:p>
@@ -2019,7 +2019,7 @@
           <a:p>
             <a:fld id="{875CF0EB-321F-0749-B37A-89BBA859503C}" type="datetimeFigureOut">
               <a:rPr lang="en-US" smtClean="0"/>
-              <a:t>07/07/17</a:t>
+              <a:t>09/07/17</a:t>
             </a:fld>
             <a:endParaRPr lang="en-US"/>
           </a:p>
@@ -2465,7 +2465,7 @@
           <a:p>
             <a:fld id="{875CF0EB-321F-0749-B37A-89BBA859503C}" type="datetimeFigureOut">
               <a:rPr lang="en-US" smtClean="0"/>
-              <a:t>07/07/17</a:t>
+              <a:t>09/07/17</a:t>
             </a:fld>
             <a:endParaRPr lang="en-US"/>
           </a:p>
@@ -2607,7 +2607,7 @@
           <a:p>
             <a:fld id="{875CF0EB-321F-0749-B37A-89BBA859503C}" type="datetimeFigureOut">
               <a:rPr lang="en-US" smtClean="0"/>
-              <a:t>07/07/17</a:t>
+              <a:t>09/07/17</a:t>
             </a:fld>
             <a:endParaRPr lang="en-US"/>
           </a:p>
@@ -2726,7 +2726,7 @@
           <a:p>
             <a:fld id="{875CF0EB-321F-0749-B37A-89BBA859503C}" type="datetimeFigureOut">
               <a:rPr lang="en-US" smtClean="0"/>
-              <a:t>07/07/17</a:t>
+              <a:t>09/07/17</a:t>
             </a:fld>
             <a:endParaRPr lang="en-US"/>
           </a:p>
@@ -3027,7 +3027,7 @@
           <a:p>
             <a:fld id="{875CF0EB-321F-0749-B37A-89BBA859503C}" type="datetimeFigureOut">
               <a:rPr lang="en-US" smtClean="0"/>
-              <a:t>07/07/17</a:t>
+              <a:t>09/07/17</a:t>
             </a:fld>
             <a:endParaRPr lang="en-US"/>
           </a:p>
@@ -3304,7 +3304,7 @@
           <a:p>
             <a:fld id="{875CF0EB-321F-0749-B37A-89BBA859503C}" type="datetimeFigureOut">
               <a:rPr lang="en-US" smtClean="0"/>
-              <a:t>07/07/17</a:t>
+              <a:t>09/07/17</a:t>
             </a:fld>
             <a:endParaRPr lang="en-US"/>
           </a:p>
@@ -4237,7 +4237,7 @@
                 <a:ea typeface="ヒラギノ角ゴ ProN W3" charset="0"/>
                 <a:cs typeface="ヒラギノ角ゴ ProN W3" charset="0"/>
               </a:rPr>
-              <a:t>Sep 2016</a:t>
+              <a:t>July 2017</a:t>
             </a:r>
             <a:endParaRPr lang="en-US" dirty="0">
               <a:ea typeface="ヒラギノ角ゴ ProN W3" charset="0"/>

--- a/pres-source/03-cloud-computing-background.pptx
+++ b/pres-source/03-cloud-computing-background.pptx
@@ -5,51 +5,56 @@
     <p:sldMasterId id="2147483648" r:id="rId1"/>
   </p:sldMasterIdLst>
   <p:notesMasterIdLst>
-    <p:notesMasterId r:id="rId44"/>
+    <p:notesMasterId r:id="rId49"/>
   </p:notesMasterIdLst>
   <p:sldIdLst>
     <p:sldId id="256" r:id="rId2"/>
     <p:sldId id="257" r:id="rId3"/>
     <p:sldId id="258" r:id="rId4"/>
-    <p:sldId id="259" r:id="rId5"/>
-    <p:sldId id="260" r:id="rId6"/>
-    <p:sldId id="261" r:id="rId7"/>
-    <p:sldId id="262" r:id="rId8"/>
-    <p:sldId id="263" r:id="rId9"/>
-    <p:sldId id="264" r:id="rId10"/>
-    <p:sldId id="286" r:id="rId11"/>
-    <p:sldId id="288" r:id="rId12"/>
-    <p:sldId id="287" r:id="rId13"/>
-    <p:sldId id="265" r:id="rId14"/>
-    <p:sldId id="268" r:id="rId15"/>
-    <p:sldId id="274" r:id="rId16"/>
-    <p:sldId id="271" r:id="rId17"/>
-    <p:sldId id="272" r:id="rId18"/>
-    <p:sldId id="273" r:id="rId19"/>
-    <p:sldId id="266" r:id="rId20"/>
-    <p:sldId id="267" r:id="rId21"/>
-    <p:sldId id="269" r:id="rId22"/>
-    <p:sldId id="270" r:id="rId23"/>
-    <p:sldId id="275" r:id="rId24"/>
-    <p:sldId id="276" r:id="rId25"/>
-    <p:sldId id="277" r:id="rId26"/>
-    <p:sldId id="278" r:id="rId27"/>
-    <p:sldId id="303" r:id="rId28"/>
-    <p:sldId id="304" r:id="rId29"/>
-    <p:sldId id="306" r:id="rId30"/>
-    <p:sldId id="279" r:id="rId31"/>
-    <p:sldId id="299" r:id="rId32"/>
-    <p:sldId id="280" r:id="rId33"/>
-    <p:sldId id="296" r:id="rId34"/>
-    <p:sldId id="297" r:id="rId35"/>
-    <p:sldId id="295" r:id="rId36"/>
-    <p:sldId id="291" r:id="rId37"/>
-    <p:sldId id="294" r:id="rId38"/>
-    <p:sldId id="300" r:id="rId39"/>
-    <p:sldId id="301" r:id="rId40"/>
-    <p:sldId id="302" r:id="rId41"/>
-    <p:sldId id="289" r:id="rId42"/>
-    <p:sldId id="290" r:id="rId43"/>
+    <p:sldId id="310" r:id="rId5"/>
+    <p:sldId id="259" r:id="rId6"/>
+    <p:sldId id="260" r:id="rId7"/>
+    <p:sldId id="261" r:id="rId8"/>
+    <p:sldId id="262" r:id="rId9"/>
+    <p:sldId id="263" r:id="rId10"/>
+    <p:sldId id="264" r:id="rId11"/>
+    <p:sldId id="286" r:id="rId12"/>
+    <p:sldId id="288" r:id="rId13"/>
+    <p:sldId id="287" r:id="rId14"/>
+    <p:sldId id="265" r:id="rId15"/>
+    <p:sldId id="268" r:id="rId16"/>
+    <p:sldId id="274" r:id="rId17"/>
+    <p:sldId id="271" r:id="rId18"/>
+    <p:sldId id="272" r:id="rId19"/>
+    <p:sldId id="273" r:id="rId20"/>
+    <p:sldId id="266" r:id="rId21"/>
+    <p:sldId id="267" r:id="rId22"/>
+    <p:sldId id="269" r:id="rId23"/>
+    <p:sldId id="270" r:id="rId24"/>
+    <p:sldId id="275" r:id="rId25"/>
+    <p:sldId id="276" r:id="rId26"/>
+    <p:sldId id="277" r:id="rId27"/>
+    <p:sldId id="278" r:id="rId28"/>
+    <p:sldId id="303" r:id="rId29"/>
+    <p:sldId id="304" r:id="rId30"/>
+    <p:sldId id="306" r:id="rId31"/>
+    <p:sldId id="279" r:id="rId32"/>
+    <p:sldId id="311" r:id="rId33"/>
+    <p:sldId id="299" r:id="rId34"/>
+    <p:sldId id="280" r:id="rId35"/>
+    <p:sldId id="296" r:id="rId36"/>
+    <p:sldId id="297" r:id="rId37"/>
+    <p:sldId id="295" r:id="rId38"/>
+    <p:sldId id="291" r:id="rId39"/>
+    <p:sldId id="294" r:id="rId40"/>
+    <p:sldId id="300" r:id="rId41"/>
+    <p:sldId id="301" r:id="rId42"/>
+    <p:sldId id="307" r:id="rId43"/>
+    <p:sldId id="302" r:id="rId44"/>
+    <p:sldId id="308" r:id="rId45"/>
+    <p:sldId id="309" r:id="rId46"/>
+    <p:sldId id="289" r:id="rId47"/>
+    <p:sldId id="290" r:id="rId48"/>
   </p:sldIdLst>
   <p:sldSz cx="9144000" cy="6858000" type="screen4x3"/>
   <p:notesSz cx="6858000" cy="9144000"/>
@@ -238,7 +243,7 @@
             <a:fld id="{7307762F-A706-E543-A832-3C298AA3103F}" type="datetimeFigureOut">
               <a:rPr lang="en-US" smtClean="0"/>
               <a:pPr/>
-              <a:t>09/07/17</a:t>
+              <a:t>22/08/17</a:t>
             </a:fld>
             <a:endParaRPr lang="en-US" dirty="0"/>
           </a:p>
@@ -556,7 +561,7 @@
             <a:fld id="{547A471C-48D1-7B44-95AC-9BC38E01C91C}" type="slidenum">
               <a:rPr lang="en-GB"/>
               <a:pPr/>
-              <a:t>10</a:t>
+              <a:t>11</a:t>
             </a:fld>
             <a:endParaRPr lang="en-GB"/>
           </a:p>
@@ -1039,7 +1044,7 @@
           <a:p>
             <a:fld id="{875CF0EB-321F-0749-B37A-89BBA859503C}" type="datetimeFigureOut">
               <a:rPr lang="en-US" smtClean="0"/>
-              <a:t>09/07/17</a:t>
+              <a:t>22/08/17</a:t>
             </a:fld>
             <a:endParaRPr lang="en-US"/>
           </a:p>
@@ -1243,7 +1248,7 @@
           <a:p>
             <a:fld id="{875CF0EB-321F-0749-B37A-89BBA859503C}" type="datetimeFigureOut">
               <a:rPr lang="en-US" smtClean="0"/>
-              <a:t>09/07/17</a:t>
+              <a:t>22/08/17</a:t>
             </a:fld>
             <a:endParaRPr lang="en-US"/>
           </a:p>
@@ -1437,7 +1442,7 @@
           <a:p>
             <a:fld id="{875CF0EB-321F-0749-B37A-89BBA859503C}" type="datetimeFigureOut">
               <a:rPr lang="en-US" smtClean="0"/>
-              <a:t>09/07/17</a:t>
+              <a:t>22/08/17</a:t>
             </a:fld>
             <a:endParaRPr lang="en-US"/>
           </a:p>
@@ -1707,7 +1712,7 @@
           <a:p>
             <a:fld id="{875CF0EB-321F-0749-B37A-89BBA859503C}" type="datetimeFigureOut">
               <a:rPr lang="en-US" smtClean="0"/>
-              <a:t>09/07/17</a:t>
+              <a:t>22/08/17</a:t>
             </a:fld>
             <a:endParaRPr lang="en-US"/>
           </a:p>
@@ -2019,7 +2024,7 @@
           <a:p>
             <a:fld id="{875CF0EB-321F-0749-B37A-89BBA859503C}" type="datetimeFigureOut">
               <a:rPr lang="en-US" smtClean="0"/>
-              <a:t>09/07/17</a:t>
+              <a:t>22/08/17</a:t>
             </a:fld>
             <a:endParaRPr lang="en-US"/>
           </a:p>
@@ -2465,7 +2470,7 @@
           <a:p>
             <a:fld id="{875CF0EB-321F-0749-B37A-89BBA859503C}" type="datetimeFigureOut">
               <a:rPr lang="en-US" smtClean="0"/>
-              <a:t>09/07/17</a:t>
+              <a:t>22/08/17</a:t>
             </a:fld>
             <a:endParaRPr lang="en-US"/>
           </a:p>
@@ -2607,7 +2612,7 @@
           <a:p>
             <a:fld id="{875CF0EB-321F-0749-B37A-89BBA859503C}" type="datetimeFigureOut">
               <a:rPr lang="en-US" smtClean="0"/>
-              <a:t>09/07/17</a:t>
+              <a:t>22/08/17</a:t>
             </a:fld>
             <a:endParaRPr lang="en-US"/>
           </a:p>
@@ -2726,7 +2731,7 @@
           <a:p>
             <a:fld id="{875CF0EB-321F-0749-B37A-89BBA859503C}" type="datetimeFigureOut">
               <a:rPr lang="en-US" smtClean="0"/>
-              <a:t>09/07/17</a:t>
+              <a:t>22/08/17</a:t>
             </a:fld>
             <a:endParaRPr lang="en-US"/>
           </a:p>
@@ -3027,7 +3032,7 @@
           <a:p>
             <a:fld id="{875CF0EB-321F-0749-B37A-89BBA859503C}" type="datetimeFigureOut">
               <a:rPr lang="en-US" smtClean="0"/>
-              <a:t>09/07/17</a:t>
+              <a:t>22/08/17</a:t>
             </a:fld>
             <a:endParaRPr lang="en-US"/>
           </a:p>
@@ -3304,7 +3309,7 @@
           <a:p>
             <a:fld id="{875CF0EB-321F-0749-B37A-89BBA859503C}" type="datetimeFigureOut">
               <a:rPr lang="en-US" smtClean="0"/>
-              <a:t>09/07/17</a:t>
+              <a:t>22/08/17</a:t>
             </a:fld>
             <a:endParaRPr lang="en-US"/>
           </a:p>
@@ -4153,7 +4158,7 @@
                 <a:ea typeface="ヒラギノ角ゴ ProN W3" charset="0"/>
                 <a:cs typeface="ヒラギノ角ゴ ProN W3" charset="0"/>
               </a:rPr>
-              <a:t>Background</a:t>
+              <a:t>Background and Theory</a:t>
             </a:r>
             <a:endParaRPr lang="en-US" dirty="0">
               <a:ea typeface="ヒラギノ角ゴ ProN W3" charset="0"/>
@@ -4293,6 +4298,83 @@
       </p:grpSpPr>
       <p:sp>
         <p:nvSpPr>
+          <p:cNvPr id="2" name="Title 1"/>
+          <p:cNvSpPr>
+            <a:spLocks noGrp="1"/>
+          </p:cNvSpPr>
+          <p:nvPr>
+            <p:ph type="title"/>
+          </p:nvPr>
+        </p:nvSpPr>
+        <p:spPr/>
+        <p:txBody>
+          <a:bodyPr/>
+          <a:lstStyle/>
+          <a:p>
+            <a:r>
+              <a:rPr lang="en-US" dirty="0" smtClean="0"/>
+              <a:t>Grid Computing</a:t>
+            </a:r>
+            <a:endParaRPr lang="en-US" dirty="0"/>
+          </a:p>
+        </p:txBody>
+      </p:sp>
+      <p:pic>
+        <p:nvPicPr>
+          <p:cNvPr id="4" name="Picture 3"/>
+          <p:cNvPicPr>
+            <a:picLocks noChangeAspect="1"/>
+          </p:cNvPicPr>
+          <p:nvPr/>
+        </p:nvPicPr>
+        <p:blipFill>
+          <a:blip r:embed="rId2"/>
+          <a:stretch>
+            <a:fillRect/>
+          </a:stretch>
+        </p:blipFill>
+        <p:spPr>
+          <a:xfrm>
+            <a:off x="457200" y="1417638"/>
+            <a:ext cx="7503768" cy="4472112"/>
+          </a:xfrm>
+          <a:prstGeom prst="rect">
+            <a:avLst/>
+          </a:prstGeom>
+        </p:spPr>
+      </p:pic>
+    </p:spTree>
+    <p:extLst>
+      <p:ext uri="{BB962C8B-B14F-4D97-AF65-F5344CB8AC3E}">
+        <p14:creationId xmlns:p14="http://schemas.microsoft.com/office/powerpoint/2010/main" val="877194406"/>
+      </p:ext>
+    </p:extLst>
+  </p:cSld>
+  <p:clrMapOvr>
+    <a:masterClrMapping/>
+  </p:clrMapOvr>
+</p:sld>
+</file>
+
+<file path=ppt/slides/slide11.xml><?xml version="1.0" encoding="utf-8"?>
+<p:sld xmlns:a="http://schemas.openxmlformats.org/drawingml/2006/main" xmlns:r="http://schemas.openxmlformats.org/officeDocument/2006/relationships" xmlns:p="http://schemas.openxmlformats.org/presentationml/2006/main">
+  <p:cSld>
+    <p:spTree>
+      <p:nvGrpSpPr>
+        <p:cNvPr id="1" name=""/>
+        <p:cNvGrpSpPr/>
+        <p:nvPr/>
+      </p:nvGrpSpPr>
+      <p:grpSpPr>
+        <a:xfrm>
+          <a:off x="0" y="0"/>
+          <a:ext cx="0" cy="0"/>
+          <a:chOff x="0" y="0"/>
+          <a:chExt cx="0" cy="0"/>
+        </a:xfrm>
+      </p:grpSpPr>
+      <p:sp>
+        <p:nvSpPr>
           <p:cNvPr id="110594" name="Rectangle 2"/>
           <p:cNvSpPr>
             <a:spLocks noGrp="1"/>
@@ -4631,7 +4713,7 @@
 </p:sld>
 </file>
 
-<file path=ppt/slides/slide11.xml><?xml version="1.0" encoding="utf-8"?>
+<file path=ppt/slides/slide12.xml><?xml version="1.0" encoding="utf-8"?>
 <p:sld xmlns:a="http://schemas.openxmlformats.org/drawingml/2006/main" xmlns:r="http://schemas.openxmlformats.org/officeDocument/2006/relationships" xmlns:p="http://schemas.openxmlformats.org/presentationml/2006/main">
   <p:cSld>
     <p:spTree>
@@ -6160,7 +6242,7 @@
 </p:sld>
 </file>
 
-<file path=ppt/slides/slide12.xml><?xml version="1.0" encoding="utf-8"?>
+<file path=ppt/slides/slide13.xml><?xml version="1.0" encoding="utf-8"?>
 <p:sld xmlns:a="http://schemas.openxmlformats.org/drawingml/2006/main" xmlns:r="http://schemas.openxmlformats.org/officeDocument/2006/relationships" xmlns:p="http://schemas.openxmlformats.org/presentationml/2006/main">
   <p:cSld>
     <p:spTree>
@@ -6393,7 +6475,7 @@
 </p:sld>
 </file>
 
-<file path=ppt/slides/slide13.xml><?xml version="1.0" encoding="utf-8"?>
+<file path=ppt/slides/slide14.xml><?xml version="1.0" encoding="utf-8"?>
 <p:sld xmlns:a="http://schemas.openxmlformats.org/drawingml/2006/main" xmlns:r="http://schemas.openxmlformats.org/officeDocument/2006/relationships" xmlns:p="http://schemas.openxmlformats.org/presentationml/2006/main">
   <p:cSld>
     <p:spTree>
@@ -6447,118 +6529,6 @@
 </p:sld>
 </file>
 
-<file path=ppt/slides/slide14.xml><?xml version="1.0" encoding="utf-8"?>
-<p:sld xmlns:a="http://schemas.openxmlformats.org/drawingml/2006/main" xmlns:r="http://schemas.openxmlformats.org/officeDocument/2006/relationships" xmlns:p="http://schemas.openxmlformats.org/presentationml/2006/main">
-  <p:cSld>
-    <p:spTree>
-      <p:nvGrpSpPr>
-        <p:cNvPr id="1" name=""/>
-        <p:cNvGrpSpPr/>
-        <p:nvPr/>
-      </p:nvGrpSpPr>
-      <p:grpSpPr>
-        <a:xfrm>
-          <a:off x="0" y="0"/>
-          <a:ext cx="0" cy="0"/>
-          <a:chOff x="0" y="0"/>
-          <a:chExt cx="0" cy="0"/>
-        </a:xfrm>
-      </p:grpSpPr>
-      <p:sp>
-        <p:nvSpPr>
-          <p:cNvPr id="2" name="Title 1"/>
-          <p:cNvSpPr>
-            <a:spLocks noGrp="1"/>
-          </p:cNvSpPr>
-          <p:nvPr>
-            <p:ph type="title"/>
-          </p:nvPr>
-        </p:nvSpPr>
-        <p:spPr/>
-        <p:txBody>
-          <a:bodyPr/>
-          <a:lstStyle/>
-          <a:p>
-            <a:r>
-              <a:rPr lang="en-US" dirty="0" smtClean="0"/>
-              <a:t>Speedup</a:t>
-            </a:r>
-            <a:endParaRPr lang="en-US" dirty="0"/>
-          </a:p>
-        </p:txBody>
-      </p:sp>
-      <p:sp>
-        <p:nvSpPr>
-          <p:cNvPr id="3" name="Content Placeholder 2"/>
-          <p:cNvSpPr>
-            <a:spLocks noGrp="1"/>
-          </p:cNvSpPr>
-          <p:nvPr>
-            <p:ph idx="1"/>
-          </p:nvPr>
-        </p:nvSpPr>
-        <p:spPr/>
-        <p:txBody>
-          <a:bodyPr/>
-          <a:lstStyle/>
-          <a:p>
-            <a:r>
-              <a:rPr lang="en-US" dirty="0" smtClean="0"/>
-              <a:t>The </a:t>
-            </a:r>
-            <a:r>
-              <a:rPr lang="en-US" b="1" dirty="0" smtClean="0"/>
-              <a:t>speedup</a:t>
-            </a:r>
-            <a:r>
-              <a:rPr lang="en-US" dirty="0" smtClean="0"/>
-              <a:t> is defined as the performance of new / performance of old</a:t>
-            </a:r>
-          </a:p>
-          <a:p>
-            <a:pPr lvl="1"/>
-            <a:r>
-              <a:rPr lang="en-US" dirty="0" smtClean="0"/>
-              <a:t>e.g. move from 1 -&gt; 2 servers</a:t>
-            </a:r>
-          </a:p>
-          <a:p>
-            <a:pPr lvl="1"/>
-            <a:r>
-              <a:rPr lang="en-US" dirty="0" smtClean="0"/>
-              <a:t>New system is 1.8 x faster than the old</a:t>
-            </a:r>
-          </a:p>
-          <a:p>
-            <a:pPr lvl="2"/>
-            <a:r>
-              <a:rPr lang="en-US" dirty="0" smtClean="0"/>
-              <a:t>In terms of transactions/sec (throughput)</a:t>
-            </a:r>
-          </a:p>
-          <a:p>
-            <a:pPr lvl="1"/>
-            <a:r>
-              <a:rPr lang="en-US" dirty="0" smtClean="0"/>
-              <a:t>Speedup = 1.8</a:t>
-            </a:r>
-            <a:endParaRPr lang="en-US" dirty="0"/>
-          </a:p>
-        </p:txBody>
-      </p:sp>
-    </p:spTree>
-    <p:extLst>
-      <p:ext uri="{BB962C8B-B14F-4D97-AF65-F5344CB8AC3E}">
-        <p14:creationId xmlns:p14="http://schemas.microsoft.com/office/powerpoint/2010/main" val="1234289546"/>
-      </p:ext>
-    </p:extLst>
-  </p:cSld>
-  <p:clrMapOvr>
-    <a:masterClrMapping/>
-  </p:clrMapOvr>
-</p:sld>
-</file>
-
 <file path=ppt/slides/slide15.xml><?xml version="1.0" encoding="utf-8"?>
 <p:sld xmlns:a="http://schemas.openxmlformats.org/drawingml/2006/main" xmlns:r="http://schemas.openxmlformats.org/officeDocument/2006/relationships" xmlns:p="http://schemas.openxmlformats.org/presentationml/2006/main">
   <p:cSld>
@@ -6593,7 +6563,7 @@
           <a:p>
             <a:r>
               <a:rPr lang="en-US" dirty="0" smtClean="0"/>
-              <a:t>What inhibits speedup?</a:t>
+              <a:t>Speedup</a:t>
             </a:r>
             <a:endParaRPr lang="en-US" dirty="0"/>
           </a:p>
@@ -6616,36 +6586,43 @@
           <a:p>
             <a:r>
               <a:rPr lang="en-US" dirty="0" smtClean="0"/>
-              <a:t>In general you can split work into </a:t>
+              <a:t>The </a:t>
+            </a:r>
+            <a:r>
+              <a:rPr lang="en-US" b="1" dirty="0" smtClean="0"/>
+              <a:t>speedup</a:t>
+            </a:r>
+            <a:r>
+              <a:rPr lang="en-US" dirty="0" smtClean="0"/>
+              <a:t> is defined as the performance of new / performance of old</a:t>
             </a:r>
           </a:p>
           <a:p>
             <a:pPr lvl="1"/>
             <a:r>
               <a:rPr lang="en-US" dirty="0" smtClean="0"/>
-              <a:t>Parallelizable and </a:t>
+              <a:t>e.g. move from 1 -&gt; 2 servers</a:t>
             </a:r>
           </a:p>
           <a:p>
             <a:pPr lvl="1"/>
             <a:r>
               <a:rPr lang="en-US" dirty="0" smtClean="0"/>
-              <a:t>Serial </a:t>
-            </a:r>
-          </a:p>
-          <a:p>
-            <a:pPr marL="457200" lvl="1" indent="0">
-              <a:buNone/>
-            </a:pPr>
-            <a:r>
-              <a:rPr lang="en-US" dirty="0" smtClean="0"/>
-              <a:t>	parts</a:t>
-            </a:r>
-          </a:p>
-          <a:p>
-            <a:r>
-              <a:rPr lang="en-US" dirty="0" smtClean="0"/>
-              <a:t>The serial parts stop you from scaling</a:t>
+              <a:t>New system is 1.8 x faster than the old</a:t>
+            </a:r>
+          </a:p>
+          <a:p>
+            <a:pPr lvl="2"/>
+            <a:r>
+              <a:rPr lang="en-US" dirty="0" smtClean="0"/>
+              <a:t>In terms of transactions/sec (throughput)</a:t>
+            </a:r>
+          </a:p>
+          <a:p>
+            <a:pPr lvl="1"/>
+            <a:r>
+              <a:rPr lang="en-US" dirty="0" smtClean="0"/>
+              <a:t>Speedup = 1.8</a:t>
             </a:r>
             <a:endParaRPr lang="en-US" dirty="0"/>
           </a:p>
@@ -6654,7 +6631,7 @@
     </p:spTree>
     <p:extLst>
       <p:ext uri="{BB962C8B-B14F-4D97-AF65-F5344CB8AC3E}">
-        <p14:creationId xmlns:p14="http://schemas.microsoft.com/office/powerpoint/2010/main" val="2087196827"/>
+        <p14:creationId xmlns:p14="http://schemas.microsoft.com/office/powerpoint/2010/main" val="1234289546"/>
       </p:ext>
     </p:extLst>
   </p:cSld>
@@ -6693,23 +6670,14 @@
         </p:nvSpPr>
         <p:spPr/>
         <p:txBody>
-          <a:bodyPr>
-            <a:normAutofit/>
-          </a:bodyPr>
-          <a:lstStyle/>
-          <a:p>
-            <a:r>
-              <a:rPr lang="en-US" dirty="0" smtClean="0"/>
-              <a:t>Amdahl’s Law</a:t>
-            </a:r>
-            <a:br>
-              <a:rPr lang="en-US" dirty="0" smtClean="0"/>
-            </a:br>
-            <a:r>
-              <a:rPr lang="en-US" sz="2200" dirty="0" smtClean="0"/>
-              <a:t>Theoretical speedup given a fixed data size</a:t>
-            </a:r>
-            <a:endParaRPr lang="en-US" sz="2200" dirty="0"/>
+          <a:bodyPr/>
+          <a:lstStyle/>
+          <a:p>
+            <a:r>
+              <a:rPr lang="en-US" dirty="0" smtClean="0"/>
+              <a:t>What inhibits speedup?</a:t>
+            </a:r>
+            <a:endParaRPr lang="en-US" dirty="0"/>
           </a:p>
         </p:txBody>
       </p:sp>
@@ -6723,61 +6691,52 @@
             <p:ph idx="1"/>
           </p:nvPr>
         </p:nvSpPr>
-        <p:spPr>
-          <a:xfrm>
-            <a:off x="375636" y="1600200"/>
-            <a:ext cx="2834010" cy="4525963"/>
-          </a:xfrm>
-        </p:spPr>
-        <p:txBody>
-          <a:bodyPr>
-            <a:normAutofit/>
-          </a:bodyPr>
-          <a:lstStyle/>
-          <a:p>
-            <a:pPr marL="0" indent="0">
+        <p:spPr/>
+        <p:txBody>
+          <a:bodyPr/>
+          <a:lstStyle/>
+          <a:p>
+            <a:r>
+              <a:rPr lang="en-US" dirty="0" smtClean="0"/>
+              <a:t>In general you can split work into </a:t>
+            </a:r>
+          </a:p>
+          <a:p>
+            <a:pPr lvl="1"/>
+            <a:r>
+              <a:rPr lang="en-US" dirty="0" smtClean="0"/>
+              <a:t>Parallelizable and </a:t>
+            </a:r>
+          </a:p>
+          <a:p>
+            <a:pPr lvl="1"/>
+            <a:r>
+              <a:rPr lang="en-US" dirty="0" smtClean="0"/>
+              <a:t>Serial </a:t>
+            </a:r>
+          </a:p>
+          <a:p>
+            <a:pPr marL="457200" lvl="1" indent="0">
               <a:buNone/>
             </a:pPr>
             <a:r>
-              <a:rPr lang="en-US" sz="2000" dirty="0"/>
-              <a:t>The speedup of a program using multiple processors in parallel computing is limited by the time needed for the serial fraction of the </a:t>
-            </a:r>
-            <a:r>
-              <a:rPr lang="en-US" sz="2000" dirty="0" smtClean="0"/>
-              <a:t>program, given a fixed size of data</a:t>
-            </a:r>
-            <a:endParaRPr lang="en-US" sz="2000" dirty="0"/>
-          </a:p>
-        </p:txBody>
-      </p:sp>
-      <p:pic>
-        <p:nvPicPr>
-          <p:cNvPr id="4" name="Picture 3"/>
-          <p:cNvPicPr>
-            <a:picLocks noChangeAspect="1"/>
-          </p:cNvPicPr>
-          <p:nvPr/>
-        </p:nvPicPr>
-        <p:blipFill>
-          <a:blip r:embed="rId2"/>
-          <a:stretch>
-            <a:fillRect/>
-          </a:stretch>
-        </p:blipFill>
-        <p:spPr>
-          <a:xfrm>
-            <a:off x="3610178" y="1600200"/>
-            <a:ext cx="5310542" cy="3982907"/>
-          </a:xfrm>
-          <a:prstGeom prst="rect">
-            <a:avLst/>
-          </a:prstGeom>
-        </p:spPr>
-      </p:pic>
+              <a:rPr lang="en-US" dirty="0" smtClean="0"/>
+              <a:t>	parts</a:t>
+            </a:r>
+          </a:p>
+          <a:p>
+            <a:r>
+              <a:rPr lang="en-US" dirty="0" smtClean="0"/>
+              <a:t>The serial parts stop you from scaling</a:t>
+            </a:r>
+            <a:endParaRPr lang="en-US" dirty="0"/>
+          </a:p>
+        </p:txBody>
+      </p:sp>
     </p:spTree>
     <p:extLst>
       <p:ext uri="{BB962C8B-B14F-4D97-AF65-F5344CB8AC3E}">
-        <p14:creationId xmlns:p14="http://schemas.microsoft.com/office/powerpoint/2010/main" val="2101473019"/>
+        <p14:creationId xmlns:p14="http://schemas.microsoft.com/office/powerpoint/2010/main" val="2087196827"/>
       </p:ext>
     </p:extLst>
   </p:cSld>
@@ -6823,16 +6782,53 @@
           <a:p>
             <a:r>
               <a:rPr lang="en-US" dirty="0" smtClean="0"/>
-              <a:t>Gustafson’s Law</a:t>
+              <a:t>Amdahl’s Law</a:t>
             </a:r>
             <a:br>
               <a:rPr lang="en-US" dirty="0" smtClean="0"/>
             </a:br>
             <a:r>
               <a:rPr lang="en-US" sz="2200" dirty="0" smtClean="0"/>
-              <a:t>What if the data increases too?</a:t>
-            </a:r>
-            <a:endParaRPr lang="en-US" dirty="0"/>
+              <a:t>Theoretical speedup given a fixed data size</a:t>
+            </a:r>
+            <a:endParaRPr lang="en-US" sz="2200" dirty="0"/>
+          </a:p>
+        </p:txBody>
+      </p:sp>
+      <p:sp>
+        <p:nvSpPr>
+          <p:cNvPr id="3" name="Content Placeholder 2"/>
+          <p:cNvSpPr>
+            <a:spLocks noGrp="1"/>
+          </p:cNvSpPr>
+          <p:nvPr>
+            <p:ph idx="1"/>
+          </p:nvPr>
+        </p:nvSpPr>
+        <p:spPr>
+          <a:xfrm>
+            <a:off x="375636" y="1600200"/>
+            <a:ext cx="2834010" cy="4525963"/>
+          </a:xfrm>
+        </p:spPr>
+        <p:txBody>
+          <a:bodyPr>
+            <a:normAutofit/>
+          </a:bodyPr>
+          <a:lstStyle/>
+          <a:p>
+            <a:pPr marL="0" indent="0">
+              <a:buNone/>
+            </a:pPr>
+            <a:r>
+              <a:rPr lang="en-US" sz="2000" dirty="0"/>
+              <a:t>The speedup of a program using multiple processors in parallel computing is limited by the time needed for the serial fraction of the </a:t>
+            </a:r>
+            <a:r>
+              <a:rPr lang="en-US" sz="2000" dirty="0" smtClean="0"/>
+              <a:t>program, given a fixed size of data</a:t>
+            </a:r>
+            <a:endParaRPr lang="en-US" sz="2000" dirty="0"/>
           </a:p>
         </p:txBody>
       </p:sp>
@@ -6852,78 +6848,18 @@
         </p:blipFill>
         <p:spPr>
           <a:xfrm>
-            <a:off x="317651" y="1417638"/>
-            <a:ext cx="7329677" cy="5144292"/>
+            <a:off x="3610178" y="1600200"/>
+            <a:ext cx="5310542" cy="3982907"/>
           </a:xfrm>
           <a:prstGeom prst="rect">
             <a:avLst/>
           </a:prstGeom>
         </p:spPr>
       </p:pic>
-      <p:pic>
-        <p:nvPicPr>
-          <p:cNvPr id="5" name="Picture 4"/>
-          <p:cNvPicPr>
-            <a:picLocks noChangeAspect="1"/>
-          </p:cNvPicPr>
-          <p:nvPr/>
-        </p:nvPicPr>
-        <p:blipFill>
-          <a:blip r:embed="rId3"/>
-          <a:stretch>
-            <a:fillRect/>
-          </a:stretch>
-        </p:blipFill>
-        <p:spPr>
-          <a:xfrm>
-            <a:off x="2729723" y="1329889"/>
-            <a:ext cx="3647701" cy="493370"/>
-          </a:xfrm>
-          <a:prstGeom prst="rect">
-            <a:avLst/>
-          </a:prstGeom>
-        </p:spPr>
-      </p:pic>
-      <p:sp>
-        <p:nvSpPr>
-          <p:cNvPr id="6" name="TextBox 5"/>
-          <p:cNvSpPr txBox="1"/>
-          <p:nvPr/>
-        </p:nvSpPr>
-        <p:spPr>
-          <a:xfrm>
-            <a:off x="86714" y="6156039"/>
-            <a:ext cx="2643009" cy="646331"/>
-          </a:xfrm>
-          <a:prstGeom prst="rect">
-            <a:avLst/>
-          </a:prstGeom>
-          <a:noFill/>
-        </p:spPr>
-        <p:txBody>
-          <a:bodyPr wrap="none" rtlCol="0">
-            <a:spAutoFit/>
-          </a:bodyPr>
-          <a:lstStyle/>
-          <a:p>
-            <a:r>
-              <a:rPr lang="en-US" dirty="0" smtClean="0"/>
-              <a:t>α is the largest </a:t>
-            </a:r>
-          </a:p>
-          <a:p>
-            <a:r>
-              <a:rPr lang="en-US" dirty="0" smtClean="0"/>
-              <a:t>non-parallelizable fraction </a:t>
-            </a:r>
-            <a:endParaRPr lang="en-US" dirty="0"/>
-          </a:p>
-        </p:txBody>
-      </p:sp>
     </p:spTree>
     <p:extLst>
       <p:ext uri="{BB962C8B-B14F-4D97-AF65-F5344CB8AC3E}">
-        <p14:creationId xmlns:p14="http://schemas.microsoft.com/office/powerpoint/2010/main" val="1572250747"/>
+        <p14:creationId xmlns:p14="http://schemas.microsoft.com/office/powerpoint/2010/main" val="2101473019"/>
       </p:ext>
     </p:extLst>
   </p:cSld>
@@ -6962,85 +6898,105 @@
         </p:nvSpPr>
         <p:spPr/>
         <p:txBody>
-          <a:bodyPr/>
-          <a:lstStyle/>
-          <a:p>
-            <a:r>
-              <a:rPr lang="en-US" dirty="0" smtClean="0"/>
-              <a:t>A driving metaphor</a:t>
+          <a:bodyPr>
+            <a:normAutofit/>
+          </a:bodyPr>
+          <a:lstStyle/>
+          <a:p>
+            <a:r>
+              <a:rPr lang="en-US" dirty="0" smtClean="0"/>
+              <a:t>Gustafson’s Law</a:t>
+            </a:r>
+            <a:br>
+              <a:rPr lang="en-US" dirty="0" smtClean="0"/>
+            </a:br>
+            <a:r>
+              <a:rPr lang="en-US" sz="2200" dirty="0" smtClean="0"/>
+              <a:t>What if the data increases too?</a:t>
             </a:r>
             <a:endParaRPr lang="en-US" dirty="0"/>
           </a:p>
         </p:txBody>
       </p:sp>
-      <p:sp>
-        <p:nvSpPr>
-          <p:cNvPr id="3" name="Content Placeholder 2"/>
-          <p:cNvSpPr>
-            <a:spLocks noGrp="1"/>
-          </p:cNvSpPr>
-          <p:nvPr>
-            <p:ph idx="1"/>
-          </p:nvPr>
-        </p:nvSpPr>
-        <p:spPr/>
-        <p:txBody>
-          <a:bodyPr>
-            <a:normAutofit lnSpcReduction="10000"/>
+      <p:pic>
+        <p:nvPicPr>
+          <p:cNvPr id="4" name="Picture 3"/>
+          <p:cNvPicPr>
+            <a:picLocks noChangeAspect="1"/>
+          </p:cNvPicPr>
+          <p:nvPr/>
+        </p:nvPicPr>
+        <p:blipFill>
+          <a:blip r:embed="rId2"/>
+          <a:stretch>
+            <a:fillRect/>
+          </a:stretch>
+        </p:blipFill>
+        <p:spPr>
+          <a:xfrm>
+            <a:off x="317651" y="1417638"/>
+            <a:ext cx="7329677" cy="5144292"/>
+          </a:xfrm>
+          <a:prstGeom prst="rect">
+            <a:avLst/>
+          </a:prstGeom>
+        </p:spPr>
+      </p:pic>
+      <p:pic>
+        <p:nvPicPr>
+          <p:cNvPr id="5" name="Picture 4"/>
+          <p:cNvPicPr>
+            <a:picLocks noChangeAspect="1"/>
+          </p:cNvPicPr>
+          <p:nvPr/>
+        </p:nvPicPr>
+        <p:blipFill>
+          <a:blip r:embed="rId3"/>
+          <a:stretch>
+            <a:fillRect/>
+          </a:stretch>
+        </p:blipFill>
+        <p:spPr>
+          <a:xfrm>
+            <a:off x="2729723" y="1329889"/>
+            <a:ext cx="3647701" cy="493370"/>
+          </a:xfrm>
+          <a:prstGeom prst="rect">
+            <a:avLst/>
+          </a:prstGeom>
+        </p:spPr>
+      </p:pic>
+      <p:sp>
+        <p:nvSpPr>
+          <p:cNvPr id="6" name="TextBox 5"/>
+          <p:cNvSpPr txBox="1"/>
+          <p:nvPr/>
+        </p:nvSpPr>
+        <p:spPr>
+          <a:xfrm>
+            <a:off x="86714" y="6156039"/>
+            <a:ext cx="2643009" cy="646331"/>
+          </a:xfrm>
+          <a:prstGeom prst="rect">
+            <a:avLst/>
+          </a:prstGeom>
+          <a:noFill/>
+        </p:spPr>
+        <p:txBody>
+          <a:bodyPr wrap="none" rtlCol="0">
+            <a:spAutoFit/>
           </a:bodyPr>
           <a:lstStyle/>
           <a:p>
             <a:r>
-              <a:rPr lang="en-US" b="1" dirty="0" smtClean="0"/>
-              <a:t>Amdahl’s Law</a:t>
-            </a:r>
-          </a:p>
-          <a:p>
-            <a:pPr lvl="1"/>
-            <a:r>
-              <a:rPr lang="en-US" dirty="0" smtClean="0"/>
-              <a:t>You are travelling to London (60 miles)</a:t>
-            </a:r>
-          </a:p>
-          <a:p>
-            <a:pPr lvl="1"/>
-            <a:r>
-              <a:rPr lang="en-US" dirty="0" smtClean="0"/>
-              <a:t>30 miles in you have spent one hour</a:t>
-            </a:r>
-          </a:p>
-          <a:p>
-            <a:pPr lvl="1"/>
-            <a:r>
-              <a:rPr lang="en-US" dirty="0" smtClean="0"/>
-              <a:t>You can never average &gt; 60 mph</a:t>
-            </a:r>
-          </a:p>
-          <a:p>
-            <a:r>
-              <a:rPr lang="en-US" b="1" dirty="0" smtClean="0"/>
-              <a:t>Gustafson’s Law</a:t>
-            </a:r>
-          </a:p>
-          <a:p>
-            <a:pPr lvl="1"/>
-            <a:r>
-              <a:rPr lang="en-US" dirty="0" smtClean="0"/>
-              <a:t>You are travelling across the US</a:t>
-            </a:r>
-          </a:p>
-          <a:p>
-            <a:pPr lvl="1"/>
-            <a:r>
-              <a:rPr lang="en-US" dirty="0" smtClean="0"/>
-              <a:t>You’ve spent an hour at 30 mph</a:t>
-            </a:r>
-          </a:p>
-          <a:p>
-            <a:pPr lvl="1"/>
-            <a:r>
-              <a:rPr lang="en-US" dirty="0" smtClean="0"/>
-              <a:t>You can achieve any average speed given enough time and distance</a:t>
+              <a:rPr lang="en-US" dirty="0" smtClean="0"/>
+              <a:t>α is the largest </a:t>
+            </a:r>
+          </a:p>
+          <a:p>
+            <a:r>
+              <a:rPr lang="en-US" dirty="0" smtClean="0"/>
+              <a:t>non-parallelizable fraction </a:t>
             </a:r>
             <a:endParaRPr lang="en-US" dirty="0"/>
           </a:p>
@@ -7049,7 +7005,7 @@
     </p:spTree>
     <p:extLst>
       <p:ext uri="{BB962C8B-B14F-4D97-AF65-F5344CB8AC3E}">
-        <p14:creationId xmlns:p14="http://schemas.microsoft.com/office/powerpoint/2010/main" val="3394636178"/>
+        <p14:creationId xmlns:p14="http://schemas.microsoft.com/office/powerpoint/2010/main" val="1572250747"/>
       </p:ext>
     </p:extLst>
   </p:cSld>
@@ -7088,329 +7044,86 @@
         </p:nvSpPr>
         <p:spPr/>
         <p:txBody>
+          <a:bodyPr/>
+          <a:lstStyle/>
+          <a:p>
+            <a:r>
+              <a:rPr lang="en-US" dirty="0" smtClean="0"/>
+              <a:t>A driving metaphor</a:t>
+            </a:r>
+            <a:endParaRPr lang="en-US" dirty="0"/>
+          </a:p>
+        </p:txBody>
+      </p:sp>
+      <p:sp>
+        <p:nvSpPr>
+          <p:cNvPr id="3" name="Content Placeholder 2"/>
+          <p:cNvSpPr>
+            <a:spLocks noGrp="1"/>
+          </p:cNvSpPr>
+          <p:nvPr>
+            <p:ph idx="1"/>
+          </p:nvPr>
+        </p:nvSpPr>
+        <p:spPr/>
+        <p:txBody>
           <a:bodyPr>
-            <a:normAutofit fontScale="90000"/>
+            <a:normAutofit lnSpcReduction="10000"/>
           </a:bodyPr>
           <a:lstStyle/>
           <a:p>
             <a:r>
-              <a:rPr lang="en-US" dirty="0" smtClean="0"/>
-              <a:t>Performance </a:t>
-            </a:r>
-            <a:br>
-              <a:rPr lang="en-US" dirty="0" smtClean="0"/>
-            </a:br>
-            <a:r>
-              <a:rPr lang="en-US" sz="2700" dirty="0" smtClean="0"/>
-              <a:t>Single system under increasing load</a:t>
-            </a:r>
-            <a:endParaRPr lang="en-US" sz="2700" dirty="0"/>
-          </a:p>
-        </p:txBody>
-      </p:sp>
-      <p:cxnSp>
-        <p:nvCxnSpPr>
-          <p:cNvPr id="5" name="Straight Arrow Connector 4"/>
-          <p:cNvCxnSpPr/>
-          <p:nvPr/>
-        </p:nvCxnSpPr>
-        <p:spPr>
-          <a:xfrm>
-            <a:off x="823344" y="5680399"/>
-            <a:ext cx="7061219" cy="69784"/>
-          </a:xfrm>
-          <a:prstGeom prst="straightConnector1">
-            <a:avLst/>
-          </a:prstGeom>
-          <a:ln>
-            <a:tailEnd type="arrow"/>
-          </a:ln>
-        </p:spPr>
-        <p:style>
-          <a:lnRef idx="2">
-            <a:schemeClr val="accent1"/>
-          </a:lnRef>
-          <a:fillRef idx="0">
-            <a:schemeClr val="accent1"/>
-          </a:fillRef>
-          <a:effectRef idx="1">
-            <a:schemeClr val="accent1"/>
-          </a:effectRef>
-          <a:fontRef idx="minor">
-            <a:schemeClr val="tx1"/>
-          </a:fontRef>
-        </p:style>
-      </p:cxnSp>
-      <p:cxnSp>
-        <p:nvCxnSpPr>
-          <p:cNvPr id="7" name="Straight Arrow Connector 6"/>
-          <p:cNvCxnSpPr/>
-          <p:nvPr/>
-        </p:nvCxnSpPr>
-        <p:spPr>
-          <a:xfrm flipV="1">
-            <a:off x="823344" y="1521286"/>
-            <a:ext cx="0" cy="4159113"/>
-          </a:xfrm>
-          <a:prstGeom prst="straightConnector1">
-            <a:avLst/>
-          </a:prstGeom>
-          <a:ln>
-            <a:tailEnd type="arrow"/>
-          </a:ln>
-        </p:spPr>
-        <p:style>
-          <a:lnRef idx="2">
-            <a:schemeClr val="accent1"/>
-          </a:lnRef>
-          <a:fillRef idx="0">
-            <a:schemeClr val="accent1"/>
-          </a:fillRef>
-          <a:effectRef idx="1">
-            <a:schemeClr val="accent1"/>
-          </a:effectRef>
-          <a:fontRef idx="minor">
-            <a:schemeClr val="tx1"/>
-          </a:fontRef>
-        </p:style>
-      </p:cxnSp>
-      <p:cxnSp>
-        <p:nvCxnSpPr>
-          <p:cNvPr id="9" name="Straight Connector 8"/>
-          <p:cNvCxnSpPr/>
-          <p:nvPr/>
-        </p:nvCxnSpPr>
-        <p:spPr>
-          <a:xfrm flipV="1">
-            <a:off x="823344" y="2763437"/>
-            <a:ext cx="3991124" cy="2916962"/>
-          </a:xfrm>
-          <a:prstGeom prst="line">
-            <a:avLst/>
-          </a:prstGeom>
-          <a:ln>
-            <a:solidFill>
-              <a:srgbClr val="008000"/>
-            </a:solidFill>
-          </a:ln>
-        </p:spPr>
-        <p:style>
-          <a:lnRef idx="2">
-            <a:schemeClr val="accent1"/>
-          </a:lnRef>
-          <a:fillRef idx="0">
-            <a:schemeClr val="accent1"/>
-          </a:fillRef>
-          <a:effectRef idx="1">
-            <a:schemeClr val="accent1"/>
-          </a:effectRef>
-          <a:fontRef idx="minor">
-            <a:schemeClr val="tx1"/>
-          </a:fontRef>
-        </p:style>
-      </p:cxnSp>
-      <p:sp>
-        <p:nvSpPr>
-          <p:cNvPr id="10" name="TextBox 9"/>
-          <p:cNvSpPr txBox="1"/>
-          <p:nvPr/>
-        </p:nvSpPr>
-        <p:spPr>
-          <a:xfrm>
-            <a:off x="7152260" y="5764140"/>
-            <a:ext cx="635285" cy="369332"/>
-          </a:xfrm>
-          <a:prstGeom prst="rect">
-            <a:avLst/>
-          </a:prstGeom>
-          <a:noFill/>
-        </p:spPr>
-        <p:txBody>
-          <a:bodyPr wrap="none" rtlCol="0">
-            <a:spAutoFit/>
-          </a:bodyPr>
-          <a:lstStyle/>
-          <a:p>
-            <a:r>
-              <a:rPr lang="en-US" dirty="0" smtClean="0"/>
-              <a:t>Load</a:t>
-            </a:r>
-            <a:endParaRPr lang="en-US" dirty="0"/>
-          </a:p>
-        </p:txBody>
-      </p:sp>
-      <p:sp>
-        <p:nvSpPr>
-          <p:cNvPr id="11" name="TextBox 10"/>
-          <p:cNvSpPr txBox="1"/>
-          <p:nvPr/>
-        </p:nvSpPr>
-        <p:spPr>
-          <a:xfrm rot="16200000">
-            <a:off x="-196058" y="2999579"/>
-            <a:ext cx="1400594" cy="369332"/>
-          </a:xfrm>
-          <a:prstGeom prst="rect">
-            <a:avLst/>
-          </a:prstGeom>
-          <a:noFill/>
-        </p:spPr>
-        <p:txBody>
-          <a:bodyPr wrap="none" rtlCol="0">
-            <a:spAutoFit/>
-          </a:bodyPr>
-          <a:lstStyle/>
-          <a:p>
-            <a:r>
-              <a:rPr lang="en-US" dirty="0" smtClean="0"/>
-              <a:t>Performance</a:t>
-            </a:r>
-            <a:endParaRPr lang="en-US" dirty="0"/>
-          </a:p>
-        </p:txBody>
-      </p:sp>
-      <p:cxnSp>
-        <p:nvCxnSpPr>
-          <p:cNvPr id="13" name="Straight Connector 12"/>
-          <p:cNvCxnSpPr/>
-          <p:nvPr/>
-        </p:nvCxnSpPr>
-        <p:spPr>
-          <a:xfrm>
-            <a:off x="4814468" y="2763437"/>
-            <a:ext cx="2846815" cy="0"/>
-          </a:xfrm>
-          <a:prstGeom prst="line">
-            <a:avLst/>
-          </a:prstGeom>
-          <a:ln>
-            <a:solidFill>
-              <a:srgbClr val="008000"/>
-            </a:solidFill>
-          </a:ln>
-        </p:spPr>
-        <p:style>
-          <a:lnRef idx="2">
-            <a:schemeClr val="accent1"/>
-          </a:lnRef>
-          <a:fillRef idx="0">
-            <a:schemeClr val="accent1"/>
-          </a:fillRef>
-          <a:effectRef idx="1">
-            <a:schemeClr val="accent1"/>
-          </a:effectRef>
-          <a:fontRef idx="minor">
-            <a:schemeClr val="tx1"/>
-          </a:fontRef>
-        </p:style>
-      </p:cxnSp>
-      <p:cxnSp>
-        <p:nvCxnSpPr>
-          <p:cNvPr id="15" name="Straight Connector 14"/>
-          <p:cNvCxnSpPr/>
-          <p:nvPr/>
-        </p:nvCxnSpPr>
-        <p:spPr>
-          <a:xfrm>
-            <a:off x="4814468" y="2763437"/>
-            <a:ext cx="2846815" cy="1121105"/>
-          </a:xfrm>
-          <a:prstGeom prst="line">
-            <a:avLst/>
-          </a:prstGeom>
-          <a:ln>
-            <a:solidFill>
-              <a:srgbClr val="FF0000"/>
-            </a:solidFill>
-          </a:ln>
-        </p:spPr>
-        <p:style>
-          <a:lnRef idx="2">
-            <a:schemeClr val="accent1"/>
-          </a:lnRef>
-          <a:fillRef idx="0">
-            <a:schemeClr val="accent1"/>
-          </a:fillRef>
-          <a:effectRef idx="1">
-            <a:schemeClr val="accent1"/>
-          </a:effectRef>
-          <a:fontRef idx="minor">
-            <a:schemeClr val="tx1"/>
-          </a:fontRef>
-        </p:style>
-      </p:cxnSp>
-      <p:sp>
-        <p:nvSpPr>
-          <p:cNvPr id="17" name="TextBox 16"/>
-          <p:cNvSpPr txBox="1"/>
-          <p:nvPr/>
-        </p:nvSpPr>
-        <p:spPr>
-          <a:xfrm>
-            <a:off x="6966261" y="2394105"/>
-            <a:ext cx="695022" cy="646331"/>
-          </a:xfrm>
-          <a:prstGeom prst="rect">
-            <a:avLst/>
-          </a:prstGeom>
-          <a:noFill/>
-        </p:spPr>
-        <p:txBody>
-          <a:bodyPr wrap="none" rtlCol="0">
-            <a:spAutoFit/>
-          </a:bodyPr>
-          <a:lstStyle/>
-          <a:p>
-            <a:r>
-              <a:rPr lang="en-US" dirty="0" smtClean="0"/>
-              <a:t>Good</a:t>
-            </a:r>
-          </a:p>
-          <a:p>
-            <a:endParaRPr lang="en-US" dirty="0"/>
-          </a:p>
-        </p:txBody>
-      </p:sp>
-      <p:sp>
-        <p:nvSpPr>
-          <p:cNvPr id="18" name="TextBox 17"/>
-          <p:cNvSpPr txBox="1"/>
-          <p:nvPr/>
-        </p:nvSpPr>
-        <p:spPr>
-          <a:xfrm>
-            <a:off x="6395729" y="3732829"/>
-            <a:ext cx="2128933" cy="1200329"/>
-          </a:xfrm>
-          <a:prstGeom prst="rect">
-            <a:avLst/>
-          </a:prstGeom>
-          <a:noFill/>
-        </p:spPr>
-        <p:txBody>
-          <a:bodyPr wrap="none" rtlCol="0">
-            <a:spAutoFit/>
-          </a:bodyPr>
-          <a:lstStyle/>
-          <a:p>
-            <a:r>
-              <a:rPr lang="en-US" dirty="0" smtClean="0"/>
-              <a:t>Bad</a:t>
-            </a:r>
-          </a:p>
-          <a:p>
-            <a:r>
-              <a:rPr lang="en-US" dirty="0" smtClean="0"/>
-              <a:t>Resource contention</a:t>
-            </a:r>
-          </a:p>
-          <a:p>
-            <a:r>
-              <a:rPr lang="en-US" dirty="0" smtClean="0"/>
-              <a:t>causes slowdown</a:t>
-            </a:r>
-          </a:p>
-          <a:p>
+              <a:rPr lang="en-US" b="1" dirty="0" smtClean="0"/>
+              <a:t>Amdahl’s Law</a:t>
+            </a:r>
+          </a:p>
+          <a:p>
+            <a:pPr lvl="1"/>
+            <a:r>
+              <a:rPr lang="en-US" dirty="0" smtClean="0"/>
+              <a:t>You are travelling to London (60 miles)</a:t>
+            </a:r>
+          </a:p>
+          <a:p>
+            <a:pPr lvl="1"/>
+            <a:r>
+              <a:rPr lang="en-US" dirty="0" smtClean="0"/>
+              <a:t>30 miles in you have spent one hour</a:t>
+            </a:r>
+          </a:p>
+          <a:p>
+            <a:pPr lvl="1"/>
+            <a:r>
+              <a:rPr lang="en-US" dirty="0" smtClean="0"/>
+              <a:t>You can never average &gt; 60 mph</a:t>
+            </a:r>
+          </a:p>
+          <a:p>
+            <a:r>
+              <a:rPr lang="en-US" b="1" dirty="0" smtClean="0"/>
+              <a:t>Gustafson’s Law</a:t>
+            </a:r>
+          </a:p>
+          <a:p>
+            <a:pPr lvl="1"/>
+            <a:r>
+              <a:rPr lang="en-US" dirty="0" smtClean="0"/>
+              <a:t>You are travelling across the US</a:t>
+            </a:r>
+          </a:p>
+          <a:p>
+            <a:pPr lvl="1"/>
+            <a:r>
+              <a:rPr lang="en-US" dirty="0" smtClean="0"/>
+              <a:t>You’ve spent an hour at 30 mph</a:t>
+            </a:r>
+          </a:p>
+          <a:p>
+            <a:pPr lvl="1"/>
+            <a:r>
+              <a:rPr lang="en-US" dirty="0" smtClean="0"/>
+              <a:t>You can achieve any average speed given enough time and distance</a:t>
+            </a:r>
             <a:endParaRPr lang="en-US" dirty="0"/>
           </a:p>
         </p:txBody>
@@ -7418,7 +7131,7 @@
     </p:spTree>
     <p:extLst>
       <p:ext uri="{BB962C8B-B14F-4D97-AF65-F5344CB8AC3E}">
-        <p14:creationId xmlns:p14="http://schemas.microsoft.com/office/powerpoint/2010/main" val="701491625"/>
+        <p14:creationId xmlns:p14="http://schemas.microsoft.com/office/powerpoint/2010/main" val="3394636178"/>
       </p:ext>
     </p:extLst>
   </p:cSld>
@@ -7705,6 +7418,375 @@
 </file>
 
 <file path=ppt/slides/slide20.xml><?xml version="1.0" encoding="utf-8"?>
+<p:sld xmlns:a="http://schemas.openxmlformats.org/drawingml/2006/main" xmlns:r="http://schemas.openxmlformats.org/officeDocument/2006/relationships" xmlns:p="http://schemas.openxmlformats.org/presentationml/2006/main">
+  <p:cSld>
+    <p:spTree>
+      <p:nvGrpSpPr>
+        <p:cNvPr id="1" name=""/>
+        <p:cNvGrpSpPr/>
+        <p:nvPr/>
+      </p:nvGrpSpPr>
+      <p:grpSpPr>
+        <a:xfrm>
+          <a:off x="0" y="0"/>
+          <a:ext cx="0" cy="0"/>
+          <a:chOff x="0" y="0"/>
+          <a:chExt cx="0" cy="0"/>
+        </a:xfrm>
+      </p:grpSpPr>
+      <p:sp>
+        <p:nvSpPr>
+          <p:cNvPr id="2" name="Title 1"/>
+          <p:cNvSpPr>
+            <a:spLocks noGrp="1"/>
+          </p:cNvSpPr>
+          <p:nvPr>
+            <p:ph type="title"/>
+          </p:nvPr>
+        </p:nvSpPr>
+        <p:spPr/>
+        <p:txBody>
+          <a:bodyPr>
+            <a:normAutofit fontScale="90000"/>
+          </a:bodyPr>
+          <a:lstStyle/>
+          <a:p>
+            <a:r>
+              <a:rPr lang="en-US" dirty="0" smtClean="0"/>
+              <a:t>Performance </a:t>
+            </a:r>
+            <a:br>
+              <a:rPr lang="en-US" dirty="0" smtClean="0"/>
+            </a:br>
+            <a:r>
+              <a:rPr lang="en-US" sz="2700" dirty="0" smtClean="0"/>
+              <a:t>Single system under increasing load</a:t>
+            </a:r>
+            <a:endParaRPr lang="en-US" sz="2700" dirty="0"/>
+          </a:p>
+        </p:txBody>
+      </p:sp>
+      <p:cxnSp>
+        <p:nvCxnSpPr>
+          <p:cNvPr id="5" name="Straight Arrow Connector 4"/>
+          <p:cNvCxnSpPr/>
+          <p:nvPr/>
+        </p:nvCxnSpPr>
+        <p:spPr>
+          <a:xfrm>
+            <a:off x="823344" y="5680399"/>
+            <a:ext cx="7061219" cy="69784"/>
+          </a:xfrm>
+          <a:prstGeom prst="straightConnector1">
+            <a:avLst/>
+          </a:prstGeom>
+          <a:ln>
+            <a:tailEnd type="arrow"/>
+          </a:ln>
+        </p:spPr>
+        <p:style>
+          <a:lnRef idx="2">
+            <a:schemeClr val="accent1"/>
+          </a:lnRef>
+          <a:fillRef idx="0">
+            <a:schemeClr val="accent1"/>
+          </a:fillRef>
+          <a:effectRef idx="1">
+            <a:schemeClr val="accent1"/>
+          </a:effectRef>
+          <a:fontRef idx="minor">
+            <a:schemeClr val="tx1"/>
+          </a:fontRef>
+        </p:style>
+      </p:cxnSp>
+      <p:cxnSp>
+        <p:nvCxnSpPr>
+          <p:cNvPr id="7" name="Straight Arrow Connector 6"/>
+          <p:cNvCxnSpPr/>
+          <p:nvPr/>
+        </p:nvCxnSpPr>
+        <p:spPr>
+          <a:xfrm flipV="1">
+            <a:off x="823344" y="1521286"/>
+            <a:ext cx="0" cy="4159113"/>
+          </a:xfrm>
+          <a:prstGeom prst="straightConnector1">
+            <a:avLst/>
+          </a:prstGeom>
+          <a:ln>
+            <a:tailEnd type="arrow"/>
+          </a:ln>
+        </p:spPr>
+        <p:style>
+          <a:lnRef idx="2">
+            <a:schemeClr val="accent1"/>
+          </a:lnRef>
+          <a:fillRef idx="0">
+            <a:schemeClr val="accent1"/>
+          </a:fillRef>
+          <a:effectRef idx="1">
+            <a:schemeClr val="accent1"/>
+          </a:effectRef>
+          <a:fontRef idx="minor">
+            <a:schemeClr val="tx1"/>
+          </a:fontRef>
+        </p:style>
+      </p:cxnSp>
+      <p:cxnSp>
+        <p:nvCxnSpPr>
+          <p:cNvPr id="9" name="Straight Connector 8"/>
+          <p:cNvCxnSpPr/>
+          <p:nvPr/>
+        </p:nvCxnSpPr>
+        <p:spPr>
+          <a:xfrm flipV="1">
+            <a:off x="823344" y="2763437"/>
+            <a:ext cx="3991124" cy="2916962"/>
+          </a:xfrm>
+          <a:prstGeom prst="line">
+            <a:avLst/>
+          </a:prstGeom>
+          <a:ln>
+            <a:solidFill>
+              <a:srgbClr val="008000"/>
+            </a:solidFill>
+          </a:ln>
+        </p:spPr>
+        <p:style>
+          <a:lnRef idx="2">
+            <a:schemeClr val="accent1"/>
+          </a:lnRef>
+          <a:fillRef idx="0">
+            <a:schemeClr val="accent1"/>
+          </a:fillRef>
+          <a:effectRef idx="1">
+            <a:schemeClr val="accent1"/>
+          </a:effectRef>
+          <a:fontRef idx="minor">
+            <a:schemeClr val="tx1"/>
+          </a:fontRef>
+        </p:style>
+      </p:cxnSp>
+      <p:sp>
+        <p:nvSpPr>
+          <p:cNvPr id="10" name="TextBox 9"/>
+          <p:cNvSpPr txBox="1"/>
+          <p:nvPr/>
+        </p:nvSpPr>
+        <p:spPr>
+          <a:xfrm>
+            <a:off x="7152260" y="5764140"/>
+            <a:ext cx="635285" cy="369332"/>
+          </a:xfrm>
+          <a:prstGeom prst="rect">
+            <a:avLst/>
+          </a:prstGeom>
+          <a:noFill/>
+        </p:spPr>
+        <p:txBody>
+          <a:bodyPr wrap="none" rtlCol="0">
+            <a:spAutoFit/>
+          </a:bodyPr>
+          <a:lstStyle/>
+          <a:p>
+            <a:r>
+              <a:rPr lang="en-US" dirty="0" smtClean="0"/>
+              <a:t>Load</a:t>
+            </a:r>
+            <a:endParaRPr lang="en-US" dirty="0"/>
+          </a:p>
+        </p:txBody>
+      </p:sp>
+      <p:sp>
+        <p:nvSpPr>
+          <p:cNvPr id="11" name="TextBox 10"/>
+          <p:cNvSpPr txBox="1"/>
+          <p:nvPr/>
+        </p:nvSpPr>
+        <p:spPr>
+          <a:xfrm rot="16200000">
+            <a:off x="-196058" y="2999579"/>
+            <a:ext cx="1400594" cy="369332"/>
+          </a:xfrm>
+          <a:prstGeom prst="rect">
+            <a:avLst/>
+          </a:prstGeom>
+          <a:noFill/>
+        </p:spPr>
+        <p:txBody>
+          <a:bodyPr wrap="none" rtlCol="0">
+            <a:spAutoFit/>
+          </a:bodyPr>
+          <a:lstStyle/>
+          <a:p>
+            <a:r>
+              <a:rPr lang="en-US" dirty="0" smtClean="0"/>
+              <a:t>Performance</a:t>
+            </a:r>
+            <a:endParaRPr lang="en-US" dirty="0"/>
+          </a:p>
+        </p:txBody>
+      </p:sp>
+      <p:cxnSp>
+        <p:nvCxnSpPr>
+          <p:cNvPr id="13" name="Straight Connector 12"/>
+          <p:cNvCxnSpPr/>
+          <p:nvPr/>
+        </p:nvCxnSpPr>
+        <p:spPr>
+          <a:xfrm>
+            <a:off x="4814468" y="2763437"/>
+            <a:ext cx="2846815" cy="0"/>
+          </a:xfrm>
+          <a:prstGeom prst="line">
+            <a:avLst/>
+          </a:prstGeom>
+          <a:ln>
+            <a:solidFill>
+              <a:srgbClr val="008000"/>
+            </a:solidFill>
+          </a:ln>
+        </p:spPr>
+        <p:style>
+          <a:lnRef idx="2">
+            <a:schemeClr val="accent1"/>
+          </a:lnRef>
+          <a:fillRef idx="0">
+            <a:schemeClr val="accent1"/>
+          </a:fillRef>
+          <a:effectRef idx="1">
+            <a:schemeClr val="accent1"/>
+          </a:effectRef>
+          <a:fontRef idx="minor">
+            <a:schemeClr val="tx1"/>
+          </a:fontRef>
+        </p:style>
+      </p:cxnSp>
+      <p:cxnSp>
+        <p:nvCxnSpPr>
+          <p:cNvPr id="15" name="Straight Connector 14"/>
+          <p:cNvCxnSpPr/>
+          <p:nvPr/>
+        </p:nvCxnSpPr>
+        <p:spPr>
+          <a:xfrm>
+            <a:off x="4814468" y="2763437"/>
+            <a:ext cx="2846815" cy="1121105"/>
+          </a:xfrm>
+          <a:prstGeom prst="line">
+            <a:avLst/>
+          </a:prstGeom>
+          <a:ln>
+            <a:solidFill>
+              <a:srgbClr val="FF0000"/>
+            </a:solidFill>
+          </a:ln>
+        </p:spPr>
+        <p:style>
+          <a:lnRef idx="2">
+            <a:schemeClr val="accent1"/>
+          </a:lnRef>
+          <a:fillRef idx="0">
+            <a:schemeClr val="accent1"/>
+          </a:fillRef>
+          <a:effectRef idx="1">
+            <a:schemeClr val="accent1"/>
+          </a:effectRef>
+          <a:fontRef idx="minor">
+            <a:schemeClr val="tx1"/>
+          </a:fontRef>
+        </p:style>
+      </p:cxnSp>
+      <p:sp>
+        <p:nvSpPr>
+          <p:cNvPr id="17" name="TextBox 16"/>
+          <p:cNvSpPr txBox="1"/>
+          <p:nvPr/>
+        </p:nvSpPr>
+        <p:spPr>
+          <a:xfrm>
+            <a:off x="6966261" y="2394105"/>
+            <a:ext cx="695022" cy="646331"/>
+          </a:xfrm>
+          <a:prstGeom prst="rect">
+            <a:avLst/>
+          </a:prstGeom>
+          <a:noFill/>
+        </p:spPr>
+        <p:txBody>
+          <a:bodyPr wrap="none" rtlCol="0">
+            <a:spAutoFit/>
+          </a:bodyPr>
+          <a:lstStyle/>
+          <a:p>
+            <a:r>
+              <a:rPr lang="en-US" dirty="0" smtClean="0"/>
+              <a:t>Good</a:t>
+            </a:r>
+          </a:p>
+          <a:p>
+            <a:endParaRPr lang="en-US" dirty="0"/>
+          </a:p>
+        </p:txBody>
+      </p:sp>
+      <p:sp>
+        <p:nvSpPr>
+          <p:cNvPr id="18" name="TextBox 17"/>
+          <p:cNvSpPr txBox="1"/>
+          <p:nvPr/>
+        </p:nvSpPr>
+        <p:spPr>
+          <a:xfrm>
+            <a:off x="6395729" y="3732829"/>
+            <a:ext cx="2128933" cy="1200329"/>
+          </a:xfrm>
+          <a:prstGeom prst="rect">
+            <a:avLst/>
+          </a:prstGeom>
+          <a:noFill/>
+        </p:spPr>
+        <p:txBody>
+          <a:bodyPr wrap="none" rtlCol="0">
+            <a:spAutoFit/>
+          </a:bodyPr>
+          <a:lstStyle/>
+          <a:p>
+            <a:r>
+              <a:rPr lang="en-US" dirty="0" smtClean="0"/>
+              <a:t>Bad</a:t>
+            </a:r>
+          </a:p>
+          <a:p>
+            <a:r>
+              <a:rPr lang="en-US" dirty="0" smtClean="0"/>
+              <a:t>Resource contention</a:t>
+            </a:r>
+          </a:p>
+          <a:p>
+            <a:r>
+              <a:rPr lang="en-US" dirty="0" smtClean="0"/>
+              <a:t>causes slowdown</a:t>
+            </a:r>
+          </a:p>
+          <a:p>
+            <a:endParaRPr lang="en-US" dirty="0"/>
+          </a:p>
+        </p:txBody>
+      </p:sp>
+    </p:spTree>
+    <p:extLst>
+      <p:ext uri="{BB962C8B-B14F-4D97-AF65-F5344CB8AC3E}">
+        <p14:creationId xmlns:p14="http://schemas.microsoft.com/office/powerpoint/2010/main" val="701491625"/>
+      </p:ext>
+    </p:extLst>
+  </p:cSld>
+  <p:clrMapOvr>
+    <a:masterClrMapping/>
+  </p:clrMapOvr>
+</p:sld>
+</file>
+
+<file path=ppt/slides/slide21.xml><?xml version="1.0" encoding="utf-8"?>
 <p:sld xmlns:a="http://schemas.openxmlformats.org/drawingml/2006/main" xmlns:r="http://schemas.openxmlformats.org/officeDocument/2006/relationships" xmlns:p="http://schemas.openxmlformats.org/presentationml/2006/main">
   <p:cSld>
     <p:spTree>
@@ -8296,7 +8378,7 @@
 </p:sld>
 </file>
 
-<file path=ppt/slides/slide21.xml><?xml version="1.0" encoding="utf-8"?>
+<file path=ppt/slides/slide22.xml><?xml version="1.0" encoding="utf-8"?>
 <p:sld xmlns:a="http://schemas.openxmlformats.org/drawingml/2006/main" xmlns:r="http://schemas.openxmlformats.org/officeDocument/2006/relationships" xmlns:p="http://schemas.openxmlformats.org/presentationml/2006/main">
   <p:cSld>
     <p:spTree>
@@ -8483,7 +8565,7 @@
 </p:sld>
 </file>
 
-<file path=ppt/slides/slide22.xml><?xml version="1.0" encoding="utf-8"?>
+<file path=ppt/slides/slide23.xml><?xml version="1.0" encoding="utf-8"?>
 <p:sld xmlns:a="http://schemas.openxmlformats.org/drawingml/2006/main" xmlns:r="http://schemas.openxmlformats.org/officeDocument/2006/relationships" xmlns:p="http://schemas.openxmlformats.org/presentationml/2006/main">
   <p:cSld>
     <p:spTree>
@@ -9017,7 +9099,7 @@
 </p:sld>
 </file>
 
-<file path=ppt/slides/slide23.xml><?xml version="1.0" encoding="utf-8"?>
+<file path=ppt/slides/slide24.xml><?xml version="1.0" encoding="utf-8"?>
 <p:sld xmlns:a="http://schemas.openxmlformats.org/drawingml/2006/main" xmlns:r="http://schemas.openxmlformats.org/officeDocument/2006/relationships" xmlns:p="http://schemas.openxmlformats.org/presentationml/2006/main">
   <p:cSld>
     <p:spTree>
@@ -9653,120 +9735,6 @@
     <p:extLst>
       <p:ext uri="{BB962C8B-B14F-4D97-AF65-F5344CB8AC3E}">
         <p14:creationId xmlns:p14="http://schemas.microsoft.com/office/powerpoint/2010/main" val="3424776501"/>
-      </p:ext>
-    </p:extLst>
-  </p:cSld>
-  <p:clrMapOvr>
-    <a:masterClrMapping/>
-  </p:clrMapOvr>
-</p:sld>
-</file>
-
-<file path=ppt/slides/slide24.xml><?xml version="1.0" encoding="utf-8"?>
-<p:sld xmlns:a="http://schemas.openxmlformats.org/drawingml/2006/main" xmlns:r="http://schemas.openxmlformats.org/officeDocument/2006/relationships" xmlns:p="http://schemas.openxmlformats.org/presentationml/2006/main">
-  <p:cSld>
-    <p:spTree>
-      <p:nvGrpSpPr>
-        <p:cNvPr id="1" name=""/>
-        <p:cNvGrpSpPr/>
-        <p:nvPr/>
-      </p:nvGrpSpPr>
-      <p:grpSpPr>
-        <a:xfrm>
-          <a:off x="0" y="0"/>
-          <a:ext cx="0" cy="0"/>
-          <a:chOff x="0" y="0"/>
-          <a:chExt cx="0" cy="0"/>
-        </a:xfrm>
-      </p:grpSpPr>
-      <p:sp>
-        <p:nvSpPr>
-          <p:cNvPr id="2" name="Title 1"/>
-          <p:cNvSpPr>
-            <a:spLocks noGrp="1"/>
-          </p:cNvSpPr>
-          <p:nvPr>
-            <p:ph type="title"/>
-          </p:nvPr>
-        </p:nvSpPr>
-        <p:spPr/>
-        <p:txBody>
-          <a:bodyPr/>
-          <a:lstStyle/>
-          <a:p>
-            <a:r>
-              <a:rPr lang="en-US" dirty="0" smtClean="0"/>
-              <a:t>Shared Nothing Architecture</a:t>
-            </a:r>
-            <a:endParaRPr lang="en-US" dirty="0"/>
-          </a:p>
-        </p:txBody>
-      </p:sp>
-      <p:sp>
-        <p:nvSpPr>
-          <p:cNvPr id="3" name="Content Placeholder 2"/>
-          <p:cNvSpPr>
-            <a:spLocks noGrp="1"/>
-          </p:cNvSpPr>
-          <p:nvPr>
-            <p:ph idx="1"/>
-          </p:nvPr>
-        </p:nvSpPr>
-        <p:spPr/>
-        <p:txBody>
-          <a:bodyPr/>
-          <a:lstStyle/>
-          <a:p>
-            <a:r>
-              <a:rPr lang="en-US" dirty="0" smtClean="0"/>
-              <a:t>Implies there is no serial part to the computation</a:t>
-            </a:r>
-          </a:p>
-          <a:p>
-            <a:r>
-              <a:rPr lang="en-US" dirty="0" smtClean="0"/>
-              <a:t>Karp-</a:t>
-            </a:r>
-            <a:r>
-              <a:rPr lang="en-US" dirty="0" err="1" smtClean="0"/>
-              <a:t>Flatt</a:t>
-            </a:r>
-            <a:r>
-              <a:rPr lang="en-US" dirty="0" smtClean="0"/>
-              <a:t> Metric of 0 </a:t>
-            </a:r>
-          </a:p>
-          <a:p>
-            <a:pPr lvl="1"/>
-            <a:r>
-              <a:rPr lang="en-US" dirty="0" smtClean="0"/>
-              <a:t>Assuming 100% efficient load balancing</a:t>
-            </a:r>
-          </a:p>
-          <a:p>
-            <a:r>
-              <a:rPr lang="en-US" dirty="0" smtClean="0"/>
-              <a:t>In practice, this is difficult!</a:t>
-            </a:r>
-          </a:p>
-          <a:p>
-            <a:pPr marL="457200" lvl="1" indent="0">
-              <a:buNone/>
-            </a:pPr>
-            <a:endParaRPr lang="en-US" dirty="0" smtClean="0"/>
-          </a:p>
-          <a:p>
-            <a:pPr marL="457200" lvl="1" indent="0">
-              <a:buNone/>
-            </a:pPr>
-            <a:endParaRPr lang="en-US" dirty="0"/>
-          </a:p>
-        </p:txBody>
-      </p:sp>
-    </p:spTree>
-    <p:extLst>
-      <p:ext uri="{BB962C8B-B14F-4D97-AF65-F5344CB8AC3E}">
-        <p14:creationId xmlns:p14="http://schemas.microsoft.com/office/powerpoint/2010/main" val="2221130247"/>
       </p:ext>
     </p:extLst>
   </p:cSld>
@@ -9810,726 +9778,77 @@
           <a:p>
             <a:r>
               <a:rPr lang="en-US" dirty="0" smtClean="0"/>
-              <a:t>Partitioning / </a:t>
+              <a:t>Shared Nothing Architecture</a:t>
+            </a:r>
+            <a:endParaRPr lang="en-US" dirty="0"/>
+          </a:p>
+        </p:txBody>
+      </p:sp>
+      <p:sp>
+        <p:nvSpPr>
+          <p:cNvPr id="3" name="Content Placeholder 2"/>
+          <p:cNvSpPr>
+            <a:spLocks noGrp="1"/>
+          </p:cNvSpPr>
+          <p:nvPr>
+            <p:ph idx="1"/>
+          </p:nvPr>
+        </p:nvSpPr>
+        <p:spPr/>
+        <p:txBody>
+          <a:bodyPr/>
+          <a:lstStyle/>
+          <a:p>
+            <a:r>
+              <a:rPr lang="en-US" dirty="0" smtClean="0"/>
+              <a:t>Implies there is no serial part to the computation</a:t>
+            </a:r>
+          </a:p>
+          <a:p>
+            <a:r>
+              <a:rPr lang="en-US" dirty="0" smtClean="0"/>
+              <a:t>Karp-</a:t>
             </a:r>
             <a:r>
               <a:rPr lang="en-US" dirty="0" err="1" smtClean="0"/>
-              <a:t>Sharding</a:t>
-            </a:r>
+              <a:t>Flatt</a:t>
+            </a:r>
+            <a:r>
+              <a:rPr lang="en-US" dirty="0" smtClean="0"/>
+              <a:t> Metric of 0 </a:t>
+            </a:r>
+          </a:p>
+          <a:p>
+            <a:pPr lvl="1"/>
+            <a:r>
+              <a:rPr lang="en-US" dirty="0" smtClean="0"/>
+              <a:t>Assuming 100% efficient load balancing</a:t>
+            </a:r>
+          </a:p>
+          <a:p>
+            <a:r>
+              <a:rPr lang="en-US" dirty="0" smtClean="0"/>
+              <a:t>In practice, this is difficult!</a:t>
+            </a:r>
+          </a:p>
+          <a:p>
+            <a:pPr marL="457200" lvl="1" indent="0">
+              <a:buNone/>
+            </a:pPr>
+            <a:endParaRPr lang="en-US" dirty="0" smtClean="0"/>
+          </a:p>
+          <a:p>
+            <a:pPr marL="457200" lvl="1" indent="0">
+              <a:buNone/>
+            </a:pPr>
             <a:endParaRPr lang="en-US" dirty="0"/>
-          </a:p>
-        </p:txBody>
-      </p:sp>
-      <p:pic>
-        <p:nvPicPr>
-          <p:cNvPr id="4" name="Picture 3"/>
-          <p:cNvPicPr>
-            <a:picLocks noChangeAspect="1"/>
-          </p:cNvPicPr>
-          <p:nvPr/>
-        </p:nvPicPr>
-        <p:blipFill>
-          <a:blip r:embed="rId2"/>
-          <a:stretch>
-            <a:fillRect/>
-          </a:stretch>
-        </p:blipFill>
-        <p:spPr>
-          <a:xfrm>
-            <a:off x="3521966" y="1417638"/>
-            <a:ext cx="1164361" cy="1164361"/>
-          </a:xfrm>
-          <a:prstGeom prst="rect">
-            <a:avLst/>
-          </a:prstGeom>
-        </p:spPr>
-      </p:pic>
-      <p:pic>
-        <p:nvPicPr>
-          <p:cNvPr id="5" name="Picture 4"/>
-          <p:cNvPicPr>
-            <a:picLocks noChangeAspect="1"/>
-          </p:cNvPicPr>
-          <p:nvPr/>
-        </p:nvPicPr>
-        <p:blipFill>
-          <a:blip r:embed="rId3"/>
-          <a:stretch>
-            <a:fillRect/>
-          </a:stretch>
-        </p:blipFill>
-        <p:spPr>
-          <a:xfrm>
-            <a:off x="6034418" y="1425501"/>
-            <a:ext cx="1502860" cy="1156498"/>
-          </a:xfrm>
-          <a:prstGeom prst="rect">
-            <a:avLst/>
-          </a:prstGeom>
-        </p:spPr>
-      </p:pic>
-      <p:pic>
-        <p:nvPicPr>
-          <p:cNvPr id="6" name="Picture 5"/>
-          <p:cNvPicPr>
-            <a:picLocks noChangeAspect="1"/>
-          </p:cNvPicPr>
-          <p:nvPr/>
-        </p:nvPicPr>
-        <p:blipFill>
-          <a:blip r:embed="rId2"/>
-          <a:stretch>
-            <a:fillRect/>
-          </a:stretch>
-        </p:blipFill>
-        <p:spPr>
-          <a:xfrm>
-            <a:off x="3521966" y="2979670"/>
-            <a:ext cx="1164361" cy="1164361"/>
-          </a:xfrm>
-          <a:prstGeom prst="rect">
-            <a:avLst/>
-          </a:prstGeom>
-        </p:spPr>
-      </p:pic>
-      <p:pic>
-        <p:nvPicPr>
-          <p:cNvPr id="7" name="Picture 6"/>
-          <p:cNvPicPr>
-            <a:picLocks noChangeAspect="1"/>
-          </p:cNvPicPr>
-          <p:nvPr/>
-        </p:nvPicPr>
-        <p:blipFill>
-          <a:blip r:embed="rId3"/>
-          <a:stretch>
-            <a:fillRect/>
-          </a:stretch>
-        </p:blipFill>
-        <p:spPr>
-          <a:xfrm>
-            <a:off x="6034418" y="2987533"/>
-            <a:ext cx="1502860" cy="1156498"/>
-          </a:xfrm>
-          <a:prstGeom prst="rect">
-            <a:avLst/>
-          </a:prstGeom>
-        </p:spPr>
-      </p:pic>
-      <p:pic>
-        <p:nvPicPr>
-          <p:cNvPr id="8" name="Picture 7"/>
-          <p:cNvPicPr>
-            <a:picLocks noChangeAspect="1"/>
-          </p:cNvPicPr>
-          <p:nvPr/>
-        </p:nvPicPr>
-        <p:blipFill>
-          <a:blip r:embed="rId2"/>
-          <a:stretch>
-            <a:fillRect/>
-          </a:stretch>
-        </p:blipFill>
-        <p:spPr>
-          <a:xfrm>
-            <a:off x="3521966" y="4541702"/>
-            <a:ext cx="1164361" cy="1164361"/>
-          </a:xfrm>
-          <a:prstGeom prst="rect">
-            <a:avLst/>
-          </a:prstGeom>
-        </p:spPr>
-      </p:pic>
-      <p:pic>
-        <p:nvPicPr>
-          <p:cNvPr id="9" name="Picture 8"/>
-          <p:cNvPicPr>
-            <a:picLocks noChangeAspect="1"/>
-          </p:cNvPicPr>
-          <p:nvPr/>
-        </p:nvPicPr>
-        <p:blipFill>
-          <a:blip r:embed="rId3"/>
-          <a:stretch>
-            <a:fillRect/>
-          </a:stretch>
-        </p:blipFill>
-        <p:spPr>
-          <a:xfrm>
-            <a:off x="6034418" y="4549565"/>
-            <a:ext cx="1502860" cy="1156498"/>
-          </a:xfrm>
-          <a:prstGeom prst="rect">
-            <a:avLst/>
-          </a:prstGeom>
-        </p:spPr>
-      </p:pic>
-      <p:cxnSp>
-        <p:nvCxnSpPr>
-          <p:cNvPr id="10" name="Straight Arrow Connector 9"/>
-          <p:cNvCxnSpPr>
-            <a:stCxn id="4" idx="3"/>
-            <a:endCxn id="5" idx="1"/>
-          </p:cNvCxnSpPr>
-          <p:nvPr/>
-        </p:nvCxnSpPr>
-        <p:spPr>
-          <a:xfrm>
-            <a:off x="4686327" y="1999819"/>
-            <a:ext cx="1348091" cy="3931"/>
-          </a:xfrm>
-          <a:prstGeom prst="straightConnector1">
-            <a:avLst/>
-          </a:prstGeom>
-          <a:ln>
-            <a:tailEnd type="arrow"/>
-          </a:ln>
-        </p:spPr>
-        <p:style>
-          <a:lnRef idx="2">
-            <a:schemeClr val="accent1"/>
-          </a:lnRef>
-          <a:fillRef idx="0">
-            <a:schemeClr val="accent1"/>
-          </a:fillRef>
-          <a:effectRef idx="1">
-            <a:schemeClr val="accent1"/>
-          </a:effectRef>
-          <a:fontRef idx="minor">
-            <a:schemeClr val="tx1"/>
-          </a:fontRef>
-        </p:style>
-      </p:cxnSp>
-      <p:cxnSp>
-        <p:nvCxnSpPr>
-          <p:cNvPr id="11" name="Straight Arrow Connector 10"/>
-          <p:cNvCxnSpPr/>
-          <p:nvPr/>
-        </p:nvCxnSpPr>
-        <p:spPr>
-          <a:xfrm>
-            <a:off x="4686327" y="3617679"/>
-            <a:ext cx="1348091" cy="3931"/>
-          </a:xfrm>
-          <a:prstGeom prst="straightConnector1">
-            <a:avLst/>
-          </a:prstGeom>
-          <a:ln>
-            <a:tailEnd type="arrow"/>
-          </a:ln>
-        </p:spPr>
-        <p:style>
-          <a:lnRef idx="2">
-            <a:schemeClr val="accent1"/>
-          </a:lnRef>
-          <a:fillRef idx="0">
-            <a:schemeClr val="accent1"/>
-          </a:fillRef>
-          <a:effectRef idx="1">
-            <a:schemeClr val="accent1"/>
-          </a:effectRef>
-          <a:fontRef idx="minor">
-            <a:schemeClr val="tx1"/>
-          </a:fontRef>
-        </p:style>
-      </p:cxnSp>
-      <p:cxnSp>
-        <p:nvCxnSpPr>
-          <p:cNvPr id="12" name="Straight Arrow Connector 11"/>
-          <p:cNvCxnSpPr/>
-          <p:nvPr/>
-        </p:nvCxnSpPr>
-        <p:spPr>
-          <a:xfrm>
-            <a:off x="4686327" y="5109928"/>
-            <a:ext cx="1348091" cy="3931"/>
-          </a:xfrm>
-          <a:prstGeom prst="straightConnector1">
-            <a:avLst/>
-          </a:prstGeom>
-          <a:ln>
-            <a:tailEnd type="arrow"/>
-          </a:ln>
-        </p:spPr>
-        <p:style>
-          <a:lnRef idx="2">
-            <a:schemeClr val="accent1"/>
-          </a:lnRef>
-          <a:fillRef idx="0">
-            <a:schemeClr val="accent1"/>
-          </a:fillRef>
-          <a:effectRef idx="1">
-            <a:schemeClr val="accent1"/>
-          </a:effectRef>
-          <a:fontRef idx="minor">
-            <a:schemeClr val="tx1"/>
-          </a:fontRef>
-        </p:style>
-      </p:cxnSp>
-      <p:pic>
-        <p:nvPicPr>
-          <p:cNvPr id="13" name="Picture 12"/>
-          <p:cNvPicPr>
-            <a:picLocks noChangeAspect="1"/>
-          </p:cNvPicPr>
-          <p:nvPr/>
-        </p:nvPicPr>
-        <p:blipFill>
-          <a:blip r:embed="rId2"/>
-          <a:stretch>
-            <a:fillRect/>
-          </a:stretch>
-        </p:blipFill>
-        <p:spPr>
-          <a:xfrm>
-            <a:off x="1148515" y="2979670"/>
-            <a:ext cx="1164361" cy="1164361"/>
-          </a:xfrm>
-          <a:prstGeom prst="rect">
-            <a:avLst/>
-          </a:prstGeom>
-        </p:spPr>
-      </p:pic>
-      <p:cxnSp>
-        <p:nvCxnSpPr>
-          <p:cNvPr id="14" name="Elbow Connector 13"/>
-          <p:cNvCxnSpPr>
-            <a:stCxn id="13" idx="3"/>
-            <a:endCxn id="4" idx="1"/>
-          </p:cNvCxnSpPr>
-          <p:nvPr/>
-        </p:nvCxnSpPr>
-        <p:spPr>
-          <a:xfrm flipV="1">
-            <a:off x="2312876" y="1999819"/>
-            <a:ext cx="1209090" cy="1562032"/>
-          </a:xfrm>
-          <a:prstGeom prst="bentConnector3">
-            <a:avLst/>
-          </a:prstGeom>
-          <a:ln>
-            <a:tailEnd type="arrow"/>
-          </a:ln>
-        </p:spPr>
-        <p:style>
-          <a:lnRef idx="2">
-            <a:schemeClr val="accent1"/>
-          </a:lnRef>
-          <a:fillRef idx="0">
-            <a:schemeClr val="accent1"/>
-          </a:fillRef>
-          <a:effectRef idx="1">
-            <a:schemeClr val="accent1"/>
-          </a:effectRef>
-          <a:fontRef idx="minor">
-            <a:schemeClr val="tx1"/>
-          </a:fontRef>
-        </p:style>
-      </p:cxnSp>
-      <p:cxnSp>
-        <p:nvCxnSpPr>
-          <p:cNvPr id="15" name="Elbow Connector 14"/>
-          <p:cNvCxnSpPr>
-            <a:stCxn id="13" idx="3"/>
-            <a:endCxn id="6" idx="1"/>
-          </p:cNvCxnSpPr>
-          <p:nvPr/>
-        </p:nvCxnSpPr>
-        <p:spPr>
-          <a:xfrm>
-            <a:off x="2312876" y="3561851"/>
-            <a:ext cx="1209090" cy="12700"/>
-          </a:xfrm>
-          <a:prstGeom prst="bentConnector3">
-            <a:avLst>
-              <a:gd name="adj1" fmla="val 50000"/>
-            </a:avLst>
-          </a:prstGeom>
-          <a:ln>
-            <a:tailEnd type="arrow"/>
-          </a:ln>
-        </p:spPr>
-        <p:style>
-          <a:lnRef idx="2">
-            <a:schemeClr val="accent1"/>
-          </a:lnRef>
-          <a:fillRef idx="0">
-            <a:schemeClr val="accent1"/>
-          </a:fillRef>
-          <a:effectRef idx="1">
-            <a:schemeClr val="accent1"/>
-          </a:effectRef>
-          <a:fontRef idx="minor">
-            <a:schemeClr val="tx1"/>
-          </a:fontRef>
-        </p:style>
-      </p:cxnSp>
-      <p:cxnSp>
-        <p:nvCxnSpPr>
-          <p:cNvPr id="16" name="Elbow Connector 15"/>
-          <p:cNvCxnSpPr>
-            <a:stCxn id="13" idx="3"/>
-            <a:endCxn id="8" idx="1"/>
-          </p:cNvCxnSpPr>
-          <p:nvPr/>
-        </p:nvCxnSpPr>
-        <p:spPr>
-          <a:xfrm>
-            <a:off x="2312876" y="3561851"/>
-            <a:ext cx="1209090" cy="1562032"/>
-          </a:xfrm>
-          <a:prstGeom prst="bentConnector3">
-            <a:avLst>
-              <a:gd name="adj1" fmla="val 50000"/>
-            </a:avLst>
-          </a:prstGeom>
-          <a:ln>
-            <a:tailEnd type="arrow"/>
-          </a:ln>
-        </p:spPr>
-        <p:style>
-          <a:lnRef idx="2">
-            <a:schemeClr val="accent1"/>
-          </a:lnRef>
-          <a:fillRef idx="0">
-            <a:schemeClr val="accent1"/>
-          </a:fillRef>
-          <a:effectRef idx="1">
-            <a:schemeClr val="accent1"/>
-          </a:effectRef>
-          <a:fontRef idx="minor">
-            <a:schemeClr val="tx1"/>
-          </a:fontRef>
-        </p:style>
-      </p:cxnSp>
-      <p:sp>
-        <p:nvSpPr>
-          <p:cNvPr id="17" name="TextBox 16"/>
-          <p:cNvSpPr txBox="1"/>
-          <p:nvPr/>
-        </p:nvSpPr>
-        <p:spPr>
-          <a:xfrm>
-            <a:off x="995010" y="4197755"/>
-            <a:ext cx="1501358" cy="369332"/>
-          </a:xfrm>
-          <a:prstGeom prst="rect">
-            <a:avLst/>
-          </a:prstGeom>
-          <a:noFill/>
-        </p:spPr>
-        <p:txBody>
-          <a:bodyPr wrap="none" rtlCol="0">
-            <a:spAutoFit/>
-          </a:bodyPr>
-          <a:lstStyle/>
-          <a:p>
-            <a:r>
-              <a:rPr lang="en-US" dirty="0" smtClean="0"/>
-              <a:t>Load Balancer</a:t>
-            </a:r>
-            <a:endParaRPr lang="en-US" dirty="0"/>
-          </a:p>
-        </p:txBody>
-      </p:sp>
-      <p:sp>
-        <p:nvSpPr>
-          <p:cNvPr id="18" name="TextBox 17"/>
-          <p:cNvSpPr txBox="1"/>
-          <p:nvPr/>
-        </p:nvSpPr>
-        <p:spPr>
-          <a:xfrm>
-            <a:off x="3787859" y="2577647"/>
-            <a:ext cx="787395" cy="369332"/>
-          </a:xfrm>
-          <a:prstGeom prst="rect">
-            <a:avLst/>
-          </a:prstGeom>
-          <a:noFill/>
-        </p:spPr>
-        <p:txBody>
-          <a:bodyPr wrap="none" rtlCol="0">
-            <a:spAutoFit/>
-          </a:bodyPr>
-          <a:lstStyle/>
-          <a:p>
-            <a:r>
-              <a:rPr lang="en-US" dirty="0" smtClean="0"/>
-              <a:t>Server</a:t>
-            </a:r>
-            <a:endParaRPr lang="en-US" dirty="0"/>
-          </a:p>
-        </p:txBody>
-      </p:sp>
-      <p:sp>
-        <p:nvSpPr>
-          <p:cNvPr id="19" name="TextBox 18"/>
-          <p:cNvSpPr txBox="1"/>
-          <p:nvPr/>
-        </p:nvSpPr>
-        <p:spPr>
-          <a:xfrm>
-            <a:off x="6399293" y="2577647"/>
-            <a:ext cx="574872" cy="369332"/>
-          </a:xfrm>
-          <a:prstGeom prst="rect">
-            <a:avLst/>
-          </a:prstGeom>
-          <a:noFill/>
-        </p:spPr>
-        <p:txBody>
-          <a:bodyPr wrap="none" rtlCol="0">
-            <a:spAutoFit/>
-          </a:bodyPr>
-          <a:lstStyle/>
-          <a:p>
-            <a:r>
-              <a:rPr lang="en-US" dirty="0" smtClean="0"/>
-              <a:t>Disk</a:t>
-            </a:r>
-            <a:endParaRPr lang="en-US" dirty="0"/>
-          </a:p>
-        </p:txBody>
-      </p:sp>
-      <p:sp>
-        <p:nvSpPr>
-          <p:cNvPr id="20" name="TextBox 19"/>
-          <p:cNvSpPr txBox="1"/>
-          <p:nvPr/>
-        </p:nvSpPr>
-        <p:spPr>
-          <a:xfrm>
-            <a:off x="3785880" y="4144031"/>
-            <a:ext cx="787395" cy="369332"/>
-          </a:xfrm>
-          <a:prstGeom prst="rect">
-            <a:avLst/>
-          </a:prstGeom>
-          <a:noFill/>
-        </p:spPr>
-        <p:txBody>
-          <a:bodyPr wrap="none" rtlCol="0">
-            <a:spAutoFit/>
-          </a:bodyPr>
-          <a:lstStyle/>
-          <a:p>
-            <a:r>
-              <a:rPr lang="en-US" dirty="0" smtClean="0"/>
-              <a:t>Server</a:t>
-            </a:r>
-            <a:endParaRPr lang="en-US" dirty="0"/>
-          </a:p>
-        </p:txBody>
-      </p:sp>
-      <p:sp>
-        <p:nvSpPr>
-          <p:cNvPr id="21" name="TextBox 20"/>
-          <p:cNvSpPr txBox="1"/>
-          <p:nvPr/>
-        </p:nvSpPr>
-        <p:spPr>
-          <a:xfrm>
-            <a:off x="6397314" y="4144031"/>
-            <a:ext cx="574872" cy="369332"/>
-          </a:xfrm>
-          <a:prstGeom prst="rect">
-            <a:avLst/>
-          </a:prstGeom>
-          <a:noFill/>
-        </p:spPr>
-        <p:txBody>
-          <a:bodyPr wrap="none" rtlCol="0">
-            <a:spAutoFit/>
-          </a:bodyPr>
-          <a:lstStyle/>
-          <a:p>
-            <a:r>
-              <a:rPr lang="en-US" dirty="0" smtClean="0"/>
-              <a:t>Disk</a:t>
-            </a:r>
-            <a:endParaRPr lang="en-US" dirty="0"/>
-          </a:p>
-        </p:txBody>
-      </p:sp>
-      <p:sp>
-        <p:nvSpPr>
-          <p:cNvPr id="22" name="TextBox 21"/>
-          <p:cNvSpPr txBox="1"/>
-          <p:nvPr/>
-        </p:nvSpPr>
-        <p:spPr>
-          <a:xfrm>
-            <a:off x="3783901" y="5710415"/>
-            <a:ext cx="787395" cy="369332"/>
-          </a:xfrm>
-          <a:prstGeom prst="rect">
-            <a:avLst/>
-          </a:prstGeom>
-          <a:noFill/>
-        </p:spPr>
-        <p:txBody>
-          <a:bodyPr wrap="none" rtlCol="0">
-            <a:spAutoFit/>
-          </a:bodyPr>
-          <a:lstStyle/>
-          <a:p>
-            <a:r>
-              <a:rPr lang="en-US" dirty="0" smtClean="0"/>
-              <a:t>Server</a:t>
-            </a:r>
-            <a:endParaRPr lang="en-US" dirty="0"/>
-          </a:p>
-        </p:txBody>
-      </p:sp>
-      <p:sp>
-        <p:nvSpPr>
-          <p:cNvPr id="23" name="TextBox 22"/>
-          <p:cNvSpPr txBox="1"/>
-          <p:nvPr/>
-        </p:nvSpPr>
-        <p:spPr>
-          <a:xfrm>
-            <a:off x="6395335" y="5710415"/>
-            <a:ext cx="574872" cy="369332"/>
-          </a:xfrm>
-          <a:prstGeom prst="rect">
-            <a:avLst/>
-          </a:prstGeom>
-          <a:noFill/>
-        </p:spPr>
-        <p:txBody>
-          <a:bodyPr wrap="none" rtlCol="0">
-            <a:spAutoFit/>
-          </a:bodyPr>
-          <a:lstStyle/>
-          <a:p>
-            <a:r>
-              <a:rPr lang="en-US" dirty="0" smtClean="0"/>
-              <a:t>Disk</a:t>
-            </a:r>
-            <a:endParaRPr lang="en-US" dirty="0"/>
-          </a:p>
-        </p:txBody>
-      </p:sp>
-      <p:sp>
-        <p:nvSpPr>
-          <p:cNvPr id="24" name="TextBox 23"/>
-          <p:cNvSpPr txBox="1"/>
-          <p:nvPr/>
-        </p:nvSpPr>
-        <p:spPr>
-          <a:xfrm>
-            <a:off x="7732648" y="1535243"/>
-            <a:ext cx="709449" cy="646331"/>
-          </a:xfrm>
-          <a:prstGeom prst="rect">
-            <a:avLst/>
-          </a:prstGeom>
-          <a:noFill/>
-        </p:spPr>
-        <p:txBody>
-          <a:bodyPr wrap="none" rtlCol="0">
-            <a:spAutoFit/>
-          </a:bodyPr>
-          <a:lstStyle/>
-          <a:p>
-            <a:r>
-              <a:rPr lang="en-US" sz="3600" dirty="0" smtClean="0">
-                <a:solidFill>
-                  <a:srgbClr val="FF0000"/>
-                </a:solidFill>
-              </a:rPr>
-              <a:t>A-I</a:t>
-            </a:r>
-            <a:endParaRPr lang="en-US" sz="3600" dirty="0">
-              <a:solidFill>
-                <a:srgbClr val="FF0000"/>
-              </a:solidFill>
-            </a:endParaRPr>
-          </a:p>
-        </p:txBody>
-      </p:sp>
-      <p:sp>
-        <p:nvSpPr>
-          <p:cNvPr id="25" name="TextBox 24"/>
-          <p:cNvSpPr txBox="1"/>
-          <p:nvPr/>
-        </p:nvSpPr>
-        <p:spPr>
-          <a:xfrm>
-            <a:off x="7689678" y="3238685"/>
-            <a:ext cx="723876" cy="646331"/>
-          </a:xfrm>
-          <a:prstGeom prst="rect">
-            <a:avLst/>
-          </a:prstGeom>
-          <a:noFill/>
-        </p:spPr>
-        <p:txBody>
-          <a:bodyPr wrap="none" rtlCol="0">
-            <a:spAutoFit/>
-          </a:bodyPr>
-          <a:lstStyle/>
-          <a:p>
-            <a:r>
-              <a:rPr lang="en-US" sz="3600" dirty="0" smtClean="0">
-                <a:solidFill>
-                  <a:srgbClr val="FF0000"/>
-                </a:solidFill>
-              </a:rPr>
-              <a:t>J-R</a:t>
-            </a:r>
-            <a:endParaRPr lang="en-US" sz="3600" dirty="0">
-              <a:solidFill>
-                <a:srgbClr val="FF0000"/>
-              </a:solidFill>
-            </a:endParaRPr>
-          </a:p>
-        </p:txBody>
-      </p:sp>
-      <p:sp>
-        <p:nvSpPr>
-          <p:cNvPr id="26" name="TextBox 25"/>
-          <p:cNvSpPr txBox="1"/>
-          <p:nvPr/>
-        </p:nvSpPr>
-        <p:spPr>
-          <a:xfrm>
-            <a:off x="7689678" y="4786762"/>
-            <a:ext cx="754308" cy="646331"/>
-          </a:xfrm>
-          <a:prstGeom prst="rect">
-            <a:avLst/>
-          </a:prstGeom>
-          <a:noFill/>
-        </p:spPr>
-        <p:txBody>
-          <a:bodyPr wrap="none" rtlCol="0">
-            <a:spAutoFit/>
-          </a:bodyPr>
-          <a:lstStyle/>
-          <a:p>
-            <a:r>
-              <a:rPr lang="en-US" sz="3600" dirty="0" smtClean="0">
-                <a:solidFill>
-                  <a:srgbClr val="FF0000"/>
-                </a:solidFill>
-              </a:rPr>
-              <a:t>S-Z</a:t>
-            </a:r>
-            <a:endParaRPr lang="en-US" sz="3600" dirty="0">
-              <a:solidFill>
-                <a:srgbClr val="FF0000"/>
-              </a:solidFill>
-            </a:endParaRPr>
           </a:p>
         </p:txBody>
       </p:sp>
     </p:spTree>
     <p:extLst>
       <p:ext uri="{BB962C8B-B14F-4D97-AF65-F5344CB8AC3E}">
-        <p14:creationId xmlns:p14="http://schemas.microsoft.com/office/powerpoint/2010/main" val="2320826118"/>
+        <p14:creationId xmlns:p14="http://schemas.microsoft.com/office/powerpoint/2010/main" val="2221130247"/>
       </p:ext>
     </p:extLst>
   </p:cSld>
@@ -10573,7 +9892,7 @@
           <a:p>
             <a:r>
               <a:rPr lang="en-US" dirty="0" smtClean="0"/>
-              <a:t>Problems with </a:t>
+              <a:t>Partitioning / </a:t>
             </a:r>
             <a:r>
               <a:rPr lang="en-US" dirty="0" err="1" smtClean="0"/>
@@ -10583,65 +9902,716 @@
           </a:p>
         </p:txBody>
       </p:sp>
-      <p:sp>
-        <p:nvSpPr>
-          <p:cNvPr id="3" name="Content Placeholder 2"/>
-          <p:cNvSpPr>
-            <a:spLocks noGrp="1"/>
-          </p:cNvSpPr>
-          <p:nvPr>
-            <p:ph idx="1"/>
-          </p:nvPr>
-        </p:nvSpPr>
-        <p:spPr/>
-        <p:txBody>
-          <a:bodyPr/>
-          <a:lstStyle/>
-          <a:p>
-            <a:r>
-              <a:rPr lang="en-US" dirty="0" smtClean="0"/>
-              <a:t>Imbalance</a:t>
-            </a:r>
-          </a:p>
-          <a:p>
-            <a:pPr lvl="1"/>
-            <a:r>
-              <a:rPr lang="en-US" dirty="0" smtClean="0"/>
-              <a:t>Fewer S-Z’s than A-I’s</a:t>
-            </a:r>
-          </a:p>
-          <a:p>
-            <a:r>
-              <a:rPr lang="en-US" dirty="0" smtClean="0"/>
-              <a:t>Failover</a:t>
-            </a:r>
-          </a:p>
-          <a:p>
-            <a:r>
-              <a:rPr lang="en-US" dirty="0" smtClean="0"/>
-              <a:t>Adding new servers requires a </a:t>
-            </a:r>
-            <a:br>
-              <a:rPr lang="en-US" dirty="0" smtClean="0"/>
-            </a:br>
-            <a:r>
-              <a:rPr lang="en-US" dirty="0" smtClean="0"/>
-              <a:t>re-balance</a:t>
-            </a:r>
-          </a:p>
-          <a:p>
-            <a:pPr lvl="1"/>
-            <a:r>
-              <a:rPr lang="en-US" dirty="0" smtClean="0"/>
-              <a:t>Is this automatic or manual?!</a:t>
-            </a:r>
+      <p:pic>
+        <p:nvPicPr>
+          <p:cNvPr id="4" name="Picture 3"/>
+          <p:cNvPicPr>
+            <a:picLocks noChangeAspect="1"/>
+          </p:cNvPicPr>
+          <p:nvPr/>
+        </p:nvPicPr>
+        <p:blipFill>
+          <a:blip r:embed="rId2"/>
+          <a:stretch>
+            <a:fillRect/>
+          </a:stretch>
+        </p:blipFill>
+        <p:spPr>
+          <a:xfrm>
+            <a:off x="3521966" y="1417638"/>
+            <a:ext cx="1164361" cy="1164361"/>
+          </a:xfrm>
+          <a:prstGeom prst="rect">
+            <a:avLst/>
+          </a:prstGeom>
+        </p:spPr>
+      </p:pic>
+      <p:pic>
+        <p:nvPicPr>
+          <p:cNvPr id="5" name="Picture 4"/>
+          <p:cNvPicPr>
+            <a:picLocks noChangeAspect="1"/>
+          </p:cNvPicPr>
+          <p:nvPr/>
+        </p:nvPicPr>
+        <p:blipFill>
+          <a:blip r:embed="rId3"/>
+          <a:stretch>
+            <a:fillRect/>
+          </a:stretch>
+        </p:blipFill>
+        <p:spPr>
+          <a:xfrm>
+            <a:off x="6034418" y="1425501"/>
+            <a:ext cx="1502860" cy="1156498"/>
+          </a:xfrm>
+          <a:prstGeom prst="rect">
+            <a:avLst/>
+          </a:prstGeom>
+        </p:spPr>
+      </p:pic>
+      <p:pic>
+        <p:nvPicPr>
+          <p:cNvPr id="6" name="Picture 5"/>
+          <p:cNvPicPr>
+            <a:picLocks noChangeAspect="1"/>
+          </p:cNvPicPr>
+          <p:nvPr/>
+        </p:nvPicPr>
+        <p:blipFill>
+          <a:blip r:embed="rId2"/>
+          <a:stretch>
+            <a:fillRect/>
+          </a:stretch>
+        </p:blipFill>
+        <p:spPr>
+          <a:xfrm>
+            <a:off x="3521966" y="2979670"/>
+            <a:ext cx="1164361" cy="1164361"/>
+          </a:xfrm>
+          <a:prstGeom prst="rect">
+            <a:avLst/>
+          </a:prstGeom>
+        </p:spPr>
+      </p:pic>
+      <p:pic>
+        <p:nvPicPr>
+          <p:cNvPr id="7" name="Picture 6"/>
+          <p:cNvPicPr>
+            <a:picLocks noChangeAspect="1"/>
+          </p:cNvPicPr>
+          <p:nvPr/>
+        </p:nvPicPr>
+        <p:blipFill>
+          <a:blip r:embed="rId3"/>
+          <a:stretch>
+            <a:fillRect/>
+          </a:stretch>
+        </p:blipFill>
+        <p:spPr>
+          <a:xfrm>
+            <a:off x="6034418" y="2987533"/>
+            <a:ext cx="1502860" cy="1156498"/>
+          </a:xfrm>
+          <a:prstGeom prst="rect">
+            <a:avLst/>
+          </a:prstGeom>
+        </p:spPr>
+      </p:pic>
+      <p:pic>
+        <p:nvPicPr>
+          <p:cNvPr id="8" name="Picture 7"/>
+          <p:cNvPicPr>
+            <a:picLocks noChangeAspect="1"/>
+          </p:cNvPicPr>
+          <p:nvPr/>
+        </p:nvPicPr>
+        <p:blipFill>
+          <a:blip r:embed="rId2"/>
+          <a:stretch>
+            <a:fillRect/>
+          </a:stretch>
+        </p:blipFill>
+        <p:spPr>
+          <a:xfrm>
+            <a:off x="3521966" y="4541702"/>
+            <a:ext cx="1164361" cy="1164361"/>
+          </a:xfrm>
+          <a:prstGeom prst="rect">
+            <a:avLst/>
+          </a:prstGeom>
+        </p:spPr>
+      </p:pic>
+      <p:pic>
+        <p:nvPicPr>
+          <p:cNvPr id="9" name="Picture 8"/>
+          <p:cNvPicPr>
+            <a:picLocks noChangeAspect="1"/>
+          </p:cNvPicPr>
+          <p:nvPr/>
+        </p:nvPicPr>
+        <p:blipFill>
+          <a:blip r:embed="rId3"/>
+          <a:stretch>
+            <a:fillRect/>
+          </a:stretch>
+        </p:blipFill>
+        <p:spPr>
+          <a:xfrm>
+            <a:off x="6034418" y="4549565"/>
+            <a:ext cx="1502860" cy="1156498"/>
+          </a:xfrm>
+          <a:prstGeom prst="rect">
+            <a:avLst/>
+          </a:prstGeom>
+        </p:spPr>
+      </p:pic>
+      <p:cxnSp>
+        <p:nvCxnSpPr>
+          <p:cNvPr id="10" name="Straight Arrow Connector 9"/>
+          <p:cNvCxnSpPr>
+            <a:stCxn id="4" idx="3"/>
+            <a:endCxn id="5" idx="1"/>
+          </p:cNvCxnSpPr>
+          <p:nvPr/>
+        </p:nvCxnSpPr>
+        <p:spPr>
+          <a:xfrm>
+            <a:off x="4686327" y="1999819"/>
+            <a:ext cx="1348091" cy="3931"/>
+          </a:xfrm>
+          <a:prstGeom prst="straightConnector1">
+            <a:avLst/>
+          </a:prstGeom>
+          <a:ln>
+            <a:tailEnd type="arrow"/>
+          </a:ln>
+        </p:spPr>
+        <p:style>
+          <a:lnRef idx="2">
+            <a:schemeClr val="accent1"/>
+          </a:lnRef>
+          <a:fillRef idx="0">
+            <a:schemeClr val="accent1"/>
+          </a:fillRef>
+          <a:effectRef idx="1">
+            <a:schemeClr val="accent1"/>
+          </a:effectRef>
+          <a:fontRef idx="minor">
+            <a:schemeClr val="tx1"/>
+          </a:fontRef>
+        </p:style>
+      </p:cxnSp>
+      <p:cxnSp>
+        <p:nvCxnSpPr>
+          <p:cNvPr id="11" name="Straight Arrow Connector 10"/>
+          <p:cNvCxnSpPr/>
+          <p:nvPr/>
+        </p:nvCxnSpPr>
+        <p:spPr>
+          <a:xfrm>
+            <a:off x="4686327" y="3617679"/>
+            <a:ext cx="1348091" cy="3931"/>
+          </a:xfrm>
+          <a:prstGeom prst="straightConnector1">
+            <a:avLst/>
+          </a:prstGeom>
+          <a:ln>
+            <a:tailEnd type="arrow"/>
+          </a:ln>
+        </p:spPr>
+        <p:style>
+          <a:lnRef idx="2">
+            <a:schemeClr val="accent1"/>
+          </a:lnRef>
+          <a:fillRef idx="0">
+            <a:schemeClr val="accent1"/>
+          </a:fillRef>
+          <a:effectRef idx="1">
+            <a:schemeClr val="accent1"/>
+          </a:effectRef>
+          <a:fontRef idx="minor">
+            <a:schemeClr val="tx1"/>
+          </a:fontRef>
+        </p:style>
+      </p:cxnSp>
+      <p:cxnSp>
+        <p:nvCxnSpPr>
+          <p:cNvPr id="12" name="Straight Arrow Connector 11"/>
+          <p:cNvCxnSpPr/>
+          <p:nvPr/>
+        </p:nvCxnSpPr>
+        <p:spPr>
+          <a:xfrm>
+            <a:off x="4686327" y="5109928"/>
+            <a:ext cx="1348091" cy="3931"/>
+          </a:xfrm>
+          <a:prstGeom prst="straightConnector1">
+            <a:avLst/>
+          </a:prstGeom>
+          <a:ln>
+            <a:tailEnd type="arrow"/>
+          </a:ln>
+        </p:spPr>
+        <p:style>
+          <a:lnRef idx="2">
+            <a:schemeClr val="accent1"/>
+          </a:lnRef>
+          <a:fillRef idx="0">
+            <a:schemeClr val="accent1"/>
+          </a:fillRef>
+          <a:effectRef idx="1">
+            <a:schemeClr val="accent1"/>
+          </a:effectRef>
+          <a:fontRef idx="minor">
+            <a:schemeClr val="tx1"/>
+          </a:fontRef>
+        </p:style>
+      </p:cxnSp>
+      <p:pic>
+        <p:nvPicPr>
+          <p:cNvPr id="13" name="Picture 12"/>
+          <p:cNvPicPr>
+            <a:picLocks noChangeAspect="1"/>
+          </p:cNvPicPr>
+          <p:nvPr/>
+        </p:nvPicPr>
+        <p:blipFill>
+          <a:blip r:embed="rId2"/>
+          <a:stretch>
+            <a:fillRect/>
+          </a:stretch>
+        </p:blipFill>
+        <p:spPr>
+          <a:xfrm>
+            <a:off x="1148515" y="2979670"/>
+            <a:ext cx="1164361" cy="1164361"/>
+          </a:xfrm>
+          <a:prstGeom prst="rect">
+            <a:avLst/>
+          </a:prstGeom>
+        </p:spPr>
+      </p:pic>
+      <p:cxnSp>
+        <p:nvCxnSpPr>
+          <p:cNvPr id="14" name="Elbow Connector 13"/>
+          <p:cNvCxnSpPr>
+            <a:stCxn id="13" idx="3"/>
+            <a:endCxn id="4" idx="1"/>
+          </p:cNvCxnSpPr>
+          <p:nvPr/>
+        </p:nvCxnSpPr>
+        <p:spPr>
+          <a:xfrm flipV="1">
+            <a:off x="2312876" y="1999819"/>
+            <a:ext cx="1209090" cy="1562032"/>
+          </a:xfrm>
+          <a:prstGeom prst="bentConnector3">
+            <a:avLst/>
+          </a:prstGeom>
+          <a:ln>
+            <a:tailEnd type="arrow"/>
+          </a:ln>
+        </p:spPr>
+        <p:style>
+          <a:lnRef idx="2">
+            <a:schemeClr val="accent1"/>
+          </a:lnRef>
+          <a:fillRef idx="0">
+            <a:schemeClr val="accent1"/>
+          </a:fillRef>
+          <a:effectRef idx="1">
+            <a:schemeClr val="accent1"/>
+          </a:effectRef>
+          <a:fontRef idx="minor">
+            <a:schemeClr val="tx1"/>
+          </a:fontRef>
+        </p:style>
+      </p:cxnSp>
+      <p:cxnSp>
+        <p:nvCxnSpPr>
+          <p:cNvPr id="15" name="Elbow Connector 14"/>
+          <p:cNvCxnSpPr>
+            <a:stCxn id="13" idx="3"/>
+            <a:endCxn id="6" idx="1"/>
+          </p:cNvCxnSpPr>
+          <p:nvPr/>
+        </p:nvCxnSpPr>
+        <p:spPr>
+          <a:xfrm>
+            <a:off x="2312876" y="3561851"/>
+            <a:ext cx="1209090" cy="12700"/>
+          </a:xfrm>
+          <a:prstGeom prst="bentConnector3">
+            <a:avLst>
+              <a:gd name="adj1" fmla="val 50000"/>
+            </a:avLst>
+          </a:prstGeom>
+          <a:ln>
+            <a:tailEnd type="arrow"/>
+          </a:ln>
+        </p:spPr>
+        <p:style>
+          <a:lnRef idx="2">
+            <a:schemeClr val="accent1"/>
+          </a:lnRef>
+          <a:fillRef idx="0">
+            <a:schemeClr val="accent1"/>
+          </a:fillRef>
+          <a:effectRef idx="1">
+            <a:schemeClr val="accent1"/>
+          </a:effectRef>
+          <a:fontRef idx="minor">
+            <a:schemeClr val="tx1"/>
+          </a:fontRef>
+        </p:style>
+      </p:cxnSp>
+      <p:cxnSp>
+        <p:nvCxnSpPr>
+          <p:cNvPr id="16" name="Elbow Connector 15"/>
+          <p:cNvCxnSpPr>
+            <a:stCxn id="13" idx="3"/>
+            <a:endCxn id="8" idx="1"/>
+          </p:cNvCxnSpPr>
+          <p:nvPr/>
+        </p:nvCxnSpPr>
+        <p:spPr>
+          <a:xfrm>
+            <a:off x="2312876" y="3561851"/>
+            <a:ext cx="1209090" cy="1562032"/>
+          </a:xfrm>
+          <a:prstGeom prst="bentConnector3">
+            <a:avLst>
+              <a:gd name="adj1" fmla="val 50000"/>
+            </a:avLst>
+          </a:prstGeom>
+          <a:ln>
+            <a:tailEnd type="arrow"/>
+          </a:ln>
+        </p:spPr>
+        <p:style>
+          <a:lnRef idx="2">
+            <a:schemeClr val="accent1"/>
+          </a:lnRef>
+          <a:fillRef idx="0">
+            <a:schemeClr val="accent1"/>
+          </a:fillRef>
+          <a:effectRef idx="1">
+            <a:schemeClr val="accent1"/>
+          </a:effectRef>
+          <a:fontRef idx="minor">
+            <a:schemeClr val="tx1"/>
+          </a:fontRef>
+        </p:style>
+      </p:cxnSp>
+      <p:sp>
+        <p:nvSpPr>
+          <p:cNvPr id="17" name="TextBox 16"/>
+          <p:cNvSpPr txBox="1"/>
+          <p:nvPr/>
+        </p:nvSpPr>
+        <p:spPr>
+          <a:xfrm>
+            <a:off x="995010" y="4197755"/>
+            <a:ext cx="1501358" cy="369332"/>
+          </a:xfrm>
+          <a:prstGeom prst="rect">
+            <a:avLst/>
+          </a:prstGeom>
+          <a:noFill/>
+        </p:spPr>
+        <p:txBody>
+          <a:bodyPr wrap="none" rtlCol="0">
+            <a:spAutoFit/>
+          </a:bodyPr>
+          <a:lstStyle/>
+          <a:p>
+            <a:r>
+              <a:rPr lang="en-US" dirty="0" smtClean="0"/>
+              <a:t>Load Balancer</a:t>
+            </a:r>
+            <a:endParaRPr lang="en-US" dirty="0"/>
+          </a:p>
+        </p:txBody>
+      </p:sp>
+      <p:sp>
+        <p:nvSpPr>
+          <p:cNvPr id="18" name="TextBox 17"/>
+          <p:cNvSpPr txBox="1"/>
+          <p:nvPr/>
+        </p:nvSpPr>
+        <p:spPr>
+          <a:xfrm>
+            <a:off x="3787859" y="2577647"/>
+            <a:ext cx="787395" cy="369332"/>
+          </a:xfrm>
+          <a:prstGeom prst="rect">
+            <a:avLst/>
+          </a:prstGeom>
+          <a:noFill/>
+        </p:spPr>
+        <p:txBody>
+          <a:bodyPr wrap="none" rtlCol="0">
+            <a:spAutoFit/>
+          </a:bodyPr>
+          <a:lstStyle/>
+          <a:p>
+            <a:r>
+              <a:rPr lang="en-US" dirty="0" smtClean="0"/>
+              <a:t>Server</a:t>
+            </a:r>
+            <a:endParaRPr lang="en-US" dirty="0"/>
+          </a:p>
+        </p:txBody>
+      </p:sp>
+      <p:sp>
+        <p:nvSpPr>
+          <p:cNvPr id="19" name="TextBox 18"/>
+          <p:cNvSpPr txBox="1"/>
+          <p:nvPr/>
+        </p:nvSpPr>
+        <p:spPr>
+          <a:xfrm>
+            <a:off x="6399293" y="2577647"/>
+            <a:ext cx="574872" cy="369332"/>
+          </a:xfrm>
+          <a:prstGeom prst="rect">
+            <a:avLst/>
+          </a:prstGeom>
+          <a:noFill/>
+        </p:spPr>
+        <p:txBody>
+          <a:bodyPr wrap="none" rtlCol="0">
+            <a:spAutoFit/>
+          </a:bodyPr>
+          <a:lstStyle/>
+          <a:p>
+            <a:r>
+              <a:rPr lang="en-US" dirty="0" smtClean="0"/>
+              <a:t>Disk</a:t>
+            </a:r>
+            <a:endParaRPr lang="en-US" dirty="0"/>
+          </a:p>
+        </p:txBody>
+      </p:sp>
+      <p:sp>
+        <p:nvSpPr>
+          <p:cNvPr id="20" name="TextBox 19"/>
+          <p:cNvSpPr txBox="1"/>
+          <p:nvPr/>
+        </p:nvSpPr>
+        <p:spPr>
+          <a:xfrm>
+            <a:off x="3785880" y="4144031"/>
+            <a:ext cx="787395" cy="369332"/>
+          </a:xfrm>
+          <a:prstGeom prst="rect">
+            <a:avLst/>
+          </a:prstGeom>
+          <a:noFill/>
+        </p:spPr>
+        <p:txBody>
+          <a:bodyPr wrap="none" rtlCol="0">
+            <a:spAutoFit/>
+          </a:bodyPr>
+          <a:lstStyle/>
+          <a:p>
+            <a:r>
+              <a:rPr lang="en-US" dirty="0" smtClean="0"/>
+              <a:t>Server</a:t>
+            </a:r>
+            <a:endParaRPr lang="en-US" dirty="0"/>
+          </a:p>
+        </p:txBody>
+      </p:sp>
+      <p:sp>
+        <p:nvSpPr>
+          <p:cNvPr id="21" name="TextBox 20"/>
+          <p:cNvSpPr txBox="1"/>
+          <p:nvPr/>
+        </p:nvSpPr>
+        <p:spPr>
+          <a:xfrm>
+            <a:off x="6397314" y="4144031"/>
+            <a:ext cx="574872" cy="369332"/>
+          </a:xfrm>
+          <a:prstGeom prst="rect">
+            <a:avLst/>
+          </a:prstGeom>
+          <a:noFill/>
+        </p:spPr>
+        <p:txBody>
+          <a:bodyPr wrap="none" rtlCol="0">
+            <a:spAutoFit/>
+          </a:bodyPr>
+          <a:lstStyle/>
+          <a:p>
+            <a:r>
+              <a:rPr lang="en-US" dirty="0" smtClean="0"/>
+              <a:t>Disk</a:t>
+            </a:r>
+            <a:endParaRPr lang="en-US" dirty="0"/>
+          </a:p>
+        </p:txBody>
+      </p:sp>
+      <p:sp>
+        <p:nvSpPr>
+          <p:cNvPr id="22" name="TextBox 21"/>
+          <p:cNvSpPr txBox="1"/>
+          <p:nvPr/>
+        </p:nvSpPr>
+        <p:spPr>
+          <a:xfrm>
+            <a:off x="3783901" y="5710415"/>
+            <a:ext cx="787395" cy="369332"/>
+          </a:xfrm>
+          <a:prstGeom prst="rect">
+            <a:avLst/>
+          </a:prstGeom>
+          <a:noFill/>
+        </p:spPr>
+        <p:txBody>
+          <a:bodyPr wrap="none" rtlCol="0">
+            <a:spAutoFit/>
+          </a:bodyPr>
+          <a:lstStyle/>
+          <a:p>
+            <a:r>
+              <a:rPr lang="en-US" dirty="0" smtClean="0"/>
+              <a:t>Server</a:t>
+            </a:r>
+            <a:endParaRPr lang="en-US" dirty="0"/>
+          </a:p>
+        </p:txBody>
+      </p:sp>
+      <p:sp>
+        <p:nvSpPr>
+          <p:cNvPr id="23" name="TextBox 22"/>
+          <p:cNvSpPr txBox="1"/>
+          <p:nvPr/>
+        </p:nvSpPr>
+        <p:spPr>
+          <a:xfrm>
+            <a:off x="6395335" y="5710415"/>
+            <a:ext cx="574872" cy="369332"/>
+          </a:xfrm>
+          <a:prstGeom prst="rect">
+            <a:avLst/>
+          </a:prstGeom>
+          <a:noFill/>
+        </p:spPr>
+        <p:txBody>
+          <a:bodyPr wrap="none" rtlCol="0">
+            <a:spAutoFit/>
+          </a:bodyPr>
+          <a:lstStyle/>
+          <a:p>
+            <a:r>
+              <a:rPr lang="en-US" dirty="0" smtClean="0"/>
+              <a:t>Disk</a:t>
+            </a:r>
+            <a:endParaRPr lang="en-US" dirty="0"/>
+          </a:p>
+        </p:txBody>
+      </p:sp>
+      <p:sp>
+        <p:nvSpPr>
+          <p:cNvPr id="24" name="TextBox 23"/>
+          <p:cNvSpPr txBox="1"/>
+          <p:nvPr/>
+        </p:nvSpPr>
+        <p:spPr>
+          <a:xfrm>
+            <a:off x="7732648" y="1535243"/>
+            <a:ext cx="709449" cy="646331"/>
+          </a:xfrm>
+          <a:prstGeom prst="rect">
+            <a:avLst/>
+          </a:prstGeom>
+          <a:noFill/>
+        </p:spPr>
+        <p:txBody>
+          <a:bodyPr wrap="none" rtlCol="0">
+            <a:spAutoFit/>
+          </a:bodyPr>
+          <a:lstStyle/>
+          <a:p>
+            <a:r>
+              <a:rPr lang="en-US" sz="3600" dirty="0" smtClean="0">
+                <a:solidFill>
+                  <a:srgbClr val="FF0000"/>
+                </a:solidFill>
+              </a:rPr>
+              <a:t>A-I</a:t>
+            </a:r>
+            <a:endParaRPr lang="en-US" sz="3600" dirty="0">
+              <a:solidFill>
+                <a:srgbClr val="FF0000"/>
+              </a:solidFill>
+            </a:endParaRPr>
+          </a:p>
+        </p:txBody>
+      </p:sp>
+      <p:sp>
+        <p:nvSpPr>
+          <p:cNvPr id="25" name="TextBox 24"/>
+          <p:cNvSpPr txBox="1"/>
+          <p:nvPr/>
+        </p:nvSpPr>
+        <p:spPr>
+          <a:xfrm>
+            <a:off x="7689678" y="3238685"/>
+            <a:ext cx="723876" cy="646331"/>
+          </a:xfrm>
+          <a:prstGeom prst="rect">
+            <a:avLst/>
+          </a:prstGeom>
+          <a:noFill/>
+        </p:spPr>
+        <p:txBody>
+          <a:bodyPr wrap="none" rtlCol="0">
+            <a:spAutoFit/>
+          </a:bodyPr>
+          <a:lstStyle/>
+          <a:p>
+            <a:r>
+              <a:rPr lang="en-US" sz="3600" dirty="0" smtClean="0">
+                <a:solidFill>
+                  <a:srgbClr val="FF0000"/>
+                </a:solidFill>
+              </a:rPr>
+              <a:t>J-R</a:t>
+            </a:r>
+            <a:endParaRPr lang="en-US" sz="3600" dirty="0">
+              <a:solidFill>
+                <a:srgbClr val="FF0000"/>
+              </a:solidFill>
+            </a:endParaRPr>
+          </a:p>
+        </p:txBody>
+      </p:sp>
+      <p:sp>
+        <p:nvSpPr>
+          <p:cNvPr id="26" name="TextBox 25"/>
+          <p:cNvSpPr txBox="1"/>
+          <p:nvPr/>
+        </p:nvSpPr>
+        <p:spPr>
+          <a:xfrm>
+            <a:off x="7689678" y="4786762"/>
+            <a:ext cx="754308" cy="646331"/>
+          </a:xfrm>
+          <a:prstGeom prst="rect">
+            <a:avLst/>
+          </a:prstGeom>
+          <a:noFill/>
+        </p:spPr>
+        <p:txBody>
+          <a:bodyPr wrap="none" rtlCol="0">
+            <a:spAutoFit/>
+          </a:bodyPr>
+          <a:lstStyle/>
+          <a:p>
+            <a:r>
+              <a:rPr lang="en-US" sz="3600" dirty="0" smtClean="0">
+                <a:solidFill>
+                  <a:srgbClr val="FF0000"/>
+                </a:solidFill>
+              </a:rPr>
+              <a:t>S-Z</a:t>
+            </a:r>
+            <a:endParaRPr lang="en-US" sz="3600" dirty="0">
+              <a:solidFill>
+                <a:srgbClr val="FF0000"/>
+              </a:solidFill>
+            </a:endParaRPr>
           </a:p>
         </p:txBody>
       </p:sp>
     </p:spTree>
     <p:extLst>
       <p:ext uri="{BB962C8B-B14F-4D97-AF65-F5344CB8AC3E}">
-        <p14:creationId xmlns:p14="http://schemas.microsoft.com/office/powerpoint/2010/main" val="2341608394"/>
+        <p14:creationId xmlns:p14="http://schemas.microsoft.com/office/powerpoint/2010/main" val="2320826118"/>
       </p:ext>
     </p:extLst>
   </p:cSld>
@@ -10685,6 +10655,118 @@
           <a:p>
             <a:r>
               <a:rPr lang="en-US" dirty="0" smtClean="0"/>
+              <a:t>Problems with </a:t>
+            </a:r>
+            <a:r>
+              <a:rPr lang="en-US" dirty="0" err="1" smtClean="0"/>
+              <a:t>Sharding</a:t>
+            </a:r>
+            <a:endParaRPr lang="en-US" dirty="0"/>
+          </a:p>
+        </p:txBody>
+      </p:sp>
+      <p:sp>
+        <p:nvSpPr>
+          <p:cNvPr id="3" name="Content Placeholder 2"/>
+          <p:cNvSpPr>
+            <a:spLocks noGrp="1"/>
+          </p:cNvSpPr>
+          <p:nvPr>
+            <p:ph idx="1"/>
+          </p:nvPr>
+        </p:nvSpPr>
+        <p:spPr/>
+        <p:txBody>
+          <a:bodyPr/>
+          <a:lstStyle/>
+          <a:p>
+            <a:r>
+              <a:rPr lang="en-US" dirty="0" smtClean="0"/>
+              <a:t>Imbalance</a:t>
+            </a:r>
+          </a:p>
+          <a:p>
+            <a:pPr lvl="1"/>
+            <a:r>
+              <a:rPr lang="en-US" dirty="0" smtClean="0"/>
+              <a:t>Fewer S-Z’s than A-I’s</a:t>
+            </a:r>
+          </a:p>
+          <a:p>
+            <a:r>
+              <a:rPr lang="en-US" dirty="0" smtClean="0"/>
+              <a:t>Failover</a:t>
+            </a:r>
+          </a:p>
+          <a:p>
+            <a:r>
+              <a:rPr lang="en-US" dirty="0" smtClean="0"/>
+              <a:t>Adding new servers requires a </a:t>
+            </a:r>
+            <a:br>
+              <a:rPr lang="en-US" dirty="0" smtClean="0"/>
+            </a:br>
+            <a:r>
+              <a:rPr lang="en-US" dirty="0" smtClean="0"/>
+              <a:t>re-balance</a:t>
+            </a:r>
+          </a:p>
+          <a:p>
+            <a:pPr lvl="1"/>
+            <a:r>
+              <a:rPr lang="en-US" dirty="0" smtClean="0"/>
+              <a:t>Is this automatic or manual?!</a:t>
+            </a:r>
+          </a:p>
+        </p:txBody>
+      </p:sp>
+    </p:spTree>
+    <p:extLst>
+      <p:ext uri="{BB962C8B-B14F-4D97-AF65-F5344CB8AC3E}">
+        <p14:creationId xmlns:p14="http://schemas.microsoft.com/office/powerpoint/2010/main" val="2341608394"/>
+      </p:ext>
+    </p:extLst>
+  </p:cSld>
+  <p:clrMapOvr>
+    <a:masterClrMapping/>
+  </p:clrMapOvr>
+</p:sld>
+</file>
+
+<file path=ppt/slides/slide28.xml><?xml version="1.0" encoding="utf-8"?>
+<p:sld xmlns:a="http://schemas.openxmlformats.org/drawingml/2006/main" xmlns:r="http://schemas.openxmlformats.org/officeDocument/2006/relationships" xmlns:p="http://schemas.openxmlformats.org/presentationml/2006/main">
+  <p:cSld>
+    <p:spTree>
+      <p:nvGrpSpPr>
+        <p:cNvPr id="1" name=""/>
+        <p:cNvGrpSpPr/>
+        <p:nvPr/>
+      </p:nvGrpSpPr>
+      <p:grpSpPr>
+        <a:xfrm>
+          <a:off x="0" y="0"/>
+          <a:ext cx="0" cy="0"/>
+          <a:chOff x="0" y="0"/>
+          <a:chExt cx="0" cy="0"/>
+        </a:xfrm>
+      </p:grpSpPr>
+      <p:sp>
+        <p:nvSpPr>
+          <p:cNvPr id="2" name="Title 1"/>
+          <p:cNvSpPr>
+            <a:spLocks noGrp="1"/>
+          </p:cNvSpPr>
+          <p:nvPr>
+            <p:ph type="title"/>
+          </p:nvPr>
+        </p:nvSpPr>
+        <p:spPr/>
+        <p:txBody>
+          <a:bodyPr/>
+          <a:lstStyle/>
+          <a:p>
+            <a:r>
+              <a:rPr lang="en-US" dirty="0" smtClean="0"/>
               <a:t>Elastic Scaling</a:t>
             </a:r>
             <a:endParaRPr lang="en-US" dirty="0"/>
@@ -10753,7 +10835,7 @@
 </p:sld>
 </file>
 
-<file path=ppt/slides/slide28.xml><?xml version="1.0" encoding="utf-8"?>
+<file path=ppt/slides/slide29.xml><?xml version="1.0" encoding="utf-8"?>
 <p:sld xmlns:a="http://schemas.openxmlformats.org/drawingml/2006/main" xmlns:r="http://schemas.openxmlformats.org/officeDocument/2006/relationships" xmlns:p="http://schemas.openxmlformats.org/presentationml/2006/main">
   <p:cSld>
     <p:spTree>
@@ -11445,7 +11527,99 @@
 </p:sld>
 </file>
 
-<file path=ppt/slides/slide29.xml><?xml version="1.0" encoding="utf-8"?>
+<file path=ppt/slides/slide3.xml><?xml version="1.0" encoding="utf-8"?>
+<p:sld xmlns:a="http://schemas.openxmlformats.org/drawingml/2006/main" xmlns:r="http://schemas.openxmlformats.org/officeDocument/2006/relationships" xmlns:p="http://schemas.openxmlformats.org/presentationml/2006/main">
+  <p:cSld>
+    <p:spTree>
+      <p:nvGrpSpPr>
+        <p:cNvPr id="1" name=""/>
+        <p:cNvGrpSpPr/>
+        <p:nvPr/>
+      </p:nvGrpSpPr>
+      <p:grpSpPr>
+        <a:xfrm>
+          <a:off x="0" y="0"/>
+          <a:ext cx="0" cy="0"/>
+          <a:chOff x="0" y="0"/>
+          <a:chExt cx="0" cy="0"/>
+        </a:xfrm>
+      </p:grpSpPr>
+      <p:sp>
+        <p:nvSpPr>
+          <p:cNvPr id="2" name="Title 1"/>
+          <p:cNvSpPr>
+            <a:spLocks noGrp="1"/>
+          </p:cNvSpPr>
+          <p:nvPr>
+            <p:ph type="title"/>
+          </p:nvPr>
+        </p:nvSpPr>
+        <p:spPr/>
+        <p:txBody>
+          <a:bodyPr/>
+          <a:lstStyle/>
+          <a:p>
+            <a:r>
+              <a:rPr lang="en-US" dirty="0" smtClean="0"/>
+              <a:t>Distributed Computing</a:t>
+            </a:r>
+            <a:endParaRPr lang="en-US" dirty="0"/>
+          </a:p>
+        </p:txBody>
+      </p:sp>
+      <p:sp>
+        <p:nvSpPr>
+          <p:cNvPr id="3" name="Content Placeholder 2"/>
+          <p:cNvSpPr>
+            <a:spLocks noGrp="1"/>
+          </p:cNvSpPr>
+          <p:nvPr>
+            <p:ph idx="1"/>
+          </p:nvPr>
+        </p:nvSpPr>
+        <p:spPr/>
+        <p:txBody>
+          <a:bodyPr/>
+          <a:lstStyle/>
+          <a:p>
+            <a:r>
+              <a:rPr lang="en-US" dirty="0" smtClean="0"/>
+              <a:t>Cloud would not be possible without RPC/Services/APIs</a:t>
+            </a:r>
+          </a:p>
+          <a:p>
+            <a:pPr lvl="1"/>
+            <a:r>
+              <a:rPr lang="en-US" dirty="0"/>
+              <a:t>e</a:t>
+            </a:r>
+            <a:r>
+              <a:rPr lang="en-US" dirty="0" smtClean="0"/>
+              <a:t>.g. Call a service to instantiate a machine image for us	</a:t>
+            </a:r>
+          </a:p>
+          <a:p>
+            <a:r>
+              <a:rPr lang="en-US" dirty="0" smtClean="0"/>
+              <a:t>Grid and Cloud both emerged from distributed computing concepts</a:t>
+            </a:r>
+          </a:p>
+        </p:txBody>
+      </p:sp>
+    </p:spTree>
+    <p:extLst>
+      <p:ext uri="{BB962C8B-B14F-4D97-AF65-F5344CB8AC3E}">
+        <p14:creationId xmlns:p14="http://schemas.microsoft.com/office/powerpoint/2010/main" val="1801667116"/>
+      </p:ext>
+    </p:extLst>
+  </p:cSld>
+  <p:clrMapOvr>
+    <a:masterClrMapping/>
+  </p:clrMapOvr>
+</p:sld>
+</file>
+
+<file path=ppt/slides/slide30.xml><?xml version="1.0" encoding="utf-8"?>
 <p:sld xmlns:a="http://schemas.openxmlformats.org/drawingml/2006/main" xmlns:r="http://schemas.openxmlformats.org/officeDocument/2006/relationships" xmlns:p="http://schemas.openxmlformats.org/presentationml/2006/main">
   <p:cSld>
     <p:spTree>
@@ -12076,99 +12250,7 @@
 </p:sld>
 </file>
 
-<file path=ppt/slides/slide3.xml><?xml version="1.0" encoding="utf-8"?>
-<p:sld xmlns:a="http://schemas.openxmlformats.org/drawingml/2006/main" xmlns:r="http://schemas.openxmlformats.org/officeDocument/2006/relationships" xmlns:p="http://schemas.openxmlformats.org/presentationml/2006/main">
-  <p:cSld>
-    <p:spTree>
-      <p:nvGrpSpPr>
-        <p:cNvPr id="1" name=""/>
-        <p:cNvGrpSpPr/>
-        <p:nvPr/>
-      </p:nvGrpSpPr>
-      <p:grpSpPr>
-        <a:xfrm>
-          <a:off x="0" y="0"/>
-          <a:ext cx="0" cy="0"/>
-          <a:chOff x="0" y="0"/>
-          <a:chExt cx="0" cy="0"/>
-        </a:xfrm>
-      </p:grpSpPr>
-      <p:sp>
-        <p:nvSpPr>
-          <p:cNvPr id="2" name="Title 1"/>
-          <p:cNvSpPr>
-            <a:spLocks noGrp="1"/>
-          </p:cNvSpPr>
-          <p:nvPr>
-            <p:ph type="title"/>
-          </p:nvPr>
-        </p:nvSpPr>
-        <p:spPr/>
-        <p:txBody>
-          <a:bodyPr/>
-          <a:lstStyle/>
-          <a:p>
-            <a:r>
-              <a:rPr lang="en-US" dirty="0" smtClean="0"/>
-              <a:t>Distributed Computing</a:t>
-            </a:r>
-            <a:endParaRPr lang="en-US" dirty="0"/>
-          </a:p>
-        </p:txBody>
-      </p:sp>
-      <p:sp>
-        <p:nvSpPr>
-          <p:cNvPr id="3" name="Content Placeholder 2"/>
-          <p:cNvSpPr>
-            <a:spLocks noGrp="1"/>
-          </p:cNvSpPr>
-          <p:nvPr>
-            <p:ph idx="1"/>
-          </p:nvPr>
-        </p:nvSpPr>
-        <p:spPr/>
-        <p:txBody>
-          <a:bodyPr/>
-          <a:lstStyle/>
-          <a:p>
-            <a:r>
-              <a:rPr lang="en-US" dirty="0" smtClean="0"/>
-              <a:t>Cloud would not be possible without RPC/Services/APIs</a:t>
-            </a:r>
-          </a:p>
-          <a:p>
-            <a:pPr lvl="1"/>
-            <a:r>
-              <a:rPr lang="en-US" dirty="0"/>
-              <a:t>e</a:t>
-            </a:r>
-            <a:r>
-              <a:rPr lang="en-US" dirty="0" smtClean="0"/>
-              <a:t>.g. Call a service to instantiate a machine image for us	</a:t>
-            </a:r>
-          </a:p>
-          <a:p>
-            <a:r>
-              <a:rPr lang="en-US" dirty="0" smtClean="0"/>
-              <a:t>Grid and Cloud both emerged from distributed computing concepts</a:t>
-            </a:r>
-          </a:p>
-        </p:txBody>
-      </p:sp>
-    </p:spTree>
-    <p:extLst>
-      <p:ext uri="{BB962C8B-B14F-4D97-AF65-F5344CB8AC3E}">
-        <p14:creationId xmlns:p14="http://schemas.microsoft.com/office/powerpoint/2010/main" val="1801667116"/>
-      </p:ext>
-    </p:extLst>
-  </p:cSld>
-  <p:clrMapOvr>
-    <a:masterClrMapping/>
-  </p:clrMapOvr>
-</p:sld>
-</file>
-
-<file path=ppt/slides/slide30.xml><?xml version="1.0" encoding="utf-8"?>
+<file path=ppt/slides/slide31.xml><?xml version="1.0" encoding="utf-8"?>
 <p:sld xmlns:a="http://schemas.openxmlformats.org/drawingml/2006/main" xmlns:r="http://schemas.openxmlformats.org/officeDocument/2006/relationships" xmlns:p="http://schemas.openxmlformats.org/presentationml/2006/main">
   <p:cSld>
     <p:spTree>
@@ -13020,177 +13102,6 @@
     <p:extLst>
       <p:ext uri="{BB962C8B-B14F-4D97-AF65-F5344CB8AC3E}">
         <p14:creationId xmlns:p14="http://schemas.microsoft.com/office/powerpoint/2010/main" val="2813794177"/>
-      </p:ext>
-    </p:extLst>
-  </p:cSld>
-  <p:clrMapOvr>
-    <a:masterClrMapping/>
-  </p:clrMapOvr>
-</p:sld>
-</file>
-
-<file path=ppt/slides/slide31.xml><?xml version="1.0" encoding="utf-8"?>
-<p:sld xmlns:a="http://schemas.openxmlformats.org/drawingml/2006/main" xmlns:r="http://schemas.openxmlformats.org/officeDocument/2006/relationships" xmlns:p="http://schemas.openxmlformats.org/presentationml/2006/main">
-  <p:cSld>
-    <p:spTree>
-      <p:nvGrpSpPr>
-        <p:cNvPr id="1" name=""/>
-        <p:cNvGrpSpPr/>
-        <p:nvPr/>
-      </p:nvGrpSpPr>
-      <p:grpSpPr>
-        <a:xfrm>
-          <a:off x="0" y="0"/>
-          <a:ext cx="0" cy="0"/>
-          <a:chOff x="0" y="0"/>
-          <a:chExt cx="0" cy="0"/>
-        </a:xfrm>
-      </p:grpSpPr>
-      <p:sp>
-        <p:nvSpPr>
-          <p:cNvPr id="2" name="Title 1"/>
-          <p:cNvSpPr>
-            <a:spLocks noGrp="1"/>
-          </p:cNvSpPr>
-          <p:nvPr>
-            <p:ph type="title"/>
-          </p:nvPr>
-        </p:nvSpPr>
-        <p:spPr/>
-        <p:txBody>
-          <a:bodyPr/>
-          <a:lstStyle/>
-          <a:p>
-            <a:r>
-              <a:rPr lang="en-US" dirty="0" smtClean="0"/>
-              <a:t>ACID</a:t>
-            </a:r>
-            <a:endParaRPr lang="en-US" dirty="0"/>
-          </a:p>
-        </p:txBody>
-      </p:sp>
-      <p:sp>
-        <p:nvSpPr>
-          <p:cNvPr id="3" name="Content Placeholder 2"/>
-          <p:cNvSpPr>
-            <a:spLocks noGrp="1"/>
-          </p:cNvSpPr>
-          <p:nvPr>
-            <p:ph idx="1"/>
-          </p:nvPr>
-        </p:nvSpPr>
-        <p:spPr>
-          <a:xfrm>
-            <a:off x="375635" y="1417638"/>
-            <a:ext cx="8229600" cy="4525963"/>
-          </a:xfrm>
-        </p:spPr>
-        <p:txBody>
-          <a:bodyPr>
-            <a:normAutofit fontScale="92500"/>
-          </a:bodyPr>
-          <a:lstStyle/>
-          <a:p>
-            <a:r>
-              <a:rPr lang="en-US" i="1" dirty="0"/>
-              <a:t>atomicity </a:t>
-            </a:r>
-            <a:endParaRPr lang="en-US" i="1" dirty="0" smtClean="0"/>
-          </a:p>
-          <a:p>
-            <a:pPr lvl="1"/>
-            <a:r>
-              <a:rPr lang="en-US" dirty="0" smtClean="0"/>
-              <a:t>all</a:t>
-            </a:r>
-            <a:r>
-              <a:rPr lang="en-US" dirty="0"/>
-              <a:t>-or-nothing </a:t>
-            </a:r>
-            <a:r>
-              <a:rPr lang="en-US" dirty="0" smtClean="0"/>
-              <a:t> </a:t>
-            </a:r>
-          </a:p>
-          <a:p>
-            <a:r>
-              <a:rPr lang="en-US" i="1" dirty="0" smtClean="0"/>
-              <a:t>consistency</a:t>
-            </a:r>
-          </a:p>
-          <a:p>
-            <a:pPr lvl="1"/>
-            <a:r>
-              <a:rPr lang="en-US" dirty="0" smtClean="0"/>
-              <a:t>integrity</a:t>
-            </a:r>
-            <a:r>
-              <a:rPr lang="en-US" dirty="0"/>
-              <a:t>-preserving: invariants satisfied </a:t>
-            </a:r>
-          </a:p>
-          <a:p>
-            <a:r>
-              <a:rPr lang="en-US" i="1" dirty="0" smtClean="0"/>
-              <a:t>isolation</a:t>
-            </a:r>
-            <a:endParaRPr lang="en-US" i="1" dirty="0"/>
-          </a:p>
-          <a:p>
-            <a:pPr lvl="1"/>
-            <a:r>
-              <a:rPr lang="en-US" dirty="0" smtClean="0"/>
-              <a:t>hidden </a:t>
-            </a:r>
-            <a:r>
-              <a:rPr lang="en-US" dirty="0"/>
-              <a:t>intermediate results: multi-user </a:t>
-            </a:r>
-            <a:r>
-              <a:rPr lang="en-US" dirty="0" err="1"/>
-              <a:t>behaviour</a:t>
-            </a:r>
-            <a:r>
-              <a:rPr lang="en-US" dirty="0"/>
-              <a:t> </a:t>
-            </a:r>
-            <a:r>
-              <a:rPr lang="en-US" dirty="0" smtClean="0"/>
-              <a:t>consistent with </a:t>
-            </a:r>
-            <a:r>
-              <a:rPr lang="en-US" dirty="0"/>
-              <a:t>single-user mode </a:t>
-            </a:r>
-            <a:endParaRPr lang="en-US" dirty="0" smtClean="0"/>
-          </a:p>
-          <a:p>
-            <a:r>
-              <a:rPr lang="en-US" i="1" dirty="0" smtClean="0"/>
-              <a:t>durability</a:t>
-            </a:r>
-            <a:endParaRPr lang="en-US" i="1" dirty="0"/>
-          </a:p>
-          <a:p>
-            <a:pPr lvl="1"/>
-            <a:r>
-              <a:rPr lang="en-US" dirty="0" smtClean="0"/>
-              <a:t>permanent </a:t>
-            </a:r>
-            <a:r>
-              <a:rPr lang="en-US" dirty="0"/>
-              <a:t>committed results </a:t>
-            </a:r>
-          </a:p>
-          <a:p>
-            <a:endParaRPr lang="en-US" dirty="0"/>
-          </a:p>
-        </p:txBody>
-      </p:sp>
-    </p:spTree>
-    <p:extLst>
-      <p:ext uri="{BB962C8B-B14F-4D97-AF65-F5344CB8AC3E}">
-        <p14:creationId xmlns:p14="http://schemas.microsoft.com/office/powerpoint/2010/main" val="3745119858"/>
       </p:ext>
     </p:extLst>
   </p:cSld>
@@ -13234,7 +13145,7 @@
           <a:p>
             <a:r>
               <a:rPr lang="en-US" dirty="0" smtClean="0"/>
-              <a:t>CAP Theorem</a:t>
+              <a:t>Consensus</a:t>
             </a:r>
             <a:endParaRPr lang="en-US" dirty="0"/>
           </a:p>
@@ -13242,7 +13153,7 @@
       </p:sp>
       <p:sp>
         <p:nvSpPr>
-          <p:cNvPr id="7" name="Content Placeholder 6"/>
+          <p:cNvPr id="3" name="Content Placeholder 2"/>
           <p:cNvSpPr>
             <a:spLocks noGrp="1"/>
           </p:cNvSpPr>
@@ -13252,166 +13163,32 @@
         </p:nvSpPr>
         <p:spPr/>
         <p:txBody>
-          <a:bodyPr>
-            <a:normAutofit fontScale="92500" lnSpcReduction="20000"/>
-          </a:bodyPr>
-          <a:lstStyle/>
-          <a:p>
-            <a:r>
-              <a:rPr lang="en-US" dirty="0"/>
-              <a:t>Originally proposed by Eric Brewer</a:t>
+          <a:bodyPr/>
+          <a:lstStyle/>
+          <a:p>
+            <a:r>
+              <a:rPr lang="en-US" dirty="0" smtClean="0"/>
+              <a:t>Leadership</a:t>
             </a:r>
           </a:p>
           <a:p>
             <a:pPr lvl="1"/>
             <a:r>
-              <a:rPr lang="en-US" dirty="0" err="1"/>
-              <a:t>Inktomi</a:t>
-            </a:r>
-            <a:r>
-              <a:rPr lang="en-US" dirty="0"/>
-              <a:t> and Berkeley</a:t>
-            </a:r>
-          </a:p>
-          <a:p>
-            <a:r>
-              <a:rPr lang="en-US" dirty="0"/>
-              <a:t>Proved in 2002 by </a:t>
-            </a:r>
-            <a:r>
-              <a:rPr lang="en-US" dirty="0" smtClean="0"/>
-              <a:t>Gilbert</a:t>
-            </a:r>
-            <a:br>
-              <a:rPr lang="en-US" dirty="0" smtClean="0"/>
-            </a:br>
-            <a:r>
-              <a:rPr lang="en-US" dirty="0" smtClean="0"/>
-              <a:t> </a:t>
-            </a:r>
-            <a:r>
-              <a:rPr lang="en-US" dirty="0"/>
-              <a:t>and </a:t>
-            </a:r>
-            <a:r>
-              <a:rPr lang="en-US" dirty="0" smtClean="0"/>
-              <a:t>Lynch</a:t>
-            </a:r>
-          </a:p>
-          <a:p>
-            <a:r>
-              <a:rPr lang="en-US" dirty="0" smtClean="0"/>
-              <a:t>You can have 2 out of three:</a:t>
+              <a:rPr lang="en-US" dirty="0" smtClean="0"/>
+              <a:t>How to elect a leader from a group of nodes</a:t>
+            </a:r>
+          </a:p>
+          <a:p>
+            <a:r>
+              <a:rPr lang="en-US" dirty="0" smtClean="0"/>
+              <a:t>Failure detection</a:t>
             </a:r>
           </a:p>
           <a:p>
             <a:pPr lvl="1"/>
             <a:r>
               <a:rPr lang="en-US" dirty="0" smtClean="0"/>
-              <a:t>Consistent</a:t>
-            </a:r>
-          </a:p>
-          <a:p>
-            <a:pPr lvl="2"/>
-            <a:r>
-              <a:rPr lang="en-US" dirty="0" smtClean="0"/>
-              <a:t>ACID</a:t>
-            </a:r>
-          </a:p>
-          <a:p>
-            <a:pPr lvl="1"/>
-            <a:r>
-              <a:rPr lang="en-US" dirty="0" smtClean="0"/>
-              <a:t>Available </a:t>
-            </a:r>
-          </a:p>
-          <a:p>
-            <a:pPr lvl="1"/>
-            <a:r>
-              <a:rPr lang="en-US" dirty="0" smtClean="0"/>
-              <a:t>Partitioned</a:t>
-            </a:r>
-          </a:p>
-          <a:p>
-            <a:pPr lvl="2"/>
-            <a:r>
-              <a:rPr lang="en-US" dirty="0" smtClean="0"/>
-              <a:t>Survive network down </a:t>
-            </a:r>
-            <a:r>
-              <a:rPr lang="en-US" dirty="0"/>
-              <a:t/>
-            </a:r>
-            <a:br>
-              <a:rPr lang="en-US" dirty="0"/>
-            </a:br>
-            <a:r>
-              <a:rPr lang="en-US" dirty="0" smtClean="0"/>
-              <a:t>between nodes</a:t>
-            </a:r>
-          </a:p>
-        </p:txBody>
-      </p:sp>
-      <p:pic>
-        <p:nvPicPr>
-          <p:cNvPr id="4" name="Picture 3"/>
-          <p:cNvPicPr>
-            <a:picLocks noChangeAspect="1"/>
-          </p:cNvPicPr>
-          <p:nvPr/>
-        </p:nvPicPr>
-        <p:blipFill>
-          <a:blip r:embed="rId2"/>
-          <a:stretch>
-            <a:fillRect/>
-          </a:stretch>
-        </p:blipFill>
-        <p:spPr>
-          <a:xfrm>
-            <a:off x="5512291" y="2313317"/>
-            <a:ext cx="3726713" cy="3488203"/>
-          </a:xfrm>
-          <a:prstGeom prst="rect">
-            <a:avLst/>
-          </a:prstGeom>
-        </p:spPr>
-      </p:pic>
-      <p:sp>
-        <p:nvSpPr>
-          <p:cNvPr id="5" name="Rectangle 4"/>
-          <p:cNvSpPr/>
-          <p:nvPr/>
-        </p:nvSpPr>
-        <p:spPr>
-          <a:xfrm>
-            <a:off x="2510088" y="6488668"/>
-            <a:ext cx="6728916" cy="369332"/>
-          </a:xfrm>
-          <a:prstGeom prst="rect">
-            <a:avLst/>
-          </a:prstGeom>
-        </p:spPr>
-        <p:txBody>
-          <a:bodyPr wrap="square">
-            <a:spAutoFit/>
-          </a:bodyPr>
-          <a:lstStyle/>
-          <a:p>
-            <a:r>
-              <a:rPr lang="en-US" dirty="0">
-                <a:hlinkClick r:id="rId3"/>
-              </a:rPr>
-              <a:t>http://blog.mccrory.me/2010/11/03/cap-theorem-and-the-clouds</a:t>
-            </a:r>
-            <a:r>
-              <a:rPr lang="en-US" dirty="0" smtClean="0">
-                <a:hlinkClick r:id="rId3"/>
-              </a:rPr>
-              <a:t>/</a:t>
-            </a:r>
-            <a:r>
-              <a:rPr lang="en-US" dirty="0" smtClean="0"/>
-              <a:t> </a:t>
+              <a:t>How to spot a failed leader </a:t>
             </a:r>
             <a:endParaRPr lang="en-US" dirty="0"/>
           </a:p>
@@ -13420,7 +13197,7 @@
     </p:spTree>
     <p:extLst>
       <p:ext uri="{BB962C8B-B14F-4D97-AF65-F5344CB8AC3E}">
-        <p14:creationId xmlns:p14="http://schemas.microsoft.com/office/powerpoint/2010/main" val="1251945931"/>
+        <p14:creationId xmlns:p14="http://schemas.microsoft.com/office/powerpoint/2010/main" val="945234341"/>
       </p:ext>
     </p:extLst>
   </p:cSld>
@@ -13464,7 +13241,7 @@
           <a:p>
             <a:r>
               <a:rPr lang="en-US" dirty="0" smtClean="0"/>
-              <a:t>Imagine two nodes</a:t>
+              <a:t>ACID</a:t>
             </a:r>
             <a:endParaRPr lang="en-US" dirty="0"/>
           </a:p>
@@ -13472,276 +13249,118 @@
       </p:sp>
       <p:sp>
         <p:nvSpPr>
-          <p:cNvPr id="4" name="Oval 3"/>
-          <p:cNvSpPr/>
-          <p:nvPr/>
-        </p:nvSpPr>
-        <p:spPr>
-          <a:xfrm>
-            <a:off x="1375947" y="2706160"/>
-            <a:ext cx="1693473" cy="1542058"/>
-          </a:xfrm>
-          <a:prstGeom prst="ellipse">
-            <a:avLst/>
-          </a:prstGeom>
-        </p:spPr>
-        <p:style>
-          <a:lnRef idx="1">
-            <a:schemeClr val="accent1"/>
-          </a:lnRef>
-          <a:fillRef idx="3">
-            <a:schemeClr val="accent1"/>
-          </a:fillRef>
-          <a:effectRef idx="2">
-            <a:schemeClr val="accent1"/>
-          </a:effectRef>
-          <a:fontRef idx="minor">
-            <a:schemeClr val="lt1"/>
-          </a:fontRef>
-        </p:style>
-        <p:txBody>
-          <a:bodyPr rtlCol="0" anchor="ctr"/>
-          <a:lstStyle/>
-          <a:p>
-            <a:pPr algn="ctr"/>
-            <a:r>
-              <a:rPr lang="en-US" dirty="0" smtClean="0"/>
-              <a:t>Node 1</a:t>
-            </a:r>
-            <a:endParaRPr lang="en-US" dirty="0"/>
-          </a:p>
-        </p:txBody>
-      </p:sp>
-      <p:sp>
-        <p:nvSpPr>
-          <p:cNvPr id="5" name="Oval 4"/>
-          <p:cNvSpPr/>
-          <p:nvPr/>
-        </p:nvSpPr>
-        <p:spPr>
-          <a:xfrm>
-            <a:off x="5867872" y="2706160"/>
-            <a:ext cx="1693473" cy="1542058"/>
-          </a:xfrm>
-          <a:prstGeom prst="ellipse">
-            <a:avLst/>
-          </a:prstGeom>
-        </p:spPr>
-        <p:style>
-          <a:lnRef idx="1">
-            <a:schemeClr val="accent1"/>
-          </a:lnRef>
-          <a:fillRef idx="3">
-            <a:schemeClr val="accent1"/>
-          </a:fillRef>
-          <a:effectRef idx="2">
-            <a:schemeClr val="accent1"/>
-          </a:effectRef>
-          <a:fontRef idx="minor">
-            <a:schemeClr val="lt1"/>
-          </a:fontRef>
-        </p:style>
-        <p:txBody>
-          <a:bodyPr rtlCol="0" anchor="ctr"/>
-          <a:lstStyle/>
-          <a:p>
-            <a:pPr algn="ctr"/>
-            <a:r>
-              <a:rPr lang="en-US" dirty="0" smtClean="0"/>
-              <a:t>Node 2</a:t>
-            </a:r>
-            <a:endParaRPr lang="en-US" dirty="0"/>
-          </a:p>
-        </p:txBody>
-      </p:sp>
-      <p:cxnSp>
-        <p:nvCxnSpPr>
-          <p:cNvPr id="9" name="Straight Connector 8"/>
-          <p:cNvCxnSpPr/>
-          <p:nvPr/>
-        </p:nvCxnSpPr>
-        <p:spPr>
-          <a:xfrm>
-            <a:off x="4551209" y="1889777"/>
-            <a:ext cx="0" cy="2358441"/>
-          </a:xfrm>
-          <a:prstGeom prst="line">
-            <a:avLst/>
-          </a:prstGeom>
-          <a:ln>
-            <a:prstDash val="dash"/>
-          </a:ln>
-        </p:spPr>
-        <p:style>
-          <a:lnRef idx="2">
-            <a:schemeClr val="accent1"/>
-          </a:lnRef>
-          <a:fillRef idx="0">
-            <a:schemeClr val="accent1"/>
-          </a:fillRef>
-          <a:effectRef idx="1">
-            <a:schemeClr val="accent1"/>
-          </a:effectRef>
-          <a:fontRef idx="minor">
-            <a:schemeClr val="tx1"/>
-          </a:fontRef>
-        </p:style>
-      </p:cxnSp>
-      <p:sp>
-        <p:nvSpPr>
-          <p:cNvPr id="10" name="TextBox 9"/>
-          <p:cNvSpPr txBox="1"/>
-          <p:nvPr/>
-        </p:nvSpPr>
-        <p:spPr>
-          <a:xfrm>
-            <a:off x="3604244" y="4248218"/>
-            <a:ext cx="1893930" cy="369332"/>
-          </a:xfrm>
-          <a:prstGeom prst="rect">
-            <a:avLst/>
-          </a:prstGeom>
-          <a:noFill/>
-        </p:spPr>
-        <p:txBody>
-          <a:bodyPr wrap="none" rtlCol="0">
-            <a:spAutoFit/>
+          <p:cNvPr id="3" name="Content Placeholder 2"/>
+          <p:cNvSpPr>
+            <a:spLocks noGrp="1"/>
+          </p:cNvSpPr>
+          <p:nvPr>
+            <p:ph idx="1"/>
+          </p:nvPr>
+        </p:nvSpPr>
+        <p:spPr>
+          <a:xfrm>
+            <a:off x="375635" y="1417638"/>
+            <a:ext cx="8229600" cy="4525963"/>
+          </a:xfrm>
+        </p:spPr>
+        <p:txBody>
+          <a:bodyPr>
+            <a:normAutofit fontScale="92500"/>
           </a:bodyPr>
           <a:lstStyle/>
           <a:p>
             <a:r>
-              <a:rPr lang="en-US" dirty="0" smtClean="0"/>
-              <a:t>Potential Partition</a:t>
-            </a:r>
-            <a:endParaRPr lang="en-US" dirty="0"/>
-          </a:p>
-        </p:txBody>
-      </p:sp>
-      <p:cxnSp>
-        <p:nvCxnSpPr>
-          <p:cNvPr id="12" name="Straight Arrow Connector 11"/>
-          <p:cNvCxnSpPr/>
-          <p:nvPr/>
-        </p:nvCxnSpPr>
-        <p:spPr>
-          <a:xfrm>
-            <a:off x="771135" y="1753713"/>
-            <a:ext cx="952579" cy="1118748"/>
-          </a:xfrm>
-          <a:prstGeom prst="straightConnector1">
-            <a:avLst/>
-          </a:prstGeom>
-          <a:ln>
-            <a:tailEnd type="arrow"/>
-          </a:ln>
-        </p:spPr>
-        <p:style>
-          <a:lnRef idx="2">
-            <a:schemeClr val="accent1"/>
-          </a:lnRef>
-          <a:fillRef idx="0">
-            <a:schemeClr val="accent1"/>
-          </a:fillRef>
-          <a:effectRef idx="1">
-            <a:schemeClr val="accent1"/>
-          </a:effectRef>
-          <a:fontRef idx="minor">
-            <a:schemeClr val="tx1"/>
-          </a:fontRef>
-        </p:style>
-      </p:cxnSp>
-      <p:sp>
-        <p:nvSpPr>
-          <p:cNvPr id="13" name="TextBox 12"/>
-          <p:cNvSpPr txBox="1"/>
-          <p:nvPr/>
-        </p:nvSpPr>
-        <p:spPr>
-          <a:xfrm>
-            <a:off x="287286" y="1417638"/>
-            <a:ext cx="878065" cy="369332"/>
-          </a:xfrm>
-          <a:prstGeom prst="rect">
-            <a:avLst/>
-          </a:prstGeom>
-          <a:noFill/>
-        </p:spPr>
-        <p:txBody>
-          <a:bodyPr wrap="none" rtlCol="0">
-            <a:spAutoFit/>
-          </a:bodyPr>
-          <a:lstStyle/>
-          <a:p>
-            <a:r>
-              <a:rPr lang="en-US" dirty="0" smtClean="0"/>
-              <a:t>Update</a:t>
-            </a:r>
-            <a:endParaRPr lang="en-US" dirty="0"/>
-          </a:p>
-        </p:txBody>
-      </p:sp>
-      <p:cxnSp>
-        <p:nvCxnSpPr>
-          <p:cNvPr id="15" name="Straight Arrow Connector 14"/>
-          <p:cNvCxnSpPr>
-            <a:stCxn id="4" idx="6"/>
-            <a:endCxn id="5" idx="2"/>
-          </p:cNvCxnSpPr>
-          <p:nvPr/>
-        </p:nvCxnSpPr>
-        <p:spPr>
-          <a:xfrm>
-            <a:off x="3069420" y="3477189"/>
-            <a:ext cx="2798452" cy="0"/>
-          </a:xfrm>
-          <a:prstGeom prst="straightConnector1">
-            <a:avLst/>
-          </a:prstGeom>
-          <a:ln>
-            <a:tailEnd type="arrow"/>
-          </a:ln>
-        </p:spPr>
-        <p:style>
-          <a:lnRef idx="2">
-            <a:schemeClr val="accent1"/>
-          </a:lnRef>
-          <a:fillRef idx="0">
-            <a:schemeClr val="accent1"/>
-          </a:fillRef>
-          <a:effectRef idx="1">
-            <a:schemeClr val="accent1"/>
-          </a:effectRef>
-          <a:fontRef idx="minor">
-            <a:schemeClr val="tx1"/>
-          </a:fontRef>
-        </p:style>
-      </p:cxnSp>
-      <p:sp>
-        <p:nvSpPr>
-          <p:cNvPr id="16" name="TextBox 15"/>
-          <p:cNvSpPr txBox="1"/>
-          <p:nvPr/>
-        </p:nvSpPr>
-        <p:spPr>
-          <a:xfrm>
-            <a:off x="3970949" y="3107857"/>
-            <a:ext cx="1160519" cy="369332"/>
-          </a:xfrm>
-          <a:prstGeom prst="rect">
-            <a:avLst/>
-          </a:prstGeom>
-          <a:noFill/>
-        </p:spPr>
-        <p:txBody>
-          <a:bodyPr wrap="none" rtlCol="0">
-            <a:spAutoFit/>
-          </a:bodyPr>
-          <a:lstStyle/>
-          <a:p>
-            <a:r>
-              <a:rPr lang="en-US" dirty="0" smtClean="0"/>
-              <a:t>Propagate</a:t>
-            </a:r>
+              <a:rPr lang="en-US" i="1" dirty="0"/>
+              <a:t>atomicity </a:t>
+            </a:r>
+            <a:endParaRPr lang="en-US" i="1" dirty="0" smtClean="0"/>
+          </a:p>
+          <a:p>
+            <a:pPr lvl="1"/>
+            <a:r>
+              <a:rPr lang="en-US" dirty="0" smtClean="0"/>
+              <a:t>all</a:t>
+            </a:r>
+            <a:r>
+              <a:rPr lang="en-US" dirty="0"/>
+              <a:t>-or-nothing </a:t>
+            </a:r>
+            <a:r>
+              <a:rPr lang="en-US" dirty="0" smtClean="0"/>
+              <a:t> </a:t>
+            </a:r>
+          </a:p>
+          <a:p>
+            <a:r>
+              <a:rPr lang="en-US" i="1" dirty="0" smtClean="0"/>
+              <a:t>consistency</a:t>
+            </a:r>
+          </a:p>
+          <a:p>
+            <a:pPr lvl="1"/>
+            <a:r>
+              <a:rPr lang="en-US" dirty="0" smtClean="0"/>
+              <a:t>integrity</a:t>
+            </a:r>
+            <a:r>
+              <a:rPr lang="en-US" dirty="0"/>
+              <a:t>-preserving: invariants satisfied </a:t>
+            </a:r>
+          </a:p>
+          <a:p>
+            <a:r>
+              <a:rPr lang="en-US" i="1" dirty="0" smtClean="0"/>
+              <a:t>isolation</a:t>
+            </a:r>
+            <a:endParaRPr lang="en-US" i="1" dirty="0"/>
+          </a:p>
+          <a:p>
+            <a:pPr lvl="1"/>
+            <a:r>
+              <a:rPr lang="en-US" dirty="0" smtClean="0"/>
+              <a:t>hidden </a:t>
+            </a:r>
+            <a:r>
+              <a:rPr lang="en-US" dirty="0"/>
+              <a:t>intermediate results: multi-user </a:t>
+            </a:r>
+            <a:r>
+              <a:rPr lang="en-US" dirty="0" err="1"/>
+              <a:t>behaviour</a:t>
+            </a:r>
+            <a:r>
+              <a:rPr lang="en-US" dirty="0"/>
+              <a:t> </a:t>
+            </a:r>
+            <a:r>
+              <a:rPr lang="en-US" dirty="0" smtClean="0"/>
+              <a:t>consistent with </a:t>
+            </a:r>
+            <a:r>
+              <a:rPr lang="en-US" dirty="0"/>
+              <a:t>single-user mode </a:t>
+            </a:r>
+            <a:endParaRPr lang="en-US" dirty="0" smtClean="0"/>
+          </a:p>
+          <a:p>
+            <a:r>
+              <a:rPr lang="en-US" i="1" dirty="0" smtClean="0"/>
+              <a:t>durability</a:t>
+            </a:r>
+            <a:endParaRPr lang="en-US" i="1" dirty="0"/>
+          </a:p>
+          <a:p>
+            <a:pPr lvl="1"/>
+            <a:r>
+              <a:rPr lang="en-US" dirty="0" smtClean="0"/>
+              <a:t>permanent </a:t>
+            </a:r>
+            <a:r>
+              <a:rPr lang="en-US" dirty="0"/>
+              <a:t>committed results </a:t>
+            </a:r>
+          </a:p>
+          <a:p>
             <a:endParaRPr lang="en-US" dirty="0"/>
           </a:p>
         </p:txBody>
@@ -13749,7 +13368,7 @@
     </p:spTree>
     <p:extLst>
       <p:ext uri="{BB962C8B-B14F-4D97-AF65-F5344CB8AC3E}">
-        <p14:creationId xmlns:p14="http://schemas.microsoft.com/office/powerpoint/2010/main" val="1196049125"/>
+        <p14:creationId xmlns:p14="http://schemas.microsoft.com/office/powerpoint/2010/main" val="3745119858"/>
       </p:ext>
     </p:extLst>
   </p:cSld>
@@ -13793,7 +13412,7 @@
           <a:p>
             <a:r>
               <a:rPr lang="en-US" dirty="0" smtClean="0"/>
-              <a:t>Imagine two nodes</a:t>
+              <a:t>CAP Theorem</a:t>
             </a:r>
             <a:endParaRPr lang="en-US" dirty="0"/>
           </a:p>
@@ -13801,342 +13420,176 @@
       </p:sp>
       <p:sp>
         <p:nvSpPr>
-          <p:cNvPr id="4" name="Oval 3"/>
+          <p:cNvPr id="7" name="Content Placeholder 6"/>
+          <p:cNvSpPr>
+            <a:spLocks noGrp="1"/>
+          </p:cNvSpPr>
+          <p:nvPr>
+            <p:ph idx="1"/>
+          </p:nvPr>
+        </p:nvSpPr>
+        <p:spPr/>
+        <p:txBody>
+          <a:bodyPr>
+            <a:noAutofit/>
+          </a:bodyPr>
+          <a:lstStyle/>
+          <a:p>
+            <a:r>
+              <a:rPr lang="en-US" sz="2400" dirty="0"/>
+              <a:t>Originally proposed by Eric Brewer</a:t>
+            </a:r>
+          </a:p>
+          <a:p>
+            <a:pPr lvl="1"/>
+            <a:r>
+              <a:rPr lang="en-US" sz="2000" dirty="0" err="1"/>
+              <a:t>Inktomi</a:t>
+            </a:r>
+            <a:r>
+              <a:rPr lang="en-US" sz="2000" dirty="0"/>
+              <a:t> and Berkeley</a:t>
+            </a:r>
+          </a:p>
+          <a:p>
+            <a:r>
+              <a:rPr lang="en-US" sz="2400" dirty="0"/>
+              <a:t>Proved in 2002 by </a:t>
+            </a:r>
+            <a:r>
+              <a:rPr lang="en-US" sz="2400" dirty="0" smtClean="0"/>
+              <a:t>Gilbert</a:t>
+            </a:r>
+            <a:br>
+              <a:rPr lang="en-US" sz="2400" dirty="0" smtClean="0"/>
+            </a:br>
+            <a:r>
+              <a:rPr lang="en-US" sz="2400" dirty="0" smtClean="0"/>
+              <a:t> </a:t>
+            </a:r>
+            <a:r>
+              <a:rPr lang="en-US" sz="2400" dirty="0"/>
+              <a:t>and </a:t>
+            </a:r>
+            <a:r>
+              <a:rPr lang="en-US" sz="2400" dirty="0" smtClean="0"/>
+              <a:t>Lynch</a:t>
+            </a:r>
+          </a:p>
+          <a:p>
+            <a:r>
+              <a:rPr lang="en-US" sz="2400" dirty="0" smtClean="0"/>
+              <a:t>You can have 2 out of three:</a:t>
+            </a:r>
+          </a:p>
+          <a:p>
+            <a:pPr lvl="1"/>
+            <a:r>
+              <a:rPr lang="en-US" sz="2000" dirty="0" smtClean="0"/>
+              <a:t>Consistent</a:t>
+            </a:r>
+          </a:p>
+          <a:p>
+            <a:pPr lvl="2"/>
+            <a:r>
+              <a:rPr lang="en-US" sz="1800" dirty="0" smtClean="0"/>
+              <a:t>ACID</a:t>
+            </a:r>
+          </a:p>
+          <a:p>
+            <a:pPr lvl="1"/>
+            <a:r>
+              <a:rPr lang="en-US" sz="2000" dirty="0" smtClean="0"/>
+              <a:t>Available </a:t>
+            </a:r>
+          </a:p>
+          <a:p>
+            <a:pPr lvl="1"/>
+            <a:r>
+              <a:rPr lang="en-US" sz="2000" dirty="0" smtClean="0"/>
+              <a:t>Partitioned</a:t>
+            </a:r>
+          </a:p>
+          <a:p>
+            <a:pPr lvl="2"/>
+            <a:r>
+              <a:rPr lang="en-US" sz="1800" dirty="0" smtClean="0"/>
+              <a:t>Survive network down </a:t>
+            </a:r>
+            <a:r>
+              <a:rPr lang="en-US" sz="1800" dirty="0"/>
+              <a:t/>
+            </a:r>
+            <a:br>
+              <a:rPr lang="en-US" sz="1800" dirty="0"/>
+            </a:br>
+            <a:r>
+              <a:rPr lang="en-US" sz="1800" dirty="0" smtClean="0"/>
+              <a:t>between nodes</a:t>
+            </a:r>
+          </a:p>
+        </p:txBody>
+      </p:sp>
+      <p:pic>
+        <p:nvPicPr>
+          <p:cNvPr id="4" name="Picture 3"/>
+          <p:cNvPicPr>
+            <a:picLocks noChangeAspect="1"/>
+          </p:cNvPicPr>
+          <p:nvPr/>
+        </p:nvPicPr>
+        <p:blipFill>
+          <a:blip r:embed="rId2"/>
+          <a:stretch>
+            <a:fillRect/>
+          </a:stretch>
+        </p:blipFill>
+        <p:spPr>
+          <a:xfrm>
+            <a:off x="5412683" y="2313317"/>
+            <a:ext cx="3726713" cy="3488203"/>
+          </a:xfrm>
+          <a:prstGeom prst="rect">
+            <a:avLst/>
+          </a:prstGeom>
+        </p:spPr>
+      </p:pic>
+      <p:sp>
+        <p:nvSpPr>
+          <p:cNvPr id="5" name="Rectangle 4"/>
           <p:cNvSpPr/>
           <p:nvPr/>
         </p:nvSpPr>
         <p:spPr>
           <a:xfrm>
-            <a:off x="1375947" y="2706160"/>
-            <a:ext cx="1693473" cy="1542058"/>
-          </a:xfrm>
-          <a:prstGeom prst="ellipse">
-            <a:avLst/>
-          </a:prstGeom>
-        </p:spPr>
-        <p:style>
-          <a:lnRef idx="1">
-            <a:schemeClr val="accent1"/>
-          </a:lnRef>
-          <a:fillRef idx="3">
-            <a:schemeClr val="accent1"/>
-          </a:fillRef>
-          <a:effectRef idx="2">
-            <a:schemeClr val="accent1"/>
-          </a:effectRef>
-          <a:fontRef idx="minor">
-            <a:schemeClr val="lt1"/>
-          </a:fontRef>
-        </p:style>
-        <p:txBody>
-          <a:bodyPr rtlCol="0" anchor="ctr"/>
-          <a:lstStyle/>
-          <a:p>
-            <a:pPr algn="ctr"/>
-            <a:r>
-              <a:rPr lang="en-US" dirty="0" smtClean="0"/>
-              <a:t>Node 1</a:t>
-            </a:r>
-            <a:endParaRPr lang="en-US" dirty="0"/>
-          </a:p>
-        </p:txBody>
-      </p:sp>
-      <p:sp>
-        <p:nvSpPr>
-          <p:cNvPr id="5" name="Oval 4"/>
-          <p:cNvSpPr/>
-          <p:nvPr/>
-        </p:nvSpPr>
-        <p:spPr>
-          <a:xfrm>
-            <a:off x="5867872" y="2706160"/>
-            <a:ext cx="1693473" cy="1542058"/>
-          </a:xfrm>
-          <a:prstGeom prst="ellipse">
-            <a:avLst/>
-          </a:prstGeom>
-        </p:spPr>
-        <p:style>
-          <a:lnRef idx="1">
-            <a:schemeClr val="accent1"/>
-          </a:lnRef>
-          <a:fillRef idx="3">
-            <a:schemeClr val="accent1"/>
-          </a:fillRef>
-          <a:effectRef idx="2">
-            <a:schemeClr val="accent1"/>
-          </a:effectRef>
-          <a:fontRef idx="minor">
-            <a:schemeClr val="lt1"/>
-          </a:fontRef>
-        </p:style>
-        <p:txBody>
-          <a:bodyPr rtlCol="0" anchor="ctr"/>
-          <a:lstStyle/>
-          <a:p>
-            <a:pPr algn="ctr"/>
-            <a:r>
-              <a:rPr lang="en-US" dirty="0" smtClean="0"/>
-              <a:t>Node 2</a:t>
-            </a:r>
-            <a:endParaRPr lang="en-US" dirty="0"/>
-          </a:p>
-        </p:txBody>
-      </p:sp>
-      <p:cxnSp>
-        <p:nvCxnSpPr>
-          <p:cNvPr id="9" name="Straight Connector 8"/>
-          <p:cNvCxnSpPr/>
-          <p:nvPr/>
-        </p:nvCxnSpPr>
-        <p:spPr>
-          <a:xfrm>
-            <a:off x="4551209" y="1889777"/>
-            <a:ext cx="0" cy="2358441"/>
-          </a:xfrm>
-          <a:prstGeom prst="line">
-            <a:avLst/>
-          </a:prstGeom>
-          <a:ln>
-            <a:prstDash val="dash"/>
-          </a:ln>
-        </p:spPr>
-        <p:style>
-          <a:lnRef idx="2">
-            <a:schemeClr val="accent1"/>
-          </a:lnRef>
-          <a:fillRef idx="0">
-            <a:schemeClr val="accent1"/>
-          </a:fillRef>
-          <a:effectRef idx="1">
-            <a:schemeClr val="accent1"/>
-          </a:effectRef>
-          <a:fontRef idx="minor">
-            <a:schemeClr val="tx1"/>
-          </a:fontRef>
-        </p:style>
-      </p:cxnSp>
-      <p:sp>
-        <p:nvSpPr>
-          <p:cNvPr id="10" name="TextBox 9"/>
-          <p:cNvSpPr txBox="1"/>
-          <p:nvPr/>
-        </p:nvSpPr>
-        <p:spPr>
-          <a:xfrm>
-            <a:off x="3604244" y="4248218"/>
-            <a:ext cx="1893930" cy="369332"/>
+            <a:off x="2510088" y="6488668"/>
+            <a:ext cx="6728916" cy="369332"/>
           </a:xfrm>
           <a:prstGeom prst="rect">
             <a:avLst/>
           </a:prstGeom>
-          <a:noFill/>
-        </p:spPr>
-        <p:txBody>
-          <a:bodyPr wrap="none" rtlCol="0">
+        </p:spPr>
+        <p:txBody>
+          <a:bodyPr wrap="square">
             <a:spAutoFit/>
           </a:bodyPr>
           <a:lstStyle/>
           <a:p>
             <a:r>
-              <a:rPr lang="en-US" dirty="0" smtClean="0"/>
-              <a:t>Potential Partition</a:t>
-            </a:r>
-            <a:endParaRPr lang="en-US" dirty="0"/>
-          </a:p>
-        </p:txBody>
-      </p:sp>
-      <p:cxnSp>
-        <p:nvCxnSpPr>
-          <p:cNvPr id="12" name="Straight Arrow Connector 11"/>
-          <p:cNvCxnSpPr/>
-          <p:nvPr/>
-        </p:nvCxnSpPr>
-        <p:spPr>
-          <a:xfrm>
-            <a:off x="771135" y="1753713"/>
-            <a:ext cx="952579" cy="1118748"/>
-          </a:xfrm>
-          <a:prstGeom prst="straightConnector1">
-            <a:avLst/>
-          </a:prstGeom>
-          <a:ln>
-            <a:tailEnd type="arrow"/>
-          </a:ln>
-        </p:spPr>
-        <p:style>
-          <a:lnRef idx="2">
-            <a:schemeClr val="accent1"/>
-          </a:lnRef>
-          <a:fillRef idx="0">
-            <a:schemeClr val="accent1"/>
-          </a:fillRef>
-          <a:effectRef idx="1">
-            <a:schemeClr val="accent1"/>
-          </a:effectRef>
-          <a:fontRef idx="minor">
-            <a:schemeClr val="tx1"/>
-          </a:fontRef>
-        </p:style>
-      </p:cxnSp>
-      <p:sp>
-        <p:nvSpPr>
-          <p:cNvPr id="13" name="TextBox 12"/>
-          <p:cNvSpPr txBox="1"/>
-          <p:nvPr/>
-        </p:nvSpPr>
-        <p:spPr>
-          <a:xfrm>
-            <a:off x="287286" y="1417638"/>
-            <a:ext cx="878065" cy="369332"/>
-          </a:xfrm>
-          <a:prstGeom prst="rect">
-            <a:avLst/>
-          </a:prstGeom>
-          <a:noFill/>
-        </p:spPr>
-        <p:txBody>
-          <a:bodyPr wrap="none" rtlCol="0">
-            <a:spAutoFit/>
-          </a:bodyPr>
-          <a:lstStyle/>
-          <a:p>
-            <a:r>
-              <a:rPr lang="en-US" dirty="0" smtClean="0"/>
-              <a:t>Update</a:t>
-            </a:r>
-            <a:endParaRPr lang="en-US" dirty="0"/>
-          </a:p>
-        </p:txBody>
-      </p:sp>
-      <p:cxnSp>
-        <p:nvCxnSpPr>
-          <p:cNvPr id="15" name="Straight Arrow Connector 14"/>
-          <p:cNvCxnSpPr>
-            <a:stCxn id="4" idx="6"/>
-            <a:endCxn id="5" idx="2"/>
-          </p:cNvCxnSpPr>
-          <p:nvPr/>
-        </p:nvCxnSpPr>
-        <p:spPr>
-          <a:xfrm>
-            <a:off x="3069420" y="3477189"/>
-            <a:ext cx="2798452" cy="0"/>
-          </a:xfrm>
-          <a:prstGeom prst="straightConnector1">
-            <a:avLst/>
-          </a:prstGeom>
-          <a:ln>
-            <a:tailEnd type="arrow"/>
-          </a:ln>
-        </p:spPr>
-        <p:style>
-          <a:lnRef idx="2">
-            <a:schemeClr val="accent1"/>
-          </a:lnRef>
-          <a:fillRef idx="0">
-            <a:schemeClr val="accent1"/>
-          </a:fillRef>
-          <a:effectRef idx="1">
-            <a:schemeClr val="accent1"/>
-          </a:effectRef>
-          <a:fontRef idx="minor">
-            <a:schemeClr val="tx1"/>
-          </a:fontRef>
-        </p:style>
-      </p:cxnSp>
-      <p:sp>
-        <p:nvSpPr>
-          <p:cNvPr id="16" name="TextBox 15"/>
-          <p:cNvSpPr txBox="1"/>
-          <p:nvPr/>
-        </p:nvSpPr>
-        <p:spPr>
-          <a:xfrm>
-            <a:off x="3970949" y="3107857"/>
-            <a:ext cx="1160519" cy="369332"/>
-          </a:xfrm>
-          <a:prstGeom prst="rect">
-            <a:avLst/>
-          </a:prstGeom>
-          <a:noFill/>
-        </p:spPr>
-        <p:txBody>
-          <a:bodyPr wrap="none" rtlCol="0">
-            <a:spAutoFit/>
-          </a:bodyPr>
-          <a:lstStyle/>
-          <a:p>
-            <a:r>
-              <a:rPr lang="en-US" dirty="0" smtClean="0"/>
-              <a:t>Propagate</a:t>
-            </a:r>
-            <a:endParaRPr lang="en-US" dirty="0"/>
-          </a:p>
-        </p:txBody>
-      </p:sp>
-      <p:sp>
-        <p:nvSpPr>
-          <p:cNvPr id="3" name="TextBox 2"/>
-          <p:cNvSpPr txBox="1"/>
-          <p:nvPr/>
-        </p:nvSpPr>
-        <p:spPr>
-          <a:xfrm>
-            <a:off x="584003" y="4792474"/>
-            <a:ext cx="8341346" cy="1200329"/>
-          </a:xfrm>
-          <a:prstGeom prst="rect">
-            <a:avLst/>
-          </a:prstGeom>
-          <a:noFill/>
-        </p:spPr>
-        <p:txBody>
-          <a:bodyPr wrap="none" rtlCol="0">
-            <a:spAutoFit/>
-          </a:bodyPr>
-          <a:lstStyle/>
-          <a:p>
-            <a:r>
-              <a:rPr lang="en-US" dirty="0" smtClean="0"/>
-              <a:t>If there is a partition, then you can </a:t>
-            </a:r>
-            <a:r>
-              <a:rPr lang="en-US" b="1" dirty="0" smtClean="0"/>
-              <a:t>either </a:t>
-            </a:r>
-            <a:r>
-              <a:rPr lang="en-US" dirty="0" smtClean="0"/>
-              <a:t>update one node (give up on C), </a:t>
-            </a:r>
-            <a:r>
-              <a:rPr lang="en-US" b="1" dirty="0" smtClean="0"/>
-              <a:t>or </a:t>
-            </a:r>
-            <a:r>
-              <a:rPr lang="en-US" dirty="0" smtClean="0"/>
-              <a:t>make one </a:t>
-            </a:r>
-            <a:br>
-              <a:rPr lang="en-US" dirty="0" smtClean="0"/>
-            </a:br>
-            <a:r>
-              <a:rPr lang="en-US" dirty="0" smtClean="0"/>
-              <a:t>node unavailable (give up on A). </a:t>
-            </a:r>
-            <a:br>
-              <a:rPr lang="en-US" dirty="0" smtClean="0"/>
-            </a:br>
-            <a:r>
-              <a:rPr lang="en-US" dirty="0" smtClean="0"/>
-              <a:t/>
-            </a:r>
-            <a:br>
-              <a:rPr lang="en-US" dirty="0" smtClean="0"/>
-            </a:br>
-            <a:r>
-              <a:rPr lang="en-US" dirty="0" smtClean="0"/>
-              <a:t>If you want C and A you can’t allow a Partition. </a:t>
+              <a:rPr lang="en-US" dirty="0">
+                <a:hlinkClick r:id="rId3"/>
+              </a:rPr>
+              <a:t>http://blog.mccrory.me/2010/11/03/cap-theorem-and-the-clouds</a:t>
+            </a:r>
+            <a:r>
+              <a:rPr lang="en-US" dirty="0" smtClean="0">
+                <a:hlinkClick r:id="rId3"/>
+              </a:rPr>
+              <a:t>/</a:t>
+            </a:r>
+            <a:r>
+              <a:rPr lang="en-US" dirty="0" smtClean="0"/>
+              <a:t> </a:t>
             </a:r>
             <a:endParaRPr lang="en-US" dirty="0"/>
           </a:p>
@@ -14145,7 +13598,7 @@
     </p:spTree>
     <p:extLst>
       <p:ext uri="{BB962C8B-B14F-4D97-AF65-F5344CB8AC3E}">
-        <p14:creationId xmlns:p14="http://schemas.microsoft.com/office/powerpoint/2010/main" val="1257647962"/>
+        <p14:creationId xmlns:p14="http://schemas.microsoft.com/office/powerpoint/2010/main" val="1251945931"/>
       </p:ext>
     </p:extLst>
   </p:cSld>
@@ -14189,7 +13642,7 @@
           <a:p>
             <a:r>
               <a:rPr lang="en-US" dirty="0" smtClean="0"/>
-              <a:t>CAP options	</a:t>
+              <a:t>Imagine two nodes</a:t>
             </a:r>
             <a:endParaRPr lang="en-US" dirty="0"/>
           </a:p>
@@ -14197,107 +13650,275 @@
       </p:sp>
       <p:sp>
         <p:nvSpPr>
-          <p:cNvPr id="3" name="Content Placeholder 2"/>
-          <p:cNvSpPr>
-            <a:spLocks noGrp="1"/>
-          </p:cNvSpPr>
-          <p:nvPr>
-            <p:ph idx="1"/>
-          </p:nvPr>
-        </p:nvSpPr>
-        <p:spPr/>
-        <p:txBody>
-          <a:bodyPr>
-            <a:normAutofit fontScale="92500" lnSpcReduction="20000"/>
+          <p:cNvPr id="4" name="Oval 3"/>
+          <p:cNvSpPr/>
+          <p:nvPr/>
+        </p:nvSpPr>
+        <p:spPr>
+          <a:xfrm>
+            <a:off x="1375947" y="2706160"/>
+            <a:ext cx="1693473" cy="1542058"/>
+          </a:xfrm>
+          <a:prstGeom prst="ellipse">
+            <a:avLst/>
+          </a:prstGeom>
+        </p:spPr>
+        <p:style>
+          <a:lnRef idx="1">
+            <a:schemeClr val="accent1"/>
+          </a:lnRef>
+          <a:fillRef idx="3">
+            <a:schemeClr val="accent1"/>
+          </a:fillRef>
+          <a:effectRef idx="2">
+            <a:schemeClr val="accent1"/>
+          </a:effectRef>
+          <a:fontRef idx="minor">
+            <a:schemeClr val="lt1"/>
+          </a:fontRef>
+        </p:style>
+        <p:txBody>
+          <a:bodyPr rtlCol="0" anchor="ctr"/>
+          <a:lstStyle/>
+          <a:p>
+            <a:pPr algn="ctr"/>
+            <a:r>
+              <a:rPr lang="en-US" dirty="0" smtClean="0"/>
+              <a:t>Node 1</a:t>
+            </a:r>
+            <a:endParaRPr lang="en-US" dirty="0"/>
+          </a:p>
+        </p:txBody>
+      </p:sp>
+      <p:sp>
+        <p:nvSpPr>
+          <p:cNvPr id="5" name="Oval 4"/>
+          <p:cNvSpPr/>
+          <p:nvPr/>
+        </p:nvSpPr>
+        <p:spPr>
+          <a:xfrm>
+            <a:off x="5867872" y="2706160"/>
+            <a:ext cx="1693473" cy="1542058"/>
+          </a:xfrm>
+          <a:prstGeom prst="ellipse">
+            <a:avLst/>
+          </a:prstGeom>
+        </p:spPr>
+        <p:style>
+          <a:lnRef idx="1">
+            <a:schemeClr val="accent1"/>
+          </a:lnRef>
+          <a:fillRef idx="3">
+            <a:schemeClr val="accent1"/>
+          </a:fillRef>
+          <a:effectRef idx="2">
+            <a:schemeClr val="accent1"/>
+          </a:effectRef>
+          <a:fontRef idx="minor">
+            <a:schemeClr val="lt1"/>
+          </a:fontRef>
+        </p:style>
+        <p:txBody>
+          <a:bodyPr rtlCol="0" anchor="ctr"/>
+          <a:lstStyle/>
+          <a:p>
+            <a:pPr algn="ctr"/>
+            <a:r>
+              <a:rPr lang="en-US" dirty="0" smtClean="0"/>
+              <a:t>Node 2</a:t>
+            </a:r>
+            <a:endParaRPr lang="en-US" dirty="0"/>
+          </a:p>
+        </p:txBody>
+      </p:sp>
+      <p:cxnSp>
+        <p:nvCxnSpPr>
+          <p:cNvPr id="9" name="Straight Connector 8"/>
+          <p:cNvCxnSpPr/>
+          <p:nvPr/>
+        </p:nvCxnSpPr>
+        <p:spPr>
+          <a:xfrm>
+            <a:off x="4551209" y="1889777"/>
+            <a:ext cx="0" cy="2358441"/>
+          </a:xfrm>
+          <a:prstGeom prst="line">
+            <a:avLst/>
+          </a:prstGeom>
+          <a:ln>
+            <a:prstDash val="dash"/>
+          </a:ln>
+        </p:spPr>
+        <p:style>
+          <a:lnRef idx="2">
+            <a:schemeClr val="accent1"/>
+          </a:lnRef>
+          <a:fillRef idx="0">
+            <a:schemeClr val="accent1"/>
+          </a:fillRef>
+          <a:effectRef idx="1">
+            <a:schemeClr val="accent1"/>
+          </a:effectRef>
+          <a:fontRef idx="minor">
+            <a:schemeClr val="tx1"/>
+          </a:fontRef>
+        </p:style>
+      </p:cxnSp>
+      <p:sp>
+        <p:nvSpPr>
+          <p:cNvPr id="10" name="TextBox 9"/>
+          <p:cNvSpPr txBox="1"/>
+          <p:nvPr/>
+        </p:nvSpPr>
+        <p:spPr>
+          <a:xfrm>
+            <a:off x="3604244" y="4248218"/>
+            <a:ext cx="1893930" cy="369332"/>
+          </a:xfrm>
+          <a:prstGeom prst="rect">
+            <a:avLst/>
+          </a:prstGeom>
+          <a:noFill/>
+        </p:spPr>
+        <p:txBody>
+          <a:bodyPr wrap="none" rtlCol="0">
+            <a:spAutoFit/>
           </a:bodyPr>
           <a:lstStyle/>
           <a:p>
             <a:r>
               <a:rPr lang="en-US" dirty="0" smtClean="0"/>
-              <a:t>CA</a:t>
-            </a:r>
-          </a:p>
-          <a:p>
-            <a:pPr lvl="1"/>
-            <a:r>
-              <a:rPr lang="en-US" dirty="0" smtClean="0"/>
-              <a:t>Traditional databases</a:t>
-            </a:r>
-          </a:p>
-          <a:p>
-            <a:pPr lvl="1"/>
-            <a:r>
-              <a:rPr lang="en-US" dirty="0" smtClean="0"/>
-              <a:t>Cannot be scaled multi-</a:t>
-            </a:r>
-            <a:r>
-              <a:rPr lang="en-US" dirty="0" err="1" smtClean="0"/>
-              <a:t>datacentre</a:t>
-            </a:r>
-            <a:r>
-              <a:rPr lang="en-US" dirty="0" smtClean="0"/>
-              <a:t> or work in cases of high-latency</a:t>
-            </a:r>
-          </a:p>
-          <a:p>
-            <a:r>
-              <a:rPr lang="en-US" dirty="0" smtClean="0"/>
-              <a:t>AP</a:t>
-            </a:r>
-          </a:p>
-          <a:p>
-            <a:pPr lvl="1"/>
-            <a:r>
-              <a:rPr lang="en-US" dirty="0" smtClean="0"/>
-              <a:t>Multi-master </a:t>
-            </a:r>
-            <a:r>
-              <a:rPr lang="en-US" dirty="0" err="1" smtClean="0"/>
-              <a:t>NoSQL</a:t>
-            </a:r>
-            <a:r>
-              <a:rPr lang="en-US" dirty="0" smtClean="0"/>
-              <a:t> databases </a:t>
-            </a:r>
-          </a:p>
-          <a:p>
-            <a:pPr lvl="2"/>
-            <a:r>
-              <a:rPr lang="en-US" dirty="0" smtClean="0"/>
-              <a:t>Dynamo, Cassandra, </a:t>
-            </a:r>
-            <a:r>
-              <a:rPr lang="en-US" dirty="0" err="1" smtClean="0"/>
-              <a:t>CouchDB</a:t>
-            </a:r>
-            <a:endParaRPr lang="en-US" dirty="0" smtClean="0"/>
-          </a:p>
-          <a:p>
-            <a:pPr lvl="2"/>
-            <a:r>
-              <a:rPr lang="en-US" dirty="0" smtClean="0"/>
-              <a:t>Not consistent but work across </a:t>
-            </a:r>
-            <a:r>
-              <a:rPr lang="en-US" dirty="0" err="1" smtClean="0"/>
-              <a:t>datacentres</a:t>
-            </a:r>
-            <a:r>
-              <a:rPr lang="en-US" dirty="0" smtClean="0"/>
-              <a:t> in a highly available model</a:t>
-            </a:r>
-          </a:p>
-          <a:p>
-            <a:r>
-              <a:rPr lang="en-US" dirty="0" smtClean="0"/>
-              <a:t>CP</a:t>
-            </a:r>
-          </a:p>
-          <a:p>
-            <a:pPr lvl="1"/>
-            <a:r>
-              <a:rPr lang="en-US" dirty="0" smtClean="0"/>
-              <a:t>Not a good idea, as not available!</a:t>
+              <a:t>Potential Partition</a:t>
+            </a:r>
+            <a:endParaRPr lang="en-US" dirty="0"/>
+          </a:p>
+        </p:txBody>
+      </p:sp>
+      <p:cxnSp>
+        <p:nvCxnSpPr>
+          <p:cNvPr id="12" name="Straight Arrow Connector 11"/>
+          <p:cNvCxnSpPr/>
+          <p:nvPr/>
+        </p:nvCxnSpPr>
+        <p:spPr>
+          <a:xfrm>
+            <a:off x="771135" y="1753713"/>
+            <a:ext cx="952579" cy="1118748"/>
+          </a:xfrm>
+          <a:prstGeom prst="straightConnector1">
+            <a:avLst/>
+          </a:prstGeom>
+          <a:ln>
+            <a:tailEnd type="arrow"/>
+          </a:ln>
+        </p:spPr>
+        <p:style>
+          <a:lnRef idx="2">
+            <a:schemeClr val="accent1"/>
+          </a:lnRef>
+          <a:fillRef idx="0">
+            <a:schemeClr val="accent1"/>
+          </a:fillRef>
+          <a:effectRef idx="1">
+            <a:schemeClr val="accent1"/>
+          </a:effectRef>
+          <a:fontRef idx="minor">
+            <a:schemeClr val="tx1"/>
+          </a:fontRef>
+        </p:style>
+      </p:cxnSp>
+      <p:sp>
+        <p:nvSpPr>
+          <p:cNvPr id="13" name="TextBox 12"/>
+          <p:cNvSpPr txBox="1"/>
+          <p:nvPr/>
+        </p:nvSpPr>
+        <p:spPr>
+          <a:xfrm>
+            <a:off x="287286" y="1417638"/>
+            <a:ext cx="878065" cy="369332"/>
+          </a:xfrm>
+          <a:prstGeom prst="rect">
+            <a:avLst/>
+          </a:prstGeom>
+          <a:noFill/>
+        </p:spPr>
+        <p:txBody>
+          <a:bodyPr wrap="none" rtlCol="0">
+            <a:spAutoFit/>
+          </a:bodyPr>
+          <a:lstStyle/>
+          <a:p>
+            <a:r>
+              <a:rPr lang="en-US" dirty="0" smtClean="0"/>
+              <a:t>Update</a:t>
+            </a:r>
+            <a:endParaRPr lang="en-US" dirty="0"/>
+          </a:p>
+        </p:txBody>
+      </p:sp>
+      <p:cxnSp>
+        <p:nvCxnSpPr>
+          <p:cNvPr id="15" name="Straight Arrow Connector 14"/>
+          <p:cNvCxnSpPr>
+            <a:stCxn id="4" idx="6"/>
+            <a:endCxn id="5" idx="2"/>
+          </p:cNvCxnSpPr>
+          <p:nvPr/>
+        </p:nvCxnSpPr>
+        <p:spPr>
+          <a:xfrm>
+            <a:off x="3069420" y="3477189"/>
+            <a:ext cx="2798452" cy="0"/>
+          </a:xfrm>
+          <a:prstGeom prst="straightConnector1">
+            <a:avLst/>
+          </a:prstGeom>
+          <a:ln>
+            <a:tailEnd type="arrow"/>
+          </a:ln>
+        </p:spPr>
+        <p:style>
+          <a:lnRef idx="2">
+            <a:schemeClr val="accent1"/>
+          </a:lnRef>
+          <a:fillRef idx="0">
+            <a:schemeClr val="accent1"/>
+          </a:fillRef>
+          <a:effectRef idx="1">
+            <a:schemeClr val="accent1"/>
+          </a:effectRef>
+          <a:fontRef idx="minor">
+            <a:schemeClr val="tx1"/>
+          </a:fontRef>
+        </p:style>
+      </p:cxnSp>
+      <p:sp>
+        <p:nvSpPr>
+          <p:cNvPr id="16" name="TextBox 15"/>
+          <p:cNvSpPr txBox="1"/>
+          <p:nvPr/>
+        </p:nvSpPr>
+        <p:spPr>
+          <a:xfrm>
+            <a:off x="3970949" y="3107857"/>
+            <a:ext cx="1160519" cy="369332"/>
+          </a:xfrm>
+          <a:prstGeom prst="rect">
+            <a:avLst/>
+          </a:prstGeom>
+          <a:noFill/>
+        </p:spPr>
+        <p:txBody>
+          <a:bodyPr wrap="none" rtlCol="0">
+            <a:spAutoFit/>
+          </a:bodyPr>
+          <a:lstStyle/>
+          <a:p>
+            <a:r>
+              <a:rPr lang="en-US" dirty="0" smtClean="0"/>
+              <a:t>Propagate</a:t>
             </a:r>
             <a:endParaRPr lang="en-US" dirty="0"/>
           </a:p>
@@ -14306,7 +13927,7 @@
     </p:spTree>
     <p:extLst>
       <p:ext uri="{BB962C8B-B14F-4D97-AF65-F5344CB8AC3E}">
-        <p14:creationId xmlns:p14="http://schemas.microsoft.com/office/powerpoint/2010/main" val="1264779461"/>
+        <p14:creationId xmlns:p14="http://schemas.microsoft.com/office/powerpoint/2010/main" val="1196049125"/>
       </p:ext>
     </p:extLst>
   </p:cSld>
@@ -14350,7 +13971,7 @@
           <a:p>
             <a:r>
               <a:rPr lang="en-US" dirty="0" smtClean="0"/>
-              <a:t>CAP Theorem</a:t>
+              <a:t>Imagine two nodes</a:t>
             </a:r>
             <a:endParaRPr lang="en-US" dirty="0"/>
           </a:p>
@@ -14358,98 +13979,342 @@
       </p:sp>
       <p:sp>
         <p:nvSpPr>
-          <p:cNvPr id="3" name="Content Placeholder 2"/>
-          <p:cNvSpPr>
-            <a:spLocks noGrp="1"/>
-          </p:cNvSpPr>
-          <p:nvPr>
-            <p:ph idx="1"/>
-          </p:nvPr>
-        </p:nvSpPr>
-        <p:spPr/>
-        <p:txBody>
-          <a:bodyPr>
-            <a:normAutofit fontScale="92500" lnSpcReduction="10000"/>
+          <p:cNvPr id="4" name="Oval 3"/>
+          <p:cNvSpPr/>
+          <p:nvPr/>
+        </p:nvSpPr>
+        <p:spPr>
+          <a:xfrm>
+            <a:off x="1375947" y="2706160"/>
+            <a:ext cx="1693473" cy="1542058"/>
+          </a:xfrm>
+          <a:prstGeom prst="ellipse">
+            <a:avLst/>
+          </a:prstGeom>
+        </p:spPr>
+        <p:style>
+          <a:lnRef idx="1">
+            <a:schemeClr val="accent1"/>
+          </a:lnRef>
+          <a:fillRef idx="3">
+            <a:schemeClr val="accent1"/>
+          </a:fillRef>
+          <a:effectRef idx="2">
+            <a:schemeClr val="accent1"/>
+          </a:effectRef>
+          <a:fontRef idx="minor">
+            <a:schemeClr val="lt1"/>
+          </a:fontRef>
+        </p:style>
+        <p:txBody>
+          <a:bodyPr rtlCol="0" anchor="ctr"/>
+          <a:lstStyle/>
+          <a:p>
+            <a:pPr algn="ctr"/>
+            <a:r>
+              <a:rPr lang="en-US" dirty="0" smtClean="0"/>
+              <a:t>Node 1</a:t>
+            </a:r>
+            <a:endParaRPr lang="en-US" dirty="0"/>
+          </a:p>
+        </p:txBody>
+      </p:sp>
+      <p:sp>
+        <p:nvSpPr>
+          <p:cNvPr id="5" name="Oval 4"/>
+          <p:cNvSpPr/>
+          <p:nvPr/>
+        </p:nvSpPr>
+        <p:spPr>
+          <a:xfrm>
+            <a:off x="5867872" y="2706160"/>
+            <a:ext cx="1693473" cy="1542058"/>
+          </a:xfrm>
+          <a:prstGeom prst="ellipse">
+            <a:avLst/>
+          </a:prstGeom>
+        </p:spPr>
+        <p:style>
+          <a:lnRef idx="1">
+            <a:schemeClr val="accent1"/>
+          </a:lnRef>
+          <a:fillRef idx="3">
+            <a:schemeClr val="accent1"/>
+          </a:fillRef>
+          <a:effectRef idx="2">
+            <a:schemeClr val="accent1"/>
+          </a:effectRef>
+          <a:fontRef idx="minor">
+            <a:schemeClr val="lt1"/>
+          </a:fontRef>
+        </p:style>
+        <p:txBody>
+          <a:bodyPr rtlCol="0" anchor="ctr"/>
+          <a:lstStyle/>
+          <a:p>
+            <a:pPr algn="ctr"/>
+            <a:r>
+              <a:rPr lang="en-US" dirty="0" smtClean="0"/>
+              <a:t>Node 2</a:t>
+            </a:r>
+            <a:endParaRPr lang="en-US" dirty="0"/>
+          </a:p>
+        </p:txBody>
+      </p:sp>
+      <p:cxnSp>
+        <p:nvCxnSpPr>
+          <p:cNvPr id="9" name="Straight Connector 8"/>
+          <p:cNvCxnSpPr/>
+          <p:nvPr/>
+        </p:nvCxnSpPr>
+        <p:spPr>
+          <a:xfrm>
+            <a:off x="4551209" y="1889777"/>
+            <a:ext cx="0" cy="2358441"/>
+          </a:xfrm>
+          <a:prstGeom prst="line">
+            <a:avLst/>
+          </a:prstGeom>
+          <a:ln>
+            <a:prstDash val="dash"/>
+          </a:ln>
+        </p:spPr>
+        <p:style>
+          <a:lnRef idx="2">
+            <a:schemeClr val="accent1"/>
+          </a:lnRef>
+          <a:fillRef idx="0">
+            <a:schemeClr val="accent1"/>
+          </a:fillRef>
+          <a:effectRef idx="1">
+            <a:schemeClr val="accent1"/>
+          </a:effectRef>
+          <a:fontRef idx="minor">
+            <a:schemeClr val="tx1"/>
+          </a:fontRef>
+        </p:style>
+      </p:cxnSp>
+      <p:sp>
+        <p:nvSpPr>
+          <p:cNvPr id="10" name="TextBox 9"/>
+          <p:cNvSpPr txBox="1"/>
+          <p:nvPr/>
+        </p:nvSpPr>
+        <p:spPr>
+          <a:xfrm>
+            <a:off x="3604244" y="4248218"/>
+            <a:ext cx="1893930" cy="369332"/>
+          </a:xfrm>
+          <a:prstGeom prst="rect">
+            <a:avLst/>
+          </a:prstGeom>
+          <a:noFill/>
+        </p:spPr>
+        <p:txBody>
+          <a:bodyPr wrap="none" rtlCol="0">
+            <a:spAutoFit/>
           </a:bodyPr>
           <a:lstStyle/>
           <a:p>
             <a:r>
               <a:rPr lang="en-US" dirty="0" smtClean="0"/>
-              <a:t>However, the details are important</a:t>
-            </a:r>
-          </a:p>
-          <a:p>
-            <a:pPr lvl="1"/>
-            <a:r>
-              <a:rPr lang="en-US" dirty="0" smtClean="0"/>
-              <a:t>The proof requires some complex definitions of C, A and P</a:t>
-            </a:r>
-          </a:p>
-          <a:p>
-            <a:r>
-              <a:rPr lang="en-US" dirty="0" smtClean="0"/>
-              <a:t>I recommend reading Brewer’s update:</a:t>
-            </a:r>
-          </a:p>
-          <a:p>
-            <a:pPr lvl="1"/>
-            <a:r>
-              <a:rPr lang="en-US" dirty="0">
-                <a:hlinkClick r:id="rId2"/>
-              </a:rPr>
-              <a:t>http://www.infoq.com/articles/cap-twelve-years-later-how-the-rules-have-</a:t>
-            </a:r>
-            <a:r>
-              <a:rPr lang="en-US" dirty="0" smtClean="0">
-                <a:hlinkClick r:id="rId2"/>
-              </a:rPr>
-              <a:t>changed</a:t>
-            </a:r>
-            <a:r>
-              <a:rPr lang="en-US" dirty="0" smtClean="0"/>
-              <a:t> </a:t>
-            </a:r>
-          </a:p>
-          <a:p>
-            <a:pPr lvl="1"/>
-            <a:r>
-              <a:rPr lang="en-US" dirty="0"/>
-              <a:t> </a:t>
-            </a:r>
-            <a:r>
-              <a:rPr lang="en-US" dirty="0" smtClean="0"/>
-              <a:t>“The 2 </a:t>
-            </a:r>
-            <a:r>
-              <a:rPr lang="en-US" dirty="0"/>
-              <a:t>of </a:t>
-            </a:r>
-            <a:r>
-              <a:rPr lang="en-US" dirty="0" smtClean="0"/>
-              <a:t>3 </a:t>
-            </a:r>
-            <a:r>
-              <a:rPr lang="en-US" dirty="0"/>
-              <a:t>formulation was always </a:t>
-            </a:r>
-            <a:r>
-              <a:rPr lang="en-US" dirty="0" smtClean="0"/>
-              <a:t>misleading” </a:t>
-            </a:r>
-          </a:p>
-          <a:p>
-            <a:pPr lvl="1"/>
-            <a:r>
-              <a:rPr lang="en-US" dirty="0" smtClean="0"/>
-              <a:t>“CAP </a:t>
-            </a:r>
-            <a:r>
-              <a:rPr lang="en-US" dirty="0"/>
-              <a:t>prohibits only a tiny part of the design </a:t>
-            </a:r>
-            <a:r>
-              <a:rPr lang="en-US" dirty="0" smtClean="0"/>
-              <a:t>space”</a:t>
+              <a:t>Potential Partition</a:t>
+            </a:r>
+            <a:endParaRPr lang="en-US" dirty="0"/>
+          </a:p>
+        </p:txBody>
+      </p:sp>
+      <p:cxnSp>
+        <p:nvCxnSpPr>
+          <p:cNvPr id="12" name="Straight Arrow Connector 11"/>
+          <p:cNvCxnSpPr/>
+          <p:nvPr/>
+        </p:nvCxnSpPr>
+        <p:spPr>
+          <a:xfrm>
+            <a:off x="771135" y="1753713"/>
+            <a:ext cx="952579" cy="1118748"/>
+          </a:xfrm>
+          <a:prstGeom prst="straightConnector1">
+            <a:avLst/>
+          </a:prstGeom>
+          <a:ln>
+            <a:tailEnd type="arrow"/>
+          </a:ln>
+        </p:spPr>
+        <p:style>
+          <a:lnRef idx="2">
+            <a:schemeClr val="accent1"/>
+          </a:lnRef>
+          <a:fillRef idx="0">
+            <a:schemeClr val="accent1"/>
+          </a:fillRef>
+          <a:effectRef idx="1">
+            <a:schemeClr val="accent1"/>
+          </a:effectRef>
+          <a:fontRef idx="minor">
+            <a:schemeClr val="tx1"/>
+          </a:fontRef>
+        </p:style>
+      </p:cxnSp>
+      <p:sp>
+        <p:nvSpPr>
+          <p:cNvPr id="13" name="TextBox 12"/>
+          <p:cNvSpPr txBox="1"/>
+          <p:nvPr/>
+        </p:nvSpPr>
+        <p:spPr>
+          <a:xfrm>
+            <a:off x="287286" y="1417638"/>
+            <a:ext cx="878065" cy="369332"/>
+          </a:xfrm>
+          <a:prstGeom prst="rect">
+            <a:avLst/>
+          </a:prstGeom>
+          <a:noFill/>
+        </p:spPr>
+        <p:txBody>
+          <a:bodyPr wrap="none" rtlCol="0">
+            <a:spAutoFit/>
+          </a:bodyPr>
+          <a:lstStyle/>
+          <a:p>
+            <a:r>
+              <a:rPr lang="en-US" dirty="0" smtClean="0"/>
+              <a:t>Update</a:t>
+            </a:r>
+            <a:endParaRPr lang="en-US" dirty="0"/>
+          </a:p>
+        </p:txBody>
+      </p:sp>
+      <p:cxnSp>
+        <p:nvCxnSpPr>
+          <p:cNvPr id="15" name="Straight Arrow Connector 14"/>
+          <p:cNvCxnSpPr>
+            <a:stCxn id="4" idx="6"/>
+            <a:endCxn id="5" idx="2"/>
+          </p:cNvCxnSpPr>
+          <p:nvPr/>
+        </p:nvCxnSpPr>
+        <p:spPr>
+          <a:xfrm>
+            <a:off x="3069420" y="3477189"/>
+            <a:ext cx="2798452" cy="0"/>
+          </a:xfrm>
+          <a:prstGeom prst="straightConnector1">
+            <a:avLst/>
+          </a:prstGeom>
+          <a:ln>
+            <a:tailEnd type="arrow"/>
+          </a:ln>
+        </p:spPr>
+        <p:style>
+          <a:lnRef idx="2">
+            <a:schemeClr val="accent1"/>
+          </a:lnRef>
+          <a:fillRef idx="0">
+            <a:schemeClr val="accent1"/>
+          </a:fillRef>
+          <a:effectRef idx="1">
+            <a:schemeClr val="accent1"/>
+          </a:effectRef>
+          <a:fontRef idx="minor">
+            <a:schemeClr val="tx1"/>
+          </a:fontRef>
+        </p:style>
+      </p:cxnSp>
+      <p:sp>
+        <p:nvSpPr>
+          <p:cNvPr id="16" name="TextBox 15"/>
+          <p:cNvSpPr txBox="1"/>
+          <p:nvPr/>
+        </p:nvSpPr>
+        <p:spPr>
+          <a:xfrm>
+            <a:off x="3970949" y="3107857"/>
+            <a:ext cx="1160519" cy="369332"/>
+          </a:xfrm>
+          <a:prstGeom prst="rect">
+            <a:avLst/>
+          </a:prstGeom>
+          <a:noFill/>
+        </p:spPr>
+        <p:txBody>
+          <a:bodyPr wrap="none" rtlCol="0">
+            <a:spAutoFit/>
+          </a:bodyPr>
+          <a:lstStyle/>
+          <a:p>
+            <a:r>
+              <a:rPr lang="en-US" dirty="0" smtClean="0"/>
+              <a:t>Propagate</a:t>
+            </a:r>
+            <a:endParaRPr lang="en-US" dirty="0"/>
+          </a:p>
+        </p:txBody>
+      </p:sp>
+      <p:sp>
+        <p:nvSpPr>
+          <p:cNvPr id="3" name="TextBox 2"/>
+          <p:cNvSpPr txBox="1"/>
+          <p:nvPr/>
+        </p:nvSpPr>
+        <p:spPr>
+          <a:xfrm>
+            <a:off x="584003" y="4792474"/>
+            <a:ext cx="8341346" cy="1200329"/>
+          </a:xfrm>
+          <a:prstGeom prst="rect">
+            <a:avLst/>
+          </a:prstGeom>
+          <a:noFill/>
+        </p:spPr>
+        <p:txBody>
+          <a:bodyPr wrap="none" rtlCol="0">
+            <a:spAutoFit/>
+          </a:bodyPr>
+          <a:lstStyle/>
+          <a:p>
+            <a:r>
+              <a:rPr lang="en-US" dirty="0" smtClean="0"/>
+              <a:t>If there is a partition, then you can </a:t>
+            </a:r>
+            <a:r>
+              <a:rPr lang="en-US" b="1" dirty="0" smtClean="0"/>
+              <a:t>either </a:t>
+            </a:r>
+            <a:r>
+              <a:rPr lang="en-US" dirty="0" smtClean="0"/>
+              <a:t>update one node (give up on C), </a:t>
+            </a:r>
+            <a:r>
+              <a:rPr lang="en-US" b="1" dirty="0" smtClean="0"/>
+              <a:t>or </a:t>
+            </a:r>
+            <a:r>
+              <a:rPr lang="en-US" dirty="0" smtClean="0"/>
+              <a:t>make one </a:t>
+            </a:r>
+            <a:br>
+              <a:rPr lang="en-US" dirty="0" smtClean="0"/>
+            </a:br>
+            <a:r>
+              <a:rPr lang="en-US" dirty="0" smtClean="0"/>
+              <a:t>node unavailable (give up on A). </a:t>
+            </a:r>
+            <a:br>
+              <a:rPr lang="en-US" dirty="0" smtClean="0"/>
+            </a:br>
+            <a:r>
+              <a:rPr lang="en-US" dirty="0" smtClean="0"/>
+              <a:t/>
+            </a:r>
+            <a:br>
+              <a:rPr lang="en-US" dirty="0" smtClean="0"/>
+            </a:br>
+            <a:r>
+              <a:rPr lang="en-US" dirty="0" smtClean="0"/>
+              <a:t>If you want C and A you can’t allow a Partition. </a:t>
             </a:r>
             <a:endParaRPr lang="en-US" dirty="0"/>
           </a:p>
@@ -14458,7 +14323,7 @@
     </p:spTree>
     <p:extLst>
       <p:ext uri="{BB962C8B-B14F-4D97-AF65-F5344CB8AC3E}">
-        <p14:creationId xmlns:p14="http://schemas.microsoft.com/office/powerpoint/2010/main" val="3866263237"/>
+        <p14:creationId xmlns:p14="http://schemas.microsoft.com/office/powerpoint/2010/main" val="1257647962"/>
       </p:ext>
     </p:extLst>
   </p:cSld>
@@ -14502,7 +14367,7 @@
           <a:p>
             <a:r>
               <a:rPr lang="en-US" dirty="0" smtClean="0"/>
-              <a:t>In real life</a:t>
+              <a:t>CAP options	</a:t>
             </a:r>
             <a:endParaRPr lang="en-US" dirty="0"/>
           </a:p>
@@ -14520,52 +14385,97 @@
         </p:nvSpPr>
         <p:spPr/>
         <p:txBody>
-          <a:bodyPr/>
-          <a:lstStyle/>
-          <a:p>
-            <a:r>
-              <a:rPr lang="en-US" dirty="0" smtClean="0"/>
-              <a:t>Partitions are rare</a:t>
-            </a:r>
-          </a:p>
-          <a:p>
-            <a:r>
-              <a:rPr lang="en-US" dirty="0" smtClean="0"/>
-              <a:t>So we can implement a strategy:</a:t>
+          <a:bodyPr>
+            <a:normAutofit fontScale="92500" lnSpcReduction="20000"/>
+          </a:bodyPr>
+          <a:lstStyle/>
+          <a:p>
+            <a:r>
+              <a:rPr lang="en-US" dirty="0" smtClean="0"/>
+              <a:t>CA</a:t>
             </a:r>
           </a:p>
           <a:p>
             <a:pPr lvl="1"/>
             <a:r>
               <a:rPr lang="en-US" dirty="0" smtClean="0"/>
-              <a:t>Detect a partition</a:t>
+              <a:t>Traditional databases</a:t>
             </a:r>
           </a:p>
           <a:p>
             <a:pPr lvl="1"/>
             <a:r>
               <a:rPr lang="en-US" dirty="0" smtClean="0"/>
-              <a:t>Enter “partition mode”</a:t>
+              <a:t>Cannot be scaled multi-</a:t>
+            </a:r>
+            <a:r>
+              <a:rPr lang="en-US" dirty="0" err="1" smtClean="0"/>
+              <a:t>datacentre</a:t>
+            </a:r>
+            <a:r>
+              <a:rPr lang="en-US" dirty="0" smtClean="0"/>
+              <a:t> or work in cases of high-latency</a:t>
+            </a:r>
+          </a:p>
+          <a:p>
+            <a:r>
+              <a:rPr lang="en-US" dirty="0" smtClean="0"/>
+              <a:t>AP</a:t>
             </a:r>
           </a:p>
           <a:p>
             <a:pPr lvl="1"/>
             <a:r>
               <a:rPr lang="en-US" dirty="0" smtClean="0"/>
-              <a:t>Carry on with inconsistency</a:t>
+              <a:t>Multi-master </a:t>
+            </a:r>
+            <a:r>
+              <a:rPr lang="en-US" dirty="0" err="1" smtClean="0"/>
+              <a:t>NoSQL</a:t>
+            </a:r>
+            <a:r>
+              <a:rPr lang="en-US" dirty="0" smtClean="0"/>
+              <a:t> databases </a:t>
+            </a:r>
+          </a:p>
+          <a:p>
+            <a:pPr lvl="2"/>
+            <a:r>
+              <a:rPr lang="en-US" dirty="0" smtClean="0"/>
+              <a:t>Dynamo, Cassandra, </a:t>
+            </a:r>
+            <a:r>
+              <a:rPr lang="en-US" dirty="0" err="1" smtClean="0"/>
+              <a:t>CouchDB</a:t>
+            </a:r>
+            <a:endParaRPr lang="en-US" dirty="0" smtClean="0"/>
+          </a:p>
+          <a:p>
+            <a:pPr lvl="2"/>
+            <a:r>
+              <a:rPr lang="en-US" dirty="0" smtClean="0"/>
+              <a:t>Not consistent but work across </a:t>
+            </a:r>
+            <a:r>
+              <a:rPr lang="en-US" dirty="0" err="1" smtClean="0"/>
+              <a:t>datacentres</a:t>
+            </a:r>
+            <a:r>
+              <a:rPr lang="en-US" dirty="0" smtClean="0"/>
+              <a:t> in a highly available model</a:t>
+            </a:r>
+          </a:p>
+          <a:p>
+            <a:r>
+              <a:rPr lang="en-US" dirty="0" smtClean="0"/>
+              <a:t>CP</a:t>
             </a:r>
           </a:p>
           <a:p>
             <a:pPr lvl="1"/>
             <a:r>
               <a:rPr lang="en-US" dirty="0" smtClean="0"/>
-              <a:t>Recover when partition vanishes</a:t>
-            </a:r>
-          </a:p>
-          <a:p>
-            <a:r>
-              <a:rPr lang="en-US" dirty="0" smtClean="0"/>
-              <a:t>Known as “eventually consistent”</a:t>
+              <a:t>Not a good idea, as not available!</a:t>
             </a:r>
             <a:endParaRPr lang="en-US" dirty="0"/>
           </a:p>
@@ -14574,7 +14484,7 @@
     </p:spTree>
     <p:extLst>
       <p:ext uri="{BB962C8B-B14F-4D97-AF65-F5344CB8AC3E}">
-        <p14:creationId xmlns:p14="http://schemas.microsoft.com/office/powerpoint/2010/main" val="2252576219"/>
+        <p14:creationId xmlns:p14="http://schemas.microsoft.com/office/powerpoint/2010/main" val="1264779461"/>
       </p:ext>
     </p:extLst>
   </p:cSld>
@@ -14618,7 +14528,7 @@
           <a:p>
             <a:r>
               <a:rPr lang="en-US" dirty="0" smtClean="0"/>
-              <a:t>What does recovery mean?</a:t>
+              <a:t>CAP Theorem</a:t>
             </a:r>
             <a:endParaRPr lang="en-US" dirty="0"/>
           </a:p>
@@ -14637,50 +14547,87 @@
         <p:spPr/>
         <p:txBody>
           <a:bodyPr>
-            <a:normAutofit fontScale="92500" lnSpcReduction="20000"/>
+            <a:normAutofit fontScale="92500" lnSpcReduction="10000"/>
           </a:bodyPr>
           <a:lstStyle/>
           <a:p>
             <a:r>
               <a:rPr lang="en-US" dirty="0" smtClean="0"/>
-              <a:t>Depends on your database and requirements</a:t>
+              <a:t>However, the details are important</a:t>
             </a:r>
           </a:p>
           <a:p>
             <a:pPr lvl="1"/>
             <a:r>
               <a:rPr lang="en-US" dirty="0" smtClean="0"/>
-              <a:t>E.g. Amazon’s shopping cart is made consistent by creating the union of the inconsistent carts</a:t>
+              <a:t>The proof requires some complex definitions of C, A and P</a:t>
+            </a:r>
+          </a:p>
+          <a:p>
+            <a:r>
+              <a:rPr lang="en-US" dirty="0" smtClean="0"/>
+              <a:t>I recommend reading Brewer’s update:</a:t>
             </a:r>
           </a:p>
           <a:p>
             <a:pPr lvl="1"/>
             <a:r>
-              <a:rPr lang="en-US" dirty="0" smtClean="0"/>
-              <a:t>Deleted items may re-appear</a:t>
-            </a:r>
-          </a:p>
-          <a:p>
-            <a:r>
-              <a:rPr lang="en-US" dirty="0" smtClean="0"/>
-              <a:t>Another option is to forbid certain operations during partition mode</a:t>
+              <a:rPr lang="en-US" dirty="0">
+                <a:hlinkClick r:id="rId2"/>
+              </a:rPr>
+              <a:t>http://www.infoq.com/articles/cap-twelve-years-later-how-the-rules-have-</a:t>
+            </a:r>
+            <a:r>
+              <a:rPr lang="en-US" dirty="0" smtClean="0">
+                <a:hlinkClick r:id="rId2"/>
+              </a:rPr>
+              <a:t>changed</a:t>
+            </a:r>
+            <a:r>
+              <a:rPr lang="en-US" dirty="0" smtClean="0"/>
+              <a:t> </a:t>
             </a:r>
           </a:p>
           <a:p>
             <a:pPr lvl="1"/>
             <a:r>
-              <a:rPr lang="en-US" dirty="0" smtClean="0"/>
-              <a:t>To make it easier to recover consistency</a:t>
-            </a:r>
-          </a:p>
-          <a:p>
-            <a:r>
-              <a:rPr lang="en-US" dirty="0" smtClean="0"/>
-              <a:t>A simplistic approach would be to go read</a:t>
-            </a:r>
-            <a:r>
-              <a:rPr lang="en-US" smtClean="0"/>
-              <a:t>-only</a:t>
+              <a:rPr lang="en-US" dirty="0"/>
+              <a:t> </a:t>
+            </a:r>
+            <a:r>
+              <a:rPr lang="en-US" dirty="0" smtClean="0"/>
+              <a:t>“The 2 </a:t>
+            </a:r>
+            <a:r>
+              <a:rPr lang="en-US" dirty="0"/>
+              <a:t>of </a:t>
+            </a:r>
+            <a:r>
+              <a:rPr lang="en-US" dirty="0" smtClean="0"/>
+              <a:t>3 </a:t>
+            </a:r>
+            <a:r>
+              <a:rPr lang="en-US" dirty="0"/>
+              <a:t>formulation was always </a:t>
+            </a:r>
+            <a:r>
+              <a:rPr lang="en-US" dirty="0" smtClean="0"/>
+              <a:t>misleading” </a:t>
+            </a:r>
+          </a:p>
+          <a:p>
+            <a:pPr lvl="1"/>
+            <a:r>
+              <a:rPr lang="en-US" dirty="0" smtClean="0"/>
+              <a:t>“CAP </a:t>
+            </a:r>
+            <a:r>
+              <a:rPr lang="en-US" dirty="0"/>
+              <a:t>prohibits only a tiny part of the design </a:t>
+            </a:r>
+            <a:r>
+              <a:rPr lang="en-US" dirty="0" smtClean="0"/>
+              <a:t>space”</a:t>
             </a:r>
             <a:endParaRPr lang="en-US" dirty="0"/>
           </a:p>
@@ -14689,7 +14636,7 @@
     </p:spTree>
     <p:extLst>
       <p:ext uri="{BB962C8B-B14F-4D97-AF65-F5344CB8AC3E}">
-        <p14:creationId xmlns:p14="http://schemas.microsoft.com/office/powerpoint/2010/main" val="783737528"/>
+        <p14:creationId xmlns:p14="http://schemas.microsoft.com/office/powerpoint/2010/main" val="3866263237"/>
       </p:ext>
     </p:extLst>
   </p:cSld>
@@ -14728,6 +14675,347 @@
         </p:nvSpPr>
         <p:spPr/>
         <p:txBody>
+          <a:bodyPr/>
+          <a:lstStyle/>
+          <a:p>
+            <a:r>
+              <a:rPr lang="en-US" dirty="0" smtClean="0"/>
+              <a:t>In real life</a:t>
+            </a:r>
+            <a:endParaRPr lang="en-US" dirty="0"/>
+          </a:p>
+        </p:txBody>
+      </p:sp>
+      <p:sp>
+        <p:nvSpPr>
+          <p:cNvPr id="3" name="Content Placeholder 2"/>
+          <p:cNvSpPr>
+            <a:spLocks noGrp="1"/>
+          </p:cNvSpPr>
+          <p:nvPr>
+            <p:ph idx="1"/>
+          </p:nvPr>
+        </p:nvSpPr>
+        <p:spPr/>
+        <p:txBody>
+          <a:bodyPr/>
+          <a:lstStyle/>
+          <a:p>
+            <a:r>
+              <a:rPr lang="en-US" dirty="0" smtClean="0"/>
+              <a:t>Partitions are rare</a:t>
+            </a:r>
+          </a:p>
+          <a:p>
+            <a:r>
+              <a:rPr lang="en-US" dirty="0" smtClean="0"/>
+              <a:t>So we can implement a strategy:</a:t>
+            </a:r>
+          </a:p>
+          <a:p>
+            <a:pPr lvl="1"/>
+            <a:r>
+              <a:rPr lang="en-US" dirty="0" smtClean="0"/>
+              <a:t>Detect a partition</a:t>
+            </a:r>
+          </a:p>
+          <a:p>
+            <a:pPr lvl="1"/>
+            <a:r>
+              <a:rPr lang="en-US" dirty="0" smtClean="0"/>
+              <a:t>Enter “partition mode”</a:t>
+            </a:r>
+          </a:p>
+          <a:p>
+            <a:pPr lvl="1"/>
+            <a:r>
+              <a:rPr lang="en-US" dirty="0" smtClean="0"/>
+              <a:t>Carry on with inconsistency</a:t>
+            </a:r>
+          </a:p>
+          <a:p>
+            <a:pPr lvl="1"/>
+            <a:r>
+              <a:rPr lang="en-US" dirty="0" smtClean="0"/>
+              <a:t>Recover when partition vanishes</a:t>
+            </a:r>
+          </a:p>
+          <a:p>
+            <a:r>
+              <a:rPr lang="en-US" dirty="0" smtClean="0"/>
+              <a:t>Known as “eventually consistent”</a:t>
+            </a:r>
+            <a:endParaRPr lang="en-US" dirty="0"/>
+          </a:p>
+        </p:txBody>
+      </p:sp>
+    </p:spTree>
+    <p:extLst>
+      <p:ext uri="{BB962C8B-B14F-4D97-AF65-F5344CB8AC3E}">
+        <p14:creationId xmlns:p14="http://schemas.microsoft.com/office/powerpoint/2010/main" val="2252576219"/>
+      </p:ext>
+    </p:extLst>
+  </p:cSld>
+  <p:clrMapOvr>
+    <a:masterClrMapping/>
+  </p:clrMapOvr>
+</p:sld>
+</file>
+
+<file path=ppt/slides/slide4.xml><?xml version="1.0" encoding="utf-8"?>
+<p:sld xmlns:a="http://schemas.openxmlformats.org/drawingml/2006/main" xmlns:r="http://schemas.openxmlformats.org/officeDocument/2006/relationships" xmlns:p="http://schemas.openxmlformats.org/presentationml/2006/main">
+  <p:cSld>
+    <p:spTree>
+      <p:nvGrpSpPr>
+        <p:cNvPr id="1" name=""/>
+        <p:cNvGrpSpPr/>
+        <p:nvPr/>
+      </p:nvGrpSpPr>
+      <p:grpSpPr>
+        <a:xfrm>
+          <a:off x="0" y="0"/>
+          <a:ext cx="0" cy="0"/>
+          <a:chOff x="0" y="0"/>
+          <a:chExt cx="0" cy="0"/>
+        </a:xfrm>
+      </p:grpSpPr>
+      <p:sp>
+        <p:nvSpPr>
+          <p:cNvPr id="2" name="Title 1"/>
+          <p:cNvSpPr>
+            <a:spLocks noGrp="1"/>
+          </p:cNvSpPr>
+          <p:nvPr>
+            <p:ph type="title"/>
+          </p:nvPr>
+        </p:nvSpPr>
+        <p:spPr/>
+        <p:txBody>
+          <a:bodyPr>
+            <a:normAutofit fontScale="90000"/>
+          </a:bodyPr>
+          <a:lstStyle/>
+          <a:p>
+            <a:r>
+              <a:rPr lang="en-US" dirty="0" smtClean="0"/>
+              <a:t>Fundamental problems in Distributed Computing</a:t>
+            </a:r>
+            <a:endParaRPr lang="en-US" dirty="0"/>
+          </a:p>
+        </p:txBody>
+      </p:sp>
+      <p:sp>
+        <p:nvSpPr>
+          <p:cNvPr id="3" name="Content Placeholder 2"/>
+          <p:cNvSpPr>
+            <a:spLocks noGrp="1"/>
+          </p:cNvSpPr>
+          <p:nvPr>
+            <p:ph idx="1"/>
+          </p:nvPr>
+        </p:nvSpPr>
+        <p:spPr/>
+        <p:txBody>
+          <a:bodyPr/>
+          <a:lstStyle/>
+          <a:p>
+            <a:r>
+              <a:rPr lang="en-US" dirty="0" smtClean="0"/>
+              <a:t>Efficient distribution of work</a:t>
+            </a:r>
+          </a:p>
+          <a:p>
+            <a:pPr lvl="1"/>
+            <a:r>
+              <a:rPr lang="en-US" dirty="0" smtClean="0"/>
+              <a:t>combating </a:t>
+            </a:r>
+            <a:r>
+              <a:rPr lang="en-US" i="1" dirty="0" smtClean="0"/>
+              <a:t>serialization</a:t>
+            </a:r>
+          </a:p>
+          <a:p>
+            <a:r>
+              <a:rPr lang="en-US" dirty="0" smtClean="0"/>
+              <a:t>Consensus</a:t>
+            </a:r>
+          </a:p>
+          <a:p>
+            <a:pPr lvl="1"/>
+            <a:r>
+              <a:rPr lang="en-US" dirty="0"/>
+              <a:t>c</a:t>
+            </a:r>
+            <a:r>
+              <a:rPr lang="en-US" dirty="0" smtClean="0"/>
+              <a:t>ombating </a:t>
+            </a:r>
+            <a:r>
+              <a:rPr lang="en-US" i="1" dirty="0" smtClean="0"/>
+              <a:t>failure</a:t>
+            </a:r>
+            <a:endParaRPr lang="en-US" i="1" dirty="0"/>
+          </a:p>
+        </p:txBody>
+      </p:sp>
+    </p:spTree>
+    <p:extLst>
+      <p:ext uri="{BB962C8B-B14F-4D97-AF65-F5344CB8AC3E}">
+        <p14:creationId xmlns:p14="http://schemas.microsoft.com/office/powerpoint/2010/main" val="2958038161"/>
+      </p:ext>
+    </p:extLst>
+  </p:cSld>
+  <p:clrMapOvr>
+    <a:masterClrMapping/>
+  </p:clrMapOvr>
+</p:sld>
+</file>
+
+<file path=ppt/slides/slide40.xml><?xml version="1.0" encoding="utf-8"?>
+<p:sld xmlns:a="http://schemas.openxmlformats.org/drawingml/2006/main" xmlns:r="http://schemas.openxmlformats.org/officeDocument/2006/relationships" xmlns:p="http://schemas.openxmlformats.org/presentationml/2006/main">
+  <p:cSld>
+    <p:spTree>
+      <p:nvGrpSpPr>
+        <p:cNvPr id="1" name=""/>
+        <p:cNvGrpSpPr/>
+        <p:nvPr/>
+      </p:nvGrpSpPr>
+      <p:grpSpPr>
+        <a:xfrm>
+          <a:off x="0" y="0"/>
+          <a:ext cx="0" cy="0"/>
+          <a:chOff x="0" y="0"/>
+          <a:chExt cx="0" cy="0"/>
+        </a:xfrm>
+      </p:grpSpPr>
+      <p:sp>
+        <p:nvSpPr>
+          <p:cNvPr id="2" name="Title 1"/>
+          <p:cNvSpPr>
+            <a:spLocks noGrp="1"/>
+          </p:cNvSpPr>
+          <p:nvPr>
+            <p:ph type="title"/>
+          </p:nvPr>
+        </p:nvSpPr>
+        <p:spPr/>
+        <p:txBody>
+          <a:bodyPr/>
+          <a:lstStyle/>
+          <a:p>
+            <a:r>
+              <a:rPr lang="en-US" dirty="0" smtClean="0"/>
+              <a:t>What does recovery mean?</a:t>
+            </a:r>
+            <a:endParaRPr lang="en-US" dirty="0"/>
+          </a:p>
+        </p:txBody>
+      </p:sp>
+      <p:sp>
+        <p:nvSpPr>
+          <p:cNvPr id="3" name="Content Placeholder 2"/>
+          <p:cNvSpPr>
+            <a:spLocks noGrp="1"/>
+          </p:cNvSpPr>
+          <p:nvPr>
+            <p:ph idx="1"/>
+          </p:nvPr>
+        </p:nvSpPr>
+        <p:spPr/>
+        <p:txBody>
+          <a:bodyPr>
+            <a:normAutofit fontScale="92500" lnSpcReduction="20000"/>
+          </a:bodyPr>
+          <a:lstStyle/>
+          <a:p>
+            <a:r>
+              <a:rPr lang="en-US" dirty="0" smtClean="0"/>
+              <a:t>Depends on your database and requirements</a:t>
+            </a:r>
+          </a:p>
+          <a:p>
+            <a:pPr lvl="1"/>
+            <a:r>
+              <a:rPr lang="en-US" dirty="0" smtClean="0"/>
+              <a:t>E.g. Amazon’s shopping cart is made consistent by creating the union of the inconsistent carts</a:t>
+            </a:r>
+          </a:p>
+          <a:p>
+            <a:pPr lvl="1"/>
+            <a:r>
+              <a:rPr lang="en-US" dirty="0" smtClean="0"/>
+              <a:t>Deleted items may re-appear</a:t>
+            </a:r>
+          </a:p>
+          <a:p>
+            <a:r>
+              <a:rPr lang="en-US" dirty="0" smtClean="0"/>
+              <a:t>Another option is to forbid certain operations during partition mode</a:t>
+            </a:r>
+          </a:p>
+          <a:p>
+            <a:pPr lvl="1"/>
+            <a:r>
+              <a:rPr lang="en-US" dirty="0" smtClean="0"/>
+              <a:t>To make it easier to recover consistency</a:t>
+            </a:r>
+          </a:p>
+          <a:p>
+            <a:r>
+              <a:rPr lang="en-US" dirty="0" smtClean="0"/>
+              <a:t>A simplistic approach would be to go read</a:t>
+            </a:r>
+            <a:r>
+              <a:rPr lang="en-US" smtClean="0"/>
+              <a:t>-only</a:t>
+            </a:r>
+            <a:endParaRPr lang="en-US" dirty="0"/>
+          </a:p>
+        </p:txBody>
+      </p:sp>
+    </p:spTree>
+    <p:extLst>
+      <p:ext uri="{BB962C8B-B14F-4D97-AF65-F5344CB8AC3E}">
+        <p14:creationId xmlns:p14="http://schemas.microsoft.com/office/powerpoint/2010/main" val="783737528"/>
+      </p:ext>
+    </p:extLst>
+  </p:cSld>
+  <p:clrMapOvr>
+    <a:masterClrMapping/>
+  </p:clrMapOvr>
+</p:sld>
+</file>
+
+<file path=ppt/slides/slide41.xml><?xml version="1.0" encoding="utf-8"?>
+<p:sld xmlns:a="http://schemas.openxmlformats.org/drawingml/2006/main" xmlns:r="http://schemas.openxmlformats.org/officeDocument/2006/relationships" xmlns:p="http://schemas.openxmlformats.org/presentationml/2006/main">
+  <p:cSld>
+    <p:spTree>
+      <p:nvGrpSpPr>
+        <p:cNvPr id="1" name=""/>
+        <p:cNvGrpSpPr/>
+        <p:nvPr/>
+      </p:nvGrpSpPr>
+      <p:grpSpPr>
+        <a:xfrm>
+          <a:off x="0" y="0"/>
+          <a:ext cx="0" cy="0"/>
+          <a:chOff x="0" y="0"/>
+          <a:chExt cx="0" cy="0"/>
+        </a:xfrm>
+      </p:grpSpPr>
+      <p:sp>
+        <p:nvSpPr>
+          <p:cNvPr id="2" name="Title 1"/>
+          <p:cNvSpPr>
+            <a:spLocks noGrp="1"/>
+          </p:cNvSpPr>
+          <p:nvPr>
+            <p:ph type="title"/>
+          </p:nvPr>
+        </p:nvSpPr>
+        <p:spPr/>
+        <p:txBody>
           <a:bodyPr>
             <a:normAutofit fontScale="90000"/>
           </a:bodyPr>
@@ -14820,7 +15108,7 @@
 </p:sld>
 </file>
 
-<file path=ppt/slides/slide4.xml><?xml version="1.0" encoding="utf-8"?>
+<file path=ppt/slides/slide42.xml><?xml version="1.0" encoding="utf-8"?>
 <p:sld xmlns:a="http://schemas.openxmlformats.org/drawingml/2006/main" xmlns:r="http://schemas.openxmlformats.org/officeDocument/2006/relationships" xmlns:p="http://schemas.openxmlformats.org/presentationml/2006/main">
   <p:cSld>
     <p:spTree>
@@ -14849,791 +15137,212 @@
         </p:nvSpPr>
         <p:spPr/>
         <p:txBody>
+          <a:bodyPr>
+            <a:normAutofit/>
+          </a:bodyPr>
+          <a:lstStyle/>
+          <a:p>
+            <a:r>
+              <a:rPr lang="en-US" dirty="0" smtClean="0"/>
+              <a:t>PACELC</a:t>
+            </a:r>
+            <a:br>
+              <a:rPr lang="en-US" dirty="0" smtClean="0"/>
+            </a:br>
+            <a:r>
+              <a:rPr lang="en-US" sz="2200" dirty="0" smtClean="0"/>
+              <a:t>(pr. pass-elk)</a:t>
+            </a:r>
+            <a:endParaRPr lang="en-US" dirty="0"/>
+          </a:p>
+        </p:txBody>
+      </p:sp>
+      <p:sp>
+        <p:nvSpPr>
+          <p:cNvPr id="3" name="Content Placeholder 2"/>
+          <p:cNvSpPr>
+            <a:spLocks noGrp="1"/>
+          </p:cNvSpPr>
+          <p:nvPr>
+            <p:ph idx="1"/>
+          </p:nvPr>
+        </p:nvSpPr>
+        <p:spPr/>
+        <p:txBody>
           <a:bodyPr/>
           <a:lstStyle/>
           <a:p>
             <a:r>
-              <a:rPr lang="en-US" dirty="0" smtClean="0"/>
-              <a:t>Virtualization</a:t>
+              <a:rPr lang="en-US" b="1" dirty="0" smtClean="0"/>
+              <a:t>P</a:t>
+            </a:r>
+            <a:r>
+              <a:rPr lang="en-US" dirty="0" smtClean="0"/>
+              <a:t>artition: </a:t>
+            </a:r>
+            <a:r>
+              <a:rPr lang="en-US" b="1" dirty="0" smtClean="0"/>
+              <a:t>A</a:t>
+            </a:r>
+            <a:r>
+              <a:rPr lang="en-US" dirty="0" smtClean="0"/>
+              <a:t>vailability </a:t>
+            </a:r>
+            <a:r>
+              <a:rPr lang="en-US" dirty="0" err="1" smtClean="0"/>
+              <a:t>vs</a:t>
+            </a:r>
+            <a:r>
+              <a:rPr lang="en-US" dirty="0" smtClean="0"/>
+              <a:t> </a:t>
+            </a:r>
+            <a:r>
+              <a:rPr lang="en-US" b="1" dirty="0" smtClean="0"/>
+              <a:t>C</a:t>
+            </a:r>
+            <a:r>
+              <a:rPr lang="en-US" dirty="0" smtClean="0"/>
+              <a:t>onsistency, </a:t>
+            </a:r>
+            <a:r>
+              <a:rPr lang="en-US" b="1" dirty="0" smtClean="0"/>
+              <a:t>E</a:t>
+            </a:r>
+            <a:r>
+              <a:rPr lang="en-US" dirty="0" smtClean="0"/>
+              <a:t>lse </a:t>
+            </a:r>
+            <a:r>
+              <a:rPr lang="en-US" b="1" dirty="0" smtClean="0"/>
+              <a:t>L</a:t>
+            </a:r>
+            <a:r>
+              <a:rPr lang="en-US" dirty="0" smtClean="0"/>
+              <a:t>atency </a:t>
+            </a:r>
+            <a:r>
+              <a:rPr lang="en-US" dirty="0" err="1" smtClean="0"/>
+              <a:t>vs</a:t>
+            </a:r>
+            <a:r>
+              <a:rPr lang="en-US" dirty="0" smtClean="0"/>
+              <a:t> </a:t>
+            </a:r>
+            <a:r>
+              <a:rPr lang="en-US" b="1" dirty="0" smtClean="0"/>
+              <a:t>C</a:t>
+            </a:r>
+            <a:r>
+              <a:rPr lang="en-US" dirty="0" smtClean="0"/>
+              <a:t>onsistency</a:t>
+            </a:r>
+          </a:p>
+          <a:p>
+            <a:pPr lvl="1"/>
+            <a:r>
+              <a:rPr lang="en-US" i="1" dirty="0" smtClean="0"/>
+              <a:t>“For </a:t>
+            </a:r>
+            <a:r>
+              <a:rPr lang="en-US" i="1" dirty="0"/>
+              <a:t>data replication over a WAN, there </a:t>
+            </a:r>
+            <a:r>
+              <a:rPr lang="en-US" i="1" dirty="0" smtClean="0"/>
+              <a:t>is no </a:t>
+            </a:r>
+            <a:r>
+              <a:rPr lang="en-US" i="1" dirty="0"/>
+              <a:t>way around the consistency/</a:t>
+            </a:r>
+            <a:r>
+              <a:rPr lang="en-US" i="1" dirty="0" smtClean="0"/>
+              <a:t>latency tradeoff”</a:t>
+            </a:r>
+          </a:p>
+          <a:p>
+            <a:pPr lvl="1"/>
+            <a:r>
+              <a:rPr lang="en-US" dirty="0" smtClean="0"/>
+              <a:t>Usually a combination of sync/</a:t>
+            </a:r>
+            <a:r>
+              <a:rPr lang="en-US" dirty="0" err="1" smtClean="0"/>
+              <a:t>async</a:t>
+            </a:r>
+            <a:endParaRPr lang="en-US" dirty="0" smtClean="0"/>
+          </a:p>
+          <a:p>
+            <a:pPr lvl="2"/>
+            <a:r>
+              <a:rPr lang="en-US" dirty="0" smtClean="0"/>
+              <a:t>Synchronous writes to </a:t>
+            </a:r>
+            <a:r>
+              <a:rPr lang="en-US" i="1" dirty="0" smtClean="0"/>
+              <a:t>n</a:t>
+            </a:r>
+            <a:r>
+              <a:rPr lang="en-US" dirty="0" smtClean="0"/>
+              <a:t> systems followed by asynchronous writes to </a:t>
+            </a:r>
+            <a:r>
+              <a:rPr lang="en-US" i="1" dirty="0" smtClean="0"/>
+              <a:t>m </a:t>
+            </a:r>
+            <a:r>
+              <a:rPr lang="en-US" dirty="0" smtClean="0"/>
+              <a:t>systems</a:t>
             </a:r>
             <a:endParaRPr lang="en-US" dirty="0"/>
           </a:p>
         </p:txBody>
       </p:sp>
-      <p:pic>
-        <p:nvPicPr>
-          <p:cNvPr id="4" name="Picture 3"/>
-          <p:cNvPicPr>
-            <a:picLocks noChangeAspect="1"/>
-          </p:cNvPicPr>
+      <p:sp>
+        <p:nvSpPr>
+          <p:cNvPr id="4" name="Rectangle 3"/>
+          <p:cNvSpPr/>
           <p:nvPr/>
-        </p:nvPicPr>
-        <p:blipFill>
-          <a:blip r:embed="rId2"/>
-          <a:stretch>
-            <a:fillRect/>
-          </a:stretch>
-        </p:blipFill>
-        <p:spPr>
-          <a:xfrm>
-            <a:off x="3516655" y="4606581"/>
-            <a:ext cx="1466861" cy="1466861"/>
+        </p:nvSpPr>
+        <p:spPr>
+          <a:xfrm>
+            <a:off x="1232689" y="5615627"/>
+            <a:ext cx="7592633" cy="369332"/>
           </a:xfrm>
           <a:prstGeom prst="rect">
             <a:avLst/>
           </a:prstGeom>
         </p:spPr>
-      </p:pic>
-      <p:sp>
-        <p:nvSpPr>
-          <p:cNvPr id="5" name="TextBox 4"/>
-          <p:cNvSpPr txBox="1"/>
-          <p:nvPr/>
-        </p:nvSpPr>
-        <p:spPr>
-          <a:xfrm>
-            <a:off x="4983516" y="5051301"/>
-            <a:ext cx="1913317" cy="369332"/>
-          </a:xfrm>
-          <a:prstGeom prst="rect">
-            <a:avLst/>
-          </a:prstGeom>
-          <a:noFill/>
-        </p:spPr>
-        <p:txBody>
-          <a:bodyPr wrap="none" rtlCol="0">
+        <p:txBody>
+          <a:bodyPr wrap="square">
             <a:spAutoFit/>
           </a:bodyPr>
           <a:lstStyle/>
           <a:p>
             <a:r>
-              <a:rPr lang="en-US" dirty="0" smtClean="0"/>
-              <a:t>Physical Hardware</a:t>
+              <a:rPr lang="en-US" dirty="0">
+                <a:hlinkClick r:id="rId2"/>
+              </a:rPr>
+              <a:t>http://cs-www.cs.yale.edu/homes/dna/papers/abadi-</a:t>
+            </a:r>
+            <a:r>
+              <a:rPr lang="en-US" dirty="0" smtClean="0">
+                <a:hlinkClick r:id="rId2"/>
+              </a:rPr>
+              <a:t>pacelc.pdf</a:t>
+            </a:r>
+            <a:r>
+              <a:rPr lang="en-US" dirty="0" smtClean="0"/>
+              <a:t> </a:t>
             </a:r>
             <a:endParaRPr lang="en-US" dirty="0"/>
-          </a:p>
-        </p:txBody>
-      </p:sp>
-      <p:sp>
-        <p:nvSpPr>
-          <p:cNvPr id="6" name="Rounded Rectangle 5"/>
-          <p:cNvSpPr/>
-          <p:nvPr/>
-        </p:nvSpPr>
-        <p:spPr>
-          <a:xfrm>
-            <a:off x="753569" y="1417638"/>
-            <a:ext cx="1702507" cy="2498258"/>
-          </a:xfrm>
-          <a:prstGeom prst="roundRect">
-            <a:avLst/>
-          </a:prstGeom>
-        </p:spPr>
-        <p:style>
-          <a:lnRef idx="0">
-            <a:schemeClr val="accent4"/>
-          </a:lnRef>
-          <a:fillRef idx="3">
-            <a:schemeClr val="accent4"/>
-          </a:fillRef>
-          <a:effectRef idx="3">
-            <a:schemeClr val="accent4"/>
-          </a:effectRef>
-          <a:fontRef idx="minor">
-            <a:schemeClr val="lt1"/>
-          </a:fontRef>
-        </p:style>
-        <p:txBody>
-          <a:bodyPr rtlCol="0" anchor="ctr"/>
-          <a:lstStyle/>
-          <a:p>
-            <a:pPr algn="ctr"/>
-            <a:endParaRPr lang="en-US"/>
-          </a:p>
-        </p:txBody>
-      </p:sp>
-      <p:sp>
-        <p:nvSpPr>
-          <p:cNvPr id="7" name="Rounded Rectangle 6"/>
-          <p:cNvSpPr/>
-          <p:nvPr/>
-        </p:nvSpPr>
-        <p:spPr>
-          <a:xfrm>
-            <a:off x="2734071" y="1417638"/>
-            <a:ext cx="1702507" cy="2498258"/>
-          </a:xfrm>
-          <a:prstGeom prst="roundRect">
-            <a:avLst/>
-          </a:prstGeom>
-        </p:spPr>
-        <p:style>
-          <a:lnRef idx="0">
-            <a:schemeClr val="accent4"/>
-          </a:lnRef>
-          <a:fillRef idx="3">
-            <a:schemeClr val="accent4"/>
-          </a:fillRef>
-          <a:effectRef idx="3">
-            <a:schemeClr val="accent4"/>
-          </a:effectRef>
-          <a:fontRef idx="minor">
-            <a:schemeClr val="lt1"/>
-          </a:fontRef>
-        </p:style>
-        <p:txBody>
-          <a:bodyPr rtlCol="0" anchor="ctr"/>
-          <a:lstStyle/>
-          <a:p>
-            <a:pPr algn="ctr"/>
-            <a:endParaRPr lang="en-US"/>
-          </a:p>
-        </p:txBody>
-      </p:sp>
-      <p:sp>
-        <p:nvSpPr>
-          <p:cNvPr id="8" name="Rounded Rectangle 7"/>
-          <p:cNvSpPr/>
-          <p:nvPr/>
-        </p:nvSpPr>
-        <p:spPr>
-          <a:xfrm>
-            <a:off x="4714573" y="1417638"/>
-            <a:ext cx="1702507" cy="2498258"/>
-          </a:xfrm>
-          <a:prstGeom prst="roundRect">
-            <a:avLst/>
-          </a:prstGeom>
-        </p:spPr>
-        <p:style>
-          <a:lnRef idx="0">
-            <a:schemeClr val="accent4"/>
-          </a:lnRef>
-          <a:fillRef idx="3">
-            <a:schemeClr val="accent4"/>
-          </a:fillRef>
-          <a:effectRef idx="3">
-            <a:schemeClr val="accent4"/>
-          </a:effectRef>
-          <a:fontRef idx="minor">
-            <a:schemeClr val="lt1"/>
-          </a:fontRef>
-        </p:style>
-        <p:txBody>
-          <a:bodyPr rtlCol="0" anchor="ctr"/>
-          <a:lstStyle/>
-          <a:p>
-            <a:pPr algn="ctr"/>
-            <a:endParaRPr lang="en-US"/>
-          </a:p>
-        </p:txBody>
-      </p:sp>
-      <p:sp>
-        <p:nvSpPr>
-          <p:cNvPr id="9" name="Rounded Rectangle 8"/>
-          <p:cNvSpPr/>
-          <p:nvPr/>
-        </p:nvSpPr>
-        <p:spPr>
-          <a:xfrm>
-            <a:off x="6695075" y="1417638"/>
-            <a:ext cx="1702507" cy="2498258"/>
-          </a:xfrm>
-          <a:prstGeom prst="roundRect">
-            <a:avLst/>
-          </a:prstGeom>
-        </p:spPr>
-        <p:style>
-          <a:lnRef idx="0">
-            <a:schemeClr val="accent4"/>
-          </a:lnRef>
-          <a:fillRef idx="3">
-            <a:schemeClr val="accent4"/>
-          </a:fillRef>
-          <a:effectRef idx="3">
-            <a:schemeClr val="accent4"/>
-          </a:effectRef>
-          <a:fontRef idx="minor">
-            <a:schemeClr val="lt1"/>
-          </a:fontRef>
-        </p:style>
-        <p:txBody>
-          <a:bodyPr rtlCol="0" anchor="ctr"/>
-          <a:lstStyle/>
-          <a:p>
-            <a:pPr algn="ctr"/>
-            <a:endParaRPr lang="en-US"/>
-          </a:p>
-        </p:txBody>
-      </p:sp>
-      <p:pic>
-        <p:nvPicPr>
-          <p:cNvPr id="10" name="Picture 9"/>
-          <p:cNvPicPr>
-            <a:picLocks noChangeAspect="1"/>
-          </p:cNvPicPr>
-          <p:nvPr/>
-        </p:nvPicPr>
-        <p:blipFill>
-          <a:blip r:embed="rId3">
-            <a:biLevel thresh="50000"/>
-            <a:extLst>
-              <a:ext uri="{BEBA8EAE-BF5A-486C-A8C5-ECC9F3942E4B}">
-                <a14:imgProps xmlns:a14="http://schemas.microsoft.com/office/drawing/2010/main">
-                  <a14:imgLayer r:embed="rId4">
-                    <a14:imgEffect>
-                      <a14:backgroundRemoval t="0" b="99414" l="9961" r="89844"/>
-                    </a14:imgEffect>
-                  </a14:imgLayer>
-                </a14:imgProps>
-              </a:ext>
-            </a:extLst>
-          </a:blip>
-          <a:stretch>
-            <a:fillRect/>
-          </a:stretch>
-        </p:blipFill>
-        <p:spPr>
-          <a:xfrm>
-            <a:off x="1018712" y="2757615"/>
-            <a:ext cx="1018713" cy="1018713"/>
-          </a:xfrm>
-          <a:prstGeom prst="rect">
-            <a:avLst/>
-          </a:prstGeom>
-        </p:spPr>
-      </p:pic>
-      <p:cxnSp>
-        <p:nvCxnSpPr>
-          <p:cNvPr id="12" name="Straight Connector 11"/>
-          <p:cNvCxnSpPr/>
-          <p:nvPr/>
-        </p:nvCxnSpPr>
-        <p:spPr>
-          <a:xfrm>
-            <a:off x="753569" y="4075368"/>
-            <a:ext cx="7644013" cy="0"/>
-          </a:xfrm>
-          <a:prstGeom prst="line">
-            <a:avLst/>
-          </a:prstGeom>
-        </p:spPr>
-        <p:style>
-          <a:lnRef idx="2">
-            <a:schemeClr val="accent1"/>
-          </a:lnRef>
-          <a:fillRef idx="0">
-            <a:schemeClr val="accent1"/>
-          </a:fillRef>
-          <a:effectRef idx="1">
-            <a:schemeClr val="accent1"/>
-          </a:effectRef>
-          <a:fontRef idx="minor">
-            <a:schemeClr val="tx1"/>
-          </a:fontRef>
-        </p:style>
-      </p:cxnSp>
-      <p:sp>
-        <p:nvSpPr>
-          <p:cNvPr id="13" name="Rounded Rectangle 12"/>
-          <p:cNvSpPr/>
-          <p:nvPr/>
-        </p:nvSpPr>
-        <p:spPr>
-          <a:xfrm>
-            <a:off x="893119" y="2274951"/>
-            <a:ext cx="1437362" cy="348919"/>
-          </a:xfrm>
-          <a:prstGeom prst="roundRect">
-            <a:avLst/>
-          </a:prstGeom>
-        </p:spPr>
-        <p:style>
-          <a:lnRef idx="1">
-            <a:schemeClr val="accent1"/>
-          </a:lnRef>
-          <a:fillRef idx="3">
-            <a:schemeClr val="accent1"/>
-          </a:fillRef>
-          <a:effectRef idx="2">
-            <a:schemeClr val="accent1"/>
-          </a:effectRef>
-          <a:fontRef idx="minor">
-            <a:schemeClr val="lt1"/>
-          </a:fontRef>
-        </p:style>
-        <p:txBody>
-          <a:bodyPr rtlCol="0" anchor="ctr"/>
-          <a:lstStyle/>
-          <a:p>
-            <a:pPr algn="ctr"/>
-            <a:r>
-              <a:rPr lang="en-US" dirty="0" smtClean="0"/>
-              <a:t>OS</a:t>
-            </a:r>
-            <a:endParaRPr lang="en-US" dirty="0"/>
-          </a:p>
-        </p:txBody>
-      </p:sp>
-      <p:sp>
-        <p:nvSpPr>
-          <p:cNvPr id="14" name="Rounded Rectangle 13"/>
-          <p:cNvSpPr/>
-          <p:nvPr/>
-        </p:nvSpPr>
-        <p:spPr>
-          <a:xfrm>
-            <a:off x="893119" y="1884162"/>
-            <a:ext cx="1437362" cy="348919"/>
-          </a:xfrm>
-          <a:prstGeom prst="roundRect">
-            <a:avLst/>
-          </a:prstGeom>
-        </p:spPr>
-        <p:style>
-          <a:lnRef idx="1">
-            <a:schemeClr val="accent1"/>
-          </a:lnRef>
-          <a:fillRef idx="3">
-            <a:schemeClr val="accent1"/>
-          </a:fillRef>
-          <a:effectRef idx="2">
-            <a:schemeClr val="accent1"/>
-          </a:effectRef>
-          <a:fontRef idx="minor">
-            <a:schemeClr val="lt1"/>
-          </a:fontRef>
-        </p:style>
-        <p:txBody>
-          <a:bodyPr rtlCol="0" anchor="ctr"/>
-          <a:lstStyle/>
-          <a:p>
-            <a:pPr algn="ctr"/>
-            <a:r>
-              <a:rPr lang="en-US" dirty="0" smtClean="0"/>
-              <a:t>Apps</a:t>
-            </a:r>
-            <a:endParaRPr lang="en-US" dirty="0"/>
-          </a:p>
-        </p:txBody>
-      </p:sp>
-      <p:pic>
-        <p:nvPicPr>
-          <p:cNvPr id="15" name="Picture 14"/>
-          <p:cNvPicPr>
-            <a:picLocks noChangeAspect="1"/>
-          </p:cNvPicPr>
-          <p:nvPr/>
-        </p:nvPicPr>
-        <p:blipFill>
-          <a:blip r:embed="rId3">
-            <a:biLevel thresh="50000"/>
-            <a:extLst>
-              <a:ext uri="{BEBA8EAE-BF5A-486C-A8C5-ECC9F3942E4B}">
-                <a14:imgProps xmlns:a14="http://schemas.microsoft.com/office/drawing/2010/main">
-                  <a14:imgLayer r:embed="rId5">
-                    <a14:imgEffect>
-                      <a14:backgroundRemoval t="0" b="99414" l="9961" r="89844"/>
-                    </a14:imgEffect>
-                  </a14:imgLayer>
-                </a14:imgProps>
-              </a:ext>
-            </a:extLst>
-          </a:blip>
-          <a:stretch>
-            <a:fillRect/>
-          </a:stretch>
-        </p:blipFill>
-        <p:spPr>
-          <a:xfrm>
-            <a:off x="2999214" y="2757615"/>
-            <a:ext cx="1018713" cy="1018713"/>
-          </a:xfrm>
-          <a:prstGeom prst="rect">
-            <a:avLst/>
-          </a:prstGeom>
-        </p:spPr>
-      </p:pic>
-      <p:sp>
-        <p:nvSpPr>
-          <p:cNvPr id="16" name="Rounded Rectangle 15"/>
-          <p:cNvSpPr/>
-          <p:nvPr/>
-        </p:nvSpPr>
-        <p:spPr>
-          <a:xfrm>
-            <a:off x="2873621" y="2274951"/>
-            <a:ext cx="1437362" cy="348919"/>
-          </a:xfrm>
-          <a:prstGeom prst="roundRect">
-            <a:avLst/>
-          </a:prstGeom>
-        </p:spPr>
-        <p:style>
-          <a:lnRef idx="1">
-            <a:schemeClr val="accent1"/>
-          </a:lnRef>
-          <a:fillRef idx="3">
-            <a:schemeClr val="accent1"/>
-          </a:fillRef>
-          <a:effectRef idx="2">
-            <a:schemeClr val="accent1"/>
-          </a:effectRef>
-          <a:fontRef idx="minor">
-            <a:schemeClr val="lt1"/>
-          </a:fontRef>
-        </p:style>
-        <p:txBody>
-          <a:bodyPr rtlCol="0" anchor="ctr"/>
-          <a:lstStyle/>
-          <a:p>
-            <a:pPr algn="ctr"/>
-            <a:r>
-              <a:rPr lang="en-US" dirty="0" smtClean="0"/>
-              <a:t>OS</a:t>
-            </a:r>
-            <a:endParaRPr lang="en-US" dirty="0"/>
-          </a:p>
-        </p:txBody>
-      </p:sp>
-      <p:sp>
-        <p:nvSpPr>
-          <p:cNvPr id="17" name="Rounded Rectangle 16"/>
-          <p:cNvSpPr/>
-          <p:nvPr/>
-        </p:nvSpPr>
-        <p:spPr>
-          <a:xfrm>
-            <a:off x="2873621" y="1884162"/>
-            <a:ext cx="1437362" cy="348919"/>
-          </a:xfrm>
-          <a:prstGeom prst="roundRect">
-            <a:avLst/>
-          </a:prstGeom>
-        </p:spPr>
-        <p:style>
-          <a:lnRef idx="1">
-            <a:schemeClr val="accent1"/>
-          </a:lnRef>
-          <a:fillRef idx="3">
-            <a:schemeClr val="accent1"/>
-          </a:fillRef>
-          <a:effectRef idx="2">
-            <a:schemeClr val="accent1"/>
-          </a:effectRef>
-          <a:fontRef idx="minor">
-            <a:schemeClr val="lt1"/>
-          </a:fontRef>
-        </p:style>
-        <p:txBody>
-          <a:bodyPr rtlCol="0" anchor="ctr"/>
-          <a:lstStyle/>
-          <a:p>
-            <a:pPr algn="ctr"/>
-            <a:r>
-              <a:rPr lang="en-US" dirty="0" smtClean="0"/>
-              <a:t>Apps</a:t>
-            </a:r>
-            <a:endParaRPr lang="en-US" dirty="0"/>
-          </a:p>
-        </p:txBody>
-      </p:sp>
-      <p:pic>
-        <p:nvPicPr>
-          <p:cNvPr id="18" name="Picture 17"/>
-          <p:cNvPicPr>
-            <a:picLocks noChangeAspect="1"/>
-          </p:cNvPicPr>
-          <p:nvPr/>
-        </p:nvPicPr>
-        <p:blipFill>
-          <a:blip r:embed="rId3">
-            <a:biLevel thresh="50000"/>
-            <a:extLst>
-              <a:ext uri="{BEBA8EAE-BF5A-486C-A8C5-ECC9F3942E4B}">
-                <a14:imgProps xmlns:a14="http://schemas.microsoft.com/office/drawing/2010/main">
-                  <a14:imgLayer r:embed="rId6">
-                    <a14:imgEffect>
-                      <a14:backgroundRemoval t="0" b="99414" l="9961" r="89844"/>
-                    </a14:imgEffect>
-                  </a14:imgLayer>
-                </a14:imgProps>
-              </a:ext>
-            </a:extLst>
-          </a:blip>
-          <a:stretch>
-            <a:fillRect/>
-          </a:stretch>
-        </p:blipFill>
-        <p:spPr>
-          <a:xfrm>
-            <a:off x="4979716" y="2757615"/>
-            <a:ext cx="1018713" cy="1018713"/>
-          </a:xfrm>
-          <a:prstGeom prst="rect">
-            <a:avLst/>
-          </a:prstGeom>
-        </p:spPr>
-      </p:pic>
-      <p:sp>
-        <p:nvSpPr>
-          <p:cNvPr id="19" name="Rounded Rectangle 18"/>
-          <p:cNvSpPr/>
-          <p:nvPr/>
-        </p:nvSpPr>
-        <p:spPr>
-          <a:xfrm>
-            <a:off x="4854123" y="2274951"/>
-            <a:ext cx="1437362" cy="348919"/>
-          </a:xfrm>
-          <a:prstGeom prst="roundRect">
-            <a:avLst/>
-          </a:prstGeom>
-        </p:spPr>
-        <p:style>
-          <a:lnRef idx="1">
-            <a:schemeClr val="accent1"/>
-          </a:lnRef>
-          <a:fillRef idx="3">
-            <a:schemeClr val="accent1"/>
-          </a:fillRef>
-          <a:effectRef idx="2">
-            <a:schemeClr val="accent1"/>
-          </a:effectRef>
-          <a:fontRef idx="minor">
-            <a:schemeClr val="lt1"/>
-          </a:fontRef>
-        </p:style>
-        <p:txBody>
-          <a:bodyPr rtlCol="0" anchor="ctr"/>
-          <a:lstStyle/>
-          <a:p>
-            <a:pPr algn="ctr"/>
-            <a:r>
-              <a:rPr lang="en-US" dirty="0" smtClean="0"/>
-              <a:t>OS</a:t>
-            </a:r>
-            <a:endParaRPr lang="en-US" dirty="0"/>
-          </a:p>
-        </p:txBody>
-      </p:sp>
-      <p:sp>
-        <p:nvSpPr>
-          <p:cNvPr id="20" name="Rounded Rectangle 19"/>
-          <p:cNvSpPr/>
-          <p:nvPr/>
-        </p:nvSpPr>
-        <p:spPr>
-          <a:xfrm>
-            <a:off x="4854123" y="1884162"/>
-            <a:ext cx="1437362" cy="348919"/>
-          </a:xfrm>
-          <a:prstGeom prst="roundRect">
-            <a:avLst/>
-          </a:prstGeom>
-        </p:spPr>
-        <p:style>
-          <a:lnRef idx="1">
-            <a:schemeClr val="accent1"/>
-          </a:lnRef>
-          <a:fillRef idx="3">
-            <a:schemeClr val="accent1"/>
-          </a:fillRef>
-          <a:effectRef idx="2">
-            <a:schemeClr val="accent1"/>
-          </a:effectRef>
-          <a:fontRef idx="minor">
-            <a:schemeClr val="lt1"/>
-          </a:fontRef>
-        </p:style>
-        <p:txBody>
-          <a:bodyPr rtlCol="0" anchor="ctr"/>
-          <a:lstStyle/>
-          <a:p>
-            <a:pPr algn="ctr"/>
-            <a:r>
-              <a:rPr lang="en-US" dirty="0" smtClean="0"/>
-              <a:t>Apps</a:t>
-            </a:r>
-            <a:endParaRPr lang="en-US" dirty="0"/>
-          </a:p>
-        </p:txBody>
-      </p:sp>
-      <p:pic>
-        <p:nvPicPr>
-          <p:cNvPr id="21" name="Picture 20"/>
-          <p:cNvPicPr>
-            <a:picLocks noChangeAspect="1"/>
-          </p:cNvPicPr>
-          <p:nvPr/>
-        </p:nvPicPr>
-        <p:blipFill>
-          <a:blip r:embed="rId3">
-            <a:biLevel thresh="50000"/>
-            <a:extLst>
-              <a:ext uri="{BEBA8EAE-BF5A-486C-A8C5-ECC9F3942E4B}">
-                <a14:imgProps xmlns:a14="http://schemas.microsoft.com/office/drawing/2010/main">
-                  <a14:imgLayer r:embed="rId5">
-                    <a14:imgEffect>
-                      <a14:backgroundRemoval t="0" b="99414" l="9961" r="89844"/>
-                    </a14:imgEffect>
-                  </a14:imgLayer>
-                </a14:imgProps>
-              </a:ext>
-            </a:extLst>
-          </a:blip>
-          <a:stretch>
-            <a:fillRect/>
-          </a:stretch>
-        </p:blipFill>
-        <p:spPr>
-          <a:xfrm>
-            <a:off x="6960218" y="2757615"/>
-            <a:ext cx="1018713" cy="1018713"/>
-          </a:xfrm>
-          <a:prstGeom prst="rect">
-            <a:avLst/>
-          </a:prstGeom>
-        </p:spPr>
-      </p:pic>
-      <p:sp>
-        <p:nvSpPr>
-          <p:cNvPr id="22" name="Rounded Rectangle 21"/>
-          <p:cNvSpPr/>
-          <p:nvPr/>
-        </p:nvSpPr>
-        <p:spPr>
-          <a:xfrm>
-            <a:off x="6834625" y="2274951"/>
-            <a:ext cx="1437362" cy="348919"/>
-          </a:xfrm>
-          <a:prstGeom prst="roundRect">
-            <a:avLst/>
-          </a:prstGeom>
-        </p:spPr>
-        <p:style>
-          <a:lnRef idx="1">
-            <a:schemeClr val="accent1"/>
-          </a:lnRef>
-          <a:fillRef idx="3">
-            <a:schemeClr val="accent1"/>
-          </a:fillRef>
-          <a:effectRef idx="2">
-            <a:schemeClr val="accent1"/>
-          </a:effectRef>
-          <a:fontRef idx="minor">
-            <a:schemeClr val="lt1"/>
-          </a:fontRef>
-        </p:style>
-        <p:txBody>
-          <a:bodyPr rtlCol="0" anchor="ctr"/>
-          <a:lstStyle/>
-          <a:p>
-            <a:pPr algn="ctr"/>
-            <a:r>
-              <a:rPr lang="en-US" dirty="0" smtClean="0"/>
-              <a:t>OS</a:t>
-            </a:r>
-            <a:endParaRPr lang="en-US" dirty="0"/>
-          </a:p>
-        </p:txBody>
-      </p:sp>
-      <p:sp>
-        <p:nvSpPr>
-          <p:cNvPr id="23" name="Rounded Rectangle 22"/>
-          <p:cNvSpPr/>
-          <p:nvPr/>
-        </p:nvSpPr>
-        <p:spPr>
-          <a:xfrm>
-            <a:off x="6834625" y="1884162"/>
-            <a:ext cx="1437362" cy="348919"/>
-          </a:xfrm>
-          <a:prstGeom prst="roundRect">
-            <a:avLst/>
-          </a:prstGeom>
-        </p:spPr>
-        <p:style>
-          <a:lnRef idx="1">
-            <a:schemeClr val="accent1"/>
-          </a:lnRef>
-          <a:fillRef idx="3">
-            <a:schemeClr val="accent1"/>
-          </a:fillRef>
-          <a:effectRef idx="2">
-            <a:schemeClr val="accent1"/>
-          </a:effectRef>
-          <a:fontRef idx="minor">
-            <a:schemeClr val="lt1"/>
-          </a:fontRef>
-        </p:style>
-        <p:txBody>
-          <a:bodyPr rtlCol="0" anchor="ctr"/>
-          <a:lstStyle/>
-          <a:p>
-            <a:pPr algn="ctr"/>
-            <a:r>
-              <a:rPr lang="en-US" dirty="0" smtClean="0"/>
-              <a:t>Apps</a:t>
-            </a:r>
-            <a:endParaRPr lang="en-US" dirty="0"/>
-          </a:p>
-        </p:txBody>
-      </p:sp>
-      <p:sp>
-        <p:nvSpPr>
-          <p:cNvPr id="24" name="Rounded Rectangle 23"/>
-          <p:cNvSpPr/>
-          <p:nvPr/>
-        </p:nvSpPr>
-        <p:spPr>
-          <a:xfrm>
-            <a:off x="753569" y="4187026"/>
-            <a:ext cx="7644013" cy="334962"/>
-          </a:xfrm>
-          <a:prstGeom prst="roundRect">
-            <a:avLst/>
-          </a:prstGeom>
-        </p:spPr>
-        <p:style>
-          <a:lnRef idx="1">
-            <a:schemeClr val="accent6"/>
-          </a:lnRef>
-          <a:fillRef idx="3">
-            <a:schemeClr val="accent6"/>
-          </a:fillRef>
-          <a:effectRef idx="2">
-            <a:schemeClr val="accent6"/>
-          </a:effectRef>
-          <a:fontRef idx="minor">
-            <a:schemeClr val="lt1"/>
-          </a:fontRef>
-        </p:style>
-        <p:txBody>
-          <a:bodyPr rtlCol="0" anchor="ctr"/>
-          <a:lstStyle/>
-          <a:p>
-            <a:pPr algn="ctr"/>
-            <a:r>
-              <a:rPr lang="en-US" dirty="0" smtClean="0">
-                <a:solidFill>
-                  <a:srgbClr val="000090"/>
-                </a:solidFill>
-              </a:rPr>
-              <a:t>Hypervisor</a:t>
-            </a:r>
-            <a:endParaRPr lang="en-US" dirty="0">
-              <a:solidFill>
-                <a:srgbClr val="000090"/>
-              </a:solidFill>
-            </a:endParaRPr>
           </a:p>
         </p:txBody>
       </p:sp>
     </p:spTree>
     <p:extLst>
       <p:ext uri="{BB962C8B-B14F-4D97-AF65-F5344CB8AC3E}">
-        <p14:creationId xmlns:p14="http://schemas.microsoft.com/office/powerpoint/2010/main" val="1650626755"/>
+        <p14:creationId xmlns:p14="http://schemas.microsoft.com/office/powerpoint/2010/main" val="1186674696"/>
       </p:ext>
     </p:extLst>
   </p:cSld>
@@ -15643,7 +15352,7 @@
 </p:sld>
 </file>
 
-<file path=ppt/slides/slide40.xml><?xml version="1.0" encoding="utf-8"?>
+<file path=ppt/slides/slide43.xml><?xml version="1.0" encoding="utf-8"?>
 <p:sld xmlns:a="http://schemas.openxmlformats.org/drawingml/2006/main" xmlns:r="http://schemas.openxmlformats.org/officeDocument/2006/relationships" xmlns:p="http://schemas.openxmlformats.org/presentationml/2006/main">
   <p:cSld>
     <p:spTree>
@@ -15732,7 +15441,219 @@
 </p:sld>
 </file>
 
-<file path=ppt/slides/slide41.xml><?xml version="1.0" encoding="utf-8"?>
+<file path=ppt/slides/slide44.xml><?xml version="1.0" encoding="utf-8"?>
+<p:sld xmlns:a="http://schemas.openxmlformats.org/drawingml/2006/main" xmlns:r="http://schemas.openxmlformats.org/officeDocument/2006/relationships" xmlns:p="http://schemas.openxmlformats.org/presentationml/2006/main">
+  <p:cSld>
+    <p:spTree>
+      <p:nvGrpSpPr>
+        <p:cNvPr id="1" name=""/>
+        <p:cNvGrpSpPr/>
+        <p:nvPr/>
+      </p:nvGrpSpPr>
+      <p:grpSpPr>
+        <a:xfrm>
+          <a:off x="0" y="0"/>
+          <a:ext cx="0" cy="0"/>
+          <a:chOff x="0" y="0"/>
+          <a:chExt cx="0" cy="0"/>
+        </a:xfrm>
+      </p:grpSpPr>
+      <p:sp>
+        <p:nvSpPr>
+          <p:cNvPr id="2" name="Title 1"/>
+          <p:cNvSpPr>
+            <a:spLocks noGrp="1"/>
+          </p:cNvSpPr>
+          <p:nvPr>
+            <p:ph type="title"/>
+          </p:nvPr>
+        </p:nvSpPr>
+        <p:spPr/>
+        <p:txBody>
+          <a:bodyPr/>
+          <a:lstStyle/>
+          <a:p>
+            <a:r>
+              <a:rPr lang="en-US" dirty="0" smtClean="0"/>
+              <a:t>One more surprising thing</a:t>
+            </a:r>
+            <a:endParaRPr lang="en-US" dirty="0"/>
+          </a:p>
+        </p:txBody>
+      </p:sp>
+      <p:pic>
+        <p:nvPicPr>
+          <p:cNvPr id="6" name="Picture 5"/>
+          <p:cNvPicPr>
+            <a:picLocks noChangeAspect="1"/>
+          </p:cNvPicPr>
+          <p:nvPr/>
+        </p:nvPicPr>
+        <p:blipFill rotWithShape="1">
+          <a:blip r:embed="rId2"/>
+          <a:srcRect t="13775"/>
+          <a:stretch/>
+        </p:blipFill>
+        <p:spPr>
+          <a:xfrm>
+            <a:off x="0" y="1319924"/>
+            <a:ext cx="9144000" cy="5002568"/>
+          </a:xfrm>
+          <a:prstGeom prst="rect">
+            <a:avLst/>
+          </a:prstGeom>
+        </p:spPr>
+      </p:pic>
+    </p:spTree>
+    <p:extLst>
+      <p:ext uri="{BB962C8B-B14F-4D97-AF65-F5344CB8AC3E}">
+        <p14:creationId xmlns:p14="http://schemas.microsoft.com/office/powerpoint/2010/main" val="3347387028"/>
+      </p:ext>
+    </p:extLst>
+  </p:cSld>
+  <p:clrMapOvr>
+    <a:masterClrMapping/>
+  </p:clrMapOvr>
+</p:sld>
+</file>
+
+<file path=ppt/slides/slide45.xml><?xml version="1.0" encoding="utf-8"?>
+<p:sld xmlns:a="http://schemas.openxmlformats.org/drawingml/2006/main" xmlns:r="http://schemas.openxmlformats.org/officeDocument/2006/relationships" xmlns:p="http://schemas.openxmlformats.org/presentationml/2006/main">
+  <p:cSld>
+    <p:spTree>
+      <p:nvGrpSpPr>
+        <p:cNvPr id="1" name=""/>
+        <p:cNvGrpSpPr/>
+        <p:nvPr/>
+      </p:nvGrpSpPr>
+      <p:grpSpPr>
+        <a:xfrm>
+          <a:off x="0" y="0"/>
+          <a:ext cx="0" cy="0"/>
+          <a:chOff x="0" y="0"/>
+          <a:chExt cx="0" cy="0"/>
+        </a:xfrm>
+      </p:grpSpPr>
+      <p:sp>
+        <p:nvSpPr>
+          <p:cNvPr id="2" name="Title 1"/>
+          <p:cNvSpPr>
+            <a:spLocks noGrp="1"/>
+          </p:cNvSpPr>
+          <p:nvPr>
+            <p:ph type="title"/>
+          </p:nvPr>
+        </p:nvSpPr>
+        <p:spPr/>
+        <p:txBody>
+          <a:bodyPr>
+            <a:normAutofit/>
+          </a:bodyPr>
+          <a:lstStyle/>
+          <a:p>
+            <a:r>
+              <a:rPr lang="en-US" dirty="0" smtClean="0"/>
+              <a:t>FLP Result</a:t>
+            </a:r>
+            <a:br>
+              <a:rPr lang="en-US" dirty="0" smtClean="0"/>
+            </a:br>
+            <a:r>
+              <a:rPr lang="en-US" sz="2000" dirty="0" smtClean="0"/>
+              <a:t>(Fischer, Lynch, Paterson)</a:t>
+            </a:r>
+            <a:endParaRPr lang="en-US" dirty="0"/>
+          </a:p>
+        </p:txBody>
+      </p:sp>
+      <p:sp>
+        <p:nvSpPr>
+          <p:cNvPr id="3" name="Content Placeholder 2"/>
+          <p:cNvSpPr>
+            <a:spLocks noGrp="1"/>
+          </p:cNvSpPr>
+          <p:nvPr>
+            <p:ph idx="1"/>
+          </p:nvPr>
+        </p:nvSpPr>
+        <p:spPr/>
+        <p:txBody>
+          <a:bodyPr>
+            <a:normAutofit fontScale="92500"/>
+          </a:bodyPr>
+          <a:lstStyle/>
+          <a:p>
+            <a:r>
+              <a:rPr lang="en-US" dirty="0" smtClean="0"/>
+              <a:t>In a truly </a:t>
+            </a:r>
+            <a:r>
+              <a:rPr lang="en-US" dirty="0" err="1" smtClean="0"/>
+              <a:t>async</a:t>
+            </a:r>
+            <a:r>
+              <a:rPr lang="en-US" dirty="0" smtClean="0"/>
+              <a:t> system, consensus cannot be achieved if even one part fails</a:t>
+            </a:r>
+          </a:p>
+          <a:p>
+            <a:pPr lvl="1"/>
+            <a:r>
+              <a:rPr lang="en-US" dirty="0" smtClean="0"/>
+              <a:t>We cannot distinguish between failure and delay</a:t>
+            </a:r>
+          </a:p>
+          <a:p>
+            <a:r>
+              <a:rPr lang="en-US" dirty="0" smtClean="0"/>
+              <a:t>Distributed consensus systems use non</a:t>
+            </a:r>
+            <a:r>
+              <a:rPr lang="en-US" smtClean="0"/>
+              <a:t>-deterministic </a:t>
+            </a:r>
+            <a:r>
+              <a:rPr lang="en-US" dirty="0" smtClean="0"/>
+              <a:t>timeouts to prevent infinite leader election processes</a:t>
+            </a:r>
+          </a:p>
+          <a:p>
+            <a:pPr lvl="1"/>
+            <a:r>
+              <a:rPr lang="en-US" dirty="0" smtClean="0"/>
+              <a:t>E.g. </a:t>
+            </a:r>
+            <a:r>
+              <a:rPr lang="en-US" dirty="0" err="1" smtClean="0"/>
+              <a:t>Paxos</a:t>
+            </a:r>
+            <a:r>
+              <a:rPr lang="en-US" dirty="0" smtClean="0"/>
+              <a:t>, Raft</a:t>
+            </a:r>
+          </a:p>
+          <a:p>
+            <a:pPr marL="457200" lvl="1" indent="0">
+              <a:buNone/>
+            </a:pPr>
+            <a:endParaRPr lang="en-US" dirty="0"/>
+          </a:p>
+        </p:txBody>
+      </p:sp>
+    </p:spTree>
+    <p:extLst>
+      <p:ext uri="{BB962C8B-B14F-4D97-AF65-F5344CB8AC3E}">
+        <p14:creationId xmlns:p14="http://schemas.microsoft.com/office/powerpoint/2010/main" val="3642693120"/>
+      </p:ext>
+    </p:extLst>
+  </p:cSld>
+  <p:clrMapOvr>
+    <a:masterClrMapping/>
+  </p:clrMapOvr>
+</p:sld>
+</file>
+
+<file path=ppt/slides/slide46.xml><?xml version="1.0" encoding="utf-8"?>
 <p:sld xmlns:a="http://schemas.openxmlformats.org/drawingml/2006/main" xmlns:r="http://schemas.openxmlformats.org/officeDocument/2006/relationships" xmlns:p="http://schemas.openxmlformats.org/presentationml/2006/main">
   <p:cSld>
     <p:spTree>
@@ -15864,7 +15785,7 @@
 </p:sld>
 </file>
 
-<file path=ppt/slides/slide42.xml><?xml version="1.0" encoding="utf-8"?>
+<file path=ppt/slides/slide47.xml><?xml version="1.0" encoding="utf-8"?>
 <p:sld xmlns:a="http://schemas.openxmlformats.org/drawingml/2006/main" xmlns:r="http://schemas.openxmlformats.org/officeDocument/2006/relationships" xmlns:p="http://schemas.openxmlformats.org/presentationml/2006/main">
   <p:cSld>
     <p:spTree>
@@ -15958,63 +15879,15 @@
           <a:p>
             <a:r>
               <a:rPr lang="en-US" dirty="0" smtClean="0"/>
-              <a:t>Virtualization </a:t>
-            </a:r>
-            <a:endParaRPr lang="en-US" dirty="0"/>
-          </a:p>
-        </p:txBody>
-      </p:sp>
-      <p:sp>
-        <p:nvSpPr>
-          <p:cNvPr id="3" name="Content Placeholder 2"/>
-          <p:cNvSpPr>
-            <a:spLocks noGrp="1"/>
-          </p:cNvSpPr>
-          <p:nvPr>
-            <p:ph idx="1"/>
-          </p:nvPr>
-        </p:nvSpPr>
-        <p:spPr>
-          <a:xfrm>
-            <a:off x="375635" y="1600201"/>
-            <a:ext cx="8229600" cy="2209994"/>
-          </a:xfrm>
-        </p:spPr>
-        <p:txBody>
-          <a:bodyPr>
-            <a:normAutofit/>
-          </a:bodyPr>
-          <a:lstStyle/>
-          <a:p>
-            <a:r>
-              <a:rPr lang="en-US" dirty="0" smtClean="0"/>
-              <a:t>Dates back to 1972 with IBM VM/370</a:t>
-            </a:r>
-          </a:p>
-          <a:p>
-            <a:r>
-              <a:rPr lang="en-US" dirty="0" smtClean="0"/>
-              <a:t>Each user had a “virtual mainframe”</a:t>
-            </a:r>
-          </a:p>
-          <a:p>
-            <a:pPr lvl="1"/>
-            <a:r>
-              <a:rPr lang="en-US" dirty="0" smtClean="0"/>
-              <a:t>Including a virtual punch card reader and writer!</a:t>
-            </a:r>
-          </a:p>
-          <a:p>
-            <a:endParaRPr lang="en-US" dirty="0" smtClean="0"/>
-          </a:p>
-          <a:p>
+              <a:t>Virtualization</a:t>
+            </a:r>
             <a:endParaRPr lang="en-US" dirty="0"/>
           </a:p>
         </p:txBody>
       </p:sp>
       <p:pic>
         <p:nvPicPr>
-          <p:cNvPr id="5" name="Picture 4"/>
+          <p:cNvPr id="4" name="Picture 3"/>
           <p:cNvPicPr>
             <a:picLocks noChangeAspect="1"/>
           </p:cNvPicPr>
@@ -16028,18 +15901,764 @@
         </p:blipFill>
         <p:spPr>
           <a:xfrm>
-            <a:off x="4852920" y="3481974"/>
-            <a:ext cx="3752315" cy="2969689"/>
+            <a:off x="3516655" y="4606581"/>
+            <a:ext cx="1466861" cy="1466861"/>
           </a:xfrm>
           <a:prstGeom prst="rect">
             <a:avLst/>
           </a:prstGeom>
         </p:spPr>
       </p:pic>
+      <p:sp>
+        <p:nvSpPr>
+          <p:cNvPr id="5" name="TextBox 4"/>
+          <p:cNvSpPr txBox="1"/>
+          <p:nvPr/>
+        </p:nvSpPr>
+        <p:spPr>
+          <a:xfrm>
+            <a:off x="4983516" y="5051301"/>
+            <a:ext cx="1913317" cy="369332"/>
+          </a:xfrm>
+          <a:prstGeom prst="rect">
+            <a:avLst/>
+          </a:prstGeom>
+          <a:noFill/>
+        </p:spPr>
+        <p:txBody>
+          <a:bodyPr wrap="none" rtlCol="0">
+            <a:spAutoFit/>
+          </a:bodyPr>
+          <a:lstStyle/>
+          <a:p>
+            <a:r>
+              <a:rPr lang="en-US" dirty="0" smtClean="0"/>
+              <a:t>Physical Hardware</a:t>
+            </a:r>
+            <a:endParaRPr lang="en-US" dirty="0"/>
+          </a:p>
+        </p:txBody>
+      </p:sp>
+      <p:sp>
+        <p:nvSpPr>
+          <p:cNvPr id="6" name="Rounded Rectangle 5"/>
+          <p:cNvSpPr/>
+          <p:nvPr/>
+        </p:nvSpPr>
+        <p:spPr>
+          <a:xfrm>
+            <a:off x="753569" y="1417638"/>
+            <a:ext cx="1702507" cy="2498258"/>
+          </a:xfrm>
+          <a:prstGeom prst="roundRect">
+            <a:avLst/>
+          </a:prstGeom>
+        </p:spPr>
+        <p:style>
+          <a:lnRef idx="0">
+            <a:schemeClr val="accent4"/>
+          </a:lnRef>
+          <a:fillRef idx="3">
+            <a:schemeClr val="accent4"/>
+          </a:fillRef>
+          <a:effectRef idx="3">
+            <a:schemeClr val="accent4"/>
+          </a:effectRef>
+          <a:fontRef idx="minor">
+            <a:schemeClr val="lt1"/>
+          </a:fontRef>
+        </p:style>
+        <p:txBody>
+          <a:bodyPr rtlCol="0" anchor="ctr"/>
+          <a:lstStyle/>
+          <a:p>
+            <a:pPr algn="ctr"/>
+            <a:endParaRPr lang="en-US"/>
+          </a:p>
+        </p:txBody>
+      </p:sp>
+      <p:sp>
+        <p:nvSpPr>
+          <p:cNvPr id="7" name="Rounded Rectangle 6"/>
+          <p:cNvSpPr/>
+          <p:nvPr/>
+        </p:nvSpPr>
+        <p:spPr>
+          <a:xfrm>
+            <a:off x="2734071" y="1417638"/>
+            <a:ext cx="1702507" cy="2498258"/>
+          </a:xfrm>
+          <a:prstGeom prst="roundRect">
+            <a:avLst/>
+          </a:prstGeom>
+        </p:spPr>
+        <p:style>
+          <a:lnRef idx="0">
+            <a:schemeClr val="accent4"/>
+          </a:lnRef>
+          <a:fillRef idx="3">
+            <a:schemeClr val="accent4"/>
+          </a:fillRef>
+          <a:effectRef idx="3">
+            <a:schemeClr val="accent4"/>
+          </a:effectRef>
+          <a:fontRef idx="minor">
+            <a:schemeClr val="lt1"/>
+          </a:fontRef>
+        </p:style>
+        <p:txBody>
+          <a:bodyPr rtlCol="0" anchor="ctr"/>
+          <a:lstStyle/>
+          <a:p>
+            <a:pPr algn="ctr"/>
+            <a:endParaRPr lang="en-US"/>
+          </a:p>
+        </p:txBody>
+      </p:sp>
+      <p:sp>
+        <p:nvSpPr>
+          <p:cNvPr id="8" name="Rounded Rectangle 7"/>
+          <p:cNvSpPr/>
+          <p:nvPr/>
+        </p:nvSpPr>
+        <p:spPr>
+          <a:xfrm>
+            <a:off x="4714573" y="1417638"/>
+            <a:ext cx="1702507" cy="2498258"/>
+          </a:xfrm>
+          <a:prstGeom prst="roundRect">
+            <a:avLst/>
+          </a:prstGeom>
+        </p:spPr>
+        <p:style>
+          <a:lnRef idx="0">
+            <a:schemeClr val="accent4"/>
+          </a:lnRef>
+          <a:fillRef idx="3">
+            <a:schemeClr val="accent4"/>
+          </a:fillRef>
+          <a:effectRef idx="3">
+            <a:schemeClr val="accent4"/>
+          </a:effectRef>
+          <a:fontRef idx="minor">
+            <a:schemeClr val="lt1"/>
+          </a:fontRef>
+        </p:style>
+        <p:txBody>
+          <a:bodyPr rtlCol="0" anchor="ctr"/>
+          <a:lstStyle/>
+          <a:p>
+            <a:pPr algn="ctr"/>
+            <a:endParaRPr lang="en-US"/>
+          </a:p>
+        </p:txBody>
+      </p:sp>
+      <p:sp>
+        <p:nvSpPr>
+          <p:cNvPr id="9" name="Rounded Rectangle 8"/>
+          <p:cNvSpPr/>
+          <p:nvPr/>
+        </p:nvSpPr>
+        <p:spPr>
+          <a:xfrm>
+            <a:off x="6695075" y="1417638"/>
+            <a:ext cx="1702507" cy="2498258"/>
+          </a:xfrm>
+          <a:prstGeom prst="roundRect">
+            <a:avLst/>
+          </a:prstGeom>
+        </p:spPr>
+        <p:style>
+          <a:lnRef idx="0">
+            <a:schemeClr val="accent4"/>
+          </a:lnRef>
+          <a:fillRef idx="3">
+            <a:schemeClr val="accent4"/>
+          </a:fillRef>
+          <a:effectRef idx="3">
+            <a:schemeClr val="accent4"/>
+          </a:effectRef>
+          <a:fontRef idx="minor">
+            <a:schemeClr val="lt1"/>
+          </a:fontRef>
+        </p:style>
+        <p:txBody>
+          <a:bodyPr rtlCol="0" anchor="ctr"/>
+          <a:lstStyle/>
+          <a:p>
+            <a:pPr algn="ctr"/>
+            <a:endParaRPr lang="en-US"/>
+          </a:p>
+        </p:txBody>
+      </p:sp>
+      <p:pic>
+        <p:nvPicPr>
+          <p:cNvPr id="10" name="Picture 9"/>
+          <p:cNvPicPr>
+            <a:picLocks noChangeAspect="1"/>
+          </p:cNvPicPr>
+          <p:nvPr/>
+        </p:nvPicPr>
+        <p:blipFill>
+          <a:blip r:embed="rId3">
+            <a:biLevel thresh="50000"/>
+            <a:extLst>
+              <a:ext uri="{BEBA8EAE-BF5A-486C-A8C5-ECC9F3942E4B}">
+                <a14:imgProps xmlns:a14="http://schemas.microsoft.com/office/drawing/2010/main">
+                  <a14:imgLayer r:embed="rId4">
+                    <a14:imgEffect>
+                      <a14:backgroundRemoval t="0" b="99414" l="9961" r="89844"/>
+                    </a14:imgEffect>
+                  </a14:imgLayer>
+                </a14:imgProps>
+              </a:ext>
+            </a:extLst>
+          </a:blip>
+          <a:stretch>
+            <a:fillRect/>
+          </a:stretch>
+        </p:blipFill>
+        <p:spPr>
+          <a:xfrm>
+            <a:off x="1018712" y="2757615"/>
+            <a:ext cx="1018713" cy="1018713"/>
+          </a:xfrm>
+          <a:prstGeom prst="rect">
+            <a:avLst/>
+          </a:prstGeom>
+        </p:spPr>
+      </p:pic>
+      <p:cxnSp>
+        <p:nvCxnSpPr>
+          <p:cNvPr id="12" name="Straight Connector 11"/>
+          <p:cNvCxnSpPr/>
+          <p:nvPr/>
+        </p:nvCxnSpPr>
+        <p:spPr>
+          <a:xfrm>
+            <a:off x="753569" y="4075368"/>
+            <a:ext cx="7644013" cy="0"/>
+          </a:xfrm>
+          <a:prstGeom prst="line">
+            <a:avLst/>
+          </a:prstGeom>
+        </p:spPr>
+        <p:style>
+          <a:lnRef idx="2">
+            <a:schemeClr val="accent1"/>
+          </a:lnRef>
+          <a:fillRef idx="0">
+            <a:schemeClr val="accent1"/>
+          </a:fillRef>
+          <a:effectRef idx="1">
+            <a:schemeClr val="accent1"/>
+          </a:effectRef>
+          <a:fontRef idx="minor">
+            <a:schemeClr val="tx1"/>
+          </a:fontRef>
+        </p:style>
+      </p:cxnSp>
+      <p:sp>
+        <p:nvSpPr>
+          <p:cNvPr id="13" name="Rounded Rectangle 12"/>
+          <p:cNvSpPr/>
+          <p:nvPr/>
+        </p:nvSpPr>
+        <p:spPr>
+          <a:xfrm>
+            <a:off x="893119" y="2274951"/>
+            <a:ext cx="1437362" cy="348919"/>
+          </a:xfrm>
+          <a:prstGeom prst="roundRect">
+            <a:avLst/>
+          </a:prstGeom>
+        </p:spPr>
+        <p:style>
+          <a:lnRef idx="1">
+            <a:schemeClr val="accent1"/>
+          </a:lnRef>
+          <a:fillRef idx="3">
+            <a:schemeClr val="accent1"/>
+          </a:fillRef>
+          <a:effectRef idx="2">
+            <a:schemeClr val="accent1"/>
+          </a:effectRef>
+          <a:fontRef idx="minor">
+            <a:schemeClr val="lt1"/>
+          </a:fontRef>
+        </p:style>
+        <p:txBody>
+          <a:bodyPr rtlCol="0" anchor="ctr"/>
+          <a:lstStyle/>
+          <a:p>
+            <a:pPr algn="ctr"/>
+            <a:r>
+              <a:rPr lang="en-US" dirty="0" smtClean="0"/>
+              <a:t>OS</a:t>
+            </a:r>
+            <a:endParaRPr lang="en-US" dirty="0"/>
+          </a:p>
+        </p:txBody>
+      </p:sp>
+      <p:sp>
+        <p:nvSpPr>
+          <p:cNvPr id="14" name="Rounded Rectangle 13"/>
+          <p:cNvSpPr/>
+          <p:nvPr/>
+        </p:nvSpPr>
+        <p:spPr>
+          <a:xfrm>
+            <a:off x="893119" y="1884162"/>
+            <a:ext cx="1437362" cy="348919"/>
+          </a:xfrm>
+          <a:prstGeom prst="roundRect">
+            <a:avLst/>
+          </a:prstGeom>
+        </p:spPr>
+        <p:style>
+          <a:lnRef idx="1">
+            <a:schemeClr val="accent1"/>
+          </a:lnRef>
+          <a:fillRef idx="3">
+            <a:schemeClr val="accent1"/>
+          </a:fillRef>
+          <a:effectRef idx="2">
+            <a:schemeClr val="accent1"/>
+          </a:effectRef>
+          <a:fontRef idx="minor">
+            <a:schemeClr val="lt1"/>
+          </a:fontRef>
+        </p:style>
+        <p:txBody>
+          <a:bodyPr rtlCol="0" anchor="ctr"/>
+          <a:lstStyle/>
+          <a:p>
+            <a:pPr algn="ctr"/>
+            <a:r>
+              <a:rPr lang="en-US" dirty="0" smtClean="0"/>
+              <a:t>Apps</a:t>
+            </a:r>
+            <a:endParaRPr lang="en-US" dirty="0"/>
+          </a:p>
+        </p:txBody>
+      </p:sp>
+      <p:pic>
+        <p:nvPicPr>
+          <p:cNvPr id="15" name="Picture 14"/>
+          <p:cNvPicPr>
+            <a:picLocks noChangeAspect="1"/>
+          </p:cNvPicPr>
+          <p:nvPr/>
+        </p:nvPicPr>
+        <p:blipFill>
+          <a:blip r:embed="rId3">
+            <a:biLevel thresh="50000"/>
+            <a:extLst>
+              <a:ext uri="{BEBA8EAE-BF5A-486C-A8C5-ECC9F3942E4B}">
+                <a14:imgProps xmlns:a14="http://schemas.microsoft.com/office/drawing/2010/main">
+                  <a14:imgLayer r:embed="rId5">
+                    <a14:imgEffect>
+                      <a14:backgroundRemoval t="0" b="99414" l="9961" r="89844"/>
+                    </a14:imgEffect>
+                  </a14:imgLayer>
+                </a14:imgProps>
+              </a:ext>
+            </a:extLst>
+          </a:blip>
+          <a:stretch>
+            <a:fillRect/>
+          </a:stretch>
+        </p:blipFill>
+        <p:spPr>
+          <a:xfrm>
+            <a:off x="2999214" y="2757615"/>
+            <a:ext cx="1018713" cy="1018713"/>
+          </a:xfrm>
+          <a:prstGeom prst="rect">
+            <a:avLst/>
+          </a:prstGeom>
+        </p:spPr>
+      </p:pic>
+      <p:sp>
+        <p:nvSpPr>
+          <p:cNvPr id="16" name="Rounded Rectangle 15"/>
+          <p:cNvSpPr/>
+          <p:nvPr/>
+        </p:nvSpPr>
+        <p:spPr>
+          <a:xfrm>
+            <a:off x="2873621" y="2274951"/>
+            <a:ext cx="1437362" cy="348919"/>
+          </a:xfrm>
+          <a:prstGeom prst="roundRect">
+            <a:avLst/>
+          </a:prstGeom>
+        </p:spPr>
+        <p:style>
+          <a:lnRef idx="1">
+            <a:schemeClr val="accent1"/>
+          </a:lnRef>
+          <a:fillRef idx="3">
+            <a:schemeClr val="accent1"/>
+          </a:fillRef>
+          <a:effectRef idx="2">
+            <a:schemeClr val="accent1"/>
+          </a:effectRef>
+          <a:fontRef idx="minor">
+            <a:schemeClr val="lt1"/>
+          </a:fontRef>
+        </p:style>
+        <p:txBody>
+          <a:bodyPr rtlCol="0" anchor="ctr"/>
+          <a:lstStyle/>
+          <a:p>
+            <a:pPr algn="ctr"/>
+            <a:r>
+              <a:rPr lang="en-US" dirty="0" smtClean="0"/>
+              <a:t>OS</a:t>
+            </a:r>
+            <a:endParaRPr lang="en-US" dirty="0"/>
+          </a:p>
+        </p:txBody>
+      </p:sp>
+      <p:sp>
+        <p:nvSpPr>
+          <p:cNvPr id="17" name="Rounded Rectangle 16"/>
+          <p:cNvSpPr/>
+          <p:nvPr/>
+        </p:nvSpPr>
+        <p:spPr>
+          <a:xfrm>
+            <a:off x="2873621" y="1884162"/>
+            <a:ext cx="1437362" cy="348919"/>
+          </a:xfrm>
+          <a:prstGeom prst="roundRect">
+            <a:avLst/>
+          </a:prstGeom>
+        </p:spPr>
+        <p:style>
+          <a:lnRef idx="1">
+            <a:schemeClr val="accent1"/>
+          </a:lnRef>
+          <a:fillRef idx="3">
+            <a:schemeClr val="accent1"/>
+          </a:fillRef>
+          <a:effectRef idx="2">
+            <a:schemeClr val="accent1"/>
+          </a:effectRef>
+          <a:fontRef idx="minor">
+            <a:schemeClr val="lt1"/>
+          </a:fontRef>
+        </p:style>
+        <p:txBody>
+          <a:bodyPr rtlCol="0" anchor="ctr"/>
+          <a:lstStyle/>
+          <a:p>
+            <a:pPr algn="ctr"/>
+            <a:r>
+              <a:rPr lang="en-US" dirty="0" smtClean="0"/>
+              <a:t>Apps</a:t>
+            </a:r>
+            <a:endParaRPr lang="en-US" dirty="0"/>
+          </a:p>
+        </p:txBody>
+      </p:sp>
+      <p:pic>
+        <p:nvPicPr>
+          <p:cNvPr id="18" name="Picture 17"/>
+          <p:cNvPicPr>
+            <a:picLocks noChangeAspect="1"/>
+          </p:cNvPicPr>
+          <p:nvPr/>
+        </p:nvPicPr>
+        <p:blipFill>
+          <a:blip r:embed="rId3">
+            <a:biLevel thresh="50000"/>
+            <a:extLst>
+              <a:ext uri="{BEBA8EAE-BF5A-486C-A8C5-ECC9F3942E4B}">
+                <a14:imgProps xmlns:a14="http://schemas.microsoft.com/office/drawing/2010/main">
+                  <a14:imgLayer r:embed="rId6">
+                    <a14:imgEffect>
+                      <a14:backgroundRemoval t="0" b="99414" l="9961" r="89844"/>
+                    </a14:imgEffect>
+                  </a14:imgLayer>
+                </a14:imgProps>
+              </a:ext>
+            </a:extLst>
+          </a:blip>
+          <a:stretch>
+            <a:fillRect/>
+          </a:stretch>
+        </p:blipFill>
+        <p:spPr>
+          <a:xfrm>
+            <a:off x="4979716" y="2757615"/>
+            <a:ext cx="1018713" cy="1018713"/>
+          </a:xfrm>
+          <a:prstGeom prst="rect">
+            <a:avLst/>
+          </a:prstGeom>
+        </p:spPr>
+      </p:pic>
+      <p:sp>
+        <p:nvSpPr>
+          <p:cNvPr id="19" name="Rounded Rectangle 18"/>
+          <p:cNvSpPr/>
+          <p:nvPr/>
+        </p:nvSpPr>
+        <p:spPr>
+          <a:xfrm>
+            <a:off x="4854123" y="2274951"/>
+            <a:ext cx="1437362" cy="348919"/>
+          </a:xfrm>
+          <a:prstGeom prst="roundRect">
+            <a:avLst/>
+          </a:prstGeom>
+        </p:spPr>
+        <p:style>
+          <a:lnRef idx="1">
+            <a:schemeClr val="accent1"/>
+          </a:lnRef>
+          <a:fillRef idx="3">
+            <a:schemeClr val="accent1"/>
+          </a:fillRef>
+          <a:effectRef idx="2">
+            <a:schemeClr val="accent1"/>
+          </a:effectRef>
+          <a:fontRef idx="minor">
+            <a:schemeClr val="lt1"/>
+          </a:fontRef>
+        </p:style>
+        <p:txBody>
+          <a:bodyPr rtlCol="0" anchor="ctr"/>
+          <a:lstStyle/>
+          <a:p>
+            <a:pPr algn="ctr"/>
+            <a:r>
+              <a:rPr lang="en-US" dirty="0" smtClean="0"/>
+              <a:t>OS</a:t>
+            </a:r>
+            <a:endParaRPr lang="en-US" dirty="0"/>
+          </a:p>
+        </p:txBody>
+      </p:sp>
+      <p:sp>
+        <p:nvSpPr>
+          <p:cNvPr id="20" name="Rounded Rectangle 19"/>
+          <p:cNvSpPr/>
+          <p:nvPr/>
+        </p:nvSpPr>
+        <p:spPr>
+          <a:xfrm>
+            <a:off x="4854123" y="1884162"/>
+            <a:ext cx="1437362" cy="348919"/>
+          </a:xfrm>
+          <a:prstGeom prst="roundRect">
+            <a:avLst/>
+          </a:prstGeom>
+        </p:spPr>
+        <p:style>
+          <a:lnRef idx="1">
+            <a:schemeClr val="accent1"/>
+          </a:lnRef>
+          <a:fillRef idx="3">
+            <a:schemeClr val="accent1"/>
+          </a:fillRef>
+          <a:effectRef idx="2">
+            <a:schemeClr val="accent1"/>
+          </a:effectRef>
+          <a:fontRef idx="minor">
+            <a:schemeClr val="lt1"/>
+          </a:fontRef>
+        </p:style>
+        <p:txBody>
+          <a:bodyPr rtlCol="0" anchor="ctr"/>
+          <a:lstStyle/>
+          <a:p>
+            <a:pPr algn="ctr"/>
+            <a:r>
+              <a:rPr lang="en-US" dirty="0" smtClean="0"/>
+              <a:t>Apps</a:t>
+            </a:r>
+            <a:endParaRPr lang="en-US" dirty="0"/>
+          </a:p>
+        </p:txBody>
+      </p:sp>
+      <p:pic>
+        <p:nvPicPr>
+          <p:cNvPr id="21" name="Picture 20"/>
+          <p:cNvPicPr>
+            <a:picLocks noChangeAspect="1"/>
+          </p:cNvPicPr>
+          <p:nvPr/>
+        </p:nvPicPr>
+        <p:blipFill>
+          <a:blip r:embed="rId3">
+            <a:biLevel thresh="50000"/>
+            <a:extLst>
+              <a:ext uri="{BEBA8EAE-BF5A-486C-A8C5-ECC9F3942E4B}">
+                <a14:imgProps xmlns:a14="http://schemas.microsoft.com/office/drawing/2010/main">
+                  <a14:imgLayer r:embed="rId5">
+                    <a14:imgEffect>
+                      <a14:backgroundRemoval t="0" b="99414" l="9961" r="89844"/>
+                    </a14:imgEffect>
+                  </a14:imgLayer>
+                </a14:imgProps>
+              </a:ext>
+            </a:extLst>
+          </a:blip>
+          <a:stretch>
+            <a:fillRect/>
+          </a:stretch>
+        </p:blipFill>
+        <p:spPr>
+          <a:xfrm>
+            <a:off x="6960218" y="2757615"/>
+            <a:ext cx="1018713" cy="1018713"/>
+          </a:xfrm>
+          <a:prstGeom prst="rect">
+            <a:avLst/>
+          </a:prstGeom>
+        </p:spPr>
+      </p:pic>
+      <p:sp>
+        <p:nvSpPr>
+          <p:cNvPr id="22" name="Rounded Rectangle 21"/>
+          <p:cNvSpPr/>
+          <p:nvPr/>
+        </p:nvSpPr>
+        <p:spPr>
+          <a:xfrm>
+            <a:off x="6834625" y="2274951"/>
+            <a:ext cx="1437362" cy="348919"/>
+          </a:xfrm>
+          <a:prstGeom prst="roundRect">
+            <a:avLst/>
+          </a:prstGeom>
+        </p:spPr>
+        <p:style>
+          <a:lnRef idx="1">
+            <a:schemeClr val="accent1"/>
+          </a:lnRef>
+          <a:fillRef idx="3">
+            <a:schemeClr val="accent1"/>
+          </a:fillRef>
+          <a:effectRef idx="2">
+            <a:schemeClr val="accent1"/>
+          </a:effectRef>
+          <a:fontRef idx="minor">
+            <a:schemeClr val="lt1"/>
+          </a:fontRef>
+        </p:style>
+        <p:txBody>
+          <a:bodyPr rtlCol="0" anchor="ctr"/>
+          <a:lstStyle/>
+          <a:p>
+            <a:pPr algn="ctr"/>
+            <a:r>
+              <a:rPr lang="en-US" dirty="0" smtClean="0"/>
+              <a:t>OS</a:t>
+            </a:r>
+            <a:endParaRPr lang="en-US" dirty="0"/>
+          </a:p>
+        </p:txBody>
+      </p:sp>
+      <p:sp>
+        <p:nvSpPr>
+          <p:cNvPr id="23" name="Rounded Rectangle 22"/>
+          <p:cNvSpPr/>
+          <p:nvPr/>
+        </p:nvSpPr>
+        <p:spPr>
+          <a:xfrm>
+            <a:off x="6834625" y="1884162"/>
+            <a:ext cx="1437362" cy="348919"/>
+          </a:xfrm>
+          <a:prstGeom prst="roundRect">
+            <a:avLst/>
+          </a:prstGeom>
+        </p:spPr>
+        <p:style>
+          <a:lnRef idx="1">
+            <a:schemeClr val="accent1"/>
+          </a:lnRef>
+          <a:fillRef idx="3">
+            <a:schemeClr val="accent1"/>
+          </a:fillRef>
+          <a:effectRef idx="2">
+            <a:schemeClr val="accent1"/>
+          </a:effectRef>
+          <a:fontRef idx="minor">
+            <a:schemeClr val="lt1"/>
+          </a:fontRef>
+        </p:style>
+        <p:txBody>
+          <a:bodyPr rtlCol="0" anchor="ctr"/>
+          <a:lstStyle/>
+          <a:p>
+            <a:pPr algn="ctr"/>
+            <a:r>
+              <a:rPr lang="en-US" dirty="0" smtClean="0"/>
+              <a:t>Apps</a:t>
+            </a:r>
+            <a:endParaRPr lang="en-US" dirty="0"/>
+          </a:p>
+        </p:txBody>
+      </p:sp>
+      <p:sp>
+        <p:nvSpPr>
+          <p:cNvPr id="24" name="Rounded Rectangle 23"/>
+          <p:cNvSpPr/>
+          <p:nvPr/>
+        </p:nvSpPr>
+        <p:spPr>
+          <a:xfrm>
+            <a:off x="753569" y="4187026"/>
+            <a:ext cx="7644013" cy="334962"/>
+          </a:xfrm>
+          <a:prstGeom prst="roundRect">
+            <a:avLst/>
+          </a:prstGeom>
+        </p:spPr>
+        <p:style>
+          <a:lnRef idx="1">
+            <a:schemeClr val="accent6"/>
+          </a:lnRef>
+          <a:fillRef idx="3">
+            <a:schemeClr val="accent6"/>
+          </a:fillRef>
+          <a:effectRef idx="2">
+            <a:schemeClr val="accent6"/>
+          </a:effectRef>
+          <a:fontRef idx="minor">
+            <a:schemeClr val="lt1"/>
+          </a:fontRef>
+        </p:style>
+        <p:txBody>
+          <a:bodyPr rtlCol="0" anchor="ctr"/>
+          <a:lstStyle/>
+          <a:p>
+            <a:pPr algn="ctr"/>
+            <a:r>
+              <a:rPr lang="en-US" dirty="0" smtClean="0">
+                <a:solidFill>
+                  <a:srgbClr val="000090"/>
+                </a:solidFill>
+              </a:rPr>
+              <a:t>Hypervisor</a:t>
+            </a:r>
+            <a:endParaRPr lang="en-US" dirty="0">
+              <a:solidFill>
+                <a:srgbClr val="000090"/>
+              </a:solidFill>
+            </a:endParaRPr>
+          </a:p>
+        </p:txBody>
+      </p:sp>
     </p:spTree>
     <p:extLst>
       <p:ext uri="{BB962C8B-B14F-4D97-AF65-F5344CB8AC3E}">
-        <p14:creationId xmlns:p14="http://schemas.microsoft.com/office/powerpoint/2010/main" val="2542647064"/>
+        <p14:creationId xmlns:p14="http://schemas.microsoft.com/office/powerpoint/2010/main" val="1650626755"/>
       </p:ext>
     </p:extLst>
   </p:cSld>
@@ -16078,22 +16697,61 @@
         </p:nvSpPr>
         <p:spPr/>
         <p:txBody>
+          <a:bodyPr/>
+          <a:lstStyle/>
+          <a:p>
+            <a:r>
+              <a:rPr lang="en-US" dirty="0" smtClean="0"/>
+              <a:t>Virtualization </a:t>
+            </a:r>
+            <a:endParaRPr lang="en-US" dirty="0"/>
+          </a:p>
+        </p:txBody>
+      </p:sp>
+      <p:sp>
+        <p:nvSpPr>
+          <p:cNvPr id="3" name="Content Placeholder 2"/>
+          <p:cNvSpPr>
+            <a:spLocks noGrp="1"/>
+          </p:cNvSpPr>
+          <p:nvPr>
+            <p:ph idx="1"/>
+          </p:nvPr>
+        </p:nvSpPr>
+        <p:spPr>
+          <a:xfrm>
+            <a:off x="375635" y="1600201"/>
+            <a:ext cx="8229600" cy="2209994"/>
+          </a:xfrm>
+        </p:spPr>
+        <p:txBody>
           <a:bodyPr>
-            <a:normAutofit fontScale="90000"/>
+            <a:normAutofit/>
           </a:bodyPr>
           <a:lstStyle/>
           <a:p>
             <a:r>
               <a:rPr lang="en-US" dirty="0" smtClean="0"/>
-              <a:t>Commodity </a:t>
-            </a:r>
-            <a:br>
-              <a:rPr lang="en-US" dirty="0" smtClean="0"/>
-            </a:br>
-            <a:r>
-              <a:rPr lang="en-US" dirty="0" smtClean="0"/>
-              <a:t>Hardware Virtualization</a:t>
-            </a:r>
+              <a:t>Dates back to 1972 with IBM VM/370</a:t>
+            </a:r>
+          </a:p>
+          <a:p>
+            <a:r>
+              <a:rPr lang="en-US" dirty="0" smtClean="0"/>
+              <a:t>Each user had a “virtual mainframe”</a:t>
+            </a:r>
+          </a:p>
+          <a:p>
+            <a:pPr lvl="1"/>
+            <a:r>
+              <a:rPr lang="en-US" dirty="0" smtClean="0"/>
+              <a:t>Including a virtual punch card reader and writer!</a:t>
+            </a:r>
+          </a:p>
+          <a:p>
+            <a:endParaRPr lang="en-US" dirty="0" smtClean="0"/>
+          </a:p>
+          <a:p>
             <a:endParaRPr lang="en-US" dirty="0"/>
           </a:p>
         </p:txBody>
@@ -16114,48 +16772,18 @@
         </p:blipFill>
         <p:spPr>
           <a:xfrm>
-            <a:off x="4144068" y="1417638"/>
-            <a:ext cx="4999932" cy="4962804"/>
+            <a:off x="4852920" y="3481974"/>
+            <a:ext cx="3752315" cy="2969689"/>
           </a:xfrm>
           <a:prstGeom prst="rect">
             <a:avLst/>
           </a:prstGeom>
         </p:spPr>
       </p:pic>
-      <p:sp>
-        <p:nvSpPr>
-          <p:cNvPr id="6" name="TextBox 5"/>
-          <p:cNvSpPr txBox="1"/>
-          <p:nvPr/>
-        </p:nvSpPr>
-        <p:spPr>
-          <a:xfrm>
-            <a:off x="1562958" y="2805308"/>
-            <a:ext cx="1120619" cy="646331"/>
-          </a:xfrm>
-          <a:prstGeom prst="rect">
-            <a:avLst/>
-          </a:prstGeom>
-          <a:noFill/>
-        </p:spPr>
-        <p:txBody>
-          <a:bodyPr wrap="none" rtlCol="0">
-            <a:spAutoFit/>
-          </a:bodyPr>
-          <a:lstStyle/>
-          <a:p>
-            <a:r>
-              <a:rPr lang="en-US" sz="3600" dirty="0" smtClean="0"/>
-              <a:t>1985</a:t>
-            </a:r>
-            <a:endParaRPr lang="en-US" sz="3600" dirty="0"/>
-          </a:p>
-        </p:txBody>
-      </p:sp>
     </p:spTree>
     <p:extLst>
       <p:ext uri="{BB962C8B-B14F-4D97-AF65-F5344CB8AC3E}">
-        <p14:creationId xmlns:p14="http://schemas.microsoft.com/office/powerpoint/2010/main" val="102620639"/>
+        <p14:creationId xmlns:p14="http://schemas.microsoft.com/office/powerpoint/2010/main" val="2542647064"/>
       </p:ext>
     </p:extLst>
   </p:cSld>
@@ -16194,12 +16822,21 @@
         </p:nvSpPr>
         <p:spPr/>
         <p:txBody>
-          <a:bodyPr/>
-          <a:lstStyle/>
-          <a:p>
-            <a:r>
-              <a:rPr lang="en-US" dirty="0" smtClean="0"/>
-              <a:t>Late 2005 / Early 2006</a:t>
+          <a:bodyPr>
+            <a:normAutofit fontScale="90000"/>
+          </a:bodyPr>
+          <a:lstStyle/>
+          <a:p>
+            <a:r>
+              <a:rPr lang="en-US" dirty="0" smtClean="0"/>
+              <a:t>Commodity </a:t>
+            </a:r>
+            <a:br>
+              <a:rPr lang="en-US" dirty="0" smtClean="0"/>
+            </a:br>
+            <a:r>
+              <a:rPr lang="en-US" dirty="0" smtClean="0"/>
+              <a:t>Hardware Virtualization</a:t>
             </a:r>
             <a:endParaRPr lang="en-US" dirty="0"/>
           </a:p>
@@ -16207,7 +16844,7 @@
       </p:sp>
       <p:pic>
         <p:nvPicPr>
-          <p:cNvPr id="4" name="Picture 3"/>
+          <p:cNvPr id="5" name="Picture 4"/>
           <p:cNvPicPr>
             <a:picLocks noChangeAspect="1"/>
           </p:cNvPicPr>
@@ -16221,32 +16858,8 @@
         </p:blipFill>
         <p:spPr>
           <a:xfrm>
-            <a:off x="350474" y="1636040"/>
-            <a:ext cx="3810000" cy="3810000"/>
-          </a:xfrm>
-          <a:prstGeom prst="rect">
-            <a:avLst/>
-          </a:prstGeom>
-        </p:spPr>
-      </p:pic>
-      <p:pic>
-        <p:nvPicPr>
-          <p:cNvPr id="5" name="Picture 4"/>
-          <p:cNvPicPr>
-            <a:picLocks noChangeAspect="1"/>
-          </p:cNvPicPr>
-          <p:nvPr/>
-        </p:nvPicPr>
-        <p:blipFill>
-          <a:blip r:embed="rId3"/>
-          <a:stretch>
-            <a:fillRect/>
-          </a:stretch>
-        </p:blipFill>
-        <p:spPr>
-          <a:xfrm>
-            <a:off x="4825452" y="1601854"/>
-            <a:ext cx="3861348" cy="3844186"/>
+            <a:off x="4144068" y="1417638"/>
+            <a:ext cx="4999932" cy="4962804"/>
           </a:xfrm>
           <a:prstGeom prst="rect">
             <a:avLst/>
@@ -16261,8 +16874,8 @@
         </p:nvSpPr>
         <p:spPr>
           <a:xfrm>
-            <a:off x="2051383" y="5446040"/>
-            <a:ext cx="859680" cy="523220"/>
+            <a:off x="1562958" y="2805308"/>
+            <a:ext cx="1120619" cy="646331"/>
           </a:xfrm>
           <a:prstGeom prst="rect">
             <a:avLst/>
@@ -16276,47 +16889,17 @@
           <a:lstStyle/>
           <a:p>
             <a:r>
-              <a:rPr lang="en-US" sz="2800" dirty="0" smtClean="0"/>
-              <a:t>VT-X</a:t>
-            </a:r>
-            <a:endParaRPr lang="en-US" sz="2800" dirty="0"/>
-          </a:p>
-        </p:txBody>
-      </p:sp>
-      <p:sp>
-        <p:nvSpPr>
-          <p:cNvPr id="7" name="TextBox 6"/>
-          <p:cNvSpPr txBox="1"/>
-          <p:nvPr/>
-        </p:nvSpPr>
-        <p:spPr>
-          <a:xfrm>
-            <a:off x="6236772" y="5446040"/>
-            <a:ext cx="1236236" cy="523220"/>
-          </a:xfrm>
-          <a:prstGeom prst="rect">
-            <a:avLst/>
-          </a:prstGeom>
-          <a:noFill/>
-        </p:spPr>
-        <p:txBody>
-          <a:bodyPr wrap="none" rtlCol="0">
-            <a:spAutoFit/>
-          </a:bodyPr>
-          <a:lstStyle/>
-          <a:p>
-            <a:r>
-              <a:rPr lang="en-US" sz="2800" dirty="0" smtClean="0"/>
-              <a:t>AMD-V</a:t>
-            </a:r>
-            <a:endParaRPr lang="en-US" sz="2800" dirty="0"/>
+              <a:rPr lang="en-US" sz="3600" dirty="0" smtClean="0"/>
+              <a:t>1985</a:t>
+            </a:r>
+            <a:endParaRPr lang="en-US" sz="3600" dirty="0"/>
           </a:p>
         </p:txBody>
       </p:sp>
     </p:spTree>
     <p:extLst>
       <p:ext uri="{BB962C8B-B14F-4D97-AF65-F5344CB8AC3E}">
-        <p14:creationId xmlns:p14="http://schemas.microsoft.com/office/powerpoint/2010/main" val="1991202265"/>
+        <p14:creationId xmlns:p14="http://schemas.microsoft.com/office/powerpoint/2010/main" val="102620639"/>
       </p:ext>
     </p:extLst>
   </p:cSld>
@@ -16360,82 +16943,124 @@
           <a:p>
             <a:r>
               <a:rPr lang="en-US" dirty="0" smtClean="0"/>
-              <a:t>Benefits of Virtualization</a:t>
+              <a:t>Late 2005 / Early 2006</a:t>
             </a:r>
             <a:endParaRPr lang="en-US" dirty="0"/>
           </a:p>
         </p:txBody>
       </p:sp>
-      <p:sp>
-        <p:nvSpPr>
-          <p:cNvPr id="3" name="Content Placeholder 2"/>
-          <p:cNvSpPr>
-            <a:spLocks noGrp="1"/>
-          </p:cNvSpPr>
-          <p:nvPr>
-            <p:ph idx="1"/>
-          </p:nvPr>
-        </p:nvSpPr>
-        <p:spPr/>
-        <p:txBody>
-          <a:bodyPr>
-            <a:normAutofit fontScale="92500"/>
+      <p:pic>
+        <p:nvPicPr>
+          <p:cNvPr id="4" name="Picture 3"/>
+          <p:cNvPicPr>
+            <a:picLocks noChangeAspect="1"/>
+          </p:cNvPicPr>
+          <p:nvPr/>
+        </p:nvPicPr>
+        <p:blipFill>
+          <a:blip r:embed="rId2"/>
+          <a:stretch>
+            <a:fillRect/>
+          </a:stretch>
+        </p:blipFill>
+        <p:spPr>
+          <a:xfrm>
+            <a:off x="350474" y="1636040"/>
+            <a:ext cx="3810000" cy="3810000"/>
+          </a:xfrm>
+          <a:prstGeom prst="rect">
+            <a:avLst/>
+          </a:prstGeom>
+        </p:spPr>
+      </p:pic>
+      <p:pic>
+        <p:nvPicPr>
+          <p:cNvPr id="5" name="Picture 4"/>
+          <p:cNvPicPr>
+            <a:picLocks noChangeAspect="1"/>
+          </p:cNvPicPr>
+          <p:nvPr/>
+        </p:nvPicPr>
+        <p:blipFill>
+          <a:blip r:embed="rId3"/>
+          <a:stretch>
+            <a:fillRect/>
+          </a:stretch>
+        </p:blipFill>
+        <p:spPr>
+          <a:xfrm>
+            <a:off x="4825452" y="1601854"/>
+            <a:ext cx="3861348" cy="3844186"/>
+          </a:xfrm>
+          <a:prstGeom prst="rect">
+            <a:avLst/>
+          </a:prstGeom>
+        </p:spPr>
+      </p:pic>
+      <p:sp>
+        <p:nvSpPr>
+          <p:cNvPr id="6" name="TextBox 5"/>
+          <p:cNvSpPr txBox="1"/>
+          <p:nvPr/>
+        </p:nvSpPr>
+        <p:spPr>
+          <a:xfrm>
+            <a:off x="2051383" y="5446040"/>
+            <a:ext cx="859680" cy="523220"/>
+          </a:xfrm>
+          <a:prstGeom prst="rect">
+            <a:avLst/>
+          </a:prstGeom>
+          <a:noFill/>
+        </p:spPr>
+        <p:txBody>
+          <a:bodyPr wrap="none" rtlCol="0">
+            <a:spAutoFit/>
           </a:bodyPr>
           <a:lstStyle/>
           <a:p>
             <a:r>
-              <a:rPr lang="en-US" dirty="0" err="1" smtClean="0"/>
-              <a:t>Replicability</a:t>
-            </a:r>
-            <a:endParaRPr lang="en-US" dirty="0" smtClean="0"/>
-          </a:p>
-          <a:p>
-            <a:pPr lvl="1"/>
-            <a:r>
-              <a:rPr lang="en-US" dirty="0" smtClean="0"/>
-              <a:t>Machines become repeatable images</a:t>
-            </a:r>
-          </a:p>
-          <a:p>
-            <a:pPr lvl="1"/>
-            <a:r>
-              <a:rPr lang="en-US" dirty="0" smtClean="0"/>
-              <a:t>Can be migrated, snapshotted, version controlled</a:t>
-            </a:r>
-          </a:p>
-          <a:p>
-            <a:r>
-              <a:rPr lang="en-US" dirty="0" smtClean="0"/>
-              <a:t>Better resource utilization</a:t>
-            </a:r>
-          </a:p>
-          <a:p>
-            <a:pPr lvl="1"/>
-            <a:r>
-              <a:rPr lang="en-US" dirty="0" smtClean="0"/>
-              <a:t>Most servers run at about 6-12% utilization </a:t>
-            </a:r>
-          </a:p>
-          <a:p>
-            <a:r>
-              <a:rPr lang="en-US" dirty="0" smtClean="0"/>
-              <a:t>Flexibility</a:t>
-            </a:r>
-          </a:p>
-          <a:p>
-            <a:pPr lvl="1"/>
-            <a:r>
-              <a:rPr lang="en-US" dirty="0" smtClean="0"/>
-              <a:t>New instances don’t necessarily require new hardware </a:t>
-            </a:r>
-            <a:endParaRPr lang="en-US" dirty="0"/>
+              <a:rPr lang="en-US" sz="2800" dirty="0" smtClean="0"/>
+              <a:t>VT-X</a:t>
+            </a:r>
+            <a:endParaRPr lang="en-US" sz="2800" dirty="0"/>
+          </a:p>
+        </p:txBody>
+      </p:sp>
+      <p:sp>
+        <p:nvSpPr>
+          <p:cNvPr id="7" name="TextBox 6"/>
+          <p:cNvSpPr txBox="1"/>
+          <p:nvPr/>
+        </p:nvSpPr>
+        <p:spPr>
+          <a:xfrm>
+            <a:off x="6236772" y="5446040"/>
+            <a:ext cx="1236236" cy="523220"/>
+          </a:xfrm>
+          <a:prstGeom prst="rect">
+            <a:avLst/>
+          </a:prstGeom>
+          <a:noFill/>
+        </p:spPr>
+        <p:txBody>
+          <a:bodyPr wrap="none" rtlCol="0">
+            <a:spAutoFit/>
+          </a:bodyPr>
+          <a:lstStyle/>
+          <a:p>
+            <a:r>
+              <a:rPr lang="en-US" sz="2800" dirty="0" smtClean="0"/>
+              <a:t>AMD-V</a:t>
+            </a:r>
+            <a:endParaRPr lang="en-US" sz="2800" dirty="0"/>
           </a:p>
         </p:txBody>
       </p:sp>
     </p:spTree>
     <p:extLst>
       <p:ext uri="{BB962C8B-B14F-4D97-AF65-F5344CB8AC3E}">
-        <p14:creationId xmlns:p14="http://schemas.microsoft.com/office/powerpoint/2010/main" val="212166309"/>
+        <p14:creationId xmlns:p14="http://schemas.microsoft.com/office/powerpoint/2010/main" val="1991202265"/>
       </p:ext>
     </p:extLst>
   </p:cSld>
@@ -16479,40 +17104,82 @@
           <a:p>
             <a:r>
               <a:rPr lang="en-US" dirty="0" smtClean="0"/>
-              <a:t>Grid Computing</a:t>
+              <a:t>Benefits of Virtualization</a:t>
             </a:r>
             <a:endParaRPr lang="en-US" dirty="0"/>
           </a:p>
         </p:txBody>
       </p:sp>
-      <p:pic>
-        <p:nvPicPr>
-          <p:cNvPr id="4" name="Picture 3"/>
-          <p:cNvPicPr>
-            <a:picLocks noChangeAspect="1"/>
-          </p:cNvPicPr>
-          <p:nvPr/>
-        </p:nvPicPr>
-        <p:blipFill>
-          <a:blip r:embed="rId2"/>
-          <a:stretch>
-            <a:fillRect/>
-          </a:stretch>
-        </p:blipFill>
-        <p:spPr>
-          <a:xfrm>
-            <a:off x="457200" y="1417638"/>
-            <a:ext cx="7503768" cy="4472112"/>
-          </a:xfrm>
-          <a:prstGeom prst="rect">
-            <a:avLst/>
-          </a:prstGeom>
-        </p:spPr>
-      </p:pic>
+      <p:sp>
+        <p:nvSpPr>
+          <p:cNvPr id="3" name="Content Placeholder 2"/>
+          <p:cNvSpPr>
+            <a:spLocks noGrp="1"/>
+          </p:cNvSpPr>
+          <p:nvPr>
+            <p:ph idx="1"/>
+          </p:nvPr>
+        </p:nvSpPr>
+        <p:spPr/>
+        <p:txBody>
+          <a:bodyPr>
+            <a:normAutofit fontScale="92500"/>
+          </a:bodyPr>
+          <a:lstStyle/>
+          <a:p>
+            <a:r>
+              <a:rPr lang="en-US" dirty="0" err="1" smtClean="0"/>
+              <a:t>Replicability</a:t>
+            </a:r>
+            <a:endParaRPr lang="en-US" dirty="0" smtClean="0"/>
+          </a:p>
+          <a:p>
+            <a:pPr lvl="1"/>
+            <a:r>
+              <a:rPr lang="en-US" dirty="0" smtClean="0"/>
+              <a:t>Machines become repeatable images</a:t>
+            </a:r>
+          </a:p>
+          <a:p>
+            <a:pPr lvl="1"/>
+            <a:r>
+              <a:rPr lang="en-US" dirty="0" smtClean="0"/>
+              <a:t>Can be migrated, snapshotted, version controlled</a:t>
+            </a:r>
+          </a:p>
+          <a:p>
+            <a:r>
+              <a:rPr lang="en-US" dirty="0" smtClean="0"/>
+              <a:t>Better resource utilization</a:t>
+            </a:r>
+          </a:p>
+          <a:p>
+            <a:pPr lvl="1"/>
+            <a:r>
+              <a:rPr lang="en-US" dirty="0" smtClean="0"/>
+              <a:t>Most servers run at about 6-12% utilization </a:t>
+            </a:r>
+          </a:p>
+          <a:p>
+            <a:r>
+              <a:rPr lang="en-US" dirty="0" smtClean="0"/>
+              <a:t>Flexibility</a:t>
+            </a:r>
+          </a:p>
+          <a:p>
+            <a:pPr lvl="1"/>
+            <a:r>
+              <a:rPr lang="en-US" dirty="0" smtClean="0"/>
+              <a:t>New instances don’t necessarily require new hardware </a:t>
+            </a:r>
+            <a:endParaRPr lang="en-US" dirty="0"/>
+          </a:p>
+        </p:txBody>
+      </p:sp>
     </p:spTree>
     <p:extLst>
       <p:ext uri="{BB962C8B-B14F-4D97-AF65-F5344CB8AC3E}">
-        <p14:creationId xmlns:p14="http://schemas.microsoft.com/office/powerpoint/2010/main" val="877194406"/>
+        <p14:creationId xmlns:p14="http://schemas.microsoft.com/office/powerpoint/2010/main" val="212166309"/>
       </p:ext>
     </p:extLst>
   </p:cSld>

--- a/pres-source/03-cloud-computing-background.pptx
+++ b/pres-source/03-cloud-computing-background.pptx
@@ -4242,7 +4242,7 @@
                 <a:ea typeface="ヒラギノ角ゴ ProN W3" charset="0"/>
                 <a:cs typeface="ヒラギノ角ゴ ProN W3" charset="0"/>
               </a:rPr>
-              <a:t>July 2017</a:t>
+              <a:t>Sept 2017</a:t>
             </a:r>
             <a:endParaRPr lang="en-US" dirty="0">
               <a:ea typeface="ヒラギノ角ゴ ProN W3" charset="0"/>

--- a/pres-source/03-cloud-computing-background.pptx
+++ b/pres-source/03-cloud-computing-background.pptx
@@ -243,7 +243,7 @@
             <a:fld id="{7307762F-A706-E543-A832-3C298AA3103F}" type="datetimeFigureOut">
               <a:rPr lang="en-US" smtClean="0"/>
               <a:pPr/>
-              <a:t>22/08/17</a:t>
+              <a:t>18/07/18</a:t>
             </a:fld>
             <a:endParaRPr lang="en-US" dirty="0"/>
           </a:p>
@@ -1044,7 +1044,7 @@
           <a:p>
             <a:fld id="{875CF0EB-321F-0749-B37A-89BBA859503C}" type="datetimeFigureOut">
               <a:rPr lang="en-US" smtClean="0"/>
-              <a:t>22/08/17</a:t>
+              <a:t>18/07/18</a:t>
             </a:fld>
             <a:endParaRPr lang="en-US"/>
           </a:p>
@@ -1248,7 +1248,7 @@
           <a:p>
             <a:fld id="{875CF0EB-321F-0749-B37A-89BBA859503C}" type="datetimeFigureOut">
               <a:rPr lang="en-US" smtClean="0"/>
-              <a:t>22/08/17</a:t>
+              <a:t>18/07/18</a:t>
             </a:fld>
             <a:endParaRPr lang="en-US"/>
           </a:p>
@@ -1442,7 +1442,7 @@
           <a:p>
             <a:fld id="{875CF0EB-321F-0749-B37A-89BBA859503C}" type="datetimeFigureOut">
               <a:rPr lang="en-US" smtClean="0"/>
-              <a:t>22/08/17</a:t>
+              <a:t>18/07/18</a:t>
             </a:fld>
             <a:endParaRPr lang="en-US"/>
           </a:p>
@@ -1712,7 +1712,7 @@
           <a:p>
             <a:fld id="{875CF0EB-321F-0749-B37A-89BBA859503C}" type="datetimeFigureOut">
               <a:rPr lang="en-US" smtClean="0"/>
-              <a:t>22/08/17</a:t>
+              <a:t>18/07/18</a:t>
             </a:fld>
             <a:endParaRPr lang="en-US"/>
           </a:p>
@@ -2024,7 +2024,7 @@
           <a:p>
             <a:fld id="{875CF0EB-321F-0749-B37A-89BBA859503C}" type="datetimeFigureOut">
               <a:rPr lang="en-US" smtClean="0"/>
-              <a:t>22/08/17</a:t>
+              <a:t>18/07/18</a:t>
             </a:fld>
             <a:endParaRPr lang="en-US"/>
           </a:p>
@@ -2470,7 +2470,7 @@
           <a:p>
             <a:fld id="{875CF0EB-321F-0749-B37A-89BBA859503C}" type="datetimeFigureOut">
               <a:rPr lang="en-US" smtClean="0"/>
-              <a:t>22/08/17</a:t>
+              <a:t>18/07/18</a:t>
             </a:fld>
             <a:endParaRPr lang="en-US"/>
           </a:p>
@@ -2612,7 +2612,7 @@
           <a:p>
             <a:fld id="{875CF0EB-321F-0749-B37A-89BBA859503C}" type="datetimeFigureOut">
               <a:rPr lang="en-US" smtClean="0"/>
-              <a:t>22/08/17</a:t>
+              <a:t>18/07/18</a:t>
             </a:fld>
             <a:endParaRPr lang="en-US"/>
           </a:p>
@@ -2731,7 +2731,7 @@
           <a:p>
             <a:fld id="{875CF0EB-321F-0749-B37A-89BBA859503C}" type="datetimeFigureOut">
               <a:rPr lang="en-US" smtClean="0"/>
-              <a:t>22/08/17</a:t>
+              <a:t>18/07/18</a:t>
             </a:fld>
             <a:endParaRPr lang="en-US"/>
           </a:p>
@@ -3032,7 +3032,7 @@
           <a:p>
             <a:fld id="{875CF0EB-321F-0749-B37A-89BBA859503C}" type="datetimeFigureOut">
               <a:rPr lang="en-US" smtClean="0"/>
-              <a:t>22/08/17</a:t>
+              <a:t>18/07/18</a:t>
             </a:fld>
             <a:endParaRPr lang="en-US"/>
           </a:p>
@@ -3309,7 +3309,7 @@
           <a:p>
             <a:fld id="{875CF0EB-321F-0749-B37A-89BBA859503C}" type="datetimeFigureOut">
               <a:rPr lang="en-US" smtClean="0"/>
-              <a:t>22/08/17</a:t>
+              <a:t>18/07/18</a:t>
             </a:fld>
             <a:endParaRPr lang="en-US"/>
           </a:p>
@@ -4242,7 +4242,7 @@
                 <a:ea typeface="ヒラギノ角ゴ ProN W3" charset="0"/>
                 <a:cs typeface="ヒラギノ角ゴ ProN W3" charset="0"/>
               </a:rPr>
-              <a:t>Sept 2017</a:t>
+              <a:t>July 2018</a:t>
             </a:r>
             <a:endParaRPr lang="en-US" dirty="0">
               <a:ea typeface="ヒラギノ角ゴ ProN W3" charset="0"/>

--- a/pres-source/03-cloud-computing-background.pptx
+++ b/pres-source/03-cloud-computing-background.pptx
@@ -55,21 +55,22 @@
     <p:sldId id="300" r:id="rId50"/>
     <p:sldId id="301" r:id="rId51"/>
     <p:sldId id="302" r:id="rId52"/>
+    <p:sldId id="303" r:id="rId53"/>
   </p:sldIdLst>
   <p:sldSz cy="6858000" cx="9144000"/>
   <p:notesSz cx="6858000" cy="9144000"/>
   <p:embeddedFontLst>
     <p:embeddedFont>
       <p:font typeface="Montserrat"/>
-      <p:regular r:id="rId53"/>
-      <p:bold r:id="rId54"/>
-      <p:italic r:id="rId55"/>
-      <p:boldItalic r:id="rId56"/>
+      <p:regular r:id="rId54"/>
+      <p:bold r:id="rId55"/>
+      <p:italic r:id="rId56"/>
+      <p:boldItalic r:id="rId57"/>
     </p:embeddedFont>
     <p:embeddedFont>
       <p:font typeface="Gill Sans"/>
-      <p:regular r:id="rId57"/>
-      <p:bold r:id="rId58"/>
+      <p:regular r:id="rId58"/>
+      <p:bold r:id="rId59"/>
     </p:embeddedFont>
   </p:embeddedFontLst>
   <p:defaultTextStyle>
@@ -2854,46 +2855,7 @@
       </p:grpSpPr>
       <p:sp>
         <p:nvSpPr>
-          <p:cNvPr id="251" name="Google Shape;251;p21:notes"/>
-          <p:cNvSpPr txBox="1"/>
-          <p:nvPr>
-            <p:ph idx="1" type="body"/>
-          </p:nvPr>
-        </p:nvSpPr>
-        <p:spPr>
-          <a:xfrm>
-            <a:off x="685800" y="4343400"/>
-            <a:ext cx="5486400" cy="4114800"/>
-          </a:xfrm>
-          <a:prstGeom prst="rect">
-            <a:avLst/>
-          </a:prstGeom>
-        </p:spPr>
-        <p:txBody>
-          <a:bodyPr anchorCtr="0" anchor="t" bIns="45700" lIns="91425" spcFirstLastPara="1" rIns="91425" wrap="square" tIns="45700">
-            <a:noAutofit/>
-          </a:bodyPr>
-          <a:lstStyle/>
-          <a:p>
-            <a:pPr indent="0" lvl="0" marL="0" rtl="0" algn="l">
-              <a:spcBef>
-                <a:spcPts val="0"/>
-              </a:spcBef>
-              <a:spcAft>
-                <a:spcPts val="0"/>
-              </a:spcAft>
-              <a:buNone/>
-            </a:pPr>
-            <a:r>
-              <a:t/>
-            </a:r>
-            <a:endParaRPr/>
-          </a:p>
-        </p:txBody>
-      </p:sp>
-      <p:sp>
-        <p:nvSpPr>
-          <p:cNvPr id="252" name="Google Shape;252;p21:notes"/>
+          <p:cNvPr id="251" name="Google Shape;251;g5cc67711ed_0_0:notes"/>
           <p:cNvSpPr/>
           <p:nvPr>
             <p:ph idx="2" type="sldImg"/>
@@ -2926,6 +2888,89 @@
           </a:custGeom>
         </p:spPr>
       </p:sp>
+      <p:sp>
+        <p:nvSpPr>
+          <p:cNvPr id="252" name="Google Shape;252;g5cc67711ed_0_0:notes"/>
+          <p:cNvSpPr txBox="1"/>
+          <p:nvPr>
+            <p:ph idx="1" type="body"/>
+          </p:nvPr>
+        </p:nvSpPr>
+        <p:spPr>
+          <a:xfrm>
+            <a:off x="685800" y="4343400"/>
+            <a:ext cx="5486400" cy="4114800"/>
+          </a:xfrm>
+          <a:prstGeom prst="rect">
+            <a:avLst/>
+          </a:prstGeom>
+        </p:spPr>
+        <p:txBody>
+          <a:bodyPr anchorCtr="0" anchor="t" bIns="45700" lIns="91425" spcFirstLastPara="1" rIns="91425" wrap="square" tIns="45700">
+            <a:noAutofit/>
+          </a:bodyPr>
+          <a:lstStyle/>
+          <a:p>
+            <a:pPr indent="0" lvl="0" marL="0" rtl="0" algn="l">
+              <a:spcBef>
+                <a:spcPts val="0"/>
+              </a:spcBef>
+              <a:spcAft>
+                <a:spcPts val="0"/>
+              </a:spcAft>
+              <a:buNone/>
+            </a:pPr>
+            <a:r>
+              <a:t/>
+            </a:r>
+            <a:endParaRPr/>
+          </a:p>
+        </p:txBody>
+      </p:sp>
+      <p:sp>
+        <p:nvSpPr>
+          <p:cNvPr id="253" name="Google Shape;253;g5cc67711ed_0_0:notes"/>
+          <p:cNvSpPr txBox="1"/>
+          <p:nvPr>
+            <p:ph idx="12" type="sldNum"/>
+          </p:nvPr>
+        </p:nvSpPr>
+        <p:spPr>
+          <a:xfrm>
+            <a:off x="3884613" y="8685213"/>
+            <a:ext cx="2971800" cy="457200"/>
+          </a:xfrm>
+          <a:prstGeom prst="rect">
+            <a:avLst/>
+          </a:prstGeom>
+        </p:spPr>
+        <p:txBody>
+          <a:bodyPr anchorCtr="0" anchor="b" bIns="45700" lIns="91425" spcFirstLastPara="1" rIns="91425" wrap="square" tIns="45700">
+            <a:noAutofit/>
+          </a:bodyPr>
+          <a:lstStyle/>
+          <a:p>
+            <a:pPr indent="0" lvl="0" marL="0" rtl="0" algn="r">
+              <a:spcBef>
+                <a:spcPts val="0"/>
+              </a:spcBef>
+              <a:spcAft>
+                <a:spcPts val="0"/>
+              </a:spcAft>
+              <a:buClr>
+                <a:srgbClr val="000000"/>
+              </a:buClr>
+              <a:buFont typeface="Arial"/>
+              <a:buNone/>
+            </a:pPr>
+            <a:fld id="{00000000-1234-1234-1234-123412341234}" type="slidenum">
+              <a:rPr lang="en-US"/>
+              <a:t>‹#›</a:t>
+            </a:fld>
+            <a:endParaRPr/>
+          </a:p>
+        </p:txBody>
+      </p:sp>
     </p:spTree>
   </p:cSld>
   <p:clrMapOvr>
@@ -2939,7 +2984,7 @@
   <p:cSld>
     <p:spTree>
       <p:nvGrpSpPr>
-        <p:cNvPr id="268" name="Shape 268"/>
+        <p:cNvPr id="257" name="Shape 257"/>
         <p:cNvGrpSpPr/>
         <p:nvPr/>
       </p:nvGrpSpPr>
@@ -2953,7 +2998,7 @@
       </p:grpSpPr>
       <p:sp>
         <p:nvSpPr>
-          <p:cNvPr id="269" name="Google Shape;269;p22:notes"/>
+          <p:cNvPr id="258" name="Google Shape;258;p21:notes"/>
           <p:cNvSpPr txBox="1"/>
           <p:nvPr>
             <p:ph idx="1" type="body"/>
@@ -2992,7 +3037,7 @@
       </p:sp>
       <p:sp>
         <p:nvSpPr>
-          <p:cNvPr id="270" name="Google Shape;270;p22:notes"/>
+          <p:cNvPr id="259" name="Google Shape;259;p21:notes"/>
           <p:cNvSpPr/>
           <p:nvPr>
             <p:ph idx="2" type="sldImg"/>
@@ -3038,7 +3083,7 @@
   <p:cSld>
     <p:spTree>
       <p:nvGrpSpPr>
-        <p:cNvPr id="276" name="Shape 276"/>
+        <p:cNvPr id="275" name="Shape 275"/>
         <p:cNvGrpSpPr/>
         <p:nvPr/>
       </p:nvGrpSpPr>
@@ -3052,7 +3097,7 @@
       </p:grpSpPr>
       <p:sp>
         <p:nvSpPr>
-          <p:cNvPr id="277" name="Google Shape;277;p23:notes"/>
+          <p:cNvPr id="276" name="Google Shape;276;p22:notes"/>
           <p:cNvSpPr txBox="1"/>
           <p:nvPr>
             <p:ph idx="1" type="body"/>
@@ -3091,7 +3136,7 @@
       </p:sp>
       <p:sp>
         <p:nvSpPr>
-          <p:cNvPr id="278" name="Google Shape;278;p23:notes"/>
+          <p:cNvPr id="277" name="Google Shape;277;p22:notes"/>
           <p:cNvSpPr/>
           <p:nvPr>
             <p:ph idx="2" type="sldImg"/>
@@ -3137,7 +3182,7 @@
   <p:cSld>
     <p:spTree>
       <p:nvGrpSpPr>
-        <p:cNvPr id="294" name="Shape 294"/>
+        <p:cNvPr id="283" name="Shape 283"/>
         <p:cNvGrpSpPr/>
         <p:nvPr/>
       </p:nvGrpSpPr>
@@ -3151,7 +3196,7 @@
       </p:grpSpPr>
       <p:sp>
         <p:nvSpPr>
-          <p:cNvPr id="295" name="Google Shape;295;p24:notes"/>
+          <p:cNvPr id="284" name="Google Shape;284;p23:notes"/>
           <p:cNvSpPr txBox="1"/>
           <p:nvPr>
             <p:ph idx="1" type="body"/>
@@ -3190,7 +3235,7 @@
       </p:sp>
       <p:sp>
         <p:nvSpPr>
-          <p:cNvPr id="296" name="Google Shape;296;p24:notes"/>
+          <p:cNvPr id="285" name="Google Shape;285;p23:notes"/>
           <p:cNvSpPr/>
           <p:nvPr>
             <p:ph idx="2" type="sldImg"/>
@@ -3236,7 +3281,7 @@
   <p:cSld>
     <p:spTree>
       <p:nvGrpSpPr>
-        <p:cNvPr id="319" name="Shape 319"/>
+        <p:cNvPr id="301" name="Shape 301"/>
         <p:cNvGrpSpPr/>
         <p:nvPr/>
       </p:nvGrpSpPr>
@@ -3250,7 +3295,7 @@
       </p:grpSpPr>
       <p:sp>
         <p:nvSpPr>
-          <p:cNvPr id="320" name="Google Shape;320;p25:notes"/>
+          <p:cNvPr id="302" name="Google Shape;302;p24:notes"/>
           <p:cNvSpPr txBox="1"/>
           <p:nvPr>
             <p:ph idx="1" type="body"/>
@@ -3289,7 +3334,7 @@
       </p:sp>
       <p:sp>
         <p:nvSpPr>
-          <p:cNvPr id="321" name="Google Shape;321;p25:notes"/>
+          <p:cNvPr id="303" name="Google Shape;303;p24:notes"/>
           <p:cNvSpPr/>
           <p:nvPr>
             <p:ph idx="2" type="sldImg"/>
@@ -3335,7 +3380,7 @@
   <p:cSld>
     <p:spTree>
       <p:nvGrpSpPr>
-        <p:cNvPr id="325" name="Shape 325"/>
+        <p:cNvPr id="326" name="Shape 326"/>
         <p:cNvGrpSpPr/>
         <p:nvPr/>
       </p:nvGrpSpPr>
@@ -3349,7 +3394,7 @@
       </p:grpSpPr>
       <p:sp>
         <p:nvSpPr>
-          <p:cNvPr id="326" name="Google Shape;326;p26:notes"/>
+          <p:cNvPr id="327" name="Google Shape;327;p25:notes"/>
           <p:cNvSpPr txBox="1"/>
           <p:nvPr>
             <p:ph idx="1" type="body"/>
@@ -3388,7 +3433,7 @@
       </p:sp>
       <p:sp>
         <p:nvSpPr>
-          <p:cNvPr id="327" name="Google Shape;327;p26:notes"/>
+          <p:cNvPr id="328" name="Google Shape;328;p25:notes"/>
           <p:cNvSpPr/>
           <p:nvPr>
             <p:ph idx="2" type="sldImg"/>
@@ -3434,7 +3479,7 @@
   <p:cSld>
     <p:spTree>
       <p:nvGrpSpPr>
-        <p:cNvPr id="353" name="Shape 353"/>
+        <p:cNvPr id="332" name="Shape 332"/>
         <p:cNvGrpSpPr/>
         <p:nvPr/>
       </p:nvGrpSpPr>
@@ -3448,7 +3493,7 @@
       </p:grpSpPr>
       <p:sp>
         <p:nvSpPr>
-          <p:cNvPr id="354" name="Google Shape;354;p27:notes"/>
+          <p:cNvPr id="333" name="Google Shape;333;p26:notes"/>
           <p:cNvSpPr txBox="1"/>
           <p:nvPr>
             <p:ph idx="1" type="body"/>
@@ -3487,7 +3532,7 @@
       </p:sp>
       <p:sp>
         <p:nvSpPr>
-          <p:cNvPr id="355" name="Google Shape;355;p27:notes"/>
+          <p:cNvPr id="334" name="Google Shape;334;p26:notes"/>
           <p:cNvSpPr/>
           <p:nvPr>
             <p:ph idx="2" type="sldImg"/>
@@ -3533,7 +3578,7 @@
   <p:cSld>
     <p:spTree>
       <p:nvGrpSpPr>
-        <p:cNvPr id="359" name="Shape 359"/>
+        <p:cNvPr id="360" name="Shape 360"/>
         <p:cNvGrpSpPr/>
         <p:nvPr/>
       </p:nvGrpSpPr>
@@ -3547,7 +3592,7 @@
       </p:grpSpPr>
       <p:sp>
         <p:nvSpPr>
-          <p:cNvPr id="360" name="Google Shape;360;p28:notes"/>
+          <p:cNvPr id="361" name="Google Shape;361;p27:notes"/>
           <p:cNvSpPr txBox="1"/>
           <p:nvPr>
             <p:ph idx="1" type="body"/>
@@ -3586,7 +3631,7 @@
       </p:sp>
       <p:sp>
         <p:nvSpPr>
-          <p:cNvPr id="361" name="Google Shape;361;p28:notes"/>
+          <p:cNvPr id="362" name="Google Shape;362;p27:notes"/>
           <p:cNvSpPr/>
           <p:nvPr>
             <p:ph idx="2" type="sldImg"/>
@@ -3632,7 +3677,7 @@
   <p:cSld>
     <p:spTree>
       <p:nvGrpSpPr>
-        <p:cNvPr id="365" name="Shape 365"/>
+        <p:cNvPr id="366" name="Shape 366"/>
         <p:cNvGrpSpPr/>
         <p:nvPr/>
       </p:nvGrpSpPr>
@@ -3646,7 +3691,7 @@
       </p:grpSpPr>
       <p:sp>
         <p:nvSpPr>
-          <p:cNvPr id="366" name="Google Shape;366;p29:notes"/>
+          <p:cNvPr id="367" name="Google Shape;367;p28:notes"/>
           <p:cNvSpPr txBox="1"/>
           <p:nvPr>
             <p:ph idx="1" type="body"/>
@@ -3685,7 +3730,7 @@
       </p:sp>
       <p:sp>
         <p:nvSpPr>
-          <p:cNvPr id="367" name="Google Shape;367;p29:notes"/>
+          <p:cNvPr id="368" name="Google Shape;368;p28:notes"/>
           <p:cNvSpPr/>
           <p:nvPr>
             <p:ph idx="2" type="sldImg"/>
@@ -3830,7 +3875,7 @@
   <p:cSld>
     <p:spTree>
       <p:nvGrpSpPr>
-        <p:cNvPr id="390" name="Shape 390"/>
+        <p:cNvPr id="372" name="Shape 372"/>
         <p:cNvGrpSpPr/>
         <p:nvPr/>
       </p:nvGrpSpPr>
@@ -3844,7 +3889,7 @@
       </p:grpSpPr>
       <p:sp>
         <p:nvSpPr>
-          <p:cNvPr id="391" name="Google Shape;391;p30:notes"/>
+          <p:cNvPr id="373" name="Google Shape;373;p29:notes"/>
           <p:cNvSpPr txBox="1"/>
           <p:nvPr>
             <p:ph idx="1" type="body"/>
@@ -3883,7 +3928,7 @@
       </p:sp>
       <p:sp>
         <p:nvSpPr>
-          <p:cNvPr id="392" name="Google Shape;392;p30:notes"/>
+          <p:cNvPr id="374" name="Google Shape;374;p29:notes"/>
           <p:cNvSpPr/>
           <p:nvPr>
             <p:ph idx="2" type="sldImg"/>
@@ -3929,7 +3974,7 @@
   <p:cSld>
     <p:spTree>
       <p:nvGrpSpPr>
-        <p:cNvPr id="413" name="Shape 413"/>
+        <p:cNvPr id="397" name="Shape 397"/>
         <p:cNvGrpSpPr/>
         <p:nvPr/>
       </p:nvGrpSpPr>
@@ -3943,7 +3988,7 @@
       </p:grpSpPr>
       <p:sp>
         <p:nvSpPr>
-          <p:cNvPr id="414" name="Google Shape;414;p31:notes"/>
+          <p:cNvPr id="398" name="Google Shape;398;p30:notes"/>
           <p:cNvSpPr txBox="1"/>
           <p:nvPr>
             <p:ph idx="1" type="body"/>
@@ -3982,7 +4027,7 @@
       </p:sp>
       <p:sp>
         <p:nvSpPr>
-          <p:cNvPr id="415" name="Google Shape;415;p31:notes"/>
+          <p:cNvPr id="399" name="Google Shape;399;p30:notes"/>
           <p:cNvSpPr/>
           <p:nvPr>
             <p:ph idx="2" type="sldImg"/>
@@ -4028,7 +4073,7 @@
   <p:cSld>
     <p:spTree>
       <p:nvGrpSpPr>
-        <p:cNvPr id="444" name="Shape 444"/>
+        <p:cNvPr id="420" name="Shape 420"/>
         <p:cNvGrpSpPr/>
         <p:nvPr/>
       </p:nvGrpSpPr>
@@ -4042,7 +4087,7 @@
       </p:grpSpPr>
       <p:sp>
         <p:nvSpPr>
-          <p:cNvPr id="445" name="Google Shape;445;p32:notes"/>
+          <p:cNvPr id="421" name="Google Shape;421;p31:notes"/>
           <p:cNvSpPr txBox="1"/>
           <p:nvPr>
             <p:ph idx="1" type="body"/>
@@ -4081,7 +4126,7 @@
       </p:sp>
       <p:sp>
         <p:nvSpPr>
-          <p:cNvPr id="446" name="Google Shape;446;p32:notes"/>
+          <p:cNvPr id="422" name="Google Shape;422;p31:notes"/>
           <p:cNvSpPr/>
           <p:nvPr>
             <p:ph idx="2" type="sldImg"/>
@@ -4127,7 +4172,7 @@
   <p:cSld>
     <p:spTree>
       <p:nvGrpSpPr>
-        <p:cNvPr id="450" name="Shape 450"/>
+        <p:cNvPr id="451" name="Shape 451"/>
         <p:cNvGrpSpPr/>
         <p:nvPr/>
       </p:nvGrpSpPr>
@@ -4141,7 +4186,7 @@
       </p:grpSpPr>
       <p:sp>
         <p:nvSpPr>
-          <p:cNvPr id="451" name="Google Shape;451;p33:notes"/>
+          <p:cNvPr id="452" name="Google Shape;452;p32:notes"/>
           <p:cNvSpPr txBox="1"/>
           <p:nvPr>
             <p:ph idx="1" type="body"/>
@@ -4180,7 +4225,7 @@
       </p:sp>
       <p:sp>
         <p:nvSpPr>
-          <p:cNvPr id="452" name="Google Shape;452;p33:notes"/>
+          <p:cNvPr id="453" name="Google Shape;453;p32:notes"/>
           <p:cNvSpPr/>
           <p:nvPr>
             <p:ph idx="2" type="sldImg"/>
@@ -4226,7 +4271,7 @@
   <p:cSld>
     <p:spTree>
       <p:nvGrpSpPr>
-        <p:cNvPr id="456" name="Shape 456"/>
+        <p:cNvPr id="457" name="Shape 457"/>
         <p:cNvGrpSpPr/>
         <p:nvPr/>
       </p:nvGrpSpPr>
@@ -4240,7 +4285,7 @@
       </p:grpSpPr>
       <p:sp>
         <p:nvSpPr>
-          <p:cNvPr id="457" name="Google Shape;457;p34:notes"/>
+          <p:cNvPr id="458" name="Google Shape;458;p33:notes"/>
           <p:cNvSpPr txBox="1"/>
           <p:nvPr>
             <p:ph idx="1" type="body"/>
@@ -4279,7 +4324,7 @@
       </p:sp>
       <p:sp>
         <p:nvSpPr>
-          <p:cNvPr id="458" name="Google Shape;458;p34:notes"/>
+          <p:cNvPr id="459" name="Google Shape;459;p33:notes"/>
           <p:cNvSpPr/>
           <p:nvPr>
             <p:ph idx="2" type="sldImg"/>
@@ -4325,7 +4370,7 @@
   <p:cSld>
     <p:spTree>
       <p:nvGrpSpPr>
-        <p:cNvPr id="464" name="Shape 464"/>
+        <p:cNvPr id="463" name="Shape 463"/>
         <p:cNvGrpSpPr/>
         <p:nvPr/>
       </p:nvGrpSpPr>
@@ -4339,7 +4384,7 @@
       </p:grpSpPr>
       <p:sp>
         <p:nvSpPr>
-          <p:cNvPr id="465" name="Google Shape;465;p35:notes"/>
+          <p:cNvPr id="464" name="Google Shape;464;p34:notes"/>
           <p:cNvSpPr txBox="1"/>
           <p:nvPr>
             <p:ph idx="1" type="body"/>
@@ -4378,7 +4423,7 @@
       </p:sp>
       <p:sp>
         <p:nvSpPr>
-          <p:cNvPr id="466" name="Google Shape;466;p35:notes"/>
+          <p:cNvPr id="465" name="Google Shape;465;p34:notes"/>
           <p:cNvSpPr/>
           <p:nvPr>
             <p:ph idx="2" type="sldImg"/>
@@ -4424,7 +4469,7 @@
   <p:cSld>
     <p:spTree>
       <p:nvGrpSpPr>
-        <p:cNvPr id="477" name="Shape 477"/>
+        <p:cNvPr id="471" name="Shape 471"/>
         <p:cNvGrpSpPr/>
         <p:nvPr/>
       </p:nvGrpSpPr>
@@ -4438,7 +4483,7 @@
       </p:grpSpPr>
       <p:sp>
         <p:nvSpPr>
-          <p:cNvPr id="478" name="Google Shape;478;p36:notes"/>
+          <p:cNvPr id="472" name="Google Shape;472;p35:notes"/>
           <p:cNvSpPr txBox="1"/>
           <p:nvPr>
             <p:ph idx="1" type="body"/>
@@ -4477,7 +4522,7 @@
       </p:sp>
       <p:sp>
         <p:nvSpPr>
-          <p:cNvPr id="479" name="Google Shape;479;p36:notes"/>
+          <p:cNvPr id="473" name="Google Shape;473;p35:notes"/>
           <p:cNvSpPr/>
           <p:nvPr>
             <p:ph idx="2" type="sldImg"/>
@@ -4523,7 +4568,7 @@
   <p:cSld>
     <p:spTree>
       <p:nvGrpSpPr>
-        <p:cNvPr id="491" name="Shape 491"/>
+        <p:cNvPr id="484" name="Shape 484"/>
         <p:cNvGrpSpPr/>
         <p:nvPr/>
       </p:nvGrpSpPr>
@@ -4537,7 +4582,7 @@
       </p:grpSpPr>
       <p:sp>
         <p:nvSpPr>
-          <p:cNvPr id="492" name="Google Shape;492;p37:notes"/>
+          <p:cNvPr id="485" name="Google Shape;485;p36:notes"/>
           <p:cNvSpPr txBox="1"/>
           <p:nvPr>
             <p:ph idx="1" type="body"/>
@@ -4576,7 +4621,7 @@
       </p:sp>
       <p:sp>
         <p:nvSpPr>
-          <p:cNvPr id="493" name="Google Shape;493;p37:notes"/>
+          <p:cNvPr id="486" name="Google Shape;486;p36:notes"/>
           <p:cNvSpPr/>
           <p:nvPr>
             <p:ph idx="2" type="sldImg"/>
@@ -4622,7 +4667,7 @@
   <p:cSld>
     <p:spTree>
       <p:nvGrpSpPr>
-        <p:cNvPr id="497" name="Shape 497"/>
+        <p:cNvPr id="498" name="Shape 498"/>
         <p:cNvGrpSpPr/>
         <p:nvPr/>
       </p:nvGrpSpPr>
@@ -4636,7 +4681,7 @@
       </p:grpSpPr>
       <p:sp>
         <p:nvSpPr>
-          <p:cNvPr id="498" name="Google Shape;498;p38:notes"/>
+          <p:cNvPr id="499" name="Google Shape;499;p37:notes"/>
           <p:cNvSpPr txBox="1"/>
           <p:nvPr>
             <p:ph idx="1" type="body"/>
@@ -4675,7 +4720,7 @@
       </p:sp>
       <p:sp>
         <p:nvSpPr>
-          <p:cNvPr id="499" name="Google Shape;499;p38:notes"/>
+          <p:cNvPr id="500" name="Google Shape;500;p37:notes"/>
           <p:cNvSpPr/>
           <p:nvPr>
             <p:ph idx="2" type="sldImg"/>
@@ -4721,7 +4766,7 @@
   <p:cSld>
     <p:spTree>
       <p:nvGrpSpPr>
-        <p:cNvPr id="503" name="Shape 503"/>
+        <p:cNvPr id="504" name="Shape 504"/>
         <p:cNvGrpSpPr/>
         <p:nvPr/>
       </p:nvGrpSpPr>
@@ -4735,7 +4780,7 @@
       </p:grpSpPr>
       <p:sp>
         <p:nvSpPr>
-          <p:cNvPr id="504" name="Google Shape;504;p39:notes"/>
+          <p:cNvPr id="505" name="Google Shape;505;p38:notes"/>
           <p:cNvSpPr txBox="1"/>
           <p:nvPr>
             <p:ph idx="1" type="body"/>
@@ -4774,7 +4819,7 @@
       </p:sp>
       <p:sp>
         <p:nvSpPr>
-          <p:cNvPr id="505" name="Google Shape;505;p39:notes"/>
+          <p:cNvPr id="506" name="Google Shape;506;p38:notes"/>
           <p:cNvSpPr/>
           <p:nvPr>
             <p:ph idx="2" type="sldImg"/>
@@ -4919,7 +4964,7 @@
   <p:cSld>
     <p:spTree>
       <p:nvGrpSpPr>
-        <p:cNvPr id="509" name="Shape 509"/>
+        <p:cNvPr id="510" name="Shape 510"/>
         <p:cNvGrpSpPr/>
         <p:nvPr/>
       </p:nvGrpSpPr>
@@ -4933,7 +4978,7 @@
       </p:grpSpPr>
       <p:sp>
         <p:nvSpPr>
-          <p:cNvPr id="510" name="Google Shape;510;p40:notes"/>
+          <p:cNvPr id="511" name="Google Shape;511;p39:notes"/>
           <p:cNvSpPr txBox="1"/>
           <p:nvPr>
             <p:ph idx="1" type="body"/>
@@ -4972,7 +5017,7 @@
       </p:sp>
       <p:sp>
         <p:nvSpPr>
-          <p:cNvPr id="511" name="Google Shape;511;p40:notes"/>
+          <p:cNvPr id="512" name="Google Shape;512;p39:notes"/>
           <p:cNvSpPr/>
           <p:nvPr>
             <p:ph idx="2" type="sldImg"/>
@@ -5018,7 +5063,7 @@
   <p:cSld>
     <p:spTree>
       <p:nvGrpSpPr>
-        <p:cNvPr id="515" name="Shape 515"/>
+        <p:cNvPr id="516" name="Shape 516"/>
         <p:cNvGrpSpPr/>
         <p:nvPr/>
       </p:nvGrpSpPr>
@@ -5032,7 +5077,7 @@
       </p:grpSpPr>
       <p:sp>
         <p:nvSpPr>
-          <p:cNvPr id="516" name="Google Shape;516;p41:notes"/>
+          <p:cNvPr id="517" name="Google Shape;517;p40:notes"/>
           <p:cNvSpPr txBox="1"/>
           <p:nvPr>
             <p:ph idx="1" type="body"/>
@@ -5071,7 +5116,7 @@
       </p:sp>
       <p:sp>
         <p:nvSpPr>
-          <p:cNvPr id="517" name="Google Shape;517;p41:notes"/>
+          <p:cNvPr id="518" name="Google Shape;518;p40:notes"/>
           <p:cNvSpPr/>
           <p:nvPr>
             <p:ph idx="2" type="sldImg"/>
@@ -5117,7 +5162,7 @@
   <p:cSld>
     <p:spTree>
       <p:nvGrpSpPr>
-        <p:cNvPr id="521" name="Shape 521"/>
+        <p:cNvPr id="522" name="Shape 522"/>
         <p:cNvGrpSpPr/>
         <p:nvPr/>
       </p:nvGrpSpPr>
@@ -5131,7 +5176,7 @@
       </p:grpSpPr>
       <p:sp>
         <p:nvSpPr>
-          <p:cNvPr id="522" name="Google Shape;522;p42:notes"/>
+          <p:cNvPr id="523" name="Google Shape;523;p41:notes"/>
           <p:cNvSpPr txBox="1"/>
           <p:nvPr>
             <p:ph idx="1" type="body"/>
@@ -5170,7 +5215,7 @@
       </p:sp>
       <p:sp>
         <p:nvSpPr>
-          <p:cNvPr id="523" name="Google Shape;523;p42:notes"/>
+          <p:cNvPr id="524" name="Google Shape;524;p41:notes"/>
           <p:cNvSpPr/>
           <p:nvPr>
             <p:ph idx="2" type="sldImg"/>
@@ -5230,7 +5275,7 @@
       </p:grpSpPr>
       <p:sp>
         <p:nvSpPr>
-          <p:cNvPr id="529" name="Google Shape;529;p43:notes"/>
+          <p:cNvPr id="529" name="Google Shape;529;p42:notes"/>
           <p:cNvSpPr txBox="1"/>
           <p:nvPr>
             <p:ph idx="1" type="body"/>
@@ -5269,7 +5314,7 @@
       </p:sp>
       <p:sp>
         <p:nvSpPr>
-          <p:cNvPr id="530" name="Google Shape;530;p43:notes"/>
+          <p:cNvPr id="530" name="Google Shape;530;p42:notes"/>
           <p:cNvSpPr/>
           <p:nvPr>
             <p:ph idx="2" type="sldImg"/>
@@ -5315,7 +5360,7 @@
   <p:cSld>
     <p:spTree>
       <p:nvGrpSpPr>
-        <p:cNvPr id="534" name="Shape 534"/>
+        <p:cNvPr id="535" name="Shape 535"/>
         <p:cNvGrpSpPr/>
         <p:nvPr/>
       </p:nvGrpSpPr>
@@ -5329,7 +5374,7 @@
       </p:grpSpPr>
       <p:sp>
         <p:nvSpPr>
-          <p:cNvPr id="535" name="Google Shape;535;p44:notes"/>
+          <p:cNvPr id="536" name="Google Shape;536;p43:notes"/>
           <p:cNvSpPr txBox="1"/>
           <p:nvPr>
             <p:ph idx="1" type="body"/>
@@ -5368,7 +5413,7 @@
       </p:sp>
       <p:sp>
         <p:nvSpPr>
-          <p:cNvPr id="536" name="Google Shape;536;p44:notes"/>
+          <p:cNvPr id="537" name="Google Shape;537;p43:notes"/>
           <p:cNvSpPr/>
           <p:nvPr>
             <p:ph idx="2" type="sldImg"/>
@@ -5414,7 +5459,7 @@
   <p:cSld>
     <p:spTree>
       <p:nvGrpSpPr>
-        <p:cNvPr id="540" name="Shape 540"/>
+        <p:cNvPr id="541" name="Shape 541"/>
         <p:cNvGrpSpPr/>
         <p:nvPr/>
       </p:nvGrpSpPr>
@@ -5428,7 +5473,7 @@
       </p:grpSpPr>
       <p:sp>
         <p:nvSpPr>
-          <p:cNvPr id="541" name="Google Shape;541;p45:notes"/>
+          <p:cNvPr id="542" name="Google Shape;542;p44:notes"/>
           <p:cNvSpPr txBox="1"/>
           <p:nvPr>
             <p:ph idx="1" type="body"/>
@@ -5467,7 +5512,7 @@
       </p:sp>
       <p:sp>
         <p:nvSpPr>
-          <p:cNvPr id="542" name="Google Shape;542;p45:notes"/>
+          <p:cNvPr id="543" name="Google Shape;543;p44:notes"/>
           <p:cNvSpPr/>
           <p:nvPr>
             <p:ph idx="2" type="sldImg"/>
@@ -5513,7 +5558,7 @@
   <p:cSld>
     <p:spTree>
       <p:nvGrpSpPr>
-        <p:cNvPr id="546" name="Shape 546"/>
+        <p:cNvPr id="547" name="Shape 547"/>
         <p:cNvGrpSpPr/>
         <p:nvPr/>
       </p:nvGrpSpPr>
@@ -5527,7 +5572,7 @@
       </p:grpSpPr>
       <p:sp>
         <p:nvSpPr>
-          <p:cNvPr id="547" name="Google Shape;547;p46:notes"/>
+          <p:cNvPr id="548" name="Google Shape;548;p45:notes"/>
           <p:cNvSpPr txBox="1"/>
           <p:nvPr>
             <p:ph idx="1" type="body"/>
@@ -5566,7 +5611,7 @@
       </p:sp>
       <p:sp>
         <p:nvSpPr>
-          <p:cNvPr id="548" name="Google Shape;548;p46:notes"/>
+          <p:cNvPr id="549" name="Google Shape;549;p45:notes"/>
           <p:cNvSpPr/>
           <p:nvPr>
             <p:ph idx="2" type="sldImg"/>
@@ -5612,7 +5657,7 @@
   <p:cSld>
     <p:spTree>
       <p:nvGrpSpPr>
-        <p:cNvPr id="552" name="Shape 552"/>
+        <p:cNvPr id="553" name="Shape 553"/>
         <p:cNvGrpSpPr/>
         <p:nvPr/>
       </p:nvGrpSpPr>
@@ -5626,7 +5671,7 @@
       </p:grpSpPr>
       <p:sp>
         <p:nvSpPr>
-          <p:cNvPr id="553" name="Google Shape;553;p47:notes"/>
+          <p:cNvPr id="554" name="Google Shape;554;p46:notes"/>
           <p:cNvSpPr txBox="1"/>
           <p:nvPr>
             <p:ph idx="1" type="body"/>
@@ -5665,7 +5710,106 @@
       </p:sp>
       <p:sp>
         <p:nvSpPr>
-          <p:cNvPr id="554" name="Google Shape;554;p47:notes"/>
+          <p:cNvPr id="555" name="Google Shape;555;p46:notes"/>
+          <p:cNvSpPr/>
+          <p:nvPr>
+            <p:ph idx="2" type="sldImg"/>
+          </p:nvPr>
+        </p:nvSpPr>
+        <p:spPr>
+          <a:xfrm>
+            <a:off x="1143000" y="685800"/>
+            <a:ext cx="4572000" cy="3429000"/>
+          </a:xfrm>
+          <a:custGeom>
+            <a:rect b="b" l="l" r="r" t="t"/>
+            <a:pathLst>
+              <a:path extrusionOk="0" h="120000" w="120000">
+                <a:moveTo>
+                  <a:pt x="0" y="0"/>
+                </a:moveTo>
+                <a:lnTo>
+                  <a:pt x="120000" y="0"/>
+                </a:lnTo>
+                <a:lnTo>
+                  <a:pt x="120000" y="120000"/>
+                </a:lnTo>
+                <a:lnTo>
+                  <a:pt x="0" y="120000"/>
+                </a:lnTo>
+                <a:close/>
+              </a:path>
+            </a:pathLst>
+          </a:custGeom>
+        </p:spPr>
+      </p:sp>
+    </p:spTree>
+  </p:cSld>
+  <p:clrMapOvr>
+    <a:masterClrMapping/>
+  </p:clrMapOvr>
+</p:notes>
+</file>
+
+<file path=ppt/notesSlides/notesSlide48.xml><?xml version="1.0" encoding="utf-8"?>
+<p:notes xmlns:a="http://schemas.openxmlformats.org/drawingml/2006/main" xmlns:r="http://schemas.openxmlformats.org/officeDocument/2006/relationships" xmlns:mc="http://schemas.openxmlformats.org/markup-compatibility/2006" xmlns:mv="urn:schemas-microsoft-com:mac:vml" xmlns:p="http://schemas.openxmlformats.org/presentationml/2006/main" xmlns:c="http://schemas.openxmlformats.org/drawingml/2006/chart" xmlns:dgm="http://schemas.openxmlformats.org/drawingml/2006/diagram" xmlns:o="urn:schemas-microsoft-com:office:office" xmlns:v="urn:schemas-microsoft-com:vml" xmlns:pvml="urn:schemas-microsoft-com:office:powerpoint" xmlns:com="http://schemas.openxmlformats.org/drawingml/2006/compatibility" xmlns:p14="http://schemas.microsoft.com/office/powerpoint/2010/main" xmlns:p15="http://schemas.microsoft.com/office/powerpoint/2012/main" showMasterPhAnim="0" showMasterSp="0">
+  <p:cSld>
+    <p:spTree>
+      <p:nvGrpSpPr>
+        <p:cNvPr id="559" name="Shape 559"/>
+        <p:cNvGrpSpPr/>
+        <p:nvPr/>
+      </p:nvGrpSpPr>
+      <p:grpSpPr>
+        <a:xfrm>
+          <a:off x="0" y="0"/>
+          <a:ext cx="0" cy="0"/>
+          <a:chOff x="0" y="0"/>
+          <a:chExt cx="0" cy="0"/>
+        </a:xfrm>
+      </p:grpSpPr>
+      <p:sp>
+        <p:nvSpPr>
+          <p:cNvPr id="560" name="Google Shape;560;p47:notes"/>
+          <p:cNvSpPr txBox="1"/>
+          <p:nvPr>
+            <p:ph idx="1" type="body"/>
+          </p:nvPr>
+        </p:nvSpPr>
+        <p:spPr>
+          <a:xfrm>
+            <a:off x="685800" y="4343400"/>
+            <a:ext cx="5486400" cy="4114800"/>
+          </a:xfrm>
+          <a:prstGeom prst="rect">
+            <a:avLst/>
+          </a:prstGeom>
+        </p:spPr>
+        <p:txBody>
+          <a:bodyPr anchorCtr="0" anchor="t" bIns="45700" lIns="91425" spcFirstLastPara="1" rIns="91425" wrap="square" tIns="45700">
+            <a:noAutofit/>
+          </a:bodyPr>
+          <a:lstStyle/>
+          <a:p>
+            <a:pPr indent="0" lvl="0" marL="0" rtl="0" algn="l">
+              <a:spcBef>
+                <a:spcPts val="0"/>
+              </a:spcBef>
+              <a:spcAft>
+                <a:spcPts val="0"/>
+              </a:spcAft>
+              <a:buNone/>
+            </a:pPr>
+            <a:r>
+              <a:t/>
+            </a:r>
+            <a:endParaRPr/>
+          </a:p>
+        </p:txBody>
+      </p:sp>
+      <p:sp>
+        <p:nvSpPr>
+          <p:cNvPr id="561" name="Google Shape;561;p47:notes"/>
           <p:cNvSpPr/>
           <p:nvPr>
             <p:ph idx="2" type="sldImg"/>
@@ -17547,7 +17691,7 @@
             </a:pPr>
             <a:r>
               <a:rPr lang="en-US" sz="2960"/>
-              <a:t>July 2019</a:t>
+              <a:t>July 2020</a:t>
             </a:r>
             <a:endParaRPr sz="2960"/>
           </a:p>
@@ -20823,7 +20967,7 @@
   <p:cSld>
     <p:spTree>
       <p:nvGrpSpPr>
-        <p:cNvPr id="253" name="Shape 253"/>
+        <p:cNvPr id="254" name="Shape 254"/>
         <p:cNvGrpSpPr/>
         <p:nvPr/>
       </p:nvGrpSpPr>
@@ -20837,7 +20981,7 @@
       </p:grpSpPr>
       <p:sp>
         <p:nvSpPr>
-          <p:cNvPr id="254" name="Google Shape;254;p33"/>
+          <p:cNvPr id="255" name="Google Shape;255;p33"/>
           <p:cNvSpPr txBox="1"/>
           <p:nvPr>
             <p:ph type="title"/>
@@ -20851,10 +20995,6 @@
           <a:prstGeom prst="rect">
             <a:avLst/>
           </a:prstGeom>
-          <a:noFill/>
-          <a:ln>
-            <a:noFill/>
-          </a:ln>
         </p:spPr>
         <p:txBody>
           <a:bodyPr anchorCtr="0" anchor="ctr" bIns="45700" lIns="91425" spcFirstLastPara="1" rIns="91425" wrap="square" tIns="45700">
@@ -20869,6 +21009,103 @@
               <a:spcAft>
                 <a:spcPts val="0"/>
               </a:spcAft>
+              <a:buNone/>
+            </a:pPr>
+            <a:r>
+              <a:rPr lang="en-US"/>
+              <a:t>A real example (OAuthing)</a:t>
+            </a:r>
+            <a:endParaRPr/>
+          </a:p>
+        </p:txBody>
+      </p:sp>
+      <p:pic>
+        <p:nvPicPr>
+          <p:cNvPr id="256" name="Google Shape;256;p33"/>
+          <p:cNvPicPr preferRelativeResize="0"/>
+          <p:nvPr/>
+        </p:nvPicPr>
+        <p:blipFill>
+          <a:blip r:embed="rId3">
+            <a:alphaModFix/>
+          </a:blip>
+          <a:stretch>
+            <a:fillRect/>
+          </a:stretch>
+        </p:blipFill>
+        <p:spPr>
+          <a:xfrm>
+            <a:off x="1158725" y="1268554"/>
+            <a:ext cx="7015953" cy="5287950"/>
+          </a:xfrm>
+          <a:prstGeom prst="rect">
+            <a:avLst/>
+          </a:prstGeom>
+          <a:noFill/>
+          <a:ln>
+            <a:noFill/>
+          </a:ln>
+        </p:spPr>
+      </p:pic>
+    </p:spTree>
+  </p:cSld>
+  <p:clrMapOvr>
+    <a:masterClrMapping/>
+  </p:clrMapOvr>
+</p:sld>
+</file>
+
+<file path=ppt/slides/slide22.xml><?xml version="1.0" encoding="utf-8"?>
+<p:sld xmlns:a="http://schemas.openxmlformats.org/drawingml/2006/main" xmlns:r="http://schemas.openxmlformats.org/officeDocument/2006/relationships" xmlns:mc="http://schemas.openxmlformats.org/markup-compatibility/2006" xmlns:mv="urn:schemas-microsoft-com:mac:vml" xmlns:p="http://schemas.openxmlformats.org/presentationml/2006/main" xmlns:c="http://schemas.openxmlformats.org/drawingml/2006/chart" xmlns:dgm="http://schemas.openxmlformats.org/drawingml/2006/diagram" xmlns:o="urn:schemas-microsoft-com:office:office" xmlns:v="urn:schemas-microsoft-com:vml" xmlns:pvml="urn:schemas-microsoft-com:office:powerpoint" xmlns:com="http://schemas.openxmlformats.org/drawingml/2006/compatibility" xmlns:p14="http://schemas.microsoft.com/office/powerpoint/2010/main" xmlns:p15="http://schemas.microsoft.com/office/powerpoint/2012/main">
+  <p:cSld>
+    <p:spTree>
+      <p:nvGrpSpPr>
+        <p:cNvPr id="260" name="Shape 260"/>
+        <p:cNvGrpSpPr/>
+        <p:nvPr/>
+      </p:nvGrpSpPr>
+      <p:grpSpPr>
+        <a:xfrm>
+          <a:off x="0" y="0"/>
+          <a:ext cx="0" cy="0"/>
+          <a:chOff x="0" y="0"/>
+          <a:chExt cx="0" cy="0"/>
+        </a:xfrm>
+      </p:grpSpPr>
+      <p:sp>
+        <p:nvSpPr>
+          <p:cNvPr id="261" name="Google Shape;261;p34"/>
+          <p:cNvSpPr txBox="1"/>
+          <p:nvPr>
+            <p:ph type="title"/>
+          </p:nvPr>
+        </p:nvSpPr>
+        <p:spPr>
+          <a:xfrm>
+            <a:off x="457200" y="274638"/>
+            <a:ext cx="8229600" cy="1143000"/>
+          </a:xfrm>
+          <a:prstGeom prst="rect">
+            <a:avLst/>
+          </a:prstGeom>
+          <a:noFill/>
+          <a:ln>
+            <a:noFill/>
+          </a:ln>
+        </p:spPr>
+        <p:txBody>
+          <a:bodyPr anchorCtr="0" anchor="ctr" bIns="45700" lIns="91425" spcFirstLastPara="1" rIns="91425" wrap="square" tIns="45700">
+            <a:noAutofit/>
+          </a:bodyPr>
+          <a:lstStyle/>
+          <a:p>
+            <a:pPr indent="0" lvl="0" marL="0" rtl="0" algn="ctr">
+              <a:spcBef>
+                <a:spcPts val="0"/>
+              </a:spcBef>
+              <a:spcAft>
+                <a:spcPts val="0"/>
+              </a:spcAft>
               <a:buClr>
                 <a:schemeClr val="dk1"/>
               </a:buClr>
@@ -20893,7 +21130,7 @@
       </p:sp>
       <p:sp>
         <p:nvSpPr>
-          <p:cNvPr id="255" name="Google Shape;255;p33"/>
+          <p:cNvPr id="262" name="Google Shape;262;p34"/>
           <p:cNvSpPr txBox="1"/>
           <p:nvPr/>
         </p:nvSpPr>
@@ -20951,14 +21188,14 @@
       </p:sp>
       <p:sp>
         <p:nvSpPr>
-          <p:cNvPr id="256" name="Google Shape;256;p33"/>
+          <p:cNvPr id="263" name="Google Shape;263;p34"/>
           <p:cNvSpPr txBox="1"/>
           <p:nvPr/>
         </p:nvSpPr>
         <p:spPr>
           <a:xfrm rot="-5400000">
-            <a:off x="196140" y="3044216"/>
-            <a:ext cx="1273420" cy="335797"/>
+            <a:off x="-22650" y="3262949"/>
+            <a:ext cx="1710900" cy="335700"/>
           </a:xfrm>
           <a:prstGeom prst="rect">
             <a:avLst/>
@@ -21009,7 +21246,7 @@
       </p:sp>
       <p:cxnSp>
         <p:nvCxnSpPr>
-          <p:cNvPr id="257" name="Google Shape;257;p33"/>
+          <p:cNvPr id="264" name="Google Shape;264;p34"/>
           <p:cNvCxnSpPr/>
           <p:nvPr/>
         </p:nvCxnSpPr>
@@ -21044,7 +21281,7 @@
       </p:cxnSp>
       <p:sp>
         <p:nvSpPr>
-          <p:cNvPr id="258" name="Google Shape;258;p33"/>
+          <p:cNvPr id="265" name="Google Shape;265;p34"/>
           <p:cNvSpPr/>
           <p:nvPr/>
         </p:nvSpPr>
@@ -21110,7 +21347,7 @@
       </p:sp>
       <p:cxnSp>
         <p:nvCxnSpPr>
-          <p:cNvPr id="259" name="Google Shape;259;p33"/>
+          <p:cNvPr id="266" name="Google Shape;266;p34"/>
           <p:cNvCxnSpPr/>
           <p:nvPr/>
         </p:nvCxnSpPr>
@@ -21143,7 +21380,7 @@
       </p:cxnSp>
       <p:sp>
         <p:nvSpPr>
-          <p:cNvPr id="260" name="Google Shape;260;p33"/>
+          <p:cNvPr id="267" name="Google Shape;267;p34"/>
           <p:cNvSpPr txBox="1"/>
           <p:nvPr/>
         </p:nvSpPr>
@@ -21334,7 +21571,7 @@
       </p:sp>
       <p:cxnSp>
         <p:nvCxnSpPr>
-          <p:cNvPr id="261" name="Google Shape;261;p33"/>
+          <p:cNvPr id="268" name="Google Shape;268;p34"/>
           <p:cNvCxnSpPr/>
           <p:nvPr/>
         </p:nvCxnSpPr>
@@ -21367,7 +21604,7 @@
       </p:cxnSp>
       <p:cxnSp>
         <p:nvCxnSpPr>
-          <p:cNvPr id="262" name="Google Shape;262;p33"/>
+          <p:cNvPr id="269" name="Google Shape;269;p34"/>
           <p:cNvCxnSpPr/>
           <p:nvPr/>
         </p:nvCxnSpPr>
@@ -21393,7 +21630,7 @@
       </p:cxnSp>
       <p:cxnSp>
         <p:nvCxnSpPr>
-          <p:cNvPr id="263" name="Google Shape;263;p33"/>
+          <p:cNvPr id="270" name="Google Shape;270;p34"/>
           <p:cNvCxnSpPr/>
           <p:nvPr/>
         </p:nvCxnSpPr>
@@ -21426,7 +21663,7 @@
       </p:cxnSp>
       <p:sp>
         <p:nvSpPr>
-          <p:cNvPr id="264" name="Google Shape;264;p33"/>
+          <p:cNvPr id="271" name="Google Shape;271;p34"/>
           <p:cNvSpPr txBox="1"/>
           <p:nvPr/>
         </p:nvSpPr>
@@ -21547,7 +21784,7 @@
       </p:sp>
       <p:sp>
         <p:nvSpPr>
-          <p:cNvPr id="265" name="Google Shape;265;p33"/>
+          <p:cNvPr id="272" name="Google Shape;272;p34"/>
           <p:cNvSpPr txBox="1"/>
           <p:nvPr/>
         </p:nvSpPr>
@@ -21653,9 +21890,9 @@
       </p:sp>
       <p:cxnSp>
         <p:nvCxnSpPr>
-          <p:cNvPr id="266" name="Google Shape;266;p33"/>
+          <p:cNvPr id="273" name="Google Shape;273;p34"/>
           <p:cNvCxnSpPr>
-            <a:stCxn id="258" idx="0"/>
+            <a:stCxn id="265" idx="0"/>
           </p:cNvCxnSpPr>
           <p:nvPr/>
         </p:nvCxnSpPr>
@@ -21688,7 +21925,7 @@
       </p:cxnSp>
       <p:sp>
         <p:nvSpPr>
-          <p:cNvPr id="267" name="Google Shape;267;p33"/>
+          <p:cNvPr id="274" name="Google Shape;274;p34"/>
           <p:cNvSpPr txBox="1"/>
           <p:nvPr/>
         </p:nvSpPr>
@@ -21733,343 +21970,6 @@
               <a:t>1 server</a:t>
             </a:r>
             <a:endParaRPr sz="1800">
-              <a:solidFill>
-                <a:schemeClr val="dk1"/>
-              </a:solidFill>
-              <a:latin typeface="Calibri"/>
-              <a:ea typeface="Calibri"/>
-              <a:cs typeface="Calibri"/>
-              <a:sym typeface="Calibri"/>
-            </a:endParaRPr>
-          </a:p>
-        </p:txBody>
-      </p:sp>
-    </p:spTree>
-  </p:cSld>
-  <p:clrMapOvr>
-    <a:masterClrMapping/>
-  </p:clrMapOvr>
-</p:sld>
-</file>
-
-<file path=ppt/slides/slide22.xml><?xml version="1.0" encoding="utf-8"?>
-<p:sld xmlns:a="http://schemas.openxmlformats.org/drawingml/2006/main" xmlns:r="http://schemas.openxmlformats.org/officeDocument/2006/relationships" xmlns:mc="http://schemas.openxmlformats.org/markup-compatibility/2006" xmlns:mv="urn:schemas-microsoft-com:mac:vml" xmlns:p="http://schemas.openxmlformats.org/presentationml/2006/main" xmlns:c="http://schemas.openxmlformats.org/drawingml/2006/chart" xmlns:dgm="http://schemas.openxmlformats.org/drawingml/2006/diagram" xmlns:o="urn:schemas-microsoft-com:office:office" xmlns:v="urn:schemas-microsoft-com:vml" xmlns:pvml="urn:schemas-microsoft-com:office:powerpoint" xmlns:com="http://schemas.openxmlformats.org/drawingml/2006/compatibility" xmlns:p14="http://schemas.microsoft.com/office/powerpoint/2010/main" xmlns:p15="http://schemas.microsoft.com/office/powerpoint/2012/main">
-  <p:cSld>
-    <p:spTree>
-      <p:nvGrpSpPr>
-        <p:cNvPr id="271" name="Shape 271"/>
-        <p:cNvGrpSpPr/>
-        <p:nvPr/>
-      </p:nvGrpSpPr>
-      <p:grpSpPr>
-        <a:xfrm>
-          <a:off x="0" y="0"/>
-          <a:ext cx="0" cy="0"/>
-          <a:chOff x="0" y="0"/>
-          <a:chExt cx="0" cy="0"/>
-        </a:xfrm>
-      </p:grpSpPr>
-      <p:sp>
-        <p:nvSpPr>
-          <p:cNvPr id="272" name="Google Shape;272;p34"/>
-          <p:cNvSpPr txBox="1"/>
-          <p:nvPr>
-            <p:ph type="title"/>
-          </p:nvPr>
-        </p:nvSpPr>
-        <p:spPr>
-          <a:xfrm>
-            <a:off x="457200" y="274638"/>
-            <a:ext cx="8229600" cy="1143000"/>
-          </a:xfrm>
-          <a:prstGeom prst="rect">
-            <a:avLst/>
-          </a:prstGeom>
-          <a:noFill/>
-          <a:ln>
-            <a:noFill/>
-          </a:ln>
-        </p:spPr>
-        <p:txBody>
-          <a:bodyPr anchorCtr="0" anchor="ctr" bIns="45700" lIns="91425" spcFirstLastPara="1" rIns="91425" wrap="square" tIns="45700">
-            <a:noAutofit/>
-          </a:bodyPr>
-          <a:lstStyle/>
-          <a:p>
-            <a:pPr indent="0" lvl="0" marL="0" rtl="0" algn="ctr">
-              <a:spcBef>
-                <a:spcPts val="0"/>
-              </a:spcBef>
-              <a:spcAft>
-                <a:spcPts val="0"/>
-              </a:spcAft>
-              <a:buClr>
-                <a:schemeClr val="dk1"/>
-              </a:buClr>
-              <a:buSzPts val="4400"/>
-              <a:buFont typeface="Montserrat"/>
-              <a:buNone/>
-            </a:pPr>
-            <a:r>
-              <a:rPr lang="en-US"/>
-              <a:t>Karp-Flatt Metric</a:t>
-            </a:r>
-            <a:endParaRPr/>
-          </a:p>
-        </p:txBody>
-      </p:sp>
-      <p:pic>
-        <p:nvPicPr>
-          <p:cNvPr id="273" name="Google Shape;273;p34"/>
-          <p:cNvPicPr preferRelativeResize="0"/>
-          <p:nvPr/>
-        </p:nvPicPr>
-        <p:blipFill rotWithShape="1">
-          <a:blip r:embed="rId3">
-            <a:alphaModFix/>
-          </a:blip>
-          <a:srcRect b="0" l="0" r="0" t="0"/>
-          <a:stretch/>
-        </p:blipFill>
-        <p:spPr>
-          <a:xfrm>
-            <a:off x="2292779" y="3049941"/>
-            <a:ext cx="3022600" cy="1587500"/>
-          </a:xfrm>
-          <a:prstGeom prst="rect">
-            <a:avLst/>
-          </a:prstGeom>
-          <a:noFill/>
-          <a:ln>
-            <a:noFill/>
-          </a:ln>
-        </p:spPr>
-      </p:pic>
-      <p:sp>
-        <p:nvSpPr>
-          <p:cNvPr id="274" name="Google Shape;274;p34"/>
-          <p:cNvSpPr txBox="1"/>
-          <p:nvPr/>
-        </p:nvSpPr>
-        <p:spPr>
-          <a:xfrm>
-            <a:off x="781479" y="1417638"/>
-            <a:ext cx="5133336" cy="1569660"/>
-          </a:xfrm>
-          <a:prstGeom prst="rect">
-            <a:avLst/>
-          </a:prstGeom>
-          <a:noFill/>
-          <a:ln>
-            <a:noFill/>
-          </a:ln>
-        </p:spPr>
-        <p:txBody>
-          <a:bodyPr anchorCtr="0" anchor="t" bIns="45700" lIns="91425" spcFirstLastPara="1" rIns="91425" wrap="square" tIns="45700">
-            <a:noAutofit/>
-          </a:bodyPr>
-          <a:lstStyle/>
-          <a:p>
-            <a:pPr indent="0" lvl="0" marL="0" marR="0" rtl="0" algn="l">
-              <a:spcBef>
-                <a:spcPts val="0"/>
-              </a:spcBef>
-              <a:spcAft>
-                <a:spcPts val="0"/>
-              </a:spcAft>
-              <a:buNone/>
-            </a:pPr>
-            <a:r>
-              <a:rPr lang="en-US" sz="3200">
-                <a:solidFill>
-                  <a:schemeClr val="dk1"/>
-                </a:solidFill>
-                <a:latin typeface="Calibri"/>
-                <a:ea typeface="Calibri"/>
-                <a:cs typeface="Calibri"/>
-                <a:sym typeface="Calibri"/>
-              </a:rPr>
-              <a:t>e is the Karp-Flatt Metric</a:t>
-            </a:r>
-            <a:endParaRPr/>
-          </a:p>
-          <a:p>
-            <a:pPr indent="0" lvl="0" marL="0" marR="0" rtl="0" algn="l">
-              <a:spcBef>
-                <a:spcPts val="0"/>
-              </a:spcBef>
-              <a:spcAft>
-                <a:spcPts val="0"/>
-              </a:spcAft>
-              <a:buNone/>
-            </a:pPr>
-            <a:r>
-              <a:rPr lang="en-US" sz="3200">
-                <a:solidFill>
-                  <a:schemeClr val="dk1"/>
-                </a:solidFill>
-                <a:latin typeface="Calibri"/>
-                <a:ea typeface="Calibri"/>
-                <a:cs typeface="Calibri"/>
-                <a:sym typeface="Calibri"/>
-              </a:rPr>
-              <a:t>ψ is the speedup</a:t>
-            </a:r>
-            <a:endParaRPr/>
-          </a:p>
-          <a:p>
-            <a:pPr indent="0" lvl="0" marL="0" marR="0" rtl="0" algn="l">
-              <a:spcBef>
-                <a:spcPts val="0"/>
-              </a:spcBef>
-              <a:spcAft>
-                <a:spcPts val="0"/>
-              </a:spcAft>
-              <a:buNone/>
-            </a:pPr>
-            <a:r>
-              <a:rPr lang="en-US" sz="3200">
-                <a:solidFill>
-                  <a:schemeClr val="dk1"/>
-                </a:solidFill>
-                <a:latin typeface="Calibri"/>
-                <a:ea typeface="Calibri"/>
-                <a:cs typeface="Calibri"/>
-                <a:sym typeface="Calibri"/>
-              </a:rPr>
-              <a:t>p is the number of processors</a:t>
-            </a:r>
-            <a:endParaRPr sz="3200">
-              <a:solidFill>
-                <a:schemeClr val="dk1"/>
-              </a:solidFill>
-              <a:latin typeface="Calibri"/>
-              <a:ea typeface="Calibri"/>
-              <a:cs typeface="Calibri"/>
-              <a:sym typeface="Calibri"/>
-            </a:endParaRPr>
-          </a:p>
-        </p:txBody>
-      </p:sp>
-      <p:sp>
-        <p:nvSpPr>
-          <p:cNvPr id="275" name="Google Shape;275;p34"/>
-          <p:cNvSpPr txBox="1"/>
-          <p:nvPr/>
-        </p:nvSpPr>
-        <p:spPr>
-          <a:xfrm>
-            <a:off x="933879" y="4486999"/>
-            <a:ext cx="4307189" cy="1569660"/>
-          </a:xfrm>
-          <a:prstGeom prst="rect">
-            <a:avLst/>
-          </a:prstGeom>
-          <a:noFill/>
-          <a:ln>
-            <a:noFill/>
-          </a:ln>
-        </p:spPr>
-        <p:txBody>
-          <a:bodyPr anchorCtr="0" anchor="t" bIns="45700" lIns="91425" spcFirstLastPara="1" rIns="91425" wrap="square" tIns="45700">
-            <a:noAutofit/>
-          </a:bodyPr>
-          <a:lstStyle/>
-          <a:p>
-            <a:pPr indent="0" lvl="0" marL="0" marR="0" rtl="0" algn="l">
-              <a:spcBef>
-                <a:spcPts val="0"/>
-              </a:spcBef>
-              <a:spcAft>
-                <a:spcPts val="0"/>
-              </a:spcAft>
-              <a:buNone/>
-            </a:pPr>
-            <a:r>
-              <a:rPr lang="en-US" sz="2400">
-                <a:solidFill>
-                  <a:schemeClr val="dk1"/>
-                </a:solidFill>
-                <a:latin typeface="Calibri"/>
-                <a:ea typeface="Calibri"/>
-                <a:cs typeface="Calibri"/>
-                <a:sym typeface="Calibri"/>
-              </a:rPr>
-              <a:t>e = 0 is the best</a:t>
-            </a:r>
-            <a:endParaRPr/>
-          </a:p>
-          <a:p>
-            <a:pPr indent="0" lvl="0" marL="0" marR="0" rtl="0" algn="l">
-              <a:spcBef>
-                <a:spcPts val="0"/>
-              </a:spcBef>
-              <a:spcAft>
-                <a:spcPts val="0"/>
-              </a:spcAft>
-              <a:buNone/>
-            </a:pPr>
-            <a:r>
-              <a:rPr lang="en-US" sz="2400">
-                <a:solidFill>
-                  <a:schemeClr val="dk1"/>
-                </a:solidFill>
-                <a:latin typeface="Calibri"/>
-                <a:ea typeface="Calibri"/>
-                <a:cs typeface="Calibri"/>
-                <a:sym typeface="Calibri"/>
-              </a:rPr>
-              <a:t>e = 1 indicates no speedup</a:t>
-            </a:r>
-            <a:endParaRPr/>
-          </a:p>
-          <a:p>
-            <a:pPr indent="0" lvl="0" marL="0" marR="0" rtl="0" algn="l">
-              <a:spcBef>
-                <a:spcPts val="0"/>
-              </a:spcBef>
-              <a:spcAft>
-                <a:spcPts val="0"/>
-              </a:spcAft>
-              <a:buNone/>
-            </a:pPr>
-            <a:r>
-              <a:rPr lang="en-US" sz="2400">
-                <a:solidFill>
-                  <a:schemeClr val="dk1"/>
-                </a:solidFill>
-                <a:latin typeface="Calibri"/>
-                <a:ea typeface="Calibri"/>
-                <a:cs typeface="Calibri"/>
-                <a:sym typeface="Calibri"/>
-              </a:rPr>
-              <a:t>e &gt; 1 indicates adding processors</a:t>
-            </a:r>
-            <a:endParaRPr/>
-          </a:p>
-          <a:p>
-            <a:pPr indent="0" lvl="0" marL="0" marR="0" rtl="0" algn="l">
-              <a:spcBef>
-                <a:spcPts val="0"/>
-              </a:spcBef>
-              <a:spcAft>
-                <a:spcPts val="0"/>
-              </a:spcAft>
-              <a:buNone/>
-            </a:pPr>
-            <a:r>
-              <a:rPr lang="en-US" sz="2400">
-                <a:solidFill>
-                  <a:schemeClr val="dk1"/>
-                </a:solidFill>
-                <a:latin typeface="Calibri"/>
-                <a:ea typeface="Calibri"/>
-                <a:cs typeface="Calibri"/>
-                <a:sym typeface="Calibri"/>
-              </a:rPr>
-              <a:t> slows down the system!!!</a:t>
-            </a:r>
-            <a:endParaRPr sz="2400">
               <a:solidFill>
                 <a:schemeClr val="dk1"/>
               </a:solidFill>
@@ -22094,7 +21994,7 @@
   <p:cSld>
     <p:spTree>
       <p:nvGrpSpPr>
-        <p:cNvPr id="279" name="Shape 279"/>
+        <p:cNvPr id="278" name="Shape 278"/>
         <p:cNvGrpSpPr/>
         <p:nvPr/>
       </p:nvGrpSpPr>
@@ -22108,7 +22008,7 @@
       </p:grpSpPr>
       <p:sp>
         <p:nvSpPr>
-          <p:cNvPr id="280" name="Google Shape;280;p35"/>
+          <p:cNvPr id="279" name="Google Shape;279;p35"/>
           <p:cNvSpPr txBox="1"/>
           <p:nvPr>
             <p:ph type="title"/>
@@ -22149,12 +22049,39 @@
             </a:pPr>
             <a:r>
               <a:rPr lang="en-US"/>
-              <a:t>Karp-Flatt metric</a:t>
+              <a:t>Karp-Flatt Metric</a:t>
             </a:r>
             <a:endParaRPr/>
           </a:p>
         </p:txBody>
       </p:sp>
+      <p:pic>
+        <p:nvPicPr>
+          <p:cNvPr id="280" name="Google Shape;280;p35"/>
+          <p:cNvPicPr preferRelativeResize="0"/>
+          <p:nvPr/>
+        </p:nvPicPr>
+        <p:blipFill rotWithShape="1">
+          <a:blip r:embed="rId3">
+            <a:alphaModFix/>
+          </a:blip>
+          <a:srcRect b="0" l="0" r="0" t="0"/>
+          <a:stretch/>
+        </p:blipFill>
+        <p:spPr>
+          <a:xfrm>
+            <a:off x="2292779" y="3049941"/>
+            <a:ext cx="3022600" cy="1587500"/>
+          </a:xfrm>
+          <a:prstGeom prst="rect">
+            <a:avLst/>
+          </a:prstGeom>
+          <a:noFill/>
+          <a:ln>
+            <a:noFill/>
+          </a:ln>
+        </p:spPr>
+      </p:pic>
       <p:sp>
         <p:nvSpPr>
           <p:cNvPr id="281" name="Google Shape;281;p35"/>
@@ -22163,8 +22090,8 @@
         </p:nvSpPr>
         <p:spPr>
           <a:xfrm>
-            <a:off x="5666028" y="5540883"/>
-            <a:ext cx="1753639" cy="335803"/>
+            <a:off x="781479" y="1417638"/>
+            <a:ext cx="5133336" cy="1569660"/>
           </a:xfrm>
           <a:prstGeom prst="rect">
             <a:avLst/>
@@ -22190,7 +22117,7 @@
               <a:buNone/>
             </a:pPr>
             <a:r>
-              <a:rPr lang="en-US" sz="1800">
+              <a:rPr lang="en-US" sz="3200">
                 <a:solidFill>
                   <a:schemeClr val="dk1"/>
                 </a:solidFill>
@@ -22199,9 +22126,57 @@
                 <a:cs typeface="Calibri"/>
                 <a:sym typeface="Calibri"/>
               </a:rPr>
-              <a:t>Number of servers</a:t>
-            </a:r>
-            <a:endParaRPr sz="1800">
+              <a:t>e is the Karp-Flatt Metric</a:t>
+            </a:r>
+            <a:endParaRPr/>
+          </a:p>
+          <a:p>
+            <a:pPr indent="0" lvl="0" marL="0" marR="0" rtl="0" algn="l">
+              <a:spcBef>
+                <a:spcPts val="0"/>
+              </a:spcBef>
+              <a:spcAft>
+                <a:spcPts val="0"/>
+              </a:spcAft>
+              <a:buNone/>
+            </a:pPr>
+            <a:r>
+              <a:rPr lang="en-US" sz="3200">
+                <a:solidFill>
+                  <a:schemeClr val="dk1"/>
+                </a:solidFill>
+                <a:latin typeface="Calibri"/>
+                <a:ea typeface="Calibri"/>
+                <a:cs typeface="Calibri"/>
+                <a:sym typeface="Calibri"/>
+              </a:rPr>
+              <a:t>ψ is the speedup</a:t>
+            </a:r>
+            <a:endParaRPr/>
+          </a:p>
+          <a:p>
+            <a:pPr indent="0" lvl="0" marL="0" marR="0" rtl="0" algn="l">
+              <a:spcBef>
+                <a:spcPts val="0"/>
+              </a:spcBef>
+              <a:spcAft>
+                <a:spcPts val="0"/>
+              </a:spcAft>
+              <a:buNone/>
+            </a:pPr>
+            <a:r>
+              <a:rPr lang="en-US" sz="3200">
+                <a:solidFill>
+                  <a:schemeClr val="dk1"/>
+                </a:solidFill>
+                <a:latin typeface="Calibri"/>
+                <a:ea typeface="Calibri"/>
+                <a:cs typeface="Calibri"/>
+                <a:sym typeface="Calibri"/>
+              </a:rPr>
+              <a:t>p is the number of processors</a:t>
+            </a:r>
+            <a:endParaRPr sz="3200">
               <a:solidFill>
                 <a:schemeClr val="dk1"/>
               </a:solidFill>
@@ -22220,9 +22195,9 @@
           <p:nvPr/>
         </p:nvSpPr>
         <p:spPr>
-          <a:xfrm rot="-5400000">
-            <a:off x="24850" y="3180024"/>
-            <a:ext cx="1578600" cy="335700"/>
+          <a:xfrm>
+            <a:off x="933879" y="4486999"/>
+            <a:ext cx="4307189" cy="1569660"/>
           </a:xfrm>
           <a:prstGeom prst="rect">
             <a:avLst/>
@@ -22248,7 +22223,7 @@
               <a:buNone/>
             </a:pPr>
             <a:r>
-              <a:rPr lang="en-US" sz="1800">
+              <a:rPr lang="en-US" sz="2400">
                 <a:solidFill>
                   <a:schemeClr val="dk1"/>
                 </a:solidFill>
@@ -22257,204 +22232,12 @@
                 <a:cs typeface="Calibri"/>
                 <a:sym typeface="Calibri"/>
               </a:rPr>
-              <a:t>Performance</a:t>
-            </a:r>
-            <a:endParaRPr sz="1800">
-              <a:solidFill>
-                <a:schemeClr val="dk1"/>
-              </a:solidFill>
-              <a:latin typeface="Calibri"/>
-              <a:ea typeface="Calibri"/>
-              <a:cs typeface="Calibri"/>
-              <a:sym typeface="Calibri"/>
-            </a:endParaRPr>
-          </a:p>
-        </p:txBody>
-      </p:sp>
-      <p:cxnSp>
-        <p:nvCxnSpPr>
-          <p:cNvPr id="283" name="Google Shape;283;p35"/>
-          <p:cNvCxnSpPr/>
-          <p:nvPr/>
-        </p:nvCxnSpPr>
-        <p:spPr>
-          <a:xfrm flipH="1" rot="10800000">
-            <a:off x="1726182" y="4243676"/>
-            <a:ext cx="5718300" cy="1632900"/>
-          </a:xfrm>
-          <a:prstGeom prst="curvedConnector3">
-            <a:avLst>
-              <a:gd fmla="val -4253" name="adj1"/>
-            </a:avLst>
-          </a:prstGeom>
-          <a:noFill/>
-          <a:ln cap="flat" cmpd="sng" w="25400">
-            <a:solidFill>
-              <a:srgbClr val="FF0000"/>
-            </a:solidFill>
-            <a:prstDash val="solid"/>
-            <a:round/>
-            <a:headEnd len="med" w="med" type="stealth"/>
-            <a:tailEnd len="med" w="med" type="stealth"/>
-          </a:ln>
-          <a:effectLst>
-            <a:outerShdw blurRad="40000" rotWithShape="0" dir="5400000" dist="20000">
-              <a:srgbClr val="000000">
-                <a:alpha val="37647"/>
-              </a:srgbClr>
-            </a:outerShdw>
-          </a:effectLst>
-        </p:spPr>
-      </p:cxnSp>
-      <p:sp>
-        <p:nvSpPr>
-          <p:cNvPr id="284" name="Google Shape;284;p35"/>
-          <p:cNvSpPr/>
-          <p:nvPr/>
-        </p:nvSpPr>
-        <p:spPr>
-          <a:xfrm>
-            <a:off x="857250" y="4939475"/>
-            <a:ext cx="1262100" cy="1143000"/>
-          </a:xfrm>
-          <a:prstGeom prst="rect">
-            <a:avLst/>
-          </a:prstGeom>
-          <a:solidFill>
-            <a:schemeClr val="lt1"/>
-          </a:solidFill>
-          <a:ln cap="flat" cmpd="sng" w="9525">
-            <a:solidFill>
-              <a:schemeClr val="lt1"/>
-            </a:solidFill>
-            <a:prstDash val="solid"/>
-            <a:round/>
-            <a:headEnd len="sm" w="sm" type="none"/>
-            <a:tailEnd len="sm" w="sm" type="none"/>
-          </a:ln>
-        </p:spPr>
-        <p:txBody>
-          <a:bodyPr anchorCtr="0" anchor="ctr" bIns="45700" lIns="91425" spcFirstLastPara="1" rIns="91425" wrap="square" tIns="45700">
-            <a:noAutofit/>
-          </a:bodyPr>
-          <a:lstStyle/>
-          <a:p>
-            <a:pPr indent="0" lvl="0" marL="0" marR="0" rtl="0" algn="ctr">
-              <a:spcBef>
-                <a:spcPts val="0"/>
-              </a:spcBef>
-              <a:spcAft>
-                <a:spcPts val="0"/>
-              </a:spcAft>
-              <a:buNone/>
-            </a:pPr>
-            <a:r>
-              <a:rPr lang="en-US" sz="1800">
-                <a:solidFill>
-                  <a:schemeClr val="lt1"/>
-                </a:solidFill>
-                <a:latin typeface="Calibri"/>
-                <a:ea typeface="Calibri"/>
-                <a:cs typeface="Calibri"/>
-                <a:sym typeface="Calibri"/>
-              </a:rPr>
-              <a:t>1 server</a:t>
-            </a:r>
-            <a:endParaRPr sz="1800">
-              <a:solidFill>
-                <a:schemeClr val="lt1"/>
-              </a:solidFill>
-              <a:latin typeface="Calibri"/>
-              <a:ea typeface="Calibri"/>
-              <a:cs typeface="Calibri"/>
-              <a:sym typeface="Calibri"/>
-            </a:endParaRPr>
-          </a:p>
-        </p:txBody>
-      </p:sp>
-      <p:cxnSp>
-        <p:nvCxnSpPr>
-          <p:cNvPr id="285" name="Google Shape;285;p35"/>
-          <p:cNvCxnSpPr/>
-          <p:nvPr/>
-        </p:nvCxnSpPr>
-        <p:spPr>
-          <a:xfrm flipH="1" rot="10800000">
-            <a:off x="1789504" y="2419209"/>
-            <a:ext cx="4605787" cy="2411049"/>
-          </a:xfrm>
-          <a:prstGeom prst="straightConnector1">
-            <a:avLst/>
-          </a:prstGeom>
-          <a:noFill/>
-          <a:ln cap="flat" cmpd="sng" w="25400">
-            <a:solidFill>
-              <a:schemeClr val="accent6"/>
-            </a:solidFill>
-            <a:prstDash val="solid"/>
-            <a:round/>
-            <a:headEnd len="sm" w="sm" type="none"/>
-            <a:tailEnd len="sm" w="sm" type="none"/>
-          </a:ln>
-          <a:effectLst>
-            <a:outerShdw blurRad="40000" rotWithShape="0" dir="5400000" dist="20000">
-              <a:srgbClr val="000000">
-                <a:alpha val="37647"/>
-              </a:srgbClr>
-            </a:outerShdw>
-          </a:effectLst>
-        </p:spPr>
-      </p:cxnSp>
-      <p:sp>
-        <p:nvSpPr>
-          <p:cNvPr id="286" name="Google Shape;286;p35"/>
-          <p:cNvSpPr txBox="1"/>
-          <p:nvPr/>
-        </p:nvSpPr>
-        <p:spPr>
-          <a:xfrm>
-            <a:off x="5782655" y="3831919"/>
-            <a:ext cx="1994469" cy="646331"/>
-          </a:xfrm>
-          <a:prstGeom prst="rect">
-            <a:avLst/>
-          </a:prstGeom>
-          <a:noFill/>
-          <a:ln>
-            <a:noFill/>
-          </a:ln>
-        </p:spPr>
-        <p:txBody>
-          <a:bodyPr anchorCtr="0" anchor="t" bIns="45700" lIns="91425" spcFirstLastPara="1" rIns="91425" wrap="square" tIns="45700">
-            <a:noAutofit/>
-          </a:bodyPr>
-          <a:lstStyle/>
-          <a:p>
-            <a:pPr indent="0" lvl="0" marL="0" marR="0" rtl="0" algn="ctr">
-              <a:spcBef>
-                <a:spcPts val="0"/>
-              </a:spcBef>
-              <a:spcAft>
-                <a:spcPts val="0"/>
-              </a:spcAft>
-              <a:buNone/>
-            </a:pPr>
-            <a:r>
-              <a:rPr lang="en-US" sz="1800">
-                <a:solidFill>
-                  <a:schemeClr val="dk1"/>
-                </a:solidFill>
-                <a:latin typeface="Calibri"/>
-                <a:ea typeface="Calibri"/>
-                <a:cs typeface="Calibri"/>
-                <a:sym typeface="Calibri"/>
-              </a:rPr>
-              <a:t>e-&gt;1 as p increases </a:t>
+              <a:t>e = 0 is the best</a:t>
             </a:r>
             <a:endParaRPr/>
           </a:p>
           <a:p>
-            <a:pPr indent="0" lvl="0" marL="0" marR="0" rtl="0" algn="ctr">
+            <a:pPr indent="0" lvl="0" marL="0" marR="0" rtl="0" algn="l">
               <a:spcBef>
                 <a:spcPts val="0"/>
               </a:spcBef>
@@ -22464,229 +22247,19 @@
               <a:buNone/>
             </a:pPr>
             <a:r>
-              <a:t/>
-            </a:r>
-            <a:endParaRPr sz="1800">
-              <a:solidFill>
-                <a:schemeClr val="dk1"/>
-              </a:solidFill>
-              <a:latin typeface="Calibri"/>
-              <a:ea typeface="Calibri"/>
-              <a:cs typeface="Calibri"/>
-              <a:sym typeface="Calibri"/>
-            </a:endParaRPr>
+              <a:rPr lang="en-US" sz="2400">
+                <a:solidFill>
+                  <a:schemeClr val="dk1"/>
+                </a:solidFill>
+                <a:latin typeface="Calibri"/>
+                <a:ea typeface="Calibri"/>
+                <a:cs typeface="Calibri"/>
+                <a:sym typeface="Calibri"/>
+              </a:rPr>
+              <a:t>e = 1 indicates no speedup</a:t>
+            </a:r>
+            <a:endParaRPr/>
           </a:p>
-        </p:txBody>
-      </p:sp>
-      <p:cxnSp>
-        <p:nvCxnSpPr>
-          <p:cNvPr id="287" name="Google Shape;287;p35"/>
-          <p:cNvCxnSpPr/>
-          <p:nvPr/>
-        </p:nvCxnSpPr>
-        <p:spPr>
-          <a:xfrm flipH="1" rot="10800000">
-            <a:off x="1104346" y="1683204"/>
-            <a:ext cx="3781060" cy="3781541"/>
-          </a:xfrm>
-          <a:prstGeom prst="straightConnector1">
-            <a:avLst/>
-          </a:prstGeom>
-          <a:noFill/>
-          <a:ln cap="flat" cmpd="sng" w="25400">
-            <a:solidFill>
-              <a:srgbClr val="008000"/>
-            </a:solidFill>
-            <a:prstDash val="solid"/>
-            <a:round/>
-            <a:headEnd len="sm" w="sm" type="none"/>
-            <a:tailEnd len="sm" w="sm" type="none"/>
-          </a:ln>
-          <a:effectLst>
-            <a:outerShdw blurRad="40000" rotWithShape="0" dir="5400000" dist="20000">
-              <a:srgbClr val="000000">
-                <a:alpha val="37647"/>
-              </a:srgbClr>
-            </a:outerShdw>
-          </a:effectLst>
-        </p:spPr>
-      </p:cxnSp>
-      <p:cxnSp>
-        <p:nvCxnSpPr>
-          <p:cNvPr id="288" name="Google Shape;288;p35"/>
-          <p:cNvCxnSpPr/>
-          <p:nvPr/>
-        </p:nvCxnSpPr>
-        <p:spPr>
-          <a:xfrm>
-            <a:off x="1104346" y="5464745"/>
-            <a:ext cx="6420189" cy="63449"/>
-          </a:xfrm>
-          <a:prstGeom prst="straightConnector1">
-            <a:avLst/>
-          </a:prstGeom>
-          <a:noFill/>
-          <a:ln cap="flat" cmpd="sng" w="25400">
-            <a:solidFill>
-              <a:schemeClr val="accent1"/>
-            </a:solidFill>
-            <a:prstDash val="solid"/>
-            <a:round/>
-            <a:headEnd len="sm" w="sm" type="none"/>
-            <a:tailEnd len="med" w="med" type="stealth"/>
-          </a:ln>
-        </p:spPr>
-      </p:cxnSp>
-      <p:cxnSp>
-        <p:nvCxnSpPr>
-          <p:cNvPr id="289" name="Google Shape;289;p35"/>
-          <p:cNvCxnSpPr/>
-          <p:nvPr/>
-        </p:nvCxnSpPr>
-        <p:spPr>
-          <a:xfrm rot="10800000">
-            <a:off x="1104346" y="1683204"/>
-            <a:ext cx="0" cy="3781541"/>
-          </a:xfrm>
-          <a:prstGeom prst="straightConnector1">
-            <a:avLst/>
-          </a:prstGeom>
-          <a:noFill/>
-          <a:ln cap="flat" cmpd="sng" w="25400">
-            <a:solidFill>
-              <a:schemeClr val="accent1"/>
-            </a:solidFill>
-            <a:prstDash val="solid"/>
-            <a:round/>
-            <a:headEnd len="sm" w="sm" type="none"/>
-            <a:tailEnd len="med" w="med" type="stealth"/>
-          </a:ln>
-          <a:effectLst>
-            <a:outerShdw blurRad="40000" rotWithShape="0" dir="5400000" dist="20000">
-              <a:srgbClr val="000000">
-                <a:alpha val="37647"/>
-              </a:srgbClr>
-            </a:outerShdw>
-          </a:effectLst>
-        </p:spPr>
-      </p:cxnSp>
-      <p:sp>
-        <p:nvSpPr>
-          <p:cNvPr id="290" name="Google Shape;290;p35"/>
-          <p:cNvSpPr txBox="1"/>
-          <p:nvPr/>
-        </p:nvSpPr>
-        <p:spPr>
-          <a:xfrm>
-            <a:off x="4100907" y="1718965"/>
-            <a:ext cx="531478" cy="369332"/>
-          </a:xfrm>
-          <a:prstGeom prst="rect">
-            <a:avLst/>
-          </a:prstGeom>
-          <a:noFill/>
-          <a:ln>
-            <a:noFill/>
-          </a:ln>
-        </p:spPr>
-        <p:txBody>
-          <a:bodyPr anchorCtr="0" anchor="t" bIns="45700" lIns="91425" spcFirstLastPara="1" rIns="91425" wrap="square" tIns="45700">
-            <a:noAutofit/>
-          </a:bodyPr>
-          <a:lstStyle/>
-          <a:p>
-            <a:pPr indent="0" lvl="0" marL="0" marR="0" rtl="0" algn="ctr">
-              <a:spcBef>
-                <a:spcPts val="0"/>
-              </a:spcBef>
-              <a:spcAft>
-                <a:spcPts val="0"/>
-              </a:spcAft>
-              <a:buNone/>
-            </a:pPr>
-            <a:r>
-              <a:rPr lang="en-US" sz="1800">
-                <a:solidFill>
-                  <a:schemeClr val="dk1"/>
-                </a:solidFill>
-                <a:latin typeface="Calibri"/>
-                <a:ea typeface="Calibri"/>
-                <a:cs typeface="Calibri"/>
-                <a:sym typeface="Calibri"/>
-              </a:rPr>
-              <a:t>e=0</a:t>
-            </a:r>
-            <a:endParaRPr sz="1800">
-              <a:solidFill>
-                <a:schemeClr val="dk1"/>
-              </a:solidFill>
-              <a:latin typeface="Calibri"/>
-              <a:ea typeface="Calibri"/>
-              <a:cs typeface="Calibri"/>
-              <a:sym typeface="Calibri"/>
-            </a:endParaRPr>
-          </a:p>
-        </p:txBody>
-      </p:sp>
-      <p:cxnSp>
-        <p:nvCxnSpPr>
-          <p:cNvPr id="291" name="Google Shape;291;p35"/>
-          <p:cNvCxnSpPr>
-            <a:stCxn id="284" idx="0"/>
-          </p:cNvCxnSpPr>
-          <p:nvPr/>
-        </p:nvCxnSpPr>
-        <p:spPr>
-          <a:xfrm>
-            <a:off x="1488300" y="4939475"/>
-            <a:ext cx="0" cy="512400"/>
-          </a:xfrm>
-          <a:prstGeom prst="straightConnector1">
-            <a:avLst/>
-          </a:prstGeom>
-          <a:noFill/>
-          <a:ln cap="flat" cmpd="sng" w="25400">
-            <a:solidFill>
-              <a:schemeClr val="accent1"/>
-            </a:solidFill>
-            <a:prstDash val="dash"/>
-            <a:round/>
-            <a:headEnd len="sm" w="sm" type="none"/>
-            <a:tailEnd len="sm" w="sm" type="none"/>
-          </a:ln>
-          <a:effectLst>
-            <a:outerShdw blurRad="40000" rotWithShape="0" dir="5400000" dist="20000">
-              <a:srgbClr val="000000">
-                <a:alpha val="37647"/>
-              </a:srgbClr>
-            </a:outerShdw>
-          </a:effectLst>
-        </p:spPr>
-      </p:cxnSp>
-      <p:sp>
-        <p:nvSpPr>
-          <p:cNvPr id="292" name="Google Shape;292;p35"/>
-          <p:cNvSpPr txBox="1"/>
-          <p:nvPr/>
-        </p:nvSpPr>
-        <p:spPr>
-          <a:xfrm>
-            <a:off x="1238196" y="5498728"/>
-            <a:ext cx="1426836" cy="335774"/>
-          </a:xfrm>
-          <a:prstGeom prst="rect">
-            <a:avLst/>
-          </a:prstGeom>
-          <a:noFill/>
-          <a:ln>
-            <a:noFill/>
-          </a:ln>
-        </p:spPr>
-        <p:txBody>
-          <a:bodyPr anchorCtr="0" anchor="t" bIns="45700" lIns="91425" spcFirstLastPara="1" rIns="91425" wrap="square" tIns="45700">
-            <a:noAutofit/>
-          </a:bodyPr>
-          <a:lstStyle/>
           <a:p>
             <a:pPr indent="0" lvl="0" marL="0" marR="0" rtl="0" algn="l">
               <a:spcBef>
@@ -22698,7 +22271,7 @@
               <a:buNone/>
             </a:pPr>
             <a:r>
-              <a:rPr lang="en-US" sz="1800">
+              <a:rPr lang="en-US" sz="2400">
                 <a:solidFill>
                   <a:schemeClr val="dk1"/>
                 </a:solidFill>
@@ -22707,46 +22280,12 @@
                 <a:cs typeface="Calibri"/>
                 <a:sym typeface="Calibri"/>
               </a:rPr>
-              <a:t>1 server</a:t>
-            </a:r>
-            <a:endParaRPr sz="1800">
-              <a:solidFill>
-                <a:schemeClr val="dk1"/>
-              </a:solidFill>
-              <a:latin typeface="Calibri"/>
-              <a:ea typeface="Calibri"/>
-              <a:cs typeface="Calibri"/>
-              <a:sym typeface="Calibri"/>
-            </a:endParaRPr>
+              <a:t>e &gt; 1 indicates adding processors</a:t>
+            </a:r>
+            <a:endParaRPr/>
           </a:p>
-        </p:txBody>
-      </p:sp>
-      <p:sp>
-        <p:nvSpPr>
-          <p:cNvPr id="293" name="Google Shape;293;p35"/>
-          <p:cNvSpPr txBox="1"/>
-          <p:nvPr/>
-        </p:nvSpPr>
-        <p:spPr>
-          <a:xfrm>
-            <a:off x="6307657" y="2373808"/>
-            <a:ext cx="706744" cy="369332"/>
-          </a:xfrm>
-          <a:prstGeom prst="rect">
-            <a:avLst/>
-          </a:prstGeom>
-          <a:noFill/>
-          <a:ln>
-            <a:noFill/>
-          </a:ln>
-        </p:spPr>
-        <p:txBody>
-          <a:bodyPr anchorCtr="0" anchor="t" bIns="45700" lIns="91425" spcFirstLastPara="1" rIns="91425" wrap="square" tIns="45700">
-            <a:noAutofit/>
-          </a:bodyPr>
-          <a:lstStyle/>
           <a:p>
-            <a:pPr indent="0" lvl="0" marL="0" marR="0" rtl="0" algn="ctr">
+            <a:pPr indent="0" lvl="0" marL="0" marR="0" rtl="0" algn="l">
               <a:spcBef>
                 <a:spcPts val="0"/>
               </a:spcBef>
@@ -22756,7 +22295,7 @@
               <a:buNone/>
             </a:pPr>
             <a:r>
-              <a:rPr lang="en-US" sz="1800">
+              <a:rPr lang="en-US" sz="2400">
                 <a:solidFill>
                   <a:schemeClr val="dk1"/>
                 </a:solidFill>
@@ -22765,9 +22304,9 @@
                 <a:cs typeface="Calibri"/>
                 <a:sym typeface="Calibri"/>
               </a:rPr>
-              <a:t>e=0.3</a:t>
-            </a:r>
-            <a:endParaRPr sz="1800">
+              <a:t> slows down the system!!!</a:t>
+            </a:r>
+            <a:endParaRPr sz="2400">
               <a:solidFill>
                 <a:schemeClr val="dk1"/>
               </a:solidFill>
@@ -22792,7 +22331,7 @@
   <p:cSld>
     <p:spTree>
       <p:nvGrpSpPr>
-        <p:cNvPr id="297" name="Shape 297"/>
+        <p:cNvPr id="286" name="Shape 286"/>
         <p:cNvGrpSpPr/>
         <p:nvPr/>
       </p:nvGrpSpPr>
@@ -22806,7 +22345,7 @@
       </p:grpSpPr>
       <p:sp>
         <p:nvSpPr>
-          <p:cNvPr id="298" name="Google Shape;298;p36"/>
+          <p:cNvPr id="287" name="Google Shape;287;p36"/>
           <p:cNvSpPr txBox="1"/>
           <p:nvPr>
             <p:ph type="title"/>
@@ -22847,29 +22386,22 @@
             </a:pPr>
             <a:r>
               <a:rPr lang="en-US"/>
-              <a:t>Shared Nothing Architecture</a:t>
+              <a:t>Karp-Flatt metric</a:t>
             </a:r>
             <a:endParaRPr/>
           </a:p>
         </p:txBody>
       </p:sp>
-      <p:pic>
-        <p:nvPicPr>
-          <p:cNvPr id="299" name="Google Shape;299;p36"/>
-          <p:cNvPicPr preferRelativeResize="0"/>
+      <p:sp>
+        <p:nvSpPr>
+          <p:cNvPr id="288" name="Google Shape;288;p36"/>
+          <p:cNvSpPr txBox="1"/>
           <p:nvPr/>
-        </p:nvPicPr>
-        <p:blipFill rotWithShape="1">
-          <a:blip r:embed="rId3">
-            <a:alphaModFix/>
-          </a:blip>
-          <a:srcRect b="0" l="0" r="0" t="0"/>
-          <a:stretch/>
-        </p:blipFill>
-        <p:spPr>
-          <a:xfrm>
-            <a:off x="3521966" y="1417638"/>
-            <a:ext cx="1164361" cy="1164361"/>
+        </p:nvSpPr>
+        <p:spPr>
+          <a:xfrm>
+            <a:off x="5666028" y="5540883"/>
+            <a:ext cx="1753639" cy="335803"/>
           </a:xfrm>
           <a:prstGeom prst="rect">
             <a:avLst/>
@@ -22879,24 +22411,55 @@
             <a:noFill/>
           </a:ln>
         </p:spPr>
-      </p:pic>
-      <p:pic>
-        <p:nvPicPr>
-          <p:cNvPr id="300" name="Google Shape;300;p36"/>
-          <p:cNvPicPr preferRelativeResize="0"/>
+        <p:txBody>
+          <a:bodyPr anchorCtr="0" anchor="t" bIns="45700" lIns="91425" spcFirstLastPara="1" rIns="91425" wrap="square" tIns="45700">
+            <a:noAutofit/>
+          </a:bodyPr>
+          <a:lstStyle/>
+          <a:p>
+            <a:pPr indent="0" lvl="0" marL="0" marR="0" rtl="0" algn="l">
+              <a:spcBef>
+                <a:spcPts val="0"/>
+              </a:spcBef>
+              <a:spcAft>
+                <a:spcPts val="0"/>
+              </a:spcAft>
+              <a:buNone/>
+            </a:pPr>
+            <a:r>
+              <a:rPr lang="en-US" sz="1800">
+                <a:solidFill>
+                  <a:schemeClr val="dk1"/>
+                </a:solidFill>
+                <a:latin typeface="Calibri"/>
+                <a:ea typeface="Calibri"/>
+                <a:cs typeface="Calibri"/>
+                <a:sym typeface="Calibri"/>
+              </a:rPr>
+              <a:t>Number of servers</a:t>
+            </a:r>
+            <a:endParaRPr sz="1800">
+              <a:solidFill>
+                <a:schemeClr val="dk1"/>
+              </a:solidFill>
+              <a:latin typeface="Calibri"/>
+              <a:ea typeface="Calibri"/>
+              <a:cs typeface="Calibri"/>
+              <a:sym typeface="Calibri"/>
+            </a:endParaRPr>
+          </a:p>
+        </p:txBody>
+      </p:sp>
+      <p:sp>
+        <p:nvSpPr>
+          <p:cNvPr id="289" name="Google Shape;289;p36"/>
+          <p:cNvSpPr txBox="1"/>
           <p:nvPr/>
-        </p:nvPicPr>
-        <p:blipFill rotWithShape="1">
-          <a:blip r:embed="rId4">
-            <a:alphaModFix/>
-          </a:blip>
-          <a:srcRect b="0" l="0" r="0" t="0"/>
-          <a:stretch/>
-        </p:blipFill>
-        <p:spPr>
-          <a:xfrm>
-            <a:off x="6034418" y="1425501"/>
-            <a:ext cx="1502860" cy="1156498"/>
+        </p:nvSpPr>
+        <p:spPr>
+          <a:xfrm rot="-5400000">
+            <a:off x="24850" y="3180024"/>
+            <a:ext cx="1578600" cy="335700"/>
           </a:xfrm>
           <a:prstGeom prst="rect">
             <a:avLst/>
@@ -22906,24 +22469,189 @@
             <a:noFill/>
           </a:ln>
         </p:spPr>
-      </p:pic>
-      <p:pic>
-        <p:nvPicPr>
-          <p:cNvPr id="301" name="Google Shape;301;p36"/>
-          <p:cNvPicPr preferRelativeResize="0"/>
+        <p:txBody>
+          <a:bodyPr anchorCtr="0" anchor="t" bIns="45700" lIns="91425" spcFirstLastPara="1" rIns="91425" wrap="square" tIns="45700">
+            <a:noAutofit/>
+          </a:bodyPr>
+          <a:lstStyle/>
+          <a:p>
+            <a:pPr indent="0" lvl="0" marL="0" marR="0" rtl="0" algn="l">
+              <a:spcBef>
+                <a:spcPts val="0"/>
+              </a:spcBef>
+              <a:spcAft>
+                <a:spcPts val="0"/>
+              </a:spcAft>
+              <a:buNone/>
+            </a:pPr>
+            <a:r>
+              <a:rPr lang="en-US" sz="1800">
+                <a:solidFill>
+                  <a:schemeClr val="dk1"/>
+                </a:solidFill>
+                <a:latin typeface="Calibri"/>
+                <a:ea typeface="Calibri"/>
+                <a:cs typeface="Calibri"/>
+                <a:sym typeface="Calibri"/>
+              </a:rPr>
+              <a:t>Performance</a:t>
+            </a:r>
+            <a:endParaRPr sz="1800">
+              <a:solidFill>
+                <a:schemeClr val="dk1"/>
+              </a:solidFill>
+              <a:latin typeface="Calibri"/>
+              <a:ea typeface="Calibri"/>
+              <a:cs typeface="Calibri"/>
+              <a:sym typeface="Calibri"/>
+            </a:endParaRPr>
+          </a:p>
+        </p:txBody>
+      </p:sp>
+      <p:cxnSp>
+        <p:nvCxnSpPr>
+          <p:cNvPr id="290" name="Google Shape;290;p36"/>
+          <p:cNvCxnSpPr/>
           <p:nvPr/>
-        </p:nvPicPr>
-        <p:blipFill rotWithShape="1">
-          <a:blip r:embed="rId3">
-            <a:alphaModFix/>
-          </a:blip>
-          <a:srcRect b="0" l="0" r="0" t="0"/>
-          <a:stretch/>
-        </p:blipFill>
-        <p:spPr>
-          <a:xfrm>
-            <a:off x="3521966" y="2979670"/>
-            <a:ext cx="1164361" cy="1164361"/>
+        </p:nvCxnSpPr>
+        <p:spPr>
+          <a:xfrm flipH="1" rot="10800000">
+            <a:off x="1726182" y="4243676"/>
+            <a:ext cx="5718300" cy="1632900"/>
+          </a:xfrm>
+          <a:prstGeom prst="curvedConnector3">
+            <a:avLst>
+              <a:gd fmla="val -4253" name="adj1"/>
+            </a:avLst>
+          </a:prstGeom>
+          <a:noFill/>
+          <a:ln cap="flat" cmpd="sng" w="25400">
+            <a:solidFill>
+              <a:srgbClr val="FF0000"/>
+            </a:solidFill>
+            <a:prstDash val="solid"/>
+            <a:round/>
+            <a:headEnd len="med" w="med" type="stealth"/>
+            <a:tailEnd len="med" w="med" type="stealth"/>
+          </a:ln>
+          <a:effectLst>
+            <a:outerShdw blurRad="40000" rotWithShape="0" dir="5400000" dist="20000">
+              <a:srgbClr val="000000">
+                <a:alpha val="37647"/>
+              </a:srgbClr>
+            </a:outerShdw>
+          </a:effectLst>
+        </p:spPr>
+      </p:cxnSp>
+      <p:sp>
+        <p:nvSpPr>
+          <p:cNvPr id="291" name="Google Shape;291;p36"/>
+          <p:cNvSpPr/>
+          <p:nvPr/>
+        </p:nvSpPr>
+        <p:spPr>
+          <a:xfrm>
+            <a:off x="857250" y="4939475"/>
+            <a:ext cx="1262100" cy="1143000"/>
+          </a:xfrm>
+          <a:prstGeom prst="rect">
+            <a:avLst/>
+          </a:prstGeom>
+          <a:solidFill>
+            <a:schemeClr val="lt1"/>
+          </a:solidFill>
+          <a:ln cap="flat" cmpd="sng" w="9525">
+            <a:solidFill>
+              <a:schemeClr val="lt1"/>
+            </a:solidFill>
+            <a:prstDash val="solid"/>
+            <a:round/>
+            <a:headEnd len="sm" w="sm" type="none"/>
+            <a:tailEnd len="sm" w="sm" type="none"/>
+          </a:ln>
+        </p:spPr>
+        <p:txBody>
+          <a:bodyPr anchorCtr="0" anchor="ctr" bIns="45700" lIns="91425" spcFirstLastPara="1" rIns="91425" wrap="square" tIns="45700">
+            <a:noAutofit/>
+          </a:bodyPr>
+          <a:lstStyle/>
+          <a:p>
+            <a:pPr indent="0" lvl="0" marL="0" marR="0" rtl="0" algn="ctr">
+              <a:spcBef>
+                <a:spcPts val="0"/>
+              </a:spcBef>
+              <a:spcAft>
+                <a:spcPts val="0"/>
+              </a:spcAft>
+              <a:buNone/>
+            </a:pPr>
+            <a:r>
+              <a:rPr lang="en-US" sz="1800">
+                <a:solidFill>
+                  <a:schemeClr val="lt1"/>
+                </a:solidFill>
+                <a:latin typeface="Calibri"/>
+                <a:ea typeface="Calibri"/>
+                <a:cs typeface="Calibri"/>
+                <a:sym typeface="Calibri"/>
+              </a:rPr>
+              <a:t>1 server</a:t>
+            </a:r>
+            <a:endParaRPr sz="1800">
+              <a:solidFill>
+                <a:schemeClr val="lt1"/>
+              </a:solidFill>
+              <a:latin typeface="Calibri"/>
+              <a:ea typeface="Calibri"/>
+              <a:cs typeface="Calibri"/>
+              <a:sym typeface="Calibri"/>
+            </a:endParaRPr>
+          </a:p>
+        </p:txBody>
+      </p:sp>
+      <p:cxnSp>
+        <p:nvCxnSpPr>
+          <p:cNvPr id="292" name="Google Shape;292;p36"/>
+          <p:cNvCxnSpPr/>
+          <p:nvPr/>
+        </p:nvCxnSpPr>
+        <p:spPr>
+          <a:xfrm flipH="1" rot="10800000">
+            <a:off x="1789504" y="2419209"/>
+            <a:ext cx="4605787" cy="2411049"/>
+          </a:xfrm>
+          <a:prstGeom prst="straightConnector1">
+            <a:avLst/>
+          </a:prstGeom>
+          <a:noFill/>
+          <a:ln cap="flat" cmpd="sng" w="25400">
+            <a:solidFill>
+              <a:schemeClr val="accent6"/>
+            </a:solidFill>
+            <a:prstDash val="solid"/>
+            <a:round/>
+            <a:headEnd len="sm" w="sm" type="none"/>
+            <a:tailEnd len="sm" w="sm" type="none"/>
+          </a:ln>
+          <a:effectLst>
+            <a:outerShdw blurRad="40000" rotWithShape="0" dir="5400000" dist="20000">
+              <a:srgbClr val="000000">
+                <a:alpha val="37647"/>
+              </a:srgbClr>
+            </a:outerShdw>
+          </a:effectLst>
+        </p:spPr>
+      </p:cxnSp>
+      <p:sp>
+        <p:nvSpPr>
+          <p:cNvPr id="293" name="Google Shape;293;p36"/>
+          <p:cNvSpPr txBox="1"/>
+          <p:nvPr/>
+        </p:nvSpPr>
+        <p:spPr>
+          <a:xfrm>
+            <a:off x="5782655" y="3831919"/>
+            <a:ext cx="1994469" cy="646331"/>
           </a:xfrm>
           <a:prstGeom prst="rect">
             <a:avLst/>
@@ -22933,101 +22661,129 @@
             <a:noFill/>
           </a:ln>
         </p:spPr>
-      </p:pic>
-      <p:pic>
-        <p:nvPicPr>
-          <p:cNvPr id="302" name="Google Shape;302;p36"/>
-          <p:cNvPicPr preferRelativeResize="0"/>
-          <p:nvPr/>
-        </p:nvPicPr>
-        <p:blipFill rotWithShape="1">
-          <a:blip r:embed="rId4">
-            <a:alphaModFix/>
-          </a:blip>
-          <a:srcRect b="0" l="0" r="0" t="0"/>
-          <a:stretch/>
-        </p:blipFill>
-        <p:spPr>
-          <a:xfrm>
-            <a:off x="6034418" y="2987533"/>
-            <a:ext cx="1502860" cy="1156498"/>
-          </a:xfrm>
-          <a:prstGeom prst="rect">
-            <a:avLst/>
-          </a:prstGeom>
-          <a:noFill/>
-          <a:ln>
-            <a:noFill/>
-          </a:ln>
-        </p:spPr>
-      </p:pic>
-      <p:pic>
-        <p:nvPicPr>
-          <p:cNvPr id="303" name="Google Shape;303;p36"/>
-          <p:cNvPicPr preferRelativeResize="0"/>
-          <p:nvPr/>
-        </p:nvPicPr>
-        <p:blipFill rotWithShape="1">
-          <a:blip r:embed="rId3">
-            <a:alphaModFix/>
-          </a:blip>
-          <a:srcRect b="0" l="0" r="0" t="0"/>
-          <a:stretch/>
-        </p:blipFill>
-        <p:spPr>
-          <a:xfrm>
-            <a:off x="3521966" y="4541702"/>
-            <a:ext cx="1164361" cy="1164361"/>
-          </a:xfrm>
-          <a:prstGeom prst="rect">
-            <a:avLst/>
-          </a:prstGeom>
-          <a:noFill/>
-          <a:ln>
-            <a:noFill/>
-          </a:ln>
-        </p:spPr>
-      </p:pic>
-      <p:pic>
-        <p:nvPicPr>
-          <p:cNvPr id="304" name="Google Shape;304;p36"/>
-          <p:cNvPicPr preferRelativeResize="0"/>
-          <p:nvPr/>
-        </p:nvPicPr>
-        <p:blipFill rotWithShape="1">
-          <a:blip r:embed="rId4">
-            <a:alphaModFix/>
-          </a:blip>
-          <a:srcRect b="0" l="0" r="0" t="0"/>
-          <a:stretch/>
-        </p:blipFill>
-        <p:spPr>
-          <a:xfrm>
-            <a:off x="6034418" y="4549565"/>
-            <a:ext cx="1502860" cy="1156498"/>
-          </a:xfrm>
-          <a:prstGeom prst="rect">
-            <a:avLst/>
-          </a:prstGeom>
-          <a:noFill/>
-          <a:ln>
-            <a:noFill/>
-          </a:ln>
-        </p:spPr>
-      </p:pic>
+        <p:txBody>
+          <a:bodyPr anchorCtr="0" anchor="t" bIns="45700" lIns="91425" spcFirstLastPara="1" rIns="91425" wrap="square" tIns="45700">
+            <a:noAutofit/>
+          </a:bodyPr>
+          <a:lstStyle/>
+          <a:p>
+            <a:pPr indent="0" lvl="0" marL="0" marR="0" rtl="0" algn="ctr">
+              <a:spcBef>
+                <a:spcPts val="0"/>
+              </a:spcBef>
+              <a:spcAft>
+                <a:spcPts val="0"/>
+              </a:spcAft>
+              <a:buNone/>
+            </a:pPr>
+            <a:r>
+              <a:rPr lang="en-US" sz="1800">
+                <a:solidFill>
+                  <a:schemeClr val="dk1"/>
+                </a:solidFill>
+                <a:latin typeface="Calibri"/>
+                <a:ea typeface="Calibri"/>
+                <a:cs typeface="Calibri"/>
+                <a:sym typeface="Calibri"/>
+              </a:rPr>
+              <a:t>e-&gt;1 as p increases </a:t>
+            </a:r>
+            <a:endParaRPr/>
+          </a:p>
+          <a:p>
+            <a:pPr indent="0" lvl="0" marL="0" marR="0" rtl="0" algn="ctr">
+              <a:spcBef>
+                <a:spcPts val="0"/>
+              </a:spcBef>
+              <a:spcAft>
+                <a:spcPts val="0"/>
+              </a:spcAft>
+              <a:buNone/>
+            </a:pPr>
+            <a:r>
+              <a:t/>
+            </a:r>
+            <a:endParaRPr sz="1800">
+              <a:solidFill>
+                <a:schemeClr val="dk1"/>
+              </a:solidFill>
+              <a:latin typeface="Calibri"/>
+              <a:ea typeface="Calibri"/>
+              <a:cs typeface="Calibri"/>
+              <a:sym typeface="Calibri"/>
+            </a:endParaRPr>
+          </a:p>
+        </p:txBody>
+      </p:sp>
       <p:cxnSp>
         <p:nvCxnSpPr>
-          <p:cNvPr id="305" name="Google Shape;305;p36"/>
-          <p:cNvCxnSpPr>
-            <a:stCxn id="299" idx="3"/>
-            <a:endCxn id="300" idx="1"/>
-          </p:cNvCxnSpPr>
+          <p:cNvPr id="294" name="Google Shape;294;p36"/>
+          <p:cNvCxnSpPr/>
           <p:nvPr/>
         </p:nvCxnSpPr>
         <p:spPr>
-          <a:xfrm>
-            <a:off x="4686327" y="1999819"/>
-            <a:ext cx="1348200" cy="3900"/>
+          <a:xfrm flipH="1" rot="10800000">
+            <a:off x="1104346" y="1683204"/>
+            <a:ext cx="3781060" cy="3781541"/>
+          </a:xfrm>
+          <a:prstGeom prst="straightConnector1">
+            <a:avLst/>
+          </a:prstGeom>
+          <a:noFill/>
+          <a:ln cap="flat" cmpd="sng" w="25400">
+            <a:solidFill>
+              <a:srgbClr val="008000"/>
+            </a:solidFill>
+            <a:prstDash val="solid"/>
+            <a:round/>
+            <a:headEnd len="sm" w="sm" type="none"/>
+            <a:tailEnd len="sm" w="sm" type="none"/>
+          </a:ln>
+          <a:effectLst>
+            <a:outerShdw blurRad="40000" rotWithShape="0" dir="5400000" dist="20000">
+              <a:srgbClr val="000000">
+                <a:alpha val="37647"/>
+              </a:srgbClr>
+            </a:outerShdw>
+          </a:effectLst>
+        </p:spPr>
+      </p:cxnSp>
+      <p:cxnSp>
+        <p:nvCxnSpPr>
+          <p:cNvPr id="295" name="Google Shape;295;p36"/>
+          <p:cNvCxnSpPr/>
+          <p:nvPr/>
+        </p:nvCxnSpPr>
+        <p:spPr>
+          <a:xfrm>
+            <a:off x="1104346" y="5464745"/>
+            <a:ext cx="6420189" cy="63449"/>
+          </a:xfrm>
+          <a:prstGeom prst="straightConnector1">
+            <a:avLst/>
+          </a:prstGeom>
+          <a:noFill/>
+          <a:ln cap="flat" cmpd="sng" w="25400">
+            <a:solidFill>
+              <a:schemeClr val="accent1"/>
+            </a:solidFill>
+            <a:prstDash val="solid"/>
+            <a:round/>
+            <a:headEnd len="sm" w="sm" type="none"/>
+            <a:tailEnd len="med" w="med" type="stealth"/>
+          </a:ln>
+        </p:spPr>
+      </p:cxnSp>
+      <p:cxnSp>
+        <p:nvCxnSpPr>
+          <p:cNvPr id="296" name="Google Shape;296;p36"/>
+          <p:cNvCxnSpPr/>
+          <p:nvPr/>
+        </p:nvCxnSpPr>
+        <p:spPr>
+          <a:xfrm rot="10800000">
+            <a:off x="1104346" y="1683204"/>
+            <a:ext cx="0" cy="3781541"/>
           </a:xfrm>
           <a:prstGeom prst="straightConnector1">
             <a:avLst/>
@@ -23051,16 +22807,74 @@
           </a:effectLst>
         </p:spPr>
       </p:cxnSp>
+      <p:sp>
+        <p:nvSpPr>
+          <p:cNvPr id="297" name="Google Shape;297;p36"/>
+          <p:cNvSpPr txBox="1"/>
+          <p:nvPr/>
+        </p:nvSpPr>
+        <p:spPr>
+          <a:xfrm>
+            <a:off x="4100907" y="1718965"/>
+            <a:ext cx="531478" cy="369332"/>
+          </a:xfrm>
+          <a:prstGeom prst="rect">
+            <a:avLst/>
+          </a:prstGeom>
+          <a:noFill/>
+          <a:ln>
+            <a:noFill/>
+          </a:ln>
+        </p:spPr>
+        <p:txBody>
+          <a:bodyPr anchorCtr="0" anchor="t" bIns="45700" lIns="91425" spcFirstLastPara="1" rIns="91425" wrap="square" tIns="45700">
+            <a:noAutofit/>
+          </a:bodyPr>
+          <a:lstStyle/>
+          <a:p>
+            <a:pPr indent="0" lvl="0" marL="0" marR="0" rtl="0" algn="ctr">
+              <a:spcBef>
+                <a:spcPts val="0"/>
+              </a:spcBef>
+              <a:spcAft>
+                <a:spcPts val="0"/>
+              </a:spcAft>
+              <a:buNone/>
+            </a:pPr>
+            <a:r>
+              <a:rPr lang="en-US" sz="1800">
+                <a:solidFill>
+                  <a:schemeClr val="dk1"/>
+                </a:solidFill>
+                <a:latin typeface="Calibri"/>
+                <a:ea typeface="Calibri"/>
+                <a:cs typeface="Calibri"/>
+                <a:sym typeface="Calibri"/>
+              </a:rPr>
+              <a:t>e=0</a:t>
+            </a:r>
+            <a:endParaRPr sz="1800">
+              <a:solidFill>
+                <a:schemeClr val="dk1"/>
+              </a:solidFill>
+              <a:latin typeface="Calibri"/>
+              <a:ea typeface="Calibri"/>
+              <a:cs typeface="Calibri"/>
+              <a:sym typeface="Calibri"/>
+            </a:endParaRPr>
+          </a:p>
+        </p:txBody>
+      </p:sp>
       <p:cxnSp>
         <p:nvCxnSpPr>
-          <p:cNvPr id="306" name="Google Shape;306;p36"/>
+          <p:cNvPr id="298" name="Google Shape;298;p36"/>
           <p:cNvCxnSpPr/>
           <p:nvPr/>
         </p:nvCxnSpPr>
         <p:spPr>
           <a:xfrm>
-            <a:off x="4686327" y="3617679"/>
-            <a:ext cx="1348091" cy="3931"/>
+            <a:off x="1716900" y="4939475"/>
+            <a:ext cx="0" cy="512400"/>
           </a:xfrm>
           <a:prstGeom prst="straightConnector1">
             <a:avLst/>
@@ -23070,10 +22884,10 @@
             <a:solidFill>
               <a:schemeClr val="accent1"/>
             </a:solidFill>
-            <a:prstDash val="solid"/>
+            <a:prstDash val="dash"/>
             <a:round/>
             <a:headEnd len="sm" w="sm" type="none"/>
-            <a:tailEnd len="med" w="med" type="stealth"/>
+            <a:tailEnd len="sm" w="sm" type="none"/>
           </a:ln>
           <a:effectLst>
             <a:outerShdw blurRad="40000" rotWithShape="0" dir="5400000" dist="20000">
@@ -23084,190 +22898,16 @@
           </a:effectLst>
         </p:spPr>
       </p:cxnSp>
-      <p:cxnSp>
-        <p:nvCxnSpPr>
-          <p:cNvPr id="307" name="Google Shape;307;p36"/>
-          <p:cNvCxnSpPr/>
-          <p:nvPr/>
-        </p:nvCxnSpPr>
-        <p:spPr>
-          <a:xfrm>
-            <a:off x="4686327" y="5109928"/>
-            <a:ext cx="1348091" cy="3931"/>
-          </a:xfrm>
-          <a:prstGeom prst="straightConnector1">
-            <a:avLst/>
-          </a:prstGeom>
-          <a:noFill/>
-          <a:ln cap="flat" cmpd="sng" w="25400">
-            <a:solidFill>
-              <a:schemeClr val="accent1"/>
-            </a:solidFill>
-            <a:prstDash val="solid"/>
-            <a:round/>
-            <a:headEnd len="sm" w="sm" type="none"/>
-            <a:tailEnd len="med" w="med" type="stealth"/>
-          </a:ln>
-          <a:effectLst>
-            <a:outerShdw blurRad="40000" rotWithShape="0" dir="5400000" dist="20000">
-              <a:srgbClr val="000000">
-                <a:alpha val="37647"/>
-              </a:srgbClr>
-            </a:outerShdw>
-          </a:effectLst>
-        </p:spPr>
-      </p:cxnSp>
-      <p:pic>
-        <p:nvPicPr>
-          <p:cNvPr id="308" name="Google Shape;308;p36"/>
-          <p:cNvPicPr preferRelativeResize="0"/>
-          <p:nvPr/>
-        </p:nvPicPr>
-        <p:blipFill rotWithShape="1">
-          <a:blip r:embed="rId3">
-            <a:alphaModFix/>
-          </a:blip>
-          <a:srcRect b="0" l="0" r="0" t="0"/>
-          <a:stretch/>
-        </p:blipFill>
-        <p:spPr>
-          <a:xfrm>
-            <a:off x="1148515" y="2979670"/>
-            <a:ext cx="1164361" cy="1164361"/>
-          </a:xfrm>
-          <a:prstGeom prst="rect">
-            <a:avLst/>
-          </a:prstGeom>
-          <a:noFill/>
-          <a:ln>
-            <a:noFill/>
-          </a:ln>
-        </p:spPr>
-      </p:pic>
-      <p:cxnSp>
-        <p:nvCxnSpPr>
-          <p:cNvPr id="309" name="Google Shape;309;p36"/>
-          <p:cNvCxnSpPr>
-            <a:stCxn id="308" idx="3"/>
-            <a:endCxn id="299" idx="1"/>
-          </p:cNvCxnSpPr>
-          <p:nvPr/>
-        </p:nvCxnSpPr>
-        <p:spPr>
-          <a:xfrm flipH="1" rot="10800000">
-            <a:off x="2312876" y="1999750"/>
-            <a:ext cx="1209000" cy="1562100"/>
-          </a:xfrm>
-          <a:prstGeom prst="bentConnector3">
-            <a:avLst>
-              <a:gd fmla="val 50000" name="adj1"/>
-            </a:avLst>
-          </a:prstGeom>
-          <a:noFill/>
-          <a:ln cap="flat" cmpd="sng" w="25400">
-            <a:solidFill>
-              <a:schemeClr val="accent1"/>
-            </a:solidFill>
-            <a:prstDash val="solid"/>
-            <a:round/>
-            <a:headEnd len="sm" w="sm" type="none"/>
-            <a:tailEnd len="med" w="med" type="stealth"/>
-          </a:ln>
-          <a:effectLst>
-            <a:outerShdw blurRad="40000" rotWithShape="0" dir="5400000" dist="20000">
-              <a:srgbClr val="000000">
-                <a:alpha val="37647"/>
-              </a:srgbClr>
-            </a:outerShdw>
-          </a:effectLst>
-        </p:spPr>
-      </p:cxnSp>
-      <p:cxnSp>
-        <p:nvCxnSpPr>
-          <p:cNvPr id="310" name="Google Shape;310;p36"/>
-          <p:cNvCxnSpPr>
-            <a:stCxn id="308" idx="3"/>
-            <a:endCxn id="301" idx="1"/>
-          </p:cNvCxnSpPr>
-          <p:nvPr/>
-        </p:nvCxnSpPr>
-        <p:spPr>
-          <a:xfrm>
-            <a:off x="2312876" y="3561850"/>
-            <a:ext cx="1209000" cy="600"/>
-          </a:xfrm>
-          <a:prstGeom prst="bentConnector3">
-            <a:avLst>
-              <a:gd fmla="val 50004" name="adj1"/>
-            </a:avLst>
-          </a:prstGeom>
-          <a:noFill/>
-          <a:ln cap="flat" cmpd="sng" w="25400">
-            <a:solidFill>
-              <a:schemeClr val="accent1"/>
-            </a:solidFill>
-            <a:prstDash val="solid"/>
-            <a:round/>
-            <a:headEnd len="sm" w="sm" type="none"/>
-            <a:tailEnd len="med" w="med" type="stealth"/>
-          </a:ln>
-          <a:effectLst>
-            <a:outerShdw blurRad="40000" rotWithShape="0" dir="5400000" dist="20000">
-              <a:srgbClr val="000000">
-                <a:alpha val="37647"/>
-              </a:srgbClr>
-            </a:outerShdw>
-          </a:effectLst>
-        </p:spPr>
-      </p:cxnSp>
-      <p:cxnSp>
-        <p:nvCxnSpPr>
-          <p:cNvPr id="311" name="Google Shape;311;p36"/>
-          <p:cNvCxnSpPr>
-            <a:stCxn id="308" idx="3"/>
-            <a:endCxn id="303" idx="1"/>
-          </p:cNvCxnSpPr>
-          <p:nvPr/>
-        </p:nvCxnSpPr>
-        <p:spPr>
-          <a:xfrm>
-            <a:off x="2312876" y="3561850"/>
-            <a:ext cx="1209000" cy="1562100"/>
-          </a:xfrm>
-          <a:prstGeom prst="bentConnector3">
-            <a:avLst>
-              <a:gd fmla="val 50004" name="adj1"/>
-            </a:avLst>
-          </a:prstGeom>
-          <a:noFill/>
-          <a:ln cap="flat" cmpd="sng" w="25400">
-            <a:solidFill>
-              <a:schemeClr val="accent1"/>
-            </a:solidFill>
-            <a:prstDash val="solid"/>
-            <a:round/>
-            <a:headEnd len="sm" w="sm" type="none"/>
-            <a:tailEnd len="med" w="med" type="stealth"/>
-          </a:ln>
-          <a:effectLst>
-            <a:outerShdw blurRad="40000" rotWithShape="0" dir="5400000" dist="20000">
-              <a:srgbClr val="000000">
-                <a:alpha val="37647"/>
-              </a:srgbClr>
-            </a:outerShdw>
-          </a:effectLst>
-        </p:spPr>
-      </p:cxnSp>
       <p:sp>
         <p:nvSpPr>
-          <p:cNvPr id="312" name="Google Shape;312;p36"/>
+          <p:cNvPr id="299" name="Google Shape;299;p36"/>
           <p:cNvSpPr txBox="1"/>
           <p:nvPr/>
         </p:nvSpPr>
         <p:spPr>
           <a:xfrm>
-            <a:off x="995010" y="4197755"/>
-            <a:ext cx="1501358" cy="369332"/>
+            <a:off x="1238196" y="5498728"/>
+            <a:ext cx="1426836" cy="335774"/>
           </a:xfrm>
           <a:prstGeom prst="rect">
             <a:avLst/>
@@ -23302,7 +22942,7 @@
                 <a:cs typeface="Calibri"/>
                 <a:sym typeface="Calibri"/>
               </a:rPr>
-              <a:t>Load Balancer</a:t>
+              <a:t>1 server</a:t>
             </a:r>
             <a:endParaRPr sz="1800">
               <a:solidFill>
@@ -23318,14 +22958,14 @@
       </p:sp>
       <p:sp>
         <p:nvSpPr>
-          <p:cNvPr id="313" name="Google Shape;313;p36"/>
+          <p:cNvPr id="300" name="Google Shape;300;p36"/>
           <p:cNvSpPr txBox="1"/>
           <p:nvPr/>
         </p:nvSpPr>
         <p:spPr>
           <a:xfrm>
-            <a:off x="3787859" y="2577647"/>
-            <a:ext cx="787395" cy="369332"/>
+            <a:off x="6307657" y="2373808"/>
+            <a:ext cx="706744" cy="369332"/>
           </a:xfrm>
           <a:prstGeom prst="rect">
             <a:avLst/>
@@ -23341,7 +22981,7 @@
           </a:bodyPr>
           <a:lstStyle/>
           <a:p>
-            <a:pPr indent="0" lvl="0" marL="0" marR="0" rtl="0" algn="l">
+            <a:pPr indent="0" lvl="0" marL="0" marR="0" rtl="0" algn="ctr">
               <a:spcBef>
                 <a:spcPts val="0"/>
               </a:spcBef>
@@ -23360,297 +23000,7 @@
                 <a:cs typeface="Calibri"/>
                 <a:sym typeface="Calibri"/>
               </a:rPr>
-              <a:t>Server</a:t>
-            </a:r>
-            <a:endParaRPr sz="1800">
-              <a:solidFill>
-                <a:schemeClr val="dk1"/>
-              </a:solidFill>
-              <a:latin typeface="Calibri"/>
-              <a:ea typeface="Calibri"/>
-              <a:cs typeface="Calibri"/>
-              <a:sym typeface="Calibri"/>
-            </a:endParaRPr>
-          </a:p>
-        </p:txBody>
-      </p:sp>
-      <p:sp>
-        <p:nvSpPr>
-          <p:cNvPr id="314" name="Google Shape;314;p36"/>
-          <p:cNvSpPr txBox="1"/>
-          <p:nvPr/>
-        </p:nvSpPr>
-        <p:spPr>
-          <a:xfrm>
-            <a:off x="6399293" y="2577647"/>
-            <a:ext cx="574872" cy="369332"/>
-          </a:xfrm>
-          <a:prstGeom prst="rect">
-            <a:avLst/>
-          </a:prstGeom>
-          <a:noFill/>
-          <a:ln>
-            <a:noFill/>
-          </a:ln>
-        </p:spPr>
-        <p:txBody>
-          <a:bodyPr anchorCtr="0" anchor="t" bIns="45700" lIns="91425" spcFirstLastPara="1" rIns="91425" wrap="square" tIns="45700">
-            <a:noAutofit/>
-          </a:bodyPr>
-          <a:lstStyle/>
-          <a:p>
-            <a:pPr indent="0" lvl="0" marL="0" marR="0" rtl="0" algn="l">
-              <a:spcBef>
-                <a:spcPts val="0"/>
-              </a:spcBef>
-              <a:spcAft>
-                <a:spcPts val="0"/>
-              </a:spcAft>
-              <a:buNone/>
-            </a:pPr>
-            <a:r>
-              <a:rPr lang="en-US" sz="1800">
-                <a:solidFill>
-                  <a:schemeClr val="dk1"/>
-                </a:solidFill>
-                <a:latin typeface="Calibri"/>
-                <a:ea typeface="Calibri"/>
-                <a:cs typeface="Calibri"/>
-                <a:sym typeface="Calibri"/>
-              </a:rPr>
-              <a:t>Disk</a:t>
-            </a:r>
-            <a:endParaRPr sz="1800">
-              <a:solidFill>
-                <a:schemeClr val="dk1"/>
-              </a:solidFill>
-              <a:latin typeface="Calibri"/>
-              <a:ea typeface="Calibri"/>
-              <a:cs typeface="Calibri"/>
-              <a:sym typeface="Calibri"/>
-            </a:endParaRPr>
-          </a:p>
-        </p:txBody>
-      </p:sp>
-      <p:sp>
-        <p:nvSpPr>
-          <p:cNvPr id="315" name="Google Shape;315;p36"/>
-          <p:cNvSpPr txBox="1"/>
-          <p:nvPr/>
-        </p:nvSpPr>
-        <p:spPr>
-          <a:xfrm>
-            <a:off x="3785880" y="4144031"/>
-            <a:ext cx="787395" cy="369332"/>
-          </a:xfrm>
-          <a:prstGeom prst="rect">
-            <a:avLst/>
-          </a:prstGeom>
-          <a:noFill/>
-          <a:ln>
-            <a:noFill/>
-          </a:ln>
-        </p:spPr>
-        <p:txBody>
-          <a:bodyPr anchorCtr="0" anchor="t" bIns="45700" lIns="91425" spcFirstLastPara="1" rIns="91425" wrap="square" tIns="45700">
-            <a:noAutofit/>
-          </a:bodyPr>
-          <a:lstStyle/>
-          <a:p>
-            <a:pPr indent="0" lvl="0" marL="0" marR="0" rtl="0" algn="l">
-              <a:spcBef>
-                <a:spcPts val="0"/>
-              </a:spcBef>
-              <a:spcAft>
-                <a:spcPts val="0"/>
-              </a:spcAft>
-              <a:buNone/>
-            </a:pPr>
-            <a:r>
-              <a:rPr lang="en-US" sz="1800">
-                <a:solidFill>
-                  <a:schemeClr val="dk1"/>
-                </a:solidFill>
-                <a:latin typeface="Calibri"/>
-                <a:ea typeface="Calibri"/>
-                <a:cs typeface="Calibri"/>
-                <a:sym typeface="Calibri"/>
-              </a:rPr>
-              <a:t>Server</a:t>
-            </a:r>
-            <a:endParaRPr sz="1800">
-              <a:solidFill>
-                <a:schemeClr val="dk1"/>
-              </a:solidFill>
-              <a:latin typeface="Calibri"/>
-              <a:ea typeface="Calibri"/>
-              <a:cs typeface="Calibri"/>
-              <a:sym typeface="Calibri"/>
-            </a:endParaRPr>
-          </a:p>
-        </p:txBody>
-      </p:sp>
-      <p:sp>
-        <p:nvSpPr>
-          <p:cNvPr id="316" name="Google Shape;316;p36"/>
-          <p:cNvSpPr txBox="1"/>
-          <p:nvPr/>
-        </p:nvSpPr>
-        <p:spPr>
-          <a:xfrm>
-            <a:off x="6397314" y="4144031"/>
-            <a:ext cx="574872" cy="369332"/>
-          </a:xfrm>
-          <a:prstGeom prst="rect">
-            <a:avLst/>
-          </a:prstGeom>
-          <a:noFill/>
-          <a:ln>
-            <a:noFill/>
-          </a:ln>
-        </p:spPr>
-        <p:txBody>
-          <a:bodyPr anchorCtr="0" anchor="t" bIns="45700" lIns="91425" spcFirstLastPara="1" rIns="91425" wrap="square" tIns="45700">
-            <a:noAutofit/>
-          </a:bodyPr>
-          <a:lstStyle/>
-          <a:p>
-            <a:pPr indent="0" lvl="0" marL="0" marR="0" rtl="0" algn="l">
-              <a:spcBef>
-                <a:spcPts val="0"/>
-              </a:spcBef>
-              <a:spcAft>
-                <a:spcPts val="0"/>
-              </a:spcAft>
-              <a:buNone/>
-            </a:pPr>
-            <a:r>
-              <a:rPr lang="en-US" sz="1800">
-                <a:solidFill>
-                  <a:schemeClr val="dk1"/>
-                </a:solidFill>
-                <a:latin typeface="Calibri"/>
-                <a:ea typeface="Calibri"/>
-                <a:cs typeface="Calibri"/>
-                <a:sym typeface="Calibri"/>
-              </a:rPr>
-              <a:t>Disk</a:t>
-            </a:r>
-            <a:endParaRPr sz="1800">
-              <a:solidFill>
-                <a:schemeClr val="dk1"/>
-              </a:solidFill>
-              <a:latin typeface="Calibri"/>
-              <a:ea typeface="Calibri"/>
-              <a:cs typeface="Calibri"/>
-              <a:sym typeface="Calibri"/>
-            </a:endParaRPr>
-          </a:p>
-        </p:txBody>
-      </p:sp>
-      <p:sp>
-        <p:nvSpPr>
-          <p:cNvPr id="317" name="Google Shape;317;p36"/>
-          <p:cNvSpPr txBox="1"/>
-          <p:nvPr/>
-        </p:nvSpPr>
-        <p:spPr>
-          <a:xfrm>
-            <a:off x="3783901" y="5710415"/>
-            <a:ext cx="787395" cy="369332"/>
-          </a:xfrm>
-          <a:prstGeom prst="rect">
-            <a:avLst/>
-          </a:prstGeom>
-          <a:noFill/>
-          <a:ln>
-            <a:noFill/>
-          </a:ln>
-        </p:spPr>
-        <p:txBody>
-          <a:bodyPr anchorCtr="0" anchor="t" bIns="45700" lIns="91425" spcFirstLastPara="1" rIns="91425" wrap="square" tIns="45700">
-            <a:noAutofit/>
-          </a:bodyPr>
-          <a:lstStyle/>
-          <a:p>
-            <a:pPr indent="0" lvl="0" marL="0" marR="0" rtl="0" algn="l">
-              <a:spcBef>
-                <a:spcPts val="0"/>
-              </a:spcBef>
-              <a:spcAft>
-                <a:spcPts val="0"/>
-              </a:spcAft>
-              <a:buNone/>
-            </a:pPr>
-            <a:r>
-              <a:rPr lang="en-US" sz="1800">
-                <a:solidFill>
-                  <a:schemeClr val="dk1"/>
-                </a:solidFill>
-                <a:latin typeface="Calibri"/>
-                <a:ea typeface="Calibri"/>
-                <a:cs typeface="Calibri"/>
-                <a:sym typeface="Calibri"/>
-              </a:rPr>
-              <a:t>Server</a:t>
-            </a:r>
-            <a:endParaRPr sz="1800">
-              <a:solidFill>
-                <a:schemeClr val="dk1"/>
-              </a:solidFill>
-              <a:latin typeface="Calibri"/>
-              <a:ea typeface="Calibri"/>
-              <a:cs typeface="Calibri"/>
-              <a:sym typeface="Calibri"/>
-            </a:endParaRPr>
-          </a:p>
-        </p:txBody>
-      </p:sp>
-      <p:sp>
-        <p:nvSpPr>
-          <p:cNvPr id="318" name="Google Shape;318;p36"/>
-          <p:cNvSpPr txBox="1"/>
-          <p:nvPr/>
-        </p:nvSpPr>
-        <p:spPr>
-          <a:xfrm>
-            <a:off x="6395335" y="5710415"/>
-            <a:ext cx="574872" cy="369332"/>
-          </a:xfrm>
-          <a:prstGeom prst="rect">
-            <a:avLst/>
-          </a:prstGeom>
-          <a:noFill/>
-          <a:ln>
-            <a:noFill/>
-          </a:ln>
-        </p:spPr>
-        <p:txBody>
-          <a:bodyPr anchorCtr="0" anchor="t" bIns="45700" lIns="91425" spcFirstLastPara="1" rIns="91425" wrap="square" tIns="45700">
-            <a:noAutofit/>
-          </a:bodyPr>
-          <a:lstStyle/>
-          <a:p>
-            <a:pPr indent="0" lvl="0" marL="0" marR="0" rtl="0" algn="l">
-              <a:spcBef>
-                <a:spcPts val="0"/>
-              </a:spcBef>
-              <a:spcAft>
-                <a:spcPts val="0"/>
-              </a:spcAft>
-              <a:buNone/>
-            </a:pPr>
-            <a:r>
-              <a:rPr lang="en-US" sz="1800">
-                <a:solidFill>
-                  <a:schemeClr val="dk1"/>
-                </a:solidFill>
-                <a:latin typeface="Calibri"/>
-                <a:ea typeface="Calibri"/>
-                <a:cs typeface="Calibri"/>
-                <a:sym typeface="Calibri"/>
-              </a:rPr>
-              <a:t>Disk</a:t>
+              <a:t>e=0.3</a:t>
             </a:r>
             <a:endParaRPr sz="1800">
               <a:solidFill>
@@ -23677,7 +23027,7 @@
   <p:cSld>
     <p:spTree>
       <p:nvGrpSpPr>
-        <p:cNvPr id="322" name="Shape 322"/>
+        <p:cNvPr id="304" name="Shape 304"/>
         <p:cNvGrpSpPr/>
         <p:nvPr/>
       </p:nvGrpSpPr>
@@ -23691,7 +23041,7 @@
       </p:grpSpPr>
       <p:sp>
         <p:nvSpPr>
-          <p:cNvPr id="323" name="Google Shape;323;p37"/>
+          <p:cNvPr id="305" name="Google Shape;305;p37"/>
           <p:cNvSpPr txBox="1"/>
           <p:nvPr>
             <p:ph type="title"/>
@@ -23738,229 +23088,9 @@
           </a:p>
         </p:txBody>
       </p:sp>
-      <p:sp>
-        <p:nvSpPr>
-          <p:cNvPr id="324" name="Google Shape;324;p37"/>
-          <p:cNvSpPr txBox="1"/>
-          <p:nvPr>
-            <p:ph idx="1" type="body"/>
-          </p:nvPr>
-        </p:nvSpPr>
-        <p:spPr>
-          <a:xfrm>
-            <a:off x="375635" y="1600200"/>
-            <a:ext cx="8229600" cy="4525963"/>
-          </a:xfrm>
-          <a:prstGeom prst="rect">
-            <a:avLst/>
-          </a:prstGeom>
-          <a:noFill/>
-          <a:ln>
-            <a:noFill/>
-          </a:ln>
-        </p:spPr>
-        <p:txBody>
-          <a:bodyPr anchorCtr="0" anchor="t" bIns="45700" lIns="91425" spcFirstLastPara="1" rIns="91425" wrap="square" tIns="45700">
-            <a:noAutofit/>
-          </a:bodyPr>
-          <a:lstStyle/>
-          <a:p>
-            <a:pPr indent="-342900" lvl="0" marL="342900" rtl="0" algn="l">
-              <a:spcBef>
-                <a:spcPts val="0"/>
-              </a:spcBef>
-              <a:spcAft>
-                <a:spcPts val="0"/>
-              </a:spcAft>
-              <a:buClr>
-                <a:schemeClr val="dk1"/>
-              </a:buClr>
-              <a:buSzPts val="3200"/>
-              <a:buChar char="•"/>
-            </a:pPr>
-            <a:r>
-              <a:rPr lang="en-US"/>
-              <a:t>Implies there is no serial part to the computation</a:t>
-            </a:r>
-            <a:endParaRPr/>
-          </a:p>
-          <a:p>
-            <a:pPr indent="-342900" lvl="0" marL="342900" rtl="0" algn="l">
-              <a:spcBef>
-                <a:spcPts val="640"/>
-              </a:spcBef>
-              <a:spcAft>
-                <a:spcPts val="0"/>
-              </a:spcAft>
-              <a:buClr>
-                <a:schemeClr val="dk1"/>
-              </a:buClr>
-              <a:buSzPts val="3200"/>
-              <a:buChar char="•"/>
-            </a:pPr>
-            <a:r>
-              <a:rPr lang="en-US"/>
-              <a:t>Karp-Flatt Metric of 0 </a:t>
-            </a:r>
-            <a:endParaRPr/>
-          </a:p>
-          <a:p>
-            <a:pPr indent="-285750" lvl="1" marL="742950" rtl="0" algn="l">
-              <a:spcBef>
-                <a:spcPts val="560"/>
-              </a:spcBef>
-              <a:spcAft>
-                <a:spcPts val="0"/>
-              </a:spcAft>
-              <a:buClr>
-                <a:schemeClr val="dk1"/>
-              </a:buClr>
-              <a:buSzPts val="2800"/>
-              <a:buChar char="–"/>
-            </a:pPr>
-            <a:r>
-              <a:rPr lang="en-US"/>
-              <a:t>Assuming 100% efficient load balancing</a:t>
-            </a:r>
-            <a:endParaRPr/>
-          </a:p>
-          <a:p>
-            <a:pPr indent="-342900" lvl="0" marL="342900" rtl="0" algn="l">
-              <a:spcBef>
-                <a:spcPts val="640"/>
-              </a:spcBef>
-              <a:spcAft>
-                <a:spcPts val="0"/>
-              </a:spcAft>
-              <a:buClr>
-                <a:schemeClr val="dk1"/>
-              </a:buClr>
-              <a:buSzPts val="3200"/>
-              <a:buChar char="•"/>
-            </a:pPr>
-            <a:r>
-              <a:rPr lang="en-US"/>
-              <a:t>In practice, this is difficult!</a:t>
-            </a:r>
-            <a:endParaRPr/>
-          </a:p>
-          <a:p>
-            <a:pPr indent="0" lvl="1" marL="457200" rtl="0" algn="l">
-              <a:spcBef>
-                <a:spcPts val="560"/>
-              </a:spcBef>
-              <a:spcAft>
-                <a:spcPts val="0"/>
-              </a:spcAft>
-              <a:buClr>
-                <a:schemeClr val="dk1"/>
-              </a:buClr>
-              <a:buSzPts val="2800"/>
-              <a:buNone/>
-            </a:pPr>
-            <a:r>
-              <a:t/>
-            </a:r>
-            <a:endParaRPr/>
-          </a:p>
-          <a:p>
-            <a:pPr indent="0" lvl="1" marL="457200" rtl="0" algn="l">
-              <a:spcBef>
-                <a:spcPts val="560"/>
-              </a:spcBef>
-              <a:spcAft>
-                <a:spcPts val="0"/>
-              </a:spcAft>
-              <a:buClr>
-                <a:schemeClr val="dk1"/>
-              </a:buClr>
-              <a:buSzPts val="2800"/>
-              <a:buNone/>
-            </a:pPr>
-            <a:r>
-              <a:t/>
-            </a:r>
-            <a:endParaRPr/>
-          </a:p>
-        </p:txBody>
-      </p:sp>
-    </p:spTree>
-  </p:cSld>
-  <p:clrMapOvr>
-    <a:masterClrMapping/>
-  </p:clrMapOvr>
-</p:sld>
-</file>
-
-<file path=ppt/slides/slide26.xml><?xml version="1.0" encoding="utf-8"?>
-<p:sld xmlns:a="http://schemas.openxmlformats.org/drawingml/2006/main" xmlns:r="http://schemas.openxmlformats.org/officeDocument/2006/relationships" xmlns:mc="http://schemas.openxmlformats.org/markup-compatibility/2006" xmlns:mv="urn:schemas-microsoft-com:mac:vml" xmlns:p="http://schemas.openxmlformats.org/presentationml/2006/main" xmlns:c="http://schemas.openxmlformats.org/drawingml/2006/chart" xmlns:dgm="http://schemas.openxmlformats.org/drawingml/2006/diagram" xmlns:o="urn:schemas-microsoft-com:office:office" xmlns:v="urn:schemas-microsoft-com:vml" xmlns:pvml="urn:schemas-microsoft-com:office:powerpoint" xmlns:com="http://schemas.openxmlformats.org/drawingml/2006/compatibility" xmlns:p14="http://schemas.microsoft.com/office/powerpoint/2010/main" xmlns:p15="http://schemas.microsoft.com/office/powerpoint/2012/main">
-  <p:cSld>
-    <p:spTree>
-      <p:nvGrpSpPr>
-        <p:cNvPr id="328" name="Shape 328"/>
-        <p:cNvGrpSpPr/>
-        <p:nvPr/>
-      </p:nvGrpSpPr>
-      <p:grpSpPr>
-        <a:xfrm>
-          <a:off x="0" y="0"/>
-          <a:ext cx="0" cy="0"/>
-          <a:chOff x="0" y="0"/>
-          <a:chExt cx="0" cy="0"/>
-        </a:xfrm>
-      </p:grpSpPr>
-      <p:sp>
-        <p:nvSpPr>
-          <p:cNvPr id="329" name="Google Shape;329;p38"/>
-          <p:cNvSpPr txBox="1"/>
-          <p:nvPr>
-            <p:ph type="title"/>
-          </p:nvPr>
-        </p:nvSpPr>
-        <p:spPr>
-          <a:xfrm>
-            <a:off x="457200" y="274638"/>
-            <a:ext cx="8229600" cy="1143000"/>
-          </a:xfrm>
-          <a:prstGeom prst="rect">
-            <a:avLst/>
-          </a:prstGeom>
-          <a:noFill/>
-          <a:ln>
-            <a:noFill/>
-          </a:ln>
-        </p:spPr>
-        <p:txBody>
-          <a:bodyPr anchorCtr="0" anchor="ctr" bIns="45700" lIns="91425" spcFirstLastPara="1" rIns="91425" wrap="square" tIns="45700">
-            <a:noAutofit/>
-          </a:bodyPr>
-          <a:lstStyle/>
-          <a:p>
-            <a:pPr indent="0" lvl="0" marL="0" rtl="0" algn="ctr">
-              <a:spcBef>
-                <a:spcPts val="0"/>
-              </a:spcBef>
-              <a:spcAft>
-                <a:spcPts val="0"/>
-              </a:spcAft>
-              <a:buClr>
-                <a:schemeClr val="dk1"/>
-              </a:buClr>
-              <a:buSzPts val="4400"/>
-              <a:buFont typeface="Montserrat"/>
-              <a:buNone/>
-            </a:pPr>
-            <a:r>
-              <a:rPr lang="en-US"/>
-              <a:t>Partitioning / Sharding</a:t>
-            </a:r>
-            <a:endParaRPr/>
-          </a:p>
-        </p:txBody>
-      </p:sp>
       <p:pic>
         <p:nvPicPr>
-          <p:cNvPr id="330" name="Google Shape;330;p38"/>
+          <p:cNvPr id="306" name="Google Shape;306;p37"/>
           <p:cNvPicPr preferRelativeResize="0"/>
           <p:nvPr/>
         </p:nvPicPr>
@@ -23987,7 +23117,7 @@
       </p:pic>
       <p:pic>
         <p:nvPicPr>
-          <p:cNvPr id="331" name="Google Shape;331;p38"/>
+          <p:cNvPr id="307" name="Google Shape;307;p37"/>
           <p:cNvPicPr preferRelativeResize="0"/>
           <p:nvPr/>
         </p:nvPicPr>
@@ -24014,7 +23144,7 @@
       </p:pic>
       <p:pic>
         <p:nvPicPr>
-          <p:cNvPr id="332" name="Google Shape;332;p38"/>
+          <p:cNvPr id="308" name="Google Shape;308;p37"/>
           <p:cNvPicPr preferRelativeResize="0"/>
           <p:nvPr/>
         </p:nvPicPr>
@@ -24041,7 +23171,7 @@
       </p:pic>
       <p:pic>
         <p:nvPicPr>
-          <p:cNvPr id="333" name="Google Shape;333;p38"/>
+          <p:cNvPr id="309" name="Google Shape;309;p37"/>
           <p:cNvPicPr preferRelativeResize="0"/>
           <p:nvPr/>
         </p:nvPicPr>
@@ -24068,7 +23198,7 @@
       </p:pic>
       <p:pic>
         <p:nvPicPr>
-          <p:cNvPr id="334" name="Google Shape;334;p38"/>
+          <p:cNvPr id="310" name="Google Shape;310;p37"/>
           <p:cNvPicPr preferRelativeResize="0"/>
           <p:nvPr/>
         </p:nvPicPr>
@@ -24095,7 +23225,7 @@
       </p:pic>
       <p:pic>
         <p:nvPicPr>
-          <p:cNvPr id="335" name="Google Shape;335;p38"/>
+          <p:cNvPr id="311" name="Google Shape;311;p37"/>
           <p:cNvPicPr preferRelativeResize="0"/>
           <p:nvPr/>
         </p:nvPicPr>
@@ -24122,10 +23252,10 @@
       </p:pic>
       <p:cxnSp>
         <p:nvCxnSpPr>
-          <p:cNvPr id="336" name="Google Shape;336;p38"/>
+          <p:cNvPr id="312" name="Google Shape;312;p37"/>
           <p:cNvCxnSpPr>
-            <a:stCxn id="330" idx="3"/>
-            <a:endCxn id="331" idx="1"/>
+            <a:stCxn id="306" idx="3"/>
+            <a:endCxn id="307" idx="1"/>
           </p:cNvCxnSpPr>
           <p:nvPr/>
         </p:nvCxnSpPr>
@@ -24158,7 +23288,7 @@
       </p:cxnSp>
       <p:cxnSp>
         <p:nvCxnSpPr>
-          <p:cNvPr id="337" name="Google Shape;337;p38"/>
+          <p:cNvPr id="313" name="Google Shape;313;p37"/>
           <p:cNvCxnSpPr/>
           <p:nvPr/>
         </p:nvCxnSpPr>
@@ -24191,7 +23321,7 @@
       </p:cxnSp>
       <p:cxnSp>
         <p:nvCxnSpPr>
-          <p:cNvPr id="338" name="Google Shape;338;p38"/>
+          <p:cNvPr id="314" name="Google Shape;314;p37"/>
           <p:cNvCxnSpPr/>
           <p:nvPr/>
         </p:nvCxnSpPr>
@@ -24224,7 +23354,7 @@
       </p:cxnSp>
       <p:pic>
         <p:nvPicPr>
-          <p:cNvPr id="339" name="Google Shape;339;p38"/>
+          <p:cNvPr id="315" name="Google Shape;315;p37"/>
           <p:cNvPicPr preferRelativeResize="0"/>
           <p:nvPr/>
         </p:nvPicPr>
@@ -24251,10 +23381,10 @@
       </p:pic>
       <p:cxnSp>
         <p:nvCxnSpPr>
-          <p:cNvPr id="340" name="Google Shape;340;p38"/>
+          <p:cNvPr id="316" name="Google Shape;316;p37"/>
           <p:cNvCxnSpPr>
-            <a:stCxn id="339" idx="3"/>
-            <a:endCxn id="330" idx="1"/>
+            <a:stCxn id="315" idx="3"/>
+            <a:endCxn id="306" idx="1"/>
           </p:cNvCxnSpPr>
           <p:nvPr/>
         </p:nvCxnSpPr>
@@ -24289,10 +23419,10 @@
       </p:cxnSp>
       <p:cxnSp>
         <p:nvCxnSpPr>
-          <p:cNvPr id="341" name="Google Shape;341;p38"/>
+          <p:cNvPr id="317" name="Google Shape;317;p37"/>
           <p:cNvCxnSpPr>
-            <a:stCxn id="339" idx="3"/>
-            <a:endCxn id="332" idx="1"/>
+            <a:stCxn id="315" idx="3"/>
+            <a:endCxn id="308" idx="1"/>
           </p:cNvCxnSpPr>
           <p:nvPr/>
         </p:nvCxnSpPr>
@@ -24327,10 +23457,10 @@
       </p:cxnSp>
       <p:cxnSp>
         <p:nvCxnSpPr>
-          <p:cNvPr id="342" name="Google Shape;342;p38"/>
+          <p:cNvPr id="318" name="Google Shape;318;p37"/>
           <p:cNvCxnSpPr>
-            <a:stCxn id="339" idx="3"/>
-            <a:endCxn id="334" idx="1"/>
+            <a:stCxn id="315" idx="3"/>
+            <a:endCxn id="310" idx="1"/>
           </p:cNvCxnSpPr>
           <p:nvPr/>
         </p:nvCxnSpPr>
@@ -24365,7 +23495,7 @@
       </p:cxnSp>
       <p:sp>
         <p:nvSpPr>
-          <p:cNvPr id="343" name="Google Shape;343;p38"/>
+          <p:cNvPr id="319" name="Google Shape;319;p37"/>
           <p:cNvSpPr txBox="1"/>
           <p:nvPr/>
         </p:nvSpPr>
@@ -24423,7 +23553,7 @@
       </p:sp>
       <p:sp>
         <p:nvSpPr>
-          <p:cNvPr id="344" name="Google Shape;344;p38"/>
+          <p:cNvPr id="320" name="Google Shape;320;p37"/>
           <p:cNvSpPr txBox="1"/>
           <p:nvPr/>
         </p:nvSpPr>
@@ -24481,7 +23611,7 @@
       </p:sp>
       <p:sp>
         <p:nvSpPr>
-          <p:cNvPr id="345" name="Google Shape;345;p38"/>
+          <p:cNvPr id="321" name="Google Shape;321;p37"/>
           <p:cNvSpPr txBox="1"/>
           <p:nvPr/>
         </p:nvSpPr>
@@ -24539,7 +23669,7 @@
       </p:sp>
       <p:sp>
         <p:nvSpPr>
-          <p:cNvPr id="346" name="Google Shape;346;p38"/>
+          <p:cNvPr id="322" name="Google Shape;322;p37"/>
           <p:cNvSpPr txBox="1"/>
           <p:nvPr/>
         </p:nvSpPr>
@@ -24597,7 +23727,7 @@
       </p:sp>
       <p:sp>
         <p:nvSpPr>
-          <p:cNvPr id="347" name="Google Shape;347;p38"/>
+          <p:cNvPr id="323" name="Google Shape;323;p37"/>
           <p:cNvSpPr txBox="1"/>
           <p:nvPr/>
         </p:nvSpPr>
@@ -24655,7 +23785,7 @@
       </p:sp>
       <p:sp>
         <p:nvSpPr>
-          <p:cNvPr id="348" name="Google Shape;348;p38"/>
+          <p:cNvPr id="324" name="Google Shape;324;p37"/>
           <p:cNvSpPr txBox="1"/>
           <p:nvPr/>
         </p:nvSpPr>
@@ -24713,7 +23843,7 @@
       </p:sp>
       <p:sp>
         <p:nvSpPr>
-          <p:cNvPr id="349" name="Google Shape;349;p38"/>
+          <p:cNvPr id="325" name="Google Shape;325;p37"/>
           <p:cNvSpPr txBox="1"/>
           <p:nvPr/>
         </p:nvSpPr>
@@ -24756,6 +23886,763 @@
                 <a:sym typeface="Calibri"/>
               </a:rPr>
               <a:t>Disk</a:t>
+            </a:r>
+            <a:endParaRPr sz="1800">
+              <a:solidFill>
+                <a:schemeClr val="dk1"/>
+              </a:solidFill>
+              <a:latin typeface="Calibri"/>
+              <a:ea typeface="Calibri"/>
+              <a:cs typeface="Calibri"/>
+              <a:sym typeface="Calibri"/>
+            </a:endParaRPr>
+          </a:p>
+        </p:txBody>
+      </p:sp>
+    </p:spTree>
+  </p:cSld>
+  <p:clrMapOvr>
+    <a:masterClrMapping/>
+  </p:clrMapOvr>
+</p:sld>
+</file>
+
+<file path=ppt/slides/slide26.xml><?xml version="1.0" encoding="utf-8"?>
+<p:sld xmlns:a="http://schemas.openxmlformats.org/drawingml/2006/main" xmlns:r="http://schemas.openxmlformats.org/officeDocument/2006/relationships" xmlns:mc="http://schemas.openxmlformats.org/markup-compatibility/2006" xmlns:mv="urn:schemas-microsoft-com:mac:vml" xmlns:p="http://schemas.openxmlformats.org/presentationml/2006/main" xmlns:c="http://schemas.openxmlformats.org/drawingml/2006/chart" xmlns:dgm="http://schemas.openxmlformats.org/drawingml/2006/diagram" xmlns:o="urn:schemas-microsoft-com:office:office" xmlns:v="urn:schemas-microsoft-com:vml" xmlns:pvml="urn:schemas-microsoft-com:office:powerpoint" xmlns:com="http://schemas.openxmlformats.org/drawingml/2006/compatibility" xmlns:p14="http://schemas.microsoft.com/office/powerpoint/2010/main" xmlns:p15="http://schemas.microsoft.com/office/powerpoint/2012/main">
+  <p:cSld>
+    <p:spTree>
+      <p:nvGrpSpPr>
+        <p:cNvPr id="329" name="Shape 329"/>
+        <p:cNvGrpSpPr/>
+        <p:nvPr/>
+      </p:nvGrpSpPr>
+      <p:grpSpPr>
+        <a:xfrm>
+          <a:off x="0" y="0"/>
+          <a:ext cx="0" cy="0"/>
+          <a:chOff x="0" y="0"/>
+          <a:chExt cx="0" cy="0"/>
+        </a:xfrm>
+      </p:grpSpPr>
+      <p:sp>
+        <p:nvSpPr>
+          <p:cNvPr id="330" name="Google Shape;330;p38"/>
+          <p:cNvSpPr txBox="1"/>
+          <p:nvPr>
+            <p:ph type="title"/>
+          </p:nvPr>
+        </p:nvSpPr>
+        <p:spPr>
+          <a:xfrm>
+            <a:off x="457200" y="274638"/>
+            <a:ext cx="8229600" cy="1143000"/>
+          </a:xfrm>
+          <a:prstGeom prst="rect">
+            <a:avLst/>
+          </a:prstGeom>
+          <a:noFill/>
+          <a:ln>
+            <a:noFill/>
+          </a:ln>
+        </p:spPr>
+        <p:txBody>
+          <a:bodyPr anchorCtr="0" anchor="ctr" bIns="45700" lIns="91425" spcFirstLastPara="1" rIns="91425" wrap="square" tIns="45700">
+            <a:noAutofit/>
+          </a:bodyPr>
+          <a:lstStyle/>
+          <a:p>
+            <a:pPr indent="0" lvl="0" marL="0" rtl="0" algn="ctr">
+              <a:spcBef>
+                <a:spcPts val="0"/>
+              </a:spcBef>
+              <a:spcAft>
+                <a:spcPts val="0"/>
+              </a:spcAft>
+              <a:buClr>
+                <a:schemeClr val="dk1"/>
+              </a:buClr>
+              <a:buSzPts val="4400"/>
+              <a:buFont typeface="Montserrat"/>
+              <a:buNone/>
+            </a:pPr>
+            <a:r>
+              <a:rPr lang="en-US"/>
+              <a:t>Shared Nothing Architecture</a:t>
+            </a:r>
+            <a:endParaRPr/>
+          </a:p>
+        </p:txBody>
+      </p:sp>
+      <p:sp>
+        <p:nvSpPr>
+          <p:cNvPr id="331" name="Google Shape;331;p38"/>
+          <p:cNvSpPr txBox="1"/>
+          <p:nvPr>
+            <p:ph idx="1" type="body"/>
+          </p:nvPr>
+        </p:nvSpPr>
+        <p:spPr>
+          <a:xfrm>
+            <a:off x="375635" y="1600200"/>
+            <a:ext cx="8229600" cy="4525963"/>
+          </a:xfrm>
+          <a:prstGeom prst="rect">
+            <a:avLst/>
+          </a:prstGeom>
+          <a:noFill/>
+          <a:ln>
+            <a:noFill/>
+          </a:ln>
+        </p:spPr>
+        <p:txBody>
+          <a:bodyPr anchorCtr="0" anchor="t" bIns="45700" lIns="91425" spcFirstLastPara="1" rIns="91425" wrap="square" tIns="45700">
+            <a:noAutofit/>
+          </a:bodyPr>
+          <a:lstStyle/>
+          <a:p>
+            <a:pPr indent="-342900" lvl="0" marL="342900" rtl="0" algn="l">
+              <a:spcBef>
+                <a:spcPts val="0"/>
+              </a:spcBef>
+              <a:spcAft>
+                <a:spcPts val="0"/>
+              </a:spcAft>
+              <a:buClr>
+                <a:schemeClr val="dk1"/>
+              </a:buClr>
+              <a:buSzPts val="3200"/>
+              <a:buChar char="•"/>
+            </a:pPr>
+            <a:r>
+              <a:rPr lang="en-US"/>
+              <a:t>Implies there is no serial part to the computation</a:t>
+            </a:r>
+            <a:endParaRPr/>
+          </a:p>
+          <a:p>
+            <a:pPr indent="-342900" lvl="0" marL="342900" rtl="0" algn="l">
+              <a:spcBef>
+                <a:spcPts val="640"/>
+              </a:spcBef>
+              <a:spcAft>
+                <a:spcPts val="0"/>
+              </a:spcAft>
+              <a:buClr>
+                <a:schemeClr val="dk1"/>
+              </a:buClr>
+              <a:buSzPts val="3200"/>
+              <a:buChar char="•"/>
+            </a:pPr>
+            <a:r>
+              <a:rPr lang="en-US"/>
+              <a:t>Karp-Flatt Metric of 0 </a:t>
+            </a:r>
+            <a:endParaRPr/>
+          </a:p>
+          <a:p>
+            <a:pPr indent="-285750" lvl="1" marL="742950" rtl="0" algn="l">
+              <a:spcBef>
+                <a:spcPts val="560"/>
+              </a:spcBef>
+              <a:spcAft>
+                <a:spcPts val="0"/>
+              </a:spcAft>
+              <a:buClr>
+                <a:schemeClr val="dk1"/>
+              </a:buClr>
+              <a:buSzPts val="2800"/>
+              <a:buChar char="–"/>
+            </a:pPr>
+            <a:r>
+              <a:rPr lang="en-US"/>
+              <a:t>Assuming 100% efficient load balancing</a:t>
+            </a:r>
+            <a:endParaRPr/>
+          </a:p>
+          <a:p>
+            <a:pPr indent="-342900" lvl="0" marL="342900" rtl="0" algn="l">
+              <a:spcBef>
+                <a:spcPts val="640"/>
+              </a:spcBef>
+              <a:spcAft>
+                <a:spcPts val="0"/>
+              </a:spcAft>
+              <a:buClr>
+                <a:schemeClr val="dk1"/>
+              </a:buClr>
+              <a:buSzPts val="3200"/>
+              <a:buChar char="•"/>
+            </a:pPr>
+            <a:r>
+              <a:rPr lang="en-US"/>
+              <a:t>In practice, this is difficult!</a:t>
+            </a:r>
+            <a:endParaRPr/>
+          </a:p>
+          <a:p>
+            <a:pPr indent="0" lvl="1" marL="457200" rtl="0" algn="l">
+              <a:spcBef>
+                <a:spcPts val="560"/>
+              </a:spcBef>
+              <a:spcAft>
+                <a:spcPts val="0"/>
+              </a:spcAft>
+              <a:buClr>
+                <a:schemeClr val="dk1"/>
+              </a:buClr>
+              <a:buSzPts val="2800"/>
+              <a:buNone/>
+            </a:pPr>
+            <a:r>
+              <a:t/>
+            </a:r>
+            <a:endParaRPr/>
+          </a:p>
+          <a:p>
+            <a:pPr indent="0" lvl="1" marL="457200" rtl="0" algn="l">
+              <a:spcBef>
+                <a:spcPts val="560"/>
+              </a:spcBef>
+              <a:spcAft>
+                <a:spcPts val="0"/>
+              </a:spcAft>
+              <a:buClr>
+                <a:schemeClr val="dk1"/>
+              </a:buClr>
+              <a:buSzPts val="2800"/>
+              <a:buNone/>
+            </a:pPr>
+            <a:r>
+              <a:t/>
+            </a:r>
+            <a:endParaRPr/>
+          </a:p>
+        </p:txBody>
+      </p:sp>
+    </p:spTree>
+  </p:cSld>
+  <p:clrMapOvr>
+    <a:masterClrMapping/>
+  </p:clrMapOvr>
+</p:sld>
+</file>
+
+<file path=ppt/slides/slide27.xml><?xml version="1.0" encoding="utf-8"?>
+<p:sld xmlns:a="http://schemas.openxmlformats.org/drawingml/2006/main" xmlns:r="http://schemas.openxmlformats.org/officeDocument/2006/relationships" xmlns:mc="http://schemas.openxmlformats.org/markup-compatibility/2006" xmlns:mv="urn:schemas-microsoft-com:mac:vml" xmlns:p="http://schemas.openxmlformats.org/presentationml/2006/main" xmlns:c="http://schemas.openxmlformats.org/drawingml/2006/chart" xmlns:dgm="http://schemas.openxmlformats.org/drawingml/2006/diagram" xmlns:o="urn:schemas-microsoft-com:office:office" xmlns:v="urn:schemas-microsoft-com:vml" xmlns:pvml="urn:schemas-microsoft-com:office:powerpoint" xmlns:com="http://schemas.openxmlformats.org/drawingml/2006/compatibility" xmlns:p14="http://schemas.microsoft.com/office/powerpoint/2010/main" xmlns:p15="http://schemas.microsoft.com/office/powerpoint/2012/main">
+  <p:cSld>
+    <p:spTree>
+      <p:nvGrpSpPr>
+        <p:cNvPr id="335" name="Shape 335"/>
+        <p:cNvGrpSpPr/>
+        <p:nvPr/>
+      </p:nvGrpSpPr>
+      <p:grpSpPr>
+        <a:xfrm>
+          <a:off x="0" y="0"/>
+          <a:ext cx="0" cy="0"/>
+          <a:chOff x="0" y="0"/>
+          <a:chExt cx="0" cy="0"/>
+        </a:xfrm>
+      </p:grpSpPr>
+      <p:sp>
+        <p:nvSpPr>
+          <p:cNvPr id="336" name="Google Shape;336;p39"/>
+          <p:cNvSpPr txBox="1"/>
+          <p:nvPr>
+            <p:ph type="title"/>
+          </p:nvPr>
+        </p:nvSpPr>
+        <p:spPr>
+          <a:xfrm>
+            <a:off x="457200" y="274638"/>
+            <a:ext cx="8229600" cy="1143000"/>
+          </a:xfrm>
+          <a:prstGeom prst="rect">
+            <a:avLst/>
+          </a:prstGeom>
+          <a:noFill/>
+          <a:ln>
+            <a:noFill/>
+          </a:ln>
+        </p:spPr>
+        <p:txBody>
+          <a:bodyPr anchorCtr="0" anchor="ctr" bIns="45700" lIns="91425" spcFirstLastPara="1" rIns="91425" wrap="square" tIns="45700">
+            <a:noAutofit/>
+          </a:bodyPr>
+          <a:lstStyle/>
+          <a:p>
+            <a:pPr indent="0" lvl="0" marL="0" rtl="0" algn="ctr">
+              <a:spcBef>
+                <a:spcPts val="0"/>
+              </a:spcBef>
+              <a:spcAft>
+                <a:spcPts val="0"/>
+              </a:spcAft>
+              <a:buClr>
+                <a:schemeClr val="dk1"/>
+              </a:buClr>
+              <a:buSzPts val="4400"/>
+              <a:buFont typeface="Montserrat"/>
+              <a:buNone/>
+            </a:pPr>
+            <a:r>
+              <a:rPr lang="en-US"/>
+              <a:t>Partitioning / Sharding</a:t>
+            </a:r>
+            <a:endParaRPr/>
+          </a:p>
+        </p:txBody>
+      </p:sp>
+      <p:pic>
+        <p:nvPicPr>
+          <p:cNvPr id="337" name="Google Shape;337;p39"/>
+          <p:cNvPicPr preferRelativeResize="0"/>
+          <p:nvPr/>
+        </p:nvPicPr>
+        <p:blipFill rotWithShape="1">
+          <a:blip r:embed="rId3">
+            <a:alphaModFix/>
+          </a:blip>
+          <a:srcRect b="0" l="0" r="0" t="0"/>
+          <a:stretch/>
+        </p:blipFill>
+        <p:spPr>
+          <a:xfrm>
+            <a:off x="3521966" y="1417638"/>
+            <a:ext cx="1164361" cy="1164361"/>
+          </a:xfrm>
+          <a:prstGeom prst="rect">
+            <a:avLst/>
+          </a:prstGeom>
+          <a:noFill/>
+          <a:ln>
+            <a:noFill/>
+          </a:ln>
+        </p:spPr>
+      </p:pic>
+      <p:pic>
+        <p:nvPicPr>
+          <p:cNvPr id="338" name="Google Shape;338;p39"/>
+          <p:cNvPicPr preferRelativeResize="0"/>
+          <p:nvPr/>
+        </p:nvPicPr>
+        <p:blipFill rotWithShape="1">
+          <a:blip r:embed="rId4">
+            <a:alphaModFix/>
+          </a:blip>
+          <a:srcRect b="0" l="0" r="0" t="0"/>
+          <a:stretch/>
+        </p:blipFill>
+        <p:spPr>
+          <a:xfrm>
+            <a:off x="6034418" y="1425501"/>
+            <a:ext cx="1502860" cy="1156498"/>
+          </a:xfrm>
+          <a:prstGeom prst="rect">
+            <a:avLst/>
+          </a:prstGeom>
+          <a:noFill/>
+          <a:ln>
+            <a:noFill/>
+          </a:ln>
+        </p:spPr>
+      </p:pic>
+      <p:pic>
+        <p:nvPicPr>
+          <p:cNvPr id="339" name="Google Shape;339;p39"/>
+          <p:cNvPicPr preferRelativeResize="0"/>
+          <p:nvPr/>
+        </p:nvPicPr>
+        <p:blipFill rotWithShape="1">
+          <a:blip r:embed="rId3">
+            <a:alphaModFix/>
+          </a:blip>
+          <a:srcRect b="0" l="0" r="0" t="0"/>
+          <a:stretch/>
+        </p:blipFill>
+        <p:spPr>
+          <a:xfrm>
+            <a:off x="3521966" y="2979670"/>
+            <a:ext cx="1164361" cy="1164361"/>
+          </a:xfrm>
+          <a:prstGeom prst="rect">
+            <a:avLst/>
+          </a:prstGeom>
+          <a:noFill/>
+          <a:ln>
+            <a:noFill/>
+          </a:ln>
+        </p:spPr>
+      </p:pic>
+      <p:pic>
+        <p:nvPicPr>
+          <p:cNvPr id="340" name="Google Shape;340;p39"/>
+          <p:cNvPicPr preferRelativeResize="0"/>
+          <p:nvPr/>
+        </p:nvPicPr>
+        <p:blipFill rotWithShape="1">
+          <a:blip r:embed="rId4">
+            <a:alphaModFix/>
+          </a:blip>
+          <a:srcRect b="0" l="0" r="0" t="0"/>
+          <a:stretch/>
+        </p:blipFill>
+        <p:spPr>
+          <a:xfrm>
+            <a:off x="6034418" y="2987533"/>
+            <a:ext cx="1502860" cy="1156498"/>
+          </a:xfrm>
+          <a:prstGeom prst="rect">
+            <a:avLst/>
+          </a:prstGeom>
+          <a:noFill/>
+          <a:ln>
+            <a:noFill/>
+          </a:ln>
+        </p:spPr>
+      </p:pic>
+      <p:pic>
+        <p:nvPicPr>
+          <p:cNvPr id="341" name="Google Shape;341;p39"/>
+          <p:cNvPicPr preferRelativeResize="0"/>
+          <p:nvPr/>
+        </p:nvPicPr>
+        <p:blipFill rotWithShape="1">
+          <a:blip r:embed="rId3">
+            <a:alphaModFix/>
+          </a:blip>
+          <a:srcRect b="0" l="0" r="0" t="0"/>
+          <a:stretch/>
+        </p:blipFill>
+        <p:spPr>
+          <a:xfrm>
+            <a:off x="3521966" y="4541702"/>
+            <a:ext cx="1164361" cy="1164361"/>
+          </a:xfrm>
+          <a:prstGeom prst="rect">
+            <a:avLst/>
+          </a:prstGeom>
+          <a:noFill/>
+          <a:ln>
+            <a:noFill/>
+          </a:ln>
+        </p:spPr>
+      </p:pic>
+      <p:pic>
+        <p:nvPicPr>
+          <p:cNvPr id="342" name="Google Shape;342;p39"/>
+          <p:cNvPicPr preferRelativeResize="0"/>
+          <p:nvPr/>
+        </p:nvPicPr>
+        <p:blipFill rotWithShape="1">
+          <a:blip r:embed="rId4">
+            <a:alphaModFix/>
+          </a:blip>
+          <a:srcRect b="0" l="0" r="0" t="0"/>
+          <a:stretch/>
+        </p:blipFill>
+        <p:spPr>
+          <a:xfrm>
+            <a:off x="6034418" y="4549565"/>
+            <a:ext cx="1502860" cy="1156498"/>
+          </a:xfrm>
+          <a:prstGeom prst="rect">
+            <a:avLst/>
+          </a:prstGeom>
+          <a:noFill/>
+          <a:ln>
+            <a:noFill/>
+          </a:ln>
+        </p:spPr>
+      </p:pic>
+      <p:cxnSp>
+        <p:nvCxnSpPr>
+          <p:cNvPr id="343" name="Google Shape;343;p39"/>
+          <p:cNvCxnSpPr>
+            <a:stCxn id="337" idx="3"/>
+            <a:endCxn id="338" idx="1"/>
+          </p:cNvCxnSpPr>
+          <p:nvPr/>
+        </p:nvCxnSpPr>
+        <p:spPr>
+          <a:xfrm>
+            <a:off x="4686327" y="1999819"/>
+            <a:ext cx="1348200" cy="3900"/>
+          </a:xfrm>
+          <a:prstGeom prst="straightConnector1">
+            <a:avLst/>
+          </a:prstGeom>
+          <a:noFill/>
+          <a:ln cap="flat" cmpd="sng" w="25400">
+            <a:solidFill>
+              <a:schemeClr val="accent1"/>
+            </a:solidFill>
+            <a:prstDash val="solid"/>
+            <a:round/>
+            <a:headEnd len="sm" w="sm" type="none"/>
+            <a:tailEnd len="med" w="med" type="stealth"/>
+          </a:ln>
+          <a:effectLst>
+            <a:outerShdw blurRad="40000" rotWithShape="0" dir="5400000" dist="20000">
+              <a:srgbClr val="000000">
+                <a:alpha val="37647"/>
+              </a:srgbClr>
+            </a:outerShdw>
+          </a:effectLst>
+        </p:spPr>
+      </p:cxnSp>
+      <p:cxnSp>
+        <p:nvCxnSpPr>
+          <p:cNvPr id="344" name="Google Shape;344;p39"/>
+          <p:cNvCxnSpPr/>
+          <p:nvPr/>
+        </p:nvCxnSpPr>
+        <p:spPr>
+          <a:xfrm>
+            <a:off x="4686327" y="3617679"/>
+            <a:ext cx="1348091" cy="3931"/>
+          </a:xfrm>
+          <a:prstGeom prst="straightConnector1">
+            <a:avLst/>
+          </a:prstGeom>
+          <a:noFill/>
+          <a:ln cap="flat" cmpd="sng" w="25400">
+            <a:solidFill>
+              <a:schemeClr val="accent1"/>
+            </a:solidFill>
+            <a:prstDash val="solid"/>
+            <a:round/>
+            <a:headEnd len="sm" w="sm" type="none"/>
+            <a:tailEnd len="med" w="med" type="stealth"/>
+          </a:ln>
+          <a:effectLst>
+            <a:outerShdw blurRad="40000" rotWithShape="0" dir="5400000" dist="20000">
+              <a:srgbClr val="000000">
+                <a:alpha val="37647"/>
+              </a:srgbClr>
+            </a:outerShdw>
+          </a:effectLst>
+        </p:spPr>
+      </p:cxnSp>
+      <p:cxnSp>
+        <p:nvCxnSpPr>
+          <p:cNvPr id="345" name="Google Shape;345;p39"/>
+          <p:cNvCxnSpPr/>
+          <p:nvPr/>
+        </p:nvCxnSpPr>
+        <p:spPr>
+          <a:xfrm>
+            <a:off x="4686327" y="5109928"/>
+            <a:ext cx="1348091" cy="3931"/>
+          </a:xfrm>
+          <a:prstGeom prst="straightConnector1">
+            <a:avLst/>
+          </a:prstGeom>
+          <a:noFill/>
+          <a:ln cap="flat" cmpd="sng" w="25400">
+            <a:solidFill>
+              <a:schemeClr val="accent1"/>
+            </a:solidFill>
+            <a:prstDash val="solid"/>
+            <a:round/>
+            <a:headEnd len="sm" w="sm" type="none"/>
+            <a:tailEnd len="med" w="med" type="stealth"/>
+          </a:ln>
+          <a:effectLst>
+            <a:outerShdw blurRad="40000" rotWithShape="0" dir="5400000" dist="20000">
+              <a:srgbClr val="000000">
+                <a:alpha val="37647"/>
+              </a:srgbClr>
+            </a:outerShdw>
+          </a:effectLst>
+        </p:spPr>
+      </p:cxnSp>
+      <p:pic>
+        <p:nvPicPr>
+          <p:cNvPr id="346" name="Google Shape;346;p39"/>
+          <p:cNvPicPr preferRelativeResize="0"/>
+          <p:nvPr/>
+        </p:nvPicPr>
+        <p:blipFill rotWithShape="1">
+          <a:blip r:embed="rId3">
+            <a:alphaModFix/>
+          </a:blip>
+          <a:srcRect b="0" l="0" r="0" t="0"/>
+          <a:stretch/>
+        </p:blipFill>
+        <p:spPr>
+          <a:xfrm>
+            <a:off x="1148515" y="2979670"/>
+            <a:ext cx="1164361" cy="1164361"/>
+          </a:xfrm>
+          <a:prstGeom prst="rect">
+            <a:avLst/>
+          </a:prstGeom>
+          <a:noFill/>
+          <a:ln>
+            <a:noFill/>
+          </a:ln>
+        </p:spPr>
+      </p:pic>
+      <p:cxnSp>
+        <p:nvCxnSpPr>
+          <p:cNvPr id="347" name="Google Shape;347;p39"/>
+          <p:cNvCxnSpPr>
+            <a:stCxn id="346" idx="3"/>
+            <a:endCxn id="337" idx="1"/>
+          </p:cNvCxnSpPr>
+          <p:nvPr/>
+        </p:nvCxnSpPr>
+        <p:spPr>
+          <a:xfrm flipH="1" rot="10800000">
+            <a:off x="2312876" y="1999750"/>
+            <a:ext cx="1209000" cy="1562100"/>
+          </a:xfrm>
+          <a:prstGeom prst="bentConnector3">
+            <a:avLst>
+              <a:gd fmla="val 50000" name="adj1"/>
+            </a:avLst>
+          </a:prstGeom>
+          <a:noFill/>
+          <a:ln cap="flat" cmpd="sng" w="25400">
+            <a:solidFill>
+              <a:schemeClr val="accent1"/>
+            </a:solidFill>
+            <a:prstDash val="solid"/>
+            <a:round/>
+            <a:headEnd len="sm" w="sm" type="none"/>
+            <a:tailEnd len="med" w="med" type="stealth"/>
+          </a:ln>
+          <a:effectLst>
+            <a:outerShdw blurRad="40000" rotWithShape="0" dir="5400000" dist="20000">
+              <a:srgbClr val="000000">
+                <a:alpha val="37647"/>
+              </a:srgbClr>
+            </a:outerShdw>
+          </a:effectLst>
+        </p:spPr>
+      </p:cxnSp>
+      <p:cxnSp>
+        <p:nvCxnSpPr>
+          <p:cNvPr id="348" name="Google Shape;348;p39"/>
+          <p:cNvCxnSpPr>
+            <a:stCxn id="346" idx="3"/>
+            <a:endCxn id="339" idx="1"/>
+          </p:cNvCxnSpPr>
+          <p:nvPr/>
+        </p:nvCxnSpPr>
+        <p:spPr>
+          <a:xfrm>
+            <a:off x="2312876" y="3561850"/>
+            <a:ext cx="1209000" cy="600"/>
+          </a:xfrm>
+          <a:prstGeom prst="bentConnector3">
+            <a:avLst>
+              <a:gd fmla="val 50004" name="adj1"/>
+            </a:avLst>
+          </a:prstGeom>
+          <a:noFill/>
+          <a:ln cap="flat" cmpd="sng" w="25400">
+            <a:solidFill>
+              <a:schemeClr val="accent1"/>
+            </a:solidFill>
+            <a:prstDash val="solid"/>
+            <a:round/>
+            <a:headEnd len="sm" w="sm" type="none"/>
+            <a:tailEnd len="med" w="med" type="stealth"/>
+          </a:ln>
+          <a:effectLst>
+            <a:outerShdw blurRad="40000" rotWithShape="0" dir="5400000" dist="20000">
+              <a:srgbClr val="000000">
+                <a:alpha val="37647"/>
+              </a:srgbClr>
+            </a:outerShdw>
+          </a:effectLst>
+        </p:spPr>
+      </p:cxnSp>
+      <p:cxnSp>
+        <p:nvCxnSpPr>
+          <p:cNvPr id="349" name="Google Shape;349;p39"/>
+          <p:cNvCxnSpPr>
+            <a:stCxn id="346" idx="3"/>
+            <a:endCxn id="341" idx="1"/>
+          </p:cNvCxnSpPr>
+          <p:nvPr/>
+        </p:nvCxnSpPr>
+        <p:spPr>
+          <a:xfrm>
+            <a:off x="2312876" y="3561850"/>
+            <a:ext cx="1209000" cy="1562100"/>
+          </a:xfrm>
+          <a:prstGeom prst="bentConnector3">
+            <a:avLst>
+              <a:gd fmla="val 50004" name="adj1"/>
+            </a:avLst>
+          </a:prstGeom>
+          <a:noFill/>
+          <a:ln cap="flat" cmpd="sng" w="25400">
+            <a:solidFill>
+              <a:schemeClr val="accent1"/>
+            </a:solidFill>
+            <a:prstDash val="solid"/>
+            <a:round/>
+            <a:headEnd len="sm" w="sm" type="none"/>
+            <a:tailEnd len="med" w="med" type="stealth"/>
+          </a:ln>
+          <a:effectLst>
+            <a:outerShdw blurRad="40000" rotWithShape="0" dir="5400000" dist="20000">
+              <a:srgbClr val="000000">
+                <a:alpha val="37647"/>
+              </a:srgbClr>
+            </a:outerShdw>
+          </a:effectLst>
+        </p:spPr>
+      </p:cxnSp>
+      <p:sp>
+        <p:nvSpPr>
+          <p:cNvPr id="350" name="Google Shape;350;p39"/>
+          <p:cNvSpPr txBox="1"/>
+          <p:nvPr/>
+        </p:nvSpPr>
+        <p:spPr>
+          <a:xfrm>
+            <a:off x="995010" y="4197755"/>
+            <a:ext cx="1501358" cy="369332"/>
+          </a:xfrm>
+          <a:prstGeom prst="rect">
+            <a:avLst/>
+          </a:prstGeom>
+          <a:noFill/>
+          <a:ln>
+            <a:noFill/>
+          </a:ln>
+        </p:spPr>
+        <p:txBody>
+          <a:bodyPr anchorCtr="0" anchor="t" bIns="45700" lIns="91425" spcFirstLastPara="1" rIns="91425" wrap="square" tIns="45700">
+            <a:noAutofit/>
+          </a:bodyPr>
+          <a:lstStyle/>
+          <a:p>
+            <a:pPr indent="0" lvl="0" marL="0" marR="0" rtl="0" algn="l">
+              <a:spcBef>
+                <a:spcPts val="0"/>
+              </a:spcBef>
+              <a:spcAft>
+                <a:spcPts val="0"/>
+              </a:spcAft>
+              <a:buNone/>
+            </a:pPr>
+            <a:r>
+              <a:rPr lang="en-US" sz="1800">
+                <a:solidFill>
+                  <a:schemeClr val="dk1"/>
+                </a:solidFill>
+                <a:latin typeface="Calibri"/>
+                <a:ea typeface="Calibri"/>
+                <a:cs typeface="Calibri"/>
+                <a:sym typeface="Calibri"/>
+              </a:rPr>
+              <a:t>Load Balancer</a:t>
             </a:r>
             <a:endParaRPr sz="1800">
               <a:solidFill>
@@ -24771,7 +24658,355 @@
       </p:sp>
       <p:sp>
         <p:nvSpPr>
-          <p:cNvPr id="350" name="Google Shape;350;p38"/>
+          <p:cNvPr id="351" name="Google Shape;351;p39"/>
+          <p:cNvSpPr txBox="1"/>
+          <p:nvPr/>
+        </p:nvSpPr>
+        <p:spPr>
+          <a:xfrm>
+            <a:off x="3787859" y="2577647"/>
+            <a:ext cx="787395" cy="369332"/>
+          </a:xfrm>
+          <a:prstGeom prst="rect">
+            <a:avLst/>
+          </a:prstGeom>
+          <a:noFill/>
+          <a:ln>
+            <a:noFill/>
+          </a:ln>
+        </p:spPr>
+        <p:txBody>
+          <a:bodyPr anchorCtr="0" anchor="t" bIns="45700" lIns="91425" spcFirstLastPara="1" rIns="91425" wrap="square" tIns="45700">
+            <a:noAutofit/>
+          </a:bodyPr>
+          <a:lstStyle/>
+          <a:p>
+            <a:pPr indent="0" lvl="0" marL="0" marR="0" rtl="0" algn="l">
+              <a:spcBef>
+                <a:spcPts val="0"/>
+              </a:spcBef>
+              <a:spcAft>
+                <a:spcPts val="0"/>
+              </a:spcAft>
+              <a:buNone/>
+            </a:pPr>
+            <a:r>
+              <a:rPr lang="en-US" sz="1800">
+                <a:solidFill>
+                  <a:schemeClr val="dk1"/>
+                </a:solidFill>
+                <a:latin typeface="Calibri"/>
+                <a:ea typeface="Calibri"/>
+                <a:cs typeface="Calibri"/>
+                <a:sym typeface="Calibri"/>
+              </a:rPr>
+              <a:t>Server</a:t>
+            </a:r>
+            <a:endParaRPr sz="1800">
+              <a:solidFill>
+                <a:schemeClr val="dk1"/>
+              </a:solidFill>
+              <a:latin typeface="Calibri"/>
+              <a:ea typeface="Calibri"/>
+              <a:cs typeface="Calibri"/>
+              <a:sym typeface="Calibri"/>
+            </a:endParaRPr>
+          </a:p>
+        </p:txBody>
+      </p:sp>
+      <p:sp>
+        <p:nvSpPr>
+          <p:cNvPr id="352" name="Google Shape;352;p39"/>
+          <p:cNvSpPr txBox="1"/>
+          <p:nvPr/>
+        </p:nvSpPr>
+        <p:spPr>
+          <a:xfrm>
+            <a:off x="6399293" y="2577647"/>
+            <a:ext cx="574872" cy="369332"/>
+          </a:xfrm>
+          <a:prstGeom prst="rect">
+            <a:avLst/>
+          </a:prstGeom>
+          <a:noFill/>
+          <a:ln>
+            <a:noFill/>
+          </a:ln>
+        </p:spPr>
+        <p:txBody>
+          <a:bodyPr anchorCtr="0" anchor="t" bIns="45700" lIns="91425" spcFirstLastPara="1" rIns="91425" wrap="square" tIns="45700">
+            <a:noAutofit/>
+          </a:bodyPr>
+          <a:lstStyle/>
+          <a:p>
+            <a:pPr indent="0" lvl="0" marL="0" marR="0" rtl="0" algn="l">
+              <a:spcBef>
+                <a:spcPts val="0"/>
+              </a:spcBef>
+              <a:spcAft>
+                <a:spcPts val="0"/>
+              </a:spcAft>
+              <a:buNone/>
+            </a:pPr>
+            <a:r>
+              <a:rPr lang="en-US" sz="1800">
+                <a:solidFill>
+                  <a:schemeClr val="dk1"/>
+                </a:solidFill>
+                <a:latin typeface="Calibri"/>
+                <a:ea typeface="Calibri"/>
+                <a:cs typeface="Calibri"/>
+                <a:sym typeface="Calibri"/>
+              </a:rPr>
+              <a:t>Disk</a:t>
+            </a:r>
+            <a:endParaRPr sz="1800">
+              <a:solidFill>
+                <a:schemeClr val="dk1"/>
+              </a:solidFill>
+              <a:latin typeface="Calibri"/>
+              <a:ea typeface="Calibri"/>
+              <a:cs typeface="Calibri"/>
+              <a:sym typeface="Calibri"/>
+            </a:endParaRPr>
+          </a:p>
+        </p:txBody>
+      </p:sp>
+      <p:sp>
+        <p:nvSpPr>
+          <p:cNvPr id="353" name="Google Shape;353;p39"/>
+          <p:cNvSpPr txBox="1"/>
+          <p:nvPr/>
+        </p:nvSpPr>
+        <p:spPr>
+          <a:xfrm>
+            <a:off x="3785880" y="4144031"/>
+            <a:ext cx="787395" cy="369332"/>
+          </a:xfrm>
+          <a:prstGeom prst="rect">
+            <a:avLst/>
+          </a:prstGeom>
+          <a:noFill/>
+          <a:ln>
+            <a:noFill/>
+          </a:ln>
+        </p:spPr>
+        <p:txBody>
+          <a:bodyPr anchorCtr="0" anchor="t" bIns="45700" lIns="91425" spcFirstLastPara="1" rIns="91425" wrap="square" tIns="45700">
+            <a:noAutofit/>
+          </a:bodyPr>
+          <a:lstStyle/>
+          <a:p>
+            <a:pPr indent="0" lvl="0" marL="0" marR="0" rtl="0" algn="l">
+              <a:spcBef>
+                <a:spcPts val="0"/>
+              </a:spcBef>
+              <a:spcAft>
+                <a:spcPts val="0"/>
+              </a:spcAft>
+              <a:buNone/>
+            </a:pPr>
+            <a:r>
+              <a:rPr lang="en-US" sz="1800">
+                <a:solidFill>
+                  <a:schemeClr val="dk1"/>
+                </a:solidFill>
+                <a:latin typeface="Calibri"/>
+                <a:ea typeface="Calibri"/>
+                <a:cs typeface="Calibri"/>
+                <a:sym typeface="Calibri"/>
+              </a:rPr>
+              <a:t>Server</a:t>
+            </a:r>
+            <a:endParaRPr sz="1800">
+              <a:solidFill>
+                <a:schemeClr val="dk1"/>
+              </a:solidFill>
+              <a:latin typeface="Calibri"/>
+              <a:ea typeface="Calibri"/>
+              <a:cs typeface="Calibri"/>
+              <a:sym typeface="Calibri"/>
+            </a:endParaRPr>
+          </a:p>
+        </p:txBody>
+      </p:sp>
+      <p:sp>
+        <p:nvSpPr>
+          <p:cNvPr id="354" name="Google Shape;354;p39"/>
+          <p:cNvSpPr txBox="1"/>
+          <p:nvPr/>
+        </p:nvSpPr>
+        <p:spPr>
+          <a:xfrm>
+            <a:off x="6397314" y="4144031"/>
+            <a:ext cx="574872" cy="369332"/>
+          </a:xfrm>
+          <a:prstGeom prst="rect">
+            <a:avLst/>
+          </a:prstGeom>
+          <a:noFill/>
+          <a:ln>
+            <a:noFill/>
+          </a:ln>
+        </p:spPr>
+        <p:txBody>
+          <a:bodyPr anchorCtr="0" anchor="t" bIns="45700" lIns="91425" spcFirstLastPara="1" rIns="91425" wrap="square" tIns="45700">
+            <a:noAutofit/>
+          </a:bodyPr>
+          <a:lstStyle/>
+          <a:p>
+            <a:pPr indent="0" lvl="0" marL="0" marR="0" rtl="0" algn="l">
+              <a:spcBef>
+                <a:spcPts val="0"/>
+              </a:spcBef>
+              <a:spcAft>
+                <a:spcPts val="0"/>
+              </a:spcAft>
+              <a:buNone/>
+            </a:pPr>
+            <a:r>
+              <a:rPr lang="en-US" sz="1800">
+                <a:solidFill>
+                  <a:schemeClr val="dk1"/>
+                </a:solidFill>
+                <a:latin typeface="Calibri"/>
+                <a:ea typeface="Calibri"/>
+                <a:cs typeface="Calibri"/>
+                <a:sym typeface="Calibri"/>
+              </a:rPr>
+              <a:t>Disk</a:t>
+            </a:r>
+            <a:endParaRPr sz="1800">
+              <a:solidFill>
+                <a:schemeClr val="dk1"/>
+              </a:solidFill>
+              <a:latin typeface="Calibri"/>
+              <a:ea typeface="Calibri"/>
+              <a:cs typeface="Calibri"/>
+              <a:sym typeface="Calibri"/>
+            </a:endParaRPr>
+          </a:p>
+        </p:txBody>
+      </p:sp>
+      <p:sp>
+        <p:nvSpPr>
+          <p:cNvPr id="355" name="Google Shape;355;p39"/>
+          <p:cNvSpPr txBox="1"/>
+          <p:nvPr/>
+        </p:nvSpPr>
+        <p:spPr>
+          <a:xfrm>
+            <a:off x="3783901" y="5710415"/>
+            <a:ext cx="787395" cy="369332"/>
+          </a:xfrm>
+          <a:prstGeom prst="rect">
+            <a:avLst/>
+          </a:prstGeom>
+          <a:noFill/>
+          <a:ln>
+            <a:noFill/>
+          </a:ln>
+        </p:spPr>
+        <p:txBody>
+          <a:bodyPr anchorCtr="0" anchor="t" bIns="45700" lIns="91425" spcFirstLastPara="1" rIns="91425" wrap="square" tIns="45700">
+            <a:noAutofit/>
+          </a:bodyPr>
+          <a:lstStyle/>
+          <a:p>
+            <a:pPr indent="0" lvl="0" marL="0" marR="0" rtl="0" algn="l">
+              <a:spcBef>
+                <a:spcPts val="0"/>
+              </a:spcBef>
+              <a:spcAft>
+                <a:spcPts val="0"/>
+              </a:spcAft>
+              <a:buNone/>
+            </a:pPr>
+            <a:r>
+              <a:rPr lang="en-US" sz="1800">
+                <a:solidFill>
+                  <a:schemeClr val="dk1"/>
+                </a:solidFill>
+                <a:latin typeface="Calibri"/>
+                <a:ea typeface="Calibri"/>
+                <a:cs typeface="Calibri"/>
+                <a:sym typeface="Calibri"/>
+              </a:rPr>
+              <a:t>Server</a:t>
+            </a:r>
+            <a:endParaRPr sz="1800">
+              <a:solidFill>
+                <a:schemeClr val="dk1"/>
+              </a:solidFill>
+              <a:latin typeface="Calibri"/>
+              <a:ea typeface="Calibri"/>
+              <a:cs typeface="Calibri"/>
+              <a:sym typeface="Calibri"/>
+            </a:endParaRPr>
+          </a:p>
+        </p:txBody>
+      </p:sp>
+      <p:sp>
+        <p:nvSpPr>
+          <p:cNvPr id="356" name="Google Shape;356;p39"/>
+          <p:cNvSpPr txBox="1"/>
+          <p:nvPr/>
+        </p:nvSpPr>
+        <p:spPr>
+          <a:xfrm>
+            <a:off x="6395335" y="5710415"/>
+            <a:ext cx="574872" cy="369332"/>
+          </a:xfrm>
+          <a:prstGeom prst="rect">
+            <a:avLst/>
+          </a:prstGeom>
+          <a:noFill/>
+          <a:ln>
+            <a:noFill/>
+          </a:ln>
+        </p:spPr>
+        <p:txBody>
+          <a:bodyPr anchorCtr="0" anchor="t" bIns="45700" lIns="91425" spcFirstLastPara="1" rIns="91425" wrap="square" tIns="45700">
+            <a:noAutofit/>
+          </a:bodyPr>
+          <a:lstStyle/>
+          <a:p>
+            <a:pPr indent="0" lvl="0" marL="0" marR="0" rtl="0" algn="l">
+              <a:spcBef>
+                <a:spcPts val="0"/>
+              </a:spcBef>
+              <a:spcAft>
+                <a:spcPts val="0"/>
+              </a:spcAft>
+              <a:buNone/>
+            </a:pPr>
+            <a:r>
+              <a:rPr lang="en-US" sz="1800">
+                <a:solidFill>
+                  <a:schemeClr val="dk1"/>
+                </a:solidFill>
+                <a:latin typeface="Calibri"/>
+                <a:ea typeface="Calibri"/>
+                <a:cs typeface="Calibri"/>
+                <a:sym typeface="Calibri"/>
+              </a:rPr>
+              <a:t>Disk</a:t>
+            </a:r>
+            <a:endParaRPr sz="1800">
+              <a:solidFill>
+                <a:schemeClr val="dk1"/>
+              </a:solidFill>
+              <a:latin typeface="Calibri"/>
+              <a:ea typeface="Calibri"/>
+              <a:cs typeface="Calibri"/>
+              <a:sym typeface="Calibri"/>
+            </a:endParaRPr>
+          </a:p>
+        </p:txBody>
+      </p:sp>
+      <p:sp>
+        <p:nvSpPr>
+          <p:cNvPr id="357" name="Google Shape;357;p39"/>
           <p:cNvSpPr txBox="1"/>
           <p:nvPr/>
         </p:nvSpPr>
@@ -24829,7 +25064,7 @@
       </p:sp>
       <p:sp>
         <p:nvSpPr>
-          <p:cNvPr id="351" name="Google Shape;351;p38"/>
+          <p:cNvPr id="358" name="Google Shape;358;p39"/>
           <p:cNvSpPr txBox="1"/>
           <p:nvPr/>
         </p:nvSpPr>
@@ -24887,7 +25122,7 @@
       </p:sp>
       <p:sp>
         <p:nvSpPr>
-          <p:cNvPr id="352" name="Google Shape;352;p38"/>
+          <p:cNvPr id="359" name="Google Shape;359;p39"/>
           <p:cNvSpPr txBox="1"/>
           <p:nvPr/>
         </p:nvSpPr>
@@ -24951,12 +25186,12 @@
 </p:sld>
 </file>
 
-<file path=ppt/slides/slide27.xml><?xml version="1.0" encoding="utf-8"?>
+<file path=ppt/slides/slide28.xml><?xml version="1.0" encoding="utf-8"?>
 <p:sld xmlns:a="http://schemas.openxmlformats.org/drawingml/2006/main" xmlns:r="http://schemas.openxmlformats.org/officeDocument/2006/relationships" xmlns:mc="http://schemas.openxmlformats.org/markup-compatibility/2006" xmlns:mv="urn:schemas-microsoft-com:mac:vml" xmlns:p="http://schemas.openxmlformats.org/presentationml/2006/main" xmlns:c="http://schemas.openxmlformats.org/drawingml/2006/chart" xmlns:dgm="http://schemas.openxmlformats.org/drawingml/2006/diagram" xmlns:o="urn:schemas-microsoft-com:office:office" xmlns:v="urn:schemas-microsoft-com:vml" xmlns:pvml="urn:schemas-microsoft-com:office:powerpoint" xmlns:com="http://schemas.openxmlformats.org/drawingml/2006/compatibility" xmlns:p14="http://schemas.microsoft.com/office/powerpoint/2010/main" xmlns:p15="http://schemas.microsoft.com/office/powerpoint/2012/main">
   <p:cSld>
     <p:spTree>
       <p:nvGrpSpPr>
-        <p:cNvPr id="356" name="Shape 356"/>
+        <p:cNvPr id="363" name="Shape 363"/>
         <p:cNvGrpSpPr/>
         <p:nvPr/>
       </p:nvGrpSpPr>
@@ -24970,7 +25205,7 @@
       </p:grpSpPr>
       <p:sp>
         <p:nvSpPr>
-          <p:cNvPr id="357" name="Google Shape;357;p39"/>
+          <p:cNvPr id="364" name="Google Shape;364;p40"/>
           <p:cNvSpPr txBox="1"/>
           <p:nvPr>
             <p:ph type="title"/>
@@ -25019,7 +25254,7 @@
       </p:sp>
       <p:sp>
         <p:nvSpPr>
-          <p:cNvPr id="358" name="Google Shape;358;p39"/>
+          <p:cNvPr id="365" name="Google Shape;365;p40"/>
           <p:cNvSpPr txBox="1"/>
           <p:nvPr>
             <p:ph idx="1" type="body"/>
@@ -25147,207 +25382,6 @@
             <a:r>
               <a:rPr lang="en-US"/>
               <a:t>Is this automatic or manual?!</a:t>
-            </a:r>
-            <a:endParaRPr/>
-          </a:p>
-        </p:txBody>
-      </p:sp>
-    </p:spTree>
-  </p:cSld>
-  <p:clrMapOvr>
-    <a:masterClrMapping/>
-  </p:clrMapOvr>
-</p:sld>
-</file>
-
-<file path=ppt/slides/slide28.xml><?xml version="1.0" encoding="utf-8"?>
-<p:sld xmlns:a="http://schemas.openxmlformats.org/drawingml/2006/main" xmlns:r="http://schemas.openxmlformats.org/officeDocument/2006/relationships" xmlns:mc="http://schemas.openxmlformats.org/markup-compatibility/2006" xmlns:mv="urn:schemas-microsoft-com:mac:vml" xmlns:p="http://schemas.openxmlformats.org/presentationml/2006/main" xmlns:c="http://schemas.openxmlformats.org/drawingml/2006/chart" xmlns:dgm="http://schemas.openxmlformats.org/drawingml/2006/diagram" xmlns:o="urn:schemas-microsoft-com:office:office" xmlns:v="urn:schemas-microsoft-com:vml" xmlns:pvml="urn:schemas-microsoft-com:office:powerpoint" xmlns:com="http://schemas.openxmlformats.org/drawingml/2006/compatibility" xmlns:p14="http://schemas.microsoft.com/office/powerpoint/2010/main" xmlns:p15="http://schemas.microsoft.com/office/powerpoint/2012/main">
-  <p:cSld>
-    <p:spTree>
-      <p:nvGrpSpPr>
-        <p:cNvPr id="362" name="Shape 362"/>
-        <p:cNvGrpSpPr/>
-        <p:nvPr/>
-      </p:nvGrpSpPr>
-      <p:grpSpPr>
-        <a:xfrm>
-          <a:off x="0" y="0"/>
-          <a:ext cx="0" cy="0"/>
-          <a:chOff x="0" y="0"/>
-          <a:chExt cx="0" cy="0"/>
-        </a:xfrm>
-      </p:grpSpPr>
-      <p:sp>
-        <p:nvSpPr>
-          <p:cNvPr id="363" name="Google Shape;363;p40"/>
-          <p:cNvSpPr txBox="1"/>
-          <p:nvPr>
-            <p:ph type="title"/>
-          </p:nvPr>
-        </p:nvSpPr>
-        <p:spPr>
-          <a:xfrm>
-            <a:off x="457200" y="274638"/>
-            <a:ext cx="8229600" cy="1143000"/>
-          </a:xfrm>
-          <a:prstGeom prst="rect">
-            <a:avLst/>
-          </a:prstGeom>
-          <a:noFill/>
-          <a:ln>
-            <a:noFill/>
-          </a:ln>
-        </p:spPr>
-        <p:txBody>
-          <a:bodyPr anchorCtr="0" anchor="ctr" bIns="45700" lIns="91425" spcFirstLastPara="1" rIns="91425" wrap="square" tIns="45700">
-            <a:noAutofit/>
-          </a:bodyPr>
-          <a:lstStyle/>
-          <a:p>
-            <a:pPr indent="0" lvl="0" marL="0" rtl="0" algn="ctr">
-              <a:spcBef>
-                <a:spcPts val="0"/>
-              </a:spcBef>
-              <a:spcAft>
-                <a:spcPts val="0"/>
-              </a:spcAft>
-              <a:buClr>
-                <a:schemeClr val="dk1"/>
-              </a:buClr>
-              <a:buSzPts val="4400"/>
-              <a:buFont typeface="Montserrat"/>
-              <a:buNone/>
-            </a:pPr>
-            <a:r>
-              <a:rPr lang="en-US"/>
-              <a:t>Elastic Scaling</a:t>
-            </a:r>
-            <a:endParaRPr/>
-          </a:p>
-        </p:txBody>
-      </p:sp>
-      <p:sp>
-        <p:nvSpPr>
-          <p:cNvPr id="364" name="Google Shape;364;p40"/>
-          <p:cNvSpPr txBox="1"/>
-          <p:nvPr>
-            <p:ph idx="1" type="body"/>
-          </p:nvPr>
-        </p:nvSpPr>
-        <p:spPr>
-          <a:xfrm>
-            <a:off x="375635" y="1600200"/>
-            <a:ext cx="8229600" cy="4525963"/>
-          </a:xfrm>
-          <a:prstGeom prst="rect">
-            <a:avLst/>
-          </a:prstGeom>
-          <a:noFill/>
-          <a:ln>
-            <a:noFill/>
-          </a:ln>
-        </p:spPr>
-        <p:txBody>
-          <a:bodyPr anchorCtr="0" anchor="t" bIns="45700" lIns="91425" spcFirstLastPara="1" rIns="91425" wrap="square" tIns="45700">
-            <a:noAutofit/>
-          </a:bodyPr>
-          <a:lstStyle/>
-          <a:p>
-            <a:pPr indent="-342900" lvl="0" marL="342900" rtl="0" algn="l">
-              <a:spcBef>
-                <a:spcPts val="0"/>
-              </a:spcBef>
-              <a:spcAft>
-                <a:spcPts val="0"/>
-              </a:spcAft>
-              <a:buClr>
-                <a:schemeClr val="dk1"/>
-              </a:buClr>
-              <a:buSzPts val="3200"/>
-              <a:buChar char="•"/>
-            </a:pPr>
-            <a:r>
-              <a:rPr lang="en-US"/>
-              <a:t>Dynamically adjusting the number of nodes in a cloud</a:t>
-            </a:r>
-            <a:endParaRPr/>
-          </a:p>
-          <a:p>
-            <a:pPr indent="-285750" lvl="1" marL="742950" rtl="0" algn="l">
-              <a:spcBef>
-                <a:spcPts val="560"/>
-              </a:spcBef>
-              <a:spcAft>
-                <a:spcPts val="0"/>
-              </a:spcAft>
-              <a:buClr>
-                <a:schemeClr val="dk1"/>
-              </a:buClr>
-              <a:buSzPts val="2800"/>
-              <a:buChar char="–"/>
-            </a:pPr>
-            <a:r>
-              <a:rPr lang="en-US"/>
-              <a:t>Both up and down</a:t>
-            </a:r>
-            <a:endParaRPr/>
-          </a:p>
-          <a:p>
-            <a:pPr indent="-285750" lvl="1" marL="742950" rtl="0" algn="l">
-              <a:spcBef>
-                <a:spcPts val="560"/>
-              </a:spcBef>
-              <a:spcAft>
-                <a:spcPts val="0"/>
-              </a:spcAft>
-              <a:buClr>
-                <a:schemeClr val="dk1"/>
-              </a:buClr>
-              <a:buSzPts val="2800"/>
-              <a:buChar char="–"/>
-            </a:pPr>
-            <a:r>
-              <a:rPr lang="en-US"/>
-              <a:t>Based on input load</a:t>
-            </a:r>
-            <a:endParaRPr/>
-          </a:p>
-          <a:p>
-            <a:pPr indent="-285750" lvl="1" marL="742950" rtl="0" algn="l">
-              <a:spcBef>
-                <a:spcPts val="560"/>
-              </a:spcBef>
-              <a:spcAft>
-                <a:spcPts val="0"/>
-              </a:spcAft>
-              <a:buClr>
-                <a:schemeClr val="dk1"/>
-              </a:buClr>
-              <a:buSzPts val="2800"/>
-              <a:buChar char="–"/>
-            </a:pPr>
-            <a:r>
-              <a:rPr lang="en-US"/>
-              <a:t>Aiming to meet a specific SLA</a:t>
-            </a:r>
-            <a:endParaRPr/>
-          </a:p>
-          <a:p>
-            <a:pPr indent="0" lvl="0" marL="0" rtl="0" algn="l">
-              <a:spcBef>
-                <a:spcPts val="640"/>
-              </a:spcBef>
-              <a:spcAft>
-                <a:spcPts val="0"/>
-              </a:spcAft>
-              <a:buClr>
-                <a:schemeClr val="dk1"/>
-              </a:buClr>
-              <a:buSzPts val="3200"/>
-              <a:buNone/>
-            </a:pPr>
-            <a:r>
-              <a:t/>
             </a:r>
             <a:endParaRPr/>
           </a:p>
@@ -25366,7 +25400,7 @@
   <p:cSld>
     <p:spTree>
       <p:nvGrpSpPr>
-        <p:cNvPr id="368" name="Shape 368"/>
+        <p:cNvPr id="369" name="Shape 369"/>
         <p:cNvGrpSpPr/>
         <p:nvPr/>
       </p:nvGrpSpPr>
@@ -25380,7 +25414,7 @@
       </p:grpSpPr>
       <p:sp>
         <p:nvSpPr>
-          <p:cNvPr id="369" name="Google Shape;369;p41"/>
+          <p:cNvPr id="370" name="Google Shape;370;p41"/>
           <p:cNvSpPr txBox="1"/>
           <p:nvPr>
             <p:ph type="title"/>
@@ -25421,6 +25455,369 @@
             </a:pPr>
             <a:r>
               <a:rPr lang="en-US"/>
+              <a:t>Elastic Scaling</a:t>
+            </a:r>
+            <a:endParaRPr/>
+          </a:p>
+        </p:txBody>
+      </p:sp>
+      <p:sp>
+        <p:nvSpPr>
+          <p:cNvPr id="371" name="Google Shape;371;p41"/>
+          <p:cNvSpPr txBox="1"/>
+          <p:nvPr>
+            <p:ph idx="1" type="body"/>
+          </p:nvPr>
+        </p:nvSpPr>
+        <p:spPr>
+          <a:xfrm>
+            <a:off x="375635" y="1600200"/>
+            <a:ext cx="8229600" cy="4525963"/>
+          </a:xfrm>
+          <a:prstGeom prst="rect">
+            <a:avLst/>
+          </a:prstGeom>
+          <a:noFill/>
+          <a:ln>
+            <a:noFill/>
+          </a:ln>
+        </p:spPr>
+        <p:txBody>
+          <a:bodyPr anchorCtr="0" anchor="t" bIns="45700" lIns="91425" spcFirstLastPara="1" rIns="91425" wrap="square" tIns="45700">
+            <a:noAutofit/>
+          </a:bodyPr>
+          <a:lstStyle/>
+          <a:p>
+            <a:pPr indent="-342900" lvl="0" marL="342900" rtl="0" algn="l">
+              <a:spcBef>
+                <a:spcPts val="0"/>
+              </a:spcBef>
+              <a:spcAft>
+                <a:spcPts val="0"/>
+              </a:spcAft>
+              <a:buClr>
+                <a:schemeClr val="dk1"/>
+              </a:buClr>
+              <a:buSzPts val="3200"/>
+              <a:buChar char="•"/>
+            </a:pPr>
+            <a:r>
+              <a:rPr lang="en-US"/>
+              <a:t>Dynamically adjusting the number of nodes in a cloud</a:t>
+            </a:r>
+            <a:endParaRPr/>
+          </a:p>
+          <a:p>
+            <a:pPr indent="-285750" lvl="1" marL="742950" rtl="0" algn="l">
+              <a:spcBef>
+                <a:spcPts val="560"/>
+              </a:spcBef>
+              <a:spcAft>
+                <a:spcPts val="0"/>
+              </a:spcAft>
+              <a:buClr>
+                <a:schemeClr val="dk1"/>
+              </a:buClr>
+              <a:buSzPts val="2800"/>
+              <a:buChar char="–"/>
+            </a:pPr>
+            <a:r>
+              <a:rPr lang="en-US"/>
+              <a:t>Both up and down</a:t>
+            </a:r>
+            <a:endParaRPr/>
+          </a:p>
+          <a:p>
+            <a:pPr indent="-285750" lvl="1" marL="742950" rtl="0" algn="l">
+              <a:spcBef>
+                <a:spcPts val="560"/>
+              </a:spcBef>
+              <a:spcAft>
+                <a:spcPts val="0"/>
+              </a:spcAft>
+              <a:buClr>
+                <a:schemeClr val="dk1"/>
+              </a:buClr>
+              <a:buSzPts val="2800"/>
+              <a:buChar char="–"/>
+            </a:pPr>
+            <a:r>
+              <a:rPr lang="en-US"/>
+              <a:t>Based on input load</a:t>
+            </a:r>
+            <a:endParaRPr/>
+          </a:p>
+          <a:p>
+            <a:pPr indent="-285750" lvl="1" marL="742950" rtl="0" algn="l">
+              <a:spcBef>
+                <a:spcPts val="560"/>
+              </a:spcBef>
+              <a:spcAft>
+                <a:spcPts val="0"/>
+              </a:spcAft>
+              <a:buClr>
+                <a:schemeClr val="dk1"/>
+              </a:buClr>
+              <a:buSzPts val="2800"/>
+              <a:buChar char="–"/>
+            </a:pPr>
+            <a:r>
+              <a:rPr lang="en-US"/>
+              <a:t>Aiming to meet a specific SLA</a:t>
+            </a:r>
+            <a:endParaRPr/>
+          </a:p>
+          <a:p>
+            <a:pPr indent="0" lvl="0" marL="0" rtl="0" algn="l">
+              <a:spcBef>
+                <a:spcPts val="640"/>
+              </a:spcBef>
+              <a:spcAft>
+                <a:spcPts val="0"/>
+              </a:spcAft>
+              <a:buClr>
+                <a:schemeClr val="dk1"/>
+              </a:buClr>
+              <a:buSzPts val="3200"/>
+              <a:buNone/>
+            </a:pPr>
+            <a:r>
+              <a:t/>
+            </a:r>
+            <a:endParaRPr/>
+          </a:p>
+        </p:txBody>
+      </p:sp>
+    </p:spTree>
+  </p:cSld>
+  <p:clrMapOvr>
+    <a:masterClrMapping/>
+  </p:clrMapOvr>
+</p:sld>
+</file>
+
+<file path=ppt/slides/slide3.xml><?xml version="1.0" encoding="utf-8"?>
+<p:sld xmlns:a="http://schemas.openxmlformats.org/drawingml/2006/main" xmlns:r="http://schemas.openxmlformats.org/officeDocument/2006/relationships" xmlns:mc="http://schemas.openxmlformats.org/markup-compatibility/2006" xmlns:mv="urn:schemas-microsoft-com:mac:vml" xmlns:p="http://schemas.openxmlformats.org/presentationml/2006/main" xmlns:c="http://schemas.openxmlformats.org/drawingml/2006/chart" xmlns:dgm="http://schemas.openxmlformats.org/drawingml/2006/diagram" xmlns:o="urn:schemas-microsoft-com:office:office" xmlns:v="urn:schemas-microsoft-com:vml" xmlns:pvml="urn:schemas-microsoft-com:office:powerpoint" xmlns:com="http://schemas.openxmlformats.org/drawingml/2006/compatibility" xmlns:p14="http://schemas.microsoft.com/office/powerpoint/2010/main" xmlns:p15="http://schemas.microsoft.com/office/powerpoint/2012/main">
+  <p:cSld>
+    <p:spTree>
+      <p:nvGrpSpPr>
+        <p:cNvPr id="95" name="Shape 95"/>
+        <p:cNvGrpSpPr/>
+        <p:nvPr/>
+      </p:nvGrpSpPr>
+      <p:grpSpPr>
+        <a:xfrm>
+          <a:off x="0" y="0"/>
+          <a:ext cx="0" cy="0"/>
+          <a:chOff x="0" y="0"/>
+          <a:chExt cx="0" cy="0"/>
+        </a:xfrm>
+      </p:grpSpPr>
+      <p:sp>
+        <p:nvSpPr>
+          <p:cNvPr id="96" name="Google Shape;96;p15"/>
+          <p:cNvSpPr txBox="1"/>
+          <p:nvPr>
+            <p:ph type="title"/>
+          </p:nvPr>
+        </p:nvSpPr>
+        <p:spPr>
+          <a:xfrm>
+            <a:off x="457200" y="274638"/>
+            <a:ext cx="8229600" cy="1143000"/>
+          </a:xfrm>
+          <a:prstGeom prst="rect">
+            <a:avLst/>
+          </a:prstGeom>
+          <a:noFill/>
+          <a:ln>
+            <a:noFill/>
+          </a:ln>
+        </p:spPr>
+        <p:txBody>
+          <a:bodyPr anchorCtr="0" anchor="ctr" bIns="45700" lIns="91425" spcFirstLastPara="1" rIns="91425" wrap="square" tIns="45700">
+            <a:noAutofit/>
+          </a:bodyPr>
+          <a:lstStyle/>
+          <a:p>
+            <a:pPr indent="0" lvl="0" marL="0" rtl="0" algn="ctr">
+              <a:spcBef>
+                <a:spcPts val="0"/>
+              </a:spcBef>
+              <a:spcAft>
+                <a:spcPts val="0"/>
+              </a:spcAft>
+              <a:buClr>
+                <a:schemeClr val="dk1"/>
+              </a:buClr>
+              <a:buSzPts val="4400"/>
+              <a:buFont typeface="Montserrat"/>
+              <a:buNone/>
+            </a:pPr>
+            <a:r>
+              <a:rPr lang="en-US"/>
+              <a:t>Distributed Computing</a:t>
+            </a:r>
+            <a:endParaRPr/>
+          </a:p>
+        </p:txBody>
+      </p:sp>
+      <p:sp>
+        <p:nvSpPr>
+          <p:cNvPr id="97" name="Google Shape;97;p15"/>
+          <p:cNvSpPr txBox="1"/>
+          <p:nvPr>
+            <p:ph idx="1" type="body"/>
+          </p:nvPr>
+        </p:nvSpPr>
+        <p:spPr>
+          <a:xfrm>
+            <a:off x="375635" y="1600200"/>
+            <a:ext cx="8229600" cy="4525963"/>
+          </a:xfrm>
+          <a:prstGeom prst="rect">
+            <a:avLst/>
+          </a:prstGeom>
+          <a:noFill/>
+          <a:ln>
+            <a:noFill/>
+          </a:ln>
+        </p:spPr>
+        <p:txBody>
+          <a:bodyPr anchorCtr="0" anchor="t" bIns="45700" lIns="91425" spcFirstLastPara="1" rIns="91425" wrap="square" tIns="45700">
+            <a:noAutofit/>
+          </a:bodyPr>
+          <a:lstStyle/>
+          <a:p>
+            <a:pPr indent="-342900" lvl="0" marL="342900" rtl="0" algn="l">
+              <a:spcBef>
+                <a:spcPts val="0"/>
+              </a:spcBef>
+              <a:spcAft>
+                <a:spcPts val="0"/>
+              </a:spcAft>
+              <a:buClr>
+                <a:schemeClr val="dk1"/>
+              </a:buClr>
+              <a:buSzPts val="3200"/>
+              <a:buChar char="•"/>
+            </a:pPr>
+            <a:r>
+              <a:rPr lang="en-US"/>
+              <a:t>Cloud would not be possible without RPC/Services/APIs</a:t>
+            </a:r>
+            <a:endParaRPr/>
+          </a:p>
+          <a:p>
+            <a:pPr indent="-285750" lvl="1" marL="742950" rtl="0" algn="l">
+              <a:spcBef>
+                <a:spcPts val="560"/>
+              </a:spcBef>
+              <a:spcAft>
+                <a:spcPts val="0"/>
+              </a:spcAft>
+              <a:buClr>
+                <a:schemeClr val="dk1"/>
+              </a:buClr>
+              <a:buSzPts val="2800"/>
+              <a:buChar char="–"/>
+            </a:pPr>
+            <a:r>
+              <a:rPr lang="en-US"/>
+              <a:t>e.g. Call a service to instantiate a machine image for us	</a:t>
+            </a:r>
+            <a:endParaRPr/>
+          </a:p>
+          <a:p>
+            <a:pPr indent="-342900" lvl="0" marL="342900" rtl="0" algn="l">
+              <a:spcBef>
+                <a:spcPts val="640"/>
+              </a:spcBef>
+              <a:spcAft>
+                <a:spcPts val="0"/>
+              </a:spcAft>
+              <a:buClr>
+                <a:schemeClr val="dk1"/>
+              </a:buClr>
+              <a:buSzPts val="3200"/>
+              <a:buChar char="•"/>
+            </a:pPr>
+            <a:r>
+              <a:rPr lang="en-US"/>
+              <a:t>Grid and Cloud both emerged from distributed computing concepts</a:t>
+            </a:r>
+            <a:endParaRPr/>
+          </a:p>
+        </p:txBody>
+      </p:sp>
+    </p:spTree>
+  </p:cSld>
+  <p:clrMapOvr>
+    <a:masterClrMapping/>
+  </p:clrMapOvr>
+</p:sld>
+</file>
+
+<file path=ppt/slides/slide30.xml><?xml version="1.0" encoding="utf-8"?>
+<p:sld xmlns:a="http://schemas.openxmlformats.org/drawingml/2006/main" xmlns:r="http://schemas.openxmlformats.org/officeDocument/2006/relationships" xmlns:mc="http://schemas.openxmlformats.org/markup-compatibility/2006" xmlns:mv="urn:schemas-microsoft-com:mac:vml" xmlns:p="http://schemas.openxmlformats.org/presentationml/2006/main" xmlns:c="http://schemas.openxmlformats.org/drawingml/2006/chart" xmlns:dgm="http://schemas.openxmlformats.org/drawingml/2006/diagram" xmlns:o="urn:schemas-microsoft-com:office:office" xmlns:v="urn:schemas-microsoft-com:vml" xmlns:pvml="urn:schemas-microsoft-com:office:powerpoint" xmlns:com="http://schemas.openxmlformats.org/drawingml/2006/compatibility" xmlns:p14="http://schemas.microsoft.com/office/powerpoint/2010/main" xmlns:p15="http://schemas.microsoft.com/office/powerpoint/2012/main">
+  <p:cSld>
+    <p:spTree>
+      <p:nvGrpSpPr>
+        <p:cNvPr id="375" name="Shape 375"/>
+        <p:cNvGrpSpPr/>
+        <p:nvPr/>
+      </p:nvGrpSpPr>
+      <p:grpSpPr>
+        <a:xfrm>
+          <a:off x="0" y="0"/>
+          <a:ext cx="0" cy="0"/>
+          <a:chOff x="0" y="0"/>
+          <a:chExt cx="0" cy="0"/>
+        </a:xfrm>
+      </p:grpSpPr>
+      <p:sp>
+        <p:nvSpPr>
+          <p:cNvPr id="376" name="Google Shape;376;p42"/>
+          <p:cNvSpPr txBox="1"/>
+          <p:nvPr>
+            <p:ph type="title"/>
+          </p:nvPr>
+        </p:nvSpPr>
+        <p:spPr>
+          <a:xfrm>
+            <a:off x="457200" y="274638"/>
+            <a:ext cx="8229600" cy="1143000"/>
+          </a:xfrm>
+          <a:prstGeom prst="rect">
+            <a:avLst/>
+          </a:prstGeom>
+          <a:noFill/>
+          <a:ln>
+            <a:noFill/>
+          </a:ln>
+        </p:spPr>
+        <p:txBody>
+          <a:bodyPr anchorCtr="0" anchor="ctr" bIns="45700" lIns="91425" spcFirstLastPara="1" rIns="91425" wrap="square" tIns="45700">
+            <a:noAutofit/>
+          </a:bodyPr>
+          <a:lstStyle/>
+          <a:p>
+            <a:pPr indent="0" lvl="0" marL="0" rtl="0" algn="ctr">
+              <a:spcBef>
+                <a:spcPts val="0"/>
+              </a:spcBef>
+              <a:spcAft>
+                <a:spcPts val="0"/>
+              </a:spcAft>
+              <a:buClr>
+                <a:schemeClr val="dk1"/>
+              </a:buClr>
+              <a:buSzPts val="4400"/>
+              <a:buFont typeface="Montserrat"/>
+              <a:buNone/>
+            </a:pPr>
+            <a:r>
+              <a:rPr lang="en-US"/>
               <a:t>Elastic Queue Consumers</a:t>
             </a:r>
             <a:endParaRPr/>
@@ -25429,7 +25826,7 @@
       </p:sp>
       <p:grpSp>
         <p:nvGrpSpPr>
-          <p:cNvPr id="370" name="Google Shape;370;p41"/>
+          <p:cNvPr id="377" name="Google Shape;377;p42"/>
           <p:cNvGrpSpPr/>
           <p:nvPr/>
         </p:nvGrpSpPr>
@@ -25443,7 +25840,7 @@
         </p:grpSpPr>
         <p:sp>
           <p:nvSpPr>
-            <p:cNvPr id="371" name="Google Shape;371;p41"/>
+            <p:cNvPr id="378" name="Google Shape;378;p42"/>
             <p:cNvSpPr/>
             <p:nvPr/>
           </p:nvSpPr>
@@ -25517,7 +25914,7 @@
         </p:sp>
         <p:sp>
           <p:nvSpPr>
-            <p:cNvPr id="372" name="Google Shape;372;p41"/>
+            <p:cNvPr id="379" name="Google Shape;379;p42"/>
             <p:cNvSpPr/>
             <p:nvPr/>
           </p:nvSpPr>
@@ -25592,7 +25989,7 @@
       </p:grpSp>
       <p:sp>
         <p:nvSpPr>
-          <p:cNvPr id="373" name="Google Shape;373;p41"/>
+          <p:cNvPr id="380" name="Google Shape;380;p42"/>
           <p:cNvSpPr/>
           <p:nvPr/>
         </p:nvSpPr>
@@ -25675,10 +26072,10 @@
       </p:sp>
       <p:cxnSp>
         <p:nvCxnSpPr>
-          <p:cNvPr id="374" name="Google Shape;374;p41"/>
+          <p:cNvPr id="381" name="Google Shape;381;p42"/>
           <p:cNvCxnSpPr>
-            <a:stCxn id="373" idx="3"/>
-            <a:endCxn id="372" idx="2"/>
+            <a:stCxn id="380" idx="3"/>
+            <a:endCxn id="379" idx="2"/>
           </p:cNvCxnSpPr>
           <p:nvPr/>
         </p:nvCxnSpPr>
@@ -25711,7 +26108,7 @@
       </p:cxnSp>
       <p:cxnSp>
         <p:nvCxnSpPr>
-          <p:cNvPr id="375" name="Google Shape;375;p41"/>
+          <p:cNvPr id="382" name="Google Shape;382;p42"/>
           <p:cNvCxnSpPr/>
           <p:nvPr/>
         </p:nvCxnSpPr>
@@ -25744,7 +26141,7 @@
       </p:cxnSp>
       <p:sp>
         <p:nvSpPr>
-          <p:cNvPr id="376" name="Google Shape;376;p41"/>
+          <p:cNvPr id="383" name="Google Shape;383;p42"/>
           <p:cNvSpPr txBox="1"/>
           <p:nvPr/>
         </p:nvSpPr>
@@ -25802,7 +26199,7 @@
       </p:sp>
       <p:pic>
         <p:nvPicPr>
-          <p:cNvPr id="377" name="Google Shape;377;p41"/>
+          <p:cNvPr id="384" name="Google Shape;384;p42"/>
           <p:cNvPicPr preferRelativeResize="0"/>
           <p:nvPr/>
         </p:nvPicPr>
@@ -25829,7 +26226,7 @@
       </p:pic>
       <p:sp>
         <p:nvSpPr>
-          <p:cNvPr id="378" name="Google Shape;378;p41"/>
+          <p:cNvPr id="385" name="Google Shape;385;p42"/>
           <p:cNvSpPr txBox="1"/>
           <p:nvPr/>
         </p:nvSpPr>
@@ -25887,9 +26284,9 @@
       </p:sp>
       <p:cxnSp>
         <p:nvCxnSpPr>
-          <p:cNvPr id="379" name="Google Shape;379;p41"/>
+          <p:cNvPr id="386" name="Google Shape;386;p42"/>
           <p:cNvCxnSpPr>
-            <a:stCxn id="377" idx="1"/>
+            <a:stCxn id="384" idx="1"/>
           </p:cNvCxnSpPr>
           <p:nvPr/>
         </p:nvCxnSpPr>
@@ -25924,7 +26321,7 @@
       </p:cxnSp>
       <p:sp>
         <p:nvSpPr>
-          <p:cNvPr id="380" name="Google Shape;380;p41"/>
+          <p:cNvPr id="387" name="Google Shape;387;p42"/>
           <p:cNvSpPr txBox="1"/>
           <p:nvPr/>
         </p:nvSpPr>
@@ -25982,7 +26379,7 @@
       </p:sp>
       <p:pic>
         <p:nvPicPr>
-          <p:cNvPr id="381" name="Google Shape;381;p41"/>
+          <p:cNvPr id="388" name="Google Shape;388;p42"/>
           <p:cNvPicPr preferRelativeResize="0"/>
           <p:nvPr/>
         </p:nvPicPr>
@@ -26009,9 +26406,9 @@
       </p:pic>
       <p:cxnSp>
         <p:nvCxnSpPr>
-          <p:cNvPr id="382" name="Google Shape;382;p41"/>
+          <p:cNvPr id="389" name="Google Shape;389;p42"/>
           <p:cNvCxnSpPr>
-            <a:stCxn id="381" idx="1"/>
+            <a:stCxn id="388" idx="1"/>
           </p:cNvCxnSpPr>
           <p:nvPr/>
         </p:nvCxnSpPr>
@@ -26046,7 +26443,7 @@
       </p:cxnSp>
       <p:sp>
         <p:nvSpPr>
-          <p:cNvPr id="383" name="Google Shape;383;p41"/>
+          <p:cNvPr id="390" name="Google Shape;390;p42"/>
           <p:cNvSpPr txBox="1"/>
           <p:nvPr/>
         </p:nvSpPr>
@@ -26104,7 +26501,7 @@
       </p:sp>
       <p:pic>
         <p:nvPicPr>
-          <p:cNvPr id="384" name="Google Shape;384;p41"/>
+          <p:cNvPr id="391" name="Google Shape;391;p42"/>
           <p:cNvPicPr preferRelativeResize="0"/>
           <p:nvPr/>
         </p:nvPicPr>
@@ -26131,9 +26528,9 @@
       </p:pic>
       <p:cxnSp>
         <p:nvCxnSpPr>
-          <p:cNvPr id="385" name="Google Shape;385;p41"/>
+          <p:cNvPr id="392" name="Google Shape;392;p42"/>
           <p:cNvCxnSpPr>
-            <a:stCxn id="384" idx="1"/>
+            <a:stCxn id="391" idx="1"/>
           </p:cNvCxnSpPr>
           <p:nvPr/>
         </p:nvCxnSpPr>
@@ -26168,7 +26565,7 @@
       </p:cxnSp>
       <p:sp>
         <p:nvSpPr>
-          <p:cNvPr id="386" name="Google Shape;386;p41"/>
+          <p:cNvPr id="393" name="Google Shape;393;p42"/>
           <p:cNvSpPr txBox="1"/>
           <p:nvPr/>
         </p:nvSpPr>
@@ -26226,7 +26623,7 @@
       </p:sp>
       <p:pic>
         <p:nvPicPr>
-          <p:cNvPr id="387" name="Google Shape;387;p41"/>
+          <p:cNvPr id="394" name="Google Shape;394;p42"/>
           <p:cNvPicPr preferRelativeResize="0"/>
           <p:nvPr/>
         </p:nvPicPr>
@@ -26253,10 +26650,10 @@
       </p:pic>
       <p:cxnSp>
         <p:nvCxnSpPr>
-          <p:cNvPr id="388" name="Google Shape;388;p41"/>
+          <p:cNvPr id="395" name="Google Shape;395;p42"/>
           <p:cNvCxnSpPr>
-            <a:stCxn id="376" idx="2"/>
-            <a:endCxn id="387" idx="1"/>
+            <a:stCxn id="383" idx="2"/>
+            <a:endCxn id="394" idx="1"/>
           </p:cNvCxnSpPr>
           <p:nvPr/>
         </p:nvCxnSpPr>
@@ -26291,7 +26688,7 @@
       </p:cxnSp>
       <p:sp>
         <p:nvSpPr>
-          <p:cNvPr id="389" name="Google Shape;389;p41"/>
+          <p:cNvPr id="396" name="Google Shape;396;p42"/>
           <p:cNvSpPr txBox="1"/>
           <p:nvPr/>
         </p:nvSpPr>
@@ -26355,12 +26752,12 @@
 </p:sld>
 </file>
 
-<file path=ppt/slides/slide3.xml><?xml version="1.0" encoding="utf-8"?>
+<file path=ppt/slides/slide31.xml><?xml version="1.0" encoding="utf-8"?>
 <p:sld xmlns:a="http://schemas.openxmlformats.org/drawingml/2006/main" xmlns:r="http://schemas.openxmlformats.org/officeDocument/2006/relationships" xmlns:mc="http://schemas.openxmlformats.org/markup-compatibility/2006" xmlns:mv="urn:schemas-microsoft-com:mac:vml" xmlns:p="http://schemas.openxmlformats.org/presentationml/2006/main" xmlns:c="http://schemas.openxmlformats.org/drawingml/2006/chart" xmlns:dgm="http://schemas.openxmlformats.org/drawingml/2006/diagram" xmlns:o="urn:schemas-microsoft-com:office:office" xmlns:v="urn:schemas-microsoft-com:vml" xmlns:pvml="urn:schemas-microsoft-com:office:powerpoint" xmlns:com="http://schemas.openxmlformats.org/drawingml/2006/compatibility" xmlns:p14="http://schemas.microsoft.com/office/powerpoint/2010/main" xmlns:p15="http://schemas.microsoft.com/office/powerpoint/2012/main">
   <p:cSld>
     <p:spTree>
       <p:nvGrpSpPr>
-        <p:cNvPr id="95" name="Shape 95"/>
+        <p:cNvPr id="400" name="Shape 400"/>
         <p:cNvGrpSpPr/>
         <p:nvPr/>
       </p:nvGrpSpPr>
@@ -26374,7 +26771,7 @@
       </p:grpSpPr>
       <p:sp>
         <p:nvSpPr>
-          <p:cNvPr id="96" name="Google Shape;96;p15"/>
+          <p:cNvPr id="401" name="Google Shape;401;p43"/>
           <p:cNvSpPr txBox="1"/>
           <p:nvPr>
             <p:ph type="title"/>
@@ -26409,168 +26806,6 @@
               <a:buClr>
                 <a:schemeClr val="dk1"/>
               </a:buClr>
-              <a:buSzPts val="4400"/>
-              <a:buFont typeface="Montserrat"/>
-              <a:buNone/>
-            </a:pPr>
-            <a:r>
-              <a:rPr lang="en-US"/>
-              <a:t>Distributed Computing</a:t>
-            </a:r>
-            <a:endParaRPr/>
-          </a:p>
-        </p:txBody>
-      </p:sp>
-      <p:sp>
-        <p:nvSpPr>
-          <p:cNvPr id="97" name="Google Shape;97;p15"/>
-          <p:cNvSpPr txBox="1"/>
-          <p:nvPr>
-            <p:ph idx="1" type="body"/>
-          </p:nvPr>
-        </p:nvSpPr>
-        <p:spPr>
-          <a:xfrm>
-            <a:off x="375635" y="1600200"/>
-            <a:ext cx="8229600" cy="4525963"/>
-          </a:xfrm>
-          <a:prstGeom prst="rect">
-            <a:avLst/>
-          </a:prstGeom>
-          <a:noFill/>
-          <a:ln>
-            <a:noFill/>
-          </a:ln>
-        </p:spPr>
-        <p:txBody>
-          <a:bodyPr anchorCtr="0" anchor="t" bIns="45700" lIns="91425" spcFirstLastPara="1" rIns="91425" wrap="square" tIns="45700">
-            <a:noAutofit/>
-          </a:bodyPr>
-          <a:lstStyle/>
-          <a:p>
-            <a:pPr indent="-342900" lvl="0" marL="342900" rtl="0" algn="l">
-              <a:spcBef>
-                <a:spcPts val="0"/>
-              </a:spcBef>
-              <a:spcAft>
-                <a:spcPts val="0"/>
-              </a:spcAft>
-              <a:buClr>
-                <a:schemeClr val="dk1"/>
-              </a:buClr>
-              <a:buSzPts val="3200"/>
-              <a:buChar char="•"/>
-            </a:pPr>
-            <a:r>
-              <a:rPr lang="en-US"/>
-              <a:t>Cloud would not be possible without RPC/Services/APIs</a:t>
-            </a:r>
-            <a:endParaRPr/>
-          </a:p>
-          <a:p>
-            <a:pPr indent="-285750" lvl="1" marL="742950" rtl="0" algn="l">
-              <a:spcBef>
-                <a:spcPts val="560"/>
-              </a:spcBef>
-              <a:spcAft>
-                <a:spcPts val="0"/>
-              </a:spcAft>
-              <a:buClr>
-                <a:schemeClr val="dk1"/>
-              </a:buClr>
-              <a:buSzPts val="2800"/>
-              <a:buChar char="–"/>
-            </a:pPr>
-            <a:r>
-              <a:rPr lang="en-US"/>
-              <a:t>e.g. Call a service to instantiate a machine image for us	</a:t>
-            </a:r>
-            <a:endParaRPr/>
-          </a:p>
-          <a:p>
-            <a:pPr indent="-342900" lvl="0" marL="342900" rtl="0" algn="l">
-              <a:spcBef>
-                <a:spcPts val="640"/>
-              </a:spcBef>
-              <a:spcAft>
-                <a:spcPts val="0"/>
-              </a:spcAft>
-              <a:buClr>
-                <a:schemeClr val="dk1"/>
-              </a:buClr>
-              <a:buSzPts val="3200"/>
-              <a:buChar char="•"/>
-            </a:pPr>
-            <a:r>
-              <a:rPr lang="en-US"/>
-              <a:t>Grid and Cloud both emerged from distributed computing concepts</a:t>
-            </a:r>
-            <a:endParaRPr/>
-          </a:p>
-        </p:txBody>
-      </p:sp>
-    </p:spTree>
-  </p:cSld>
-  <p:clrMapOvr>
-    <a:masterClrMapping/>
-  </p:clrMapOvr>
-</p:sld>
-</file>
-
-<file path=ppt/slides/slide30.xml><?xml version="1.0" encoding="utf-8"?>
-<p:sld xmlns:a="http://schemas.openxmlformats.org/drawingml/2006/main" xmlns:r="http://schemas.openxmlformats.org/officeDocument/2006/relationships" xmlns:mc="http://schemas.openxmlformats.org/markup-compatibility/2006" xmlns:mv="urn:schemas-microsoft-com:mac:vml" xmlns:p="http://schemas.openxmlformats.org/presentationml/2006/main" xmlns:c="http://schemas.openxmlformats.org/drawingml/2006/chart" xmlns:dgm="http://schemas.openxmlformats.org/drawingml/2006/diagram" xmlns:o="urn:schemas-microsoft-com:office:office" xmlns:v="urn:schemas-microsoft-com:vml" xmlns:pvml="urn:schemas-microsoft-com:office:powerpoint" xmlns:com="http://schemas.openxmlformats.org/drawingml/2006/compatibility" xmlns:p14="http://schemas.microsoft.com/office/powerpoint/2010/main" xmlns:p15="http://schemas.microsoft.com/office/powerpoint/2012/main">
-  <p:cSld>
-    <p:spTree>
-      <p:nvGrpSpPr>
-        <p:cNvPr id="393" name="Shape 393"/>
-        <p:cNvGrpSpPr/>
-        <p:nvPr/>
-      </p:nvGrpSpPr>
-      <p:grpSpPr>
-        <a:xfrm>
-          <a:off x="0" y="0"/>
-          <a:ext cx="0" cy="0"/>
-          <a:chOff x="0" y="0"/>
-          <a:chExt cx="0" cy="0"/>
-        </a:xfrm>
-      </p:grpSpPr>
-      <p:sp>
-        <p:nvSpPr>
-          <p:cNvPr id="394" name="Google Shape;394;p42"/>
-          <p:cNvSpPr txBox="1"/>
-          <p:nvPr>
-            <p:ph type="title"/>
-          </p:nvPr>
-        </p:nvSpPr>
-        <p:spPr>
-          <a:xfrm>
-            <a:off x="457200" y="274638"/>
-            <a:ext cx="8229600" cy="1143000"/>
-          </a:xfrm>
-          <a:prstGeom prst="rect">
-            <a:avLst/>
-          </a:prstGeom>
-          <a:noFill/>
-          <a:ln>
-            <a:noFill/>
-          </a:ln>
-        </p:spPr>
-        <p:txBody>
-          <a:bodyPr anchorCtr="0" anchor="ctr" bIns="45700" lIns="91425" spcFirstLastPara="1" rIns="91425" wrap="square" tIns="45700">
-            <a:noAutofit/>
-          </a:bodyPr>
-          <a:lstStyle/>
-          <a:p>
-            <a:pPr indent="0" lvl="0" marL="0" rtl="0" algn="ctr">
-              <a:spcBef>
-                <a:spcPts val="0"/>
-              </a:spcBef>
-              <a:spcAft>
-                <a:spcPts val="0"/>
-              </a:spcAft>
-              <a:buClr>
-                <a:schemeClr val="dk1"/>
-              </a:buClr>
               <a:buSzPts val="3959"/>
               <a:buFont typeface="Montserrat"/>
               <a:buNone/>
@@ -26592,7 +26827,7 @@
       </p:sp>
       <p:cxnSp>
         <p:nvCxnSpPr>
-          <p:cNvPr id="395" name="Google Shape;395;p42"/>
+          <p:cNvPr id="402" name="Google Shape;402;p43"/>
           <p:cNvCxnSpPr/>
           <p:nvPr/>
         </p:nvCxnSpPr>
@@ -26625,7 +26860,7 @@
       </p:cxnSp>
       <p:pic>
         <p:nvPicPr>
-          <p:cNvPr id="396" name="Google Shape;396;p42"/>
+          <p:cNvPr id="403" name="Google Shape;403;p43"/>
           <p:cNvPicPr preferRelativeResize="0"/>
           <p:nvPr/>
         </p:nvPicPr>
@@ -26652,7 +26887,7 @@
       </p:pic>
       <p:sp>
         <p:nvSpPr>
-          <p:cNvPr id="397" name="Google Shape;397;p42"/>
+          <p:cNvPr id="404" name="Google Shape;404;p43"/>
           <p:cNvSpPr txBox="1"/>
           <p:nvPr/>
         </p:nvSpPr>
@@ -26710,7 +26945,7 @@
       </p:sp>
       <p:pic>
         <p:nvPicPr>
-          <p:cNvPr id="398" name="Google Shape;398;p42"/>
+          <p:cNvPr id="405" name="Google Shape;405;p43"/>
           <p:cNvPicPr preferRelativeResize="0"/>
           <p:nvPr/>
         </p:nvPicPr>
@@ -26737,7 +26972,7 @@
       </p:pic>
       <p:pic>
         <p:nvPicPr>
-          <p:cNvPr id="399" name="Google Shape;399;p42"/>
+          <p:cNvPr id="406" name="Google Shape;406;p43"/>
           <p:cNvPicPr preferRelativeResize="0"/>
           <p:nvPr/>
         </p:nvPicPr>
@@ -26764,10 +26999,10 @@
       </p:pic>
       <p:cxnSp>
         <p:nvCxnSpPr>
-          <p:cNvPr id="400" name="Google Shape;400;p42"/>
+          <p:cNvPr id="407" name="Google Shape;407;p43"/>
           <p:cNvCxnSpPr>
-            <a:stCxn id="397" idx="3"/>
-            <a:endCxn id="399" idx="3"/>
+            <a:stCxn id="404" idx="3"/>
+            <a:endCxn id="406" idx="3"/>
           </p:cNvCxnSpPr>
           <p:nvPr/>
         </p:nvCxnSpPr>
@@ -26802,7 +27037,7 @@
       </p:cxnSp>
       <p:sp>
         <p:nvSpPr>
-          <p:cNvPr id="401" name="Google Shape;401;p42"/>
+          <p:cNvPr id="408" name="Google Shape;408;p43"/>
           <p:cNvSpPr txBox="1"/>
           <p:nvPr/>
         </p:nvSpPr>
@@ -26860,7 +27095,7 @@
       </p:sp>
       <p:sp>
         <p:nvSpPr>
-          <p:cNvPr id="402" name="Google Shape;402;p42"/>
+          <p:cNvPr id="409" name="Google Shape;409;p43"/>
           <p:cNvSpPr/>
           <p:nvPr/>
         </p:nvSpPr>
@@ -26943,7 +27178,7 @@
       </p:sp>
       <p:pic>
         <p:nvPicPr>
-          <p:cNvPr id="403" name="Google Shape;403;p42"/>
+          <p:cNvPr id="410" name="Google Shape;410;p43"/>
           <p:cNvPicPr preferRelativeResize="0"/>
           <p:nvPr/>
         </p:nvPicPr>
@@ -26970,7 +27205,7 @@
       </p:pic>
       <p:sp>
         <p:nvSpPr>
-          <p:cNvPr id="404" name="Google Shape;404;p42"/>
+          <p:cNvPr id="411" name="Google Shape;411;p43"/>
           <p:cNvSpPr txBox="1"/>
           <p:nvPr/>
         </p:nvSpPr>
@@ -27028,7 +27263,7 @@
       </p:sp>
       <p:sp>
         <p:nvSpPr>
-          <p:cNvPr id="405" name="Google Shape;405;p42"/>
+          <p:cNvPr id="412" name="Google Shape;412;p43"/>
           <p:cNvSpPr txBox="1"/>
           <p:nvPr/>
         </p:nvSpPr>
@@ -27086,9 +27321,9 @@
       </p:sp>
       <p:cxnSp>
         <p:nvCxnSpPr>
-          <p:cNvPr id="406" name="Google Shape;406;p42"/>
+          <p:cNvPr id="413" name="Google Shape;413;p43"/>
           <p:cNvCxnSpPr>
-            <a:endCxn id="404" idx="2"/>
+            <a:endCxn id="411" idx="2"/>
           </p:cNvCxnSpPr>
           <p:nvPr/>
         </p:nvCxnSpPr>
@@ -27121,7 +27356,7 @@
       </p:cxnSp>
       <p:sp>
         <p:nvSpPr>
-          <p:cNvPr id="407" name="Google Shape;407;p42"/>
+          <p:cNvPr id="414" name="Google Shape;414;p43"/>
           <p:cNvSpPr txBox="1"/>
           <p:nvPr/>
         </p:nvSpPr>
@@ -27179,10 +27414,10 @@
       </p:sp>
       <p:cxnSp>
         <p:nvCxnSpPr>
-          <p:cNvPr id="408" name="Google Shape;408;p42"/>
+          <p:cNvPr id="415" name="Google Shape;415;p43"/>
           <p:cNvCxnSpPr>
-            <a:stCxn id="403" idx="3"/>
-            <a:endCxn id="396" idx="1"/>
+            <a:stCxn id="410" idx="3"/>
+            <a:endCxn id="403" idx="1"/>
           </p:cNvCxnSpPr>
           <p:nvPr/>
         </p:nvCxnSpPr>
@@ -27217,10 +27452,10 @@
       </p:cxnSp>
       <p:cxnSp>
         <p:nvCxnSpPr>
-          <p:cNvPr id="409" name="Google Shape;409;p42"/>
+          <p:cNvPr id="416" name="Google Shape;416;p43"/>
           <p:cNvCxnSpPr>
-            <a:stCxn id="403" idx="3"/>
-            <a:endCxn id="398" idx="1"/>
+            <a:stCxn id="410" idx="3"/>
+            <a:endCxn id="405" idx="1"/>
           </p:cNvCxnSpPr>
           <p:nvPr/>
         </p:nvCxnSpPr>
@@ -27255,7 +27490,7 @@
       </p:cxnSp>
       <p:pic>
         <p:nvPicPr>
-          <p:cNvPr id="410" name="Google Shape;410;p42"/>
+          <p:cNvPr id="417" name="Google Shape;417;p43"/>
           <p:cNvPicPr preferRelativeResize="0"/>
           <p:nvPr/>
         </p:nvPicPr>
@@ -27282,10 +27517,10 @@
       </p:pic>
       <p:cxnSp>
         <p:nvCxnSpPr>
-          <p:cNvPr id="411" name="Google Shape;411;p42"/>
+          <p:cNvPr id="418" name="Google Shape;418;p43"/>
           <p:cNvCxnSpPr>
-            <a:stCxn id="403" idx="3"/>
-            <a:endCxn id="410" idx="1"/>
+            <a:stCxn id="410" idx="3"/>
+            <a:endCxn id="417" idx="1"/>
           </p:cNvCxnSpPr>
           <p:nvPr/>
         </p:nvCxnSpPr>
@@ -27320,7 +27555,7 @@
       </p:cxnSp>
       <p:sp>
         <p:nvSpPr>
-          <p:cNvPr id="412" name="Google Shape;412;p42"/>
+          <p:cNvPr id="419" name="Google Shape;419;p43"/>
           <p:cNvSpPr txBox="1"/>
           <p:nvPr/>
         </p:nvSpPr>
@@ -27384,12 +27619,12 @@
 </p:sld>
 </file>
 
-<file path=ppt/slides/slide31.xml><?xml version="1.0" encoding="utf-8"?>
+<file path=ppt/slides/slide32.xml><?xml version="1.0" encoding="utf-8"?>
 <p:sld xmlns:a="http://schemas.openxmlformats.org/drawingml/2006/main" xmlns:r="http://schemas.openxmlformats.org/officeDocument/2006/relationships" xmlns:mc="http://schemas.openxmlformats.org/markup-compatibility/2006" xmlns:mv="urn:schemas-microsoft-com:mac:vml" xmlns:p="http://schemas.openxmlformats.org/presentationml/2006/main" xmlns:c="http://schemas.openxmlformats.org/drawingml/2006/chart" xmlns:dgm="http://schemas.openxmlformats.org/drawingml/2006/diagram" xmlns:o="urn:schemas-microsoft-com:office:office" xmlns:v="urn:schemas-microsoft-com:vml" xmlns:pvml="urn:schemas-microsoft-com:office:powerpoint" xmlns:com="http://schemas.openxmlformats.org/drawingml/2006/compatibility" xmlns:p14="http://schemas.microsoft.com/office/powerpoint/2010/main" xmlns:p15="http://schemas.microsoft.com/office/powerpoint/2012/main">
   <p:cSld>
     <p:spTree>
       <p:nvGrpSpPr>
-        <p:cNvPr id="416" name="Shape 416"/>
+        <p:cNvPr id="423" name="Shape 423"/>
         <p:cNvGrpSpPr/>
         <p:nvPr/>
       </p:nvGrpSpPr>
@@ -27403,7 +27638,7 @@
       </p:grpSpPr>
       <p:sp>
         <p:nvSpPr>
-          <p:cNvPr id="417" name="Google Shape;417;p43"/>
+          <p:cNvPr id="424" name="Google Shape;424;p44"/>
           <p:cNvSpPr/>
           <p:nvPr/>
         </p:nvSpPr>
@@ -27454,7 +27689,7 @@
       </p:sp>
       <p:sp>
         <p:nvSpPr>
-          <p:cNvPr id="418" name="Google Shape;418;p43"/>
+          <p:cNvPr id="425" name="Google Shape;425;p44"/>
           <p:cNvSpPr txBox="1"/>
           <p:nvPr>
             <p:ph type="title"/>
@@ -27503,7 +27738,7 @@
       </p:sp>
       <p:pic>
         <p:nvPicPr>
-          <p:cNvPr id="419" name="Google Shape;419;p43"/>
+          <p:cNvPr id="426" name="Google Shape;426;p44"/>
           <p:cNvPicPr preferRelativeResize="0"/>
           <p:nvPr/>
         </p:nvPicPr>
@@ -27530,7 +27765,7 @@
       </p:pic>
       <p:pic>
         <p:nvPicPr>
-          <p:cNvPr id="420" name="Google Shape;420;p43"/>
+          <p:cNvPr id="427" name="Google Shape;427;p44"/>
           <p:cNvPicPr preferRelativeResize="0"/>
           <p:nvPr/>
         </p:nvPicPr>
@@ -27557,7 +27792,7 @@
       </p:pic>
       <p:pic>
         <p:nvPicPr>
-          <p:cNvPr id="421" name="Google Shape;421;p43"/>
+          <p:cNvPr id="428" name="Google Shape;428;p44"/>
           <p:cNvPicPr preferRelativeResize="0"/>
           <p:nvPr/>
         </p:nvPicPr>
@@ -27584,7 +27819,7 @@
       </p:pic>
       <p:pic>
         <p:nvPicPr>
-          <p:cNvPr id="422" name="Google Shape;422;p43"/>
+          <p:cNvPr id="429" name="Google Shape;429;p44"/>
           <p:cNvPicPr preferRelativeResize="0"/>
           <p:nvPr/>
         </p:nvPicPr>
@@ -27611,7 +27846,7 @@
       </p:pic>
       <p:pic>
         <p:nvPicPr>
-          <p:cNvPr id="423" name="Google Shape;423;p43"/>
+          <p:cNvPr id="430" name="Google Shape;430;p44"/>
           <p:cNvPicPr preferRelativeResize="0"/>
           <p:nvPr/>
         </p:nvPicPr>
@@ -27638,7 +27873,7 @@
       </p:pic>
       <p:pic>
         <p:nvPicPr>
-          <p:cNvPr id="424" name="Google Shape;424;p43"/>
+          <p:cNvPr id="431" name="Google Shape;431;p44"/>
           <p:cNvPicPr preferRelativeResize="0"/>
           <p:nvPr/>
         </p:nvPicPr>
@@ -27665,9 +27900,9 @@
       </p:pic>
       <p:cxnSp>
         <p:nvCxnSpPr>
-          <p:cNvPr id="425" name="Google Shape;425;p43"/>
+          <p:cNvPr id="432" name="Google Shape;432;p44"/>
           <p:cNvCxnSpPr>
-            <a:endCxn id="420" idx="1"/>
+            <a:endCxn id="427" idx="1"/>
           </p:cNvCxnSpPr>
           <p:nvPr/>
         </p:nvCxnSpPr>
@@ -27700,7 +27935,7 @@
       </p:cxnSp>
       <p:cxnSp>
         <p:nvCxnSpPr>
-          <p:cNvPr id="426" name="Google Shape;426;p43"/>
+          <p:cNvPr id="433" name="Google Shape;433;p44"/>
           <p:cNvCxnSpPr/>
           <p:nvPr/>
         </p:nvCxnSpPr>
@@ -27733,7 +27968,7 @@
       </p:cxnSp>
       <p:cxnSp>
         <p:nvCxnSpPr>
-          <p:cNvPr id="427" name="Google Shape;427;p43"/>
+          <p:cNvPr id="434" name="Google Shape;434;p44"/>
           <p:cNvCxnSpPr/>
           <p:nvPr/>
         </p:nvCxnSpPr>
@@ -27766,7 +28001,7 @@
       </p:cxnSp>
       <p:pic>
         <p:nvPicPr>
-          <p:cNvPr id="428" name="Google Shape;428;p43"/>
+          <p:cNvPr id="435" name="Google Shape;435;p44"/>
           <p:cNvPicPr preferRelativeResize="0"/>
           <p:nvPr/>
         </p:nvPicPr>
@@ -27793,9 +28028,9 @@
       </p:pic>
       <p:cxnSp>
         <p:nvCxnSpPr>
-          <p:cNvPr id="429" name="Google Shape;429;p43"/>
+          <p:cNvPr id="436" name="Google Shape;436;p44"/>
           <p:cNvCxnSpPr>
-            <a:stCxn id="428" idx="3"/>
+            <a:stCxn id="435" idx="3"/>
           </p:cNvCxnSpPr>
           <p:nvPr/>
         </p:nvCxnSpPr>
@@ -27830,10 +28065,10 @@
       </p:cxnSp>
       <p:cxnSp>
         <p:nvCxnSpPr>
-          <p:cNvPr id="430" name="Google Shape;430;p43"/>
+          <p:cNvPr id="437" name="Google Shape;437;p44"/>
           <p:cNvCxnSpPr>
-            <a:stCxn id="428" idx="3"/>
-            <a:endCxn id="421" idx="1"/>
+            <a:stCxn id="435" idx="3"/>
+            <a:endCxn id="428" idx="1"/>
           </p:cNvCxnSpPr>
           <p:nvPr/>
         </p:nvCxnSpPr>
@@ -27868,10 +28103,10 @@
       </p:cxnSp>
       <p:cxnSp>
         <p:nvCxnSpPr>
-          <p:cNvPr id="431" name="Google Shape;431;p43"/>
+          <p:cNvPr id="438" name="Google Shape;438;p44"/>
           <p:cNvCxnSpPr>
-            <a:stCxn id="428" idx="3"/>
-            <a:endCxn id="423" idx="1"/>
+            <a:stCxn id="435" idx="3"/>
+            <a:endCxn id="430" idx="1"/>
           </p:cNvCxnSpPr>
           <p:nvPr/>
         </p:nvCxnSpPr>
@@ -27906,7 +28141,7 @@
       </p:cxnSp>
       <p:sp>
         <p:nvSpPr>
-          <p:cNvPr id="432" name="Google Shape;432;p43"/>
+          <p:cNvPr id="439" name="Google Shape;439;p44"/>
           <p:cNvSpPr txBox="1"/>
           <p:nvPr/>
         </p:nvSpPr>
@@ -27964,7 +28199,7 @@
       </p:sp>
       <p:sp>
         <p:nvSpPr>
-          <p:cNvPr id="433" name="Google Shape;433;p43"/>
+          <p:cNvPr id="440" name="Google Shape;440;p44"/>
           <p:cNvSpPr txBox="1"/>
           <p:nvPr/>
         </p:nvSpPr>
@@ -28022,7 +28257,7 @@
       </p:sp>
       <p:sp>
         <p:nvSpPr>
-          <p:cNvPr id="434" name="Google Shape;434;p43"/>
+          <p:cNvPr id="441" name="Google Shape;441;p44"/>
           <p:cNvSpPr txBox="1"/>
           <p:nvPr/>
         </p:nvSpPr>
@@ -28080,7 +28315,7 @@
       </p:sp>
       <p:sp>
         <p:nvSpPr>
-          <p:cNvPr id="435" name="Google Shape;435;p43"/>
+          <p:cNvPr id="442" name="Google Shape;442;p44"/>
           <p:cNvSpPr txBox="1"/>
           <p:nvPr/>
         </p:nvSpPr>
@@ -28138,7 +28373,7 @@
       </p:sp>
       <p:sp>
         <p:nvSpPr>
-          <p:cNvPr id="436" name="Google Shape;436;p43"/>
+          <p:cNvPr id="443" name="Google Shape;443;p44"/>
           <p:cNvSpPr txBox="1"/>
           <p:nvPr/>
         </p:nvSpPr>
@@ -28196,7 +28431,7 @@
       </p:sp>
       <p:sp>
         <p:nvSpPr>
-          <p:cNvPr id="437" name="Google Shape;437;p43"/>
+          <p:cNvPr id="444" name="Google Shape;444;p44"/>
           <p:cNvSpPr txBox="1"/>
           <p:nvPr/>
         </p:nvSpPr>
@@ -28254,7 +28489,7 @@
       </p:sp>
       <p:sp>
         <p:nvSpPr>
-          <p:cNvPr id="438" name="Google Shape;438;p43"/>
+          <p:cNvPr id="445" name="Google Shape;445;p44"/>
           <p:cNvSpPr txBox="1"/>
           <p:nvPr/>
         </p:nvSpPr>
@@ -28312,7 +28547,7 @@
       </p:sp>
       <p:pic>
         <p:nvPicPr>
-          <p:cNvPr id="439" name="Google Shape;439;p43"/>
+          <p:cNvPr id="446" name="Google Shape;446;p44"/>
           <p:cNvPicPr preferRelativeResize="0"/>
           <p:nvPr/>
         </p:nvPicPr>
@@ -28339,7 +28574,7 @@
       </p:pic>
       <p:sp>
         <p:nvSpPr>
-          <p:cNvPr id="440" name="Google Shape;440;p43"/>
+          <p:cNvPr id="447" name="Google Shape;447;p44"/>
           <p:cNvSpPr txBox="1"/>
           <p:nvPr/>
         </p:nvSpPr>
@@ -28397,10 +28632,10 @@
       </p:sp>
       <p:cxnSp>
         <p:nvCxnSpPr>
-          <p:cNvPr id="441" name="Google Shape;441;p43"/>
+          <p:cNvPr id="448" name="Google Shape;448;p44"/>
           <p:cNvCxnSpPr>
-            <a:stCxn id="419" idx="3"/>
-            <a:endCxn id="439" idx="1"/>
+            <a:stCxn id="426" idx="3"/>
+            <a:endCxn id="446" idx="1"/>
           </p:cNvCxnSpPr>
           <p:nvPr/>
         </p:nvCxnSpPr>
@@ -28435,9 +28670,9 @@
       </p:cxnSp>
       <p:cxnSp>
         <p:nvCxnSpPr>
-          <p:cNvPr id="442" name="Google Shape;442;p43"/>
+          <p:cNvPr id="449" name="Google Shape;449;p44"/>
           <p:cNvCxnSpPr>
-            <a:stCxn id="421" idx="3"/>
+            <a:stCxn id="428" idx="3"/>
           </p:cNvCxnSpPr>
           <p:nvPr/>
         </p:nvCxnSpPr>
@@ -28472,7 +28707,7 @@
       </p:cxnSp>
       <p:cxnSp>
         <p:nvCxnSpPr>
-          <p:cNvPr id="443" name="Google Shape;443;p43"/>
+          <p:cNvPr id="450" name="Google Shape;450;p44"/>
           <p:cNvCxnSpPr/>
           <p:nvPr/>
         </p:nvCxnSpPr>
@@ -28513,12 +28748,12 @@
 </p:sld>
 </file>
 
-<file path=ppt/slides/slide32.xml><?xml version="1.0" encoding="utf-8"?>
+<file path=ppt/slides/slide33.xml><?xml version="1.0" encoding="utf-8"?>
 <p:sld xmlns:a="http://schemas.openxmlformats.org/drawingml/2006/main" xmlns:r="http://schemas.openxmlformats.org/officeDocument/2006/relationships" xmlns:mc="http://schemas.openxmlformats.org/markup-compatibility/2006" xmlns:mv="urn:schemas-microsoft-com:mac:vml" xmlns:p="http://schemas.openxmlformats.org/presentationml/2006/main" xmlns:c="http://schemas.openxmlformats.org/drawingml/2006/chart" xmlns:dgm="http://schemas.openxmlformats.org/drawingml/2006/diagram" xmlns:o="urn:schemas-microsoft-com:office:office" xmlns:v="urn:schemas-microsoft-com:vml" xmlns:pvml="urn:schemas-microsoft-com:office:powerpoint" xmlns:com="http://schemas.openxmlformats.org/drawingml/2006/compatibility" xmlns:p14="http://schemas.microsoft.com/office/powerpoint/2010/main" xmlns:p15="http://schemas.microsoft.com/office/powerpoint/2012/main">
   <p:cSld>
     <p:spTree>
       <p:nvGrpSpPr>
-        <p:cNvPr id="447" name="Shape 447"/>
+        <p:cNvPr id="454" name="Shape 454"/>
         <p:cNvGrpSpPr/>
         <p:nvPr/>
       </p:nvGrpSpPr>
@@ -28532,7 +28767,7 @@
       </p:grpSpPr>
       <p:sp>
         <p:nvSpPr>
-          <p:cNvPr id="448" name="Google Shape;448;p44"/>
+          <p:cNvPr id="455" name="Google Shape;455;p45"/>
           <p:cNvSpPr txBox="1"/>
           <p:nvPr>
             <p:ph type="title"/>
@@ -28581,7 +28816,7 @@
       </p:sp>
       <p:sp>
         <p:nvSpPr>
-          <p:cNvPr id="449" name="Google Shape;449;p44"/>
+          <p:cNvPr id="456" name="Google Shape;456;p45"/>
           <p:cNvSpPr txBox="1"/>
           <p:nvPr>
             <p:ph idx="1" type="body"/>
@@ -28684,287 +28919,6 @@
               <a:t>How to spot a failed leader </a:t>
             </a:r>
             <a:endParaRPr/>
-          </a:p>
-        </p:txBody>
-      </p:sp>
-    </p:spTree>
-  </p:cSld>
-  <p:clrMapOvr>
-    <a:masterClrMapping/>
-  </p:clrMapOvr>
-</p:sld>
-</file>
-
-<file path=ppt/slides/slide33.xml><?xml version="1.0" encoding="utf-8"?>
-<p:sld xmlns:a="http://schemas.openxmlformats.org/drawingml/2006/main" xmlns:r="http://schemas.openxmlformats.org/officeDocument/2006/relationships" xmlns:mc="http://schemas.openxmlformats.org/markup-compatibility/2006" xmlns:mv="urn:schemas-microsoft-com:mac:vml" xmlns:p="http://schemas.openxmlformats.org/presentationml/2006/main" xmlns:c="http://schemas.openxmlformats.org/drawingml/2006/chart" xmlns:dgm="http://schemas.openxmlformats.org/drawingml/2006/diagram" xmlns:o="urn:schemas-microsoft-com:office:office" xmlns:v="urn:schemas-microsoft-com:vml" xmlns:pvml="urn:schemas-microsoft-com:office:powerpoint" xmlns:com="http://schemas.openxmlformats.org/drawingml/2006/compatibility" xmlns:p14="http://schemas.microsoft.com/office/powerpoint/2010/main" xmlns:p15="http://schemas.microsoft.com/office/powerpoint/2012/main">
-  <p:cSld>
-    <p:spTree>
-      <p:nvGrpSpPr>
-        <p:cNvPr id="453" name="Shape 453"/>
-        <p:cNvGrpSpPr/>
-        <p:nvPr/>
-      </p:nvGrpSpPr>
-      <p:grpSpPr>
-        <a:xfrm>
-          <a:off x="0" y="0"/>
-          <a:ext cx="0" cy="0"/>
-          <a:chOff x="0" y="0"/>
-          <a:chExt cx="0" cy="0"/>
-        </a:xfrm>
-      </p:grpSpPr>
-      <p:sp>
-        <p:nvSpPr>
-          <p:cNvPr id="454" name="Google Shape;454;p45"/>
-          <p:cNvSpPr txBox="1"/>
-          <p:nvPr>
-            <p:ph type="title"/>
-          </p:nvPr>
-        </p:nvSpPr>
-        <p:spPr>
-          <a:xfrm>
-            <a:off x="457200" y="274638"/>
-            <a:ext cx="8229600" cy="1143000"/>
-          </a:xfrm>
-          <a:prstGeom prst="rect">
-            <a:avLst/>
-          </a:prstGeom>
-          <a:noFill/>
-          <a:ln>
-            <a:noFill/>
-          </a:ln>
-        </p:spPr>
-        <p:txBody>
-          <a:bodyPr anchorCtr="0" anchor="ctr" bIns="45700" lIns="91425" spcFirstLastPara="1" rIns="91425" wrap="square" tIns="45700">
-            <a:noAutofit/>
-          </a:bodyPr>
-          <a:lstStyle/>
-          <a:p>
-            <a:pPr indent="0" lvl="0" marL="0" rtl="0" algn="ctr">
-              <a:spcBef>
-                <a:spcPts val="0"/>
-              </a:spcBef>
-              <a:spcAft>
-                <a:spcPts val="0"/>
-              </a:spcAft>
-              <a:buClr>
-                <a:schemeClr val="dk1"/>
-              </a:buClr>
-              <a:buSzPts val="4400"/>
-              <a:buFont typeface="Montserrat"/>
-              <a:buNone/>
-            </a:pPr>
-            <a:r>
-              <a:rPr lang="en-US"/>
-              <a:t>ACID</a:t>
-            </a:r>
-            <a:endParaRPr/>
-          </a:p>
-        </p:txBody>
-      </p:sp>
-      <p:sp>
-        <p:nvSpPr>
-          <p:cNvPr id="455" name="Google Shape;455;p45"/>
-          <p:cNvSpPr txBox="1"/>
-          <p:nvPr>
-            <p:ph idx="1" type="body"/>
-          </p:nvPr>
-        </p:nvSpPr>
-        <p:spPr>
-          <a:xfrm>
-            <a:off x="375635" y="1417638"/>
-            <a:ext cx="8229600" cy="4525963"/>
-          </a:xfrm>
-          <a:prstGeom prst="rect">
-            <a:avLst/>
-          </a:prstGeom>
-          <a:noFill/>
-          <a:ln>
-            <a:noFill/>
-          </a:ln>
-        </p:spPr>
-        <p:txBody>
-          <a:bodyPr anchorCtr="0" anchor="t" bIns="45700" lIns="91425" spcFirstLastPara="1" rIns="91425" wrap="square" tIns="45700">
-            <a:noAutofit/>
-          </a:bodyPr>
-          <a:lstStyle/>
-          <a:p>
-            <a:pPr indent="-342900" lvl="0" marL="342900" rtl="0" algn="l">
-              <a:spcBef>
-                <a:spcPts val="0"/>
-              </a:spcBef>
-              <a:spcAft>
-                <a:spcPts val="0"/>
-              </a:spcAft>
-              <a:buClr>
-                <a:schemeClr val="dk1"/>
-              </a:buClr>
-              <a:buSzPts val="2960"/>
-              <a:buChar char="•"/>
-            </a:pPr>
-            <a:r>
-              <a:rPr i="1" lang="en-US" sz="2960"/>
-              <a:t>atomicity </a:t>
-            </a:r>
-            <a:endParaRPr i="1" sz="2960"/>
-          </a:p>
-          <a:p>
-            <a:pPr indent="-285750" lvl="1" marL="742950" rtl="0" algn="l">
-              <a:spcBef>
-                <a:spcPts val="518"/>
-              </a:spcBef>
-              <a:spcAft>
-                <a:spcPts val="0"/>
-              </a:spcAft>
-              <a:buClr>
-                <a:schemeClr val="dk1"/>
-              </a:buClr>
-              <a:buSzPts val="2590"/>
-              <a:buChar char="–"/>
-            </a:pPr>
-            <a:r>
-              <a:rPr lang="en-US" sz="2590"/>
-              <a:t>all-or-nothing  </a:t>
-            </a:r>
-            <a:endParaRPr/>
-          </a:p>
-          <a:p>
-            <a:pPr indent="-342900" lvl="0" marL="342900" rtl="0" algn="l">
-              <a:spcBef>
-                <a:spcPts val="592"/>
-              </a:spcBef>
-              <a:spcAft>
-                <a:spcPts val="0"/>
-              </a:spcAft>
-              <a:buClr>
-                <a:schemeClr val="dk1"/>
-              </a:buClr>
-              <a:buSzPts val="2960"/>
-              <a:buChar char="•"/>
-            </a:pPr>
-            <a:r>
-              <a:rPr i="1" lang="en-US" sz="2960"/>
-              <a:t>consistency</a:t>
-            </a:r>
-            <a:endParaRPr/>
-          </a:p>
-          <a:p>
-            <a:pPr indent="-285750" lvl="1" marL="742950" rtl="0" algn="l">
-              <a:spcBef>
-                <a:spcPts val="518"/>
-              </a:spcBef>
-              <a:spcAft>
-                <a:spcPts val="0"/>
-              </a:spcAft>
-              <a:buClr>
-                <a:schemeClr val="dk1"/>
-              </a:buClr>
-              <a:buSzPts val="2590"/>
-              <a:buChar char="–"/>
-            </a:pPr>
-            <a:r>
-              <a:rPr lang="en-US" sz="2590"/>
-              <a:t>integrity-preserving: invariants satisfied </a:t>
-            </a:r>
-            <a:endParaRPr/>
-          </a:p>
-          <a:p>
-            <a:pPr indent="-342900" lvl="0" marL="342900" rtl="0" algn="l">
-              <a:spcBef>
-                <a:spcPts val="592"/>
-              </a:spcBef>
-              <a:spcAft>
-                <a:spcPts val="0"/>
-              </a:spcAft>
-              <a:buClr>
-                <a:schemeClr val="dk1"/>
-              </a:buClr>
-              <a:buSzPts val="2960"/>
-              <a:buChar char="•"/>
-            </a:pPr>
-            <a:r>
-              <a:rPr i="1" lang="en-US" sz="2960"/>
-              <a:t>isolation</a:t>
-            </a:r>
-            <a:endParaRPr i="1" sz="2960"/>
-          </a:p>
-          <a:p>
-            <a:pPr indent="-285750" lvl="1" marL="742950" rtl="0" algn="l">
-              <a:spcBef>
-                <a:spcPts val="518"/>
-              </a:spcBef>
-              <a:spcAft>
-                <a:spcPts val="0"/>
-              </a:spcAft>
-              <a:buClr>
-                <a:schemeClr val="dk1"/>
-              </a:buClr>
-              <a:buSzPts val="2590"/>
-              <a:buChar char="–"/>
-            </a:pPr>
-            <a:r>
-              <a:rPr lang="en-US" sz="2590"/>
-              <a:t>hidden intermediate results: multi-user behaviour consistent with single-user mode </a:t>
-            </a:r>
-            <a:endParaRPr sz="2590"/>
-          </a:p>
-          <a:p>
-            <a:pPr indent="-342900" lvl="0" marL="342900" rtl="0" algn="l">
-              <a:spcBef>
-                <a:spcPts val="592"/>
-              </a:spcBef>
-              <a:spcAft>
-                <a:spcPts val="0"/>
-              </a:spcAft>
-              <a:buClr>
-                <a:schemeClr val="dk1"/>
-              </a:buClr>
-              <a:buSzPts val="2960"/>
-              <a:buChar char="•"/>
-            </a:pPr>
-            <a:r>
-              <a:rPr i="1" lang="en-US" sz="2960"/>
-              <a:t>durability</a:t>
-            </a:r>
-            <a:endParaRPr i="1" sz="2960"/>
-          </a:p>
-          <a:p>
-            <a:pPr indent="-285750" lvl="1" marL="742950" rtl="0" algn="l">
-              <a:spcBef>
-                <a:spcPts val="518"/>
-              </a:spcBef>
-              <a:spcAft>
-                <a:spcPts val="0"/>
-              </a:spcAft>
-              <a:buClr>
-                <a:schemeClr val="dk1"/>
-              </a:buClr>
-              <a:buSzPts val="2590"/>
-              <a:buChar char="–"/>
-            </a:pPr>
-            <a:r>
-              <a:rPr lang="en-US" sz="2590"/>
-              <a:t>permanent committed results </a:t>
-            </a:r>
-            <a:endParaRPr/>
-          </a:p>
-          <a:p>
-            <a:pPr indent="-154940" lvl="0" marL="342900" rtl="0" algn="l">
-              <a:spcBef>
-                <a:spcPts val="592"/>
-              </a:spcBef>
-              <a:spcAft>
-                <a:spcPts val="0"/>
-              </a:spcAft>
-              <a:buClr>
-                <a:schemeClr val="dk1"/>
-              </a:buClr>
-              <a:buSzPts val="2960"/>
-              <a:buNone/>
-            </a:pPr>
-            <a:r>
-              <a:t/>
-            </a:r>
-            <a:endParaRPr sz="2960"/>
           </a:p>
         </p:txBody>
       </p:sp>
@@ -28981,7 +28935,7 @@
   <p:cSld>
     <p:spTree>
       <p:nvGrpSpPr>
-        <p:cNvPr id="459" name="Shape 459"/>
+        <p:cNvPr id="460" name="Shape 460"/>
         <p:cNvGrpSpPr/>
         <p:nvPr/>
       </p:nvGrpSpPr>
@@ -28995,7 +28949,7 @@
       </p:grpSpPr>
       <p:sp>
         <p:nvSpPr>
-          <p:cNvPr id="460" name="Google Shape;460;p46"/>
+          <p:cNvPr id="461" name="Google Shape;461;p46"/>
           <p:cNvSpPr txBox="1"/>
           <p:nvPr>
             <p:ph type="title"/>
@@ -29036,7 +28990,7 @@
             </a:pPr>
             <a:r>
               <a:rPr lang="en-US"/>
-              <a:t>CAP Theorem</a:t>
+              <a:t>ACID</a:t>
             </a:r>
             <a:endParaRPr/>
           </a:p>
@@ -29044,7 +28998,7 @@
       </p:sp>
       <p:sp>
         <p:nvSpPr>
-          <p:cNvPr id="461" name="Google Shape;461;p46"/>
+          <p:cNvPr id="462" name="Google Shape;462;p46"/>
           <p:cNvSpPr txBox="1"/>
           <p:nvPr>
             <p:ph idx="1" type="body"/>
@@ -29052,7 +29006,7 @@
         </p:nvSpPr>
         <p:spPr>
           <a:xfrm>
-            <a:off x="375635" y="1600200"/>
+            <a:off x="375635" y="1417638"/>
             <a:ext cx="8229600" cy="4525963"/>
           </a:xfrm>
           <a:prstGeom prst="rect">
@@ -29079,6 +29033,287 @@
               <a:buClr>
                 <a:schemeClr val="dk1"/>
               </a:buClr>
+              <a:buSzPts val="2960"/>
+              <a:buChar char="•"/>
+            </a:pPr>
+            <a:r>
+              <a:rPr i="1" lang="en-US" sz="2960"/>
+              <a:t>atomicity </a:t>
+            </a:r>
+            <a:endParaRPr i="1" sz="2960"/>
+          </a:p>
+          <a:p>
+            <a:pPr indent="-285750" lvl="1" marL="742950" rtl="0" algn="l">
+              <a:spcBef>
+                <a:spcPts val="518"/>
+              </a:spcBef>
+              <a:spcAft>
+                <a:spcPts val="0"/>
+              </a:spcAft>
+              <a:buClr>
+                <a:schemeClr val="dk1"/>
+              </a:buClr>
+              <a:buSzPts val="2590"/>
+              <a:buChar char="–"/>
+            </a:pPr>
+            <a:r>
+              <a:rPr lang="en-US" sz="2590"/>
+              <a:t>all-or-nothing  </a:t>
+            </a:r>
+            <a:endParaRPr/>
+          </a:p>
+          <a:p>
+            <a:pPr indent="-342900" lvl="0" marL="342900" rtl="0" algn="l">
+              <a:spcBef>
+                <a:spcPts val="592"/>
+              </a:spcBef>
+              <a:spcAft>
+                <a:spcPts val="0"/>
+              </a:spcAft>
+              <a:buClr>
+                <a:schemeClr val="dk1"/>
+              </a:buClr>
+              <a:buSzPts val="2960"/>
+              <a:buChar char="•"/>
+            </a:pPr>
+            <a:r>
+              <a:rPr i="1" lang="en-US" sz="2960"/>
+              <a:t>consistency</a:t>
+            </a:r>
+            <a:endParaRPr/>
+          </a:p>
+          <a:p>
+            <a:pPr indent="-285750" lvl="1" marL="742950" rtl="0" algn="l">
+              <a:spcBef>
+                <a:spcPts val="518"/>
+              </a:spcBef>
+              <a:spcAft>
+                <a:spcPts val="0"/>
+              </a:spcAft>
+              <a:buClr>
+                <a:schemeClr val="dk1"/>
+              </a:buClr>
+              <a:buSzPts val="2590"/>
+              <a:buChar char="–"/>
+            </a:pPr>
+            <a:r>
+              <a:rPr lang="en-US" sz="2590"/>
+              <a:t>integrity-preserving: invariants satisfied </a:t>
+            </a:r>
+            <a:endParaRPr/>
+          </a:p>
+          <a:p>
+            <a:pPr indent="-342900" lvl="0" marL="342900" rtl="0" algn="l">
+              <a:spcBef>
+                <a:spcPts val="592"/>
+              </a:spcBef>
+              <a:spcAft>
+                <a:spcPts val="0"/>
+              </a:spcAft>
+              <a:buClr>
+                <a:schemeClr val="dk1"/>
+              </a:buClr>
+              <a:buSzPts val="2960"/>
+              <a:buChar char="•"/>
+            </a:pPr>
+            <a:r>
+              <a:rPr i="1" lang="en-US" sz="2960"/>
+              <a:t>isolation</a:t>
+            </a:r>
+            <a:endParaRPr i="1" sz="2960"/>
+          </a:p>
+          <a:p>
+            <a:pPr indent="-285750" lvl="1" marL="742950" rtl="0" algn="l">
+              <a:spcBef>
+                <a:spcPts val="518"/>
+              </a:spcBef>
+              <a:spcAft>
+                <a:spcPts val="0"/>
+              </a:spcAft>
+              <a:buClr>
+                <a:schemeClr val="dk1"/>
+              </a:buClr>
+              <a:buSzPts val="2590"/>
+              <a:buChar char="–"/>
+            </a:pPr>
+            <a:r>
+              <a:rPr lang="en-US" sz="2590"/>
+              <a:t>hidden intermediate results: multi-user behaviour consistent with single-user mode </a:t>
+            </a:r>
+            <a:endParaRPr sz="2590"/>
+          </a:p>
+          <a:p>
+            <a:pPr indent="-342900" lvl="0" marL="342900" rtl="0" algn="l">
+              <a:spcBef>
+                <a:spcPts val="592"/>
+              </a:spcBef>
+              <a:spcAft>
+                <a:spcPts val="0"/>
+              </a:spcAft>
+              <a:buClr>
+                <a:schemeClr val="dk1"/>
+              </a:buClr>
+              <a:buSzPts val="2960"/>
+              <a:buChar char="•"/>
+            </a:pPr>
+            <a:r>
+              <a:rPr i="1" lang="en-US" sz="2960"/>
+              <a:t>durability</a:t>
+            </a:r>
+            <a:endParaRPr i="1" sz="2960"/>
+          </a:p>
+          <a:p>
+            <a:pPr indent="-285750" lvl="1" marL="742950" rtl="0" algn="l">
+              <a:spcBef>
+                <a:spcPts val="518"/>
+              </a:spcBef>
+              <a:spcAft>
+                <a:spcPts val="0"/>
+              </a:spcAft>
+              <a:buClr>
+                <a:schemeClr val="dk1"/>
+              </a:buClr>
+              <a:buSzPts val="2590"/>
+              <a:buChar char="–"/>
+            </a:pPr>
+            <a:r>
+              <a:rPr lang="en-US" sz="2590"/>
+              <a:t>permanent committed results </a:t>
+            </a:r>
+            <a:endParaRPr/>
+          </a:p>
+          <a:p>
+            <a:pPr indent="-154940" lvl="0" marL="342900" rtl="0" algn="l">
+              <a:spcBef>
+                <a:spcPts val="592"/>
+              </a:spcBef>
+              <a:spcAft>
+                <a:spcPts val="0"/>
+              </a:spcAft>
+              <a:buClr>
+                <a:schemeClr val="dk1"/>
+              </a:buClr>
+              <a:buSzPts val="2960"/>
+              <a:buNone/>
+            </a:pPr>
+            <a:r>
+              <a:t/>
+            </a:r>
+            <a:endParaRPr sz="2960"/>
+          </a:p>
+        </p:txBody>
+      </p:sp>
+    </p:spTree>
+  </p:cSld>
+  <p:clrMapOvr>
+    <a:masterClrMapping/>
+  </p:clrMapOvr>
+</p:sld>
+</file>
+
+<file path=ppt/slides/slide35.xml><?xml version="1.0" encoding="utf-8"?>
+<p:sld xmlns:a="http://schemas.openxmlformats.org/drawingml/2006/main" xmlns:r="http://schemas.openxmlformats.org/officeDocument/2006/relationships" xmlns:mc="http://schemas.openxmlformats.org/markup-compatibility/2006" xmlns:mv="urn:schemas-microsoft-com:mac:vml" xmlns:p="http://schemas.openxmlformats.org/presentationml/2006/main" xmlns:c="http://schemas.openxmlformats.org/drawingml/2006/chart" xmlns:dgm="http://schemas.openxmlformats.org/drawingml/2006/diagram" xmlns:o="urn:schemas-microsoft-com:office:office" xmlns:v="urn:schemas-microsoft-com:vml" xmlns:pvml="urn:schemas-microsoft-com:office:powerpoint" xmlns:com="http://schemas.openxmlformats.org/drawingml/2006/compatibility" xmlns:p14="http://schemas.microsoft.com/office/powerpoint/2010/main" xmlns:p15="http://schemas.microsoft.com/office/powerpoint/2012/main">
+  <p:cSld>
+    <p:spTree>
+      <p:nvGrpSpPr>
+        <p:cNvPr id="466" name="Shape 466"/>
+        <p:cNvGrpSpPr/>
+        <p:nvPr/>
+      </p:nvGrpSpPr>
+      <p:grpSpPr>
+        <a:xfrm>
+          <a:off x="0" y="0"/>
+          <a:ext cx="0" cy="0"/>
+          <a:chOff x="0" y="0"/>
+          <a:chExt cx="0" cy="0"/>
+        </a:xfrm>
+      </p:grpSpPr>
+      <p:sp>
+        <p:nvSpPr>
+          <p:cNvPr id="467" name="Google Shape;467;p47"/>
+          <p:cNvSpPr txBox="1"/>
+          <p:nvPr>
+            <p:ph type="title"/>
+          </p:nvPr>
+        </p:nvSpPr>
+        <p:spPr>
+          <a:xfrm>
+            <a:off x="457200" y="274638"/>
+            <a:ext cx="8229600" cy="1143000"/>
+          </a:xfrm>
+          <a:prstGeom prst="rect">
+            <a:avLst/>
+          </a:prstGeom>
+          <a:noFill/>
+          <a:ln>
+            <a:noFill/>
+          </a:ln>
+        </p:spPr>
+        <p:txBody>
+          <a:bodyPr anchorCtr="0" anchor="ctr" bIns="45700" lIns="91425" spcFirstLastPara="1" rIns="91425" wrap="square" tIns="45700">
+            <a:noAutofit/>
+          </a:bodyPr>
+          <a:lstStyle/>
+          <a:p>
+            <a:pPr indent="0" lvl="0" marL="0" rtl="0" algn="ctr">
+              <a:spcBef>
+                <a:spcPts val="0"/>
+              </a:spcBef>
+              <a:spcAft>
+                <a:spcPts val="0"/>
+              </a:spcAft>
+              <a:buClr>
+                <a:schemeClr val="dk1"/>
+              </a:buClr>
+              <a:buSzPts val="4400"/>
+              <a:buFont typeface="Montserrat"/>
+              <a:buNone/>
+            </a:pPr>
+            <a:r>
+              <a:rPr lang="en-US"/>
+              <a:t>CAP Theorem</a:t>
+            </a:r>
+            <a:endParaRPr/>
+          </a:p>
+        </p:txBody>
+      </p:sp>
+      <p:sp>
+        <p:nvSpPr>
+          <p:cNvPr id="468" name="Google Shape;468;p47"/>
+          <p:cNvSpPr txBox="1"/>
+          <p:nvPr>
+            <p:ph idx="1" type="body"/>
+          </p:nvPr>
+        </p:nvSpPr>
+        <p:spPr>
+          <a:xfrm>
+            <a:off x="375635" y="1600200"/>
+            <a:ext cx="8229600" cy="4525963"/>
+          </a:xfrm>
+          <a:prstGeom prst="rect">
+            <a:avLst/>
+          </a:prstGeom>
+          <a:noFill/>
+          <a:ln>
+            <a:noFill/>
+          </a:ln>
+        </p:spPr>
+        <p:txBody>
+          <a:bodyPr anchorCtr="0" anchor="t" bIns="45700" lIns="91425" spcFirstLastPara="1" rIns="91425" wrap="square" tIns="45700">
+            <a:noAutofit/>
+          </a:bodyPr>
+          <a:lstStyle/>
+          <a:p>
+            <a:pPr indent="-342900" lvl="0" marL="342900" rtl="0" algn="l">
+              <a:spcBef>
+                <a:spcPts val="0"/>
+              </a:spcBef>
+              <a:spcAft>
+                <a:spcPts val="0"/>
+              </a:spcAft>
+              <a:buClr>
+                <a:schemeClr val="dk1"/>
+              </a:buClr>
               <a:buSzPts val="2400"/>
               <a:buChar char="•"/>
             </a:pPr>
@@ -29266,7 +29501,7 @@
       </p:sp>
       <p:pic>
         <p:nvPicPr>
-          <p:cNvPr id="462" name="Google Shape;462;p46"/>
+          <p:cNvPr id="469" name="Google Shape;469;p47"/>
           <p:cNvPicPr preferRelativeResize="0"/>
           <p:nvPr/>
         </p:nvPicPr>
@@ -29293,7 +29528,7 @@
       </p:pic>
       <p:sp>
         <p:nvSpPr>
-          <p:cNvPr id="463" name="Google Shape;463;p46"/>
+          <p:cNvPr id="470" name="Google Shape;470;p47"/>
           <p:cNvSpPr/>
           <p:nvPr/>
         </p:nvSpPr>
@@ -29370,12 +29605,12 @@
 </p:sld>
 </file>
 
-<file path=ppt/slides/slide35.xml><?xml version="1.0" encoding="utf-8"?>
+<file path=ppt/slides/slide36.xml><?xml version="1.0" encoding="utf-8"?>
 <p:sld xmlns:a="http://schemas.openxmlformats.org/drawingml/2006/main" xmlns:r="http://schemas.openxmlformats.org/officeDocument/2006/relationships" xmlns:mc="http://schemas.openxmlformats.org/markup-compatibility/2006" xmlns:mv="urn:schemas-microsoft-com:mac:vml" xmlns:p="http://schemas.openxmlformats.org/presentationml/2006/main" xmlns:c="http://schemas.openxmlformats.org/drawingml/2006/chart" xmlns:dgm="http://schemas.openxmlformats.org/drawingml/2006/diagram" xmlns:o="urn:schemas-microsoft-com:office:office" xmlns:v="urn:schemas-microsoft-com:vml" xmlns:pvml="urn:schemas-microsoft-com:office:powerpoint" xmlns:com="http://schemas.openxmlformats.org/drawingml/2006/compatibility" xmlns:p14="http://schemas.microsoft.com/office/powerpoint/2010/main" xmlns:p15="http://schemas.microsoft.com/office/powerpoint/2012/main">
   <p:cSld>
     <p:spTree>
       <p:nvGrpSpPr>
-        <p:cNvPr id="467" name="Shape 467"/>
+        <p:cNvPr id="474" name="Shape 474"/>
         <p:cNvGrpSpPr/>
         <p:nvPr/>
       </p:nvGrpSpPr>
@@ -29389,7 +29624,7 @@
       </p:grpSpPr>
       <p:sp>
         <p:nvSpPr>
-          <p:cNvPr id="468" name="Google Shape;468;p47"/>
+          <p:cNvPr id="475" name="Google Shape;475;p48"/>
           <p:cNvSpPr txBox="1"/>
           <p:nvPr>
             <p:ph type="title"/>
@@ -29438,7 +29673,7 @@
       </p:sp>
       <p:sp>
         <p:nvSpPr>
-          <p:cNvPr id="469" name="Google Shape;469;p47"/>
+          <p:cNvPr id="476" name="Google Shape;476;p48"/>
           <p:cNvSpPr/>
           <p:nvPr/>
         </p:nvSpPr>
@@ -29519,7 +29754,7 @@
       </p:sp>
       <p:sp>
         <p:nvSpPr>
-          <p:cNvPr id="470" name="Google Shape;470;p47"/>
+          <p:cNvPr id="477" name="Google Shape;477;p48"/>
           <p:cNvSpPr/>
           <p:nvPr/>
         </p:nvSpPr>
@@ -29600,7 +29835,7 @@
       </p:sp>
       <p:cxnSp>
         <p:nvCxnSpPr>
-          <p:cNvPr id="471" name="Google Shape;471;p47"/>
+          <p:cNvPr id="478" name="Google Shape;478;p48"/>
           <p:cNvCxnSpPr/>
           <p:nvPr/>
         </p:nvCxnSpPr>
@@ -29633,7 +29868,7 @@
       </p:cxnSp>
       <p:sp>
         <p:nvSpPr>
-          <p:cNvPr id="472" name="Google Shape;472;p47"/>
+          <p:cNvPr id="479" name="Google Shape;479;p48"/>
           <p:cNvSpPr txBox="1"/>
           <p:nvPr/>
         </p:nvSpPr>
@@ -29691,7 +29926,7 @@
       </p:sp>
       <p:cxnSp>
         <p:nvCxnSpPr>
-          <p:cNvPr id="473" name="Google Shape;473;p47"/>
+          <p:cNvPr id="480" name="Google Shape;480;p48"/>
           <p:cNvCxnSpPr/>
           <p:nvPr/>
         </p:nvCxnSpPr>
@@ -29724,7 +29959,7 @@
       </p:cxnSp>
       <p:sp>
         <p:nvSpPr>
-          <p:cNvPr id="474" name="Google Shape;474;p47"/>
+          <p:cNvPr id="481" name="Google Shape;481;p48"/>
           <p:cNvSpPr txBox="1"/>
           <p:nvPr/>
         </p:nvSpPr>
@@ -29782,10 +30017,10 @@
       </p:sp>
       <p:cxnSp>
         <p:nvCxnSpPr>
-          <p:cNvPr id="475" name="Google Shape;475;p47"/>
+          <p:cNvPr id="482" name="Google Shape;482;p48"/>
           <p:cNvCxnSpPr>
-            <a:stCxn id="469" idx="6"/>
-            <a:endCxn id="470" idx="2"/>
+            <a:stCxn id="476" idx="6"/>
+            <a:endCxn id="477" idx="2"/>
           </p:cNvCxnSpPr>
           <p:nvPr/>
         </p:nvCxnSpPr>
@@ -29818,7 +30053,7 @@
       </p:cxnSp>
       <p:sp>
         <p:nvSpPr>
-          <p:cNvPr id="476" name="Google Shape;476;p47"/>
+          <p:cNvPr id="483" name="Google Shape;483;p48"/>
           <p:cNvSpPr txBox="1"/>
           <p:nvPr/>
         </p:nvSpPr>
@@ -29882,12 +30117,12 @@
 </p:sld>
 </file>
 
-<file path=ppt/slides/slide36.xml><?xml version="1.0" encoding="utf-8"?>
+<file path=ppt/slides/slide37.xml><?xml version="1.0" encoding="utf-8"?>
 <p:sld xmlns:a="http://schemas.openxmlformats.org/drawingml/2006/main" xmlns:r="http://schemas.openxmlformats.org/officeDocument/2006/relationships" xmlns:mc="http://schemas.openxmlformats.org/markup-compatibility/2006" xmlns:mv="urn:schemas-microsoft-com:mac:vml" xmlns:p="http://schemas.openxmlformats.org/presentationml/2006/main" xmlns:c="http://schemas.openxmlformats.org/drawingml/2006/chart" xmlns:dgm="http://schemas.openxmlformats.org/drawingml/2006/diagram" xmlns:o="urn:schemas-microsoft-com:office:office" xmlns:v="urn:schemas-microsoft-com:vml" xmlns:pvml="urn:schemas-microsoft-com:office:powerpoint" xmlns:com="http://schemas.openxmlformats.org/drawingml/2006/compatibility" xmlns:p14="http://schemas.microsoft.com/office/powerpoint/2010/main" xmlns:p15="http://schemas.microsoft.com/office/powerpoint/2012/main">
   <p:cSld>
     <p:spTree>
       <p:nvGrpSpPr>
-        <p:cNvPr id="480" name="Shape 480"/>
+        <p:cNvPr id="487" name="Shape 487"/>
         <p:cNvGrpSpPr/>
         <p:nvPr/>
       </p:nvGrpSpPr>
@@ -29901,7 +30136,7 @@
       </p:grpSpPr>
       <p:sp>
         <p:nvSpPr>
-          <p:cNvPr id="481" name="Google Shape;481;p48"/>
+          <p:cNvPr id="488" name="Google Shape;488;p49"/>
           <p:cNvSpPr txBox="1"/>
           <p:nvPr>
             <p:ph type="title"/>
@@ -29950,7 +30185,7 @@
       </p:sp>
       <p:sp>
         <p:nvSpPr>
-          <p:cNvPr id="482" name="Google Shape;482;p48"/>
+          <p:cNvPr id="489" name="Google Shape;489;p49"/>
           <p:cNvSpPr/>
           <p:nvPr/>
         </p:nvSpPr>
@@ -30031,7 +30266,7 @@
       </p:sp>
       <p:sp>
         <p:nvSpPr>
-          <p:cNvPr id="483" name="Google Shape;483;p48"/>
+          <p:cNvPr id="490" name="Google Shape;490;p49"/>
           <p:cNvSpPr/>
           <p:nvPr/>
         </p:nvSpPr>
@@ -30112,7 +30347,7 @@
       </p:sp>
       <p:cxnSp>
         <p:nvCxnSpPr>
-          <p:cNvPr id="484" name="Google Shape;484;p48"/>
+          <p:cNvPr id="491" name="Google Shape;491;p49"/>
           <p:cNvCxnSpPr/>
           <p:nvPr/>
         </p:nvCxnSpPr>
@@ -30145,7 +30380,7 @@
       </p:cxnSp>
       <p:sp>
         <p:nvSpPr>
-          <p:cNvPr id="485" name="Google Shape;485;p48"/>
+          <p:cNvPr id="492" name="Google Shape;492;p49"/>
           <p:cNvSpPr txBox="1"/>
           <p:nvPr/>
         </p:nvSpPr>
@@ -30203,7 +30438,7 @@
       </p:sp>
       <p:cxnSp>
         <p:nvCxnSpPr>
-          <p:cNvPr id="486" name="Google Shape;486;p48"/>
+          <p:cNvPr id="493" name="Google Shape;493;p49"/>
           <p:cNvCxnSpPr/>
           <p:nvPr/>
         </p:nvCxnSpPr>
@@ -30236,7 +30471,7 @@
       </p:cxnSp>
       <p:sp>
         <p:nvSpPr>
-          <p:cNvPr id="487" name="Google Shape;487;p48"/>
+          <p:cNvPr id="494" name="Google Shape;494;p49"/>
           <p:cNvSpPr txBox="1"/>
           <p:nvPr/>
         </p:nvSpPr>
@@ -30294,10 +30529,10 @@
       </p:sp>
       <p:cxnSp>
         <p:nvCxnSpPr>
-          <p:cNvPr id="488" name="Google Shape;488;p48"/>
+          <p:cNvPr id="495" name="Google Shape;495;p49"/>
           <p:cNvCxnSpPr>
-            <a:stCxn id="482" idx="6"/>
-            <a:endCxn id="483" idx="2"/>
+            <a:stCxn id="489" idx="6"/>
+            <a:endCxn id="490" idx="2"/>
           </p:cNvCxnSpPr>
           <p:nvPr/>
         </p:nvCxnSpPr>
@@ -30330,7 +30565,7 @@
       </p:cxnSp>
       <p:sp>
         <p:nvSpPr>
-          <p:cNvPr id="489" name="Google Shape;489;p48"/>
+          <p:cNvPr id="496" name="Google Shape;496;p49"/>
           <p:cNvSpPr txBox="1"/>
           <p:nvPr/>
         </p:nvSpPr>
@@ -30388,7 +30623,7 @@
       </p:sp>
       <p:sp>
         <p:nvSpPr>
-          <p:cNvPr id="490" name="Google Shape;490;p48"/>
+          <p:cNvPr id="497" name="Google Shape;497;p49"/>
           <p:cNvSpPr txBox="1"/>
           <p:nvPr/>
         </p:nvSpPr>
@@ -30557,12 +30792,12 @@
 </p:sld>
 </file>
 
-<file path=ppt/slides/slide37.xml><?xml version="1.0" encoding="utf-8"?>
+<file path=ppt/slides/slide38.xml><?xml version="1.0" encoding="utf-8"?>
 <p:sld xmlns:a="http://schemas.openxmlformats.org/drawingml/2006/main" xmlns:r="http://schemas.openxmlformats.org/officeDocument/2006/relationships" xmlns:mc="http://schemas.openxmlformats.org/markup-compatibility/2006" xmlns:mv="urn:schemas-microsoft-com:mac:vml" xmlns:p="http://schemas.openxmlformats.org/presentationml/2006/main" xmlns:c="http://schemas.openxmlformats.org/drawingml/2006/chart" xmlns:dgm="http://schemas.openxmlformats.org/drawingml/2006/diagram" xmlns:o="urn:schemas-microsoft-com:office:office" xmlns:v="urn:schemas-microsoft-com:vml" xmlns:pvml="urn:schemas-microsoft-com:office:powerpoint" xmlns:com="http://schemas.openxmlformats.org/drawingml/2006/compatibility" xmlns:p14="http://schemas.microsoft.com/office/powerpoint/2010/main" xmlns:p15="http://schemas.microsoft.com/office/powerpoint/2012/main">
   <p:cSld>
     <p:spTree>
       <p:nvGrpSpPr>
-        <p:cNvPr id="494" name="Shape 494"/>
+        <p:cNvPr id="501" name="Shape 501"/>
         <p:cNvGrpSpPr/>
         <p:nvPr/>
       </p:nvGrpSpPr>
@@ -30576,7 +30811,7 @@
       </p:grpSpPr>
       <p:sp>
         <p:nvSpPr>
-          <p:cNvPr id="495" name="Google Shape;495;p49"/>
+          <p:cNvPr id="502" name="Google Shape;502;p50"/>
           <p:cNvSpPr txBox="1"/>
           <p:nvPr>
             <p:ph type="title"/>
@@ -30625,7 +30860,7 @@
       </p:sp>
       <p:sp>
         <p:nvSpPr>
-          <p:cNvPr id="496" name="Google Shape;496;p49"/>
+          <p:cNvPr id="503" name="Google Shape;503;p50"/>
           <p:cNvSpPr txBox="1"/>
           <p:nvPr>
             <p:ph idx="1" type="body"/>
@@ -30853,255 +31088,6 @@
             <a:r>
               <a:rPr lang="en-US" sz="2590"/>
               <a:t>Not a good idea, as not available!</a:t>
-            </a:r>
-            <a:endParaRPr sz="2590"/>
-          </a:p>
-        </p:txBody>
-      </p:sp>
-    </p:spTree>
-  </p:cSld>
-  <p:clrMapOvr>
-    <a:masterClrMapping/>
-  </p:clrMapOvr>
-</p:sld>
-</file>
-
-<file path=ppt/slides/slide38.xml><?xml version="1.0" encoding="utf-8"?>
-<p:sld xmlns:a="http://schemas.openxmlformats.org/drawingml/2006/main" xmlns:r="http://schemas.openxmlformats.org/officeDocument/2006/relationships" xmlns:mc="http://schemas.openxmlformats.org/markup-compatibility/2006" xmlns:mv="urn:schemas-microsoft-com:mac:vml" xmlns:p="http://schemas.openxmlformats.org/presentationml/2006/main" xmlns:c="http://schemas.openxmlformats.org/drawingml/2006/chart" xmlns:dgm="http://schemas.openxmlformats.org/drawingml/2006/diagram" xmlns:o="urn:schemas-microsoft-com:office:office" xmlns:v="urn:schemas-microsoft-com:vml" xmlns:pvml="urn:schemas-microsoft-com:office:powerpoint" xmlns:com="http://schemas.openxmlformats.org/drawingml/2006/compatibility" xmlns:p14="http://schemas.microsoft.com/office/powerpoint/2010/main" xmlns:p15="http://schemas.microsoft.com/office/powerpoint/2012/main">
-  <p:cSld>
-    <p:spTree>
-      <p:nvGrpSpPr>
-        <p:cNvPr id="500" name="Shape 500"/>
-        <p:cNvGrpSpPr/>
-        <p:nvPr/>
-      </p:nvGrpSpPr>
-      <p:grpSpPr>
-        <a:xfrm>
-          <a:off x="0" y="0"/>
-          <a:ext cx="0" cy="0"/>
-          <a:chOff x="0" y="0"/>
-          <a:chExt cx="0" cy="0"/>
-        </a:xfrm>
-      </p:grpSpPr>
-      <p:sp>
-        <p:nvSpPr>
-          <p:cNvPr id="501" name="Google Shape;501;p50"/>
-          <p:cNvSpPr txBox="1"/>
-          <p:nvPr>
-            <p:ph type="title"/>
-          </p:nvPr>
-        </p:nvSpPr>
-        <p:spPr>
-          <a:xfrm>
-            <a:off x="457200" y="274638"/>
-            <a:ext cx="8229600" cy="1143000"/>
-          </a:xfrm>
-          <a:prstGeom prst="rect">
-            <a:avLst/>
-          </a:prstGeom>
-          <a:noFill/>
-          <a:ln>
-            <a:noFill/>
-          </a:ln>
-        </p:spPr>
-        <p:txBody>
-          <a:bodyPr anchorCtr="0" anchor="ctr" bIns="45700" lIns="91425" spcFirstLastPara="1" rIns="91425" wrap="square" tIns="45700">
-            <a:noAutofit/>
-          </a:bodyPr>
-          <a:lstStyle/>
-          <a:p>
-            <a:pPr indent="0" lvl="0" marL="0" rtl="0" algn="ctr">
-              <a:spcBef>
-                <a:spcPts val="0"/>
-              </a:spcBef>
-              <a:spcAft>
-                <a:spcPts val="0"/>
-              </a:spcAft>
-              <a:buClr>
-                <a:schemeClr val="dk1"/>
-              </a:buClr>
-              <a:buSzPts val="4400"/>
-              <a:buFont typeface="Montserrat"/>
-              <a:buNone/>
-            </a:pPr>
-            <a:r>
-              <a:rPr lang="en-US"/>
-              <a:t>CAP Theorem</a:t>
-            </a:r>
-            <a:endParaRPr/>
-          </a:p>
-        </p:txBody>
-      </p:sp>
-      <p:sp>
-        <p:nvSpPr>
-          <p:cNvPr id="502" name="Google Shape;502;p50"/>
-          <p:cNvSpPr txBox="1"/>
-          <p:nvPr>
-            <p:ph idx="1" type="body"/>
-          </p:nvPr>
-        </p:nvSpPr>
-        <p:spPr>
-          <a:xfrm>
-            <a:off x="375635" y="1600200"/>
-            <a:ext cx="8229600" cy="4525963"/>
-          </a:xfrm>
-          <a:prstGeom prst="rect">
-            <a:avLst/>
-          </a:prstGeom>
-          <a:noFill/>
-          <a:ln>
-            <a:noFill/>
-          </a:ln>
-        </p:spPr>
-        <p:txBody>
-          <a:bodyPr anchorCtr="0" anchor="t" bIns="45700" lIns="91425" spcFirstLastPara="1" rIns="91425" wrap="square" tIns="45700">
-            <a:noAutofit/>
-          </a:bodyPr>
-          <a:lstStyle/>
-          <a:p>
-            <a:pPr indent="-342900" lvl="0" marL="342900" rtl="0" algn="l">
-              <a:lnSpc>
-                <a:spcPct val="90000"/>
-              </a:lnSpc>
-              <a:spcBef>
-                <a:spcPts val="0"/>
-              </a:spcBef>
-              <a:spcAft>
-                <a:spcPts val="0"/>
-              </a:spcAft>
-              <a:buClr>
-                <a:schemeClr val="dk1"/>
-              </a:buClr>
-              <a:buSzPts val="2960"/>
-              <a:buChar char="•"/>
-            </a:pPr>
-            <a:r>
-              <a:rPr lang="en-US" sz="2960"/>
-              <a:t>However, the details are important</a:t>
-            </a:r>
-            <a:endParaRPr/>
-          </a:p>
-          <a:p>
-            <a:pPr indent="-285750" lvl="1" marL="742950" rtl="0" algn="l">
-              <a:lnSpc>
-                <a:spcPct val="90000"/>
-              </a:lnSpc>
-              <a:spcBef>
-                <a:spcPts val="518"/>
-              </a:spcBef>
-              <a:spcAft>
-                <a:spcPts val="0"/>
-              </a:spcAft>
-              <a:buClr>
-                <a:schemeClr val="dk1"/>
-              </a:buClr>
-              <a:buSzPts val="2590"/>
-              <a:buChar char="–"/>
-            </a:pPr>
-            <a:r>
-              <a:rPr lang="en-US" sz="2590"/>
-              <a:t>The proof requires some complex definitions of C, A and P</a:t>
-            </a:r>
-            <a:endParaRPr/>
-          </a:p>
-          <a:p>
-            <a:pPr indent="-342900" lvl="0" marL="342900" rtl="0" algn="l">
-              <a:lnSpc>
-                <a:spcPct val="90000"/>
-              </a:lnSpc>
-              <a:spcBef>
-                <a:spcPts val="592"/>
-              </a:spcBef>
-              <a:spcAft>
-                <a:spcPts val="0"/>
-              </a:spcAft>
-              <a:buClr>
-                <a:schemeClr val="dk1"/>
-              </a:buClr>
-              <a:buSzPts val="2960"/>
-              <a:buChar char="•"/>
-            </a:pPr>
-            <a:r>
-              <a:rPr lang="en-US" sz="2960"/>
-              <a:t>I recommend reading Brewer’s update:</a:t>
-            </a:r>
-            <a:endParaRPr/>
-          </a:p>
-          <a:p>
-            <a:pPr indent="-285750" lvl="1" marL="742950" rtl="0" algn="l">
-              <a:lnSpc>
-                <a:spcPct val="90000"/>
-              </a:lnSpc>
-              <a:spcBef>
-                <a:spcPts val="518"/>
-              </a:spcBef>
-              <a:spcAft>
-                <a:spcPts val="0"/>
-              </a:spcAft>
-              <a:buClr>
-                <a:schemeClr val="dk1"/>
-              </a:buClr>
-              <a:buSzPts val="2590"/>
-              <a:buChar char="–"/>
-            </a:pPr>
-            <a:r>
-              <a:rPr lang="en-US" sz="2590" u="sng">
-                <a:solidFill>
-                  <a:schemeClr val="hlink"/>
-                </a:solidFill>
-                <a:hlinkClick r:id="rId3"/>
-              </a:rPr>
-              <a:t>http://www.infoq.com/articles/cap-twelve-years-later-how-the-rules-have-changed</a:t>
-            </a:r>
-            <a:r>
-              <a:rPr lang="en-US" sz="2590"/>
-              <a:t> </a:t>
-            </a:r>
-            <a:endParaRPr/>
-          </a:p>
-          <a:p>
-            <a:pPr indent="-285750" lvl="1" marL="742950" rtl="0" algn="l">
-              <a:lnSpc>
-                <a:spcPct val="90000"/>
-              </a:lnSpc>
-              <a:spcBef>
-                <a:spcPts val="518"/>
-              </a:spcBef>
-              <a:spcAft>
-                <a:spcPts val="0"/>
-              </a:spcAft>
-              <a:buClr>
-                <a:schemeClr val="dk1"/>
-              </a:buClr>
-              <a:buSzPts val="2590"/>
-              <a:buChar char="–"/>
-            </a:pPr>
-            <a:r>
-              <a:rPr lang="en-US" sz="2590"/>
-              <a:t> “The 2 of 3 formulation was always misleading” </a:t>
-            </a:r>
-            <a:endParaRPr/>
-          </a:p>
-          <a:p>
-            <a:pPr indent="-285750" lvl="1" marL="742950" rtl="0" algn="l">
-              <a:lnSpc>
-                <a:spcPct val="90000"/>
-              </a:lnSpc>
-              <a:spcBef>
-                <a:spcPts val="518"/>
-              </a:spcBef>
-              <a:spcAft>
-                <a:spcPts val="0"/>
-              </a:spcAft>
-              <a:buClr>
-                <a:schemeClr val="dk1"/>
-              </a:buClr>
-              <a:buSzPts val="2590"/>
-              <a:buChar char="–"/>
-            </a:pPr>
-            <a:r>
-              <a:rPr lang="en-US" sz="2590"/>
-              <a:t>“CAP prohibits only a tiny part of the design space”</a:t>
             </a:r>
             <a:endParaRPr sz="2590"/>
           </a:p>
@@ -31120,7 +31106,7 @@
   <p:cSld>
     <p:spTree>
       <p:nvGrpSpPr>
-        <p:cNvPr id="506" name="Shape 506"/>
+        <p:cNvPr id="507" name="Shape 507"/>
         <p:cNvGrpSpPr/>
         <p:nvPr/>
       </p:nvGrpSpPr>
@@ -31134,7 +31120,7 @@
       </p:grpSpPr>
       <p:sp>
         <p:nvSpPr>
-          <p:cNvPr id="507" name="Google Shape;507;p51"/>
+          <p:cNvPr id="508" name="Google Shape;508;p51"/>
           <p:cNvSpPr txBox="1"/>
           <p:nvPr>
             <p:ph type="title"/>
@@ -31175,7 +31161,7 @@
             </a:pPr>
             <a:r>
               <a:rPr lang="en-US"/>
-              <a:t>In real life</a:t>
+              <a:t>CAP Theorem</a:t>
             </a:r>
             <a:endParaRPr/>
           </a:p>
@@ -31183,7 +31169,7 @@
       </p:sp>
       <p:sp>
         <p:nvSpPr>
-          <p:cNvPr id="508" name="Google Shape;508;p51"/>
+          <p:cNvPr id="509" name="Google Shape;509;p51"/>
           <p:cNvSpPr txBox="1"/>
           <p:nvPr>
             <p:ph idx="1" type="body"/>
@@ -31209,6 +31195,9 @@
           <a:lstStyle/>
           <a:p>
             <a:pPr indent="-342900" lvl="0" marL="342900" rtl="0" algn="l">
+              <a:lnSpc>
+                <a:spcPct val="90000"/>
+              </a:lnSpc>
               <a:spcBef>
                 <a:spcPts val="0"/>
               </a:spcBef>
@@ -31218,19 +31207,45 @@
               <a:buClr>
                 <a:schemeClr val="dk1"/>
               </a:buClr>
-              <a:buSzPts val="3200"/>
+              <a:buSzPts val="2960"/>
               <a:buChar char="•"/>
             </a:pPr>
             <a:r>
-              <a:rPr lang="en-US"/>
-              <a:t>Partitions are rare</a:t>
+              <a:rPr lang="en-US" sz="2960"/>
+              <a:t>However, the details are important</a:t>
+            </a:r>
+            <a:endParaRPr/>
+          </a:p>
+          <a:p>
+            <a:pPr indent="-285750" lvl="1" marL="742950" rtl="0" algn="l">
+              <a:lnSpc>
+                <a:spcPct val="90000"/>
+              </a:lnSpc>
+              <a:spcBef>
+                <a:spcPts val="518"/>
+              </a:spcBef>
+              <a:spcAft>
+                <a:spcPts val="0"/>
+              </a:spcAft>
+              <a:buClr>
+                <a:schemeClr val="dk1"/>
+              </a:buClr>
+              <a:buSzPts val="2590"/>
+              <a:buChar char="–"/>
+            </a:pPr>
+            <a:r>
+              <a:rPr lang="en-US" sz="2590"/>
+              <a:t>The proof requires some complex definitions of C, A and P</a:t>
             </a:r>
             <a:endParaRPr/>
           </a:p>
           <a:p>
             <a:pPr indent="-342900" lvl="0" marL="342900" rtl="0" algn="l">
-              <a:spcBef>
-                <a:spcPts val="640"/>
+              <a:lnSpc>
+                <a:spcPct val="90000"/>
+              </a:lnSpc>
+              <a:spcBef>
+                <a:spcPts val="592"/>
               </a:spcBef>
               <a:spcAft>
                 <a:spcPts val="0"/>
@@ -31238,19 +31253,22 @@
               <a:buClr>
                 <a:schemeClr val="dk1"/>
               </a:buClr>
-              <a:buSzPts val="3200"/>
+              <a:buSzPts val="2960"/>
               <a:buChar char="•"/>
             </a:pPr>
             <a:r>
-              <a:rPr lang="en-US"/>
-              <a:t>So we can implement a strategy:</a:t>
+              <a:rPr lang="en-US" sz="2960"/>
+              <a:t>I recommend reading Brewer’s update:</a:t>
             </a:r>
             <a:endParaRPr/>
           </a:p>
           <a:p>
             <a:pPr indent="-285750" lvl="1" marL="742950" rtl="0" algn="l">
-              <a:spcBef>
-                <a:spcPts val="560"/>
+              <a:lnSpc>
+                <a:spcPct val="90000"/>
+              </a:lnSpc>
+              <a:spcBef>
+                <a:spcPts val="518"/>
               </a:spcBef>
               <a:spcAft>
                 <a:spcPts val="0"/>
@@ -31258,19 +31276,31 @@
               <a:buClr>
                 <a:schemeClr val="dk1"/>
               </a:buClr>
-              <a:buSzPts val="2800"/>
+              <a:buSzPts val="2590"/>
               <a:buChar char="–"/>
             </a:pPr>
             <a:r>
-              <a:rPr lang="en-US"/>
-              <a:t>Detect a partition</a:t>
+              <a:rPr lang="en-US" sz="2590" u="sng">
+                <a:solidFill>
+                  <a:schemeClr val="hlink"/>
+                </a:solidFill>
+                <a:hlinkClick r:id="rId3"/>
+              </a:rPr>
+              <a:t>http://www.infoq.com/articles/cap-twelve-years-later-how-the-rules-have-changed</a:t>
+            </a:r>
+            <a:r>
+              <a:rPr lang="en-US" sz="2590"/>
+              <a:t> </a:t>
             </a:r>
             <a:endParaRPr/>
           </a:p>
           <a:p>
             <a:pPr indent="-285750" lvl="1" marL="742950" rtl="0" algn="l">
-              <a:spcBef>
-                <a:spcPts val="560"/>
+              <a:lnSpc>
+                <a:spcPct val="90000"/>
+              </a:lnSpc>
+              <a:spcBef>
+                <a:spcPts val="518"/>
               </a:spcBef>
               <a:spcAft>
                 <a:spcPts val="0"/>
@@ -31278,19 +31308,22 @@
               <a:buClr>
                 <a:schemeClr val="dk1"/>
               </a:buClr>
-              <a:buSzPts val="2800"/>
+              <a:buSzPts val="2590"/>
               <a:buChar char="–"/>
             </a:pPr>
             <a:r>
-              <a:rPr lang="en-US"/>
-              <a:t>Enter “partition mode”</a:t>
+              <a:rPr lang="en-US" sz="2590"/>
+              <a:t> “The 2 of 3 formulation was always misleading” </a:t>
             </a:r>
             <a:endParaRPr/>
           </a:p>
           <a:p>
             <a:pPr indent="-285750" lvl="1" marL="742950" rtl="0" algn="l">
-              <a:spcBef>
-                <a:spcPts val="560"/>
+              <a:lnSpc>
+                <a:spcPct val="90000"/>
+              </a:lnSpc>
+              <a:spcBef>
+                <a:spcPts val="518"/>
               </a:spcBef>
               <a:spcAft>
                 <a:spcPts val="0"/>
@@ -31298,54 +31331,14 @@
               <a:buClr>
                 <a:schemeClr val="dk1"/>
               </a:buClr>
-              <a:buSzPts val="2800"/>
+              <a:buSzPts val="2590"/>
               <a:buChar char="–"/>
             </a:pPr>
             <a:r>
-              <a:rPr lang="en-US"/>
-              <a:t>Carry on with inconsistency</a:t>
-            </a:r>
-            <a:endParaRPr/>
-          </a:p>
-          <a:p>
-            <a:pPr indent="-285750" lvl="1" marL="742950" rtl="0" algn="l">
-              <a:spcBef>
-                <a:spcPts val="560"/>
-              </a:spcBef>
-              <a:spcAft>
-                <a:spcPts val="0"/>
-              </a:spcAft>
-              <a:buClr>
-                <a:schemeClr val="dk1"/>
-              </a:buClr>
-              <a:buSzPts val="2800"/>
-              <a:buChar char="–"/>
-            </a:pPr>
-            <a:r>
-              <a:rPr lang="en-US"/>
-              <a:t>Recover when partition vanishes</a:t>
-            </a:r>
-            <a:endParaRPr/>
-          </a:p>
-          <a:p>
-            <a:pPr indent="-342900" lvl="0" marL="342900" rtl="0" algn="l">
-              <a:spcBef>
-                <a:spcPts val="640"/>
-              </a:spcBef>
-              <a:spcAft>
-                <a:spcPts val="0"/>
-              </a:spcAft>
-              <a:buClr>
-                <a:schemeClr val="dk1"/>
-              </a:buClr>
-              <a:buSzPts val="3200"/>
-              <a:buChar char="•"/>
-            </a:pPr>
-            <a:r>
-              <a:rPr lang="en-US"/>
-              <a:t>Known as “eventually consistent”</a:t>
-            </a:r>
-            <a:endParaRPr/>
+              <a:rPr lang="en-US" sz="2590"/>
+              <a:t>“CAP prohibits only a tiny part of the design space”</a:t>
+            </a:r>
+            <a:endParaRPr sz="2590"/>
           </a:p>
         </p:txBody>
       </p:sp>
@@ -31552,7 +31545,7 @@
   <p:cSld>
     <p:spTree>
       <p:nvGrpSpPr>
-        <p:cNvPr id="512" name="Shape 512"/>
+        <p:cNvPr id="513" name="Shape 513"/>
         <p:cNvGrpSpPr/>
         <p:nvPr/>
       </p:nvGrpSpPr>
@@ -31566,7 +31559,7 @@
       </p:grpSpPr>
       <p:sp>
         <p:nvSpPr>
-          <p:cNvPr id="513" name="Google Shape;513;p52"/>
+          <p:cNvPr id="514" name="Google Shape;514;p52"/>
           <p:cNvSpPr txBox="1"/>
           <p:nvPr>
             <p:ph type="title"/>
@@ -31607,7 +31600,7 @@
             </a:pPr>
             <a:r>
               <a:rPr lang="en-US"/>
-              <a:t>What does recovery mean?</a:t>
+              <a:t>In real life</a:t>
             </a:r>
             <a:endParaRPr/>
           </a:p>
@@ -31615,7 +31608,7 @@
       </p:sp>
       <p:sp>
         <p:nvSpPr>
-          <p:cNvPr id="514" name="Google Shape;514;p52"/>
+          <p:cNvPr id="515" name="Google Shape;515;p52"/>
           <p:cNvSpPr txBox="1"/>
           <p:nvPr>
             <p:ph idx="1" type="body"/>
@@ -31641,9 +31634,6 @@
           <a:lstStyle/>
           <a:p>
             <a:pPr indent="-342900" lvl="0" marL="342900" rtl="0" algn="l">
-              <a:lnSpc>
-                <a:spcPct val="80000"/>
-              </a:lnSpc>
               <a:spcBef>
                 <a:spcPts val="0"/>
               </a:spcBef>
@@ -31653,22 +31643,39 @@
               <a:buClr>
                 <a:schemeClr val="dk1"/>
               </a:buClr>
-              <a:buSzPts val="2960"/>
+              <a:buSzPts val="3200"/>
               <a:buChar char="•"/>
             </a:pPr>
             <a:r>
-              <a:rPr lang="en-US" sz="2960"/>
-              <a:t>Depends on your database and requirements</a:t>
+              <a:rPr lang="en-US"/>
+              <a:t>Partitions are rare</a:t>
+            </a:r>
+            <a:endParaRPr/>
+          </a:p>
+          <a:p>
+            <a:pPr indent="-342900" lvl="0" marL="342900" rtl="0" algn="l">
+              <a:spcBef>
+                <a:spcPts val="640"/>
+              </a:spcBef>
+              <a:spcAft>
+                <a:spcPts val="0"/>
+              </a:spcAft>
+              <a:buClr>
+                <a:schemeClr val="dk1"/>
+              </a:buClr>
+              <a:buSzPts val="3200"/>
+              <a:buChar char="•"/>
+            </a:pPr>
+            <a:r>
+              <a:rPr lang="en-US"/>
+              <a:t>So we can implement a strategy:</a:t>
             </a:r>
             <a:endParaRPr/>
           </a:p>
           <a:p>
             <a:pPr indent="-285750" lvl="1" marL="742950" rtl="0" algn="l">
-              <a:lnSpc>
-                <a:spcPct val="80000"/>
-              </a:lnSpc>
-              <a:spcBef>
-                <a:spcPts val="518"/>
+              <a:spcBef>
+                <a:spcPts val="560"/>
               </a:spcBef>
               <a:spcAft>
                 <a:spcPts val="0"/>
@@ -31676,22 +31683,19 @@
               <a:buClr>
                 <a:schemeClr val="dk1"/>
               </a:buClr>
-              <a:buSzPts val="2590"/>
+              <a:buSzPts val="2800"/>
               <a:buChar char="–"/>
             </a:pPr>
             <a:r>
-              <a:rPr lang="en-US" sz="2590"/>
-              <a:t>E.g. Amazon’s shopping cart is made consistent by creating the union of the inconsistent carts</a:t>
+              <a:rPr lang="en-US"/>
+              <a:t>Detect a partition</a:t>
             </a:r>
             <a:endParaRPr/>
           </a:p>
           <a:p>
             <a:pPr indent="-285750" lvl="1" marL="742950" rtl="0" algn="l">
-              <a:lnSpc>
-                <a:spcPct val="80000"/>
-              </a:lnSpc>
-              <a:spcBef>
-                <a:spcPts val="518"/>
+              <a:spcBef>
+                <a:spcPts val="560"/>
               </a:spcBef>
               <a:spcAft>
                 <a:spcPts val="0"/>
@@ -31699,22 +31703,59 @@
               <a:buClr>
                 <a:schemeClr val="dk1"/>
               </a:buClr>
-              <a:buSzPts val="2590"/>
+              <a:buSzPts val="2800"/>
               <a:buChar char="–"/>
             </a:pPr>
             <a:r>
-              <a:rPr lang="en-US" sz="2590"/>
-              <a:t>Deleted items may re-appear</a:t>
+              <a:rPr lang="en-US"/>
+              <a:t>Enter “partition mode”</a:t>
+            </a:r>
+            <a:endParaRPr/>
+          </a:p>
+          <a:p>
+            <a:pPr indent="-285750" lvl="1" marL="742950" rtl="0" algn="l">
+              <a:spcBef>
+                <a:spcPts val="560"/>
+              </a:spcBef>
+              <a:spcAft>
+                <a:spcPts val="0"/>
+              </a:spcAft>
+              <a:buClr>
+                <a:schemeClr val="dk1"/>
+              </a:buClr>
+              <a:buSzPts val="2800"/>
+              <a:buChar char="–"/>
+            </a:pPr>
+            <a:r>
+              <a:rPr lang="en-US"/>
+              <a:t>Carry on with inconsistency</a:t>
+            </a:r>
+            <a:endParaRPr/>
+          </a:p>
+          <a:p>
+            <a:pPr indent="-285750" lvl="1" marL="742950" rtl="0" algn="l">
+              <a:spcBef>
+                <a:spcPts val="560"/>
+              </a:spcBef>
+              <a:spcAft>
+                <a:spcPts val="0"/>
+              </a:spcAft>
+              <a:buClr>
+                <a:schemeClr val="dk1"/>
+              </a:buClr>
+              <a:buSzPts val="2800"/>
+              <a:buChar char="–"/>
+            </a:pPr>
+            <a:r>
+              <a:rPr lang="en-US"/>
+              <a:t>Recover when partition vanishes</a:t>
             </a:r>
             <a:endParaRPr/>
           </a:p>
           <a:p>
             <a:pPr indent="-342900" lvl="0" marL="342900" rtl="0" algn="l">
-              <a:lnSpc>
-                <a:spcPct val="80000"/>
-              </a:lnSpc>
-              <a:spcBef>
-                <a:spcPts val="592"/>
+              <a:spcBef>
+                <a:spcPts val="640"/>
               </a:spcBef>
               <a:spcAft>
                 <a:spcPts val="0"/>
@@ -31722,60 +31763,14 @@
               <a:buClr>
                 <a:schemeClr val="dk1"/>
               </a:buClr>
-              <a:buSzPts val="2960"/>
+              <a:buSzPts val="3200"/>
               <a:buChar char="•"/>
             </a:pPr>
             <a:r>
-              <a:rPr lang="en-US" sz="2960"/>
-              <a:t>Another option is to forbid certain operations during partition mode</a:t>
+              <a:rPr lang="en-US"/>
+              <a:t>Known as “eventually consistent”</a:t>
             </a:r>
             <a:endParaRPr/>
-          </a:p>
-          <a:p>
-            <a:pPr indent="-285750" lvl="1" marL="742950" rtl="0" algn="l">
-              <a:lnSpc>
-                <a:spcPct val="80000"/>
-              </a:lnSpc>
-              <a:spcBef>
-                <a:spcPts val="518"/>
-              </a:spcBef>
-              <a:spcAft>
-                <a:spcPts val="0"/>
-              </a:spcAft>
-              <a:buClr>
-                <a:schemeClr val="dk1"/>
-              </a:buClr>
-              <a:buSzPts val="2590"/>
-              <a:buChar char="–"/>
-            </a:pPr>
-            <a:r>
-              <a:rPr lang="en-US" sz="2590"/>
-              <a:t>To make it easier to recover consistency</a:t>
-            </a:r>
-            <a:endParaRPr/>
-          </a:p>
-          <a:p>
-            <a:pPr indent="-342900" lvl="0" marL="342900" rtl="0" algn="l">
-              <a:lnSpc>
-                <a:spcPct val="80000"/>
-              </a:lnSpc>
-              <a:spcBef>
-                <a:spcPts val="592"/>
-              </a:spcBef>
-              <a:spcAft>
-                <a:spcPts val="0"/>
-              </a:spcAft>
-              <a:buClr>
-                <a:schemeClr val="dk1"/>
-              </a:buClr>
-              <a:buSzPts val="2960"/>
-              <a:buChar char="•"/>
-            </a:pPr>
-            <a:r>
-              <a:rPr lang="en-US" sz="2960"/>
-              <a:t>A simplistic approach would be to go read-only</a:t>
-            </a:r>
-            <a:endParaRPr sz="2960"/>
           </a:p>
         </p:txBody>
       </p:sp>
@@ -31792,7 +31787,7 @@
   <p:cSld>
     <p:spTree>
       <p:nvGrpSpPr>
-        <p:cNvPr id="518" name="Shape 518"/>
+        <p:cNvPr id="519" name="Shape 519"/>
         <p:cNvGrpSpPr/>
         <p:nvPr/>
       </p:nvGrpSpPr>
@@ -31806,7 +31801,7 @@
       </p:grpSpPr>
       <p:sp>
         <p:nvSpPr>
-          <p:cNvPr id="519" name="Google Shape;519;p53"/>
+          <p:cNvPr id="520" name="Google Shape;520;p53"/>
           <p:cNvSpPr txBox="1"/>
           <p:nvPr>
             <p:ph type="title"/>
@@ -31841,21 +31836,21 @@
               <a:buClr>
                 <a:schemeClr val="dk1"/>
               </a:buClr>
-              <a:buSzPts val="3959"/>
+              <a:buSzPts val="4400"/>
               <a:buFont typeface="Montserrat"/>
               <a:buNone/>
             </a:pPr>
             <a:r>
-              <a:rPr lang="en-US" sz="3959"/>
-              <a:t>What does that mean in real-life?</a:t>
-            </a:r>
-            <a:endParaRPr sz="3959"/>
+              <a:rPr lang="en-US"/>
+              <a:t>What does recovery mean?</a:t>
+            </a:r>
+            <a:endParaRPr/>
           </a:p>
         </p:txBody>
       </p:sp>
       <p:sp>
         <p:nvSpPr>
-          <p:cNvPr id="520" name="Google Shape;520;p53"/>
+          <p:cNvPr id="521" name="Google Shape;521;p53"/>
           <p:cNvSpPr txBox="1"/>
           <p:nvPr>
             <p:ph idx="1" type="body"/>
@@ -31881,6 +31876,9 @@
           <a:lstStyle/>
           <a:p>
             <a:pPr indent="-342900" lvl="0" marL="342900" rtl="0" algn="l">
+              <a:lnSpc>
+                <a:spcPct val="80000"/>
+              </a:lnSpc>
               <a:spcBef>
                 <a:spcPts val="0"/>
               </a:spcBef>
@@ -31890,19 +31888,22 @@
               <a:buClr>
                 <a:schemeClr val="dk1"/>
               </a:buClr>
-              <a:buSzPts val="3200"/>
+              <a:buSzPts val="2960"/>
               <a:buChar char="•"/>
             </a:pPr>
             <a:r>
-              <a:rPr lang="en-US"/>
-              <a:t>Databases like Cassandra let you “tune” consistency and availability</a:t>
+              <a:rPr lang="en-US" sz="2960"/>
+              <a:t>Depends on your database and requirements</a:t>
             </a:r>
             <a:endParaRPr/>
           </a:p>
           <a:p>
             <a:pPr indent="-285750" lvl="1" marL="742950" rtl="0" algn="l">
-              <a:spcBef>
-                <a:spcPts val="560"/>
+              <a:lnSpc>
+                <a:spcPct val="80000"/>
+              </a:lnSpc>
+              <a:spcBef>
+                <a:spcPts val="518"/>
               </a:spcBef>
               <a:spcAft>
                 <a:spcPts val="0"/>
@@ -31910,19 +31911,22 @@
               <a:buClr>
                 <a:schemeClr val="dk1"/>
               </a:buClr>
-              <a:buSzPts val="2800"/>
+              <a:buSzPts val="2590"/>
               <a:buChar char="–"/>
             </a:pPr>
             <a:r>
-              <a:rPr lang="en-US"/>
-              <a:t>Define the quorum you need for a response</a:t>
+              <a:rPr lang="en-US" sz="2590"/>
+              <a:t>E.g. Amazon’s shopping cart is made consistent by creating the union of the inconsistent carts</a:t>
             </a:r>
             <a:endParaRPr/>
           </a:p>
           <a:p>
             <a:pPr indent="-285750" lvl="1" marL="742950" rtl="0" algn="l">
-              <a:spcBef>
-                <a:spcPts val="560"/>
+              <a:lnSpc>
+                <a:spcPct val="80000"/>
+              </a:lnSpc>
+              <a:spcBef>
+                <a:spcPts val="518"/>
               </a:spcBef>
               <a:spcAft>
                 <a:spcPts val="0"/>
@@ -31930,19 +31934,22 @@
               <a:buClr>
                 <a:schemeClr val="dk1"/>
               </a:buClr>
-              <a:buSzPts val="2800"/>
+              <a:buSzPts val="2590"/>
               <a:buChar char="–"/>
             </a:pPr>
             <a:r>
-              <a:rPr lang="en-US"/>
-              <a:t>Trades off latency vs consistency</a:t>
+              <a:rPr lang="en-US" sz="2590"/>
+              <a:t>Deleted items may re-appear</a:t>
             </a:r>
             <a:endParaRPr/>
           </a:p>
           <a:p>
-            <a:pPr indent="-228600" lvl="2" marL="1143000" rtl="0" algn="l">
-              <a:spcBef>
-                <a:spcPts val="480"/>
+            <a:pPr indent="-342900" lvl="0" marL="342900" rtl="0" algn="l">
+              <a:lnSpc>
+                <a:spcPct val="80000"/>
+              </a:lnSpc>
+              <a:spcBef>
+                <a:spcPts val="592"/>
               </a:spcBef>
               <a:spcAft>
                 <a:spcPts val="0"/>
@@ -31950,19 +31957,22 @@
               <a:buClr>
                 <a:schemeClr val="dk1"/>
               </a:buClr>
-              <a:buSzPts val="2400"/>
+              <a:buSzPts val="2960"/>
               <a:buChar char="•"/>
             </a:pPr>
             <a:r>
-              <a:rPr lang="en-US"/>
-              <a:t>Choose an “easy quorum” for guaranteed low latency</a:t>
+              <a:rPr lang="en-US" sz="2960"/>
+              <a:t>Another option is to forbid certain operations during partition mode</a:t>
             </a:r>
             <a:endParaRPr/>
           </a:p>
           <a:p>
-            <a:pPr indent="-228600" lvl="2" marL="1143000" rtl="0" algn="l">
-              <a:spcBef>
-                <a:spcPts val="480"/>
+            <a:pPr indent="-285750" lvl="1" marL="742950" rtl="0" algn="l">
+              <a:lnSpc>
+                <a:spcPct val="80000"/>
+              </a:lnSpc>
+              <a:spcBef>
+                <a:spcPts val="518"/>
               </a:spcBef>
               <a:spcAft>
                 <a:spcPts val="0"/>
@@ -31970,14 +31980,37 @@
               <a:buClr>
                 <a:schemeClr val="dk1"/>
               </a:buClr>
-              <a:buSzPts val="2400"/>
+              <a:buSzPts val="2590"/>
+              <a:buChar char="–"/>
+            </a:pPr>
+            <a:r>
+              <a:rPr lang="en-US" sz="2590"/>
+              <a:t>To make it easier to recover consistency</a:t>
+            </a:r>
+            <a:endParaRPr/>
+          </a:p>
+          <a:p>
+            <a:pPr indent="-342900" lvl="0" marL="342900" rtl="0" algn="l">
+              <a:lnSpc>
+                <a:spcPct val="80000"/>
+              </a:lnSpc>
+              <a:spcBef>
+                <a:spcPts val="592"/>
+              </a:spcBef>
+              <a:spcAft>
+                <a:spcPts val="0"/>
+              </a:spcAft>
+              <a:buClr>
+                <a:schemeClr val="dk1"/>
+              </a:buClr>
+              <a:buSzPts val="2960"/>
               <a:buChar char="•"/>
             </a:pPr>
             <a:r>
-              <a:rPr lang="en-US"/>
-              <a:t>Choose a “hard quorum” for higher potential latency</a:t>
-            </a:r>
-            <a:endParaRPr/>
+              <a:rPr lang="en-US" sz="2960"/>
+              <a:t>A simplistic approach would be to go read-only</a:t>
+            </a:r>
+            <a:endParaRPr sz="2960"/>
           </a:p>
         </p:txBody>
       </p:sp>
@@ -31994,7 +32027,7 @@
   <p:cSld>
     <p:spTree>
       <p:nvGrpSpPr>
-        <p:cNvPr id="524" name="Shape 524"/>
+        <p:cNvPr id="525" name="Shape 525"/>
         <p:cNvGrpSpPr/>
         <p:nvPr/>
       </p:nvGrpSpPr>
@@ -32008,7 +32041,7 @@
       </p:grpSpPr>
       <p:sp>
         <p:nvSpPr>
-          <p:cNvPr id="525" name="Google Shape;525;p54"/>
+          <p:cNvPr id="526" name="Google Shape;526;p54"/>
           <p:cNvSpPr txBox="1"/>
           <p:nvPr>
             <p:ph type="title"/>
@@ -32043,28 +32076,21 @@
               <a:buClr>
                 <a:schemeClr val="dk1"/>
               </a:buClr>
-              <a:buSzPts val="4400"/>
+              <a:buSzPts val="3959"/>
               <a:buFont typeface="Montserrat"/>
               <a:buNone/>
             </a:pPr>
             <a:r>
-              <a:rPr lang="en-US"/>
-              <a:t>PACELC</a:t>
-            </a:r>
-            <a:br>
-              <a:rPr lang="en-US"/>
-            </a:br>
-            <a:r>
-              <a:rPr lang="en-US" sz="2200"/>
-              <a:t>(pr. pass-elk)</a:t>
-            </a:r>
-            <a:endParaRPr/>
+              <a:rPr lang="en-US" sz="3959"/>
+              <a:t>What does that mean in real-life?</a:t>
+            </a:r>
+            <a:endParaRPr sz="3959"/>
           </a:p>
         </p:txBody>
       </p:sp>
       <p:sp>
         <p:nvSpPr>
-          <p:cNvPr id="526" name="Google Shape;526;p54"/>
+          <p:cNvPr id="527" name="Google Shape;527;p54"/>
           <p:cNvSpPr txBox="1"/>
           <p:nvPr>
             <p:ph idx="1" type="body"/>
@@ -32103,52 +32129,8 @@
               <a:buChar char="•"/>
             </a:pPr>
             <a:r>
-              <a:rPr b="1" lang="en-US"/>
-              <a:t>P</a:t>
-            </a:r>
-            <a:r>
               <a:rPr lang="en-US"/>
-              <a:t>artition: </a:t>
-            </a:r>
-            <a:r>
-              <a:rPr b="1" lang="en-US"/>
-              <a:t>A</a:t>
-            </a:r>
-            <a:r>
-              <a:rPr lang="en-US"/>
-              <a:t>vailability vs </a:t>
-            </a:r>
-            <a:r>
-              <a:rPr b="1" lang="en-US"/>
-              <a:t>C</a:t>
-            </a:r>
-            <a:r>
-              <a:rPr lang="en-US"/>
-              <a:t>onsistency, </a:t>
-            </a:r>
-            <a:r>
-              <a:rPr b="1" lang="en-US"/>
-              <a:t>E</a:t>
-            </a:r>
-            <a:r>
-              <a:rPr lang="en-US"/>
-              <a:t>lse </a:t>
-            </a:r>
-            <a:r>
-              <a:rPr b="1" lang="en-US"/>
-              <a:t>L</a:t>
-            </a:r>
-            <a:r>
-              <a:rPr lang="en-US"/>
-              <a:t>atency vs </a:t>
-            </a:r>
-            <a:r>
-              <a:rPr b="1" lang="en-US"/>
-              <a:t>C</a:t>
-            </a:r>
-            <a:r>
-              <a:rPr lang="en-US"/>
-              <a:t>onsistency</a:t>
+              <a:t>Databases like Cassandra let you “tune” consistency and availability</a:t>
             </a:r>
             <a:endParaRPr/>
           </a:p>
@@ -32167,8 +32149,8 @@
               <a:buChar char="–"/>
             </a:pPr>
             <a:r>
-              <a:rPr i="1" lang="en-US"/>
-              <a:t>“For data replication over a WAN, there is no way around the consistency/latency tradeoff”</a:t>
+              <a:rPr lang="en-US"/>
+              <a:t>Define the quorum you need for a response</a:t>
             </a:r>
             <a:endParaRPr/>
           </a:p>
@@ -32188,7 +32170,7 @@
             </a:pPr>
             <a:r>
               <a:rPr lang="en-US"/>
-              <a:t>Usually a combination of sync/async</a:t>
+              <a:t>Trades off latency vs consistency</a:t>
             </a:r>
             <a:endParaRPr/>
           </a:p>
@@ -32208,96 +32190,29 @@
             </a:pPr>
             <a:r>
               <a:rPr lang="en-US"/>
-              <a:t>Synchronous writes to </a:t>
-            </a:r>
-            <a:r>
-              <a:rPr i="1" lang="en-US"/>
-              <a:t>n</a:t>
-            </a:r>
-            <a:r>
-              <a:rPr lang="en-US"/>
-              <a:t> systems followed by asynchronous writes to </a:t>
-            </a:r>
-            <a:r>
-              <a:rPr i="1" lang="en-US"/>
-              <a:t>m </a:t>
-            </a:r>
-            <a:r>
-              <a:rPr lang="en-US"/>
-              <a:t>systems</a:t>
+              <a:t>Choose an “easy quorum” for guaranteed low latency</a:t>
             </a:r>
             <a:endParaRPr/>
           </a:p>
-        </p:txBody>
-      </p:sp>
-      <p:sp>
-        <p:nvSpPr>
-          <p:cNvPr id="527" name="Google Shape;527;p54"/>
-          <p:cNvSpPr/>
-          <p:nvPr/>
-        </p:nvSpPr>
-        <p:spPr>
-          <a:xfrm>
-            <a:off x="1232689" y="5615627"/>
-            <a:ext cx="7592633" cy="369332"/>
-          </a:xfrm>
-          <a:prstGeom prst="rect">
-            <a:avLst/>
-          </a:prstGeom>
-          <a:noFill/>
-          <a:ln>
-            <a:noFill/>
-          </a:ln>
-        </p:spPr>
-        <p:txBody>
-          <a:bodyPr anchorCtr="0" anchor="t" bIns="45700" lIns="91425" spcFirstLastPara="1" rIns="91425" wrap="square" tIns="45700">
-            <a:noAutofit/>
-          </a:bodyPr>
-          <a:lstStyle/>
           <a:p>
-            <a:pPr indent="0" lvl="0" marL="0" marR="0" rtl="0" algn="l">
-              <a:spcBef>
-                <a:spcPts val="0"/>
-              </a:spcBef>
-              <a:spcAft>
-                <a:spcPts val="0"/>
-              </a:spcAft>
-              <a:buNone/>
+            <a:pPr indent="-228600" lvl="2" marL="1143000" rtl="0" algn="l">
+              <a:spcBef>
+                <a:spcPts val="480"/>
+              </a:spcBef>
+              <a:spcAft>
+                <a:spcPts val="0"/>
+              </a:spcAft>
+              <a:buClr>
+                <a:schemeClr val="dk1"/>
+              </a:buClr>
+              <a:buSzPts val="2400"/>
+              <a:buChar char="•"/>
             </a:pPr>
             <a:r>
-              <a:rPr lang="en-US" sz="1800" u="sng">
-                <a:solidFill>
-                  <a:schemeClr val="dk1"/>
-                </a:solidFill>
-                <a:latin typeface="Calibri"/>
-                <a:ea typeface="Calibri"/>
-                <a:cs typeface="Calibri"/>
-                <a:sym typeface="Calibri"/>
-                <a:hlinkClick r:id="rId3"/>
-              </a:rPr>
-              <a:t>http://cs-www.cs.yale.edu/homes/dna/papers/abadi-pacelc.pdf</a:t>
-            </a:r>
-            <a:r>
-              <a:rPr lang="en-US" sz="1800">
-                <a:solidFill>
-                  <a:schemeClr val="dk1"/>
-                </a:solidFill>
-                <a:latin typeface="Calibri"/>
-                <a:ea typeface="Calibri"/>
-                <a:cs typeface="Calibri"/>
-                <a:sym typeface="Calibri"/>
-              </a:rPr>
-              <a:t> </a:t>
-            </a:r>
-            <a:endParaRPr sz="1800">
-              <a:solidFill>
-                <a:schemeClr val="dk1"/>
-              </a:solidFill>
-              <a:latin typeface="Calibri"/>
-              <a:ea typeface="Calibri"/>
-              <a:cs typeface="Calibri"/>
-              <a:sym typeface="Calibri"/>
-            </a:endParaRPr>
+              <a:rPr lang="en-US"/>
+              <a:t>Choose a “hard quorum” for higher potential latency</a:t>
+            </a:r>
+            <a:endParaRPr/>
           </a:p>
         </p:txBody>
       </p:sp>
@@ -32326,36 +32241,9 @@
           <a:chExt cx="0" cy="0"/>
         </a:xfrm>
       </p:grpSpPr>
-      <p:pic>
-        <p:nvPicPr>
-          <p:cNvPr id="532" name="Google Shape;532;p55"/>
-          <p:cNvPicPr preferRelativeResize="0"/>
-          <p:nvPr/>
-        </p:nvPicPr>
-        <p:blipFill rotWithShape="1">
-          <a:blip r:embed="rId3">
-            <a:alphaModFix/>
-          </a:blip>
-          <a:srcRect b="0" l="0" r="0" t="0"/>
-          <a:stretch/>
-        </p:blipFill>
-        <p:spPr>
-          <a:xfrm>
-            <a:off x="0" y="961726"/>
-            <a:ext cx="9144000" cy="5896274"/>
-          </a:xfrm>
-          <a:prstGeom prst="rect">
-            <a:avLst/>
-          </a:prstGeom>
-          <a:noFill/>
-          <a:ln>
-            <a:noFill/>
-          </a:ln>
-        </p:spPr>
-      </p:pic>
       <p:sp>
         <p:nvSpPr>
-          <p:cNvPr id="533" name="Google Shape;533;p55"/>
+          <p:cNvPr id="532" name="Google Shape;532;p55"/>
           <p:cNvSpPr txBox="1"/>
           <p:nvPr>
             <p:ph type="title"/>
@@ -32390,18 +32278,261 @@
               <a:buClr>
                 <a:schemeClr val="dk1"/>
               </a:buClr>
+              <a:buSzPts val="4400"/>
+              <a:buFont typeface="Montserrat"/>
+              <a:buNone/>
+            </a:pPr>
+            <a:r>
+              <a:rPr lang="en-US"/>
+              <a:t>PACELC</a:t>
+            </a:r>
+            <a:br>
+              <a:rPr lang="en-US"/>
+            </a:br>
+            <a:r>
+              <a:rPr lang="en-US" sz="2200"/>
+              <a:t>(pr. pass-elk)</a:t>
+            </a:r>
+            <a:endParaRPr/>
+          </a:p>
+        </p:txBody>
+      </p:sp>
+      <p:sp>
+        <p:nvSpPr>
+          <p:cNvPr id="533" name="Google Shape;533;p55"/>
+          <p:cNvSpPr txBox="1"/>
+          <p:nvPr>
+            <p:ph idx="1" type="body"/>
+          </p:nvPr>
+        </p:nvSpPr>
+        <p:spPr>
+          <a:xfrm>
+            <a:off x="375635" y="1600200"/>
+            <a:ext cx="8229600" cy="4525963"/>
+          </a:xfrm>
+          <a:prstGeom prst="rect">
+            <a:avLst/>
+          </a:prstGeom>
+          <a:noFill/>
+          <a:ln>
+            <a:noFill/>
+          </a:ln>
+        </p:spPr>
+        <p:txBody>
+          <a:bodyPr anchorCtr="0" anchor="t" bIns="45700" lIns="91425" spcFirstLastPara="1" rIns="91425" wrap="square" tIns="45700">
+            <a:noAutofit/>
+          </a:bodyPr>
+          <a:lstStyle/>
+          <a:p>
+            <a:pPr indent="-342900" lvl="0" marL="342900" rtl="0" algn="l">
+              <a:spcBef>
+                <a:spcPts val="0"/>
+              </a:spcBef>
+              <a:spcAft>
+                <a:spcPts val="0"/>
+              </a:spcAft>
+              <a:buClr>
+                <a:schemeClr val="dk1"/>
+              </a:buClr>
+              <a:buSzPts val="3200"/>
+              <a:buChar char="•"/>
+            </a:pPr>
+            <a:r>
+              <a:rPr b="1" lang="en-US"/>
+              <a:t>P</a:t>
+            </a:r>
+            <a:r>
+              <a:rPr lang="en-US"/>
+              <a:t>artition: </a:t>
+            </a:r>
+            <a:r>
+              <a:rPr b="1" lang="en-US"/>
+              <a:t>A</a:t>
+            </a:r>
+            <a:r>
+              <a:rPr lang="en-US"/>
+              <a:t>vailability vs </a:t>
+            </a:r>
+            <a:r>
+              <a:rPr b="1" lang="en-US"/>
+              <a:t>C</a:t>
+            </a:r>
+            <a:r>
+              <a:rPr lang="en-US"/>
+              <a:t>onsistency, </a:t>
+            </a:r>
+            <a:r>
+              <a:rPr b="1" lang="en-US"/>
+              <a:t>E</a:t>
+            </a:r>
+            <a:r>
+              <a:rPr lang="en-US"/>
+              <a:t>lse </a:t>
+            </a:r>
+            <a:r>
+              <a:rPr b="1" lang="en-US"/>
+              <a:t>L</a:t>
+            </a:r>
+            <a:r>
+              <a:rPr lang="en-US"/>
+              <a:t>atency vs </a:t>
+            </a:r>
+            <a:r>
+              <a:rPr b="1" lang="en-US"/>
+              <a:t>C</a:t>
+            </a:r>
+            <a:r>
+              <a:rPr lang="en-US"/>
+              <a:t>onsistency</a:t>
+            </a:r>
+            <a:endParaRPr/>
+          </a:p>
+          <a:p>
+            <a:pPr indent="-285750" lvl="1" marL="742950" rtl="0" algn="l">
+              <a:spcBef>
+                <a:spcPts val="560"/>
+              </a:spcBef>
+              <a:spcAft>
+                <a:spcPts val="0"/>
+              </a:spcAft>
+              <a:buClr>
+                <a:schemeClr val="dk1"/>
+              </a:buClr>
               <a:buSzPts val="2800"/>
-              <a:buFont typeface="Montserrat"/>
-              <a:buNone/>
+              <a:buChar char="–"/>
             </a:pPr>
             <a:r>
-              <a:rPr lang="en-US" sz="2800"/>
-              <a:t>Cassandra Quorum Levels (Write)</a:t>
-            </a:r>
-            <a:br>
-              <a:rPr lang="en-US" sz="2800"/>
-            </a:br>
-            <a:endParaRPr sz="2800"/>
+              <a:rPr i="1" lang="en-US"/>
+              <a:t>“For data replication over a WAN, there is no way around the consistency/latency tradeoff”</a:t>
+            </a:r>
+            <a:endParaRPr/>
+          </a:p>
+          <a:p>
+            <a:pPr indent="-285750" lvl="1" marL="742950" rtl="0" algn="l">
+              <a:spcBef>
+                <a:spcPts val="560"/>
+              </a:spcBef>
+              <a:spcAft>
+                <a:spcPts val="0"/>
+              </a:spcAft>
+              <a:buClr>
+                <a:schemeClr val="dk1"/>
+              </a:buClr>
+              <a:buSzPts val="2800"/>
+              <a:buChar char="–"/>
+            </a:pPr>
+            <a:r>
+              <a:rPr lang="en-US"/>
+              <a:t>Usually a combination of sync/async</a:t>
+            </a:r>
+            <a:endParaRPr/>
+          </a:p>
+          <a:p>
+            <a:pPr indent="-228600" lvl="2" marL="1143000" rtl="0" algn="l">
+              <a:spcBef>
+                <a:spcPts val="480"/>
+              </a:spcBef>
+              <a:spcAft>
+                <a:spcPts val="0"/>
+              </a:spcAft>
+              <a:buClr>
+                <a:schemeClr val="dk1"/>
+              </a:buClr>
+              <a:buSzPts val="2400"/>
+              <a:buChar char="•"/>
+            </a:pPr>
+            <a:r>
+              <a:rPr lang="en-US"/>
+              <a:t>Synchronous writes to </a:t>
+            </a:r>
+            <a:r>
+              <a:rPr i="1" lang="en-US"/>
+              <a:t>n</a:t>
+            </a:r>
+            <a:r>
+              <a:rPr lang="en-US"/>
+              <a:t> systems followed by asynchronous writes to </a:t>
+            </a:r>
+            <a:r>
+              <a:rPr i="1" lang="en-US"/>
+              <a:t>m </a:t>
+            </a:r>
+            <a:r>
+              <a:rPr lang="en-US"/>
+              <a:t>systems</a:t>
+            </a:r>
+            <a:endParaRPr/>
+          </a:p>
+        </p:txBody>
+      </p:sp>
+      <p:sp>
+        <p:nvSpPr>
+          <p:cNvPr id="534" name="Google Shape;534;p55"/>
+          <p:cNvSpPr/>
+          <p:nvPr/>
+        </p:nvSpPr>
+        <p:spPr>
+          <a:xfrm>
+            <a:off x="1232689" y="5615627"/>
+            <a:ext cx="7592633" cy="369332"/>
+          </a:xfrm>
+          <a:prstGeom prst="rect">
+            <a:avLst/>
+          </a:prstGeom>
+          <a:noFill/>
+          <a:ln>
+            <a:noFill/>
+          </a:ln>
+        </p:spPr>
+        <p:txBody>
+          <a:bodyPr anchorCtr="0" anchor="t" bIns="45700" lIns="91425" spcFirstLastPara="1" rIns="91425" wrap="square" tIns="45700">
+            <a:noAutofit/>
+          </a:bodyPr>
+          <a:lstStyle/>
+          <a:p>
+            <a:pPr indent="0" lvl="0" marL="0" marR="0" rtl="0" algn="l">
+              <a:spcBef>
+                <a:spcPts val="0"/>
+              </a:spcBef>
+              <a:spcAft>
+                <a:spcPts val="0"/>
+              </a:spcAft>
+              <a:buNone/>
+            </a:pPr>
+            <a:r>
+              <a:rPr lang="en-US" sz="1800" u="sng">
+                <a:solidFill>
+                  <a:schemeClr val="dk1"/>
+                </a:solidFill>
+                <a:latin typeface="Calibri"/>
+                <a:ea typeface="Calibri"/>
+                <a:cs typeface="Calibri"/>
+                <a:sym typeface="Calibri"/>
+                <a:hlinkClick r:id="rId3"/>
+              </a:rPr>
+              <a:t>http://cs-www.cs.yale.edu/homes/dna/papers/abadi-pacelc.pdf</a:t>
+            </a:r>
+            <a:r>
+              <a:rPr lang="en-US" sz="1800">
+                <a:solidFill>
+                  <a:schemeClr val="dk1"/>
+                </a:solidFill>
+                <a:latin typeface="Calibri"/>
+                <a:ea typeface="Calibri"/>
+                <a:cs typeface="Calibri"/>
+                <a:sym typeface="Calibri"/>
+              </a:rPr>
+              <a:t> </a:t>
+            </a:r>
+            <a:endParaRPr sz="1800">
+              <a:solidFill>
+                <a:schemeClr val="dk1"/>
+              </a:solidFill>
+              <a:latin typeface="Calibri"/>
+              <a:ea typeface="Calibri"/>
+              <a:cs typeface="Calibri"/>
+              <a:sym typeface="Calibri"/>
+            </a:endParaRPr>
           </a:p>
         </p:txBody>
       </p:sp>
@@ -32418,7 +32549,111 @@
   <p:cSld>
     <p:spTree>
       <p:nvGrpSpPr>
-        <p:cNvPr id="537" name="Shape 537"/>
+        <p:cNvPr id="538" name="Shape 538"/>
+        <p:cNvGrpSpPr/>
+        <p:nvPr/>
+      </p:nvGrpSpPr>
+      <p:grpSpPr>
+        <a:xfrm>
+          <a:off x="0" y="0"/>
+          <a:ext cx="0" cy="0"/>
+          <a:chOff x="0" y="0"/>
+          <a:chExt cx="0" cy="0"/>
+        </a:xfrm>
+      </p:grpSpPr>
+      <p:pic>
+        <p:nvPicPr>
+          <p:cNvPr id="539" name="Google Shape;539;p56"/>
+          <p:cNvPicPr preferRelativeResize="0"/>
+          <p:nvPr/>
+        </p:nvPicPr>
+        <p:blipFill rotWithShape="1">
+          <a:blip r:embed="rId3">
+            <a:alphaModFix/>
+          </a:blip>
+          <a:srcRect b="0" l="0" r="0" t="0"/>
+          <a:stretch/>
+        </p:blipFill>
+        <p:spPr>
+          <a:xfrm>
+            <a:off x="0" y="961726"/>
+            <a:ext cx="9144000" cy="5896274"/>
+          </a:xfrm>
+          <a:prstGeom prst="rect">
+            <a:avLst/>
+          </a:prstGeom>
+          <a:noFill/>
+          <a:ln>
+            <a:noFill/>
+          </a:ln>
+        </p:spPr>
+      </p:pic>
+      <p:sp>
+        <p:nvSpPr>
+          <p:cNvPr id="540" name="Google Shape;540;p56"/>
+          <p:cNvSpPr txBox="1"/>
+          <p:nvPr>
+            <p:ph type="title"/>
+          </p:nvPr>
+        </p:nvSpPr>
+        <p:spPr>
+          <a:xfrm>
+            <a:off x="457200" y="274638"/>
+            <a:ext cx="8229600" cy="1143000"/>
+          </a:xfrm>
+          <a:prstGeom prst="rect">
+            <a:avLst/>
+          </a:prstGeom>
+          <a:noFill/>
+          <a:ln>
+            <a:noFill/>
+          </a:ln>
+        </p:spPr>
+        <p:txBody>
+          <a:bodyPr anchorCtr="0" anchor="ctr" bIns="45700" lIns="91425" spcFirstLastPara="1" rIns="91425" wrap="square" tIns="45700">
+            <a:noAutofit/>
+          </a:bodyPr>
+          <a:lstStyle/>
+          <a:p>
+            <a:pPr indent="0" lvl="0" marL="0" rtl="0" algn="ctr">
+              <a:spcBef>
+                <a:spcPts val="0"/>
+              </a:spcBef>
+              <a:spcAft>
+                <a:spcPts val="0"/>
+              </a:spcAft>
+              <a:buClr>
+                <a:schemeClr val="dk1"/>
+              </a:buClr>
+              <a:buSzPts val="2800"/>
+              <a:buFont typeface="Montserrat"/>
+              <a:buNone/>
+            </a:pPr>
+            <a:r>
+              <a:rPr lang="en-US" sz="2800"/>
+              <a:t>Cassandra Quorum Levels (Write)</a:t>
+            </a:r>
+            <a:br>
+              <a:rPr lang="en-US" sz="2800"/>
+            </a:br>
+            <a:endParaRPr sz="2800"/>
+          </a:p>
+        </p:txBody>
+      </p:sp>
+    </p:spTree>
+  </p:cSld>
+  <p:clrMapOvr>
+    <a:masterClrMapping/>
+  </p:clrMapOvr>
+</p:sld>
+</file>
+
+<file path=ppt/slides/slide45.xml><?xml version="1.0" encoding="utf-8"?>
+<p:sld xmlns:a="http://schemas.openxmlformats.org/drawingml/2006/main" xmlns:r="http://schemas.openxmlformats.org/officeDocument/2006/relationships" xmlns:mc="http://schemas.openxmlformats.org/markup-compatibility/2006" xmlns:mv="urn:schemas-microsoft-com:mac:vml" xmlns:p="http://schemas.openxmlformats.org/presentationml/2006/main" xmlns:c="http://schemas.openxmlformats.org/drawingml/2006/chart" xmlns:dgm="http://schemas.openxmlformats.org/drawingml/2006/diagram" xmlns:o="urn:schemas-microsoft-com:office:office" xmlns:v="urn:schemas-microsoft-com:vml" xmlns:pvml="urn:schemas-microsoft-com:office:powerpoint" xmlns:com="http://schemas.openxmlformats.org/drawingml/2006/compatibility" xmlns:p14="http://schemas.microsoft.com/office/powerpoint/2010/main" xmlns:p15="http://schemas.microsoft.com/office/powerpoint/2012/main">
+  <p:cSld>
+    <p:spTree>
+      <p:nvGrpSpPr>
+        <p:cNvPr id="544" name="Shape 544"/>
         <p:cNvGrpSpPr/>
         <p:nvPr/>
       </p:nvGrpSpPr>
@@ -32432,7 +32667,7 @@
       </p:grpSpPr>
       <p:sp>
         <p:nvSpPr>
-          <p:cNvPr id="538" name="Google Shape;538;p56"/>
+          <p:cNvPr id="545" name="Google Shape;545;p57"/>
           <p:cNvSpPr txBox="1"/>
           <p:nvPr>
             <p:ph type="title"/>
@@ -32473,15 +32708,19 @@
             </a:pPr>
             <a:r>
               <a:rPr lang="en-US"/>
-              <a:t>One more surprising thing</a:t>
-            </a:r>
-            <a:endParaRPr/>
+              <a:t>One more surprising thing </a:t>
+            </a:r>
+            <a:r>
+              <a:rPr lang="en-US" sz="2600"/>
+              <a:t>(from 1985!)</a:t>
+            </a:r>
+            <a:endParaRPr sz="2600"/>
           </a:p>
         </p:txBody>
       </p:sp>
       <p:pic>
         <p:nvPicPr>
-          <p:cNvPr id="539" name="Google Shape;539;p56"/>
+          <p:cNvPr id="546" name="Google Shape;546;p57"/>
           <p:cNvPicPr preferRelativeResize="0"/>
           <p:nvPr/>
         </p:nvPicPr>
@@ -32514,12 +32753,12 @@
 </p:sld>
 </file>
 
-<file path=ppt/slides/slide45.xml><?xml version="1.0" encoding="utf-8"?>
+<file path=ppt/slides/slide46.xml><?xml version="1.0" encoding="utf-8"?>
 <p:sld xmlns:a="http://schemas.openxmlformats.org/drawingml/2006/main" xmlns:r="http://schemas.openxmlformats.org/officeDocument/2006/relationships" xmlns:mc="http://schemas.openxmlformats.org/markup-compatibility/2006" xmlns:mv="urn:schemas-microsoft-com:mac:vml" xmlns:p="http://schemas.openxmlformats.org/presentationml/2006/main" xmlns:c="http://schemas.openxmlformats.org/drawingml/2006/chart" xmlns:dgm="http://schemas.openxmlformats.org/drawingml/2006/diagram" xmlns:o="urn:schemas-microsoft-com:office:office" xmlns:v="urn:schemas-microsoft-com:vml" xmlns:pvml="urn:schemas-microsoft-com:office:powerpoint" xmlns:com="http://schemas.openxmlformats.org/drawingml/2006/compatibility" xmlns:p14="http://schemas.microsoft.com/office/powerpoint/2010/main" xmlns:p15="http://schemas.microsoft.com/office/powerpoint/2012/main">
   <p:cSld>
     <p:spTree>
       <p:nvGrpSpPr>
-        <p:cNvPr id="543" name="Shape 543"/>
+        <p:cNvPr id="550" name="Shape 550"/>
         <p:cNvGrpSpPr/>
         <p:nvPr/>
       </p:nvGrpSpPr>
@@ -32533,7 +32772,7 @@
       </p:grpSpPr>
       <p:sp>
         <p:nvSpPr>
-          <p:cNvPr id="544" name="Google Shape;544;p57"/>
+          <p:cNvPr id="551" name="Google Shape;551;p58"/>
           <p:cNvSpPr txBox="1"/>
           <p:nvPr>
             <p:ph type="title"/>
@@ -32589,7 +32828,7 @@
       </p:sp>
       <p:sp>
         <p:nvSpPr>
-          <p:cNvPr id="545" name="Google Shape;545;p57"/>
+          <p:cNvPr id="552" name="Google Shape;552;p58"/>
           <p:cNvSpPr txBox="1"/>
           <p:nvPr>
             <p:ph idx="1" type="body"/>
@@ -32711,227 +32950,6 @@
               <a:t/>
             </a:r>
             <a:endParaRPr sz="2590"/>
-          </a:p>
-        </p:txBody>
-      </p:sp>
-    </p:spTree>
-  </p:cSld>
-  <p:clrMapOvr>
-    <a:masterClrMapping/>
-  </p:clrMapOvr>
-</p:sld>
-</file>
-
-<file path=ppt/slides/slide46.xml><?xml version="1.0" encoding="utf-8"?>
-<p:sld xmlns:a="http://schemas.openxmlformats.org/drawingml/2006/main" xmlns:r="http://schemas.openxmlformats.org/officeDocument/2006/relationships" xmlns:mc="http://schemas.openxmlformats.org/markup-compatibility/2006" xmlns:mv="urn:schemas-microsoft-com:mac:vml" xmlns:p="http://schemas.openxmlformats.org/presentationml/2006/main" xmlns:c="http://schemas.openxmlformats.org/drawingml/2006/chart" xmlns:dgm="http://schemas.openxmlformats.org/drawingml/2006/diagram" xmlns:o="urn:schemas-microsoft-com:office:office" xmlns:v="urn:schemas-microsoft-com:vml" xmlns:pvml="urn:schemas-microsoft-com:office:powerpoint" xmlns:com="http://schemas.openxmlformats.org/drawingml/2006/compatibility" xmlns:p14="http://schemas.microsoft.com/office/powerpoint/2010/main" xmlns:p15="http://schemas.microsoft.com/office/powerpoint/2012/main">
-  <p:cSld>
-    <p:spTree>
-      <p:nvGrpSpPr>
-        <p:cNvPr id="549" name="Shape 549"/>
-        <p:cNvGrpSpPr/>
-        <p:nvPr/>
-      </p:nvGrpSpPr>
-      <p:grpSpPr>
-        <a:xfrm>
-          <a:off x="0" y="0"/>
-          <a:ext cx="0" cy="0"/>
-          <a:chOff x="0" y="0"/>
-          <a:chExt cx="0" cy="0"/>
-        </a:xfrm>
-      </p:grpSpPr>
-      <p:sp>
-        <p:nvSpPr>
-          <p:cNvPr id="550" name="Google Shape;550;p58"/>
-          <p:cNvSpPr txBox="1"/>
-          <p:nvPr>
-            <p:ph type="title"/>
-          </p:nvPr>
-        </p:nvSpPr>
-        <p:spPr>
-          <a:xfrm>
-            <a:off x="457200" y="274638"/>
-            <a:ext cx="8229600" cy="1143000"/>
-          </a:xfrm>
-          <a:prstGeom prst="rect">
-            <a:avLst/>
-          </a:prstGeom>
-          <a:noFill/>
-          <a:ln>
-            <a:noFill/>
-          </a:ln>
-        </p:spPr>
-        <p:txBody>
-          <a:bodyPr anchorCtr="0" anchor="ctr" bIns="45700" lIns="91425" spcFirstLastPara="1" rIns="91425" wrap="square" tIns="45700">
-            <a:noAutofit/>
-          </a:bodyPr>
-          <a:lstStyle/>
-          <a:p>
-            <a:pPr indent="0" lvl="0" marL="0" rtl="0" algn="ctr">
-              <a:spcBef>
-                <a:spcPts val="0"/>
-              </a:spcBef>
-              <a:spcAft>
-                <a:spcPts val="0"/>
-              </a:spcAft>
-              <a:buClr>
-                <a:schemeClr val="dk1"/>
-              </a:buClr>
-              <a:buSzPts val="4400"/>
-              <a:buFont typeface="Montserrat"/>
-              <a:buNone/>
-            </a:pPr>
-            <a:r>
-              <a:rPr lang="en-US"/>
-              <a:t>Summary	</a:t>
-            </a:r>
-            <a:endParaRPr/>
-          </a:p>
-        </p:txBody>
-      </p:sp>
-      <p:sp>
-        <p:nvSpPr>
-          <p:cNvPr id="551" name="Google Shape;551;p58"/>
-          <p:cNvSpPr txBox="1"/>
-          <p:nvPr>
-            <p:ph idx="1" type="body"/>
-          </p:nvPr>
-        </p:nvSpPr>
-        <p:spPr>
-          <a:xfrm>
-            <a:off x="375635" y="1600200"/>
-            <a:ext cx="8229600" cy="4525963"/>
-          </a:xfrm>
-          <a:prstGeom prst="rect">
-            <a:avLst/>
-          </a:prstGeom>
-          <a:noFill/>
-          <a:ln>
-            <a:noFill/>
-          </a:ln>
-        </p:spPr>
-        <p:txBody>
-          <a:bodyPr anchorCtr="0" anchor="t" bIns="45700" lIns="91425" spcFirstLastPara="1" rIns="91425" wrap="square" tIns="45700">
-            <a:noAutofit/>
-          </a:bodyPr>
-          <a:lstStyle/>
-          <a:p>
-            <a:pPr indent="-342900" lvl="0" marL="342900" rtl="0" algn="l">
-              <a:spcBef>
-                <a:spcPts val="0"/>
-              </a:spcBef>
-              <a:spcAft>
-                <a:spcPts val="0"/>
-              </a:spcAft>
-              <a:buClr>
-                <a:schemeClr val="dk1"/>
-              </a:buClr>
-              <a:buSzPts val="3200"/>
-              <a:buChar char="•"/>
-            </a:pPr>
-            <a:r>
-              <a:rPr lang="en-US"/>
-              <a:t>We have looked at the challenges to scaling on multiple servers</a:t>
-            </a:r>
-            <a:endParaRPr/>
-          </a:p>
-          <a:p>
-            <a:pPr indent="-285750" lvl="1" marL="742950" rtl="0" algn="l">
-              <a:spcBef>
-                <a:spcPts val="560"/>
-              </a:spcBef>
-              <a:spcAft>
-                <a:spcPts val="0"/>
-              </a:spcAft>
-              <a:buClr>
-                <a:schemeClr val="dk1"/>
-              </a:buClr>
-              <a:buSzPts val="2800"/>
-              <a:buChar char="–"/>
-            </a:pPr>
-            <a:r>
-              <a:rPr lang="en-US"/>
-              <a:t>Serial vs Parallel</a:t>
-            </a:r>
-            <a:endParaRPr/>
-          </a:p>
-          <a:p>
-            <a:pPr indent="-285750" lvl="1" marL="742950" rtl="0" algn="l">
-              <a:spcBef>
-                <a:spcPts val="560"/>
-              </a:spcBef>
-              <a:spcAft>
-                <a:spcPts val="0"/>
-              </a:spcAft>
-              <a:buClr>
-                <a:schemeClr val="dk1"/>
-              </a:buClr>
-              <a:buSzPts val="2800"/>
-              <a:buChar char="–"/>
-            </a:pPr>
-            <a:r>
-              <a:rPr lang="en-US"/>
-              <a:t>Fixed data vs growing</a:t>
-            </a:r>
-            <a:endParaRPr/>
-          </a:p>
-          <a:p>
-            <a:pPr indent="-285750" lvl="1" marL="742950" rtl="0" algn="l">
-              <a:spcBef>
-                <a:spcPts val="560"/>
-              </a:spcBef>
-              <a:spcAft>
-                <a:spcPts val="0"/>
-              </a:spcAft>
-              <a:buClr>
-                <a:schemeClr val="dk1"/>
-              </a:buClr>
-              <a:buSzPts val="2800"/>
-              <a:buChar char="–"/>
-            </a:pPr>
-            <a:r>
-              <a:rPr lang="en-US"/>
-              <a:t>CAP</a:t>
-            </a:r>
-            <a:endParaRPr/>
-          </a:p>
-          <a:p>
-            <a:pPr indent="-285750" lvl="1" marL="742950" rtl="0" algn="l">
-              <a:spcBef>
-                <a:spcPts val="560"/>
-              </a:spcBef>
-              <a:spcAft>
-                <a:spcPts val="0"/>
-              </a:spcAft>
-              <a:buClr>
-                <a:schemeClr val="dk1"/>
-              </a:buClr>
-              <a:buSzPts val="2800"/>
-              <a:buChar char="–"/>
-            </a:pPr>
-            <a:r>
-              <a:rPr lang="en-US"/>
-              <a:t>Eventually Consistent</a:t>
-            </a:r>
-            <a:endParaRPr/>
-          </a:p>
-          <a:p>
-            <a:pPr indent="0" lvl="1" marL="457200" rtl="0" algn="l">
-              <a:spcBef>
-                <a:spcPts val="560"/>
-              </a:spcBef>
-              <a:spcAft>
-                <a:spcPts val="0"/>
-              </a:spcAft>
-              <a:buClr>
-                <a:schemeClr val="dk1"/>
-              </a:buClr>
-              <a:buSzPts val="2800"/>
-              <a:buNone/>
-            </a:pPr>
-            <a:r>
-              <a:t/>
-            </a:r>
-            <a:endParaRPr/>
           </a:p>
         </p:txBody>
       </p:sp>
@@ -32948,7 +32966,7 @@
   <p:cSld>
     <p:spTree>
       <p:nvGrpSpPr>
-        <p:cNvPr id="555" name="Shape 555"/>
+        <p:cNvPr id="556" name="Shape 556"/>
         <p:cNvGrpSpPr/>
         <p:nvPr/>
       </p:nvGrpSpPr>
@@ -32962,7 +32980,228 @@
       </p:grpSpPr>
       <p:sp>
         <p:nvSpPr>
-          <p:cNvPr id="556" name="Google Shape;556;p59"/>
+          <p:cNvPr id="557" name="Google Shape;557;p59"/>
+          <p:cNvSpPr txBox="1"/>
+          <p:nvPr>
+            <p:ph type="title"/>
+          </p:nvPr>
+        </p:nvSpPr>
+        <p:spPr>
+          <a:xfrm>
+            <a:off x="457200" y="274638"/>
+            <a:ext cx="8229600" cy="1143000"/>
+          </a:xfrm>
+          <a:prstGeom prst="rect">
+            <a:avLst/>
+          </a:prstGeom>
+          <a:noFill/>
+          <a:ln>
+            <a:noFill/>
+          </a:ln>
+        </p:spPr>
+        <p:txBody>
+          <a:bodyPr anchorCtr="0" anchor="ctr" bIns="45700" lIns="91425" spcFirstLastPara="1" rIns="91425" wrap="square" tIns="45700">
+            <a:noAutofit/>
+          </a:bodyPr>
+          <a:lstStyle/>
+          <a:p>
+            <a:pPr indent="0" lvl="0" marL="0" rtl="0" algn="ctr">
+              <a:spcBef>
+                <a:spcPts val="0"/>
+              </a:spcBef>
+              <a:spcAft>
+                <a:spcPts val="0"/>
+              </a:spcAft>
+              <a:buClr>
+                <a:schemeClr val="dk1"/>
+              </a:buClr>
+              <a:buSzPts val="4400"/>
+              <a:buFont typeface="Montserrat"/>
+              <a:buNone/>
+            </a:pPr>
+            <a:r>
+              <a:rPr lang="en-US"/>
+              <a:t>Summary	</a:t>
+            </a:r>
+            <a:endParaRPr/>
+          </a:p>
+        </p:txBody>
+      </p:sp>
+      <p:sp>
+        <p:nvSpPr>
+          <p:cNvPr id="558" name="Google Shape;558;p59"/>
+          <p:cNvSpPr txBox="1"/>
+          <p:nvPr>
+            <p:ph idx="1" type="body"/>
+          </p:nvPr>
+        </p:nvSpPr>
+        <p:spPr>
+          <a:xfrm>
+            <a:off x="375635" y="1600200"/>
+            <a:ext cx="8229600" cy="4525963"/>
+          </a:xfrm>
+          <a:prstGeom prst="rect">
+            <a:avLst/>
+          </a:prstGeom>
+          <a:noFill/>
+          <a:ln>
+            <a:noFill/>
+          </a:ln>
+        </p:spPr>
+        <p:txBody>
+          <a:bodyPr anchorCtr="0" anchor="t" bIns="45700" lIns="91425" spcFirstLastPara="1" rIns="91425" wrap="square" tIns="45700">
+            <a:noAutofit/>
+          </a:bodyPr>
+          <a:lstStyle/>
+          <a:p>
+            <a:pPr indent="-342900" lvl="0" marL="342900" rtl="0" algn="l">
+              <a:spcBef>
+                <a:spcPts val="0"/>
+              </a:spcBef>
+              <a:spcAft>
+                <a:spcPts val="0"/>
+              </a:spcAft>
+              <a:buClr>
+                <a:schemeClr val="dk1"/>
+              </a:buClr>
+              <a:buSzPts val="3200"/>
+              <a:buChar char="•"/>
+            </a:pPr>
+            <a:r>
+              <a:rPr lang="en-US"/>
+              <a:t>We have looked at the challenges to scaling on multiple servers</a:t>
+            </a:r>
+            <a:endParaRPr/>
+          </a:p>
+          <a:p>
+            <a:pPr indent="-285750" lvl="1" marL="742950" rtl="0" algn="l">
+              <a:spcBef>
+                <a:spcPts val="560"/>
+              </a:spcBef>
+              <a:spcAft>
+                <a:spcPts val="0"/>
+              </a:spcAft>
+              <a:buClr>
+                <a:schemeClr val="dk1"/>
+              </a:buClr>
+              <a:buSzPts val="2800"/>
+              <a:buChar char="–"/>
+            </a:pPr>
+            <a:r>
+              <a:rPr lang="en-US"/>
+              <a:t>Serial vs Parallel</a:t>
+            </a:r>
+            <a:endParaRPr/>
+          </a:p>
+          <a:p>
+            <a:pPr indent="-285750" lvl="1" marL="742950" rtl="0" algn="l">
+              <a:spcBef>
+                <a:spcPts val="560"/>
+              </a:spcBef>
+              <a:spcAft>
+                <a:spcPts val="0"/>
+              </a:spcAft>
+              <a:buClr>
+                <a:schemeClr val="dk1"/>
+              </a:buClr>
+              <a:buSzPts val="2800"/>
+              <a:buChar char="–"/>
+            </a:pPr>
+            <a:r>
+              <a:rPr lang="en-US"/>
+              <a:t>Fixed data vs growing</a:t>
+            </a:r>
+            <a:endParaRPr/>
+          </a:p>
+          <a:p>
+            <a:pPr indent="-285750" lvl="1" marL="742950" rtl="0" algn="l">
+              <a:spcBef>
+                <a:spcPts val="560"/>
+              </a:spcBef>
+              <a:spcAft>
+                <a:spcPts val="0"/>
+              </a:spcAft>
+              <a:buClr>
+                <a:schemeClr val="dk1"/>
+              </a:buClr>
+              <a:buSzPts val="2800"/>
+              <a:buChar char="–"/>
+            </a:pPr>
+            <a:r>
+              <a:rPr lang="en-US"/>
+              <a:t>CAP</a:t>
+            </a:r>
+            <a:endParaRPr/>
+          </a:p>
+          <a:p>
+            <a:pPr indent="-285750" lvl="1" marL="742950" rtl="0" algn="l">
+              <a:spcBef>
+                <a:spcPts val="560"/>
+              </a:spcBef>
+              <a:spcAft>
+                <a:spcPts val="0"/>
+              </a:spcAft>
+              <a:buClr>
+                <a:schemeClr val="dk1"/>
+              </a:buClr>
+              <a:buSzPts val="2800"/>
+              <a:buChar char="–"/>
+            </a:pPr>
+            <a:r>
+              <a:rPr lang="en-US"/>
+              <a:t>Eventually Consistent</a:t>
+            </a:r>
+            <a:endParaRPr/>
+          </a:p>
+          <a:p>
+            <a:pPr indent="0" lvl="1" marL="457200" rtl="0" algn="l">
+              <a:spcBef>
+                <a:spcPts val="560"/>
+              </a:spcBef>
+              <a:spcAft>
+                <a:spcPts val="0"/>
+              </a:spcAft>
+              <a:buClr>
+                <a:schemeClr val="dk1"/>
+              </a:buClr>
+              <a:buSzPts val="2800"/>
+              <a:buNone/>
+            </a:pPr>
+            <a:r>
+              <a:t/>
+            </a:r>
+            <a:endParaRPr/>
+          </a:p>
+        </p:txBody>
+      </p:sp>
+    </p:spTree>
+  </p:cSld>
+  <p:clrMapOvr>
+    <a:masterClrMapping/>
+  </p:clrMapOvr>
+</p:sld>
+</file>
+
+<file path=ppt/slides/slide48.xml><?xml version="1.0" encoding="utf-8"?>
+<p:sld xmlns:a="http://schemas.openxmlformats.org/drawingml/2006/main" xmlns:r="http://schemas.openxmlformats.org/officeDocument/2006/relationships" xmlns:mc="http://schemas.openxmlformats.org/markup-compatibility/2006" xmlns:mv="urn:schemas-microsoft-com:mac:vml" xmlns:p="http://schemas.openxmlformats.org/presentationml/2006/main" xmlns:c="http://schemas.openxmlformats.org/drawingml/2006/chart" xmlns:dgm="http://schemas.openxmlformats.org/drawingml/2006/diagram" xmlns:o="urn:schemas-microsoft-com:office:office" xmlns:v="urn:schemas-microsoft-com:vml" xmlns:pvml="urn:schemas-microsoft-com:office:powerpoint" xmlns:com="http://schemas.openxmlformats.org/drawingml/2006/compatibility" xmlns:p14="http://schemas.microsoft.com/office/powerpoint/2010/main" xmlns:p15="http://schemas.microsoft.com/office/powerpoint/2012/main">
+  <p:cSld>
+    <p:spTree>
+      <p:nvGrpSpPr>
+        <p:cNvPr id="562" name="Shape 562"/>
+        <p:cNvGrpSpPr/>
+        <p:nvPr/>
+      </p:nvGrpSpPr>
+      <p:grpSpPr>
+        <a:xfrm>
+          <a:off x="0" y="0"/>
+          <a:ext cx="0" cy="0"/>
+          <a:chOff x="0" y="0"/>
+          <a:chExt cx="0" cy="0"/>
+        </a:xfrm>
+      </p:grpSpPr>
+      <p:sp>
+        <p:nvSpPr>
+          <p:cNvPr id="563" name="Google Shape;563;p60"/>
           <p:cNvSpPr txBox="1"/>
           <p:nvPr>
             <p:ph type="title"/>

--- a/pres-source/03-cloud-computing-background.pptx
+++ b/pres-source/03-cloud-computing-background.pptx
@@ -1,6 +1,6 @@
 
 <file path=ppt/presentation.xml><?xml version="1.0" encoding="utf-8"?>
-<p:presentation xmlns:a="http://schemas.openxmlformats.org/drawingml/2006/main" xmlns:r="http://schemas.openxmlformats.org/officeDocument/2006/relationships" xmlns:mc="http://schemas.openxmlformats.org/markup-compatibility/2006" xmlns:mv="urn:schemas-microsoft-com:mac:vml" xmlns:p="http://schemas.openxmlformats.org/presentationml/2006/main" xmlns:c="http://schemas.openxmlformats.org/drawingml/2006/chart" xmlns:dgm="http://schemas.openxmlformats.org/drawingml/2006/diagram" xmlns:o="urn:schemas-microsoft-com:office:office" xmlns:v="urn:schemas-microsoft-com:vml" xmlns:pvml="urn:schemas-microsoft-com:office:powerpoint" xmlns:com="http://schemas.openxmlformats.org/drawingml/2006/compatibility" xmlns:p14="http://schemas.microsoft.com/office/powerpoint/2010/main" xmlns:p15="http://schemas.microsoft.com/office/powerpoint/2012/main" autoCompressPictures="0" embedTrueTypeFonts="1" strictFirstAndLastChars="0" saveSubsetFonts="1">
+<p:presentation xmlns:a="http://schemas.openxmlformats.org/drawingml/2006/main" xmlns:r="http://schemas.openxmlformats.org/officeDocument/2006/relationships" xmlns:mc="http://schemas.openxmlformats.org/markup-compatibility/2006" xmlns:mv="urn:schemas-microsoft-com:mac:vml" xmlns:p="http://schemas.openxmlformats.org/presentationml/2006/main" xmlns:c="http://schemas.openxmlformats.org/drawingml/2006/chart" xmlns:dgm="http://schemas.openxmlformats.org/drawingml/2006/diagram" xmlns:o="urn:schemas-microsoft-com:office:office" xmlns:v="urn:schemas-microsoft-com:vml" xmlns:pvml="urn:schemas-microsoft-com:office:powerpoint" xmlns:com="http://schemas.openxmlformats.org/drawingml/2006/compatibility" xmlns:p14="http://schemas.microsoft.com/office/powerpoint/2010/main" xmlns:p15="http://schemas.microsoft.com/office/powerpoint/2012/main" xmlns:ahyp="http://schemas.microsoft.com/office/drawing/2018/hyperlinkcolor" autoCompressPictures="0" embedTrueTypeFonts="1" strictFirstAndLastChars="0" saveSubsetFonts="1">
   <p:sldMasterIdLst>
     <p:sldMasterId id="2147483659" r:id="rId4"/>
   </p:sldMasterIdLst>
@@ -322,7 +322,7 @@
 </file>
 
 <file path=ppt/notesMasters/notesMaster1.xml><?xml version="1.0" encoding="utf-8"?>
-<p:notesMaster xmlns:a="http://schemas.openxmlformats.org/drawingml/2006/main" xmlns:r="http://schemas.openxmlformats.org/officeDocument/2006/relationships" xmlns:mc="http://schemas.openxmlformats.org/markup-compatibility/2006" xmlns:mv="urn:schemas-microsoft-com:mac:vml" xmlns:p="http://schemas.openxmlformats.org/presentationml/2006/main" xmlns:c="http://schemas.openxmlformats.org/drawingml/2006/chart" xmlns:dgm="http://schemas.openxmlformats.org/drawingml/2006/diagram" xmlns:o="urn:schemas-microsoft-com:office:office" xmlns:v="urn:schemas-microsoft-com:vml" xmlns:pvml="urn:schemas-microsoft-com:office:powerpoint" xmlns:com="http://schemas.openxmlformats.org/drawingml/2006/compatibility" xmlns:p14="http://schemas.microsoft.com/office/powerpoint/2010/main" xmlns:p15="http://schemas.microsoft.com/office/powerpoint/2012/main">
+<p:notesMaster xmlns:a="http://schemas.openxmlformats.org/drawingml/2006/main" xmlns:r="http://schemas.openxmlformats.org/officeDocument/2006/relationships" xmlns:mc="http://schemas.openxmlformats.org/markup-compatibility/2006" xmlns:mv="urn:schemas-microsoft-com:mac:vml" xmlns:p="http://schemas.openxmlformats.org/presentationml/2006/main" xmlns:c="http://schemas.openxmlformats.org/drawingml/2006/chart" xmlns:dgm="http://schemas.openxmlformats.org/drawingml/2006/diagram" xmlns:o="urn:schemas-microsoft-com:office:office" xmlns:v="urn:schemas-microsoft-com:vml" xmlns:pvml="urn:schemas-microsoft-com:office:powerpoint" xmlns:com="http://schemas.openxmlformats.org/drawingml/2006/compatibility" xmlns:p14="http://schemas.microsoft.com/office/powerpoint/2010/main" xmlns:p15="http://schemas.microsoft.com/office/powerpoint/2012/main" xmlns:ahyp="http://schemas.microsoft.com/office/drawing/2018/hyperlinkcolor">
   <p:cSld>
     <p:bg>
       <p:bgPr>
@@ -1490,7 +1490,7 @@
 </file>
 
 <file path=ppt/notesSlides/notesSlide1.xml><?xml version="1.0" encoding="utf-8"?>
-<p:notes xmlns:a="http://schemas.openxmlformats.org/drawingml/2006/main" xmlns:r="http://schemas.openxmlformats.org/officeDocument/2006/relationships" xmlns:mc="http://schemas.openxmlformats.org/markup-compatibility/2006" xmlns:mv="urn:schemas-microsoft-com:mac:vml" xmlns:p="http://schemas.openxmlformats.org/presentationml/2006/main" xmlns:c="http://schemas.openxmlformats.org/drawingml/2006/chart" xmlns:dgm="http://schemas.openxmlformats.org/drawingml/2006/diagram" xmlns:o="urn:schemas-microsoft-com:office:office" xmlns:v="urn:schemas-microsoft-com:vml" xmlns:pvml="urn:schemas-microsoft-com:office:powerpoint" xmlns:com="http://schemas.openxmlformats.org/drawingml/2006/compatibility" xmlns:p14="http://schemas.microsoft.com/office/powerpoint/2010/main" xmlns:p15="http://schemas.microsoft.com/office/powerpoint/2012/main" showMasterPhAnim="0" showMasterSp="0">
+<p:notes xmlns:a="http://schemas.openxmlformats.org/drawingml/2006/main" xmlns:r="http://schemas.openxmlformats.org/officeDocument/2006/relationships" xmlns:mc="http://schemas.openxmlformats.org/markup-compatibility/2006" xmlns:mv="urn:schemas-microsoft-com:mac:vml" xmlns:p="http://schemas.openxmlformats.org/presentationml/2006/main" xmlns:c="http://schemas.openxmlformats.org/drawingml/2006/chart" xmlns:dgm="http://schemas.openxmlformats.org/drawingml/2006/diagram" xmlns:o="urn:schemas-microsoft-com:office:office" xmlns:v="urn:schemas-microsoft-com:vml" xmlns:pvml="urn:schemas-microsoft-com:office:powerpoint" xmlns:com="http://schemas.openxmlformats.org/drawingml/2006/compatibility" xmlns:p14="http://schemas.microsoft.com/office/powerpoint/2010/main" xmlns:p15="http://schemas.microsoft.com/office/powerpoint/2012/main" xmlns:ahyp="http://schemas.microsoft.com/office/drawing/2018/hyperlinkcolor" showMasterPhAnim="0" showMasterSp="0">
   <p:cSld>
     <p:spTree>
       <p:nvGrpSpPr>
@@ -1589,7 +1589,7 @@
 </file>
 
 <file path=ppt/notesSlides/notesSlide10.xml><?xml version="1.0" encoding="utf-8"?>
-<p:notes xmlns:a="http://schemas.openxmlformats.org/drawingml/2006/main" xmlns:r="http://schemas.openxmlformats.org/officeDocument/2006/relationships" xmlns:mc="http://schemas.openxmlformats.org/markup-compatibility/2006" xmlns:mv="urn:schemas-microsoft-com:mac:vml" xmlns:p="http://schemas.openxmlformats.org/presentationml/2006/main" xmlns:c="http://schemas.openxmlformats.org/drawingml/2006/chart" xmlns:dgm="http://schemas.openxmlformats.org/drawingml/2006/diagram" xmlns:o="urn:schemas-microsoft-com:office:office" xmlns:v="urn:schemas-microsoft-com:vml" xmlns:pvml="urn:schemas-microsoft-com:office:powerpoint" xmlns:com="http://schemas.openxmlformats.org/drawingml/2006/compatibility" xmlns:p14="http://schemas.microsoft.com/office/powerpoint/2010/main" xmlns:p15="http://schemas.microsoft.com/office/powerpoint/2012/main" showMasterPhAnim="0" showMasterSp="0">
+<p:notes xmlns:a="http://schemas.openxmlformats.org/drawingml/2006/main" xmlns:r="http://schemas.openxmlformats.org/officeDocument/2006/relationships" xmlns:mc="http://schemas.openxmlformats.org/markup-compatibility/2006" xmlns:mv="urn:schemas-microsoft-com:mac:vml" xmlns:p="http://schemas.openxmlformats.org/presentationml/2006/main" xmlns:c="http://schemas.openxmlformats.org/drawingml/2006/chart" xmlns:dgm="http://schemas.openxmlformats.org/drawingml/2006/diagram" xmlns:o="urn:schemas-microsoft-com:office:office" xmlns:v="urn:schemas-microsoft-com:vml" xmlns:pvml="urn:schemas-microsoft-com:office:powerpoint" xmlns:com="http://schemas.openxmlformats.org/drawingml/2006/compatibility" xmlns:p14="http://schemas.microsoft.com/office/powerpoint/2010/main" xmlns:p15="http://schemas.microsoft.com/office/powerpoint/2012/main" xmlns:ahyp="http://schemas.microsoft.com/office/drawing/2018/hyperlinkcolor" showMasterPhAnim="0" showMasterSp="0">
   <p:cSld>
     <p:spTree>
       <p:nvGrpSpPr>
@@ -1688,7 +1688,7 @@
 </file>
 
 <file path=ppt/notesSlides/notesSlide11.xml><?xml version="1.0" encoding="utf-8"?>
-<p:notes xmlns:a="http://schemas.openxmlformats.org/drawingml/2006/main" xmlns:r="http://schemas.openxmlformats.org/officeDocument/2006/relationships" xmlns:mc="http://schemas.openxmlformats.org/markup-compatibility/2006" xmlns:mv="urn:schemas-microsoft-com:mac:vml" xmlns:p="http://schemas.openxmlformats.org/presentationml/2006/main" xmlns:c="http://schemas.openxmlformats.org/drawingml/2006/chart" xmlns:dgm="http://schemas.openxmlformats.org/drawingml/2006/diagram" xmlns:o="urn:schemas-microsoft-com:office:office" xmlns:v="urn:schemas-microsoft-com:vml" xmlns:pvml="urn:schemas-microsoft-com:office:powerpoint" xmlns:com="http://schemas.openxmlformats.org/drawingml/2006/compatibility" xmlns:p14="http://schemas.microsoft.com/office/powerpoint/2010/main" xmlns:p15="http://schemas.microsoft.com/office/powerpoint/2012/main" showMasterPhAnim="0" showMasterSp="0">
+<p:notes xmlns:a="http://schemas.openxmlformats.org/drawingml/2006/main" xmlns:r="http://schemas.openxmlformats.org/officeDocument/2006/relationships" xmlns:mc="http://schemas.openxmlformats.org/markup-compatibility/2006" xmlns:mv="urn:schemas-microsoft-com:mac:vml" xmlns:p="http://schemas.openxmlformats.org/presentationml/2006/main" xmlns:c="http://schemas.openxmlformats.org/drawingml/2006/chart" xmlns:dgm="http://schemas.openxmlformats.org/drawingml/2006/diagram" xmlns:o="urn:schemas-microsoft-com:office:office" xmlns:v="urn:schemas-microsoft-com:vml" xmlns:pvml="urn:schemas-microsoft-com:office:powerpoint" xmlns:com="http://schemas.openxmlformats.org/drawingml/2006/compatibility" xmlns:p14="http://schemas.microsoft.com/office/powerpoint/2010/main" xmlns:p15="http://schemas.microsoft.com/office/powerpoint/2012/main" xmlns:ahyp="http://schemas.microsoft.com/office/drawing/2018/hyperlinkcolor" showMasterPhAnim="0" showMasterSp="0">
   <p:cSld>
     <p:spTree>
       <p:nvGrpSpPr>
@@ -1847,7 +1847,7 @@
 </file>
 
 <file path=ppt/notesSlides/notesSlide12.xml><?xml version="1.0" encoding="utf-8"?>
-<p:notes xmlns:a="http://schemas.openxmlformats.org/drawingml/2006/main" xmlns:r="http://schemas.openxmlformats.org/officeDocument/2006/relationships" xmlns:mc="http://schemas.openxmlformats.org/markup-compatibility/2006" xmlns:mv="urn:schemas-microsoft-com:mac:vml" xmlns:p="http://schemas.openxmlformats.org/presentationml/2006/main" xmlns:c="http://schemas.openxmlformats.org/drawingml/2006/chart" xmlns:dgm="http://schemas.openxmlformats.org/drawingml/2006/diagram" xmlns:o="urn:schemas-microsoft-com:office:office" xmlns:v="urn:schemas-microsoft-com:vml" xmlns:pvml="urn:schemas-microsoft-com:office:powerpoint" xmlns:com="http://schemas.openxmlformats.org/drawingml/2006/compatibility" xmlns:p14="http://schemas.microsoft.com/office/powerpoint/2010/main" xmlns:p15="http://schemas.microsoft.com/office/powerpoint/2012/main" showMasterPhAnim="0" showMasterSp="0">
+<p:notes xmlns:a="http://schemas.openxmlformats.org/drawingml/2006/main" xmlns:r="http://schemas.openxmlformats.org/officeDocument/2006/relationships" xmlns:mc="http://schemas.openxmlformats.org/markup-compatibility/2006" xmlns:mv="urn:schemas-microsoft-com:mac:vml" xmlns:p="http://schemas.openxmlformats.org/presentationml/2006/main" xmlns:c="http://schemas.openxmlformats.org/drawingml/2006/chart" xmlns:dgm="http://schemas.openxmlformats.org/drawingml/2006/diagram" xmlns:o="urn:schemas-microsoft-com:office:office" xmlns:v="urn:schemas-microsoft-com:vml" xmlns:pvml="urn:schemas-microsoft-com:office:powerpoint" xmlns:com="http://schemas.openxmlformats.org/drawingml/2006/compatibility" xmlns:p14="http://schemas.microsoft.com/office/powerpoint/2010/main" xmlns:p15="http://schemas.microsoft.com/office/powerpoint/2012/main" xmlns:ahyp="http://schemas.microsoft.com/office/drawing/2018/hyperlinkcolor" showMasterPhAnim="0" showMasterSp="0">
   <p:cSld>
     <p:spTree>
       <p:nvGrpSpPr>
@@ -1946,7 +1946,7 @@
 </file>
 
 <file path=ppt/notesSlides/notesSlide13.xml><?xml version="1.0" encoding="utf-8"?>
-<p:notes xmlns:a="http://schemas.openxmlformats.org/drawingml/2006/main" xmlns:r="http://schemas.openxmlformats.org/officeDocument/2006/relationships" xmlns:mc="http://schemas.openxmlformats.org/markup-compatibility/2006" xmlns:mv="urn:schemas-microsoft-com:mac:vml" xmlns:p="http://schemas.openxmlformats.org/presentationml/2006/main" xmlns:c="http://schemas.openxmlformats.org/drawingml/2006/chart" xmlns:dgm="http://schemas.openxmlformats.org/drawingml/2006/diagram" xmlns:o="urn:schemas-microsoft-com:office:office" xmlns:v="urn:schemas-microsoft-com:vml" xmlns:pvml="urn:schemas-microsoft-com:office:powerpoint" xmlns:com="http://schemas.openxmlformats.org/drawingml/2006/compatibility" xmlns:p14="http://schemas.microsoft.com/office/powerpoint/2010/main" xmlns:p15="http://schemas.microsoft.com/office/powerpoint/2012/main" showMasterPhAnim="0" showMasterSp="0">
+<p:notes xmlns:a="http://schemas.openxmlformats.org/drawingml/2006/main" xmlns:r="http://schemas.openxmlformats.org/officeDocument/2006/relationships" xmlns:mc="http://schemas.openxmlformats.org/markup-compatibility/2006" xmlns:mv="urn:schemas-microsoft-com:mac:vml" xmlns:p="http://schemas.openxmlformats.org/presentationml/2006/main" xmlns:c="http://schemas.openxmlformats.org/drawingml/2006/chart" xmlns:dgm="http://schemas.openxmlformats.org/drawingml/2006/diagram" xmlns:o="urn:schemas-microsoft-com:office:office" xmlns:v="urn:schemas-microsoft-com:vml" xmlns:pvml="urn:schemas-microsoft-com:office:powerpoint" xmlns:com="http://schemas.openxmlformats.org/drawingml/2006/compatibility" xmlns:p14="http://schemas.microsoft.com/office/powerpoint/2010/main" xmlns:p15="http://schemas.microsoft.com/office/powerpoint/2012/main" xmlns:ahyp="http://schemas.microsoft.com/office/drawing/2018/hyperlinkcolor" showMasterPhAnim="0" showMasterSp="0">
   <p:cSld>
     <p:spTree>
       <p:nvGrpSpPr>
@@ -2045,7 +2045,7 @@
 </file>
 
 <file path=ppt/notesSlides/notesSlide14.xml><?xml version="1.0" encoding="utf-8"?>
-<p:notes xmlns:a="http://schemas.openxmlformats.org/drawingml/2006/main" xmlns:r="http://schemas.openxmlformats.org/officeDocument/2006/relationships" xmlns:mc="http://schemas.openxmlformats.org/markup-compatibility/2006" xmlns:mv="urn:schemas-microsoft-com:mac:vml" xmlns:p="http://schemas.openxmlformats.org/presentationml/2006/main" xmlns:c="http://schemas.openxmlformats.org/drawingml/2006/chart" xmlns:dgm="http://schemas.openxmlformats.org/drawingml/2006/diagram" xmlns:o="urn:schemas-microsoft-com:office:office" xmlns:v="urn:schemas-microsoft-com:vml" xmlns:pvml="urn:schemas-microsoft-com:office:powerpoint" xmlns:com="http://schemas.openxmlformats.org/drawingml/2006/compatibility" xmlns:p14="http://schemas.microsoft.com/office/powerpoint/2010/main" xmlns:p15="http://schemas.microsoft.com/office/powerpoint/2012/main" showMasterPhAnim="0" showMasterSp="0">
+<p:notes xmlns:a="http://schemas.openxmlformats.org/drawingml/2006/main" xmlns:r="http://schemas.openxmlformats.org/officeDocument/2006/relationships" xmlns:mc="http://schemas.openxmlformats.org/markup-compatibility/2006" xmlns:mv="urn:schemas-microsoft-com:mac:vml" xmlns:p="http://schemas.openxmlformats.org/presentationml/2006/main" xmlns:c="http://schemas.openxmlformats.org/drawingml/2006/chart" xmlns:dgm="http://schemas.openxmlformats.org/drawingml/2006/diagram" xmlns:o="urn:schemas-microsoft-com:office:office" xmlns:v="urn:schemas-microsoft-com:vml" xmlns:pvml="urn:schemas-microsoft-com:office:powerpoint" xmlns:com="http://schemas.openxmlformats.org/drawingml/2006/compatibility" xmlns:p14="http://schemas.microsoft.com/office/powerpoint/2010/main" xmlns:p15="http://schemas.microsoft.com/office/powerpoint/2012/main" xmlns:ahyp="http://schemas.microsoft.com/office/drawing/2018/hyperlinkcolor" showMasterPhAnim="0" showMasterSp="0">
   <p:cSld>
     <p:spTree>
       <p:nvGrpSpPr>
@@ -2144,7 +2144,7 @@
 </file>
 
 <file path=ppt/notesSlides/notesSlide15.xml><?xml version="1.0" encoding="utf-8"?>
-<p:notes xmlns:a="http://schemas.openxmlformats.org/drawingml/2006/main" xmlns:r="http://schemas.openxmlformats.org/officeDocument/2006/relationships" xmlns:mc="http://schemas.openxmlformats.org/markup-compatibility/2006" xmlns:mv="urn:schemas-microsoft-com:mac:vml" xmlns:p="http://schemas.openxmlformats.org/presentationml/2006/main" xmlns:c="http://schemas.openxmlformats.org/drawingml/2006/chart" xmlns:dgm="http://schemas.openxmlformats.org/drawingml/2006/diagram" xmlns:o="urn:schemas-microsoft-com:office:office" xmlns:v="urn:schemas-microsoft-com:vml" xmlns:pvml="urn:schemas-microsoft-com:office:powerpoint" xmlns:com="http://schemas.openxmlformats.org/drawingml/2006/compatibility" xmlns:p14="http://schemas.microsoft.com/office/powerpoint/2010/main" xmlns:p15="http://schemas.microsoft.com/office/powerpoint/2012/main" showMasterPhAnim="0" showMasterSp="0">
+<p:notes xmlns:a="http://schemas.openxmlformats.org/drawingml/2006/main" xmlns:r="http://schemas.openxmlformats.org/officeDocument/2006/relationships" xmlns:mc="http://schemas.openxmlformats.org/markup-compatibility/2006" xmlns:mv="urn:schemas-microsoft-com:mac:vml" xmlns:p="http://schemas.openxmlformats.org/presentationml/2006/main" xmlns:c="http://schemas.openxmlformats.org/drawingml/2006/chart" xmlns:dgm="http://schemas.openxmlformats.org/drawingml/2006/diagram" xmlns:o="urn:schemas-microsoft-com:office:office" xmlns:v="urn:schemas-microsoft-com:vml" xmlns:pvml="urn:schemas-microsoft-com:office:powerpoint" xmlns:com="http://schemas.openxmlformats.org/drawingml/2006/compatibility" xmlns:p14="http://schemas.microsoft.com/office/powerpoint/2010/main" xmlns:p15="http://schemas.microsoft.com/office/powerpoint/2012/main" xmlns:ahyp="http://schemas.microsoft.com/office/drawing/2018/hyperlinkcolor" showMasterPhAnim="0" showMasterSp="0">
   <p:cSld>
     <p:spTree>
       <p:nvGrpSpPr>
@@ -2243,7 +2243,7 @@
 </file>
 
 <file path=ppt/notesSlides/notesSlide16.xml><?xml version="1.0" encoding="utf-8"?>
-<p:notes xmlns:a="http://schemas.openxmlformats.org/drawingml/2006/main" xmlns:r="http://schemas.openxmlformats.org/officeDocument/2006/relationships" xmlns:mc="http://schemas.openxmlformats.org/markup-compatibility/2006" xmlns:mv="urn:schemas-microsoft-com:mac:vml" xmlns:p="http://schemas.openxmlformats.org/presentationml/2006/main" xmlns:c="http://schemas.openxmlformats.org/drawingml/2006/chart" xmlns:dgm="http://schemas.openxmlformats.org/drawingml/2006/diagram" xmlns:o="urn:schemas-microsoft-com:office:office" xmlns:v="urn:schemas-microsoft-com:vml" xmlns:pvml="urn:schemas-microsoft-com:office:powerpoint" xmlns:com="http://schemas.openxmlformats.org/drawingml/2006/compatibility" xmlns:p14="http://schemas.microsoft.com/office/powerpoint/2010/main" xmlns:p15="http://schemas.microsoft.com/office/powerpoint/2012/main" showMasterPhAnim="0" showMasterSp="0">
+<p:notes xmlns:a="http://schemas.openxmlformats.org/drawingml/2006/main" xmlns:r="http://schemas.openxmlformats.org/officeDocument/2006/relationships" xmlns:mc="http://schemas.openxmlformats.org/markup-compatibility/2006" xmlns:mv="urn:schemas-microsoft-com:mac:vml" xmlns:p="http://schemas.openxmlformats.org/presentationml/2006/main" xmlns:c="http://schemas.openxmlformats.org/drawingml/2006/chart" xmlns:dgm="http://schemas.openxmlformats.org/drawingml/2006/diagram" xmlns:o="urn:schemas-microsoft-com:office:office" xmlns:v="urn:schemas-microsoft-com:vml" xmlns:pvml="urn:schemas-microsoft-com:office:powerpoint" xmlns:com="http://schemas.openxmlformats.org/drawingml/2006/compatibility" xmlns:p14="http://schemas.microsoft.com/office/powerpoint/2010/main" xmlns:p15="http://schemas.microsoft.com/office/powerpoint/2012/main" xmlns:ahyp="http://schemas.microsoft.com/office/drawing/2018/hyperlinkcolor" showMasterPhAnim="0" showMasterSp="0">
   <p:cSld>
     <p:spTree>
       <p:nvGrpSpPr>
@@ -2342,7 +2342,7 @@
 </file>
 
 <file path=ppt/notesSlides/notesSlide17.xml><?xml version="1.0" encoding="utf-8"?>
-<p:notes xmlns:a="http://schemas.openxmlformats.org/drawingml/2006/main" xmlns:r="http://schemas.openxmlformats.org/officeDocument/2006/relationships" xmlns:mc="http://schemas.openxmlformats.org/markup-compatibility/2006" xmlns:mv="urn:schemas-microsoft-com:mac:vml" xmlns:p="http://schemas.openxmlformats.org/presentationml/2006/main" xmlns:c="http://schemas.openxmlformats.org/drawingml/2006/chart" xmlns:dgm="http://schemas.openxmlformats.org/drawingml/2006/diagram" xmlns:o="urn:schemas-microsoft-com:office:office" xmlns:v="urn:schemas-microsoft-com:vml" xmlns:pvml="urn:schemas-microsoft-com:office:powerpoint" xmlns:com="http://schemas.openxmlformats.org/drawingml/2006/compatibility" xmlns:p14="http://schemas.microsoft.com/office/powerpoint/2010/main" xmlns:p15="http://schemas.microsoft.com/office/powerpoint/2012/main" showMasterPhAnim="0" showMasterSp="0">
+<p:notes xmlns:a="http://schemas.openxmlformats.org/drawingml/2006/main" xmlns:r="http://schemas.openxmlformats.org/officeDocument/2006/relationships" xmlns:mc="http://schemas.openxmlformats.org/markup-compatibility/2006" xmlns:mv="urn:schemas-microsoft-com:mac:vml" xmlns:p="http://schemas.openxmlformats.org/presentationml/2006/main" xmlns:c="http://schemas.openxmlformats.org/drawingml/2006/chart" xmlns:dgm="http://schemas.openxmlformats.org/drawingml/2006/diagram" xmlns:o="urn:schemas-microsoft-com:office:office" xmlns:v="urn:schemas-microsoft-com:vml" xmlns:pvml="urn:schemas-microsoft-com:office:powerpoint" xmlns:com="http://schemas.openxmlformats.org/drawingml/2006/compatibility" xmlns:p14="http://schemas.microsoft.com/office/powerpoint/2010/main" xmlns:p15="http://schemas.microsoft.com/office/powerpoint/2012/main" xmlns:ahyp="http://schemas.microsoft.com/office/drawing/2018/hyperlinkcolor" showMasterPhAnim="0" showMasterSp="0">
   <p:cSld>
     <p:spTree>
       <p:nvGrpSpPr>
@@ -2441,7 +2441,7 @@
 </file>
 
 <file path=ppt/notesSlides/notesSlide18.xml><?xml version="1.0" encoding="utf-8"?>
-<p:notes xmlns:a="http://schemas.openxmlformats.org/drawingml/2006/main" xmlns:r="http://schemas.openxmlformats.org/officeDocument/2006/relationships" xmlns:mc="http://schemas.openxmlformats.org/markup-compatibility/2006" xmlns:mv="urn:schemas-microsoft-com:mac:vml" xmlns:p="http://schemas.openxmlformats.org/presentationml/2006/main" xmlns:c="http://schemas.openxmlformats.org/drawingml/2006/chart" xmlns:dgm="http://schemas.openxmlformats.org/drawingml/2006/diagram" xmlns:o="urn:schemas-microsoft-com:office:office" xmlns:v="urn:schemas-microsoft-com:vml" xmlns:pvml="urn:schemas-microsoft-com:office:powerpoint" xmlns:com="http://schemas.openxmlformats.org/drawingml/2006/compatibility" xmlns:p14="http://schemas.microsoft.com/office/powerpoint/2010/main" xmlns:p15="http://schemas.microsoft.com/office/powerpoint/2012/main" showMasterPhAnim="0" showMasterSp="0">
+<p:notes xmlns:a="http://schemas.openxmlformats.org/drawingml/2006/main" xmlns:r="http://schemas.openxmlformats.org/officeDocument/2006/relationships" xmlns:mc="http://schemas.openxmlformats.org/markup-compatibility/2006" xmlns:mv="urn:schemas-microsoft-com:mac:vml" xmlns:p="http://schemas.openxmlformats.org/presentationml/2006/main" xmlns:c="http://schemas.openxmlformats.org/drawingml/2006/chart" xmlns:dgm="http://schemas.openxmlformats.org/drawingml/2006/diagram" xmlns:o="urn:schemas-microsoft-com:office:office" xmlns:v="urn:schemas-microsoft-com:vml" xmlns:pvml="urn:schemas-microsoft-com:office:powerpoint" xmlns:com="http://schemas.openxmlformats.org/drawingml/2006/compatibility" xmlns:p14="http://schemas.microsoft.com/office/powerpoint/2010/main" xmlns:p15="http://schemas.microsoft.com/office/powerpoint/2012/main" xmlns:ahyp="http://schemas.microsoft.com/office/drawing/2018/hyperlinkcolor" showMasterPhAnim="0" showMasterSp="0">
   <p:cSld>
     <p:spTree>
       <p:nvGrpSpPr>
@@ -2540,7 +2540,7 @@
 </file>
 
 <file path=ppt/notesSlides/notesSlide19.xml><?xml version="1.0" encoding="utf-8"?>
-<p:notes xmlns:a="http://schemas.openxmlformats.org/drawingml/2006/main" xmlns:r="http://schemas.openxmlformats.org/officeDocument/2006/relationships" xmlns:mc="http://schemas.openxmlformats.org/markup-compatibility/2006" xmlns:mv="urn:schemas-microsoft-com:mac:vml" xmlns:p="http://schemas.openxmlformats.org/presentationml/2006/main" xmlns:c="http://schemas.openxmlformats.org/drawingml/2006/chart" xmlns:dgm="http://schemas.openxmlformats.org/drawingml/2006/diagram" xmlns:o="urn:schemas-microsoft-com:office:office" xmlns:v="urn:schemas-microsoft-com:vml" xmlns:pvml="urn:schemas-microsoft-com:office:powerpoint" xmlns:com="http://schemas.openxmlformats.org/drawingml/2006/compatibility" xmlns:p14="http://schemas.microsoft.com/office/powerpoint/2010/main" xmlns:p15="http://schemas.microsoft.com/office/powerpoint/2012/main" showMasterPhAnim="0" showMasterSp="0">
+<p:notes xmlns:a="http://schemas.openxmlformats.org/drawingml/2006/main" xmlns:r="http://schemas.openxmlformats.org/officeDocument/2006/relationships" xmlns:mc="http://schemas.openxmlformats.org/markup-compatibility/2006" xmlns:mv="urn:schemas-microsoft-com:mac:vml" xmlns:p="http://schemas.openxmlformats.org/presentationml/2006/main" xmlns:c="http://schemas.openxmlformats.org/drawingml/2006/chart" xmlns:dgm="http://schemas.openxmlformats.org/drawingml/2006/diagram" xmlns:o="urn:schemas-microsoft-com:office:office" xmlns:v="urn:schemas-microsoft-com:vml" xmlns:pvml="urn:schemas-microsoft-com:office:powerpoint" xmlns:com="http://schemas.openxmlformats.org/drawingml/2006/compatibility" xmlns:p14="http://schemas.microsoft.com/office/powerpoint/2010/main" xmlns:p15="http://schemas.microsoft.com/office/powerpoint/2012/main" xmlns:ahyp="http://schemas.microsoft.com/office/drawing/2018/hyperlinkcolor" showMasterPhAnim="0" showMasterSp="0">
   <p:cSld>
     <p:spTree>
       <p:nvGrpSpPr>
@@ -2639,7 +2639,7 @@
 </file>
 
 <file path=ppt/notesSlides/notesSlide2.xml><?xml version="1.0" encoding="utf-8"?>
-<p:notes xmlns:a="http://schemas.openxmlformats.org/drawingml/2006/main" xmlns:r="http://schemas.openxmlformats.org/officeDocument/2006/relationships" xmlns:mc="http://schemas.openxmlformats.org/markup-compatibility/2006" xmlns:mv="urn:schemas-microsoft-com:mac:vml" xmlns:p="http://schemas.openxmlformats.org/presentationml/2006/main" xmlns:c="http://schemas.openxmlformats.org/drawingml/2006/chart" xmlns:dgm="http://schemas.openxmlformats.org/drawingml/2006/diagram" xmlns:o="urn:schemas-microsoft-com:office:office" xmlns:v="urn:schemas-microsoft-com:vml" xmlns:pvml="urn:schemas-microsoft-com:office:powerpoint" xmlns:com="http://schemas.openxmlformats.org/drawingml/2006/compatibility" xmlns:p14="http://schemas.microsoft.com/office/powerpoint/2010/main" xmlns:p15="http://schemas.microsoft.com/office/powerpoint/2012/main" showMasterPhAnim="0" showMasterSp="0">
+<p:notes xmlns:a="http://schemas.openxmlformats.org/drawingml/2006/main" xmlns:r="http://schemas.openxmlformats.org/officeDocument/2006/relationships" xmlns:mc="http://schemas.openxmlformats.org/markup-compatibility/2006" xmlns:mv="urn:schemas-microsoft-com:mac:vml" xmlns:p="http://schemas.openxmlformats.org/presentationml/2006/main" xmlns:c="http://schemas.openxmlformats.org/drawingml/2006/chart" xmlns:dgm="http://schemas.openxmlformats.org/drawingml/2006/diagram" xmlns:o="urn:schemas-microsoft-com:office:office" xmlns:v="urn:schemas-microsoft-com:vml" xmlns:pvml="urn:schemas-microsoft-com:office:powerpoint" xmlns:com="http://schemas.openxmlformats.org/drawingml/2006/compatibility" xmlns:p14="http://schemas.microsoft.com/office/powerpoint/2010/main" xmlns:p15="http://schemas.microsoft.com/office/powerpoint/2012/main" xmlns:ahyp="http://schemas.microsoft.com/office/drawing/2018/hyperlinkcolor" showMasterPhAnim="0" showMasterSp="0">
   <p:cSld>
     <p:spTree>
       <p:nvGrpSpPr>
@@ -2738,7 +2738,7 @@
 </file>
 
 <file path=ppt/notesSlides/notesSlide20.xml><?xml version="1.0" encoding="utf-8"?>
-<p:notes xmlns:a="http://schemas.openxmlformats.org/drawingml/2006/main" xmlns:r="http://schemas.openxmlformats.org/officeDocument/2006/relationships" xmlns:mc="http://schemas.openxmlformats.org/markup-compatibility/2006" xmlns:mv="urn:schemas-microsoft-com:mac:vml" xmlns:p="http://schemas.openxmlformats.org/presentationml/2006/main" xmlns:c="http://schemas.openxmlformats.org/drawingml/2006/chart" xmlns:dgm="http://schemas.openxmlformats.org/drawingml/2006/diagram" xmlns:o="urn:schemas-microsoft-com:office:office" xmlns:v="urn:schemas-microsoft-com:vml" xmlns:pvml="urn:schemas-microsoft-com:office:powerpoint" xmlns:com="http://schemas.openxmlformats.org/drawingml/2006/compatibility" xmlns:p14="http://schemas.microsoft.com/office/powerpoint/2010/main" xmlns:p15="http://schemas.microsoft.com/office/powerpoint/2012/main" showMasterPhAnim="0" showMasterSp="0">
+<p:notes xmlns:a="http://schemas.openxmlformats.org/drawingml/2006/main" xmlns:r="http://schemas.openxmlformats.org/officeDocument/2006/relationships" xmlns:mc="http://schemas.openxmlformats.org/markup-compatibility/2006" xmlns:mv="urn:schemas-microsoft-com:mac:vml" xmlns:p="http://schemas.openxmlformats.org/presentationml/2006/main" xmlns:c="http://schemas.openxmlformats.org/drawingml/2006/chart" xmlns:dgm="http://schemas.openxmlformats.org/drawingml/2006/diagram" xmlns:o="urn:schemas-microsoft-com:office:office" xmlns:v="urn:schemas-microsoft-com:vml" xmlns:pvml="urn:schemas-microsoft-com:office:powerpoint" xmlns:com="http://schemas.openxmlformats.org/drawingml/2006/compatibility" xmlns:p14="http://schemas.microsoft.com/office/powerpoint/2010/main" xmlns:p15="http://schemas.microsoft.com/office/powerpoint/2012/main" xmlns:ahyp="http://schemas.microsoft.com/office/drawing/2018/hyperlinkcolor" showMasterPhAnim="0" showMasterSp="0">
   <p:cSld>
     <p:spTree>
       <p:nvGrpSpPr>
@@ -2837,7 +2837,7 @@
 </file>
 
 <file path=ppt/notesSlides/notesSlide21.xml><?xml version="1.0" encoding="utf-8"?>
-<p:notes xmlns:a="http://schemas.openxmlformats.org/drawingml/2006/main" xmlns:r="http://schemas.openxmlformats.org/officeDocument/2006/relationships" xmlns:mc="http://schemas.openxmlformats.org/markup-compatibility/2006" xmlns:mv="urn:schemas-microsoft-com:mac:vml" xmlns:p="http://schemas.openxmlformats.org/presentationml/2006/main" xmlns:c="http://schemas.openxmlformats.org/drawingml/2006/chart" xmlns:dgm="http://schemas.openxmlformats.org/drawingml/2006/diagram" xmlns:o="urn:schemas-microsoft-com:office:office" xmlns:v="urn:schemas-microsoft-com:vml" xmlns:pvml="urn:schemas-microsoft-com:office:powerpoint" xmlns:com="http://schemas.openxmlformats.org/drawingml/2006/compatibility" xmlns:p14="http://schemas.microsoft.com/office/powerpoint/2010/main" xmlns:p15="http://schemas.microsoft.com/office/powerpoint/2012/main" showMasterPhAnim="0" showMasterSp="0">
+<p:notes xmlns:a="http://schemas.openxmlformats.org/drawingml/2006/main" xmlns:r="http://schemas.openxmlformats.org/officeDocument/2006/relationships" xmlns:mc="http://schemas.openxmlformats.org/markup-compatibility/2006" xmlns:mv="urn:schemas-microsoft-com:mac:vml" xmlns:p="http://schemas.openxmlformats.org/presentationml/2006/main" xmlns:c="http://schemas.openxmlformats.org/drawingml/2006/chart" xmlns:dgm="http://schemas.openxmlformats.org/drawingml/2006/diagram" xmlns:o="urn:schemas-microsoft-com:office:office" xmlns:v="urn:schemas-microsoft-com:vml" xmlns:pvml="urn:schemas-microsoft-com:office:powerpoint" xmlns:com="http://schemas.openxmlformats.org/drawingml/2006/compatibility" xmlns:p14="http://schemas.microsoft.com/office/powerpoint/2010/main" xmlns:p15="http://schemas.microsoft.com/office/powerpoint/2012/main" xmlns:ahyp="http://schemas.microsoft.com/office/drawing/2018/hyperlinkcolor" showMasterPhAnim="0" showMasterSp="0">
   <p:cSld>
     <p:spTree>
       <p:nvGrpSpPr>
@@ -2980,7 +2980,7 @@
 </file>
 
 <file path=ppt/notesSlides/notesSlide22.xml><?xml version="1.0" encoding="utf-8"?>
-<p:notes xmlns:a="http://schemas.openxmlformats.org/drawingml/2006/main" xmlns:r="http://schemas.openxmlformats.org/officeDocument/2006/relationships" xmlns:mc="http://schemas.openxmlformats.org/markup-compatibility/2006" xmlns:mv="urn:schemas-microsoft-com:mac:vml" xmlns:p="http://schemas.openxmlformats.org/presentationml/2006/main" xmlns:c="http://schemas.openxmlformats.org/drawingml/2006/chart" xmlns:dgm="http://schemas.openxmlformats.org/drawingml/2006/diagram" xmlns:o="urn:schemas-microsoft-com:office:office" xmlns:v="urn:schemas-microsoft-com:vml" xmlns:pvml="urn:schemas-microsoft-com:office:powerpoint" xmlns:com="http://schemas.openxmlformats.org/drawingml/2006/compatibility" xmlns:p14="http://schemas.microsoft.com/office/powerpoint/2010/main" xmlns:p15="http://schemas.microsoft.com/office/powerpoint/2012/main" showMasterPhAnim="0" showMasterSp="0">
+<p:notes xmlns:a="http://schemas.openxmlformats.org/drawingml/2006/main" xmlns:r="http://schemas.openxmlformats.org/officeDocument/2006/relationships" xmlns:mc="http://schemas.openxmlformats.org/markup-compatibility/2006" xmlns:mv="urn:schemas-microsoft-com:mac:vml" xmlns:p="http://schemas.openxmlformats.org/presentationml/2006/main" xmlns:c="http://schemas.openxmlformats.org/drawingml/2006/chart" xmlns:dgm="http://schemas.openxmlformats.org/drawingml/2006/diagram" xmlns:o="urn:schemas-microsoft-com:office:office" xmlns:v="urn:schemas-microsoft-com:vml" xmlns:pvml="urn:schemas-microsoft-com:office:powerpoint" xmlns:com="http://schemas.openxmlformats.org/drawingml/2006/compatibility" xmlns:p14="http://schemas.microsoft.com/office/powerpoint/2010/main" xmlns:p15="http://schemas.microsoft.com/office/powerpoint/2012/main" xmlns:ahyp="http://schemas.microsoft.com/office/drawing/2018/hyperlinkcolor" showMasterPhAnim="0" showMasterSp="0">
   <p:cSld>
     <p:spTree>
       <p:nvGrpSpPr>
@@ -3079,7 +3079,7 @@
 </file>
 
 <file path=ppt/notesSlides/notesSlide23.xml><?xml version="1.0" encoding="utf-8"?>
-<p:notes xmlns:a="http://schemas.openxmlformats.org/drawingml/2006/main" xmlns:r="http://schemas.openxmlformats.org/officeDocument/2006/relationships" xmlns:mc="http://schemas.openxmlformats.org/markup-compatibility/2006" xmlns:mv="urn:schemas-microsoft-com:mac:vml" xmlns:p="http://schemas.openxmlformats.org/presentationml/2006/main" xmlns:c="http://schemas.openxmlformats.org/drawingml/2006/chart" xmlns:dgm="http://schemas.openxmlformats.org/drawingml/2006/diagram" xmlns:o="urn:schemas-microsoft-com:office:office" xmlns:v="urn:schemas-microsoft-com:vml" xmlns:pvml="urn:schemas-microsoft-com:office:powerpoint" xmlns:com="http://schemas.openxmlformats.org/drawingml/2006/compatibility" xmlns:p14="http://schemas.microsoft.com/office/powerpoint/2010/main" xmlns:p15="http://schemas.microsoft.com/office/powerpoint/2012/main" showMasterPhAnim="0" showMasterSp="0">
+<p:notes xmlns:a="http://schemas.openxmlformats.org/drawingml/2006/main" xmlns:r="http://schemas.openxmlformats.org/officeDocument/2006/relationships" xmlns:mc="http://schemas.openxmlformats.org/markup-compatibility/2006" xmlns:mv="urn:schemas-microsoft-com:mac:vml" xmlns:p="http://schemas.openxmlformats.org/presentationml/2006/main" xmlns:c="http://schemas.openxmlformats.org/drawingml/2006/chart" xmlns:dgm="http://schemas.openxmlformats.org/drawingml/2006/diagram" xmlns:o="urn:schemas-microsoft-com:office:office" xmlns:v="urn:schemas-microsoft-com:vml" xmlns:pvml="urn:schemas-microsoft-com:office:powerpoint" xmlns:com="http://schemas.openxmlformats.org/drawingml/2006/compatibility" xmlns:p14="http://schemas.microsoft.com/office/powerpoint/2010/main" xmlns:p15="http://schemas.microsoft.com/office/powerpoint/2012/main" xmlns:ahyp="http://schemas.microsoft.com/office/drawing/2018/hyperlinkcolor" showMasterPhAnim="0" showMasterSp="0">
   <p:cSld>
     <p:spTree>
       <p:nvGrpSpPr>
@@ -3178,7 +3178,7 @@
 </file>
 
 <file path=ppt/notesSlides/notesSlide24.xml><?xml version="1.0" encoding="utf-8"?>
-<p:notes xmlns:a="http://schemas.openxmlformats.org/drawingml/2006/main" xmlns:r="http://schemas.openxmlformats.org/officeDocument/2006/relationships" xmlns:mc="http://schemas.openxmlformats.org/markup-compatibility/2006" xmlns:mv="urn:schemas-microsoft-com:mac:vml" xmlns:p="http://schemas.openxmlformats.org/presentationml/2006/main" xmlns:c="http://schemas.openxmlformats.org/drawingml/2006/chart" xmlns:dgm="http://schemas.openxmlformats.org/drawingml/2006/diagram" xmlns:o="urn:schemas-microsoft-com:office:office" xmlns:v="urn:schemas-microsoft-com:vml" xmlns:pvml="urn:schemas-microsoft-com:office:powerpoint" xmlns:com="http://schemas.openxmlformats.org/drawingml/2006/compatibility" xmlns:p14="http://schemas.microsoft.com/office/powerpoint/2010/main" xmlns:p15="http://schemas.microsoft.com/office/powerpoint/2012/main" showMasterPhAnim="0" showMasterSp="0">
+<p:notes xmlns:a="http://schemas.openxmlformats.org/drawingml/2006/main" xmlns:r="http://schemas.openxmlformats.org/officeDocument/2006/relationships" xmlns:mc="http://schemas.openxmlformats.org/markup-compatibility/2006" xmlns:mv="urn:schemas-microsoft-com:mac:vml" xmlns:p="http://schemas.openxmlformats.org/presentationml/2006/main" xmlns:c="http://schemas.openxmlformats.org/drawingml/2006/chart" xmlns:dgm="http://schemas.openxmlformats.org/drawingml/2006/diagram" xmlns:o="urn:schemas-microsoft-com:office:office" xmlns:v="urn:schemas-microsoft-com:vml" xmlns:pvml="urn:schemas-microsoft-com:office:powerpoint" xmlns:com="http://schemas.openxmlformats.org/drawingml/2006/compatibility" xmlns:p14="http://schemas.microsoft.com/office/powerpoint/2010/main" xmlns:p15="http://schemas.microsoft.com/office/powerpoint/2012/main" xmlns:ahyp="http://schemas.microsoft.com/office/drawing/2018/hyperlinkcolor" showMasterPhAnim="0" showMasterSp="0">
   <p:cSld>
     <p:spTree>
       <p:nvGrpSpPr>
@@ -3277,7 +3277,7 @@
 </file>
 
 <file path=ppt/notesSlides/notesSlide25.xml><?xml version="1.0" encoding="utf-8"?>
-<p:notes xmlns:a="http://schemas.openxmlformats.org/drawingml/2006/main" xmlns:r="http://schemas.openxmlformats.org/officeDocument/2006/relationships" xmlns:mc="http://schemas.openxmlformats.org/markup-compatibility/2006" xmlns:mv="urn:schemas-microsoft-com:mac:vml" xmlns:p="http://schemas.openxmlformats.org/presentationml/2006/main" xmlns:c="http://schemas.openxmlformats.org/drawingml/2006/chart" xmlns:dgm="http://schemas.openxmlformats.org/drawingml/2006/diagram" xmlns:o="urn:schemas-microsoft-com:office:office" xmlns:v="urn:schemas-microsoft-com:vml" xmlns:pvml="urn:schemas-microsoft-com:office:powerpoint" xmlns:com="http://schemas.openxmlformats.org/drawingml/2006/compatibility" xmlns:p14="http://schemas.microsoft.com/office/powerpoint/2010/main" xmlns:p15="http://schemas.microsoft.com/office/powerpoint/2012/main" showMasterPhAnim="0" showMasterSp="0">
+<p:notes xmlns:a="http://schemas.openxmlformats.org/drawingml/2006/main" xmlns:r="http://schemas.openxmlformats.org/officeDocument/2006/relationships" xmlns:mc="http://schemas.openxmlformats.org/markup-compatibility/2006" xmlns:mv="urn:schemas-microsoft-com:mac:vml" xmlns:p="http://schemas.openxmlformats.org/presentationml/2006/main" xmlns:c="http://schemas.openxmlformats.org/drawingml/2006/chart" xmlns:dgm="http://schemas.openxmlformats.org/drawingml/2006/diagram" xmlns:o="urn:schemas-microsoft-com:office:office" xmlns:v="urn:schemas-microsoft-com:vml" xmlns:pvml="urn:schemas-microsoft-com:office:powerpoint" xmlns:com="http://schemas.openxmlformats.org/drawingml/2006/compatibility" xmlns:p14="http://schemas.microsoft.com/office/powerpoint/2010/main" xmlns:p15="http://schemas.microsoft.com/office/powerpoint/2012/main" xmlns:ahyp="http://schemas.microsoft.com/office/drawing/2018/hyperlinkcolor" showMasterPhAnim="0" showMasterSp="0">
   <p:cSld>
     <p:spTree>
       <p:nvGrpSpPr>
@@ -3376,7 +3376,7 @@
 </file>
 
 <file path=ppt/notesSlides/notesSlide26.xml><?xml version="1.0" encoding="utf-8"?>
-<p:notes xmlns:a="http://schemas.openxmlformats.org/drawingml/2006/main" xmlns:r="http://schemas.openxmlformats.org/officeDocument/2006/relationships" xmlns:mc="http://schemas.openxmlformats.org/markup-compatibility/2006" xmlns:mv="urn:schemas-microsoft-com:mac:vml" xmlns:p="http://schemas.openxmlformats.org/presentationml/2006/main" xmlns:c="http://schemas.openxmlformats.org/drawingml/2006/chart" xmlns:dgm="http://schemas.openxmlformats.org/drawingml/2006/diagram" xmlns:o="urn:schemas-microsoft-com:office:office" xmlns:v="urn:schemas-microsoft-com:vml" xmlns:pvml="urn:schemas-microsoft-com:office:powerpoint" xmlns:com="http://schemas.openxmlformats.org/drawingml/2006/compatibility" xmlns:p14="http://schemas.microsoft.com/office/powerpoint/2010/main" xmlns:p15="http://schemas.microsoft.com/office/powerpoint/2012/main" showMasterPhAnim="0" showMasterSp="0">
+<p:notes xmlns:a="http://schemas.openxmlformats.org/drawingml/2006/main" xmlns:r="http://schemas.openxmlformats.org/officeDocument/2006/relationships" xmlns:mc="http://schemas.openxmlformats.org/markup-compatibility/2006" xmlns:mv="urn:schemas-microsoft-com:mac:vml" xmlns:p="http://schemas.openxmlformats.org/presentationml/2006/main" xmlns:c="http://schemas.openxmlformats.org/drawingml/2006/chart" xmlns:dgm="http://schemas.openxmlformats.org/drawingml/2006/diagram" xmlns:o="urn:schemas-microsoft-com:office:office" xmlns:v="urn:schemas-microsoft-com:vml" xmlns:pvml="urn:schemas-microsoft-com:office:powerpoint" xmlns:com="http://schemas.openxmlformats.org/drawingml/2006/compatibility" xmlns:p14="http://schemas.microsoft.com/office/powerpoint/2010/main" xmlns:p15="http://schemas.microsoft.com/office/powerpoint/2012/main" xmlns:ahyp="http://schemas.microsoft.com/office/drawing/2018/hyperlinkcolor" showMasterPhAnim="0" showMasterSp="0">
   <p:cSld>
     <p:spTree>
       <p:nvGrpSpPr>
@@ -3475,7 +3475,7 @@
 </file>
 
 <file path=ppt/notesSlides/notesSlide27.xml><?xml version="1.0" encoding="utf-8"?>
-<p:notes xmlns:a="http://schemas.openxmlformats.org/drawingml/2006/main" xmlns:r="http://schemas.openxmlformats.org/officeDocument/2006/relationships" xmlns:mc="http://schemas.openxmlformats.org/markup-compatibility/2006" xmlns:mv="urn:schemas-microsoft-com:mac:vml" xmlns:p="http://schemas.openxmlformats.org/presentationml/2006/main" xmlns:c="http://schemas.openxmlformats.org/drawingml/2006/chart" xmlns:dgm="http://schemas.openxmlformats.org/drawingml/2006/diagram" xmlns:o="urn:schemas-microsoft-com:office:office" xmlns:v="urn:schemas-microsoft-com:vml" xmlns:pvml="urn:schemas-microsoft-com:office:powerpoint" xmlns:com="http://schemas.openxmlformats.org/drawingml/2006/compatibility" xmlns:p14="http://schemas.microsoft.com/office/powerpoint/2010/main" xmlns:p15="http://schemas.microsoft.com/office/powerpoint/2012/main" showMasterPhAnim="0" showMasterSp="0">
+<p:notes xmlns:a="http://schemas.openxmlformats.org/drawingml/2006/main" xmlns:r="http://schemas.openxmlformats.org/officeDocument/2006/relationships" xmlns:mc="http://schemas.openxmlformats.org/markup-compatibility/2006" xmlns:mv="urn:schemas-microsoft-com:mac:vml" xmlns:p="http://schemas.openxmlformats.org/presentationml/2006/main" xmlns:c="http://schemas.openxmlformats.org/drawingml/2006/chart" xmlns:dgm="http://schemas.openxmlformats.org/drawingml/2006/diagram" xmlns:o="urn:schemas-microsoft-com:office:office" xmlns:v="urn:schemas-microsoft-com:vml" xmlns:pvml="urn:schemas-microsoft-com:office:powerpoint" xmlns:com="http://schemas.openxmlformats.org/drawingml/2006/compatibility" xmlns:p14="http://schemas.microsoft.com/office/powerpoint/2010/main" xmlns:p15="http://schemas.microsoft.com/office/powerpoint/2012/main" xmlns:ahyp="http://schemas.microsoft.com/office/drawing/2018/hyperlinkcolor" showMasterPhAnim="0" showMasterSp="0">
   <p:cSld>
     <p:spTree>
       <p:nvGrpSpPr>
@@ -3574,7 +3574,7 @@
 </file>
 
 <file path=ppt/notesSlides/notesSlide28.xml><?xml version="1.0" encoding="utf-8"?>
-<p:notes xmlns:a="http://schemas.openxmlformats.org/drawingml/2006/main" xmlns:r="http://schemas.openxmlformats.org/officeDocument/2006/relationships" xmlns:mc="http://schemas.openxmlformats.org/markup-compatibility/2006" xmlns:mv="urn:schemas-microsoft-com:mac:vml" xmlns:p="http://schemas.openxmlformats.org/presentationml/2006/main" xmlns:c="http://schemas.openxmlformats.org/drawingml/2006/chart" xmlns:dgm="http://schemas.openxmlformats.org/drawingml/2006/diagram" xmlns:o="urn:schemas-microsoft-com:office:office" xmlns:v="urn:schemas-microsoft-com:vml" xmlns:pvml="urn:schemas-microsoft-com:office:powerpoint" xmlns:com="http://schemas.openxmlformats.org/drawingml/2006/compatibility" xmlns:p14="http://schemas.microsoft.com/office/powerpoint/2010/main" xmlns:p15="http://schemas.microsoft.com/office/powerpoint/2012/main" showMasterPhAnim="0" showMasterSp="0">
+<p:notes xmlns:a="http://schemas.openxmlformats.org/drawingml/2006/main" xmlns:r="http://schemas.openxmlformats.org/officeDocument/2006/relationships" xmlns:mc="http://schemas.openxmlformats.org/markup-compatibility/2006" xmlns:mv="urn:schemas-microsoft-com:mac:vml" xmlns:p="http://schemas.openxmlformats.org/presentationml/2006/main" xmlns:c="http://schemas.openxmlformats.org/drawingml/2006/chart" xmlns:dgm="http://schemas.openxmlformats.org/drawingml/2006/diagram" xmlns:o="urn:schemas-microsoft-com:office:office" xmlns:v="urn:schemas-microsoft-com:vml" xmlns:pvml="urn:schemas-microsoft-com:office:powerpoint" xmlns:com="http://schemas.openxmlformats.org/drawingml/2006/compatibility" xmlns:p14="http://schemas.microsoft.com/office/powerpoint/2010/main" xmlns:p15="http://schemas.microsoft.com/office/powerpoint/2012/main" xmlns:ahyp="http://schemas.microsoft.com/office/drawing/2018/hyperlinkcolor" showMasterPhAnim="0" showMasterSp="0">
   <p:cSld>
     <p:spTree>
       <p:nvGrpSpPr>
@@ -3673,7 +3673,7 @@
 </file>
 
 <file path=ppt/notesSlides/notesSlide29.xml><?xml version="1.0" encoding="utf-8"?>
-<p:notes xmlns:a="http://schemas.openxmlformats.org/drawingml/2006/main" xmlns:r="http://schemas.openxmlformats.org/officeDocument/2006/relationships" xmlns:mc="http://schemas.openxmlformats.org/markup-compatibility/2006" xmlns:mv="urn:schemas-microsoft-com:mac:vml" xmlns:p="http://schemas.openxmlformats.org/presentationml/2006/main" xmlns:c="http://schemas.openxmlformats.org/drawingml/2006/chart" xmlns:dgm="http://schemas.openxmlformats.org/drawingml/2006/diagram" xmlns:o="urn:schemas-microsoft-com:office:office" xmlns:v="urn:schemas-microsoft-com:vml" xmlns:pvml="urn:schemas-microsoft-com:office:powerpoint" xmlns:com="http://schemas.openxmlformats.org/drawingml/2006/compatibility" xmlns:p14="http://schemas.microsoft.com/office/powerpoint/2010/main" xmlns:p15="http://schemas.microsoft.com/office/powerpoint/2012/main" showMasterPhAnim="0" showMasterSp="0">
+<p:notes xmlns:a="http://schemas.openxmlformats.org/drawingml/2006/main" xmlns:r="http://schemas.openxmlformats.org/officeDocument/2006/relationships" xmlns:mc="http://schemas.openxmlformats.org/markup-compatibility/2006" xmlns:mv="urn:schemas-microsoft-com:mac:vml" xmlns:p="http://schemas.openxmlformats.org/presentationml/2006/main" xmlns:c="http://schemas.openxmlformats.org/drawingml/2006/chart" xmlns:dgm="http://schemas.openxmlformats.org/drawingml/2006/diagram" xmlns:o="urn:schemas-microsoft-com:office:office" xmlns:v="urn:schemas-microsoft-com:vml" xmlns:pvml="urn:schemas-microsoft-com:office:powerpoint" xmlns:com="http://schemas.openxmlformats.org/drawingml/2006/compatibility" xmlns:p14="http://schemas.microsoft.com/office/powerpoint/2010/main" xmlns:p15="http://schemas.microsoft.com/office/powerpoint/2012/main" xmlns:ahyp="http://schemas.microsoft.com/office/drawing/2018/hyperlinkcolor" showMasterPhAnim="0" showMasterSp="0">
   <p:cSld>
     <p:spTree>
       <p:nvGrpSpPr>
@@ -3772,7 +3772,7 @@
 </file>
 
 <file path=ppt/notesSlides/notesSlide3.xml><?xml version="1.0" encoding="utf-8"?>
-<p:notes xmlns:a="http://schemas.openxmlformats.org/drawingml/2006/main" xmlns:r="http://schemas.openxmlformats.org/officeDocument/2006/relationships" xmlns:mc="http://schemas.openxmlformats.org/markup-compatibility/2006" xmlns:mv="urn:schemas-microsoft-com:mac:vml" xmlns:p="http://schemas.openxmlformats.org/presentationml/2006/main" xmlns:c="http://schemas.openxmlformats.org/drawingml/2006/chart" xmlns:dgm="http://schemas.openxmlformats.org/drawingml/2006/diagram" xmlns:o="urn:schemas-microsoft-com:office:office" xmlns:v="urn:schemas-microsoft-com:vml" xmlns:pvml="urn:schemas-microsoft-com:office:powerpoint" xmlns:com="http://schemas.openxmlformats.org/drawingml/2006/compatibility" xmlns:p14="http://schemas.microsoft.com/office/powerpoint/2010/main" xmlns:p15="http://schemas.microsoft.com/office/powerpoint/2012/main" showMasterPhAnim="0" showMasterSp="0">
+<p:notes xmlns:a="http://schemas.openxmlformats.org/drawingml/2006/main" xmlns:r="http://schemas.openxmlformats.org/officeDocument/2006/relationships" xmlns:mc="http://schemas.openxmlformats.org/markup-compatibility/2006" xmlns:mv="urn:schemas-microsoft-com:mac:vml" xmlns:p="http://schemas.openxmlformats.org/presentationml/2006/main" xmlns:c="http://schemas.openxmlformats.org/drawingml/2006/chart" xmlns:dgm="http://schemas.openxmlformats.org/drawingml/2006/diagram" xmlns:o="urn:schemas-microsoft-com:office:office" xmlns:v="urn:schemas-microsoft-com:vml" xmlns:pvml="urn:schemas-microsoft-com:office:powerpoint" xmlns:com="http://schemas.openxmlformats.org/drawingml/2006/compatibility" xmlns:p14="http://schemas.microsoft.com/office/powerpoint/2010/main" xmlns:p15="http://schemas.microsoft.com/office/powerpoint/2012/main" xmlns:ahyp="http://schemas.microsoft.com/office/drawing/2018/hyperlinkcolor" showMasterPhAnim="0" showMasterSp="0">
   <p:cSld>
     <p:spTree>
       <p:nvGrpSpPr>
@@ -3871,7 +3871,7 @@
 </file>
 
 <file path=ppt/notesSlides/notesSlide30.xml><?xml version="1.0" encoding="utf-8"?>
-<p:notes xmlns:a="http://schemas.openxmlformats.org/drawingml/2006/main" xmlns:r="http://schemas.openxmlformats.org/officeDocument/2006/relationships" xmlns:mc="http://schemas.openxmlformats.org/markup-compatibility/2006" xmlns:mv="urn:schemas-microsoft-com:mac:vml" xmlns:p="http://schemas.openxmlformats.org/presentationml/2006/main" xmlns:c="http://schemas.openxmlformats.org/drawingml/2006/chart" xmlns:dgm="http://schemas.openxmlformats.org/drawingml/2006/diagram" xmlns:o="urn:schemas-microsoft-com:office:office" xmlns:v="urn:schemas-microsoft-com:vml" xmlns:pvml="urn:schemas-microsoft-com:office:powerpoint" xmlns:com="http://schemas.openxmlformats.org/drawingml/2006/compatibility" xmlns:p14="http://schemas.microsoft.com/office/powerpoint/2010/main" xmlns:p15="http://schemas.microsoft.com/office/powerpoint/2012/main" showMasterPhAnim="0" showMasterSp="0">
+<p:notes xmlns:a="http://schemas.openxmlformats.org/drawingml/2006/main" xmlns:r="http://schemas.openxmlformats.org/officeDocument/2006/relationships" xmlns:mc="http://schemas.openxmlformats.org/markup-compatibility/2006" xmlns:mv="urn:schemas-microsoft-com:mac:vml" xmlns:p="http://schemas.openxmlformats.org/presentationml/2006/main" xmlns:c="http://schemas.openxmlformats.org/drawingml/2006/chart" xmlns:dgm="http://schemas.openxmlformats.org/drawingml/2006/diagram" xmlns:o="urn:schemas-microsoft-com:office:office" xmlns:v="urn:schemas-microsoft-com:vml" xmlns:pvml="urn:schemas-microsoft-com:office:powerpoint" xmlns:com="http://schemas.openxmlformats.org/drawingml/2006/compatibility" xmlns:p14="http://schemas.microsoft.com/office/powerpoint/2010/main" xmlns:p15="http://schemas.microsoft.com/office/powerpoint/2012/main" xmlns:ahyp="http://schemas.microsoft.com/office/drawing/2018/hyperlinkcolor" showMasterPhAnim="0" showMasterSp="0">
   <p:cSld>
     <p:spTree>
       <p:nvGrpSpPr>
@@ -3970,7 +3970,7 @@
 </file>
 
 <file path=ppt/notesSlides/notesSlide31.xml><?xml version="1.0" encoding="utf-8"?>
-<p:notes xmlns:a="http://schemas.openxmlformats.org/drawingml/2006/main" xmlns:r="http://schemas.openxmlformats.org/officeDocument/2006/relationships" xmlns:mc="http://schemas.openxmlformats.org/markup-compatibility/2006" xmlns:mv="urn:schemas-microsoft-com:mac:vml" xmlns:p="http://schemas.openxmlformats.org/presentationml/2006/main" xmlns:c="http://schemas.openxmlformats.org/drawingml/2006/chart" xmlns:dgm="http://schemas.openxmlformats.org/drawingml/2006/diagram" xmlns:o="urn:schemas-microsoft-com:office:office" xmlns:v="urn:schemas-microsoft-com:vml" xmlns:pvml="urn:schemas-microsoft-com:office:powerpoint" xmlns:com="http://schemas.openxmlformats.org/drawingml/2006/compatibility" xmlns:p14="http://schemas.microsoft.com/office/powerpoint/2010/main" xmlns:p15="http://schemas.microsoft.com/office/powerpoint/2012/main" showMasterPhAnim="0" showMasterSp="0">
+<p:notes xmlns:a="http://schemas.openxmlformats.org/drawingml/2006/main" xmlns:r="http://schemas.openxmlformats.org/officeDocument/2006/relationships" xmlns:mc="http://schemas.openxmlformats.org/markup-compatibility/2006" xmlns:mv="urn:schemas-microsoft-com:mac:vml" xmlns:p="http://schemas.openxmlformats.org/presentationml/2006/main" xmlns:c="http://schemas.openxmlformats.org/drawingml/2006/chart" xmlns:dgm="http://schemas.openxmlformats.org/drawingml/2006/diagram" xmlns:o="urn:schemas-microsoft-com:office:office" xmlns:v="urn:schemas-microsoft-com:vml" xmlns:pvml="urn:schemas-microsoft-com:office:powerpoint" xmlns:com="http://schemas.openxmlformats.org/drawingml/2006/compatibility" xmlns:p14="http://schemas.microsoft.com/office/powerpoint/2010/main" xmlns:p15="http://schemas.microsoft.com/office/powerpoint/2012/main" xmlns:ahyp="http://schemas.microsoft.com/office/drawing/2018/hyperlinkcolor" showMasterPhAnim="0" showMasterSp="0">
   <p:cSld>
     <p:spTree>
       <p:nvGrpSpPr>
@@ -4069,7 +4069,7 @@
 </file>
 
 <file path=ppt/notesSlides/notesSlide32.xml><?xml version="1.0" encoding="utf-8"?>
-<p:notes xmlns:a="http://schemas.openxmlformats.org/drawingml/2006/main" xmlns:r="http://schemas.openxmlformats.org/officeDocument/2006/relationships" xmlns:mc="http://schemas.openxmlformats.org/markup-compatibility/2006" xmlns:mv="urn:schemas-microsoft-com:mac:vml" xmlns:p="http://schemas.openxmlformats.org/presentationml/2006/main" xmlns:c="http://schemas.openxmlformats.org/drawingml/2006/chart" xmlns:dgm="http://schemas.openxmlformats.org/drawingml/2006/diagram" xmlns:o="urn:schemas-microsoft-com:office:office" xmlns:v="urn:schemas-microsoft-com:vml" xmlns:pvml="urn:schemas-microsoft-com:office:powerpoint" xmlns:com="http://schemas.openxmlformats.org/drawingml/2006/compatibility" xmlns:p14="http://schemas.microsoft.com/office/powerpoint/2010/main" xmlns:p15="http://schemas.microsoft.com/office/powerpoint/2012/main" showMasterPhAnim="0" showMasterSp="0">
+<p:notes xmlns:a="http://schemas.openxmlformats.org/drawingml/2006/main" xmlns:r="http://schemas.openxmlformats.org/officeDocument/2006/relationships" xmlns:mc="http://schemas.openxmlformats.org/markup-compatibility/2006" xmlns:mv="urn:schemas-microsoft-com:mac:vml" xmlns:p="http://schemas.openxmlformats.org/presentationml/2006/main" xmlns:c="http://schemas.openxmlformats.org/drawingml/2006/chart" xmlns:dgm="http://schemas.openxmlformats.org/drawingml/2006/diagram" xmlns:o="urn:schemas-microsoft-com:office:office" xmlns:v="urn:schemas-microsoft-com:vml" xmlns:pvml="urn:schemas-microsoft-com:office:powerpoint" xmlns:com="http://schemas.openxmlformats.org/drawingml/2006/compatibility" xmlns:p14="http://schemas.microsoft.com/office/powerpoint/2010/main" xmlns:p15="http://schemas.microsoft.com/office/powerpoint/2012/main" xmlns:ahyp="http://schemas.microsoft.com/office/drawing/2018/hyperlinkcolor" showMasterPhAnim="0" showMasterSp="0">
   <p:cSld>
     <p:spTree>
       <p:nvGrpSpPr>
@@ -4168,7 +4168,7 @@
 </file>
 
 <file path=ppt/notesSlides/notesSlide33.xml><?xml version="1.0" encoding="utf-8"?>
-<p:notes xmlns:a="http://schemas.openxmlformats.org/drawingml/2006/main" xmlns:r="http://schemas.openxmlformats.org/officeDocument/2006/relationships" xmlns:mc="http://schemas.openxmlformats.org/markup-compatibility/2006" xmlns:mv="urn:schemas-microsoft-com:mac:vml" xmlns:p="http://schemas.openxmlformats.org/presentationml/2006/main" xmlns:c="http://schemas.openxmlformats.org/drawingml/2006/chart" xmlns:dgm="http://schemas.openxmlformats.org/drawingml/2006/diagram" xmlns:o="urn:schemas-microsoft-com:office:office" xmlns:v="urn:schemas-microsoft-com:vml" xmlns:pvml="urn:schemas-microsoft-com:office:powerpoint" xmlns:com="http://schemas.openxmlformats.org/drawingml/2006/compatibility" xmlns:p14="http://schemas.microsoft.com/office/powerpoint/2010/main" xmlns:p15="http://schemas.microsoft.com/office/powerpoint/2012/main" showMasterPhAnim="0" showMasterSp="0">
+<p:notes xmlns:a="http://schemas.openxmlformats.org/drawingml/2006/main" xmlns:r="http://schemas.openxmlformats.org/officeDocument/2006/relationships" xmlns:mc="http://schemas.openxmlformats.org/markup-compatibility/2006" xmlns:mv="urn:schemas-microsoft-com:mac:vml" xmlns:p="http://schemas.openxmlformats.org/presentationml/2006/main" xmlns:c="http://schemas.openxmlformats.org/drawingml/2006/chart" xmlns:dgm="http://schemas.openxmlformats.org/drawingml/2006/diagram" xmlns:o="urn:schemas-microsoft-com:office:office" xmlns:v="urn:schemas-microsoft-com:vml" xmlns:pvml="urn:schemas-microsoft-com:office:powerpoint" xmlns:com="http://schemas.openxmlformats.org/drawingml/2006/compatibility" xmlns:p14="http://schemas.microsoft.com/office/powerpoint/2010/main" xmlns:p15="http://schemas.microsoft.com/office/powerpoint/2012/main" xmlns:ahyp="http://schemas.microsoft.com/office/drawing/2018/hyperlinkcolor" showMasterPhAnim="0" showMasterSp="0">
   <p:cSld>
     <p:spTree>
       <p:nvGrpSpPr>
@@ -4267,7 +4267,7 @@
 </file>
 
 <file path=ppt/notesSlides/notesSlide34.xml><?xml version="1.0" encoding="utf-8"?>
-<p:notes xmlns:a="http://schemas.openxmlformats.org/drawingml/2006/main" xmlns:r="http://schemas.openxmlformats.org/officeDocument/2006/relationships" xmlns:mc="http://schemas.openxmlformats.org/markup-compatibility/2006" xmlns:mv="urn:schemas-microsoft-com:mac:vml" xmlns:p="http://schemas.openxmlformats.org/presentationml/2006/main" xmlns:c="http://schemas.openxmlformats.org/drawingml/2006/chart" xmlns:dgm="http://schemas.openxmlformats.org/drawingml/2006/diagram" xmlns:o="urn:schemas-microsoft-com:office:office" xmlns:v="urn:schemas-microsoft-com:vml" xmlns:pvml="urn:schemas-microsoft-com:office:powerpoint" xmlns:com="http://schemas.openxmlformats.org/drawingml/2006/compatibility" xmlns:p14="http://schemas.microsoft.com/office/powerpoint/2010/main" xmlns:p15="http://schemas.microsoft.com/office/powerpoint/2012/main" showMasterPhAnim="0" showMasterSp="0">
+<p:notes xmlns:a="http://schemas.openxmlformats.org/drawingml/2006/main" xmlns:r="http://schemas.openxmlformats.org/officeDocument/2006/relationships" xmlns:mc="http://schemas.openxmlformats.org/markup-compatibility/2006" xmlns:mv="urn:schemas-microsoft-com:mac:vml" xmlns:p="http://schemas.openxmlformats.org/presentationml/2006/main" xmlns:c="http://schemas.openxmlformats.org/drawingml/2006/chart" xmlns:dgm="http://schemas.openxmlformats.org/drawingml/2006/diagram" xmlns:o="urn:schemas-microsoft-com:office:office" xmlns:v="urn:schemas-microsoft-com:vml" xmlns:pvml="urn:schemas-microsoft-com:office:powerpoint" xmlns:com="http://schemas.openxmlformats.org/drawingml/2006/compatibility" xmlns:p14="http://schemas.microsoft.com/office/powerpoint/2010/main" xmlns:p15="http://schemas.microsoft.com/office/powerpoint/2012/main" xmlns:ahyp="http://schemas.microsoft.com/office/drawing/2018/hyperlinkcolor" showMasterPhAnim="0" showMasterSp="0">
   <p:cSld>
     <p:spTree>
       <p:nvGrpSpPr>
@@ -4366,7 +4366,7 @@
 </file>
 
 <file path=ppt/notesSlides/notesSlide35.xml><?xml version="1.0" encoding="utf-8"?>
-<p:notes xmlns:a="http://schemas.openxmlformats.org/drawingml/2006/main" xmlns:r="http://schemas.openxmlformats.org/officeDocument/2006/relationships" xmlns:mc="http://schemas.openxmlformats.org/markup-compatibility/2006" xmlns:mv="urn:schemas-microsoft-com:mac:vml" xmlns:p="http://schemas.openxmlformats.org/presentationml/2006/main" xmlns:c="http://schemas.openxmlformats.org/drawingml/2006/chart" xmlns:dgm="http://schemas.openxmlformats.org/drawingml/2006/diagram" xmlns:o="urn:schemas-microsoft-com:office:office" xmlns:v="urn:schemas-microsoft-com:vml" xmlns:pvml="urn:schemas-microsoft-com:office:powerpoint" xmlns:com="http://schemas.openxmlformats.org/drawingml/2006/compatibility" xmlns:p14="http://schemas.microsoft.com/office/powerpoint/2010/main" xmlns:p15="http://schemas.microsoft.com/office/powerpoint/2012/main" showMasterPhAnim="0" showMasterSp="0">
+<p:notes xmlns:a="http://schemas.openxmlformats.org/drawingml/2006/main" xmlns:r="http://schemas.openxmlformats.org/officeDocument/2006/relationships" xmlns:mc="http://schemas.openxmlformats.org/markup-compatibility/2006" xmlns:mv="urn:schemas-microsoft-com:mac:vml" xmlns:p="http://schemas.openxmlformats.org/presentationml/2006/main" xmlns:c="http://schemas.openxmlformats.org/drawingml/2006/chart" xmlns:dgm="http://schemas.openxmlformats.org/drawingml/2006/diagram" xmlns:o="urn:schemas-microsoft-com:office:office" xmlns:v="urn:schemas-microsoft-com:vml" xmlns:pvml="urn:schemas-microsoft-com:office:powerpoint" xmlns:com="http://schemas.openxmlformats.org/drawingml/2006/compatibility" xmlns:p14="http://schemas.microsoft.com/office/powerpoint/2010/main" xmlns:p15="http://schemas.microsoft.com/office/powerpoint/2012/main" xmlns:ahyp="http://schemas.microsoft.com/office/drawing/2018/hyperlinkcolor" showMasterPhAnim="0" showMasterSp="0">
   <p:cSld>
     <p:spTree>
       <p:nvGrpSpPr>
@@ -4465,7 +4465,7 @@
 </file>
 
 <file path=ppt/notesSlides/notesSlide36.xml><?xml version="1.0" encoding="utf-8"?>
-<p:notes xmlns:a="http://schemas.openxmlformats.org/drawingml/2006/main" xmlns:r="http://schemas.openxmlformats.org/officeDocument/2006/relationships" xmlns:mc="http://schemas.openxmlformats.org/markup-compatibility/2006" xmlns:mv="urn:schemas-microsoft-com:mac:vml" xmlns:p="http://schemas.openxmlformats.org/presentationml/2006/main" xmlns:c="http://schemas.openxmlformats.org/drawingml/2006/chart" xmlns:dgm="http://schemas.openxmlformats.org/drawingml/2006/diagram" xmlns:o="urn:schemas-microsoft-com:office:office" xmlns:v="urn:schemas-microsoft-com:vml" xmlns:pvml="urn:schemas-microsoft-com:office:powerpoint" xmlns:com="http://schemas.openxmlformats.org/drawingml/2006/compatibility" xmlns:p14="http://schemas.microsoft.com/office/powerpoint/2010/main" xmlns:p15="http://schemas.microsoft.com/office/powerpoint/2012/main" showMasterPhAnim="0" showMasterSp="0">
+<p:notes xmlns:a="http://schemas.openxmlformats.org/drawingml/2006/main" xmlns:r="http://schemas.openxmlformats.org/officeDocument/2006/relationships" xmlns:mc="http://schemas.openxmlformats.org/markup-compatibility/2006" xmlns:mv="urn:schemas-microsoft-com:mac:vml" xmlns:p="http://schemas.openxmlformats.org/presentationml/2006/main" xmlns:c="http://schemas.openxmlformats.org/drawingml/2006/chart" xmlns:dgm="http://schemas.openxmlformats.org/drawingml/2006/diagram" xmlns:o="urn:schemas-microsoft-com:office:office" xmlns:v="urn:schemas-microsoft-com:vml" xmlns:pvml="urn:schemas-microsoft-com:office:powerpoint" xmlns:com="http://schemas.openxmlformats.org/drawingml/2006/compatibility" xmlns:p14="http://schemas.microsoft.com/office/powerpoint/2010/main" xmlns:p15="http://schemas.microsoft.com/office/powerpoint/2012/main" xmlns:ahyp="http://schemas.microsoft.com/office/drawing/2018/hyperlinkcolor" showMasterPhAnim="0" showMasterSp="0">
   <p:cSld>
     <p:spTree>
       <p:nvGrpSpPr>
@@ -4564,7 +4564,7 @@
 </file>
 
 <file path=ppt/notesSlides/notesSlide37.xml><?xml version="1.0" encoding="utf-8"?>
-<p:notes xmlns:a="http://schemas.openxmlformats.org/drawingml/2006/main" xmlns:r="http://schemas.openxmlformats.org/officeDocument/2006/relationships" xmlns:mc="http://schemas.openxmlformats.org/markup-compatibility/2006" xmlns:mv="urn:schemas-microsoft-com:mac:vml" xmlns:p="http://schemas.openxmlformats.org/presentationml/2006/main" xmlns:c="http://schemas.openxmlformats.org/drawingml/2006/chart" xmlns:dgm="http://schemas.openxmlformats.org/drawingml/2006/diagram" xmlns:o="urn:schemas-microsoft-com:office:office" xmlns:v="urn:schemas-microsoft-com:vml" xmlns:pvml="urn:schemas-microsoft-com:office:powerpoint" xmlns:com="http://schemas.openxmlformats.org/drawingml/2006/compatibility" xmlns:p14="http://schemas.microsoft.com/office/powerpoint/2010/main" xmlns:p15="http://schemas.microsoft.com/office/powerpoint/2012/main" showMasterPhAnim="0" showMasterSp="0">
+<p:notes xmlns:a="http://schemas.openxmlformats.org/drawingml/2006/main" xmlns:r="http://schemas.openxmlformats.org/officeDocument/2006/relationships" xmlns:mc="http://schemas.openxmlformats.org/markup-compatibility/2006" xmlns:mv="urn:schemas-microsoft-com:mac:vml" xmlns:p="http://schemas.openxmlformats.org/presentationml/2006/main" xmlns:c="http://schemas.openxmlformats.org/drawingml/2006/chart" xmlns:dgm="http://schemas.openxmlformats.org/drawingml/2006/diagram" xmlns:o="urn:schemas-microsoft-com:office:office" xmlns:v="urn:schemas-microsoft-com:vml" xmlns:pvml="urn:schemas-microsoft-com:office:powerpoint" xmlns:com="http://schemas.openxmlformats.org/drawingml/2006/compatibility" xmlns:p14="http://schemas.microsoft.com/office/powerpoint/2010/main" xmlns:p15="http://schemas.microsoft.com/office/powerpoint/2012/main" xmlns:ahyp="http://schemas.microsoft.com/office/drawing/2018/hyperlinkcolor" showMasterPhAnim="0" showMasterSp="0">
   <p:cSld>
     <p:spTree>
       <p:nvGrpSpPr>
@@ -4663,7 +4663,7 @@
 </file>
 
 <file path=ppt/notesSlides/notesSlide38.xml><?xml version="1.0" encoding="utf-8"?>
-<p:notes xmlns:a="http://schemas.openxmlformats.org/drawingml/2006/main" xmlns:r="http://schemas.openxmlformats.org/officeDocument/2006/relationships" xmlns:mc="http://schemas.openxmlformats.org/markup-compatibility/2006" xmlns:mv="urn:schemas-microsoft-com:mac:vml" xmlns:p="http://schemas.openxmlformats.org/presentationml/2006/main" xmlns:c="http://schemas.openxmlformats.org/drawingml/2006/chart" xmlns:dgm="http://schemas.openxmlformats.org/drawingml/2006/diagram" xmlns:o="urn:schemas-microsoft-com:office:office" xmlns:v="urn:schemas-microsoft-com:vml" xmlns:pvml="urn:schemas-microsoft-com:office:powerpoint" xmlns:com="http://schemas.openxmlformats.org/drawingml/2006/compatibility" xmlns:p14="http://schemas.microsoft.com/office/powerpoint/2010/main" xmlns:p15="http://schemas.microsoft.com/office/powerpoint/2012/main" showMasterPhAnim="0" showMasterSp="0">
+<p:notes xmlns:a="http://schemas.openxmlformats.org/drawingml/2006/main" xmlns:r="http://schemas.openxmlformats.org/officeDocument/2006/relationships" xmlns:mc="http://schemas.openxmlformats.org/markup-compatibility/2006" xmlns:mv="urn:schemas-microsoft-com:mac:vml" xmlns:p="http://schemas.openxmlformats.org/presentationml/2006/main" xmlns:c="http://schemas.openxmlformats.org/drawingml/2006/chart" xmlns:dgm="http://schemas.openxmlformats.org/drawingml/2006/diagram" xmlns:o="urn:schemas-microsoft-com:office:office" xmlns:v="urn:schemas-microsoft-com:vml" xmlns:pvml="urn:schemas-microsoft-com:office:powerpoint" xmlns:com="http://schemas.openxmlformats.org/drawingml/2006/compatibility" xmlns:p14="http://schemas.microsoft.com/office/powerpoint/2010/main" xmlns:p15="http://schemas.microsoft.com/office/powerpoint/2012/main" xmlns:ahyp="http://schemas.microsoft.com/office/drawing/2018/hyperlinkcolor" showMasterPhAnim="0" showMasterSp="0">
   <p:cSld>
     <p:spTree>
       <p:nvGrpSpPr>
@@ -4762,7 +4762,7 @@
 </file>
 
 <file path=ppt/notesSlides/notesSlide39.xml><?xml version="1.0" encoding="utf-8"?>
-<p:notes xmlns:a="http://schemas.openxmlformats.org/drawingml/2006/main" xmlns:r="http://schemas.openxmlformats.org/officeDocument/2006/relationships" xmlns:mc="http://schemas.openxmlformats.org/markup-compatibility/2006" xmlns:mv="urn:schemas-microsoft-com:mac:vml" xmlns:p="http://schemas.openxmlformats.org/presentationml/2006/main" xmlns:c="http://schemas.openxmlformats.org/drawingml/2006/chart" xmlns:dgm="http://schemas.openxmlformats.org/drawingml/2006/diagram" xmlns:o="urn:schemas-microsoft-com:office:office" xmlns:v="urn:schemas-microsoft-com:vml" xmlns:pvml="urn:schemas-microsoft-com:office:powerpoint" xmlns:com="http://schemas.openxmlformats.org/drawingml/2006/compatibility" xmlns:p14="http://schemas.microsoft.com/office/powerpoint/2010/main" xmlns:p15="http://schemas.microsoft.com/office/powerpoint/2012/main" showMasterPhAnim="0" showMasterSp="0">
+<p:notes xmlns:a="http://schemas.openxmlformats.org/drawingml/2006/main" xmlns:r="http://schemas.openxmlformats.org/officeDocument/2006/relationships" xmlns:mc="http://schemas.openxmlformats.org/markup-compatibility/2006" xmlns:mv="urn:schemas-microsoft-com:mac:vml" xmlns:p="http://schemas.openxmlformats.org/presentationml/2006/main" xmlns:c="http://schemas.openxmlformats.org/drawingml/2006/chart" xmlns:dgm="http://schemas.openxmlformats.org/drawingml/2006/diagram" xmlns:o="urn:schemas-microsoft-com:office:office" xmlns:v="urn:schemas-microsoft-com:vml" xmlns:pvml="urn:schemas-microsoft-com:office:powerpoint" xmlns:com="http://schemas.openxmlformats.org/drawingml/2006/compatibility" xmlns:p14="http://schemas.microsoft.com/office/powerpoint/2010/main" xmlns:p15="http://schemas.microsoft.com/office/powerpoint/2012/main" xmlns:ahyp="http://schemas.microsoft.com/office/drawing/2018/hyperlinkcolor" showMasterPhAnim="0" showMasterSp="0">
   <p:cSld>
     <p:spTree>
       <p:nvGrpSpPr>
@@ -4861,7 +4861,7 @@
 </file>
 
 <file path=ppt/notesSlides/notesSlide4.xml><?xml version="1.0" encoding="utf-8"?>
-<p:notes xmlns:a="http://schemas.openxmlformats.org/drawingml/2006/main" xmlns:r="http://schemas.openxmlformats.org/officeDocument/2006/relationships" xmlns:mc="http://schemas.openxmlformats.org/markup-compatibility/2006" xmlns:mv="urn:schemas-microsoft-com:mac:vml" xmlns:p="http://schemas.openxmlformats.org/presentationml/2006/main" xmlns:c="http://schemas.openxmlformats.org/drawingml/2006/chart" xmlns:dgm="http://schemas.openxmlformats.org/drawingml/2006/diagram" xmlns:o="urn:schemas-microsoft-com:office:office" xmlns:v="urn:schemas-microsoft-com:vml" xmlns:pvml="urn:schemas-microsoft-com:office:powerpoint" xmlns:com="http://schemas.openxmlformats.org/drawingml/2006/compatibility" xmlns:p14="http://schemas.microsoft.com/office/powerpoint/2010/main" xmlns:p15="http://schemas.microsoft.com/office/powerpoint/2012/main" showMasterPhAnim="0" showMasterSp="0">
+<p:notes xmlns:a="http://schemas.openxmlformats.org/drawingml/2006/main" xmlns:r="http://schemas.openxmlformats.org/officeDocument/2006/relationships" xmlns:mc="http://schemas.openxmlformats.org/markup-compatibility/2006" xmlns:mv="urn:schemas-microsoft-com:mac:vml" xmlns:p="http://schemas.openxmlformats.org/presentationml/2006/main" xmlns:c="http://schemas.openxmlformats.org/drawingml/2006/chart" xmlns:dgm="http://schemas.openxmlformats.org/drawingml/2006/diagram" xmlns:o="urn:schemas-microsoft-com:office:office" xmlns:v="urn:schemas-microsoft-com:vml" xmlns:pvml="urn:schemas-microsoft-com:office:powerpoint" xmlns:com="http://schemas.openxmlformats.org/drawingml/2006/compatibility" xmlns:p14="http://schemas.microsoft.com/office/powerpoint/2010/main" xmlns:p15="http://schemas.microsoft.com/office/powerpoint/2012/main" xmlns:ahyp="http://schemas.microsoft.com/office/drawing/2018/hyperlinkcolor" showMasterPhAnim="0" showMasterSp="0">
   <p:cSld>
     <p:spTree>
       <p:nvGrpSpPr>
@@ -4960,7 +4960,7 @@
 </file>
 
 <file path=ppt/notesSlides/notesSlide40.xml><?xml version="1.0" encoding="utf-8"?>
-<p:notes xmlns:a="http://schemas.openxmlformats.org/drawingml/2006/main" xmlns:r="http://schemas.openxmlformats.org/officeDocument/2006/relationships" xmlns:mc="http://schemas.openxmlformats.org/markup-compatibility/2006" xmlns:mv="urn:schemas-microsoft-com:mac:vml" xmlns:p="http://schemas.openxmlformats.org/presentationml/2006/main" xmlns:c="http://schemas.openxmlformats.org/drawingml/2006/chart" xmlns:dgm="http://schemas.openxmlformats.org/drawingml/2006/diagram" xmlns:o="urn:schemas-microsoft-com:office:office" xmlns:v="urn:schemas-microsoft-com:vml" xmlns:pvml="urn:schemas-microsoft-com:office:powerpoint" xmlns:com="http://schemas.openxmlformats.org/drawingml/2006/compatibility" xmlns:p14="http://schemas.microsoft.com/office/powerpoint/2010/main" xmlns:p15="http://schemas.microsoft.com/office/powerpoint/2012/main" showMasterPhAnim="0" showMasterSp="0">
+<p:notes xmlns:a="http://schemas.openxmlformats.org/drawingml/2006/main" xmlns:r="http://schemas.openxmlformats.org/officeDocument/2006/relationships" xmlns:mc="http://schemas.openxmlformats.org/markup-compatibility/2006" xmlns:mv="urn:schemas-microsoft-com:mac:vml" xmlns:p="http://schemas.openxmlformats.org/presentationml/2006/main" xmlns:c="http://schemas.openxmlformats.org/drawingml/2006/chart" xmlns:dgm="http://schemas.openxmlformats.org/drawingml/2006/diagram" xmlns:o="urn:schemas-microsoft-com:office:office" xmlns:v="urn:schemas-microsoft-com:vml" xmlns:pvml="urn:schemas-microsoft-com:office:powerpoint" xmlns:com="http://schemas.openxmlformats.org/drawingml/2006/compatibility" xmlns:p14="http://schemas.microsoft.com/office/powerpoint/2010/main" xmlns:p15="http://schemas.microsoft.com/office/powerpoint/2012/main" xmlns:ahyp="http://schemas.microsoft.com/office/drawing/2018/hyperlinkcolor" showMasterPhAnim="0" showMasterSp="0">
   <p:cSld>
     <p:spTree>
       <p:nvGrpSpPr>
@@ -5059,7 +5059,7 @@
 </file>
 
 <file path=ppt/notesSlides/notesSlide41.xml><?xml version="1.0" encoding="utf-8"?>
-<p:notes xmlns:a="http://schemas.openxmlformats.org/drawingml/2006/main" xmlns:r="http://schemas.openxmlformats.org/officeDocument/2006/relationships" xmlns:mc="http://schemas.openxmlformats.org/markup-compatibility/2006" xmlns:mv="urn:schemas-microsoft-com:mac:vml" xmlns:p="http://schemas.openxmlformats.org/presentationml/2006/main" xmlns:c="http://schemas.openxmlformats.org/drawingml/2006/chart" xmlns:dgm="http://schemas.openxmlformats.org/drawingml/2006/diagram" xmlns:o="urn:schemas-microsoft-com:office:office" xmlns:v="urn:schemas-microsoft-com:vml" xmlns:pvml="urn:schemas-microsoft-com:office:powerpoint" xmlns:com="http://schemas.openxmlformats.org/drawingml/2006/compatibility" xmlns:p14="http://schemas.microsoft.com/office/powerpoint/2010/main" xmlns:p15="http://schemas.microsoft.com/office/powerpoint/2012/main" showMasterPhAnim="0" showMasterSp="0">
+<p:notes xmlns:a="http://schemas.openxmlformats.org/drawingml/2006/main" xmlns:r="http://schemas.openxmlformats.org/officeDocument/2006/relationships" xmlns:mc="http://schemas.openxmlformats.org/markup-compatibility/2006" xmlns:mv="urn:schemas-microsoft-com:mac:vml" xmlns:p="http://schemas.openxmlformats.org/presentationml/2006/main" xmlns:c="http://schemas.openxmlformats.org/drawingml/2006/chart" xmlns:dgm="http://schemas.openxmlformats.org/drawingml/2006/diagram" xmlns:o="urn:schemas-microsoft-com:office:office" xmlns:v="urn:schemas-microsoft-com:vml" xmlns:pvml="urn:schemas-microsoft-com:office:powerpoint" xmlns:com="http://schemas.openxmlformats.org/drawingml/2006/compatibility" xmlns:p14="http://schemas.microsoft.com/office/powerpoint/2010/main" xmlns:p15="http://schemas.microsoft.com/office/powerpoint/2012/main" xmlns:ahyp="http://schemas.microsoft.com/office/drawing/2018/hyperlinkcolor" showMasterPhAnim="0" showMasterSp="0">
   <p:cSld>
     <p:spTree>
       <p:nvGrpSpPr>
@@ -5158,7 +5158,7 @@
 </file>
 
 <file path=ppt/notesSlides/notesSlide42.xml><?xml version="1.0" encoding="utf-8"?>
-<p:notes xmlns:a="http://schemas.openxmlformats.org/drawingml/2006/main" xmlns:r="http://schemas.openxmlformats.org/officeDocument/2006/relationships" xmlns:mc="http://schemas.openxmlformats.org/markup-compatibility/2006" xmlns:mv="urn:schemas-microsoft-com:mac:vml" xmlns:p="http://schemas.openxmlformats.org/presentationml/2006/main" xmlns:c="http://schemas.openxmlformats.org/drawingml/2006/chart" xmlns:dgm="http://schemas.openxmlformats.org/drawingml/2006/diagram" xmlns:o="urn:schemas-microsoft-com:office:office" xmlns:v="urn:schemas-microsoft-com:vml" xmlns:pvml="urn:schemas-microsoft-com:office:powerpoint" xmlns:com="http://schemas.openxmlformats.org/drawingml/2006/compatibility" xmlns:p14="http://schemas.microsoft.com/office/powerpoint/2010/main" xmlns:p15="http://schemas.microsoft.com/office/powerpoint/2012/main" showMasterPhAnim="0" showMasterSp="0">
+<p:notes xmlns:a="http://schemas.openxmlformats.org/drawingml/2006/main" xmlns:r="http://schemas.openxmlformats.org/officeDocument/2006/relationships" xmlns:mc="http://schemas.openxmlformats.org/markup-compatibility/2006" xmlns:mv="urn:schemas-microsoft-com:mac:vml" xmlns:p="http://schemas.openxmlformats.org/presentationml/2006/main" xmlns:c="http://schemas.openxmlformats.org/drawingml/2006/chart" xmlns:dgm="http://schemas.openxmlformats.org/drawingml/2006/diagram" xmlns:o="urn:schemas-microsoft-com:office:office" xmlns:v="urn:schemas-microsoft-com:vml" xmlns:pvml="urn:schemas-microsoft-com:office:powerpoint" xmlns:com="http://schemas.openxmlformats.org/drawingml/2006/compatibility" xmlns:p14="http://schemas.microsoft.com/office/powerpoint/2010/main" xmlns:p15="http://schemas.microsoft.com/office/powerpoint/2012/main" xmlns:ahyp="http://schemas.microsoft.com/office/drawing/2018/hyperlinkcolor" showMasterPhAnim="0" showMasterSp="0">
   <p:cSld>
     <p:spTree>
       <p:nvGrpSpPr>
@@ -5257,7 +5257,7 @@
 </file>
 
 <file path=ppt/notesSlides/notesSlide43.xml><?xml version="1.0" encoding="utf-8"?>
-<p:notes xmlns:a="http://schemas.openxmlformats.org/drawingml/2006/main" xmlns:r="http://schemas.openxmlformats.org/officeDocument/2006/relationships" xmlns:mc="http://schemas.openxmlformats.org/markup-compatibility/2006" xmlns:mv="urn:schemas-microsoft-com:mac:vml" xmlns:p="http://schemas.openxmlformats.org/presentationml/2006/main" xmlns:c="http://schemas.openxmlformats.org/drawingml/2006/chart" xmlns:dgm="http://schemas.openxmlformats.org/drawingml/2006/diagram" xmlns:o="urn:schemas-microsoft-com:office:office" xmlns:v="urn:schemas-microsoft-com:vml" xmlns:pvml="urn:schemas-microsoft-com:office:powerpoint" xmlns:com="http://schemas.openxmlformats.org/drawingml/2006/compatibility" xmlns:p14="http://schemas.microsoft.com/office/powerpoint/2010/main" xmlns:p15="http://schemas.microsoft.com/office/powerpoint/2012/main" showMasterPhAnim="0" showMasterSp="0">
+<p:notes xmlns:a="http://schemas.openxmlformats.org/drawingml/2006/main" xmlns:r="http://schemas.openxmlformats.org/officeDocument/2006/relationships" xmlns:mc="http://schemas.openxmlformats.org/markup-compatibility/2006" xmlns:mv="urn:schemas-microsoft-com:mac:vml" xmlns:p="http://schemas.openxmlformats.org/presentationml/2006/main" xmlns:c="http://schemas.openxmlformats.org/drawingml/2006/chart" xmlns:dgm="http://schemas.openxmlformats.org/drawingml/2006/diagram" xmlns:o="urn:schemas-microsoft-com:office:office" xmlns:v="urn:schemas-microsoft-com:vml" xmlns:pvml="urn:schemas-microsoft-com:office:powerpoint" xmlns:com="http://schemas.openxmlformats.org/drawingml/2006/compatibility" xmlns:p14="http://schemas.microsoft.com/office/powerpoint/2010/main" xmlns:p15="http://schemas.microsoft.com/office/powerpoint/2012/main" xmlns:ahyp="http://schemas.microsoft.com/office/drawing/2018/hyperlinkcolor" showMasterPhAnim="0" showMasterSp="0">
   <p:cSld>
     <p:spTree>
       <p:nvGrpSpPr>
@@ -5356,7 +5356,7 @@
 </file>
 
 <file path=ppt/notesSlides/notesSlide44.xml><?xml version="1.0" encoding="utf-8"?>
-<p:notes xmlns:a="http://schemas.openxmlformats.org/drawingml/2006/main" xmlns:r="http://schemas.openxmlformats.org/officeDocument/2006/relationships" xmlns:mc="http://schemas.openxmlformats.org/markup-compatibility/2006" xmlns:mv="urn:schemas-microsoft-com:mac:vml" xmlns:p="http://schemas.openxmlformats.org/presentationml/2006/main" xmlns:c="http://schemas.openxmlformats.org/drawingml/2006/chart" xmlns:dgm="http://schemas.openxmlformats.org/drawingml/2006/diagram" xmlns:o="urn:schemas-microsoft-com:office:office" xmlns:v="urn:schemas-microsoft-com:vml" xmlns:pvml="urn:schemas-microsoft-com:office:powerpoint" xmlns:com="http://schemas.openxmlformats.org/drawingml/2006/compatibility" xmlns:p14="http://schemas.microsoft.com/office/powerpoint/2010/main" xmlns:p15="http://schemas.microsoft.com/office/powerpoint/2012/main" showMasterPhAnim="0" showMasterSp="0">
+<p:notes xmlns:a="http://schemas.openxmlformats.org/drawingml/2006/main" xmlns:r="http://schemas.openxmlformats.org/officeDocument/2006/relationships" xmlns:mc="http://schemas.openxmlformats.org/markup-compatibility/2006" xmlns:mv="urn:schemas-microsoft-com:mac:vml" xmlns:p="http://schemas.openxmlformats.org/presentationml/2006/main" xmlns:c="http://schemas.openxmlformats.org/drawingml/2006/chart" xmlns:dgm="http://schemas.openxmlformats.org/drawingml/2006/diagram" xmlns:o="urn:schemas-microsoft-com:office:office" xmlns:v="urn:schemas-microsoft-com:vml" xmlns:pvml="urn:schemas-microsoft-com:office:powerpoint" xmlns:com="http://schemas.openxmlformats.org/drawingml/2006/compatibility" xmlns:p14="http://schemas.microsoft.com/office/powerpoint/2010/main" xmlns:p15="http://schemas.microsoft.com/office/powerpoint/2012/main" xmlns:ahyp="http://schemas.microsoft.com/office/drawing/2018/hyperlinkcolor" showMasterPhAnim="0" showMasterSp="0">
   <p:cSld>
     <p:spTree>
       <p:nvGrpSpPr>
@@ -5455,7 +5455,7 @@
 </file>
 
 <file path=ppt/notesSlides/notesSlide45.xml><?xml version="1.0" encoding="utf-8"?>
-<p:notes xmlns:a="http://schemas.openxmlformats.org/drawingml/2006/main" xmlns:r="http://schemas.openxmlformats.org/officeDocument/2006/relationships" xmlns:mc="http://schemas.openxmlformats.org/markup-compatibility/2006" xmlns:mv="urn:schemas-microsoft-com:mac:vml" xmlns:p="http://schemas.openxmlformats.org/presentationml/2006/main" xmlns:c="http://schemas.openxmlformats.org/drawingml/2006/chart" xmlns:dgm="http://schemas.openxmlformats.org/drawingml/2006/diagram" xmlns:o="urn:schemas-microsoft-com:office:office" xmlns:v="urn:schemas-microsoft-com:vml" xmlns:pvml="urn:schemas-microsoft-com:office:powerpoint" xmlns:com="http://schemas.openxmlformats.org/drawingml/2006/compatibility" xmlns:p14="http://schemas.microsoft.com/office/powerpoint/2010/main" xmlns:p15="http://schemas.microsoft.com/office/powerpoint/2012/main" showMasterPhAnim="0" showMasterSp="0">
+<p:notes xmlns:a="http://schemas.openxmlformats.org/drawingml/2006/main" xmlns:r="http://schemas.openxmlformats.org/officeDocument/2006/relationships" xmlns:mc="http://schemas.openxmlformats.org/markup-compatibility/2006" xmlns:mv="urn:schemas-microsoft-com:mac:vml" xmlns:p="http://schemas.openxmlformats.org/presentationml/2006/main" xmlns:c="http://schemas.openxmlformats.org/drawingml/2006/chart" xmlns:dgm="http://schemas.openxmlformats.org/drawingml/2006/diagram" xmlns:o="urn:schemas-microsoft-com:office:office" xmlns:v="urn:schemas-microsoft-com:vml" xmlns:pvml="urn:schemas-microsoft-com:office:powerpoint" xmlns:com="http://schemas.openxmlformats.org/drawingml/2006/compatibility" xmlns:p14="http://schemas.microsoft.com/office/powerpoint/2010/main" xmlns:p15="http://schemas.microsoft.com/office/powerpoint/2012/main" xmlns:ahyp="http://schemas.microsoft.com/office/drawing/2018/hyperlinkcolor" showMasterPhAnim="0" showMasterSp="0">
   <p:cSld>
     <p:spTree>
       <p:nvGrpSpPr>
@@ -5554,7 +5554,7 @@
 </file>
 
 <file path=ppt/notesSlides/notesSlide46.xml><?xml version="1.0" encoding="utf-8"?>
-<p:notes xmlns:a="http://schemas.openxmlformats.org/drawingml/2006/main" xmlns:r="http://schemas.openxmlformats.org/officeDocument/2006/relationships" xmlns:mc="http://schemas.openxmlformats.org/markup-compatibility/2006" xmlns:mv="urn:schemas-microsoft-com:mac:vml" xmlns:p="http://schemas.openxmlformats.org/presentationml/2006/main" xmlns:c="http://schemas.openxmlformats.org/drawingml/2006/chart" xmlns:dgm="http://schemas.openxmlformats.org/drawingml/2006/diagram" xmlns:o="urn:schemas-microsoft-com:office:office" xmlns:v="urn:schemas-microsoft-com:vml" xmlns:pvml="urn:schemas-microsoft-com:office:powerpoint" xmlns:com="http://schemas.openxmlformats.org/drawingml/2006/compatibility" xmlns:p14="http://schemas.microsoft.com/office/powerpoint/2010/main" xmlns:p15="http://schemas.microsoft.com/office/powerpoint/2012/main" showMasterPhAnim="0" showMasterSp="0">
+<p:notes xmlns:a="http://schemas.openxmlformats.org/drawingml/2006/main" xmlns:r="http://schemas.openxmlformats.org/officeDocument/2006/relationships" xmlns:mc="http://schemas.openxmlformats.org/markup-compatibility/2006" xmlns:mv="urn:schemas-microsoft-com:mac:vml" xmlns:p="http://schemas.openxmlformats.org/presentationml/2006/main" xmlns:c="http://schemas.openxmlformats.org/drawingml/2006/chart" xmlns:dgm="http://schemas.openxmlformats.org/drawingml/2006/diagram" xmlns:o="urn:schemas-microsoft-com:office:office" xmlns:v="urn:schemas-microsoft-com:vml" xmlns:pvml="urn:schemas-microsoft-com:office:powerpoint" xmlns:com="http://schemas.openxmlformats.org/drawingml/2006/compatibility" xmlns:p14="http://schemas.microsoft.com/office/powerpoint/2010/main" xmlns:p15="http://schemas.microsoft.com/office/powerpoint/2012/main" xmlns:ahyp="http://schemas.microsoft.com/office/drawing/2018/hyperlinkcolor" showMasterPhAnim="0" showMasterSp="0">
   <p:cSld>
     <p:spTree>
       <p:nvGrpSpPr>
@@ -5653,7 +5653,7 @@
 </file>
 
 <file path=ppt/notesSlides/notesSlide47.xml><?xml version="1.0" encoding="utf-8"?>
-<p:notes xmlns:a="http://schemas.openxmlformats.org/drawingml/2006/main" xmlns:r="http://schemas.openxmlformats.org/officeDocument/2006/relationships" xmlns:mc="http://schemas.openxmlformats.org/markup-compatibility/2006" xmlns:mv="urn:schemas-microsoft-com:mac:vml" xmlns:p="http://schemas.openxmlformats.org/presentationml/2006/main" xmlns:c="http://schemas.openxmlformats.org/drawingml/2006/chart" xmlns:dgm="http://schemas.openxmlformats.org/drawingml/2006/diagram" xmlns:o="urn:schemas-microsoft-com:office:office" xmlns:v="urn:schemas-microsoft-com:vml" xmlns:pvml="urn:schemas-microsoft-com:office:powerpoint" xmlns:com="http://schemas.openxmlformats.org/drawingml/2006/compatibility" xmlns:p14="http://schemas.microsoft.com/office/powerpoint/2010/main" xmlns:p15="http://schemas.microsoft.com/office/powerpoint/2012/main" showMasterPhAnim="0" showMasterSp="0">
+<p:notes xmlns:a="http://schemas.openxmlformats.org/drawingml/2006/main" xmlns:r="http://schemas.openxmlformats.org/officeDocument/2006/relationships" xmlns:mc="http://schemas.openxmlformats.org/markup-compatibility/2006" xmlns:mv="urn:schemas-microsoft-com:mac:vml" xmlns:p="http://schemas.openxmlformats.org/presentationml/2006/main" xmlns:c="http://schemas.openxmlformats.org/drawingml/2006/chart" xmlns:dgm="http://schemas.openxmlformats.org/drawingml/2006/diagram" xmlns:o="urn:schemas-microsoft-com:office:office" xmlns:v="urn:schemas-microsoft-com:vml" xmlns:pvml="urn:schemas-microsoft-com:office:powerpoint" xmlns:com="http://schemas.openxmlformats.org/drawingml/2006/compatibility" xmlns:p14="http://schemas.microsoft.com/office/powerpoint/2010/main" xmlns:p15="http://schemas.microsoft.com/office/powerpoint/2012/main" xmlns:ahyp="http://schemas.microsoft.com/office/drawing/2018/hyperlinkcolor" showMasterPhAnim="0" showMasterSp="0">
   <p:cSld>
     <p:spTree>
       <p:nvGrpSpPr>
@@ -5752,7 +5752,7 @@
 </file>
 
 <file path=ppt/notesSlides/notesSlide48.xml><?xml version="1.0" encoding="utf-8"?>
-<p:notes xmlns:a="http://schemas.openxmlformats.org/drawingml/2006/main" xmlns:r="http://schemas.openxmlformats.org/officeDocument/2006/relationships" xmlns:mc="http://schemas.openxmlformats.org/markup-compatibility/2006" xmlns:mv="urn:schemas-microsoft-com:mac:vml" xmlns:p="http://schemas.openxmlformats.org/presentationml/2006/main" xmlns:c="http://schemas.openxmlformats.org/drawingml/2006/chart" xmlns:dgm="http://schemas.openxmlformats.org/drawingml/2006/diagram" xmlns:o="urn:schemas-microsoft-com:office:office" xmlns:v="urn:schemas-microsoft-com:vml" xmlns:pvml="urn:schemas-microsoft-com:office:powerpoint" xmlns:com="http://schemas.openxmlformats.org/drawingml/2006/compatibility" xmlns:p14="http://schemas.microsoft.com/office/powerpoint/2010/main" xmlns:p15="http://schemas.microsoft.com/office/powerpoint/2012/main" showMasterPhAnim="0" showMasterSp="0">
+<p:notes xmlns:a="http://schemas.openxmlformats.org/drawingml/2006/main" xmlns:r="http://schemas.openxmlformats.org/officeDocument/2006/relationships" xmlns:mc="http://schemas.openxmlformats.org/markup-compatibility/2006" xmlns:mv="urn:schemas-microsoft-com:mac:vml" xmlns:p="http://schemas.openxmlformats.org/presentationml/2006/main" xmlns:c="http://schemas.openxmlformats.org/drawingml/2006/chart" xmlns:dgm="http://schemas.openxmlformats.org/drawingml/2006/diagram" xmlns:o="urn:schemas-microsoft-com:office:office" xmlns:v="urn:schemas-microsoft-com:vml" xmlns:pvml="urn:schemas-microsoft-com:office:powerpoint" xmlns:com="http://schemas.openxmlformats.org/drawingml/2006/compatibility" xmlns:p14="http://schemas.microsoft.com/office/powerpoint/2010/main" xmlns:p15="http://schemas.microsoft.com/office/powerpoint/2012/main" xmlns:ahyp="http://schemas.microsoft.com/office/drawing/2018/hyperlinkcolor" showMasterPhAnim="0" showMasterSp="0">
   <p:cSld>
     <p:spTree>
       <p:nvGrpSpPr>
@@ -5851,7 +5851,7 @@
 </file>
 
 <file path=ppt/notesSlides/notesSlide5.xml><?xml version="1.0" encoding="utf-8"?>
-<p:notes xmlns:a="http://schemas.openxmlformats.org/drawingml/2006/main" xmlns:r="http://schemas.openxmlformats.org/officeDocument/2006/relationships" xmlns:mc="http://schemas.openxmlformats.org/markup-compatibility/2006" xmlns:mv="urn:schemas-microsoft-com:mac:vml" xmlns:p="http://schemas.openxmlformats.org/presentationml/2006/main" xmlns:c="http://schemas.openxmlformats.org/drawingml/2006/chart" xmlns:dgm="http://schemas.openxmlformats.org/drawingml/2006/diagram" xmlns:o="urn:schemas-microsoft-com:office:office" xmlns:v="urn:schemas-microsoft-com:vml" xmlns:pvml="urn:schemas-microsoft-com:office:powerpoint" xmlns:com="http://schemas.openxmlformats.org/drawingml/2006/compatibility" xmlns:p14="http://schemas.microsoft.com/office/powerpoint/2010/main" xmlns:p15="http://schemas.microsoft.com/office/powerpoint/2012/main" showMasterPhAnim="0" showMasterSp="0">
+<p:notes xmlns:a="http://schemas.openxmlformats.org/drawingml/2006/main" xmlns:r="http://schemas.openxmlformats.org/officeDocument/2006/relationships" xmlns:mc="http://schemas.openxmlformats.org/markup-compatibility/2006" xmlns:mv="urn:schemas-microsoft-com:mac:vml" xmlns:p="http://schemas.openxmlformats.org/presentationml/2006/main" xmlns:c="http://schemas.openxmlformats.org/drawingml/2006/chart" xmlns:dgm="http://schemas.openxmlformats.org/drawingml/2006/diagram" xmlns:o="urn:schemas-microsoft-com:office:office" xmlns:v="urn:schemas-microsoft-com:vml" xmlns:pvml="urn:schemas-microsoft-com:office:powerpoint" xmlns:com="http://schemas.openxmlformats.org/drawingml/2006/compatibility" xmlns:p14="http://schemas.microsoft.com/office/powerpoint/2010/main" xmlns:p15="http://schemas.microsoft.com/office/powerpoint/2012/main" xmlns:ahyp="http://schemas.microsoft.com/office/drawing/2018/hyperlinkcolor" showMasterPhAnim="0" showMasterSp="0">
   <p:cSld>
     <p:spTree>
       <p:nvGrpSpPr>
@@ -5950,7 +5950,7 @@
 </file>
 
 <file path=ppt/notesSlides/notesSlide6.xml><?xml version="1.0" encoding="utf-8"?>
-<p:notes xmlns:a="http://schemas.openxmlformats.org/drawingml/2006/main" xmlns:r="http://schemas.openxmlformats.org/officeDocument/2006/relationships" xmlns:mc="http://schemas.openxmlformats.org/markup-compatibility/2006" xmlns:mv="urn:schemas-microsoft-com:mac:vml" xmlns:p="http://schemas.openxmlformats.org/presentationml/2006/main" xmlns:c="http://schemas.openxmlformats.org/drawingml/2006/chart" xmlns:dgm="http://schemas.openxmlformats.org/drawingml/2006/diagram" xmlns:o="urn:schemas-microsoft-com:office:office" xmlns:v="urn:schemas-microsoft-com:vml" xmlns:pvml="urn:schemas-microsoft-com:office:powerpoint" xmlns:com="http://schemas.openxmlformats.org/drawingml/2006/compatibility" xmlns:p14="http://schemas.microsoft.com/office/powerpoint/2010/main" xmlns:p15="http://schemas.microsoft.com/office/powerpoint/2012/main" showMasterPhAnim="0" showMasterSp="0">
+<p:notes xmlns:a="http://schemas.openxmlformats.org/drawingml/2006/main" xmlns:r="http://schemas.openxmlformats.org/officeDocument/2006/relationships" xmlns:mc="http://schemas.openxmlformats.org/markup-compatibility/2006" xmlns:mv="urn:schemas-microsoft-com:mac:vml" xmlns:p="http://schemas.openxmlformats.org/presentationml/2006/main" xmlns:c="http://schemas.openxmlformats.org/drawingml/2006/chart" xmlns:dgm="http://schemas.openxmlformats.org/drawingml/2006/diagram" xmlns:o="urn:schemas-microsoft-com:office:office" xmlns:v="urn:schemas-microsoft-com:vml" xmlns:pvml="urn:schemas-microsoft-com:office:powerpoint" xmlns:com="http://schemas.openxmlformats.org/drawingml/2006/compatibility" xmlns:p14="http://schemas.microsoft.com/office/powerpoint/2010/main" xmlns:p15="http://schemas.microsoft.com/office/powerpoint/2012/main" xmlns:ahyp="http://schemas.microsoft.com/office/drawing/2018/hyperlinkcolor" showMasterPhAnim="0" showMasterSp="0">
   <p:cSld>
     <p:spTree>
       <p:nvGrpSpPr>
@@ -6049,7 +6049,7 @@
 </file>
 
 <file path=ppt/notesSlides/notesSlide7.xml><?xml version="1.0" encoding="utf-8"?>
-<p:notes xmlns:a="http://schemas.openxmlformats.org/drawingml/2006/main" xmlns:r="http://schemas.openxmlformats.org/officeDocument/2006/relationships" xmlns:mc="http://schemas.openxmlformats.org/markup-compatibility/2006" xmlns:mv="urn:schemas-microsoft-com:mac:vml" xmlns:p="http://schemas.openxmlformats.org/presentationml/2006/main" xmlns:c="http://schemas.openxmlformats.org/drawingml/2006/chart" xmlns:dgm="http://schemas.openxmlformats.org/drawingml/2006/diagram" xmlns:o="urn:schemas-microsoft-com:office:office" xmlns:v="urn:schemas-microsoft-com:vml" xmlns:pvml="urn:schemas-microsoft-com:office:powerpoint" xmlns:com="http://schemas.openxmlformats.org/drawingml/2006/compatibility" xmlns:p14="http://schemas.microsoft.com/office/powerpoint/2010/main" xmlns:p15="http://schemas.microsoft.com/office/powerpoint/2012/main" showMasterPhAnim="0" showMasterSp="0">
+<p:notes xmlns:a="http://schemas.openxmlformats.org/drawingml/2006/main" xmlns:r="http://schemas.openxmlformats.org/officeDocument/2006/relationships" xmlns:mc="http://schemas.openxmlformats.org/markup-compatibility/2006" xmlns:mv="urn:schemas-microsoft-com:mac:vml" xmlns:p="http://schemas.openxmlformats.org/presentationml/2006/main" xmlns:c="http://schemas.openxmlformats.org/drawingml/2006/chart" xmlns:dgm="http://schemas.openxmlformats.org/drawingml/2006/diagram" xmlns:o="urn:schemas-microsoft-com:office:office" xmlns:v="urn:schemas-microsoft-com:vml" xmlns:pvml="urn:schemas-microsoft-com:office:powerpoint" xmlns:com="http://schemas.openxmlformats.org/drawingml/2006/compatibility" xmlns:p14="http://schemas.microsoft.com/office/powerpoint/2010/main" xmlns:p15="http://schemas.microsoft.com/office/powerpoint/2012/main" xmlns:ahyp="http://schemas.microsoft.com/office/drawing/2018/hyperlinkcolor" showMasterPhAnim="0" showMasterSp="0">
   <p:cSld>
     <p:spTree>
       <p:nvGrpSpPr>
@@ -6148,7 +6148,7 @@
 </file>
 
 <file path=ppt/notesSlides/notesSlide8.xml><?xml version="1.0" encoding="utf-8"?>
-<p:notes xmlns:a="http://schemas.openxmlformats.org/drawingml/2006/main" xmlns:r="http://schemas.openxmlformats.org/officeDocument/2006/relationships" xmlns:mc="http://schemas.openxmlformats.org/markup-compatibility/2006" xmlns:mv="urn:schemas-microsoft-com:mac:vml" xmlns:p="http://schemas.openxmlformats.org/presentationml/2006/main" xmlns:c="http://schemas.openxmlformats.org/drawingml/2006/chart" xmlns:dgm="http://schemas.openxmlformats.org/drawingml/2006/diagram" xmlns:o="urn:schemas-microsoft-com:office:office" xmlns:v="urn:schemas-microsoft-com:vml" xmlns:pvml="urn:schemas-microsoft-com:office:powerpoint" xmlns:com="http://schemas.openxmlformats.org/drawingml/2006/compatibility" xmlns:p14="http://schemas.microsoft.com/office/powerpoint/2010/main" xmlns:p15="http://schemas.microsoft.com/office/powerpoint/2012/main" showMasterPhAnim="0" showMasterSp="0">
+<p:notes xmlns:a="http://schemas.openxmlformats.org/drawingml/2006/main" xmlns:r="http://schemas.openxmlformats.org/officeDocument/2006/relationships" xmlns:mc="http://schemas.openxmlformats.org/markup-compatibility/2006" xmlns:mv="urn:schemas-microsoft-com:mac:vml" xmlns:p="http://schemas.openxmlformats.org/presentationml/2006/main" xmlns:c="http://schemas.openxmlformats.org/drawingml/2006/chart" xmlns:dgm="http://schemas.openxmlformats.org/drawingml/2006/diagram" xmlns:o="urn:schemas-microsoft-com:office:office" xmlns:v="urn:schemas-microsoft-com:vml" xmlns:pvml="urn:schemas-microsoft-com:office:powerpoint" xmlns:com="http://schemas.openxmlformats.org/drawingml/2006/compatibility" xmlns:p14="http://schemas.microsoft.com/office/powerpoint/2010/main" xmlns:p15="http://schemas.microsoft.com/office/powerpoint/2012/main" xmlns:ahyp="http://schemas.microsoft.com/office/drawing/2018/hyperlinkcolor" showMasterPhAnim="0" showMasterSp="0">
   <p:cSld>
     <p:spTree>
       <p:nvGrpSpPr>
@@ -6247,7 +6247,7 @@
 </file>
 
 <file path=ppt/notesSlides/notesSlide9.xml><?xml version="1.0" encoding="utf-8"?>
-<p:notes xmlns:a="http://schemas.openxmlformats.org/drawingml/2006/main" xmlns:r="http://schemas.openxmlformats.org/officeDocument/2006/relationships" xmlns:mc="http://schemas.openxmlformats.org/markup-compatibility/2006" xmlns:mv="urn:schemas-microsoft-com:mac:vml" xmlns:p="http://schemas.openxmlformats.org/presentationml/2006/main" xmlns:c="http://schemas.openxmlformats.org/drawingml/2006/chart" xmlns:dgm="http://schemas.openxmlformats.org/drawingml/2006/diagram" xmlns:o="urn:schemas-microsoft-com:office:office" xmlns:v="urn:schemas-microsoft-com:vml" xmlns:pvml="urn:schemas-microsoft-com:office:powerpoint" xmlns:com="http://schemas.openxmlformats.org/drawingml/2006/compatibility" xmlns:p14="http://schemas.microsoft.com/office/powerpoint/2010/main" xmlns:p15="http://schemas.microsoft.com/office/powerpoint/2012/main" showMasterPhAnim="0" showMasterSp="0">
+<p:notes xmlns:a="http://schemas.openxmlformats.org/drawingml/2006/main" xmlns:r="http://schemas.openxmlformats.org/officeDocument/2006/relationships" xmlns:mc="http://schemas.openxmlformats.org/markup-compatibility/2006" xmlns:mv="urn:schemas-microsoft-com:mac:vml" xmlns:p="http://schemas.openxmlformats.org/presentationml/2006/main" xmlns:c="http://schemas.openxmlformats.org/drawingml/2006/chart" xmlns:dgm="http://schemas.openxmlformats.org/drawingml/2006/diagram" xmlns:o="urn:schemas-microsoft-com:office:office" xmlns:v="urn:schemas-microsoft-com:vml" xmlns:pvml="urn:schemas-microsoft-com:office:powerpoint" xmlns:com="http://schemas.openxmlformats.org/drawingml/2006/compatibility" xmlns:p14="http://schemas.microsoft.com/office/powerpoint/2010/main" xmlns:p15="http://schemas.microsoft.com/office/powerpoint/2012/main" xmlns:ahyp="http://schemas.microsoft.com/office/drawing/2018/hyperlinkcolor" showMasterPhAnim="0" showMasterSp="0">
   <p:cSld>
     <p:spTree>
       <p:nvGrpSpPr>
@@ -6346,7 +6346,7 @@
 </file>
 
 <file path=ppt/slideLayouts/slideLayout1.xml><?xml version="1.0" encoding="utf-8"?>
-<p:sldLayout xmlns:a="http://schemas.openxmlformats.org/drawingml/2006/main" xmlns:r="http://schemas.openxmlformats.org/officeDocument/2006/relationships" xmlns:mc="http://schemas.openxmlformats.org/markup-compatibility/2006" xmlns:mv="urn:schemas-microsoft-com:mac:vml" xmlns:p="http://schemas.openxmlformats.org/presentationml/2006/main" xmlns:c="http://schemas.openxmlformats.org/drawingml/2006/chart" xmlns:dgm="http://schemas.openxmlformats.org/drawingml/2006/diagram" xmlns:o="urn:schemas-microsoft-com:office:office" xmlns:v="urn:schemas-microsoft-com:vml" xmlns:pvml="urn:schemas-microsoft-com:office:powerpoint" xmlns:com="http://schemas.openxmlformats.org/drawingml/2006/compatibility" xmlns:p14="http://schemas.microsoft.com/office/powerpoint/2010/main" xmlns:p15="http://schemas.microsoft.com/office/powerpoint/2012/main" matchingName="Title Slide" type="title">
+<p:sldLayout xmlns:a="http://schemas.openxmlformats.org/drawingml/2006/main" xmlns:r="http://schemas.openxmlformats.org/officeDocument/2006/relationships" xmlns:mc="http://schemas.openxmlformats.org/markup-compatibility/2006" xmlns:mv="urn:schemas-microsoft-com:mac:vml" xmlns:p="http://schemas.openxmlformats.org/presentationml/2006/main" xmlns:c="http://schemas.openxmlformats.org/drawingml/2006/chart" xmlns:dgm="http://schemas.openxmlformats.org/drawingml/2006/diagram" xmlns:o="urn:schemas-microsoft-com:office:office" xmlns:v="urn:schemas-microsoft-com:vml" xmlns:pvml="urn:schemas-microsoft-com:office:powerpoint" xmlns:com="http://schemas.openxmlformats.org/drawingml/2006/compatibility" xmlns:p14="http://schemas.microsoft.com/office/powerpoint/2010/main" xmlns:p15="http://schemas.microsoft.com/office/powerpoint/2012/main" xmlns:ahyp="http://schemas.microsoft.com/office/drawing/2018/hyperlinkcolor" matchingName="Title Slide" type="title">
   <p:cSld name="TITLE">
     <p:spTree>
       <p:nvGrpSpPr>
@@ -6695,7 +6695,7 @@
 </file>
 
 <file path=ppt/slideLayouts/slideLayout10.xml><?xml version="1.0" encoding="utf-8"?>
-<p:sldLayout xmlns:a="http://schemas.openxmlformats.org/drawingml/2006/main" xmlns:r="http://schemas.openxmlformats.org/officeDocument/2006/relationships" xmlns:mc="http://schemas.openxmlformats.org/markup-compatibility/2006" xmlns:mv="urn:schemas-microsoft-com:mac:vml" xmlns:p="http://schemas.openxmlformats.org/presentationml/2006/main" xmlns:c="http://schemas.openxmlformats.org/drawingml/2006/chart" xmlns:dgm="http://schemas.openxmlformats.org/drawingml/2006/diagram" xmlns:o="urn:schemas-microsoft-com:office:office" xmlns:v="urn:schemas-microsoft-com:vml" xmlns:pvml="urn:schemas-microsoft-com:office:powerpoint" xmlns:com="http://schemas.openxmlformats.org/drawingml/2006/compatibility" xmlns:p14="http://schemas.microsoft.com/office/powerpoint/2010/main" xmlns:p15="http://schemas.microsoft.com/office/powerpoint/2012/main" matchingName="Title and Vertical Text" type="vertTx">
+<p:sldLayout xmlns:a="http://schemas.openxmlformats.org/drawingml/2006/main" xmlns:r="http://schemas.openxmlformats.org/officeDocument/2006/relationships" xmlns:mc="http://schemas.openxmlformats.org/markup-compatibility/2006" xmlns:mv="urn:schemas-microsoft-com:mac:vml" xmlns:p="http://schemas.openxmlformats.org/presentationml/2006/main" xmlns:c="http://schemas.openxmlformats.org/drawingml/2006/chart" xmlns:dgm="http://schemas.openxmlformats.org/drawingml/2006/diagram" xmlns:o="urn:schemas-microsoft-com:office:office" xmlns:v="urn:schemas-microsoft-com:vml" xmlns:pvml="urn:schemas-microsoft-com:office:powerpoint" xmlns:com="http://schemas.openxmlformats.org/drawingml/2006/compatibility" xmlns:p14="http://schemas.microsoft.com/office/powerpoint/2010/main" xmlns:p15="http://schemas.microsoft.com/office/powerpoint/2012/main" xmlns:ahyp="http://schemas.microsoft.com/office/drawing/2018/hyperlinkcolor" matchingName="Title and Vertical Text" type="vertTx">
   <p:cSld name="VERTICAL_TEXT">
     <p:spTree>
       <p:nvGrpSpPr>
@@ -7590,7 +7590,7 @@
 </file>
 
 <file path=ppt/slideLayouts/slideLayout11.xml><?xml version="1.0" encoding="utf-8"?>
-<p:sldLayout xmlns:a="http://schemas.openxmlformats.org/drawingml/2006/main" xmlns:r="http://schemas.openxmlformats.org/officeDocument/2006/relationships" xmlns:mc="http://schemas.openxmlformats.org/markup-compatibility/2006" xmlns:mv="urn:schemas-microsoft-com:mac:vml" xmlns:p="http://schemas.openxmlformats.org/presentationml/2006/main" xmlns:c="http://schemas.openxmlformats.org/drawingml/2006/chart" xmlns:dgm="http://schemas.openxmlformats.org/drawingml/2006/diagram" xmlns:o="urn:schemas-microsoft-com:office:office" xmlns:v="urn:schemas-microsoft-com:vml" xmlns:pvml="urn:schemas-microsoft-com:office:powerpoint" xmlns:com="http://schemas.openxmlformats.org/drawingml/2006/compatibility" xmlns:p14="http://schemas.microsoft.com/office/powerpoint/2010/main" xmlns:p15="http://schemas.microsoft.com/office/powerpoint/2012/main" matchingName="Vertical Title and Text" type="vertTitleAndTx">
+<p:sldLayout xmlns:a="http://schemas.openxmlformats.org/drawingml/2006/main" xmlns:r="http://schemas.openxmlformats.org/officeDocument/2006/relationships" xmlns:mc="http://schemas.openxmlformats.org/markup-compatibility/2006" xmlns:mv="urn:schemas-microsoft-com:mac:vml" xmlns:p="http://schemas.openxmlformats.org/presentationml/2006/main" xmlns:c="http://schemas.openxmlformats.org/drawingml/2006/chart" xmlns:dgm="http://schemas.openxmlformats.org/drawingml/2006/diagram" xmlns:o="urn:schemas-microsoft-com:office:office" xmlns:v="urn:schemas-microsoft-com:vml" xmlns:pvml="urn:schemas-microsoft-com:office:powerpoint" xmlns:com="http://schemas.openxmlformats.org/drawingml/2006/compatibility" xmlns:p14="http://schemas.microsoft.com/office/powerpoint/2010/main" xmlns:p15="http://schemas.microsoft.com/office/powerpoint/2012/main" xmlns:ahyp="http://schemas.microsoft.com/office/drawing/2018/hyperlinkcolor" matchingName="Vertical Title and Text" type="vertTitleAndTx">
   <p:cSld name="VERTICAL_TITLE_AND_VERTICAL_TEXT">
     <p:spTree>
       <p:nvGrpSpPr>
@@ -8485,7 +8485,7 @@
 </file>
 
 <file path=ppt/slideLayouts/slideLayout2.xml><?xml version="1.0" encoding="utf-8"?>
-<p:sldLayout xmlns:a="http://schemas.openxmlformats.org/drawingml/2006/main" xmlns:r="http://schemas.openxmlformats.org/officeDocument/2006/relationships" xmlns:mc="http://schemas.openxmlformats.org/markup-compatibility/2006" xmlns:mv="urn:schemas-microsoft-com:mac:vml" xmlns:p="http://schemas.openxmlformats.org/presentationml/2006/main" xmlns:c="http://schemas.openxmlformats.org/drawingml/2006/chart" xmlns:dgm="http://schemas.openxmlformats.org/drawingml/2006/diagram" xmlns:o="urn:schemas-microsoft-com:office:office" xmlns:v="urn:schemas-microsoft-com:vml" xmlns:pvml="urn:schemas-microsoft-com:office:powerpoint" xmlns:com="http://schemas.openxmlformats.org/drawingml/2006/compatibility" xmlns:p14="http://schemas.microsoft.com/office/powerpoint/2010/main" xmlns:p15="http://schemas.microsoft.com/office/powerpoint/2012/main" matchingName="Title and Content" type="obj">
+<p:sldLayout xmlns:a="http://schemas.openxmlformats.org/drawingml/2006/main" xmlns:r="http://schemas.openxmlformats.org/officeDocument/2006/relationships" xmlns:mc="http://schemas.openxmlformats.org/markup-compatibility/2006" xmlns:mv="urn:schemas-microsoft-com:mac:vml" xmlns:p="http://schemas.openxmlformats.org/presentationml/2006/main" xmlns:c="http://schemas.openxmlformats.org/drawingml/2006/chart" xmlns:dgm="http://schemas.openxmlformats.org/drawingml/2006/diagram" xmlns:o="urn:schemas-microsoft-com:office:office" xmlns:v="urn:schemas-microsoft-com:vml" xmlns:pvml="urn:schemas-microsoft-com:office:powerpoint" xmlns:com="http://schemas.openxmlformats.org/drawingml/2006/compatibility" xmlns:p14="http://schemas.microsoft.com/office/powerpoint/2010/main" xmlns:p15="http://schemas.microsoft.com/office/powerpoint/2012/main" xmlns:ahyp="http://schemas.microsoft.com/office/drawing/2018/hyperlinkcolor" matchingName="Title and Content" type="obj">
   <p:cSld name="OBJECT">
     <p:spTree>
       <p:nvGrpSpPr>
@@ -9380,7 +9380,7 @@
 </file>
 
 <file path=ppt/slideLayouts/slideLayout3.xml><?xml version="1.0" encoding="utf-8"?>
-<p:sldLayout xmlns:a="http://schemas.openxmlformats.org/drawingml/2006/main" xmlns:r="http://schemas.openxmlformats.org/officeDocument/2006/relationships" xmlns:mc="http://schemas.openxmlformats.org/markup-compatibility/2006" xmlns:mv="urn:schemas-microsoft-com:mac:vml" xmlns:p="http://schemas.openxmlformats.org/presentationml/2006/main" xmlns:c="http://schemas.openxmlformats.org/drawingml/2006/chart" xmlns:dgm="http://schemas.openxmlformats.org/drawingml/2006/diagram" xmlns:o="urn:schemas-microsoft-com:office:office" xmlns:v="urn:schemas-microsoft-com:vml" xmlns:pvml="urn:schemas-microsoft-com:office:powerpoint" xmlns:com="http://schemas.openxmlformats.org/drawingml/2006/compatibility" xmlns:p14="http://schemas.microsoft.com/office/powerpoint/2010/main" xmlns:p15="http://schemas.microsoft.com/office/powerpoint/2012/main" matchingName="Title Only" type="titleOnly">
+<p:sldLayout xmlns:a="http://schemas.openxmlformats.org/drawingml/2006/main" xmlns:r="http://schemas.openxmlformats.org/officeDocument/2006/relationships" xmlns:mc="http://schemas.openxmlformats.org/markup-compatibility/2006" xmlns:mv="urn:schemas-microsoft-com:mac:vml" xmlns:p="http://schemas.openxmlformats.org/presentationml/2006/main" xmlns:c="http://schemas.openxmlformats.org/drawingml/2006/chart" xmlns:dgm="http://schemas.openxmlformats.org/drawingml/2006/diagram" xmlns:o="urn:schemas-microsoft-com:office:office" xmlns:v="urn:schemas-microsoft-com:vml" xmlns:pvml="urn:schemas-microsoft-com:office:powerpoint" xmlns:com="http://schemas.openxmlformats.org/drawingml/2006/compatibility" xmlns:p14="http://schemas.microsoft.com/office/powerpoint/2010/main" xmlns:p15="http://schemas.microsoft.com/office/powerpoint/2012/main" xmlns:ahyp="http://schemas.microsoft.com/office/drawing/2018/hyperlinkcolor" matchingName="Title Only" type="titleOnly">
   <p:cSld name="TITLE_ONLY">
     <p:spTree>
       <p:nvGrpSpPr>
@@ -10119,7 +10119,7 @@
 </file>
 
 <file path=ppt/slideLayouts/slideLayout4.xml><?xml version="1.0" encoding="utf-8"?>
-<p:sldLayout xmlns:a="http://schemas.openxmlformats.org/drawingml/2006/main" xmlns:r="http://schemas.openxmlformats.org/officeDocument/2006/relationships" xmlns:mc="http://schemas.openxmlformats.org/markup-compatibility/2006" xmlns:mv="urn:schemas-microsoft-com:mac:vml" xmlns:p="http://schemas.openxmlformats.org/presentationml/2006/main" xmlns:c="http://schemas.openxmlformats.org/drawingml/2006/chart" xmlns:dgm="http://schemas.openxmlformats.org/drawingml/2006/diagram" xmlns:o="urn:schemas-microsoft-com:office:office" xmlns:v="urn:schemas-microsoft-com:vml" xmlns:pvml="urn:schemas-microsoft-com:office:powerpoint" xmlns:com="http://schemas.openxmlformats.org/drawingml/2006/compatibility" xmlns:p14="http://schemas.microsoft.com/office/powerpoint/2010/main" xmlns:p15="http://schemas.microsoft.com/office/powerpoint/2012/main" matchingName="Section Header" type="secHead">
+<p:sldLayout xmlns:a="http://schemas.openxmlformats.org/drawingml/2006/main" xmlns:r="http://schemas.openxmlformats.org/officeDocument/2006/relationships" xmlns:mc="http://schemas.openxmlformats.org/markup-compatibility/2006" xmlns:mv="urn:schemas-microsoft-com:mac:vml" xmlns:p="http://schemas.openxmlformats.org/presentationml/2006/main" xmlns:c="http://schemas.openxmlformats.org/drawingml/2006/chart" xmlns:dgm="http://schemas.openxmlformats.org/drawingml/2006/diagram" xmlns:o="urn:schemas-microsoft-com:office:office" xmlns:v="urn:schemas-microsoft-com:vml" xmlns:pvml="urn:schemas-microsoft-com:office:powerpoint" xmlns:com="http://schemas.openxmlformats.org/drawingml/2006/compatibility" xmlns:p14="http://schemas.microsoft.com/office/powerpoint/2010/main" xmlns:p15="http://schemas.microsoft.com/office/powerpoint/2012/main" xmlns:ahyp="http://schemas.microsoft.com/office/drawing/2018/hyperlinkcolor" matchingName="Section Header" type="secHead">
   <p:cSld name="SECTION_HEADER">
     <p:spTree>
       <p:nvGrpSpPr>
@@ -11051,7 +11051,7 @@
 </file>
 
 <file path=ppt/slideLayouts/slideLayout5.xml><?xml version="1.0" encoding="utf-8"?>
-<p:sldLayout xmlns:a="http://schemas.openxmlformats.org/drawingml/2006/main" xmlns:r="http://schemas.openxmlformats.org/officeDocument/2006/relationships" xmlns:mc="http://schemas.openxmlformats.org/markup-compatibility/2006" xmlns:mv="urn:schemas-microsoft-com:mac:vml" xmlns:p="http://schemas.openxmlformats.org/presentationml/2006/main" xmlns:c="http://schemas.openxmlformats.org/drawingml/2006/chart" xmlns:dgm="http://schemas.openxmlformats.org/drawingml/2006/diagram" xmlns:o="urn:schemas-microsoft-com:office:office" xmlns:v="urn:schemas-microsoft-com:vml" xmlns:pvml="urn:schemas-microsoft-com:office:powerpoint" xmlns:com="http://schemas.openxmlformats.org/drawingml/2006/compatibility" xmlns:p14="http://schemas.microsoft.com/office/powerpoint/2010/main" xmlns:p15="http://schemas.microsoft.com/office/powerpoint/2012/main" matchingName="Two Content" type="twoObj">
+<p:sldLayout xmlns:a="http://schemas.openxmlformats.org/drawingml/2006/main" xmlns:r="http://schemas.openxmlformats.org/officeDocument/2006/relationships" xmlns:mc="http://schemas.openxmlformats.org/markup-compatibility/2006" xmlns:mv="urn:schemas-microsoft-com:mac:vml" xmlns:p="http://schemas.openxmlformats.org/presentationml/2006/main" xmlns:c="http://schemas.openxmlformats.org/drawingml/2006/chart" xmlns:dgm="http://schemas.openxmlformats.org/drawingml/2006/diagram" xmlns:o="urn:schemas-microsoft-com:office:office" xmlns:v="urn:schemas-microsoft-com:vml" xmlns:pvml="urn:schemas-microsoft-com:office:powerpoint" xmlns:com="http://schemas.openxmlformats.org/drawingml/2006/compatibility" xmlns:p14="http://schemas.microsoft.com/office/powerpoint/2010/main" xmlns:p15="http://schemas.microsoft.com/office/powerpoint/2012/main" xmlns:ahyp="http://schemas.microsoft.com/office/drawing/2018/hyperlinkcolor" matchingName="Two Content" type="twoObj">
   <p:cSld name="TWO_OBJECTS">
     <p:spTree>
       <p:nvGrpSpPr>
@@ -12102,7 +12102,7 @@
 </file>
 
 <file path=ppt/slideLayouts/slideLayout6.xml><?xml version="1.0" encoding="utf-8"?>
-<p:sldLayout xmlns:a="http://schemas.openxmlformats.org/drawingml/2006/main" xmlns:r="http://schemas.openxmlformats.org/officeDocument/2006/relationships" xmlns:mc="http://schemas.openxmlformats.org/markup-compatibility/2006" xmlns:mv="urn:schemas-microsoft-com:mac:vml" xmlns:p="http://schemas.openxmlformats.org/presentationml/2006/main" xmlns:c="http://schemas.openxmlformats.org/drawingml/2006/chart" xmlns:dgm="http://schemas.openxmlformats.org/drawingml/2006/diagram" xmlns:o="urn:schemas-microsoft-com:office:office" xmlns:v="urn:schemas-microsoft-com:vml" xmlns:pvml="urn:schemas-microsoft-com:office:powerpoint" xmlns:com="http://schemas.openxmlformats.org/drawingml/2006/compatibility" xmlns:p14="http://schemas.microsoft.com/office/powerpoint/2010/main" xmlns:p15="http://schemas.microsoft.com/office/powerpoint/2012/main" matchingName="Comparison" type="twoTxTwoObj">
+<p:sldLayout xmlns:a="http://schemas.openxmlformats.org/drawingml/2006/main" xmlns:r="http://schemas.openxmlformats.org/officeDocument/2006/relationships" xmlns:mc="http://schemas.openxmlformats.org/markup-compatibility/2006" xmlns:mv="urn:schemas-microsoft-com:mac:vml" xmlns:p="http://schemas.openxmlformats.org/presentationml/2006/main" xmlns:c="http://schemas.openxmlformats.org/drawingml/2006/chart" xmlns:dgm="http://schemas.openxmlformats.org/drawingml/2006/diagram" xmlns:o="urn:schemas-microsoft-com:office:office" xmlns:v="urn:schemas-microsoft-com:vml" xmlns:pvml="urn:schemas-microsoft-com:office:powerpoint" xmlns:com="http://schemas.openxmlformats.org/drawingml/2006/compatibility" xmlns:p14="http://schemas.microsoft.com/office/powerpoint/2010/main" xmlns:p15="http://schemas.microsoft.com/office/powerpoint/2012/main" xmlns:ahyp="http://schemas.microsoft.com/office/drawing/2018/hyperlinkcolor" matchingName="Comparison" type="twoTxTwoObj">
   <p:cSld name="TWO_OBJECTS_WITH_TEXT">
     <p:spTree>
       <p:nvGrpSpPr>
@@ -13466,7 +13466,7 @@
 </file>
 
 <file path=ppt/slideLayouts/slideLayout7.xml><?xml version="1.0" encoding="utf-8"?>
-<p:sldLayout xmlns:a="http://schemas.openxmlformats.org/drawingml/2006/main" xmlns:r="http://schemas.openxmlformats.org/officeDocument/2006/relationships" xmlns:mc="http://schemas.openxmlformats.org/markup-compatibility/2006" xmlns:mv="urn:schemas-microsoft-com:mac:vml" xmlns:p="http://schemas.openxmlformats.org/presentationml/2006/main" xmlns:c="http://schemas.openxmlformats.org/drawingml/2006/chart" xmlns:dgm="http://schemas.openxmlformats.org/drawingml/2006/diagram" xmlns:o="urn:schemas-microsoft-com:office:office" xmlns:v="urn:schemas-microsoft-com:vml" xmlns:pvml="urn:schemas-microsoft-com:office:powerpoint" xmlns:com="http://schemas.openxmlformats.org/drawingml/2006/compatibility" xmlns:p14="http://schemas.microsoft.com/office/powerpoint/2010/main" xmlns:p15="http://schemas.microsoft.com/office/powerpoint/2012/main" matchingName="Blank" type="blank">
+<p:sldLayout xmlns:a="http://schemas.openxmlformats.org/drawingml/2006/main" xmlns:r="http://schemas.openxmlformats.org/officeDocument/2006/relationships" xmlns:mc="http://schemas.openxmlformats.org/markup-compatibility/2006" xmlns:mv="urn:schemas-microsoft-com:mac:vml" xmlns:p="http://schemas.openxmlformats.org/presentationml/2006/main" xmlns:c="http://schemas.openxmlformats.org/drawingml/2006/chart" xmlns:dgm="http://schemas.openxmlformats.org/drawingml/2006/diagram" xmlns:o="urn:schemas-microsoft-com:office:office" xmlns:v="urn:schemas-microsoft-com:vml" xmlns:pvml="urn:schemas-microsoft-com:office:powerpoint" xmlns:com="http://schemas.openxmlformats.org/drawingml/2006/compatibility" xmlns:p14="http://schemas.microsoft.com/office/powerpoint/2010/main" xmlns:p15="http://schemas.microsoft.com/office/powerpoint/2012/main" xmlns:ahyp="http://schemas.microsoft.com/office/drawing/2018/hyperlinkcolor" matchingName="Blank" type="blank">
   <p:cSld name="BLANK">
     <p:spTree>
       <p:nvGrpSpPr>
@@ -14073,7 +14073,7 @@
 </file>
 
 <file path=ppt/slideLayouts/slideLayout8.xml><?xml version="1.0" encoding="utf-8"?>
-<p:sldLayout xmlns:a="http://schemas.openxmlformats.org/drawingml/2006/main" xmlns:r="http://schemas.openxmlformats.org/officeDocument/2006/relationships" xmlns:mc="http://schemas.openxmlformats.org/markup-compatibility/2006" xmlns:mv="urn:schemas-microsoft-com:mac:vml" xmlns:p="http://schemas.openxmlformats.org/presentationml/2006/main" xmlns:c="http://schemas.openxmlformats.org/drawingml/2006/chart" xmlns:dgm="http://schemas.openxmlformats.org/drawingml/2006/diagram" xmlns:o="urn:schemas-microsoft-com:office:office" xmlns:v="urn:schemas-microsoft-com:vml" xmlns:pvml="urn:schemas-microsoft-com:office:powerpoint" xmlns:com="http://schemas.openxmlformats.org/drawingml/2006/compatibility" xmlns:p14="http://schemas.microsoft.com/office/powerpoint/2010/main" xmlns:p15="http://schemas.microsoft.com/office/powerpoint/2012/main" matchingName="Content with Caption" type="objTx">
+<p:sldLayout xmlns:a="http://schemas.openxmlformats.org/drawingml/2006/main" xmlns:r="http://schemas.openxmlformats.org/officeDocument/2006/relationships" xmlns:mc="http://schemas.openxmlformats.org/markup-compatibility/2006" xmlns:mv="urn:schemas-microsoft-com:mac:vml" xmlns:p="http://schemas.openxmlformats.org/presentationml/2006/main" xmlns:c="http://schemas.openxmlformats.org/drawingml/2006/chart" xmlns:dgm="http://schemas.openxmlformats.org/drawingml/2006/diagram" xmlns:o="urn:schemas-microsoft-com:office:office" xmlns:v="urn:schemas-microsoft-com:vml" xmlns:pvml="urn:schemas-microsoft-com:office:powerpoint" xmlns:com="http://schemas.openxmlformats.org/drawingml/2006/compatibility" xmlns:p14="http://schemas.microsoft.com/office/powerpoint/2010/main" xmlns:p15="http://schemas.microsoft.com/office/powerpoint/2012/main" xmlns:ahyp="http://schemas.microsoft.com/office/drawing/2018/hyperlinkcolor" matchingName="Content with Caption" type="objTx">
   <p:cSld name="OBJECT_WITH_CAPTION_TEXT">
     <p:spTree>
       <p:nvGrpSpPr>
@@ -15125,7 +15125,7 @@
 </file>
 
 <file path=ppt/slideLayouts/slideLayout9.xml><?xml version="1.0" encoding="utf-8"?>
-<p:sldLayout xmlns:a="http://schemas.openxmlformats.org/drawingml/2006/main" xmlns:r="http://schemas.openxmlformats.org/officeDocument/2006/relationships" xmlns:mc="http://schemas.openxmlformats.org/markup-compatibility/2006" xmlns:mv="urn:schemas-microsoft-com:mac:vml" xmlns:p="http://schemas.openxmlformats.org/presentationml/2006/main" xmlns:c="http://schemas.openxmlformats.org/drawingml/2006/chart" xmlns:dgm="http://schemas.openxmlformats.org/drawingml/2006/diagram" xmlns:o="urn:schemas-microsoft-com:office:office" xmlns:v="urn:schemas-microsoft-com:vml" xmlns:pvml="urn:schemas-microsoft-com:office:powerpoint" xmlns:com="http://schemas.openxmlformats.org/drawingml/2006/compatibility" xmlns:p14="http://schemas.microsoft.com/office/powerpoint/2010/main" xmlns:p15="http://schemas.microsoft.com/office/powerpoint/2012/main" matchingName="Picture with Caption" type="picTx">
+<p:sldLayout xmlns:a="http://schemas.openxmlformats.org/drawingml/2006/main" xmlns:r="http://schemas.openxmlformats.org/officeDocument/2006/relationships" xmlns:mc="http://schemas.openxmlformats.org/markup-compatibility/2006" xmlns:mv="urn:schemas-microsoft-com:mac:vml" xmlns:p="http://schemas.openxmlformats.org/presentationml/2006/main" xmlns:c="http://schemas.openxmlformats.org/drawingml/2006/chart" xmlns:dgm="http://schemas.openxmlformats.org/drawingml/2006/diagram" xmlns:o="urn:schemas-microsoft-com:office:office" xmlns:v="urn:schemas-microsoft-com:vml" xmlns:pvml="urn:schemas-microsoft-com:office:powerpoint" xmlns:com="http://schemas.openxmlformats.org/drawingml/2006/compatibility" xmlns:p14="http://schemas.microsoft.com/office/powerpoint/2010/main" xmlns:p15="http://schemas.microsoft.com/office/powerpoint/2012/main" xmlns:ahyp="http://schemas.microsoft.com/office/drawing/2018/hyperlinkcolor" matchingName="Picture with Caption" type="picTx">
   <p:cSld name="PICTURE_WITH_CAPTION_TEXT">
     <p:spTree>
       <p:nvGrpSpPr>
@@ -16258,7 +16258,7 @@
 </file>
 
 <file path=ppt/slideMasters/slideMaster1.xml><?xml version="1.0" encoding="utf-8"?>
-<p:sldMaster xmlns:a="http://schemas.openxmlformats.org/drawingml/2006/main" xmlns:r="http://schemas.openxmlformats.org/officeDocument/2006/relationships" xmlns:mc="http://schemas.openxmlformats.org/markup-compatibility/2006" xmlns:mv="urn:schemas-microsoft-com:mac:vml" xmlns:p="http://schemas.openxmlformats.org/presentationml/2006/main" xmlns:c="http://schemas.openxmlformats.org/drawingml/2006/chart" xmlns:dgm="http://schemas.openxmlformats.org/drawingml/2006/diagram" xmlns:o="urn:schemas-microsoft-com:office:office" xmlns:v="urn:schemas-microsoft-com:vml" xmlns:pvml="urn:schemas-microsoft-com:office:powerpoint" xmlns:com="http://schemas.openxmlformats.org/drawingml/2006/compatibility" xmlns:p14="http://schemas.microsoft.com/office/powerpoint/2010/main" xmlns:p15="http://schemas.microsoft.com/office/powerpoint/2012/main">
+<p:sldMaster xmlns:a="http://schemas.openxmlformats.org/drawingml/2006/main" xmlns:r="http://schemas.openxmlformats.org/officeDocument/2006/relationships" xmlns:mc="http://schemas.openxmlformats.org/markup-compatibility/2006" xmlns:mv="urn:schemas-microsoft-com:mac:vml" xmlns:p="http://schemas.openxmlformats.org/presentationml/2006/main" xmlns:c="http://schemas.openxmlformats.org/drawingml/2006/chart" xmlns:dgm="http://schemas.openxmlformats.org/drawingml/2006/diagram" xmlns:o="urn:schemas-microsoft-com:office:office" xmlns:v="urn:schemas-microsoft-com:vml" xmlns:pvml="urn:schemas-microsoft-com:office:powerpoint" xmlns:com="http://schemas.openxmlformats.org/drawingml/2006/compatibility" xmlns:p14="http://schemas.microsoft.com/office/powerpoint/2010/main" xmlns:p15="http://schemas.microsoft.com/office/powerpoint/2012/main" xmlns:ahyp="http://schemas.microsoft.com/office/drawing/2018/hyperlinkcolor">
   <p:cSld>
     <p:bg>
       <p:bgPr>
@@ -16761,7 +16761,13 @@
                 <a:ea typeface="Montserrat"/>
                 <a:cs typeface="Montserrat"/>
                 <a:sym typeface="Montserrat"/>
-                <a:hlinkClick r:id="rId1"/>
+                <a:hlinkClick r:id="rId1">
+                  <a:extLst>
+                    <a:ext uri="{A12FA001-AC4F-418D-AE19-62706E023703}">
+                      <ahyp:hlinkClr val="tx"/>
+                    </a:ext>
+                  </a:extLst>
+                </a:hlinkClick>
               </a:rPr>
               <a:t>http://creativecommons.org/licenses/by-nc-sa/4.0/</a:t>
             </a:r>
@@ -17518,7 +17524,7 @@
 </file>
 
 <file path=ppt/slides/slide1.xml><?xml version="1.0" encoding="utf-8"?>
-<p:sld xmlns:a="http://schemas.openxmlformats.org/drawingml/2006/main" xmlns:r="http://schemas.openxmlformats.org/officeDocument/2006/relationships" xmlns:mc="http://schemas.openxmlformats.org/markup-compatibility/2006" xmlns:mv="urn:schemas-microsoft-com:mac:vml" xmlns:p="http://schemas.openxmlformats.org/presentationml/2006/main" xmlns:c="http://schemas.openxmlformats.org/drawingml/2006/chart" xmlns:dgm="http://schemas.openxmlformats.org/drawingml/2006/diagram" xmlns:o="urn:schemas-microsoft-com:office:office" xmlns:v="urn:schemas-microsoft-com:vml" xmlns:pvml="urn:schemas-microsoft-com:office:powerpoint" xmlns:com="http://schemas.openxmlformats.org/drawingml/2006/compatibility" xmlns:p14="http://schemas.microsoft.com/office/powerpoint/2010/main" xmlns:p15="http://schemas.microsoft.com/office/powerpoint/2012/main">
+<p:sld xmlns:a="http://schemas.openxmlformats.org/drawingml/2006/main" xmlns:r="http://schemas.openxmlformats.org/officeDocument/2006/relationships" xmlns:mc="http://schemas.openxmlformats.org/markup-compatibility/2006" xmlns:mv="urn:schemas-microsoft-com:mac:vml" xmlns:p="http://schemas.openxmlformats.org/presentationml/2006/main" xmlns:c="http://schemas.openxmlformats.org/drawingml/2006/chart" xmlns:dgm="http://schemas.openxmlformats.org/drawingml/2006/diagram" xmlns:o="urn:schemas-microsoft-com:office:office" xmlns:v="urn:schemas-microsoft-com:vml" xmlns:pvml="urn:schemas-microsoft-com:office:powerpoint" xmlns:com="http://schemas.openxmlformats.org/drawingml/2006/compatibility" xmlns:p14="http://schemas.microsoft.com/office/powerpoint/2010/main" xmlns:p15="http://schemas.microsoft.com/office/powerpoint/2012/main" xmlns:ahyp="http://schemas.microsoft.com/office/drawing/2018/hyperlinkcolor">
   <p:cSld>
     <p:spTree>
       <p:nvGrpSpPr>
@@ -17728,7 +17734,7 @@
 </file>
 
 <file path=ppt/slides/slide10.xml><?xml version="1.0" encoding="utf-8"?>
-<p:sld xmlns:a="http://schemas.openxmlformats.org/drawingml/2006/main" xmlns:r="http://schemas.openxmlformats.org/officeDocument/2006/relationships" xmlns:mc="http://schemas.openxmlformats.org/markup-compatibility/2006" xmlns:mv="urn:schemas-microsoft-com:mac:vml" xmlns:p="http://schemas.openxmlformats.org/presentationml/2006/main" xmlns:c="http://schemas.openxmlformats.org/drawingml/2006/chart" xmlns:dgm="http://schemas.openxmlformats.org/drawingml/2006/diagram" xmlns:o="urn:schemas-microsoft-com:office:office" xmlns:v="urn:schemas-microsoft-com:vml" xmlns:pvml="urn:schemas-microsoft-com:office:powerpoint" xmlns:com="http://schemas.openxmlformats.org/drawingml/2006/compatibility" xmlns:p14="http://schemas.microsoft.com/office/powerpoint/2010/main" xmlns:p15="http://schemas.microsoft.com/office/powerpoint/2012/main">
+<p:sld xmlns:a="http://schemas.openxmlformats.org/drawingml/2006/main" xmlns:r="http://schemas.openxmlformats.org/officeDocument/2006/relationships" xmlns:mc="http://schemas.openxmlformats.org/markup-compatibility/2006" xmlns:mv="urn:schemas-microsoft-com:mac:vml" xmlns:p="http://schemas.openxmlformats.org/presentationml/2006/main" xmlns:c="http://schemas.openxmlformats.org/drawingml/2006/chart" xmlns:dgm="http://schemas.openxmlformats.org/drawingml/2006/diagram" xmlns:o="urn:schemas-microsoft-com:office:office" xmlns:v="urn:schemas-microsoft-com:vml" xmlns:pvml="urn:schemas-microsoft-com:office:powerpoint" xmlns:com="http://schemas.openxmlformats.org/drawingml/2006/compatibility" xmlns:p14="http://schemas.microsoft.com/office/powerpoint/2010/main" xmlns:p15="http://schemas.microsoft.com/office/powerpoint/2012/main" xmlns:ahyp="http://schemas.microsoft.com/office/drawing/2018/hyperlinkcolor">
   <p:cSld>
     <p:spTree>
       <p:nvGrpSpPr>
@@ -17829,7 +17835,7 @@
 </file>
 
 <file path=ppt/slides/slide11.xml><?xml version="1.0" encoding="utf-8"?>
-<p:sld xmlns:a="http://schemas.openxmlformats.org/drawingml/2006/main" xmlns:r="http://schemas.openxmlformats.org/officeDocument/2006/relationships" xmlns:mc="http://schemas.openxmlformats.org/markup-compatibility/2006" xmlns:mv="urn:schemas-microsoft-com:mac:vml" xmlns:p="http://schemas.openxmlformats.org/presentationml/2006/main" xmlns:c="http://schemas.openxmlformats.org/drawingml/2006/chart" xmlns:dgm="http://schemas.openxmlformats.org/drawingml/2006/diagram" xmlns:o="urn:schemas-microsoft-com:office:office" xmlns:v="urn:schemas-microsoft-com:vml" xmlns:pvml="urn:schemas-microsoft-com:office:powerpoint" xmlns:com="http://schemas.openxmlformats.org/drawingml/2006/compatibility" xmlns:p14="http://schemas.microsoft.com/office/powerpoint/2010/main" xmlns:p15="http://schemas.microsoft.com/office/powerpoint/2012/main">
+<p:sld xmlns:a="http://schemas.openxmlformats.org/drawingml/2006/main" xmlns:r="http://schemas.openxmlformats.org/officeDocument/2006/relationships" xmlns:mc="http://schemas.openxmlformats.org/markup-compatibility/2006" xmlns:mv="urn:schemas-microsoft-com:mac:vml" xmlns:p="http://schemas.openxmlformats.org/presentationml/2006/main" xmlns:c="http://schemas.openxmlformats.org/drawingml/2006/chart" xmlns:dgm="http://schemas.openxmlformats.org/drawingml/2006/diagram" xmlns:o="urn:schemas-microsoft-com:office:office" xmlns:v="urn:schemas-microsoft-com:vml" xmlns:pvml="urn:schemas-microsoft-com:office:powerpoint" xmlns:com="http://schemas.openxmlformats.org/drawingml/2006/compatibility" xmlns:p14="http://schemas.microsoft.com/office/powerpoint/2010/main" xmlns:p15="http://schemas.microsoft.com/office/powerpoint/2012/main" xmlns:ahyp="http://schemas.microsoft.com/office/drawing/2018/hyperlinkcolor">
   <p:cSld>
     <p:spTree>
       <p:nvGrpSpPr>
@@ -18006,7 +18012,7 @@
 </file>
 
 <file path=ppt/slides/slide12.xml><?xml version="1.0" encoding="utf-8"?>
-<p:sld xmlns:a="http://schemas.openxmlformats.org/drawingml/2006/main" xmlns:r="http://schemas.openxmlformats.org/officeDocument/2006/relationships" xmlns:mc="http://schemas.openxmlformats.org/markup-compatibility/2006" xmlns:mv="urn:schemas-microsoft-com:mac:vml" xmlns:p="http://schemas.openxmlformats.org/presentationml/2006/main" xmlns:c="http://schemas.openxmlformats.org/drawingml/2006/chart" xmlns:dgm="http://schemas.openxmlformats.org/drawingml/2006/diagram" xmlns:o="urn:schemas-microsoft-com:office:office" xmlns:v="urn:schemas-microsoft-com:vml" xmlns:pvml="urn:schemas-microsoft-com:office:powerpoint" xmlns:com="http://schemas.openxmlformats.org/drawingml/2006/compatibility" xmlns:p14="http://schemas.microsoft.com/office/powerpoint/2010/main" xmlns:p15="http://schemas.microsoft.com/office/powerpoint/2012/main">
+<p:sld xmlns:a="http://schemas.openxmlformats.org/drawingml/2006/main" xmlns:r="http://schemas.openxmlformats.org/officeDocument/2006/relationships" xmlns:mc="http://schemas.openxmlformats.org/markup-compatibility/2006" xmlns:mv="urn:schemas-microsoft-com:mac:vml" xmlns:p="http://schemas.openxmlformats.org/presentationml/2006/main" xmlns:c="http://schemas.openxmlformats.org/drawingml/2006/chart" xmlns:dgm="http://schemas.openxmlformats.org/drawingml/2006/diagram" xmlns:o="urn:schemas-microsoft-com:office:office" xmlns:v="urn:schemas-microsoft-com:vml" xmlns:pvml="urn:schemas-microsoft-com:office:powerpoint" xmlns:com="http://schemas.openxmlformats.org/drawingml/2006/compatibility" xmlns:p14="http://schemas.microsoft.com/office/powerpoint/2010/main" xmlns:p15="http://schemas.microsoft.com/office/powerpoint/2012/main" xmlns:ahyp="http://schemas.microsoft.com/office/drawing/2018/hyperlinkcolor">
   <p:cSld>
     <p:spTree>
       <p:nvGrpSpPr>
@@ -18800,7 +18806,7 @@
 </file>
 
 <file path=ppt/slides/slide13.xml><?xml version="1.0" encoding="utf-8"?>
-<p:sld xmlns:a="http://schemas.openxmlformats.org/drawingml/2006/main" xmlns:r="http://schemas.openxmlformats.org/officeDocument/2006/relationships" xmlns:mc="http://schemas.openxmlformats.org/markup-compatibility/2006" xmlns:mv="urn:schemas-microsoft-com:mac:vml" xmlns:p="http://schemas.openxmlformats.org/presentationml/2006/main" xmlns:c="http://schemas.openxmlformats.org/drawingml/2006/chart" xmlns:dgm="http://schemas.openxmlformats.org/drawingml/2006/diagram" xmlns:o="urn:schemas-microsoft-com:office:office" xmlns:v="urn:schemas-microsoft-com:vml" xmlns:pvml="urn:schemas-microsoft-com:office:powerpoint" xmlns:com="http://schemas.openxmlformats.org/drawingml/2006/compatibility" xmlns:p14="http://schemas.microsoft.com/office/powerpoint/2010/main" xmlns:p15="http://schemas.microsoft.com/office/powerpoint/2012/main">
+<p:sld xmlns:a="http://schemas.openxmlformats.org/drawingml/2006/main" xmlns:r="http://schemas.openxmlformats.org/officeDocument/2006/relationships" xmlns:mc="http://schemas.openxmlformats.org/markup-compatibility/2006" xmlns:mv="urn:schemas-microsoft-com:mac:vml" xmlns:p="http://schemas.openxmlformats.org/presentationml/2006/main" xmlns:c="http://schemas.openxmlformats.org/drawingml/2006/chart" xmlns:dgm="http://schemas.openxmlformats.org/drawingml/2006/diagram" xmlns:o="urn:schemas-microsoft-com:office:office" xmlns:v="urn:schemas-microsoft-com:vml" xmlns:pvml="urn:schemas-microsoft-com:office:powerpoint" xmlns:com="http://schemas.openxmlformats.org/drawingml/2006/compatibility" xmlns:p14="http://schemas.microsoft.com/office/powerpoint/2010/main" xmlns:p15="http://schemas.microsoft.com/office/powerpoint/2012/main" xmlns:ahyp="http://schemas.microsoft.com/office/drawing/2018/hyperlinkcolor">
   <p:cSld>
     <p:spTree>
       <p:nvGrpSpPr>
@@ -18975,7 +18981,7 @@
 </file>
 
 <file path=ppt/slides/slide14.xml><?xml version="1.0" encoding="utf-8"?>
-<p:sld xmlns:a="http://schemas.openxmlformats.org/drawingml/2006/main" xmlns:r="http://schemas.openxmlformats.org/officeDocument/2006/relationships" xmlns:mc="http://schemas.openxmlformats.org/markup-compatibility/2006" xmlns:mv="urn:schemas-microsoft-com:mac:vml" xmlns:p="http://schemas.openxmlformats.org/presentationml/2006/main" xmlns:c="http://schemas.openxmlformats.org/drawingml/2006/chart" xmlns:dgm="http://schemas.openxmlformats.org/drawingml/2006/diagram" xmlns:o="urn:schemas-microsoft-com:office:office" xmlns:v="urn:schemas-microsoft-com:vml" xmlns:pvml="urn:schemas-microsoft-com:office:powerpoint" xmlns:com="http://schemas.openxmlformats.org/drawingml/2006/compatibility" xmlns:p14="http://schemas.microsoft.com/office/powerpoint/2010/main" xmlns:p15="http://schemas.microsoft.com/office/powerpoint/2012/main">
+<p:sld xmlns:a="http://schemas.openxmlformats.org/drawingml/2006/main" xmlns:r="http://schemas.openxmlformats.org/officeDocument/2006/relationships" xmlns:mc="http://schemas.openxmlformats.org/markup-compatibility/2006" xmlns:mv="urn:schemas-microsoft-com:mac:vml" xmlns:p="http://schemas.openxmlformats.org/presentationml/2006/main" xmlns:c="http://schemas.openxmlformats.org/drawingml/2006/chart" xmlns:dgm="http://schemas.openxmlformats.org/drawingml/2006/diagram" xmlns:o="urn:schemas-microsoft-com:office:office" xmlns:v="urn:schemas-microsoft-com:vml" xmlns:pvml="urn:schemas-microsoft-com:office:powerpoint" xmlns:com="http://schemas.openxmlformats.org/drawingml/2006/compatibility" xmlns:p14="http://schemas.microsoft.com/office/powerpoint/2010/main" xmlns:p15="http://schemas.microsoft.com/office/powerpoint/2012/main" xmlns:ahyp="http://schemas.microsoft.com/office/drawing/2018/hyperlinkcolor">
   <p:cSld>
     <p:spTree>
       <p:nvGrpSpPr>
@@ -19027,7 +19033,7 @@
 </file>
 
 <file path=ppt/slides/slide15.xml><?xml version="1.0" encoding="utf-8"?>
-<p:sld xmlns:a="http://schemas.openxmlformats.org/drawingml/2006/main" xmlns:r="http://schemas.openxmlformats.org/officeDocument/2006/relationships" xmlns:mc="http://schemas.openxmlformats.org/markup-compatibility/2006" xmlns:mv="urn:schemas-microsoft-com:mac:vml" xmlns:p="http://schemas.openxmlformats.org/presentationml/2006/main" xmlns:c="http://schemas.openxmlformats.org/drawingml/2006/chart" xmlns:dgm="http://schemas.openxmlformats.org/drawingml/2006/diagram" xmlns:o="urn:schemas-microsoft-com:office:office" xmlns:v="urn:schemas-microsoft-com:vml" xmlns:pvml="urn:schemas-microsoft-com:office:powerpoint" xmlns:com="http://schemas.openxmlformats.org/drawingml/2006/compatibility" xmlns:p14="http://schemas.microsoft.com/office/powerpoint/2010/main" xmlns:p15="http://schemas.microsoft.com/office/powerpoint/2012/main">
+<p:sld xmlns:a="http://schemas.openxmlformats.org/drawingml/2006/main" xmlns:r="http://schemas.openxmlformats.org/officeDocument/2006/relationships" xmlns:mc="http://schemas.openxmlformats.org/markup-compatibility/2006" xmlns:mv="urn:schemas-microsoft-com:mac:vml" xmlns:p="http://schemas.openxmlformats.org/presentationml/2006/main" xmlns:c="http://schemas.openxmlformats.org/drawingml/2006/chart" xmlns:dgm="http://schemas.openxmlformats.org/drawingml/2006/diagram" xmlns:o="urn:schemas-microsoft-com:office:office" xmlns:v="urn:schemas-microsoft-com:vml" xmlns:pvml="urn:schemas-microsoft-com:office:powerpoint" xmlns:com="http://schemas.openxmlformats.org/drawingml/2006/compatibility" xmlns:p14="http://schemas.microsoft.com/office/powerpoint/2010/main" xmlns:p15="http://schemas.microsoft.com/office/powerpoint/2012/main" xmlns:ahyp="http://schemas.microsoft.com/office/drawing/2018/hyperlinkcolor">
   <p:cSld>
     <p:spTree>
       <p:nvGrpSpPr>
@@ -19237,7 +19243,7 @@
 </file>
 
 <file path=ppt/slides/slide16.xml><?xml version="1.0" encoding="utf-8"?>
-<p:sld xmlns:a="http://schemas.openxmlformats.org/drawingml/2006/main" xmlns:r="http://schemas.openxmlformats.org/officeDocument/2006/relationships" xmlns:mc="http://schemas.openxmlformats.org/markup-compatibility/2006" xmlns:mv="urn:schemas-microsoft-com:mac:vml" xmlns:p="http://schemas.openxmlformats.org/presentationml/2006/main" xmlns:c="http://schemas.openxmlformats.org/drawingml/2006/chart" xmlns:dgm="http://schemas.openxmlformats.org/drawingml/2006/diagram" xmlns:o="urn:schemas-microsoft-com:office:office" xmlns:v="urn:schemas-microsoft-com:vml" xmlns:pvml="urn:schemas-microsoft-com:office:powerpoint" xmlns:com="http://schemas.openxmlformats.org/drawingml/2006/compatibility" xmlns:p14="http://schemas.microsoft.com/office/powerpoint/2010/main" xmlns:p15="http://schemas.microsoft.com/office/powerpoint/2012/main">
+<p:sld xmlns:a="http://schemas.openxmlformats.org/drawingml/2006/main" xmlns:r="http://schemas.openxmlformats.org/officeDocument/2006/relationships" xmlns:mc="http://schemas.openxmlformats.org/markup-compatibility/2006" xmlns:mv="urn:schemas-microsoft-com:mac:vml" xmlns:p="http://schemas.openxmlformats.org/presentationml/2006/main" xmlns:c="http://schemas.openxmlformats.org/drawingml/2006/chart" xmlns:dgm="http://schemas.openxmlformats.org/drawingml/2006/diagram" xmlns:o="urn:schemas-microsoft-com:office:office" xmlns:v="urn:schemas-microsoft-com:vml" xmlns:pvml="urn:schemas-microsoft-com:office:powerpoint" xmlns:com="http://schemas.openxmlformats.org/drawingml/2006/compatibility" xmlns:p14="http://schemas.microsoft.com/office/powerpoint/2010/main" xmlns:p15="http://schemas.microsoft.com/office/powerpoint/2012/main" xmlns:ahyp="http://schemas.microsoft.com/office/drawing/2018/hyperlinkcolor">
   <p:cSld>
     <p:spTree>
       <p:nvGrpSpPr>
@@ -19439,7 +19445,7 @@
 </file>
 
 <file path=ppt/slides/slide17.xml><?xml version="1.0" encoding="utf-8"?>
-<p:sld xmlns:a="http://schemas.openxmlformats.org/drawingml/2006/main" xmlns:r="http://schemas.openxmlformats.org/officeDocument/2006/relationships" xmlns:mc="http://schemas.openxmlformats.org/markup-compatibility/2006" xmlns:mv="urn:schemas-microsoft-com:mac:vml" xmlns:p="http://schemas.openxmlformats.org/presentationml/2006/main" xmlns:c="http://schemas.openxmlformats.org/drawingml/2006/chart" xmlns:dgm="http://schemas.openxmlformats.org/drawingml/2006/diagram" xmlns:o="urn:schemas-microsoft-com:office:office" xmlns:v="urn:schemas-microsoft-com:vml" xmlns:pvml="urn:schemas-microsoft-com:office:powerpoint" xmlns:com="http://schemas.openxmlformats.org/drawingml/2006/compatibility" xmlns:p14="http://schemas.microsoft.com/office/powerpoint/2010/main" xmlns:p15="http://schemas.microsoft.com/office/powerpoint/2012/main">
+<p:sld xmlns:a="http://schemas.openxmlformats.org/drawingml/2006/main" xmlns:r="http://schemas.openxmlformats.org/officeDocument/2006/relationships" xmlns:mc="http://schemas.openxmlformats.org/markup-compatibility/2006" xmlns:mv="urn:schemas-microsoft-com:mac:vml" xmlns:p="http://schemas.openxmlformats.org/presentationml/2006/main" xmlns:c="http://schemas.openxmlformats.org/drawingml/2006/chart" xmlns:dgm="http://schemas.openxmlformats.org/drawingml/2006/diagram" xmlns:o="urn:schemas-microsoft-com:office:office" xmlns:v="urn:schemas-microsoft-com:vml" xmlns:pvml="urn:schemas-microsoft-com:office:powerpoint" xmlns:com="http://schemas.openxmlformats.org/drawingml/2006/compatibility" xmlns:p14="http://schemas.microsoft.com/office/powerpoint/2010/main" xmlns:p15="http://schemas.microsoft.com/office/powerpoint/2012/main" xmlns:ahyp="http://schemas.microsoft.com/office/drawing/2018/hyperlinkcolor">
   <p:cSld>
     <p:spTree>
       <p:nvGrpSpPr>
@@ -19595,7 +19601,7 @@
 </file>
 
 <file path=ppt/slides/slide18.xml><?xml version="1.0" encoding="utf-8"?>
-<p:sld xmlns:a="http://schemas.openxmlformats.org/drawingml/2006/main" xmlns:r="http://schemas.openxmlformats.org/officeDocument/2006/relationships" xmlns:mc="http://schemas.openxmlformats.org/markup-compatibility/2006" xmlns:mv="urn:schemas-microsoft-com:mac:vml" xmlns:p="http://schemas.openxmlformats.org/presentationml/2006/main" xmlns:c="http://schemas.openxmlformats.org/drawingml/2006/chart" xmlns:dgm="http://schemas.openxmlformats.org/drawingml/2006/diagram" xmlns:o="urn:schemas-microsoft-com:office:office" xmlns:v="urn:schemas-microsoft-com:vml" xmlns:pvml="urn:schemas-microsoft-com:office:powerpoint" xmlns:com="http://schemas.openxmlformats.org/drawingml/2006/compatibility" xmlns:p14="http://schemas.microsoft.com/office/powerpoint/2010/main" xmlns:p15="http://schemas.microsoft.com/office/powerpoint/2012/main">
+<p:sld xmlns:a="http://schemas.openxmlformats.org/drawingml/2006/main" xmlns:r="http://schemas.openxmlformats.org/officeDocument/2006/relationships" xmlns:mc="http://schemas.openxmlformats.org/markup-compatibility/2006" xmlns:mv="urn:schemas-microsoft-com:mac:vml" xmlns:p="http://schemas.openxmlformats.org/presentationml/2006/main" xmlns:c="http://schemas.openxmlformats.org/drawingml/2006/chart" xmlns:dgm="http://schemas.openxmlformats.org/drawingml/2006/diagram" xmlns:o="urn:schemas-microsoft-com:office:office" xmlns:v="urn:schemas-microsoft-com:vml" xmlns:pvml="urn:schemas-microsoft-com:office:powerpoint" xmlns:com="http://schemas.openxmlformats.org/drawingml/2006/compatibility" xmlns:p14="http://schemas.microsoft.com/office/powerpoint/2010/main" xmlns:p15="http://schemas.microsoft.com/office/powerpoint/2012/main" xmlns:ahyp="http://schemas.microsoft.com/office/drawing/2018/hyperlinkcolor">
   <p:cSld>
     <p:spTree>
       <p:nvGrpSpPr>
@@ -19812,7 +19818,7 @@
 </file>
 
 <file path=ppt/slides/slide19.xml><?xml version="1.0" encoding="utf-8"?>
-<p:sld xmlns:a="http://schemas.openxmlformats.org/drawingml/2006/main" xmlns:r="http://schemas.openxmlformats.org/officeDocument/2006/relationships" xmlns:mc="http://schemas.openxmlformats.org/markup-compatibility/2006" xmlns:mv="urn:schemas-microsoft-com:mac:vml" xmlns:p="http://schemas.openxmlformats.org/presentationml/2006/main" xmlns:c="http://schemas.openxmlformats.org/drawingml/2006/chart" xmlns:dgm="http://schemas.openxmlformats.org/drawingml/2006/diagram" xmlns:o="urn:schemas-microsoft-com:office:office" xmlns:v="urn:schemas-microsoft-com:vml" xmlns:pvml="urn:schemas-microsoft-com:office:powerpoint" xmlns:com="http://schemas.openxmlformats.org/drawingml/2006/compatibility" xmlns:p14="http://schemas.microsoft.com/office/powerpoint/2010/main" xmlns:p15="http://schemas.microsoft.com/office/powerpoint/2012/main">
+<p:sld xmlns:a="http://schemas.openxmlformats.org/drawingml/2006/main" xmlns:r="http://schemas.openxmlformats.org/officeDocument/2006/relationships" xmlns:mc="http://schemas.openxmlformats.org/markup-compatibility/2006" xmlns:mv="urn:schemas-microsoft-com:mac:vml" xmlns:p="http://schemas.openxmlformats.org/presentationml/2006/main" xmlns:c="http://schemas.openxmlformats.org/drawingml/2006/chart" xmlns:dgm="http://schemas.openxmlformats.org/drawingml/2006/diagram" xmlns:o="urn:schemas-microsoft-com:office:office" xmlns:v="urn:schemas-microsoft-com:vml" xmlns:pvml="urn:schemas-microsoft-com:office:powerpoint" xmlns:com="http://schemas.openxmlformats.org/drawingml/2006/compatibility" xmlns:p14="http://schemas.microsoft.com/office/powerpoint/2010/main" xmlns:p15="http://schemas.microsoft.com/office/powerpoint/2012/main" xmlns:ahyp="http://schemas.microsoft.com/office/drawing/2018/hyperlinkcolor">
   <p:cSld>
     <p:spTree>
       <p:nvGrpSpPr>
@@ -20098,7 +20104,7 @@
 </file>
 
 <file path=ppt/slides/slide2.xml><?xml version="1.0" encoding="utf-8"?>
-<p:sld xmlns:a="http://schemas.openxmlformats.org/drawingml/2006/main" xmlns:r="http://schemas.openxmlformats.org/officeDocument/2006/relationships" xmlns:mc="http://schemas.openxmlformats.org/markup-compatibility/2006" xmlns:mv="urn:schemas-microsoft-com:mac:vml" xmlns:p="http://schemas.openxmlformats.org/presentationml/2006/main" xmlns:c="http://schemas.openxmlformats.org/drawingml/2006/chart" xmlns:dgm="http://schemas.openxmlformats.org/drawingml/2006/diagram" xmlns:o="urn:schemas-microsoft-com:office:office" xmlns:v="urn:schemas-microsoft-com:vml" xmlns:pvml="urn:schemas-microsoft-com:office:powerpoint" xmlns:com="http://schemas.openxmlformats.org/drawingml/2006/compatibility" xmlns:p14="http://schemas.microsoft.com/office/powerpoint/2010/main" xmlns:p15="http://schemas.microsoft.com/office/powerpoint/2012/main">
+<p:sld xmlns:a="http://schemas.openxmlformats.org/drawingml/2006/main" xmlns:r="http://schemas.openxmlformats.org/officeDocument/2006/relationships" xmlns:mc="http://schemas.openxmlformats.org/markup-compatibility/2006" xmlns:mv="urn:schemas-microsoft-com:mac:vml" xmlns:p="http://schemas.openxmlformats.org/presentationml/2006/main" xmlns:c="http://schemas.openxmlformats.org/drawingml/2006/chart" xmlns:dgm="http://schemas.openxmlformats.org/drawingml/2006/diagram" xmlns:o="urn:schemas-microsoft-com:office:office" xmlns:v="urn:schemas-microsoft-com:vml" xmlns:pvml="urn:schemas-microsoft-com:office:powerpoint" xmlns:com="http://schemas.openxmlformats.org/drawingml/2006/compatibility" xmlns:p14="http://schemas.microsoft.com/office/powerpoint/2010/main" xmlns:p15="http://schemas.microsoft.com/office/powerpoint/2012/main" xmlns:ahyp="http://schemas.microsoft.com/office/drawing/2018/hyperlinkcolor">
   <p:cSld>
     <p:spTree>
       <p:nvGrpSpPr>
@@ -20407,7 +20413,7 @@
 </file>
 
 <file path=ppt/slides/slide20.xml><?xml version="1.0" encoding="utf-8"?>
-<p:sld xmlns:a="http://schemas.openxmlformats.org/drawingml/2006/main" xmlns:r="http://schemas.openxmlformats.org/officeDocument/2006/relationships" xmlns:mc="http://schemas.openxmlformats.org/markup-compatibility/2006" xmlns:mv="urn:schemas-microsoft-com:mac:vml" xmlns:p="http://schemas.openxmlformats.org/presentationml/2006/main" xmlns:c="http://schemas.openxmlformats.org/drawingml/2006/chart" xmlns:dgm="http://schemas.openxmlformats.org/drawingml/2006/diagram" xmlns:o="urn:schemas-microsoft-com:office:office" xmlns:v="urn:schemas-microsoft-com:vml" xmlns:pvml="urn:schemas-microsoft-com:office:powerpoint" xmlns:com="http://schemas.openxmlformats.org/drawingml/2006/compatibility" xmlns:p14="http://schemas.microsoft.com/office/powerpoint/2010/main" xmlns:p15="http://schemas.microsoft.com/office/powerpoint/2012/main">
+<p:sld xmlns:a="http://schemas.openxmlformats.org/drawingml/2006/main" xmlns:r="http://schemas.openxmlformats.org/officeDocument/2006/relationships" xmlns:mc="http://schemas.openxmlformats.org/markup-compatibility/2006" xmlns:mv="urn:schemas-microsoft-com:mac:vml" xmlns:p="http://schemas.openxmlformats.org/presentationml/2006/main" xmlns:c="http://schemas.openxmlformats.org/drawingml/2006/chart" xmlns:dgm="http://schemas.openxmlformats.org/drawingml/2006/diagram" xmlns:o="urn:schemas-microsoft-com:office:office" xmlns:v="urn:schemas-microsoft-com:vml" xmlns:pvml="urn:schemas-microsoft-com:office:powerpoint" xmlns:com="http://schemas.openxmlformats.org/drawingml/2006/compatibility" xmlns:p14="http://schemas.microsoft.com/office/powerpoint/2010/main" xmlns:p15="http://schemas.microsoft.com/office/powerpoint/2012/main" xmlns:ahyp="http://schemas.microsoft.com/office/drawing/2018/hyperlinkcolor">
   <p:cSld>
     <p:spTree>
       <p:nvGrpSpPr>
@@ -20963,7 +20969,7 @@
 </file>
 
 <file path=ppt/slides/slide21.xml><?xml version="1.0" encoding="utf-8"?>
-<p:sld xmlns:a="http://schemas.openxmlformats.org/drawingml/2006/main" xmlns:r="http://schemas.openxmlformats.org/officeDocument/2006/relationships" xmlns:mc="http://schemas.openxmlformats.org/markup-compatibility/2006" xmlns:mv="urn:schemas-microsoft-com:mac:vml" xmlns:p="http://schemas.openxmlformats.org/presentationml/2006/main" xmlns:c="http://schemas.openxmlformats.org/drawingml/2006/chart" xmlns:dgm="http://schemas.openxmlformats.org/drawingml/2006/diagram" xmlns:o="urn:schemas-microsoft-com:office:office" xmlns:v="urn:schemas-microsoft-com:vml" xmlns:pvml="urn:schemas-microsoft-com:office:powerpoint" xmlns:com="http://schemas.openxmlformats.org/drawingml/2006/compatibility" xmlns:p14="http://schemas.microsoft.com/office/powerpoint/2010/main" xmlns:p15="http://schemas.microsoft.com/office/powerpoint/2012/main">
+<p:sld xmlns:a="http://schemas.openxmlformats.org/drawingml/2006/main" xmlns:r="http://schemas.openxmlformats.org/officeDocument/2006/relationships" xmlns:mc="http://schemas.openxmlformats.org/markup-compatibility/2006" xmlns:mv="urn:schemas-microsoft-com:mac:vml" xmlns:p="http://schemas.openxmlformats.org/presentationml/2006/main" xmlns:c="http://schemas.openxmlformats.org/drawingml/2006/chart" xmlns:dgm="http://schemas.openxmlformats.org/drawingml/2006/diagram" xmlns:o="urn:schemas-microsoft-com:office:office" xmlns:v="urn:schemas-microsoft-com:vml" xmlns:pvml="urn:schemas-microsoft-com:office:powerpoint" xmlns:com="http://schemas.openxmlformats.org/drawingml/2006/compatibility" xmlns:p14="http://schemas.microsoft.com/office/powerpoint/2010/main" xmlns:p15="http://schemas.microsoft.com/office/powerpoint/2012/main" xmlns:ahyp="http://schemas.microsoft.com/office/drawing/2018/hyperlinkcolor">
   <p:cSld>
     <p:spTree>
       <p:nvGrpSpPr>
@@ -21056,7 +21062,7 @@
 </file>
 
 <file path=ppt/slides/slide22.xml><?xml version="1.0" encoding="utf-8"?>
-<p:sld xmlns:a="http://schemas.openxmlformats.org/drawingml/2006/main" xmlns:r="http://schemas.openxmlformats.org/officeDocument/2006/relationships" xmlns:mc="http://schemas.openxmlformats.org/markup-compatibility/2006" xmlns:mv="urn:schemas-microsoft-com:mac:vml" xmlns:p="http://schemas.openxmlformats.org/presentationml/2006/main" xmlns:c="http://schemas.openxmlformats.org/drawingml/2006/chart" xmlns:dgm="http://schemas.openxmlformats.org/drawingml/2006/diagram" xmlns:o="urn:schemas-microsoft-com:office:office" xmlns:v="urn:schemas-microsoft-com:vml" xmlns:pvml="urn:schemas-microsoft-com:office:powerpoint" xmlns:com="http://schemas.openxmlformats.org/drawingml/2006/compatibility" xmlns:p14="http://schemas.microsoft.com/office/powerpoint/2010/main" xmlns:p15="http://schemas.microsoft.com/office/powerpoint/2012/main">
+<p:sld xmlns:a="http://schemas.openxmlformats.org/drawingml/2006/main" xmlns:r="http://schemas.openxmlformats.org/officeDocument/2006/relationships" xmlns:mc="http://schemas.openxmlformats.org/markup-compatibility/2006" xmlns:mv="urn:schemas-microsoft-com:mac:vml" xmlns:p="http://schemas.openxmlformats.org/presentationml/2006/main" xmlns:c="http://schemas.openxmlformats.org/drawingml/2006/chart" xmlns:dgm="http://schemas.openxmlformats.org/drawingml/2006/diagram" xmlns:o="urn:schemas-microsoft-com:office:office" xmlns:v="urn:schemas-microsoft-com:vml" xmlns:pvml="urn:schemas-microsoft-com:office:powerpoint" xmlns:com="http://schemas.openxmlformats.org/drawingml/2006/compatibility" xmlns:p14="http://schemas.microsoft.com/office/powerpoint/2010/main" xmlns:p15="http://schemas.microsoft.com/office/powerpoint/2012/main" xmlns:ahyp="http://schemas.microsoft.com/office/drawing/2018/hyperlinkcolor">
   <p:cSld>
     <p:spTree>
       <p:nvGrpSpPr>
@@ -21990,7 +21996,7 @@
 </file>
 
 <file path=ppt/slides/slide23.xml><?xml version="1.0" encoding="utf-8"?>
-<p:sld xmlns:a="http://schemas.openxmlformats.org/drawingml/2006/main" xmlns:r="http://schemas.openxmlformats.org/officeDocument/2006/relationships" xmlns:mc="http://schemas.openxmlformats.org/markup-compatibility/2006" xmlns:mv="urn:schemas-microsoft-com:mac:vml" xmlns:p="http://schemas.openxmlformats.org/presentationml/2006/main" xmlns:c="http://schemas.openxmlformats.org/drawingml/2006/chart" xmlns:dgm="http://schemas.openxmlformats.org/drawingml/2006/diagram" xmlns:o="urn:schemas-microsoft-com:office:office" xmlns:v="urn:schemas-microsoft-com:vml" xmlns:pvml="urn:schemas-microsoft-com:office:powerpoint" xmlns:com="http://schemas.openxmlformats.org/drawingml/2006/compatibility" xmlns:p14="http://schemas.microsoft.com/office/powerpoint/2010/main" xmlns:p15="http://schemas.microsoft.com/office/powerpoint/2012/main">
+<p:sld xmlns:a="http://schemas.openxmlformats.org/drawingml/2006/main" xmlns:r="http://schemas.openxmlformats.org/officeDocument/2006/relationships" xmlns:mc="http://schemas.openxmlformats.org/markup-compatibility/2006" xmlns:mv="urn:schemas-microsoft-com:mac:vml" xmlns:p="http://schemas.openxmlformats.org/presentationml/2006/main" xmlns:c="http://schemas.openxmlformats.org/drawingml/2006/chart" xmlns:dgm="http://schemas.openxmlformats.org/drawingml/2006/diagram" xmlns:o="urn:schemas-microsoft-com:office:office" xmlns:v="urn:schemas-microsoft-com:vml" xmlns:pvml="urn:schemas-microsoft-com:office:powerpoint" xmlns:com="http://schemas.openxmlformats.org/drawingml/2006/compatibility" xmlns:p14="http://schemas.microsoft.com/office/powerpoint/2010/main" xmlns:p15="http://schemas.microsoft.com/office/powerpoint/2012/main" xmlns:ahyp="http://schemas.microsoft.com/office/drawing/2018/hyperlinkcolor">
   <p:cSld>
     <p:spTree>
       <p:nvGrpSpPr>
@@ -22327,7 +22333,7 @@
 </file>
 
 <file path=ppt/slides/slide24.xml><?xml version="1.0" encoding="utf-8"?>
-<p:sld xmlns:a="http://schemas.openxmlformats.org/drawingml/2006/main" xmlns:r="http://schemas.openxmlformats.org/officeDocument/2006/relationships" xmlns:mc="http://schemas.openxmlformats.org/markup-compatibility/2006" xmlns:mv="urn:schemas-microsoft-com:mac:vml" xmlns:p="http://schemas.openxmlformats.org/presentationml/2006/main" xmlns:c="http://schemas.openxmlformats.org/drawingml/2006/chart" xmlns:dgm="http://schemas.openxmlformats.org/drawingml/2006/diagram" xmlns:o="urn:schemas-microsoft-com:office:office" xmlns:v="urn:schemas-microsoft-com:vml" xmlns:pvml="urn:schemas-microsoft-com:office:powerpoint" xmlns:com="http://schemas.openxmlformats.org/drawingml/2006/compatibility" xmlns:p14="http://schemas.microsoft.com/office/powerpoint/2010/main" xmlns:p15="http://schemas.microsoft.com/office/powerpoint/2012/main">
+<p:sld xmlns:a="http://schemas.openxmlformats.org/drawingml/2006/main" xmlns:r="http://schemas.openxmlformats.org/officeDocument/2006/relationships" xmlns:mc="http://schemas.openxmlformats.org/markup-compatibility/2006" xmlns:mv="urn:schemas-microsoft-com:mac:vml" xmlns:p="http://schemas.openxmlformats.org/presentationml/2006/main" xmlns:c="http://schemas.openxmlformats.org/drawingml/2006/chart" xmlns:dgm="http://schemas.openxmlformats.org/drawingml/2006/diagram" xmlns:o="urn:schemas-microsoft-com:office:office" xmlns:v="urn:schemas-microsoft-com:vml" xmlns:pvml="urn:schemas-microsoft-com:office:powerpoint" xmlns:com="http://schemas.openxmlformats.org/drawingml/2006/compatibility" xmlns:p14="http://schemas.microsoft.com/office/powerpoint/2010/main" xmlns:p15="http://schemas.microsoft.com/office/powerpoint/2012/main" xmlns:ahyp="http://schemas.microsoft.com/office/drawing/2018/hyperlinkcolor">
   <p:cSld>
     <p:spTree>
       <p:nvGrpSpPr>
@@ -23023,7 +23029,7 @@
 </file>
 
 <file path=ppt/slides/slide25.xml><?xml version="1.0" encoding="utf-8"?>
-<p:sld xmlns:a="http://schemas.openxmlformats.org/drawingml/2006/main" xmlns:r="http://schemas.openxmlformats.org/officeDocument/2006/relationships" xmlns:mc="http://schemas.openxmlformats.org/markup-compatibility/2006" xmlns:mv="urn:schemas-microsoft-com:mac:vml" xmlns:p="http://schemas.openxmlformats.org/presentationml/2006/main" xmlns:c="http://schemas.openxmlformats.org/drawingml/2006/chart" xmlns:dgm="http://schemas.openxmlformats.org/drawingml/2006/diagram" xmlns:o="urn:schemas-microsoft-com:office:office" xmlns:v="urn:schemas-microsoft-com:vml" xmlns:pvml="urn:schemas-microsoft-com:office:powerpoint" xmlns:com="http://schemas.openxmlformats.org/drawingml/2006/compatibility" xmlns:p14="http://schemas.microsoft.com/office/powerpoint/2010/main" xmlns:p15="http://schemas.microsoft.com/office/powerpoint/2012/main">
+<p:sld xmlns:a="http://schemas.openxmlformats.org/drawingml/2006/main" xmlns:r="http://schemas.openxmlformats.org/officeDocument/2006/relationships" xmlns:mc="http://schemas.openxmlformats.org/markup-compatibility/2006" xmlns:mv="urn:schemas-microsoft-com:mac:vml" xmlns:p="http://schemas.openxmlformats.org/presentationml/2006/main" xmlns:c="http://schemas.openxmlformats.org/drawingml/2006/chart" xmlns:dgm="http://schemas.openxmlformats.org/drawingml/2006/diagram" xmlns:o="urn:schemas-microsoft-com:office:office" xmlns:v="urn:schemas-microsoft-com:vml" xmlns:pvml="urn:schemas-microsoft-com:office:powerpoint" xmlns:com="http://schemas.openxmlformats.org/drawingml/2006/compatibility" xmlns:p14="http://schemas.microsoft.com/office/powerpoint/2010/main" xmlns:p15="http://schemas.microsoft.com/office/powerpoint/2012/main" xmlns:ahyp="http://schemas.microsoft.com/office/drawing/2018/hyperlinkcolor">
   <p:cSld>
     <p:spTree>
       <p:nvGrpSpPr>
@@ -23908,7 +23914,7 @@
 </file>
 
 <file path=ppt/slides/slide26.xml><?xml version="1.0" encoding="utf-8"?>
-<p:sld xmlns:a="http://schemas.openxmlformats.org/drawingml/2006/main" xmlns:r="http://schemas.openxmlformats.org/officeDocument/2006/relationships" xmlns:mc="http://schemas.openxmlformats.org/markup-compatibility/2006" xmlns:mv="urn:schemas-microsoft-com:mac:vml" xmlns:p="http://schemas.openxmlformats.org/presentationml/2006/main" xmlns:c="http://schemas.openxmlformats.org/drawingml/2006/chart" xmlns:dgm="http://schemas.openxmlformats.org/drawingml/2006/diagram" xmlns:o="urn:schemas-microsoft-com:office:office" xmlns:v="urn:schemas-microsoft-com:vml" xmlns:pvml="urn:schemas-microsoft-com:office:powerpoint" xmlns:com="http://schemas.openxmlformats.org/drawingml/2006/compatibility" xmlns:p14="http://schemas.microsoft.com/office/powerpoint/2010/main" xmlns:p15="http://schemas.microsoft.com/office/powerpoint/2012/main">
+<p:sld xmlns:a="http://schemas.openxmlformats.org/drawingml/2006/main" xmlns:r="http://schemas.openxmlformats.org/officeDocument/2006/relationships" xmlns:mc="http://schemas.openxmlformats.org/markup-compatibility/2006" xmlns:mv="urn:schemas-microsoft-com:mac:vml" xmlns:p="http://schemas.openxmlformats.org/presentationml/2006/main" xmlns:c="http://schemas.openxmlformats.org/drawingml/2006/chart" xmlns:dgm="http://schemas.openxmlformats.org/drawingml/2006/diagram" xmlns:o="urn:schemas-microsoft-com:office:office" xmlns:v="urn:schemas-microsoft-com:vml" xmlns:pvml="urn:schemas-microsoft-com:office:powerpoint" xmlns:com="http://schemas.openxmlformats.org/drawingml/2006/compatibility" xmlns:p14="http://schemas.microsoft.com/office/powerpoint/2010/main" xmlns:p15="http://schemas.microsoft.com/office/powerpoint/2012/main" xmlns:ahyp="http://schemas.microsoft.com/office/drawing/2018/hyperlinkcolor">
   <p:cSld>
     <p:spTree>
       <p:nvGrpSpPr>
@@ -24128,7 +24134,7 @@
 </file>
 
 <file path=ppt/slides/slide27.xml><?xml version="1.0" encoding="utf-8"?>
-<p:sld xmlns:a="http://schemas.openxmlformats.org/drawingml/2006/main" xmlns:r="http://schemas.openxmlformats.org/officeDocument/2006/relationships" xmlns:mc="http://schemas.openxmlformats.org/markup-compatibility/2006" xmlns:mv="urn:schemas-microsoft-com:mac:vml" xmlns:p="http://schemas.openxmlformats.org/presentationml/2006/main" xmlns:c="http://schemas.openxmlformats.org/drawingml/2006/chart" xmlns:dgm="http://schemas.openxmlformats.org/drawingml/2006/diagram" xmlns:o="urn:schemas-microsoft-com:office:office" xmlns:v="urn:schemas-microsoft-com:vml" xmlns:pvml="urn:schemas-microsoft-com:office:powerpoint" xmlns:com="http://schemas.openxmlformats.org/drawingml/2006/compatibility" xmlns:p14="http://schemas.microsoft.com/office/powerpoint/2010/main" xmlns:p15="http://schemas.microsoft.com/office/powerpoint/2012/main">
+<p:sld xmlns:a="http://schemas.openxmlformats.org/drawingml/2006/main" xmlns:r="http://schemas.openxmlformats.org/officeDocument/2006/relationships" xmlns:mc="http://schemas.openxmlformats.org/markup-compatibility/2006" xmlns:mv="urn:schemas-microsoft-com:mac:vml" xmlns:p="http://schemas.openxmlformats.org/presentationml/2006/main" xmlns:c="http://schemas.openxmlformats.org/drawingml/2006/chart" xmlns:dgm="http://schemas.openxmlformats.org/drawingml/2006/diagram" xmlns:o="urn:schemas-microsoft-com:office:office" xmlns:v="urn:schemas-microsoft-com:vml" xmlns:pvml="urn:schemas-microsoft-com:office:powerpoint" xmlns:com="http://schemas.openxmlformats.org/drawingml/2006/compatibility" xmlns:p14="http://schemas.microsoft.com/office/powerpoint/2010/main" xmlns:p15="http://schemas.microsoft.com/office/powerpoint/2012/main" xmlns:ahyp="http://schemas.microsoft.com/office/drawing/2018/hyperlinkcolor">
   <p:cSld>
     <p:spTree>
       <p:nvGrpSpPr>
@@ -25187,7 +25193,7 @@
 </file>
 
 <file path=ppt/slides/slide28.xml><?xml version="1.0" encoding="utf-8"?>
-<p:sld xmlns:a="http://schemas.openxmlformats.org/drawingml/2006/main" xmlns:r="http://schemas.openxmlformats.org/officeDocument/2006/relationships" xmlns:mc="http://schemas.openxmlformats.org/markup-compatibility/2006" xmlns:mv="urn:schemas-microsoft-com:mac:vml" xmlns:p="http://schemas.openxmlformats.org/presentationml/2006/main" xmlns:c="http://schemas.openxmlformats.org/drawingml/2006/chart" xmlns:dgm="http://schemas.openxmlformats.org/drawingml/2006/diagram" xmlns:o="urn:schemas-microsoft-com:office:office" xmlns:v="urn:schemas-microsoft-com:vml" xmlns:pvml="urn:schemas-microsoft-com:office:powerpoint" xmlns:com="http://schemas.openxmlformats.org/drawingml/2006/compatibility" xmlns:p14="http://schemas.microsoft.com/office/powerpoint/2010/main" xmlns:p15="http://schemas.microsoft.com/office/powerpoint/2012/main">
+<p:sld xmlns:a="http://schemas.openxmlformats.org/drawingml/2006/main" xmlns:r="http://schemas.openxmlformats.org/officeDocument/2006/relationships" xmlns:mc="http://schemas.openxmlformats.org/markup-compatibility/2006" xmlns:mv="urn:schemas-microsoft-com:mac:vml" xmlns:p="http://schemas.openxmlformats.org/presentationml/2006/main" xmlns:c="http://schemas.openxmlformats.org/drawingml/2006/chart" xmlns:dgm="http://schemas.openxmlformats.org/drawingml/2006/diagram" xmlns:o="urn:schemas-microsoft-com:office:office" xmlns:v="urn:schemas-microsoft-com:vml" xmlns:pvml="urn:schemas-microsoft-com:office:powerpoint" xmlns:com="http://schemas.openxmlformats.org/drawingml/2006/compatibility" xmlns:p14="http://schemas.microsoft.com/office/powerpoint/2010/main" xmlns:p15="http://schemas.microsoft.com/office/powerpoint/2012/main" xmlns:ahyp="http://schemas.microsoft.com/office/drawing/2018/hyperlinkcolor">
   <p:cSld>
     <p:spTree>
       <p:nvGrpSpPr>
@@ -25396,7 +25402,7 @@
 </file>
 
 <file path=ppt/slides/slide29.xml><?xml version="1.0" encoding="utf-8"?>
-<p:sld xmlns:a="http://schemas.openxmlformats.org/drawingml/2006/main" xmlns:r="http://schemas.openxmlformats.org/officeDocument/2006/relationships" xmlns:mc="http://schemas.openxmlformats.org/markup-compatibility/2006" xmlns:mv="urn:schemas-microsoft-com:mac:vml" xmlns:p="http://schemas.openxmlformats.org/presentationml/2006/main" xmlns:c="http://schemas.openxmlformats.org/drawingml/2006/chart" xmlns:dgm="http://schemas.openxmlformats.org/drawingml/2006/diagram" xmlns:o="urn:schemas-microsoft-com:office:office" xmlns:v="urn:schemas-microsoft-com:vml" xmlns:pvml="urn:schemas-microsoft-com:office:powerpoint" xmlns:com="http://schemas.openxmlformats.org/drawingml/2006/compatibility" xmlns:p14="http://schemas.microsoft.com/office/powerpoint/2010/main" xmlns:p15="http://schemas.microsoft.com/office/powerpoint/2012/main">
+<p:sld xmlns:a="http://schemas.openxmlformats.org/drawingml/2006/main" xmlns:r="http://schemas.openxmlformats.org/officeDocument/2006/relationships" xmlns:mc="http://schemas.openxmlformats.org/markup-compatibility/2006" xmlns:mv="urn:schemas-microsoft-com:mac:vml" xmlns:p="http://schemas.openxmlformats.org/presentationml/2006/main" xmlns:c="http://schemas.openxmlformats.org/drawingml/2006/chart" xmlns:dgm="http://schemas.openxmlformats.org/drawingml/2006/diagram" xmlns:o="urn:schemas-microsoft-com:office:office" xmlns:v="urn:schemas-microsoft-com:vml" xmlns:pvml="urn:schemas-microsoft-com:office:powerpoint" xmlns:com="http://schemas.openxmlformats.org/drawingml/2006/compatibility" xmlns:p14="http://schemas.microsoft.com/office/powerpoint/2010/main" xmlns:p15="http://schemas.microsoft.com/office/powerpoint/2012/main" xmlns:ahyp="http://schemas.microsoft.com/office/drawing/2018/hyperlinkcolor">
   <p:cSld>
     <p:spTree>
       <p:nvGrpSpPr>
@@ -25597,7 +25603,7 @@
 </file>
 
 <file path=ppt/slides/slide3.xml><?xml version="1.0" encoding="utf-8"?>
-<p:sld xmlns:a="http://schemas.openxmlformats.org/drawingml/2006/main" xmlns:r="http://schemas.openxmlformats.org/officeDocument/2006/relationships" xmlns:mc="http://schemas.openxmlformats.org/markup-compatibility/2006" xmlns:mv="urn:schemas-microsoft-com:mac:vml" xmlns:p="http://schemas.openxmlformats.org/presentationml/2006/main" xmlns:c="http://schemas.openxmlformats.org/drawingml/2006/chart" xmlns:dgm="http://schemas.openxmlformats.org/drawingml/2006/diagram" xmlns:o="urn:schemas-microsoft-com:office:office" xmlns:v="urn:schemas-microsoft-com:vml" xmlns:pvml="urn:schemas-microsoft-com:office:powerpoint" xmlns:com="http://schemas.openxmlformats.org/drawingml/2006/compatibility" xmlns:p14="http://schemas.microsoft.com/office/powerpoint/2010/main" xmlns:p15="http://schemas.microsoft.com/office/powerpoint/2012/main">
+<p:sld xmlns:a="http://schemas.openxmlformats.org/drawingml/2006/main" xmlns:r="http://schemas.openxmlformats.org/officeDocument/2006/relationships" xmlns:mc="http://schemas.openxmlformats.org/markup-compatibility/2006" xmlns:mv="urn:schemas-microsoft-com:mac:vml" xmlns:p="http://schemas.openxmlformats.org/presentationml/2006/main" xmlns:c="http://schemas.openxmlformats.org/drawingml/2006/chart" xmlns:dgm="http://schemas.openxmlformats.org/drawingml/2006/diagram" xmlns:o="urn:schemas-microsoft-com:office:office" xmlns:v="urn:schemas-microsoft-com:vml" xmlns:pvml="urn:schemas-microsoft-com:office:powerpoint" xmlns:com="http://schemas.openxmlformats.org/drawingml/2006/compatibility" xmlns:p14="http://schemas.microsoft.com/office/powerpoint/2010/main" xmlns:p15="http://schemas.microsoft.com/office/powerpoint/2012/main" xmlns:ahyp="http://schemas.microsoft.com/office/drawing/2018/hyperlinkcolor">
   <p:cSld>
     <p:spTree>
       <p:nvGrpSpPr>
@@ -25759,7 +25765,7 @@
 </file>
 
 <file path=ppt/slides/slide30.xml><?xml version="1.0" encoding="utf-8"?>
-<p:sld xmlns:a="http://schemas.openxmlformats.org/drawingml/2006/main" xmlns:r="http://schemas.openxmlformats.org/officeDocument/2006/relationships" xmlns:mc="http://schemas.openxmlformats.org/markup-compatibility/2006" xmlns:mv="urn:schemas-microsoft-com:mac:vml" xmlns:p="http://schemas.openxmlformats.org/presentationml/2006/main" xmlns:c="http://schemas.openxmlformats.org/drawingml/2006/chart" xmlns:dgm="http://schemas.openxmlformats.org/drawingml/2006/diagram" xmlns:o="urn:schemas-microsoft-com:office:office" xmlns:v="urn:schemas-microsoft-com:vml" xmlns:pvml="urn:schemas-microsoft-com:office:powerpoint" xmlns:com="http://schemas.openxmlformats.org/drawingml/2006/compatibility" xmlns:p14="http://schemas.microsoft.com/office/powerpoint/2010/main" xmlns:p15="http://schemas.microsoft.com/office/powerpoint/2012/main">
+<p:sld xmlns:a="http://schemas.openxmlformats.org/drawingml/2006/main" xmlns:r="http://schemas.openxmlformats.org/officeDocument/2006/relationships" xmlns:mc="http://schemas.openxmlformats.org/markup-compatibility/2006" xmlns:mv="urn:schemas-microsoft-com:mac:vml" xmlns:p="http://schemas.openxmlformats.org/presentationml/2006/main" xmlns:c="http://schemas.openxmlformats.org/drawingml/2006/chart" xmlns:dgm="http://schemas.openxmlformats.org/drawingml/2006/diagram" xmlns:o="urn:schemas-microsoft-com:office:office" xmlns:v="urn:schemas-microsoft-com:vml" xmlns:pvml="urn:schemas-microsoft-com:office:powerpoint" xmlns:com="http://schemas.openxmlformats.org/drawingml/2006/compatibility" xmlns:p14="http://schemas.microsoft.com/office/powerpoint/2010/main" xmlns:p15="http://schemas.microsoft.com/office/powerpoint/2012/main" xmlns:ahyp="http://schemas.microsoft.com/office/drawing/2018/hyperlinkcolor">
   <p:cSld>
     <p:spTree>
       <p:nvGrpSpPr>
@@ -26753,7 +26759,7 @@
 </file>
 
 <file path=ppt/slides/slide31.xml><?xml version="1.0" encoding="utf-8"?>
-<p:sld xmlns:a="http://schemas.openxmlformats.org/drawingml/2006/main" xmlns:r="http://schemas.openxmlformats.org/officeDocument/2006/relationships" xmlns:mc="http://schemas.openxmlformats.org/markup-compatibility/2006" xmlns:mv="urn:schemas-microsoft-com:mac:vml" xmlns:p="http://schemas.openxmlformats.org/presentationml/2006/main" xmlns:c="http://schemas.openxmlformats.org/drawingml/2006/chart" xmlns:dgm="http://schemas.openxmlformats.org/drawingml/2006/diagram" xmlns:o="urn:schemas-microsoft-com:office:office" xmlns:v="urn:schemas-microsoft-com:vml" xmlns:pvml="urn:schemas-microsoft-com:office:powerpoint" xmlns:com="http://schemas.openxmlformats.org/drawingml/2006/compatibility" xmlns:p14="http://schemas.microsoft.com/office/powerpoint/2010/main" xmlns:p15="http://schemas.microsoft.com/office/powerpoint/2012/main">
+<p:sld xmlns:a="http://schemas.openxmlformats.org/drawingml/2006/main" xmlns:r="http://schemas.openxmlformats.org/officeDocument/2006/relationships" xmlns:mc="http://schemas.openxmlformats.org/markup-compatibility/2006" xmlns:mv="urn:schemas-microsoft-com:mac:vml" xmlns:p="http://schemas.openxmlformats.org/presentationml/2006/main" xmlns:c="http://schemas.openxmlformats.org/drawingml/2006/chart" xmlns:dgm="http://schemas.openxmlformats.org/drawingml/2006/diagram" xmlns:o="urn:schemas-microsoft-com:office:office" xmlns:v="urn:schemas-microsoft-com:vml" xmlns:pvml="urn:schemas-microsoft-com:office:powerpoint" xmlns:com="http://schemas.openxmlformats.org/drawingml/2006/compatibility" xmlns:p14="http://schemas.microsoft.com/office/powerpoint/2010/main" xmlns:p15="http://schemas.microsoft.com/office/powerpoint/2012/main" xmlns:ahyp="http://schemas.microsoft.com/office/drawing/2018/hyperlinkcolor">
   <p:cSld>
     <p:spTree>
       <p:nvGrpSpPr>
@@ -27620,7 +27626,7 @@
 </file>
 
 <file path=ppt/slides/slide32.xml><?xml version="1.0" encoding="utf-8"?>
-<p:sld xmlns:a="http://schemas.openxmlformats.org/drawingml/2006/main" xmlns:r="http://schemas.openxmlformats.org/officeDocument/2006/relationships" xmlns:mc="http://schemas.openxmlformats.org/markup-compatibility/2006" xmlns:mv="urn:schemas-microsoft-com:mac:vml" xmlns:p="http://schemas.openxmlformats.org/presentationml/2006/main" xmlns:c="http://schemas.openxmlformats.org/drawingml/2006/chart" xmlns:dgm="http://schemas.openxmlformats.org/drawingml/2006/diagram" xmlns:o="urn:schemas-microsoft-com:office:office" xmlns:v="urn:schemas-microsoft-com:vml" xmlns:pvml="urn:schemas-microsoft-com:office:powerpoint" xmlns:com="http://schemas.openxmlformats.org/drawingml/2006/compatibility" xmlns:p14="http://schemas.microsoft.com/office/powerpoint/2010/main" xmlns:p15="http://schemas.microsoft.com/office/powerpoint/2012/main">
+<p:sld xmlns:a="http://schemas.openxmlformats.org/drawingml/2006/main" xmlns:r="http://schemas.openxmlformats.org/officeDocument/2006/relationships" xmlns:mc="http://schemas.openxmlformats.org/markup-compatibility/2006" xmlns:mv="urn:schemas-microsoft-com:mac:vml" xmlns:p="http://schemas.openxmlformats.org/presentationml/2006/main" xmlns:c="http://schemas.openxmlformats.org/drawingml/2006/chart" xmlns:dgm="http://schemas.openxmlformats.org/drawingml/2006/diagram" xmlns:o="urn:schemas-microsoft-com:office:office" xmlns:v="urn:schemas-microsoft-com:vml" xmlns:pvml="urn:schemas-microsoft-com:office:powerpoint" xmlns:com="http://schemas.openxmlformats.org/drawingml/2006/compatibility" xmlns:p14="http://schemas.microsoft.com/office/powerpoint/2010/main" xmlns:p15="http://schemas.microsoft.com/office/powerpoint/2012/main" xmlns:ahyp="http://schemas.microsoft.com/office/drawing/2018/hyperlinkcolor">
   <p:cSld>
     <p:spTree>
       <p:nvGrpSpPr>
@@ -28749,7 +28755,7 @@
 </file>
 
 <file path=ppt/slides/slide33.xml><?xml version="1.0" encoding="utf-8"?>
-<p:sld xmlns:a="http://schemas.openxmlformats.org/drawingml/2006/main" xmlns:r="http://schemas.openxmlformats.org/officeDocument/2006/relationships" xmlns:mc="http://schemas.openxmlformats.org/markup-compatibility/2006" xmlns:mv="urn:schemas-microsoft-com:mac:vml" xmlns:p="http://schemas.openxmlformats.org/presentationml/2006/main" xmlns:c="http://schemas.openxmlformats.org/drawingml/2006/chart" xmlns:dgm="http://schemas.openxmlformats.org/drawingml/2006/diagram" xmlns:o="urn:schemas-microsoft-com:office:office" xmlns:v="urn:schemas-microsoft-com:vml" xmlns:pvml="urn:schemas-microsoft-com:office:powerpoint" xmlns:com="http://schemas.openxmlformats.org/drawingml/2006/compatibility" xmlns:p14="http://schemas.microsoft.com/office/powerpoint/2010/main" xmlns:p15="http://schemas.microsoft.com/office/powerpoint/2012/main">
+<p:sld xmlns:a="http://schemas.openxmlformats.org/drawingml/2006/main" xmlns:r="http://schemas.openxmlformats.org/officeDocument/2006/relationships" xmlns:mc="http://schemas.openxmlformats.org/markup-compatibility/2006" xmlns:mv="urn:schemas-microsoft-com:mac:vml" xmlns:p="http://schemas.openxmlformats.org/presentationml/2006/main" xmlns:c="http://schemas.openxmlformats.org/drawingml/2006/chart" xmlns:dgm="http://schemas.openxmlformats.org/drawingml/2006/diagram" xmlns:o="urn:schemas-microsoft-com:office:office" xmlns:v="urn:schemas-microsoft-com:vml" xmlns:pvml="urn:schemas-microsoft-com:office:powerpoint" xmlns:com="http://schemas.openxmlformats.org/drawingml/2006/compatibility" xmlns:p14="http://schemas.microsoft.com/office/powerpoint/2010/main" xmlns:p15="http://schemas.microsoft.com/office/powerpoint/2012/main" xmlns:ahyp="http://schemas.microsoft.com/office/drawing/2018/hyperlinkcolor">
   <p:cSld>
     <p:spTree>
       <p:nvGrpSpPr>
@@ -28931,7 +28937,7 @@
 </file>
 
 <file path=ppt/slides/slide34.xml><?xml version="1.0" encoding="utf-8"?>
-<p:sld xmlns:a="http://schemas.openxmlformats.org/drawingml/2006/main" xmlns:r="http://schemas.openxmlformats.org/officeDocument/2006/relationships" xmlns:mc="http://schemas.openxmlformats.org/markup-compatibility/2006" xmlns:mv="urn:schemas-microsoft-com:mac:vml" xmlns:p="http://schemas.openxmlformats.org/presentationml/2006/main" xmlns:c="http://schemas.openxmlformats.org/drawingml/2006/chart" xmlns:dgm="http://schemas.openxmlformats.org/drawingml/2006/diagram" xmlns:o="urn:schemas-microsoft-com:office:office" xmlns:v="urn:schemas-microsoft-com:vml" xmlns:pvml="urn:schemas-microsoft-com:office:powerpoint" xmlns:com="http://schemas.openxmlformats.org/drawingml/2006/compatibility" xmlns:p14="http://schemas.microsoft.com/office/powerpoint/2010/main" xmlns:p15="http://schemas.microsoft.com/office/powerpoint/2012/main">
+<p:sld xmlns:a="http://schemas.openxmlformats.org/drawingml/2006/main" xmlns:r="http://schemas.openxmlformats.org/officeDocument/2006/relationships" xmlns:mc="http://schemas.openxmlformats.org/markup-compatibility/2006" xmlns:mv="urn:schemas-microsoft-com:mac:vml" xmlns:p="http://schemas.openxmlformats.org/presentationml/2006/main" xmlns:c="http://schemas.openxmlformats.org/drawingml/2006/chart" xmlns:dgm="http://schemas.openxmlformats.org/drawingml/2006/diagram" xmlns:o="urn:schemas-microsoft-com:office:office" xmlns:v="urn:schemas-microsoft-com:vml" xmlns:pvml="urn:schemas-microsoft-com:office:powerpoint" xmlns:com="http://schemas.openxmlformats.org/drawingml/2006/compatibility" xmlns:p14="http://schemas.microsoft.com/office/powerpoint/2010/main" xmlns:p15="http://schemas.microsoft.com/office/powerpoint/2012/main" xmlns:ahyp="http://schemas.microsoft.com/office/drawing/2018/hyperlinkcolor">
   <p:cSld>
     <p:spTree>
       <p:nvGrpSpPr>
@@ -29212,7 +29218,7 @@
 </file>
 
 <file path=ppt/slides/slide35.xml><?xml version="1.0" encoding="utf-8"?>
-<p:sld xmlns:a="http://schemas.openxmlformats.org/drawingml/2006/main" xmlns:r="http://schemas.openxmlformats.org/officeDocument/2006/relationships" xmlns:mc="http://schemas.openxmlformats.org/markup-compatibility/2006" xmlns:mv="urn:schemas-microsoft-com:mac:vml" xmlns:p="http://schemas.openxmlformats.org/presentationml/2006/main" xmlns:c="http://schemas.openxmlformats.org/drawingml/2006/chart" xmlns:dgm="http://schemas.openxmlformats.org/drawingml/2006/diagram" xmlns:o="urn:schemas-microsoft-com:office:office" xmlns:v="urn:schemas-microsoft-com:vml" xmlns:pvml="urn:schemas-microsoft-com:office:powerpoint" xmlns:com="http://schemas.openxmlformats.org/drawingml/2006/compatibility" xmlns:p14="http://schemas.microsoft.com/office/powerpoint/2010/main" xmlns:p15="http://schemas.microsoft.com/office/powerpoint/2012/main">
+<p:sld xmlns:a="http://schemas.openxmlformats.org/drawingml/2006/main" xmlns:r="http://schemas.openxmlformats.org/officeDocument/2006/relationships" xmlns:mc="http://schemas.openxmlformats.org/markup-compatibility/2006" xmlns:mv="urn:schemas-microsoft-com:mac:vml" xmlns:p="http://schemas.openxmlformats.org/presentationml/2006/main" xmlns:c="http://schemas.openxmlformats.org/drawingml/2006/chart" xmlns:dgm="http://schemas.openxmlformats.org/drawingml/2006/diagram" xmlns:o="urn:schemas-microsoft-com:office:office" xmlns:v="urn:schemas-microsoft-com:vml" xmlns:pvml="urn:schemas-microsoft-com:office:powerpoint" xmlns:com="http://schemas.openxmlformats.org/drawingml/2006/compatibility" xmlns:p14="http://schemas.microsoft.com/office/powerpoint/2010/main" xmlns:p15="http://schemas.microsoft.com/office/powerpoint/2012/main" xmlns:ahyp="http://schemas.microsoft.com/office/drawing/2018/hyperlinkcolor">
   <p:cSld>
     <p:spTree>
       <p:nvGrpSpPr>
@@ -29569,7 +29575,13 @@
                 <a:ea typeface="Calibri"/>
                 <a:cs typeface="Calibri"/>
                 <a:sym typeface="Calibri"/>
-                <a:hlinkClick r:id="rId4"/>
+                <a:hlinkClick r:id="rId4">
+                  <a:extLst>
+                    <a:ext uri="{A12FA001-AC4F-418D-AE19-62706E023703}">
+                      <ahyp:hlinkClr val="tx"/>
+                    </a:ext>
+                  </a:extLst>
+                </a:hlinkClick>
               </a:rPr>
               <a:t>http://blog.mccrory.me/2010/11/03/cap-theorem-and-the-clouds/</a:t>
             </a:r>
@@ -29606,7 +29618,7 @@
 </file>
 
 <file path=ppt/slides/slide36.xml><?xml version="1.0" encoding="utf-8"?>
-<p:sld xmlns:a="http://schemas.openxmlformats.org/drawingml/2006/main" xmlns:r="http://schemas.openxmlformats.org/officeDocument/2006/relationships" xmlns:mc="http://schemas.openxmlformats.org/markup-compatibility/2006" xmlns:mv="urn:schemas-microsoft-com:mac:vml" xmlns:p="http://schemas.openxmlformats.org/presentationml/2006/main" xmlns:c="http://schemas.openxmlformats.org/drawingml/2006/chart" xmlns:dgm="http://schemas.openxmlformats.org/drawingml/2006/diagram" xmlns:o="urn:schemas-microsoft-com:office:office" xmlns:v="urn:schemas-microsoft-com:vml" xmlns:pvml="urn:schemas-microsoft-com:office:powerpoint" xmlns:com="http://schemas.openxmlformats.org/drawingml/2006/compatibility" xmlns:p14="http://schemas.microsoft.com/office/powerpoint/2010/main" xmlns:p15="http://schemas.microsoft.com/office/powerpoint/2012/main">
+<p:sld xmlns:a="http://schemas.openxmlformats.org/drawingml/2006/main" xmlns:r="http://schemas.openxmlformats.org/officeDocument/2006/relationships" xmlns:mc="http://schemas.openxmlformats.org/markup-compatibility/2006" xmlns:mv="urn:schemas-microsoft-com:mac:vml" xmlns:p="http://schemas.openxmlformats.org/presentationml/2006/main" xmlns:c="http://schemas.openxmlformats.org/drawingml/2006/chart" xmlns:dgm="http://schemas.openxmlformats.org/drawingml/2006/diagram" xmlns:o="urn:schemas-microsoft-com:office:office" xmlns:v="urn:schemas-microsoft-com:vml" xmlns:pvml="urn:schemas-microsoft-com:office:powerpoint" xmlns:com="http://schemas.openxmlformats.org/drawingml/2006/compatibility" xmlns:p14="http://schemas.microsoft.com/office/powerpoint/2010/main" xmlns:p15="http://schemas.microsoft.com/office/powerpoint/2012/main" xmlns:ahyp="http://schemas.microsoft.com/office/drawing/2018/hyperlinkcolor">
   <p:cSld>
     <p:spTree>
       <p:nvGrpSpPr>
@@ -30118,7 +30130,7 @@
 </file>
 
 <file path=ppt/slides/slide37.xml><?xml version="1.0" encoding="utf-8"?>
-<p:sld xmlns:a="http://schemas.openxmlformats.org/drawingml/2006/main" xmlns:r="http://schemas.openxmlformats.org/officeDocument/2006/relationships" xmlns:mc="http://schemas.openxmlformats.org/markup-compatibility/2006" xmlns:mv="urn:schemas-microsoft-com:mac:vml" xmlns:p="http://schemas.openxmlformats.org/presentationml/2006/main" xmlns:c="http://schemas.openxmlformats.org/drawingml/2006/chart" xmlns:dgm="http://schemas.openxmlformats.org/drawingml/2006/diagram" xmlns:o="urn:schemas-microsoft-com:office:office" xmlns:v="urn:schemas-microsoft-com:vml" xmlns:pvml="urn:schemas-microsoft-com:office:powerpoint" xmlns:com="http://schemas.openxmlformats.org/drawingml/2006/compatibility" xmlns:p14="http://schemas.microsoft.com/office/powerpoint/2010/main" xmlns:p15="http://schemas.microsoft.com/office/powerpoint/2012/main">
+<p:sld xmlns:a="http://schemas.openxmlformats.org/drawingml/2006/main" xmlns:r="http://schemas.openxmlformats.org/officeDocument/2006/relationships" xmlns:mc="http://schemas.openxmlformats.org/markup-compatibility/2006" xmlns:mv="urn:schemas-microsoft-com:mac:vml" xmlns:p="http://schemas.openxmlformats.org/presentationml/2006/main" xmlns:c="http://schemas.openxmlformats.org/drawingml/2006/chart" xmlns:dgm="http://schemas.openxmlformats.org/drawingml/2006/diagram" xmlns:o="urn:schemas-microsoft-com:office:office" xmlns:v="urn:schemas-microsoft-com:vml" xmlns:pvml="urn:schemas-microsoft-com:office:powerpoint" xmlns:com="http://schemas.openxmlformats.org/drawingml/2006/compatibility" xmlns:p14="http://schemas.microsoft.com/office/powerpoint/2010/main" xmlns:p15="http://schemas.microsoft.com/office/powerpoint/2012/main" xmlns:ahyp="http://schemas.microsoft.com/office/drawing/2018/hyperlinkcolor">
   <p:cSld>
     <p:spTree>
       <p:nvGrpSpPr>
@@ -30793,7 +30805,7 @@
 </file>
 
 <file path=ppt/slides/slide38.xml><?xml version="1.0" encoding="utf-8"?>
-<p:sld xmlns:a="http://schemas.openxmlformats.org/drawingml/2006/main" xmlns:r="http://schemas.openxmlformats.org/officeDocument/2006/relationships" xmlns:mc="http://schemas.openxmlformats.org/markup-compatibility/2006" xmlns:mv="urn:schemas-microsoft-com:mac:vml" xmlns:p="http://schemas.openxmlformats.org/presentationml/2006/main" xmlns:c="http://schemas.openxmlformats.org/drawingml/2006/chart" xmlns:dgm="http://schemas.openxmlformats.org/drawingml/2006/diagram" xmlns:o="urn:schemas-microsoft-com:office:office" xmlns:v="urn:schemas-microsoft-com:vml" xmlns:pvml="urn:schemas-microsoft-com:office:powerpoint" xmlns:com="http://schemas.openxmlformats.org/drawingml/2006/compatibility" xmlns:p14="http://schemas.microsoft.com/office/powerpoint/2010/main" xmlns:p15="http://schemas.microsoft.com/office/powerpoint/2012/main">
+<p:sld xmlns:a="http://schemas.openxmlformats.org/drawingml/2006/main" xmlns:r="http://schemas.openxmlformats.org/officeDocument/2006/relationships" xmlns:mc="http://schemas.openxmlformats.org/markup-compatibility/2006" xmlns:mv="urn:schemas-microsoft-com:mac:vml" xmlns:p="http://schemas.openxmlformats.org/presentationml/2006/main" xmlns:c="http://schemas.openxmlformats.org/drawingml/2006/chart" xmlns:dgm="http://schemas.openxmlformats.org/drawingml/2006/diagram" xmlns:o="urn:schemas-microsoft-com:office:office" xmlns:v="urn:schemas-microsoft-com:vml" xmlns:pvml="urn:schemas-microsoft-com:office:powerpoint" xmlns:com="http://schemas.openxmlformats.org/drawingml/2006/compatibility" xmlns:p14="http://schemas.microsoft.com/office/powerpoint/2010/main" xmlns:p15="http://schemas.microsoft.com/office/powerpoint/2012/main" xmlns:ahyp="http://schemas.microsoft.com/office/drawing/2018/hyperlinkcolor">
   <p:cSld>
     <p:spTree>
       <p:nvGrpSpPr>
@@ -31102,7 +31114,7 @@
 </file>
 
 <file path=ppt/slides/slide39.xml><?xml version="1.0" encoding="utf-8"?>
-<p:sld xmlns:a="http://schemas.openxmlformats.org/drawingml/2006/main" xmlns:r="http://schemas.openxmlformats.org/officeDocument/2006/relationships" xmlns:mc="http://schemas.openxmlformats.org/markup-compatibility/2006" xmlns:mv="urn:schemas-microsoft-com:mac:vml" xmlns:p="http://schemas.openxmlformats.org/presentationml/2006/main" xmlns:c="http://schemas.openxmlformats.org/drawingml/2006/chart" xmlns:dgm="http://schemas.openxmlformats.org/drawingml/2006/diagram" xmlns:o="urn:schemas-microsoft-com:office:office" xmlns:v="urn:schemas-microsoft-com:vml" xmlns:pvml="urn:schemas-microsoft-com:office:powerpoint" xmlns:com="http://schemas.openxmlformats.org/drawingml/2006/compatibility" xmlns:p14="http://schemas.microsoft.com/office/powerpoint/2010/main" xmlns:p15="http://schemas.microsoft.com/office/powerpoint/2012/main">
+<p:sld xmlns:a="http://schemas.openxmlformats.org/drawingml/2006/main" xmlns:r="http://schemas.openxmlformats.org/officeDocument/2006/relationships" xmlns:mc="http://schemas.openxmlformats.org/markup-compatibility/2006" xmlns:mv="urn:schemas-microsoft-com:mac:vml" xmlns:p="http://schemas.openxmlformats.org/presentationml/2006/main" xmlns:c="http://schemas.openxmlformats.org/drawingml/2006/chart" xmlns:dgm="http://schemas.openxmlformats.org/drawingml/2006/diagram" xmlns:o="urn:schemas-microsoft-com:office:office" xmlns:v="urn:schemas-microsoft-com:vml" xmlns:pvml="urn:schemas-microsoft-com:office:powerpoint" xmlns:com="http://schemas.openxmlformats.org/drawingml/2006/compatibility" xmlns:p14="http://schemas.microsoft.com/office/powerpoint/2010/main" xmlns:p15="http://schemas.microsoft.com/office/powerpoint/2012/main" xmlns:ahyp="http://schemas.microsoft.com/office/drawing/2018/hyperlinkcolor">
   <p:cSld>
     <p:spTree>
       <p:nvGrpSpPr>
@@ -31351,7 +31363,7 @@
 </file>
 
 <file path=ppt/slides/slide4.xml><?xml version="1.0" encoding="utf-8"?>
-<p:sld xmlns:a="http://schemas.openxmlformats.org/drawingml/2006/main" xmlns:r="http://schemas.openxmlformats.org/officeDocument/2006/relationships" xmlns:mc="http://schemas.openxmlformats.org/markup-compatibility/2006" xmlns:mv="urn:schemas-microsoft-com:mac:vml" xmlns:p="http://schemas.openxmlformats.org/presentationml/2006/main" xmlns:c="http://schemas.openxmlformats.org/drawingml/2006/chart" xmlns:dgm="http://schemas.openxmlformats.org/drawingml/2006/diagram" xmlns:o="urn:schemas-microsoft-com:office:office" xmlns:v="urn:schemas-microsoft-com:vml" xmlns:pvml="urn:schemas-microsoft-com:office:powerpoint" xmlns:com="http://schemas.openxmlformats.org/drawingml/2006/compatibility" xmlns:p14="http://schemas.microsoft.com/office/powerpoint/2010/main" xmlns:p15="http://schemas.microsoft.com/office/powerpoint/2012/main">
+<p:sld xmlns:a="http://schemas.openxmlformats.org/drawingml/2006/main" xmlns:r="http://schemas.openxmlformats.org/officeDocument/2006/relationships" xmlns:mc="http://schemas.openxmlformats.org/markup-compatibility/2006" xmlns:mv="urn:schemas-microsoft-com:mac:vml" xmlns:p="http://schemas.openxmlformats.org/presentationml/2006/main" xmlns:c="http://schemas.openxmlformats.org/drawingml/2006/chart" xmlns:dgm="http://schemas.openxmlformats.org/drawingml/2006/diagram" xmlns:o="urn:schemas-microsoft-com:office:office" xmlns:v="urn:schemas-microsoft-com:vml" xmlns:pvml="urn:schemas-microsoft-com:office:powerpoint" xmlns:com="http://schemas.openxmlformats.org/drawingml/2006/compatibility" xmlns:p14="http://schemas.microsoft.com/office/powerpoint/2010/main" xmlns:p15="http://schemas.microsoft.com/office/powerpoint/2012/main" xmlns:ahyp="http://schemas.microsoft.com/office/drawing/2018/hyperlinkcolor">
   <p:cSld>
     <p:spTree>
       <p:nvGrpSpPr>
@@ -31541,7 +31553,7 @@
 </file>
 
 <file path=ppt/slides/slide40.xml><?xml version="1.0" encoding="utf-8"?>
-<p:sld xmlns:a="http://schemas.openxmlformats.org/drawingml/2006/main" xmlns:r="http://schemas.openxmlformats.org/officeDocument/2006/relationships" xmlns:mc="http://schemas.openxmlformats.org/markup-compatibility/2006" xmlns:mv="urn:schemas-microsoft-com:mac:vml" xmlns:p="http://schemas.openxmlformats.org/presentationml/2006/main" xmlns:c="http://schemas.openxmlformats.org/drawingml/2006/chart" xmlns:dgm="http://schemas.openxmlformats.org/drawingml/2006/diagram" xmlns:o="urn:schemas-microsoft-com:office:office" xmlns:v="urn:schemas-microsoft-com:vml" xmlns:pvml="urn:schemas-microsoft-com:office:powerpoint" xmlns:com="http://schemas.openxmlformats.org/drawingml/2006/compatibility" xmlns:p14="http://schemas.microsoft.com/office/powerpoint/2010/main" xmlns:p15="http://schemas.microsoft.com/office/powerpoint/2012/main">
+<p:sld xmlns:a="http://schemas.openxmlformats.org/drawingml/2006/main" xmlns:r="http://schemas.openxmlformats.org/officeDocument/2006/relationships" xmlns:mc="http://schemas.openxmlformats.org/markup-compatibility/2006" xmlns:mv="urn:schemas-microsoft-com:mac:vml" xmlns:p="http://schemas.openxmlformats.org/presentationml/2006/main" xmlns:c="http://schemas.openxmlformats.org/drawingml/2006/chart" xmlns:dgm="http://schemas.openxmlformats.org/drawingml/2006/diagram" xmlns:o="urn:schemas-microsoft-com:office:office" xmlns:v="urn:schemas-microsoft-com:vml" xmlns:pvml="urn:schemas-microsoft-com:office:powerpoint" xmlns:com="http://schemas.openxmlformats.org/drawingml/2006/compatibility" xmlns:p14="http://schemas.microsoft.com/office/powerpoint/2010/main" xmlns:p15="http://schemas.microsoft.com/office/powerpoint/2012/main" xmlns:ahyp="http://schemas.microsoft.com/office/drawing/2018/hyperlinkcolor">
   <p:cSld>
     <p:spTree>
       <p:nvGrpSpPr>
@@ -31783,7 +31795,7 @@
 </file>
 
 <file path=ppt/slides/slide41.xml><?xml version="1.0" encoding="utf-8"?>
-<p:sld xmlns:a="http://schemas.openxmlformats.org/drawingml/2006/main" xmlns:r="http://schemas.openxmlformats.org/officeDocument/2006/relationships" xmlns:mc="http://schemas.openxmlformats.org/markup-compatibility/2006" xmlns:mv="urn:schemas-microsoft-com:mac:vml" xmlns:p="http://schemas.openxmlformats.org/presentationml/2006/main" xmlns:c="http://schemas.openxmlformats.org/drawingml/2006/chart" xmlns:dgm="http://schemas.openxmlformats.org/drawingml/2006/diagram" xmlns:o="urn:schemas-microsoft-com:office:office" xmlns:v="urn:schemas-microsoft-com:vml" xmlns:pvml="urn:schemas-microsoft-com:office:powerpoint" xmlns:com="http://schemas.openxmlformats.org/drawingml/2006/compatibility" xmlns:p14="http://schemas.microsoft.com/office/powerpoint/2010/main" xmlns:p15="http://schemas.microsoft.com/office/powerpoint/2012/main">
+<p:sld xmlns:a="http://schemas.openxmlformats.org/drawingml/2006/main" xmlns:r="http://schemas.openxmlformats.org/officeDocument/2006/relationships" xmlns:mc="http://schemas.openxmlformats.org/markup-compatibility/2006" xmlns:mv="urn:schemas-microsoft-com:mac:vml" xmlns:p="http://schemas.openxmlformats.org/presentationml/2006/main" xmlns:c="http://schemas.openxmlformats.org/drawingml/2006/chart" xmlns:dgm="http://schemas.openxmlformats.org/drawingml/2006/diagram" xmlns:o="urn:schemas-microsoft-com:office:office" xmlns:v="urn:schemas-microsoft-com:vml" xmlns:pvml="urn:schemas-microsoft-com:office:powerpoint" xmlns:com="http://schemas.openxmlformats.org/drawingml/2006/compatibility" xmlns:p14="http://schemas.microsoft.com/office/powerpoint/2010/main" xmlns:p15="http://schemas.microsoft.com/office/powerpoint/2012/main" xmlns:ahyp="http://schemas.microsoft.com/office/drawing/2018/hyperlinkcolor">
   <p:cSld>
     <p:spTree>
       <p:nvGrpSpPr>
@@ -32023,7 +32035,7 @@
 </file>
 
 <file path=ppt/slides/slide42.xml><?xml version="1.0" encoding="utf-8"?>
-<p:sld xmlns:a="http://schemas.openxmlformats.org/drawingml/2006/main" xmlns:r="http://schemas.openxmlformats.org/officeDocument/2006/relationships" xmlns:mc="http://schemas.openxmlformats.org/markup-compatibility/2006" xmlns:mv="urn:schemas-microsoft-com:mac:vml" xmlns:p="http://schemas.openxmlformats.org/presentationml/2006/main" xmlns:c="http://schemas.openxmlformats.org/drawingml/2006/chart" xmlns:dgm="http://schemas.openxmlformats.org/drawingml/2006/diagram" xmlns:o="urn:schemas-microsoft-com:office:office" xmlns:v="urn:schemas-microsoft-com:vml" xmlns:pvml="urn:schemas-microsoft-com:office:powerpoint" xmlns:com="http://schemas.openxmlformats.org/drawingml/2006/compatibility" xmlns:p14="http://schemas.microsoft.com/office/powerpoint/2010/main" xmlns:p15="http://schemas.microsoft.com/office/powerpoint/2012/main">
+<p:sld xmlns:a="http://schemas.openxmlformats.org/drawingml/2006/main" xmlns:r="http://schemas.openxmlformats.org/officeDocument/2006/relationships" xmlns:mc="http://schemas.openxmlformats.org/markup-compatibility/2006" xmlns:mv="urn:schemas-microsoft-com:mac:vml" xmlns:p="http://schemas.openxmlformats.org/presentationml/2006/main" xmlns:c="http://schemas.openxmlformats.org/drawingml/2006/chart" xmlns:dgm="http://schemas.openxmlformats.org/drawingml/2006/diagram" xmlns:o="urn:schemas-microsoft-com:office:office" xmlns:v="urn:schemas-microsoft-com:vml" xmlns:pvml="urn:schemas-microsoft-com:office:powerpoint" xmlns:com="http://schemas.openxmlformats.org/drawingml/2006/compatibility" xmlns:p14="http://schemas.microsoft.com/office/powerpoint/2010/main" xmlns:p15="http://schemas.microsoft.com/office/powerpoint/2012/main" xmlns:ahyp="http://schemas.microsoft.com/office/drawing/2018/hyperlinkcolor">
   <p:cSld>
     <p:spTree>
       <p:nvGrpSpPr>
@@ -32225,7 +32237,7 @@
 </file>
 
 <file path=ppt/slides/slide43.xml><?xml version="1.0" encoding="utf-8"?>
-<p:sld xmlns:a="http://schemas.openxmlformats.org/drawingml/2006/main" xmlns:r="http://schemas.openxmlformats.org/officeDocument/2006/relationships" xmlns:mc="http://schemas.openxmlformats.org/markup-compatibility/2006" xmlns:mv="urn:schemas-microsoft-com:mac:vml" xmlns:p="http://schemas.openxmlformats.org/presentationml/2006/main" xmlns:c="http://schemas.openxmlformats.org/drawingml/2006/chart" xmlns:dgm="http://schemas.openxmlformats.org/drawingml/2006/diagram" xmlns:o="urn:schemas-microsoft-com:office:office" xmlns:v="urn:schemas-microsoft-com:vml" xmlns:pvml="urn:schemas-microsoft-com:office:powerpoint" xmlns:com="http://schemas.openxmlformats.org/drawingml/2006/compatibility" xmlns:p14="http://schemas.microsoft.com/office/powerpoint/2010/main" xmlns:p15="http://schemas.microsoft.com/office/powerpoint/2012/main">
+<p:sld xmlns:a="http://schemas.openxmlformats.org/drawingml/2006/main" xmlns:r="http://schemas.openxmlformats.org/officeDocument/2006/relationships" xmlns:mc="http://schemas.openxmlformats.org/markup-compatibility/2006" xmlns:mv="urn:schemas-microsoft-com:mac:vml" xmlns:p="http://schemas.openxmlformats.org/presentationml/2006/main" xmlns:c="http://schemas.openxmlformats.org/drawingml/2006/chart" xmlns:dgm="http://schemas.openxmlformats.org/drawingml/2006/diagram" xmlns:o="urn:schemas-microsoft-com:office:office" xmlns:v="urn:schemas-microsoft-com:vml" xmlns:pvml="urn:schemas-microsoft-com:office:powerpoint" xmlns:com="http://schemas.openxmlformats.org/drawingml/2006/compatibility" xmlns:p14="http://schemas.microsoft.com/office/powerpoint/2010/main" xmlns:p15="http://schemas.microsoft.com/office/powerpoint/2012/main" xmlns:ahyp="http://schemas.microsoft.com/office/drawing/2018/hyperlinkcolor">
   <p:cSld>
     <p:spTree>
       <p:nvGrpSpPr>
@@ -32508,7 +32520,13 @@
                 <a:ea typeface="Calibri"/>
                 <a:cs typeface="Calibri"/>
                 <a:sym typeface="Calibri"/>
-                <a:hlinkClick r:id="rId3"/>
+                <a:hlinkClick r:id="rId3">
+                  <a:extLst>
+                    <a:ext uri="{A12FA001-AC4F-418D-AE19-62706E023703}">
+                      <ahyp:hlinkClr val="tx"/>
+                    </a:ext>
+                  </a:extLst>
+                </a:hlinkClick>
               </a:rPr>
               <a:t>http://cs-www.cs.yale.edu/homes/dna/papers/abadi-pacelc.pdf</a:t>
             </a:r>
@@ -32545,7 +32563,7 @@
 </file>
 
 <file path=ppt/slides/slide44.xml><?xml version="1.0" encoding="utf-8"?>
-<p:sld xmlns:a="http://schemas.openxmlformats.org/drawingml/2006/main" xmlns:r="http://schemas.openxmlformats.org/officeDocument/2006/relationships" xmlns:mc="http://schemas.openxmlformats.org/markup-compatibility/2006" xmlns:mv="urn:schemas-microsoft-com:mac:vml" xmlns:p="http://schemas.openxmlformats.org/presentationml/2006/main" xmlns:c="http://schemas.openxmlformats.org/drawingml/2006/chart" xmlns:dgm="http://schemas.openxmlformats.org/drawingml/2006/diagram" xmlns:o="urn:schemas-microsoft-com:office:office" xmlns:v="urn:schemas-microsoft-com:vml" xmlns:pvml="urn:schemas-microsoft-com:office:powerpoint" xmlns:com="http://schemas.openxmlformats.org/drawingml/2006/compatibility" xmlns:p14="http://schemas.microsoft.com/office/powerpoint/2010/main" xmlns:p15="http://schemas.microsoft.com/office/powerpoint/2012/main">
+<p:sld xmlns:a="http://schemas.openxmlformats.org/drawingml/2006/main" xmlns:r="http://schemas.openxmlformats.org/officeDocument/2006/relationships" xmlns:mc="http://schemas.openxmlformats.org/markup-compatibility/2006" xmlns:mv="urn:schemas-microsoft-com:mac:vml" xmlns:p="http://schemas.openxmlformats.org/presentationml/2006/main" xmlns:c="http://schemas.openxmlformats.org/drawingml/2006/chart" xmlns:dgm="http://schemas.openxmlformats.org/drawingml/2006/diagram" xmlns:o="urn:schemas-microsoft-com:office:office" xmlns:v="urn:schemas-microsoft-com:vml" xmlns:pvml="urn:schemas-microsoft-com:office:powerpoint" xmlns:com="http://schemas.openxmlformats.org/drawingml/2006/compatibility" xmlns:p14="http://schemas.microsoft.com/office/powerpoint/2010/main" xmlns:p15="http://schemas.microsoft.com/office/powerpoint/2012/main" xmlns:ahyp="http://schemas.microsoft.com/office/drawing/2018/hyperlinkcolor">
   <p:cSld>
     <p:spTree>
       <p:nvGrpSpPr>
@@ -32649,7 +32667,7 @@
 </file>
 
 <file path=ppt/slides/slide45.xml><?xml version="1.0" encoding="utf-8"?>
-<p:sld xmlns:a="http://schemas.openxmlformats.org/drawingml/2006/main" xmlns:r="http://schemas.openxmlformats.org/officeDocument/2006/relationships" xmlns:mc="http://schemas.openxmlformats.org/markup-compatibility/2006" xmlns:mv="urn:schemas-microsoft-com:mac:vml" xmlns:p="http://schemas.openxmlformats.org/presentationml/2006/main" xmlns:c="http://schemas.openxmlformats.org/drawingml/2006/chart" xmlns:dgm="http://schemas.openxmlformats.org/drawingml/2006/diagram" xmlns:o="urn:schemas-microsoft-com:office:office" xmlns:v="urn:schemas-microsoft-com:vml" xmlns:pvml="urn:schemas-microsoft-com:office:powerpoint" xmlns:com="http://schemas.openxmlformats.org/drawingml/2006/compatibility" xmlns:p14="http://schemas.microsoft.com/office/powerpoint/2010/main" xmlns:p15="http://schemas.microsoft.com/office/powerpoint/2012/main">
+<p:sld xmlns:a="http://schemas.openxmlformats.org/drawingml/2006/main" xmlns:r="http://schemas.openxmlformats.org/officeDocument/2006/relationships" xmlns:mc="http://schemas.openxmlformats.org/markup-compatibility/2006" xmlns:mv="urn:schemas-microsoft-com:mac:vml" xmlns:p="http://schemas.openxmlformats.org/presentationml/2006/main" xmlns:c="http://schemas.openxmlformats.org/drawingml/2006/chart" xmlns:dgm="http://schemas.openxmlformats.org/drawingml/2006/diagram" xmlns:o="urn:schemas-microsoft-com:office:office" xmlns:v="urn:schemas-microsoft-com:vml" xmlns:pvml="urn:schemas-microsoft-com:office:powerpoint" xmlns:com="http://schemas.openxmlformats.org/drawingml/2006/compatibility" xmlns:p14="http://schemas.microsoft.com/office/powerpoint/2010/main" xmlns:p15="http://schemas.microsoft.com/office/powerpoint/2012/main" xmlns:ahyp="http://schemas.microsoft.com/office/drawing/2018/hyperlinkcolor">
   <p:cSld>
     <p:spTree>
       <p:nvGrpSpPr>
@@ -32754,7 +32772,7 @@
 </file>
 
 <file path=ppt/slides/slide46.xml><?xml version="1.0" encoding="utf-8"?>
-<p:sld xmlns:a="http://schemas.openxmlformats.org/drawingml/2006/main" xmlns:r="http://schemas.openxmlformats.org/officeDocument/2006/relationships" xmlns:mc="http://schemas.openxmlformats.org/markup-compatibility/2006" xmlns:mv="urn:schemas-microsoft-com:mac:vml" xmlns:p="http://schemas.openxmlformats.org/presentationml/2006/main" xmlns:c="http://schemas.openxmlformats.org/drawingml/2006/chart" xmlns:dgm="http://schemas.openxmlformats.org/drawingml/2006/diagram" xmlns:o="urn:schemas-microsoft-com:office:office" xmlns:v="urn:schemas-microsoft-com:vml" xmlns:pvml="urn:schemas-microsoft-com:office:powerpoint" xmlns:com="http://schemas.openxmlformats.org/drawingml/2006/compatibility" xmlns:p14="http://schemas.microsoft.com/office/powerpoint/2010/main" xmlns:p15="http://schemas.microsoft.com/office/powerpoint/2012/main">
+<p:sld xmlns:a="http://schemas.openxmlformats.org/drawingml/2006/main" xmlns:r="http://schemas.openxmlformats.org/officeDocument/2006/relationships" xmlns:mc="http://schemas.openxmlformats.org/markup-compatibility/2006" xmlns:mv="urn:schemas-microsoft-com:mac:vml" xmlns:p="http://schemas.openxmlformats.org/presentationml/2006/main" xmlns:c="http://schemas.openxmlformats.org/drawingml/2006/chart" xmlns:dgm="http://schemas.openxmlformats.org/drawingml/2006/diagram" xmlns:o="urn:schemas-microsoft-com:office:office" xmlns:v="urn:schemas-microsoft-com:vml" xmlns:pvml="urn:schemas-microsoft-com:office:powerpoint" xmlns:com="http://schemas.openxmlformats.org/drawingml/2006/compatibility" xmlns:p14="http://schemas.microsoft.com/office/powerpoint/2010/main" xmlns:p15="http://schemas.microsoft.com/office/powerpoint/2012/main" xmlns:ahyp="http://schemas.microsoft.com/office/drawing/2018/hyperlinkcolor">
   <p:cSld>
     <p:spTree>
       <p:nvGrpSpPr>
@@ -32962,7 +32980,7 @@
 </file>
 
 <file path=ppt/slides/slide47.xml><?xml version="1.0" encoding="utf-8"?>
-<p:sld xmlns:a="http://schemas.openxmlformats.org/drawingml/2006/main" xmlns:r="http://schemas.openxmlformats.org/officeDocument/2006/relationships" xmlns:mc="http://schemas.openxmlformats.org/markup-compatibility/2006" xmlns:mv="urn:schemas-microsoft-com:mac:vml" xmlns:p="http://schemas.openxmlformats.org/presentationml/2006/main" xmlns:c="http://schemas.openxmlformats.org/drawingml/2006/chart" xmlns:dgm="http://schemas.openxmlformats.org/drawingml/2006/diagram" xmlns:o="urn:schemas-microsoft-com:office:office" xmlns:v="urn:schemas-microsoft-com:vml" xmlns:pvml="urn:schemas-microsoft-com:office:powerpoint" xmlns:com="http://schemas.openxmlformats.org/drawingml/2006/compatibility" xmlns:p14="http://schemas.microsoft.com/office/powerpoint/2010/main" xmlns:p15="http://schemas.microsoft.com/office/powerpoint/2012/main">
+<p:sld xmlns:a="http://schemas.openxmlformats.org/drawingml/2006/main" xmlns:r="http://schemas.openxmlformats.org/officeDocument/2006/relationships" xmlns:mc="http://schemas.openxmlformats.org/markup-compatibility/2006" xmlns:mv="urn:schemas-microsoft-com:mac:vml" xmlns:p="http://schemas.openxmlformats.org/presentationml/2006/main" xmlns:c="http://schemas.openxmlformats.org/drawingml/2006/chart" xmlns:dgm="http://schemas.openxmlformats.org/drawingml/2006/diagram" xmlns:o="urn:schemas-microsoft-com:office:office" xmlns:v="urn:schemas-microsoft-com:vml" xmlns:pvml="urn:schemas-microsoft-com:office:powerpoint" xmlns:com="http://schemas.openxmlformats.org/drawingml/2006/compatibility" xmlns:p14="http://schemas.microsoft.com/office/powerpoint/2010/main" xmlns:p15="http://schemas.microsoft.com/office/powerpoint/2012/main" xmlns:ahyp="http://schemas.microsoft.com/office/drawing/2018/hyperlinkcolor">
   <p:cSld>
     <p:spTree>
       <p:nvGrpSpPr>
@@ -33183,7 +33201,7 @@
 </file>
 
 <file path=ppt/slides/slide48.xml><?xml version="1.0" encoding="utf-8"?>
-<p:sld xmlns:a="http://schemas.openxmlformats.org/drawingml/2006/main" xmlns:r="http://schemas.openxmlformats.org/officeDocument/2006/relationships" xmlns:mc="http://schemas.openxmlformats.org/markup-compatibility/2006" xmlns:mv="urn:schemas-microsoft-com:mac:vml" xmlns:p="http://schemas.openxmlformats.org/presentationml/2006/main" xmlns:c="http://schemas.openxmlformats.org/drawingml/2006/chart" xmlns:dgm="http://schemas.openxmlformats.org/drawingml/2006/diagram" xmlns:o="urn:schemas-microsoft-com:office:office" xmlns:v="urn:schemas-microsoft-com:vml" xmlns:pvml="urn:schemas-microsoft-com:office:powerpoint" xmlns:com="http://schemas.openxmlformats.org/drawingml/2006/compatibility" xmlns:p14="http://schemas.microsoft.com/office/powerpoint/2010/main" xmlns:p15="http://schemas.microsoft.com/office/powerpoint/2012/main">
+<p:sld xmlns:a="http://schemas.openxmlformats.org/drawingml/2006/main" xmlns:r="http://schemas.openxmlformats.org/officeDocument/2006/relationships" xmlns:mc="http://schemas.openxmlformats.org/markup-compatibility/2006" xmlns:mv="urn:schemas-microsoft-com:mac:vml" xmlns:p="http://schemas.openxmlformats.org/presentationml/2006/main" xmlns:c="http://schemas.openxmlformats.org/drawingml/2006/chart" xmlns:dgm="http://schemas.openxmlformats.org/drawingml/2006/diagram" xmlns:o="urn:schemas-microsoft-com:office:office" xmlns:v="urn:schemas-microsoft-com:vml" xmlns:pvml="urn:schemas-microsoft-com:office:powerpoint" xmlns:com="http://schemas.openxmlformats.org/drawingml/2006/compatibility" xmlns:p14="http://schemas.microsoft.com/office/powerpoint/2010/main" xmlns:p15="http://schemas.microsoft.com/office/powerpoint/2012/main" xmlns:ahyp="http://schemas.microsoft.com/office/drawing/2018/hyperlinkcolor">
   <p:cSld>
     <p:spTree>
       <p:nvGrpSpPr>
@@ -33257,7 +33275,7 @@
 </file>
 
 <file path=ppt/slides/slide5.xml><?xml version="1.0" encoding="utf-8"?>
-<p:sld xmlns:a="http://schemas.openxmlformats.org/drawingml/2006/main" xmlns:r="http://schemas.openxmlformats.org/officeDocument/2006/relationships" xmlns:mc="http://schemas.openxmlformats.org/markup-compatibility/2006" xmlns:mv="urn:schemas-microsoft-com:mac:vml" xmlns:p="http://schemas.openxmlformats.org/presentationml/2006/main" xmlns:c="http://schemas.openxmlformats.org/drawingml/2006/chart" xmlns:dgm="http://schemas.openxmlformats.org/drawingml/2006/diagram" xmlns:o="urn:schemas-microsoft-com:office:office" xmlns:v="urn:schemas-microsoft-com:vml" xmlns:pvml="urn:schemas-microsoft-com:office:powerpoint" xmlns:com="http://schemas.openxmlformats.org/drawingml/2006/compatibility" xmlns:p14="http://schemas.microsoft.com/office/powerpoint/2010/main" xmlns:p15="http://schemas.microsoft.com/office/powerpoint/2012/main">
+<p:sld xmlns:a="http://schemas.openxmlformats.org/drawingml/2006/main" xmlns:r="http://schemas.openxmlformats.org/officeDocument/2006/relationships" xmlns:mc="http://schemas.openxmlformats.org/markup-compatibility/2006" xmlns:mv="urn:schemas-microsoft-com:mac:vml" xmlns:p="http://schemas.openxmlformats.org/presentationml/2006/main" xmlns:c="http://schemas.openxmlformats.org/drawingml/2006/chart" xmlns:dgm="http://schemas.openxmlformats.org/drawingml/2006/diagram" xmlns:o="urn:schemas-microsoft-com:office:office" xmlns:v="urn:schemas-microsoft-com:vml" xmlns:pvml="urn:schemas-microsoft-com:office:powerpoint" xmlns:com="http://schemas.openxmlformats.org/drawingml/2006/compatibility" xmlns:p14="http://schemas.microsoft.com/office/powerpoint/2010/main" xmlns:p15="http://schemas.microsoft.com/office/powerpoint/2012/main" xmlns:ahyp="http://schemas.microsoft.com/office/drawing/2018/hyperlinkcolor">
   <p:cSld>
     <p:spTree>
       <p:nvGrpSpPr>
@@ -34576,7 +34594,7 @@
 </file>
 
 <file path=ppt/slides/slide6.xml><?xml version="1.0" encoding="utf-8"?>
-<p:sld xmlns:a="http://schemas.openxmlformats.org/drawingml/2006/main" xmlns:r="http://schemas.openxmlformats.org/officeDocument/2006/relationships" xmlns:mc="http://schemas.openxmlformats.org/markup-compatibility/2006" xmlns:mv="urn:schemas-microsoft-com:mac:vml" xmlns:p="http://schemas.openxmlformats.org/presentationml/2006/main" xmlns:c="http://schemas.openxmlformats.org/drawingml/2006/chart" xmlns:dgm="http://schemas.openxmlformats.org/drawingml/2006/diagram" xmlns:o="urn:schemas-microsoft-com:office:office" xmlns:v="urn:schemas-microsoft-com:vml" xmlns:pvml="urn:schemas-microsoft-com:office:powerpoint" xmlns:com="http://schemas.openxmlformats.org/drawingml/2006/compatibility" xmlns:p14="http://schemas.microsoft.com/office/powerpoint/2010/main" xmlns:p15="http://schemas.microsoft.com/office/powerpoint/2012/main">
+<p:sld xmlns:a="http://schemas.openxmlformats.org/drawingml/2006/main" xmlns:r="http://schemas.openxmlformats.org/officeDocument/2006/relationships" xmlns:mc="http://schemas.openxmlformats.org/markup-compatibility/2006" xmlns:mv="urn:schemas-microsoft-com:mac:vml" xmlns:p="http://schemas.openxmlformats.org/presentationml/2006/main" xmlns:c="http://schemas.openxmlformats.org/drawingml/2006/chart" xmlns:dgm="http://schemas.openxmlformats.org/drawingml/2006/diagram" xmlns:o="urn:schemas-microsoft-com:office:office" xmlns:v="urn:schemas-microsoft-com:vml" xmlns:pvml="urn:schemas-microsoft-com:office:powerpoint" xmlns:com="http://schemas.openxmlformats.org/drawingml/2006/compatibility" xmlns:p14="http://schemas.microsoft.com/office/powerpoint/2010/main" xmlns:p15="http://schemas.microsoft.com/office/powerpoint/2012/main" xmlns:ahyp="http://schemas.microsoft.com/office/drawing/2018/hyperlinkcolor">
   <p:cSld>
     <p:spTree>
       <p:nvGrpSpPr>
@@ -34803,7 +34821,7 @@
 </file>
 
 <file path=ppt/slides/slide7.xml><?xml version="1.0" encoding="utf-8"?>
-<p:sld xmlns:a="http://schemas.openxmlformats.org/drawingml/2006/main" xmlns:r="http://schemas.openxmlformats.org/officeDocument/2006/relationships" xmlns:mc="http://schemas.openxmlformats.org/markup-compatibility/2006" xmlns:mv="urn:schemas-microsoft-com:mac:vml" xmlns:p="http://schemas.openxmlformats.org/presentationml/2006/main" xmlns:c="http://schemas.openxmlformats.org/drawingml/2006/chart" xmlns:dgm="http://schemas.openxmlformats.org/drawingml/2006/diagram" xmlns:o="urn:schemas-microsoft-com:office:office" xmlns:v="urn:schemas-microsoft-com:vml" xmlns:pvml="urn:schemas-microsoft-com:office:powerpoint" xmlns:com="http://schemas.openxmlformats.org/drawingml/2006/compatibility" xmlns:p14="http://schemas.microsoft.com/office/powerpoint/2010/main" xmlns:p15="http://schemas.microsoft.com/office/powerpoint/2012/main">
+<p:sld xmlns:a="http://schemas.openxmlformats.org/drawingml/2006/main" xmlns:r="http://schemas.openxmlformats.org/officeDocument/2006/relationships" xmlns:mc="http://schemas.openxmlformats.org/markup-compatibility/2006" xmlns:mv="urn:schemas-microsoft-com:mac:vml" xmlns:p="http://schemas.openxmlformats.org/presentationml/2006/main" xmlns:c="http://schemas.openxmlformats.org/drawingml/2006/chart" xmlns:dgm="http://schemas.openxmlformats.org/drawingml/2006/diagram" xmlns:o="urn:schemas-microsoft-com:office:office" xmlns:v="urn:schemas-microsoft-com:vml" xmlns:pvml="urn:schemas-microsoft-com:office:powerpoint" xmlns:com="http://schemas.openxmlformats.org/drawingml/2006/compatibility" xmlns:p14="http://schemas.microsoft.com/office/powerpoint/2010/main" xmlns:p15="http://schemas.microsoft.com/office/powerpoint/2012/main" xmlns:ahyp="http://schemas.microsoft.com/office/drawing/2018/hyperlinkcolor">
   <p:cSld>
     <p:spTree>
       <p:nvGrpSpPr>
@@ -34969,7 +34987,7 @@
 </file>
 
 <file path=ppt/slides/slide8.xml><?xml version="1.0" encoding="utf-8"?>
-<p:sld xmlns:a="http://schemas.openxmlformats.org/drawingml/2006/main" xmlns:r="http://schemas.openxmlformats.org/officeDocument/2006/relationships" xmlns:mc="http://schemas.openxmlformats.org/markup-compatibility/2006" xmlns:mv="urn:schemas-microsoft-com:mac:vml" xmlns:p="http://schemas.openxmlformats.org/presentationml/2006/main" xmlns:c="http://schemas.openxmlformats.org/drawingml/2006/chart" xmlns:dgm="http://schemas.openxmlformats.org/drawingml/2006/diagram" xmlns:o="urn:schemas-microsoft-com:office:office" xmlns:v="urn:schemas-microsoft-com:vml" xmlns:pvml="urn:schemas-microsoft-com:office:powerpoint" xmlns:com="http://schemas.openxmlformats.org/drawingml/2006/compatibility" xmlns:p14="http://schemas.microsoft.com/office/powerpoint/2010/main" xmlns:p15="http://schemas.microsoft.com/office/powerpoint/2012/main">
+<p:sld xmlns:a="http://schemas.openxmlformats.org/drawingml/2006/main" xmlns:r="http://schemas.openxmlformats.org/officeDocument/2006/relationships" xmlns:mc="http://schemas.openxmlformats.org/markup-compatibility/2006" xmlns:mv="urn:schemas-microsoft-com:mac:vml" xmlns:p="http://schemas.openxmlformats.org/presentationml/2006/main" xmlns:c="http://schemas.openxmlformats.org/drawingml/2006/chart" xmlns:dgm="http://schemas.openxmlformats.org/drawingml/2006/diagram" xmlns:o="urn:schemas-microsoft-com:office:office" xmlns:v="urn:schemas-microsoft-com:vml" xmlns:pvml="urn:schemas-microsoft-com:office:powerpoint" xmlns:com="http://schemas.openxmlformats.org/drawingml/2006/compatibility" xmlns:p14="http://schemas.microsoft.com/office/powerpoint/2010/main" xmlns:p15="http://schemas.microsoft.com/office/powerpoint/2012/main" xmlns:ahyp="http://schemas.microsoft.com/office/drawing/2018/hyperlinkcolor">
   <p:cSld>
     <p:spTree>
       <p:nvGrpSpPr>
@@ -35213,7 +35231,7 @@
 </file>
 
 <file path=ppt/slides/slide9.xml><?xml version="1.0" encoding="utf-8"?>
-<p:sld xmlns:a="http://schemas.openxmlformats.org/drawingml/2006/main" xmlns:r="http://schemas.openxmlformats.org/officeDocument/2006/relationships" xmlns:mc="http://schemas.openxmlformats.org/markup-compatibility/2006" xmlns:mv="urn:schemas-microsoft-com:mac:vml" xmlns:p="http://schemas.openxmlformats.org/presentationml/2006/main" xmlns:c="http://schemas.openxmlformats.org/drawingml/2006/chart" xmlns:dgm="http://schemas.openxmlformats.org/drawingml/2006/diagram" xmlns:o="urn:schemas-microsoft-com:office:office" xmlns:v="urn:schemas-microsoft-com:vml" xmlns:pvml="urn:schemas-microsoft-com:office:powerpoint" xmlns:com="http://schemas.openxmlformats.org/drawingml/2006/compatibility" xmlns:p14="http://schemas.microsoft.com/office/powerpoint/2010/main" xmlns:p15="http://schemas.microsoft.com/office/powerpoint/2012/main">
+<p:sld xmlns:a="http://schemas.openxmlformats.org/drawingml/2006/main" xmlns:r="http://schemas.openxmlformats.org/officeDocument/2006/relationships" xmlns:mc="http://schemas.openxmlformats.org/markup-compatibility/2006" xmlns:mv="urn:schemas-microsoft-com:mac:vml" xmlns:p="http://schemas.openxmlformats.org/presentationml/2006/main" xmlns:c="http://schemas.openxmlformats.org/drawingml/2006/chart" xmlns:dgm="http://schemas.openxmlformats.org/drawingml/2006/diagram" xmlns:o="urn:schemas-microsoft-com:office:office" xmlns:v="urn:schemas-microsoft-com:vml" xmlns:pvml="urn:schemas-microsoft-com:office:powerpoint" xmlns:com="http://schemas.openxmlformats.org/drawingml/2006/compatibility" xmlns:p14="http://schemas.microsoft.com/office/powerpoint/2010/main" xmlns:p15="http://schemas.microsoft.com/office/powerpoint/2012/main" xmlns:ahyp="http://schemas.microsoft.com/office/drawing/2018/hyperlinkcolor">
   <p:cSld>
     <p:spTree>
       <p:nvGrpSpPr>

--- a/pres-source/03-cloud-computing-background.pptx
+++ b/pres-source/03-cloud-computing-background.pptx
@@ -17697,7 +17697,7 @@
             </a:pPr>
             <a:r>
               <a:rPr lang="en-US" sz="2960"/>
-              <a:t>July 2020</a:t>
+              <a:t>July 2021</a:t>
             </a:r>
             <a:endParaRPr sz="2960"/>
           </a:p>
@@ -19168,7 +19168,7 @@
             </a:pPr>
             <a:r>
               <a:rPr lang="en-US"/>
-              <a:t>e.g. move from 1 -&gt; 2 servers</a:t>
+              <a:t>e.g. move from 1 → 2 servers</a:t>
             </a:r>
             <a:endParaRPr/>
           </a:p>

--- a/pres-source/03-cloud-computing-background.pptx
+++ b/pres-source/03-cloud-computing-background.pptx
@@ -1,6 +1,6 @@
 
 <file path=ppt/presentation.xml><?xml version="1.0" encoding="utf-8"?>
-<p:presentation xmlns:a="http://schemas.openxmlformats.org/drawingml/2006/main" xmlns:r="http://schemas.openxmlformats.org/officeDocument/2006/relationships" xmlns:mc="http://schemas.openxmlformats.org/markup-compatibility/2006" xmlns:mv="urn:schemas-microsoft-com:mac:vml" xmlns:p="http://schemas.openxmlformats.org/presentationml/2006/main" xmlns:c="http://schemas.openxmlformats.org/drawingml/2006/chart" xmlns:dgm="http://schemas.openxmlformats.org/drawingml/2006/diagram" xmlns:o="urn:schemas-microsoft-com:office:office" xmlns:v="urn:schemas-microsoft-com:vml" xmlns:pvml="urn:schemas-microsoft-com:office:powerpoint" xmlns:com="http://schemas.openxmlformats.org/drawingml/2006/compatibility" xmlns:p14="http://schemas.microsoft.com/office/powerpoint/2010/main" xmlns:p15="http://schemas.microsoft.com/office/powerpoint/2012/main" xmlns:ahyp="http://schemas.microsoft.com/office/drawing/2018/hyperlinkcolor" autoCompressPictures="0" embedTrueTypeFonts="1" strictFirstAndLastChars="0" saveSubsetFonts="1">
+<p:presentation xmlns:a="http://schemas.openxmlformats.org/drawingml/2006/main" xmlns:r="http://schemas.openxmlformats.org/officeDocument/2006/relationships" xmlns:mc="http://schemas.openxmlformats.org/markup-compatibility/2006" xmlns:mv="urn:schemas-microsoft-com:mac:vml" xmlns:p="http://schemas.openxmlformats.org/presentationml/2006/main" xmlns:c="http://schemas.openxmlformats.org/drawingml/2006/chart" xmlns:dgm="http://schemas.openxmlformats.org/drawingml/2006/diagram" xmlns:o="urn:schemas-microsoft-com:office:office" xmlns:v="urn:schemas-microsoft-com:vml" xmlns:pvml="urn:schemas-microsoft-com:office:powerpoint" xmlns:com="http://schemas.openxmlformats.org/drawingml/2006/compatibility" xmlns:p14="http://schemas.microsoft.com/office/powerpoint/2010/main" xmlns:p15="http://schemas.microsoft.com/office/powerpoint/2012/main" xmlns:ahyp="http://schemas.microsoft.com/office/drawing/2018/hyperlinkcolor" autoCompressPictures="0" strictFirstAndLastChars="0" saveSubsetFonts="1">
   <p:sldMasterIdLst>
     <p:sldMasterId id="2147483659" r:id="rId4"/>
   </p:sldMasterIdLst>
@@ -59,20 +59,6 @@
   </p:sldIdLst>
   <p:sldSz cy="6858000" cx="9144000"/>
   <p:notesSz cx="6858000" cy="9144000"/>
-  <p:embeddedFontLst>
-    <p:embeddedFont>
-      <p:font typeface="Montserrat"/>
-      <p:regular r:id="rId54"/>
-      <p:bold r:id="rId55"/>
-      <p:italic r:id="rId56"/>
-      <p:boldItalic r:id="rId57"/>
-    </p:embeddedFont>
-    <p:embeddedFont>
-      <p:font typeface="Gill Sans"/>
-      <p:regular r:id="rId58"/>
-      <p:bold r:id="rId59"/>
-    </p:embeddedFont>
-  </p:embeddedFontLst>
   <p:defaultTextStyle>
     <a:defPPr lvl="0" marR="0" rtl="0" algn="l">
       <a:lnSpc>

--- a/pres-source/03-cloud-computing-background.pptx
+++ b/pres-source/03-cloud-computing-background.pptx
@@ -1,6 +1,6 @@
 
 <file path=ppt/presentation.xml><?xml version="1.0" encoding="utf-8"?>
-<p:presentation xmlns:a="http://schemas.openxmlformats.org/drawingml/2006/main" xmlns:r="http://schemas.openxmlformats.org/officeDocument/2006/relationships" xmlns:mc="http://schemas.openxmlformats.org/markup-compatibility/2006" xmlns:mv="urn:schemas-microsoft-com:mac:vml" xmlns:p="http://schemas.openxmlformats.org/presentationml/2006/main" xmlns:c="http://schemas.openxmlformats.org/drawingml/2006/chart" xmlns:dgm="http://schemas.openxmlformats.org/drawingml/2006/diagram" xmlns:o="urn:schemas-microsoft-com:office:office" xmlns:v="urn:schemas-microsoft-com:vml" xmlns:pvml="urn:schemas-microsoft-com:office:powerpoint" xmlns:com="http://schemas.openxmlformats.org/drawingml/2006/compatibility" xmlns:p14="http://schemas.microsoft.com/office/powerpoint/2010/main" xmlns:p15="http://schemas.microsoft.com/office/powerpoint/2012/main" xmlns:ahyp="http://schemas.microsoft.com/office/drawing/2018/hyperlinkcolor" autoCompressPictures="0" strictFirstAndLastChars="0" saveSubsetFonts="1">
+<p:presentation xmlns:a="http://schemas.openxmlformats.org/drawingml/2006/main" xmlns:r="http://schemas.openxmlformats.org/officeDocument/2006/relationships" xmlns:mc="http://schemas.openxmlformats.org/markup-compatibility/2006" xmlns:mv="urn:schemas-microsoft-com:mac:vml" xmlns:p="http://schemas.openxmlformats.org/presentationml/2006/main" xmlns:c="http://schemas.openxmlformats.org/drawingml/2006/chart" xmlns:dgm="http://schemas.openxmlformats.org/drawingml/2006/diagram" xmlns:o="urn:schemas-microsoft-com:office:office" xmlns:v="urn:schemas-microsoft-com:vml" xmlns:pvml="urn:schemas-microsoft-com:office:powerpoint" xmlns:com="http://schemas.openxmlformats.org/drawingml/2006/compatibility" xmlns:p14="http://schemas.microsoft.com/office/powerpoint/2010/main" xmlns:p15="http://schemas.microsoft.com/office/powerpoint/2012/main" xmlns:ahyp="http://schemas.microsoft.com/office/drawing/2018/hyperlinkcolor" autoCompressPictures="0" embedTrueTypeFonts="1" strictFirstAndLastChars="0" saveSubsetFonts="1">
   <p:sldMasterIdLst>
     <p:sldMasterId id="2147483659" r:id="rId4"/>
   </p:sldMasterIdLst>
@@ -59,6 +59,20 @@
   </p:sldIdLst>
   <p:sldSz cy="6858000" cx="9144000"/>
   <p:notesSz cx="6858000" cy="9144000"/>
+  <p:embeddedFontLst>
+    <p:embeddedFont>
+      <p:font typeface="Montserrat"/>
+      <p:regular r:id="rId54"/>
+      <p:bold r:id="rId55"/>
+      <p:italic r:id="rId56"/>
+      <p:boldItalic r:id="rId57"/>
+    </p:embeddedFont>
+    <p:embeddedFont>
+      <p:font typeface="Gill Sans"/>
+      <p:regular r:id="rId58"/>
+      <p:bold r:id="rId59"/>
+    </p:embeddedFont>
+  </p:embeddedFontLst>
   <p:defaultTextStyle>
     <a:defPPr lvl="0" marR="0" rtl="0" algn="l">
       <a:lnSpc>
